--- a/Presentation/Vehicle Intersection Control Presentation.pptx
+++ b/Presentation/Vehicle Intersection Control Presentation.pptx
@@ -1334,7 +1334,7 @@
           <a:p>
             <a:fld id="{2FFE84A0-83F7-4E0A-A0CE-A961D6AAB2B6}" type="datetimeFigureOut">
               <a:rPr lang="en-US" smtClean="0"/>
-              <a:t>2/7/2017</a:t>
+              <a:t>2/8/2017</a:t>
             </a:fld>
             <a:endParaRPr lang="en-US" dirty="0"/>
           </a:p>
@@ -1572,7 +1572,7 @@
           <a:p>
             <a:fld id="{2FFE84A0-83F7-4E0A-A0CE-A961D6AAB2B6}" type="datetimeFigureOut">
               <a:rPr lang="en-US" smtClean="0"/>
-              <a:t>2/7/2017</a:t>
+              <a:t>2/8/2017</a:t>
             </a:fld>
             <a:endParaRPr lang="en-US" dirty="0"/>
           </a:p>
@@ -1752,7 +1752,7 @@
           <a:p>
             <a:fld id="{2FFE84A0-83F7-4E0A-A0CE-A961D6AAB2B6}" type="datetimeFigureOut">
               <a:rPr lang="en-US" smtClean="0"/>
-              <a:t>2/7/2017</a:t>
+              <a:t>2/8/2017</a:t>
             </a:fld>
             <a:endParaRPr lang="en-US" dirty="0"/>
           </a:p>
@@ -1922,7 +1922,7 @@
           <a:p>
             <a:fld id="{2FFE84A0-83F7-4E0A-A0CE-A961D6AAB2B6}" type="datetimeFigureOut">
               <a:rPr lang="en-US" smtClean="0"/>
-              <a:t>2/7/2017</a:t>
+              <a:t>2/8/2017</a:t>
             </a:fld>
             <a:endParaRPr lang="en-US" dirty="0"/>
           </a:p>
@@ -2198,7 +2198,7 @@
           <a:p>
             <a:fld id="{2FFE84A0-83F7-4E0A-A0CE-A961D6AAB2B6}" type="datetimeFigureOut">
               <a:rPr lang="en-US" smtClean="0"/>
-              <a:t>2/7/2017</a:t>
+              <a:t>2/8/2017</a:t>
             </a:fld>
             <a:endParaRPr lang="en-US" dirty="0"/>
           </a:p>
@@ -3399,7 +3399,7 @@
           <a:p>
             <a:fld id="{2FFE84A0-83F7-4E0A-A0CE-A961D6AAB2B6}" type="datetimeFigureOut">
               <a:rPr lang="en-US" smtClean="0"/>
-              <a:t>2/7/2017</a:t>
+              <a:t>2/8/2017</a:t>
             </a:fld>
             <a:endParaRPr lang="en-US" dirty="0"/>
           </a:p>
@@ -3789,7 +3789,7 @@
           <a:p>
             <a:fld id="{2FFE84A0-83F7-4E0A-A0CE-A961D6AAB2B6}" type="datetimeFigureOut">
               <a:rPr lang="en-US" smtClean="0"/>
-              <a:t>2/7/2017</a:t>
+              <a:t>2/8/2017</a:t>
             </a:fld>
             <a:endParaRPr lang="en-US" dirty="0"/>
           </a:p>
@@ -3912,7 +3912,7 @@
           <a:p>
             <a:fld id="{2FFE84A0-83F7-4E0A-A0CE-A961D6AAB2B6}" type="datetimeFigureOut">
               <a:rPr lang="en-US" smtClean="0"/>
-              <a:t>2/7/2017</a:t>
+              <a:t>2/8/2017</a:t>
             </a:fld>
             <a:endParaRPr lang="en-US" dirty="0"/>
           </a:p>
@@ -4007,7 +4007,7 @@
           <a:p>
             <a:fld id="{2FFE84A0-83F7-4E0A-A0CE-A961D6AAB2B6}" type="datetimeFigureOut">
               <a:rPr lang="en-US" smtClean="0"/>
-              <a:t>2/7/2017</a:t>
+              <a:t>2/8/2017</a:t>
             </a:fld>
             <a:endParaRPr lang="en-US" dirty="0"/>
           </a:p>
@@ -4770,7 +4770,7 @@
           <a:p>
             <a:fld id="{2FFE84A0-83F7-4E0A-A0CE-A961D6AAB2B6}" type="datetimeFigureOut">
               <a:rPr lang="en-US" smtClean="0"/>
-              <a:t>2/7/2017</a:t>
+              <a:t>2/8/2017</a:t>
             </a:fld>
             <a:endParaRPr lang="en-US" dirty="0"/>
           </a:p>
@@ -5609,7 +5609,7 @@
           <a:p>
             <a:fld id="{2FFE84A0-83F7-4E0A-A0CE-A961D6AAB2B6}" type="datetimeFigureOut">
               <a:rPr lang="en-US" smtClean="0"/>
-              <a:t>2/7/2017</a:t>
+              <a:t>2/8/2017</a:t>
             </a:fld>
             <a:endParaRPr lang="en-US" dirty="0"/>
           </a:p>
@@ -5836,7 +5836,7 @@
           <a:p>
             <a:fld id="{2FFE84A0-83F7-4E0A-A0CE-A961D6AAB2B6}" type="datetimeFigureOut">
               <a:rPr lang="en-US" smtClean="0"/>
-              <a:t>2/7/2017</a:t>
+              <a:t>2/8/2017</a:t>
             </a:fld>
             <a:endParaRPr lang="en-US" dirty="0"/>
           </a:p>
@@ -7515,7 +7515,7 @@
         </p:nvSpPr>
         <p:spPr>
           <a:xfrm>
-            <a:off x="1517163" y="3364695"/>
+            <a:off x="1517162" y="3562118"/>
             <a:ext cx="10134198" cy="1857901"/>
           </a:xfrm>
         </p:spPr>
@@ -7545,8 +7545,8 @@
         </p:nvSpPr>
         <p:spPr>
           <a:xfrm rot="21388326">
-            <a:off x="-76538" y="1734939"/>
-            <a:ext cx="12497476" cy="1245685"/>
+            <a:off x="-408207" y="1745153"/>
+            <a:ext cx="12829460" cy="1245685"/>
           </a:xfrm>
           <a:solidFill>
             <a:srgbClr val="2A1A00"/>
@@ -7564,7 +7564,7 @@
       </p:sp>
       <p:pic>
         <p:nvPicPr>
-          <p:cNvPr id="6" name="Picture 5"/>
+          <p:cNvPr id="22" name="Picture 21"/>
           <p:cNvPicPr>
             <a:picLocks noChangeAspect="1"/>
           </p:cNvPicPr>
@@ -7605,7 +7605,7 @@
         </p:blipFill>
         <p:spPr>
           <a:xfrm>
-            <a:off x="3880502" y="214751"/>
+            <a:off x="4929652" y="156217"/>
             <a:ext cx="5407518" cy="2390776"/>
           </a:xfrm>
           <a:prstGeom prst="rect">
@@ -7634,8 +7634,8 @@
           </a:stretch>
         </p:blipFill>
         <p:spPr>
-          <a:xfrm rot="1674781">
-            <a:off x="8652168" y="199700"/>
+          <a:xfrm rot="1884818">
+            <a:off x="9691030" y="115507"/>
             <a:ext cx="373731" cy="295248"/>
           </a:xfrm>
           <a:prstGeom prst="rect">
@@ -7653,7 +7653,7 @@
         </p:nvSpPr>
         <p:spPr>
           <a:xfrm>
-            <a:off x="1748515" y="5586921"/>
+            <a:off x="1748515" y="5597752"/>
             <a:ext cx="9671493" cy="656492"/>
           </a:xfrm>
           <a:prstGeom prst="rect">
@@ -7662,7 +7662,7 @@
         </p:spPr>
         <p:txBody>
           <a:bodyPr vert="horz" lIns="91440" tIns="45720" rIns="91440" bIns="45720" rtlCol="0" anchor="t">
-            <a:normAutofit lnSpcReduction="10000"/>
+            <a:noAutofit/>
           </a:bodyPr>
           <a:lstStyle>
             <a:lvl1pPr marL="0" indent="0" algn="ctr" defTabSz="914400" rtl="0" eaLnBrk="1" latinLnBrk="0" hangingPunct="1">
@@ -7881,16 +7881,598 @@
           </a:lstStyle>
           <a:p>
             <a:r>
-              <a:rPr lang="en-CA" dirty="0">
+              <a:rPr lang="en-CA" sz="2200" b="0" dirty="0">
+                <a:solidFill>
+                  <a:srgbClr val="2A1A00"/>
+                </a:solidFill>
+              </a:rPr>
+              <a:t>Intersection Management for autonomous </a:t>
+            </a:r>
+          </a:p>
+          <a:p>
+            <a:r>
+              <a:rPr lang="en-CA" sz="2200" b="0" dirty="0">
+                <a:solidFill>
+                  <a:srgbClr val="2A1A00"/>
+                </a:solidFill>
+              </a:rPr>
+              <a:t>vehicles</a:t>
+            </a:r>
+            <a:endParaRPr lang="en-US" sz="2200" b="0" dirty="0">
+              <a:solidFill>
+                <a:srgbClr val="2A1A00"/>
+              </a:solidFill>
+            </a:endParaRPr>
+          </a:p>
+        </p:txBody>
+      </p:sp>
+      <p:sp>
+        <p:nvSpPr>
+          <p:cNvPr id="11" name="Subtitle 4"/>
+          <p:cNvSpPr txBox="1">
+            <a:spLocks/>
+          </p:cNvSpPr>
+          <p:nvPr/>
+        </p:nvSpPr>
+        <p:spPr>
+          <a:xfrm rot="21381350">
+            <a:off x="7840262" y="1287951"/>
+            <a:ext cx="2028024" cy="366875"/>
+          </a:xfrm>
+          <a:prstGeom prst="rect">
+            <a:avLst/>
+          </a:prstGeom>
+          <a:scene3d>
+            <a:camera prst="perspectiveRight"/>
+            <a:lightRig rig="threePt" dir="t"/>
+          </a:scene3d>
+        </p:spPr>
+        <p:txBody>
+          <a:bodyPr vert="horz" lIns="91440" tIns="45720" rIns="91440" bIns="45720" rtlCol="0" anchor="ctr">
+            <a:noAutofit/>
+          </a:bodyPr>
+          <a:lstStyle>
+            <a:lvl1pPr marL="0" indent="0" algn="ctr" defTabSz="914400" rtl="0" eaLnBrk="1" latinLnBrk="0" hangingPunct="1">
+              <a:lnSpc>
+                <a:spcPct val="100000"/>
+              </a:lnSpc>
+              <a:spcBef>
+                <a:spcPts val="700"/>
+              </a:spcBef>
+              <a:buClr>
+                <a:schemeClr val="tx2"/>
+              </a:buClr>
+              <a:buFont typeface="Arial" panose="020B0604020202020204" pitchFamily="34" charset="0"/>
+              <a:buNone/>
+              <a:defRPr sz="2000" b="1" i="0" kern="1200" cap="all" spc="400" baseline="0">
+                <a:solidFill>
+                  <a:schemeClr val="tx2"/>
+                </a:solidFill>
+                <a:latin typeface="+mn-lt"/>
+                <a:ea typeface="+mn-ea"/>
+                <a:cs typeface="+mn-cs"/>
+              </a:defRPr>
+            </a:lvl1pPr>
+            <a:lvl2pPr marL="457200" indent="0" algn="ctr" defTabSz="914400" rtl="0" eaLnBrk="1" latinLnBrk="0" hangingPunct="1">
+              <a:lnSpc>
+                <a:spcPct val="110000"/>
+              </a:lnSpc>
+              <a:spcBef>
+                <a:spcPts val="700"/>
+              </a:spcBef>
+              <a:buClr>
+                <a:schemeClr val="tx2"/>
+              </a:buClr>
+              <a:buFont typeface="Gill Sans MT" panose="020B0502020104020203" pitchFamily="34" charset="0"/>
+              <a:buNone/>
+              <a:defRPr sz="2000" kern="1200">
+                <a:solidFill>
+                  <a:schemeClr val="tx1">
+                    <a:lumMod val="65000"/>
+                    <a:lumOff val="35000"/>
+                  </a:schemeClr>
+                </a:solidFill>
+                <a:latin typeface="+mn-lt"/>
+                <a:ea typeface="+mn-ea"/>
+                <a:cs typeface="+mn-cs"/>
+              </a:defRPr>
+            </a:lvl2pPr>
+            <a:lvl3pPr marL="914400" indent="0" algn="ctr" defTabSz="914400" rtl="0" eaLnBrk="1" latinLnBrk="0" hangingPunct="1">
+              <a:lnSpc>
+                <a:spcPct val="110000"/>
+              </a:lnSpc>
+              <a:spcBef>
+                <a:spcPts val="700"/>
+              </a:spcBef>
+              <a:buClr>
+                <a:schemeClr val="tx2"/>
+              </a:buClr>
+              <a:buFont typeface="Arial" panose="020B0604020202020204" pitchFamily="34" charset="0"/>
+              <a:buNone/>
+              <a:defRPr sz="1800" kern="1200">
+                <a:solidFill>
+                  <a:schemeClr val="tx1">
+                    <a:lumMod val="65000"/>
+                    <a:lumOff val="35000"/>
+                  </a:schemeClr>
+                </a:solidFill>
+                <a:latin typeface="+mn-lt"/>
+                <a:ea typeface="+mn-ea"/>
+                <a:cs typeface="+mn-cs"/>
+              </a:defRPr>
+            </a:lvl3pPr>
+            <a:lvl4pPr marL="1371600" indent="0" algn="ctr" defTabSz="914400" rtl="0" eaLnBrk="1" latinLnBrk="0" hangingPunct="1">
+              <a:lnSpc>
+                <a:spcPct val="110000"/>
+              </a:lnSpc>
+              <a:spcBef>
+                <a:spcPts val="700"/>
+              </a:spcBef>
+              <a:buClr>
+                <a:schemeClr val="tx2"/>
+              </a:buClr>
+              <a:buFont typeface="Gill Sans MT" panose="020B0502020104020203" pitchFamily="34" charset="0"/>
+              <a:buNone/>
+              <a:defRPr sz="1600" kern="1200">
+                <a:solidFill>
+                  <a:schemeClr val="tx1">
+                    <a:lumMod val="65000"/>
+                    <a:lumOff val="35000"/>
+                  </a:schemeClr>
+                </a:solidFill>
+                <a:latin typeface="+mn-lt"/>
+                <a:ea typeface="+mn-ea"/>
+                <a:cs typeface="+mn-cs"/>
+              </a:defRPr>
+            </a:lvl4pPr>
+            <a:lvl5pPr marL="1828800" indent="0" algn="ctr" defTabSz="914400" rtl="0" eaLnBrk="1" latinLnBrk="0" hangingPunct="1">
+              <a:lnSpc>
+                <a:spcPct val="110000"/>
+              </a:lnSpc>
+              <a:spcBef>
+                <a:spcPts val="700"/>
+              </a:spcBef>
+              <a:buClr>
+                <a:schemeClr val="tx2"/>
+              </a:buClr>
+              <a:buFont typeface="Arial" panose="020B0604020202020204" pitchFamily="34" charset="0"/>
+              <a:buNone/>
+              <a:defRPr sz="1600" kern="1200">
+                <a:solidFill>
+                  <a:schemeClr val="tx1">
+                    <a:lumMod val="65000"/>
+                    <a:lumOff val="35000"/>
+                  </a:schemeClr>
+                </a:solidFill>
+                <a:latin typeface="+mn-lt"/>
+                <a:ea typeface="+mn-ea"/>
+                <a:cs typeface="+mn-cs"/>
+              </a:defRPr>
+            </a:lvl5pPr>
+            <a:lvl6pPr marL="2286000" indent="0" algn="ctr" defTabSz="914400" rtl="0" eaLnBrk="1" latinLnBrk="0" hangingPunct="1">
+              <a:lnSpc>
+                <a:spcPct val="110000"/>
+              </a:lnSpc>
+              <a:spcBef>
+                <a:spcPts val="700"/>
+              </a:spcBef>
+              <a:buClr>
+                <a:schemeClr val="tx2"/>
+              </a:buClr>
+              <a:buFont typeface="Gill Sans MT" panose="020B0502020104020203" pitchFamily="34" charset="0"/>
+              <a:buNone/>
+              <a:defRPr sz="1600" kern="1200">
+                <a:solidFill>
+                  <a:schemeClr val="tx1">
+                    <a:lumMod val="65000"/>
+                    <a:lumOff val="35000"/>
+                  </a:schemeClr>
+                </a:solidFill>
+                <a:latin typeface="+mn-lt"/>
+                <a:ea typeface="+mn-ea"/>
+                <a:cs typeface="+mn-cs"/>
+              </a:defRPr>
+            </a:lvl6pPr>
+            <a:lvl7pPr marL="2743200" indent="0" algn="ctr" defTabSz="914400" rtl="0" eaLnBrk="1" latinLnBrk="0" hangingPunct="1">
+              <a:lnSpc>
+                <a:spcPct val="110000"/>
+              </a:lnSpc>
+              <a:spcBef>
+                <a:spcPts val="700"/>
+              </a:spcBef>
+              <a:buClr>
+                <a:schemeClr val="tx2"/>
+              </a:buClr>
+              <a:buFont typeface="Arial" panose="020B0604020202020204" pitchFamily="34" charset="0"/>
+              <a:buNone/>
+              <a:defRPr sz="1600" kern="1200">
+                <a:solidFill>
+                  <a:schemeClr val="tx1">
+                    <a:lumMod val="65000"/>
+                    <a:lumOff val="35000"/>
+                  </a:schemeClr>
+                </a:solidFill>
+                <a:latin typeface="+mn-lt"/>
+                <a:ea typeface="+mn-ea"/>
+                <a:cs typeface="+mn-cs"/>
+              </a:defRPr>
+            </a:lvl7pPr>
+            <a:lvl8pPr marL="3200400" indent="0" algn="ctr" defTabSz="914400" rtl="0" eaLnBrk="1" latinLnBrk="0" hangingPunct="1">
+              <a:lnSpc>
+                <a:spcPct val="110000"/>
+              </a:lnSpc>
+              <a:spcBef>
+                <a:spcPts val="700"/>
+              </a:spcBef>
+              <a:buClr>
+                <a:schemeClr val="tx2"/>
+              </a:buClr>
+              <a:buFont typeface="Gill Sans MT" panose="020B0502020104020203" pitchFamily="34" charset="0"/>
+              <a:buNone/>
+              <a:defRPr sz="1600" kern="1200" baseline="0">
+                <a:solidFill>
+                  <a:schemeClr val="tx1">
+                    <a:lumMod val="65000"/>
+                    <a:lumOff val="35000"/>
+                  </a:schemeClr>
+                </a:solidFill>
+                <a:latin typeface="+mn-lt"/>
+                <a:ea typeface="+mn-ea"/>
+                <a:cs typeface="+mn-cs"/>
+              </a:defRPr>
+            </a:lvl8pPr>
+            <a:lvl9pPr marL="3657600" indent="0" algn="ctr" defTabSz="914400" rtl="0" eaLnBrk="1" latinLnBrk="0" hangingPunct="1">
+              <a:lnSpc>
+                <a:spcPct val="110000"/>
+              </a:lnSpc>
+              <a:spcBef>
+                <a:spcPts val="700"/>
+              </a:spcBef>
+              <a:buClr>
+                <a:schemeClr val="tx2"/>
+              </a:buClr>
+              <a:buFont typeface="Arial" panose="020B0604020202020204" pitchFamily="34" charset="0"/>
+              <a:buNone/>
+              <a:defRPr sz="1600" kern="1200" baseline="0">
+                <a:solidFill>
+                  <a:schemeClr val="tx1">
+                    <a:lumMod val="65000"/>
+                    <a:lumOff val="35000"/>
+                  </a:schemeClr>
+                </a:solidFill>
+                <a:latin typeface="+mn-lt"/>
+                <a:ea typeface="+mn-ea"/>
+                <a:cs typeface="+mn-cs"/>
+              </a:defRPr>
+            </a:lvl9pPr>
+          </a:lstStyle>
+          <a:p>
+            <a:r>
+              <a:rPr lang="en-CA" sz="2400" dirty="0">
                 <a:solidFill>
                   <a:schemeClr val="bg2"/>
                 </a:solidFill>
               </a:rPr>
-              <a:t>Intersection Management for autonomous vehicles</a:t>
+              <a:t>Group 6</a:t>
             </a:r>
-            <a:endParaRPr lang="en-US" dirty="0">
+            <a:endParaRPr lang="en-US" sz="2400" dirty="0">
               <a:solidFill>
                 <a:schemeClr val="bg2"/>
+              </a:solidFill>
+            </a:endParaRPr>
+          </a:p>
+        </p:txBody>
+      </p:sp>
+      <p:sp>
+        <p:nvSpPr>
+          <p:cNvPr id="21" name="Subtitle 4"/>
+          <p:cNvSpPr txBox="1">
+            <a:spLocks/>
+          </p:cNvSpPr>
+          <p:nvPr/>
+        </p:nvSpPr>
+        <p:spPr>
+          <a:xfrm>
+            <a:off x="406648" y="263130"/>
+            <a:ext cx="3749342" cy="2283863"/>
+          </a:xfrm>
+          <a:prstGeom prst="rect">
+            <a:avLst/>
+          </a:prstGeom>
+          <a:solidFill>
+            <a:schemeClr val="bg1"/>
+          </a:solidFill>
+          <a:ln w="76200">
+            <a:solidFill>
+              <a:srgbClr val="2A1A00"/>
+            </a:solidFill>
+          </a:ln>
+          <a:scene3d>
+            <a:camera prst="perspectiveHeroicExtremeRightFacing"/>
+            <a:lightRig rig="threePt" dir="t"/>
+          </a:scene3d>
+        </p:spPr>
+        <p:txBody>
+          <a:bodyPr vert="horz" lIns="91440" tIns="45720" rIns="91440" bIns="45720" rtlCol="0" anchor="ctr">
+            <a:noAutofit/>
+          </a:bodyPr>
+          <a:lstStyle>
+            <a:lvl1pPr marL="0" indent="0" algn="ctr" defTabSz="914400" rtl="0" eaLnBrk="1" latinLnBrk="0" hangingPunct="1">
+              <a:lnSpc>
+                <a:spcPct val="100000"/>
+              </a:lnSpc>
+              <a:spcBef>
+                <a:spcPts val="700"/>
+              </a:spcBef>
+              <a:buClr>
+                <a:schemeClr val="tx2"/>
+              </a:buClr>
+              <a:buFont typeface="Arial" panose="020B0604020202020204" pitchFamily="34" charset="0"/>
+              <a:buNone/>
+              <a:defRPr sz="2000" b="1" i="0" kern="1200" cap="all" spc="400" baseline="0">
+                <a:solidFill>
+                  <a:schemeClr val="tx2"/>
+                </a:solidFill>
+                <a:latin typeface="+mn-lt"/>
+                <a:ea typeface="+mn-ea"/>
+                <a:cs typeface="+mn-cs"/>
+              </a:defRPr>
+            </a:lvl1pPr>
+            <a:lvl2pPr marL="457200" indent="0" algn="ctr" defTabSz="914400" rtl="0" eaLnBrk="1" latinLnBrk="0" hangingPunct="1">
+              <a:lnSpc>
+                <a:spcPct val="110000"/>
+              </a:lnSpc>
+              <a:spcBef>
+                <a:spcPts val="700"/>
+              </a:spcBef>
+              <a:buClr>
+                <a:schemeClr val="tx2"/>
+              </a:buClr>
+              <a:buFont typeface="Gill Sans MT" panose="020B0502020104020203" pitchFamily="34" charset="0"/>
+              <a:buNone/>
+              <a:defRPr sz="2000" kern="1200">
+                <a:solidFill>
+                  <a:schemeClr val="tx1">
+                    <a:lumMod val="65000"/>
+                    <a:lumOff val="35000"/>
+                  </a:schemeClr>
+                </a:solidFill>
+                <a:latin typeface="+mn-lt"/>
+                <a:ea typeface="+mn-ea"/>
+                <a:cs typeface="+mn-cs"/>
+              </a:defRPr>
+            </a:lvl2pPr>
+            <a:lvl3pPr marL="914400" indent="0" algn="ctr" defTabSz="914400" rtl="0" eaLnBrk="1" latinLnBrk="0" hangingPunct="1">
+              <a:lnSpc>
+                <a:spcPct val="110000"/>
+              </a:lnSpc>
+              <a:spcBef>
+                <a:spcPts val="700"/>
+              </a:spcBef>
+              <a:buClr>
+                <a:schemeClr val="tx2"/>
+              </a:buClr>
+              <a:buFont typeface="Arial" panose="020B0604020202020204" pitchFamily="34" charset="0"/>
+              <a:buNone/>
+              <a:defRPr sz="1800" kern="1200">
+                <a:solidFill>
+                  <a:schemeClr val="tx1">
+                    <a:lumMod val="65000"/>
+                    <a:lumOff val="35000"/>
+                  </a:schemeClr>
+                </a:solidFill>
+                <a:latin typeface="+mn-lt"/>
+                <a:ea typeface="+mn-ea"/>
+                <a:cs typeface="+mn-cs"/>
+              </a:defRPr>
+            </a:lvl3pPr>
+            <a:lvl4pPr marL="1371600" indent="0" algn="ctr" defTabSz="914400" rtl="0" eaLnBrk="1" latinLnBrk="0" hangingPunct="1">
+              <a:lnSpc>
+                <a:spcPct val="110000"/>
+              </a:lnSpc>
+              <a:spcBef>
+                <a:spcPts val="700"/>
+              </a:spcBef>
+              <a:buClr>
+                <a:schemeClr val="tx2"/>
+              </a:buClr>
+              <a:buFont typeface="Gill Sans MT" panose="020B0502020104020203" pitchFamily="34" charset="0"/>
+              <a:buNone/>
+              <a:defRPr sz="1600" kern="1200">
+                <a:solidFill>
+                  <a:schemeClr val="tx1">
+                    <a:lumMod val="65000"/>
+                    <a:lumOff val="35000"/>
+                  </a:schemeClr>
+                </a:solidFill>
+                <a:latin typeface="+mn-lt"/>
+                <a:ea typeface="+mn-ea"/>
+                <a:cs typeface="+mn-cs"/>
+              </a:defRPr>
+            </a:lvl4pPr>
+            <a:lvl5pPr marL="1828800" indent="0" algn="ctr" defTabSz="914400" rtl="0" eaLnBrk="1" latinLnBrk="0" hangingPunct="1">
+              <a:lnSpc>
+                <a:spcPct val="110000"/>
+              </a:lnSpc>
+              <a:spcBef>
+                <a:spcPts val="700"/>
+              </a:spcBef>
+              <a:buClr>
+                <a:schemeClr val="tx2"/>
+              </a:buClr>
+              <a:buFont typeface="Arial" panose="020B0604020202020204" pitchFamily="34" charset="0"/>
+              <a:buNone/>
+              <a:defRPr sz="1600" kern="1200">
+                <a:solidFill>
+                  <a:schemeClr val="tx1">
+                    <a:lumMod val="65000"/>
+                    <a:lumOff val="35000"/>
+                  </a:schemeClr>
+                </a:solidFill>
+                <a:latin typeface="+mn-lt"/>
+                <a:ea typeface="+mn-ea"/>
+                <a:cs typeface="+mn-cs"/>
+              </a:defRPr>
+            </a:lvl5pPr>
+            <a:lvl6pPr marL="2286000" indent="0" algn="ctr" defTabSz="914400" rtl="0" eaLnBrk="1" latinLnBrk="0" hangingPunct="1">
+              <a:lnSpc>
+                <a:spcPct val="110000"/>
+              </a:lnSpc>
+              <a:spcBef>
+                <a:spcPts val="700"/>
+              </a:spcBef>
+              <a:buClr>
+                <a:schemeClr val="tx2"/>
+              </a:buClr>
+              <a:buFont typeface="Gill Sans MT" panose="020B0502020104020203" pitchFamily="34" charset="0"/>
+              <a:buNone/>
+              <a:defRPr sz="1600" kern="1200">
+                <a:solidFill>
+                  <a:schemeClr val="tx1">
+                    <a:lumMod val="65000"/>
+                    <a:lumOff val="35000"/>
+                  </a:schemeClr>
+                </a:solidFill>
+                <a:latin typeface="+mn-lt"/>
+                <a:ea typeface="+mn-ea"/>
+                <a:cs typeface="+mn-cs"/>
+              </a:defRPr>
+            </a:lvl6pPr>
+            <a:lvl7pPr marL="2743200" indent="0" algn="ctr" defTabSz="914400" rtl="0" eaLnBrk="1" latinLnBrk="0" hangingPunct="1">
+              <a:lnSpc>
+                <a:spcPct val="110000"/>
+              </a:lnSpc>
+              <a:spcBef>
+                <a:spcPts val="700"/>
+              </a:spcBef>
+              <a:buClr>
+                <a:schemeClr val="tx2"/>
+              </a:buClr>
+              <a:buFont typeface="Arial" panose="020B0604020202020204" pitchFamily="34" charset="0"/>
+              <a:buNone/>
+              <a:defRPr sz="1600" kern="1200">
+                <a:solidFill>
+                  <a:schemeClr val="tx1">
+                    <a:lumMod val="65000"/>
+                    <a:lumOff val="35000"/>
+                  </a:schemeClr>
+                </a:solidFill>
+                <a:latin typeface="+mn-lt"/>
+                <a:ea typeface="+mn-ea"/>
+                <a:cs typeface="+mn-cs"/>
+              </a:defRPr>
+            </a:lvl7pPr>
+            <a:lvl8pPr marL="3200400" indent="0" algn="ctr" defTabSz="914400" rtl="0" eaLnBrk="1" latinLnBrk="0" hangingPunct="1">
+              <a:lnSpc>
+                <a:spcPct val="110000"/>
+              </a:lnSpc>
+              <a:spcBef>
+                <a:spcPts val="700"/>
+              </a:spcBef>
+              <a:buClr>
+                <a:schemeClr val="tx2"/>
+              </a:buClr>
+              <a:buFont typeface="Gill Sans MT" panose="020B0502020104020203" pitchFamily="34" charset="0"/>
+              <a:buNone/>
+              <a:defRPr sz="1600" kern="1200" baseline="0">
+                <a:solidFill>
+                  <a:schemeClr val="tx1">
+                    <a:lumMod val="65000"/>
+                    <a:lumOff val="35000"/>
+                  </a:schemeClr>
+                </a:solidFill>
+                <a:latin typeface="+mn-lt"/>
+                <a:ea typeface="+mn-ea"/>
+                <a:cs typeface="+mn-cs"/>
+              </a:defRPr>
+            </a:lvl8pPr>
+            <a:lvl9pPr marL="3657600" indent="0" algn="ctr" defTabSz="914400" rtl="0" eaLnBrk="1" latinLnBrk="0" hangingPunct="1">
+              <a:lnSpc>
+                <a:spcPct val="110000"/>
+              </a:lnSpc>
+              <a:spcBef>
+                <a:spcPts val="700"/>
+              </a:spcBef>
+              <a:buClr>
+                <a:schemeClr val="tx2"/>
+              </a:buClr>
+              <a:buFont typeface="Arial" panose="020B0604020202020204" pitchFamily="34" charset="0"/>
+              <a:buNone/>
+              <a:defRPr sz="1600" kern="1200" baseline="0">
+                <a:solidFill>
+                  <a:schemeClr val="tx1">
+                    <a:lumMod val="65000"/>
+                    <a:lumOff val="35000"/>
+                  </a:schemeClr>
+                </a:solidFill>
+                <a:latin typeface="+mn-lt"/>
+                <a:ea typeface="+mn-ea"/>
+                <a:cs typeface="+mn-cs"/>
+              </a:defRPr>
+            </a:lvl9pPr>
+          </a:lstStyle>
+          <a:p>
+            <a:r>
+              <a:rPr lang="en-CA" sz="1600" dirty="0">
+                <a:solidFill>
+                  <a:srgbClr val="2A1A00"/>
+                </a:solidFill>
+              </a:rPr>
+              <a:t>Alex Jackson</a:t>
+            </a:r>
+          </a:p>
+          <a:p>
+            <a:r>
+              <a:rPr lang="en-CA" sz="1600" dirty="0">
+                <a:solidFill>
+                  <a:srgbClr val="2A1A00"/>
+                </a:solidFill>
+              </a:rPr>
+              <a:t>Jean Lucas Ferreira</a:t>
+            </a:r>
+          </a:p>
+          <a:p>
+            <a:r>
+              <a:rPr lang="en-CA" sz="1600" dirty="0">
+                <a:solidFill>
+                  <a:srgbClr val="2A1A00"/>
+                </a:solidFill>
+              </a:rPr>
+              <a:t>Justin Kapinski</a:t>
+            </a:r>
+          </a:p>
+          <a:p>
+            <a:r>
+              <a:rPr lang="en-CA" sz="1600" dirty="0">
+                <a:solidFill>
+                  <a:srgbClr val="2A1A00"/>
+                </a:solidFill>
+              </a:rPr>
+              <a:t>Mathew Hobers</a:t>
+            </a:r>
+          </a:p>
+          <a:p>
+            <a:r>
+              <a:rPr lang="en-CA" sz="1600" dirty="0">
+                <a:solidFill>
+                  <a:srgbClr val="2A1A00"/>
+                </a:solidFill>
+              </a:rPr>
+              <a:t>Radhika Sharma</a:t>
+            </a:r>
+          </a:p>
+          <a:p>
+            <a:r>
+              <a:rPr lang="en-CA" sz="1600" dirty="0">
+                <a:solidFill>
+                  <a:srgbClr val="2A1A00"/>
+                </a:solidFill>
+              </a:rPr>
+              <a:t>Zachary Bazen</a:t>
+            </a:r>
+            <a:endParaRPr lang="en-US" sz="1600" dirty="0">
+              <a:solidFill>
+                <a:srgbClr val="2A1A00"/>
               </a:solidFill>
             </a:endParaRPr>
           </a:p>
@@ -7904,7 +8486,7 @@
         </p:nvSpPr>
         <p:spPr>
           <a:xfrm>
-            <a:off x="4368397" y="1807873"/>
+            <a:off x="5423158" y="1749526"/>
             <a:ext cx="702871" cy="253916"/>
           </a:xfrm>
           <a:prstGeom prst="rect">
@@ -7942,6 +8524,36 @@
           </a:p>
         </p:txBody>
       </p:sp>
+      <p:cxnSp>
+        <p:nvCxnSpPr>
+          <p:cNvPr id="25" name="Straight Connector 24"/>
+          <p:cNvCxnSpPr/>
+          <p:nvPr/>
+        </p:nvCxnSpPr>
+        <p:spPr>
+          <a:xfrm>
+            <a:off x="2066925" y="5420019"/>
+            <a:ext cx="9201150" cy="0"/>
+          </a:xfrm>
+          <a:prstGeom prst="line">
+            <a:avLst/>
+          </a:prstGeom>
+        </p:spPr>
+        <p:style>
+          <a:lnRef idx="3">
+            <a:schemeClr val="dk1"/>
+          </a:lnRef>
+          <a:fillRef idx="0">
+            <a:schemeClr val="dk1"/>
+          </a:fillRef>
+          <a:effectRef idx="2">
+            <a:schemeClr val="dk1"/>
+          </a:effectRef>
+          <a:fontRef idx="minor">
+            <a:schemeClr val="tx1"/>
+          </a:fontRef>
+        </p:style>
+      </p:cxnSp>
     </p:spTree>
     <p:extLst>
       <p:ext uri="{BB962C8B-B14F-4D97-AF65-F5344CB8AC3E}">
@@ -10649,6 +11261,263 @@
           </a:prstGeom>
         </p:spPr>
       </p:pic>
+      <p:sp>
+        <p:nvSpPr>
+          <p:cNvPr id="13" name="Subtitle 4"/>
+          <p:cNvSpPr txBox="1">
+            <a:spLocks/>
+          </p:cNvSpPr>
+          <p:nvPr/>
+        </p:nvSpPr>
+        <p:spPr>
+          <a:xfrm rot="21381350">
+            <a:off x="8771491" y="3517283"/>
+            <a:ext cx="2111693" cy="410935"/>
+          </a:xfrm>
+          <a:prstGeom prst="rect">
+            <a:avLst/>
+          </a:prstGeom>
+          <a:scene3d>
+            <a:camera prst="perspectiveRight"/>
+            <a:lightRig rig="threePt" dir="t"/>
+          </a:scene3d>
+        </p:spPr>
+        <p:txBody>
+          <a:bodyPr vert="horz" lIns="91440" tIns="45720" rIns="91440" bIns="45720" rtlCol="0" anchor="ctr">
+            <a:noAutofit/>
+          </a:bodyPr>
+          <a:lstStyle>
+            <a:lvl1pPr marL="0" indent="0" algn="ctr" defTabSz="914400" rtl="0" eaLnBrk="1" latinLnBrk="0" hangingPunct="1">
+              <a:lnSpc>
+                <a:spcPct val="100000"/>
+              </a:lnSpc>
+              <a:spcBef>
+                <a:spcPts val="700"/>
+              </a:spcBef>
+              <a:buClr>
+                <a:schemeClr val="tx2"/>
+              </a:buClr>
+              <a:buFont typeface="Arial" panose="020B0604020202020204" pitchFamily="34" charset="0"/>
+              <a:buNone/>
+              <a:defRPr sz="2000" b="1" i="0" kern="1200" cap="all" spc="400" baseline="0">
+                <a:solidFill>
+                  <a:schemeClr val="tx2"/>
+                </a:solidFill>
+                <a:latin typeface="+mn-lt"/>
+                <a:ea typeface="+mn-ea"/>
+                <a:cs typeface="+mn-cs"/>
+              </a:defRPr>
+            </a:lvl1pPr>
+            <a:lvl2pPr marL="457200" indent="0" algn="ctr" defTabSz="914400" rtl="0" eaLnBrk="1" latinLnBrk="0" hangingPunct="1">
+              <a:lnSpc>
+                <a:spcPct val="110000"/>
+              </a:lnSpc>
+              <a:spcBef>
+                <a:spcPts val="700"/>
+              </a:spcBef>
+              <a:buClr>
+                <a:schemeClr val="tx2"/>
+              </a:buClr>
+              <a:buFont typeface="Gill Sans MT" panose="020B0502020104020203" pitchFamily="34" charset="0"/>
+              <a:buNone/>
+              <a:defRPr sz="2000" kern="1200">
+                <a:solidFill>
+                  <a:schemeClr val="tx1">
+                    <a:lumMod val="65000"/>
+                    <a:lumOff val="35000"/>
+                  </a:schemeClr>
+                </a:solidFill>
+                <a:latin typeface="+mn-lt"/>
+                <a:ea typeface="+mn-ea"/>
+                <a:cs typeface="+mn-cs"/>
+              </a:defRPr>
+            </a:lvl2pPr>
+            <a:lvl3pPr marL="914400" indent="0" algn="ctr" defTabSz="914400" rtl="0" eaLnBrk="1" latinLnBrk="0" hangingPunct="1">
+              <a:lnSpc>
+                <a:spcPct val="110000"/>
+              </a:lnSpc>
+              <a:spcBef>
+                <a:spcPts val="700"/>
+              </a:spcBef>
+              <a:buClr>
+                <a:schemeClr val="tx2"/>
+              </a:buClr>
+              <a:buFont typeface="Arial" panose="020B0604020202020204" pitchFamily="34" charset="0"/>
+              <a:buNone/>
+              <a:defRPr sz="1800" kern="1200">
+                <a:solidFill>
+                  <a:schemeClr val="tx1">
+                    <a:lumMod val="65000"/>
+                    <a:lumOff val="35000"/>
+                  </a:schemeClr>
+                </a:solidFill>
+                <a:latin typeface="+mn-lt"/>
+                <a:ea typeface="+mn-ea"/>
+                <a:cs typeface="+mn-cs"/>
+              </a:defRPr>
+            </a:lvl3pPr>
+            <a:lvl4pPr marL="1371600" indent="0" algn="ctr" defTabSz="914400" rtl="0" eaLnBrk="1" latinLnBrk="0" hangingPunct="1">
+              <a:lnSpc>
+                <a:spcPct val="110000"/>
+              </a:lnSpc>
+              <a:spcBef>
+                <a:spcPts val="700"/>
+              </a:spcBef>
+              <a:buClr>
+                <a:schemeClr val="tx2"/>
+              </a:buClr>
+              <a:buFont typeface="Gill Sans MT" panose="020B0502020104020203" pitchFamily="34" charset="0"/>
+              <a:buNone/>
+              <a:defRPr sz="1600" kern="1200">
+                <a:solidFill>
+                  <a:schemeClr val="tx1">
+                    <a:lumMod val="65000"/>
+                    <a:lumOff val="35000"/>
+                  </a:schemeClr>
+                </a:solidFill>
+                <a:latin typeface="+mn-lt"/>
+                <a:ea typeface="+mn-ea"/>
+                <a:cs typeface="+mn-cs"/>
+              </a:defRPr>
+            </a:lvl4pPr>
+            <a:lvl5pPr marL="1828800" indent="0" algn="ctr" defTabSz="914400" rtl="0" eaLnBrk="1" latinLnBrk="0" hangingPunct="1">
+              <a:lnSpc>
+                <a:spcPct val="110000"/>
+              </a:lnSpc>
+              <a:spcBef>
+                <a:spcPts val="700"/>
+              </a:spcBef>
+              <a:buClr>
+                <a:schemeClr val="tx2"/>
+              </a:buClr>
+              <a:buFont typeface="Arial" panose="020B0604020202020204" pitchFamily="34" charset="0"/>
+              <a:buNone/>
+              <a:defRPr sz="1600" kern="1200">
+                <a:solidFill>
+                  <a:schemeClr val="tx1">
+                    <a:lumMod val="65000"/>
+                    <a:lumOff val="35000"/>
+                  </a:schemeClr>
+                </a:solidFill>
+                <a:latin typeface="+mn-lt"/>
+                <a:ea typeface="+mn-ea"/>
+                <a:cs typeface="+mn-cs"/>
+              </a:defRPr>
+            </a:lvl5pPr>
+            <a:lvl6pPr marL="2286000" indent="0" algn="ctr" defTabSz="914400" rtl="0" eaLnBrk="1" latinLnBrk="0" hangingPunct="1">
+              <a:lnSpc>
+                <a:spcPct val="110000"/>
+              </a:lnSpc>
+              <a:spcBef>
+                <a:spcPts val="700"/>
+              </a:spcBef>
+              <a:buClr>
+                <a:schemeClr val="tx2"/>
+              </a:buClr>
+              <a:buFont typeface="Gill Sans MT" panose="020B0502020104020203" pitchFamily="34" charset="0"/>
+              <a:buNone/>
+              <a:defRPr sz="1600" kern="1200">
+                <a:solidFill>
+                  <a:schemeClr val="tx1">
+                    <a:lumMod val="65000"/>
+                    <a:lumOff val="35000"/>
+                  </a:schemeClr>
+                </a:solidFill>
+                <a:latin typeface="+mn-lt"/>
+                <a:ea typeface="+mn-ea"/>
+                <a:cs typeface="+mn-cs"/>
+              </a:defRPr>
+            </a:lvl6pPr>
+            <a:lvl7pPr marL="2743200" indent="0" algn="ctr" defTabSz="914400" rtl="0" eaLnBrk="1" latinLnBrk="0" hangingPunct="1">
+              <a:lnSpc>
+                <a:spcPct val="110000"/>
+              </a:lnSpc>
+              <a:spcBef>
+                <a:spcPts val="700"/>
+              </a:spcBef>
+              <a:buClr>
+                <a:schemeClr val="tx2"/>
+              </a:buClr>
+              <a:buFont typeface="Arial" panose="020B0604020202020204" pitchFamily="34" charset="0"/>
+              <a:buNone/>
+              <a:defRPr sz="1600" kern="1200">
+                <a:solidFill>
+                  <a:schemeClr val="tx1">
+                    <a:lumMod val="65000"/>
+                    <a:lumOff val="35000"/>
+                  </a:schemeClr>
+                </a:solidFill>
+                <a:latin typeface="+mn-lt"/>
+                <a:ea typeface="+mn-ea"/>
+                <a:cs typeface="+mn-cs"/>
+              </a:defRPr>
+            </a:lvl7pPr>
+            <a:lvl8pPr marL="3200400" indent="0" algn="ctr" defTabSz="914400" rtl="0" eaLnBrk="1" latinLnBrk="0" hangingPunct="1">
+              <a:lnSpc>
+                <a:spcPct val="110000"/>
+              </a:lnSpc>
+              <a:spcBef>
+                <a:spcPts val="700"/>
+              </a:spcBef>
+              <a:buClr>
+                <a:schemeClr val="tx2"/>
+              </a:buClr>
+              <a:buFont typeface="Gill Sans MT" panose="020B0502020104020203" pitchFamily="34" charset="0"/>
+              <a:buNone/>
+              <a:defRPr sz="1600" kern="1200" baseline="0">
+                <a:solidFill>
+                  <a:schemeClr val="tx1">
+                    <a:lumMod val="65000"/>
+                    <a:lumOff val="35000"/>
+                  </a:schemeClr>
+                </a:solidFill>
+                <a:latin typeface="+mn-lt"/>
+                <a:ea typeface="+mn-ea"/>
+                <a:cs typeface="+mn-cs"/>
+              </a:defRPr>
+            </a:lvl8pPr>
+            <a:lvl9pPr marL="3657600" indent="0" algn="ctr" defTabSz="914400" rtl="0" eaLnBrk="1" latinLnBrk="0" hangingPunct="1">
+              <a:lnSpc>
+                <a:spcPct val="110000"/>
+              </a:lnSpc>
+              <a:spcBef>
+                <a:spcPts val="700"/>
+              </a:spcBef>
+              <a:buClr>
+                <a:schemeClr val="tx2"/>
+              </a:buClr>
+              <a:buFont typeface="Arial" panose="020B0604020202020204" pitchFamily="34" charset="0"/>
+              <a:buNone/>
+              <a:defRPr sz="1600" kern="1200" baseline="0">
+                <a:solidFill>
+                  <a:schemeClr val="tx1">
+                    <a:lumMod val="65000"/>
+                    <a:lumOff val="35000"/>
+                  </a:schemeClr>
+                </a:solidFill>
+                <a:latin typeface="+mn-lt"/>
+                <a:ea typeface="+mn-ea"/>
+                <a:cs typeface="+mn-cs"/>
+              </a:defRPr>
+            </a:lvl9pPr>
+          </a:lstStyle>
+          <a:p>
+            <a:r>
+              <a:rPr lang="en-CA" sz="2500" dirty="0">
+                <a:solidFill>
+                  <a:schemeClr val="tx1"/>
+                </a:solidFill>
+              </a:rPr>
+              <a:t>Group 6</a:t>
+            </a:r>
+            <a:endParaRPr lang="en-US" sz="2500" dirty="0">
+              <a:solidFill>
+                <a:schemeClr val="tx1"/>
+              </a:solidFill>
+            </a:endParaRPr>
+          </a:p>
+        </p:txBody>
+      </p:sp>
     </p:spTree>
     <p:extLst>
       <p:ext uri="{BB962C8B-B14F-4D97-AF65-F5344CB8AC3E}">
@@ -10895,7 +11764,7 @@
         </p:blipFill>
         <p:spPr>
           <a:xfrm>
-            <a:off x="1" y="10"/>
+            <a:off x="0" y="0"/>
             <a:ext cx="12192000" cy="2828482"/>
           </a:xfrm>
           <a:prstGeom prst="rect">
@@ -11446,6 +12315,263 @@
                   </a:srgbClr>
                 </a:outerShdw>
               </a:effectLst>
+            </a:endParaRPr>
+          </a:p>
+        </p:txBody>
+      </p:sp>
+      <p:sp>
+        <p:nvSpPr>
+          <p:cNvPr id="12" name="Subtitle 4"/>
+          <p:cNvSpPr txBox="1">
+            <a:spLocks/>
+          </p:cNvSpPr>
+          <p:nvPr/>
+        </p:nvSpPr>
+        <p:spPr>
+          <a:xfrm rot="21337305">
+            <a:off x="6744779" y="1006002"/>
+            <a:ext cx="4181503" cy="775591"/>
+          </a:xfrm>
+          <a:prstGeom prst="rect">
+            <a:avLst/>
+          </a:prstGeom>
+          <a:scene3d>
+            <a:camera prst="perspectiveRight"/>
+            <a:lightRig rig="threePt" dir="t"/>
+          </a:scene3d>
+        </p:spPr>
+        <p:txBody>
+          <a:bodyPr vert="horz" lIns="91440" tIns="45720" rIns="91440" bIns="45720" rtlCol="0" anchor="ctr">
+            <a:noAutofit/>
+          </a:bodyPr>
+          <a:lstStyle>
+            <a:lvl1pPr marL="0" indent="0" algn="ctr" defTabSz="914400" rtl="0" eaLnBrk="1" latinLnBrk="0" hangingPunct="1">
+              <a:lnSpc>
+                <a:spcPct val="100000"/>
+              </a:lnSpc>
+              <a:spcBef>
+                <a:spcPts val="700"/>
+              </a:spcBef>
+              <a:buClr>
+                <a:schemeClr val="tx2"/>
+              </a:buClr>
+              <a:buFont typeface="Arial" panose="020B0604020202020204" pitchFamily="34" charset="0"/>
+              <a:buNone/>
+              <a:defRPr sz="2000" b="1" i="0" kern="1200" cap="all" spc="400" baseline="0">
+                <a:solidFill>
+                  <a:schemeClr val="tx2"/>
+                </a:solidFill>
+                <a:latin typeface="+mn-lt"/>
+                <a:ea typeface="+mn-ea"/>
+                <a:cs typeface="+mn-cs"/>
+              </a:defRPr>
+            </a:lvl1pPr>
+            <a:lvl2pPr marL="457200" indent="0" algn="ctr" defTabSz="914400" rtl="0" eaLnBrk="1" latinLnBrk="0" hangingPunct="1">
+              <a:lnSpc>
+                <a:spcPct val="110000"/>
+              </a:lnSpc>
+              <a:spcBef>
+                <a:spcPts val="700"/>
+              </a:spcBef>
+              <a:buClr>
+                <a:schemeClr val="tx2"/>
+              </a:buClr>
+              <a:buFont typeface="Gill Sans MT" panose="020B0502020104020203" pitchFamily="34" charset="0"/>
+              <a:buNone/>
+              <a:defRPr sz="2000" kern="1200">
+                <a:solidFill>
+                  <a:schemeClr val="tx1">
+                    <a:lumMod val="65000"/>
+                    <a:lumOff val="35000"/>
+                  </a:schemeClr>
+                </a:solidFill>
+                <a:latin typeface="+mn-lt"/>
+                <a:ea typeface="+mn-ea"/>
+                <a:cs typeface="+mn-cs"/>
+              </a:defRPr>
+            </a:lvl2pPr>
+            <a:lvl3pPr marL="914400" indent="0" algn="ctr" defTabSz="914400" rtl="0" eaLnBrk="1" latinLnBrk="0" hangingPunct="1">
+              <a:lnSpc>
+                <a:spcPct val="110000"/>
+              </a:lnSpc>
+              <a:spcBef>
+                <a:spcPts val="700"/>
+              </a:spcBef>
+              <a:buClr>
+                <a:schemeClr val="tx2"/>
+              </a:buClr>
+              <a:buFont typeface="Arial" panose="020B0604020202020204" pitchFamily="34" charset="0"/>
+              <a:buNone/>
+              <a:defRPr sz="1800" kern="1200">
+                <a:solidFill>
+                  <a:schemeClr val="tx1">
+                    <a:lumMod val="65000"/>
+                    <a:lumOff val="35000"/>
+                  </a:schemeClr>
+                </a:solidFill>
+                <a:latin typeface="+mn-lt"/>
+                <a:ea typeface="+mn-ea"/>
+                <a:cs typeface="+mn-cs"/>
+              </a:defRPr>
+            </a:lvl3pPr>
+            <a:lvl4pPr marL="1371600" indent="0" algn="ctr" defTabSz="914400" rtl="0" eaLnBrk="1" latinLnBrk="0" hangingPunct="1">
+              <a:lnSpc>
+                <a:spcPct val="110000"/>
+              </a:lnSpc>
+              <a:spcBef>
+                <a:spcPts val="700"/>
+              </a:spcBef>
+              <a:buClr>
+                <a:schemeClr val="tx2"/>
+              </a:buClr>
+              <a:buFont typeface="Gill Sans MT" panose="020B0502020104020203" pitchFamily="34" charset="0"/>
+              <a:buNone/>
+              <a:defRPr sz="1600" kern="1200">
+                <a:solidFill>
+                  <a:schemeClr val="tx1">
+                    <a:lumMod val="65000"/>
+                    <a:lumOff val="35000"/>
+                  </a:schemeClr>
+                </a:solidFill>
+                <a:latin typeface="+mn-lt"/>
+                <a:ea typeface="+mn-ea"/>
+                <a:cs typeface="+mn-cs"/>
+              </a:defRPr>
+            </a:lvl4pPr>
+            <a:lvl5pPr marL="1828800" indent="0" algn="ctr" defTabSz="914400" rtl="0" eaLnBrk="1" latinLnBrk="0" hangingPunct="1">
+              <a:lnSpc>
+                <a:spcPct val="110000"/>
+              </a:lnSpc>
+              <a:spcBef>
+                <a:spcPts val="700"/>
+              </a:spcBef>
+              <a:buClr>
+                <a:schemeClr val="tx2"/>
+              </a:buClr>
+              <a:buFont typeface="Arial" panose="020B0604020202020204" pitchFamily="34" charset="0"/>
+              <a:buNone/>
+              <a:defRPr sz="1600" kern="1200">
+                <a:solidFill>
+                  <a:schemeClr val="tx1">
+                    <a:lumMod val="65000"/>
+                    <a:lumOff val="35000"/>
+                  </a:schemeClr>
+                </a:solidFill>
+                <a:latin typeface="+mn-lt"/>
+                <a:ea typeface="+mn-ea"/>
+                <a:cs typeface="+mn-cs"/>
+              </a:defRPr>
+            </a:lvl5pPr>
+            <a:lvl6pPr marL="2286000" indent="0" algn="ctr" defTabSz="914400" rtl="0" eaLnBrk="1" latinLnBrk="0" hangingPunct="1">
+              <a:lnSpc>
+                <a:spcPct val="110000"/>
+              </a:lnSpc>
+              <a:spcBef>
+                <a:spcPts val="700"/>
+              </a:spcBef>
+              <a:buClr>
+                <a:schemeClr val="tx2"/>
+              </a:buClr>
+              <a:buFont typeface="Gill Sans MT" panose="020B0502020104020203" pitchFamily="34" charset="0"/>
+              <a:buNone/>
+              <a:defRPr sz="1600" kern="1200">
+                <a:solidFill>
+                  <a:schemeClr val="tx1">
+                    <a:lumMod val="65000"/>
+                    <a:lumOff val="35000"/>
+                  </a:schemeClr>
+                </a:solidFill>
+                <a:latin typeface="+mn-lt"/>
+                <a:ea typeface="+mn-ea"/>
+                <a:cs typeface="+mn-cs"/>
+              </a:defRPr>
+            </a:lvl6pPr>
+            <a:lvl7pPr marL="2743200" indent="0" algn="ctr" defTabSz="914400" rtl="0" eaLnBrk="1" latinLnBrk="0" hangingPunct="1">
+              <a:lnSpc>
+                <a:spcPct val="110000"/>
+              </a:lnSpc>
+              <a:spcBef>
+                <a:spcPts val="700"/>
+              </a:spcBef>
+              <a:buClr>
+                <a:schemeClr val="tx2"/>
+              </a:buClr>
+              <a:buFont typeface="Arial" panose="020B0604020202020204" pitchFamily="34" charset="0"/>
+              <a:buNone/>
+              <a:defRPr sz="1600" kern="1200">
+                <a:solidFill>
+                  <a:schemeClr val="tx1">
+                    <a:lumMod val="65000"/>
+                    <a:lumOff val="35000"/>
+                  </a:schemeClr>
+                </a:solidFill>
+                <a:latin typeface="+mn-lt"/>
+                <a:ea typeface="+mn-ea"/>
+                <a:cs typeface="+mn-cs"/>
+              </a:defRPr>
+            </a:lvl7pPr>
+            <a:lvl8pPr marL="3200400" indent="0" algn="ctr" defTabSz="914400" rtl="0" eaLnBrk="1" latinLnBrk="0" hangingPunct="1">
+              <a:lnSpc>
+                <a:spcPct val="110000"/>
+              </a:lnSpc>
+              <a:spcBef>
+                <a:spcPts val="700"/>
+              </a:spcBef>
+              <a:buClr>
+                <a:schemeClr val="tx2"/>
+              </a:buClr>
+              <a:buFont typeface="Gill Sans MT" panose="020B0502020104020203" pitchFamily="34" charset="0"/>
+              <a:buNone/>
+              <a:defRPr sz="1600" kern="1200" baseline="0">
+                <a:solidFill>
+                  <a:schemeClr val="tx1">
+                    <a:lumMod val="65000"/>
+                    <a:lumOff val="35000"/>
+                  </a:schemeClr>
+                </a:solidFill>
+                <a:latin typeface="+mn-lt"/>
+                <a:ea typeface="+mn-ea"/>
+                <a:cs typeface="+mn-cs"/>
+              </a:defRPr>
+            </a:lvl8pPr>
+            <a:lvl9pPr marL="3657600" indent="0" algn="ctr" defTabSz="914400" rtl="0" eaLnBrk="1" latinLnBrk="0" hangingPunct="1">
+              <a:lnSpc>
+                <a:spcPct val="110000"/>
+              </a:lnSpc>
+              <a:spcBef>
+                <a:spcPts val="700"/>
+              </a:spcBef>
+              <a:buClr>
+                <a:schemeClr val="tx2"/>
+              </a:buClr>
+              <a:buFont typeface="Arial" panose="020B0604020202020204" pitchFamily="34" charset="0"/>
+              <a:buNone/>
+              <a:defRPr sz="1600" kern="1200" baseline="0">
+                <a:solidFill>
+                  <a:schemeClr val="tx1">
+                    <a:lumMod val="65000"/>
+                    <a:lumOff val="35000"/>
+                  </a:schemeClr>
+                </a:solidFill>
+                <a:latin typeface="+mn-lt"/>
+                <a:ea typeface="+mn-ea"/>
+                <a:cs typeface="+mn-cs"/>
+              </a:defRPr>
+            </a:lvl9pPr>
+          </a:lstStyle>
+          <a:p>
+            <a:r>
+              <a:rPr lang="en-CA" sz="6000" dirty="0">
+                <a:solidFill>
+                  <a:schemeClr val="bg2"/>
+                </a:solidFill>
+              </a:rPr>
+              <a:t>Group 6</a:t>
+            </a:r>
+            <a:endParaRPr lang="en-US" sz="6000" dirty="0">
+              <a:solidFill>
+                <a:schemeClr val="bg2"/>
+              </a:solidFill>
             </a:endParaRPr>
           </a:p>
         </p:txBody>

--- a/Presentation/Vehicle Intersection Control Presentation.pptx
+++ b/Presentation/Vehicle Intersection Control Presentation.pptx
@@ -4,18 +4,21 @@
   <p:sldMasterIdLst>
     <p:sldMasterId id="2147483759" r:id="rId1"/>
   </p:sldMasterIdLst>
+  <p:notesMasterIdLst>
+    <p:notesMasterId r:id="rId14"/>
+  </p:notesMasterIdLst>
   <p:sldIdLst>
     <p:sldId id="279" r:id="rId2"/>
-    <p:sldId id="297" r:id="rId3"/>
-    <p:sldId id="262" r:id="rId4"/>
-    <p:sldId id="277" r:id="rId5"/>
-    <p:sldId id="291" r:id="rId6"/>
-    <p:sldId id="295" r:id="rId7"/>
-    <p:sldId id="292" r:id="rId8"/>
-    <p:sldId id="294" r:id="rId9"/>
-    <p:sldId id="280" r:id="rId10"/>
-    <p:sldId id="281" r:id="rId11"/>
-    <p:sldId id="296" r:id="rId12"/>
+    <p:sldId id="283" r:id="rId3"/>
+    <p:sldId id="284" r:id="rId4"/>
+    <p:sldId id="285" r:id="rId5"/>
+    <p:sldId id="286" r:id="rId6"/>
+    <p:sldId id="287" r:id="rId7"/>
+    <p:sldId id="288" r:id="rId8"/>
+    <p:sldId id="289" r:id="rId9"/>
+    <p:sldId id="290" r:id="rId10"/>
+    <p:sldId id="291" r:id="rId11"/>
+    <p:sldId id="281" r:id="rId12"/>
     <p:sldId id="282" r:id="rId13"/>
   </p:sldIdLst>
   <p:sldSz cx="12192000" cy="6858000"/>
@@ -121,6 +124,1816 @@
     </p:ext>
   </p:extLst>
 </p:presentation>
+</file>
+
+<file path=ppt/notesMasters/notesMaster1.xml><?xml version="1.0" encoding="utf-8"?>
+<p:notesMaster xmlns:a="http://schemas.openxmlformats.org/drawingml/2006/main" xmlns:r="http://schemas.openxmlformats.org/officeDocument/2006/relationships" xmlns:p="http://schemas.openxmlformats.org/presentationml/2006/main">
+  <p:cSld>
+    <p:bg>
+      <p:bgRef idx="1001">
+        <a:schemeClr val="bg1"/>
+      </p:bgRef>
+    </p:bg>
+    <p:spTree>
+      <p:nvGrpSpPr>
+        <p:cNvPr id="1" name=""/>
+        <p:cNvGrpSpPr/>
+        <p:nvPr/>
+      </p:nvGrpSpPr>
+      <p:grpSpPr>
+        <a:xfrm>
+          <a:off x="0" y="0"/>
+          <a:ext cx="0" cy="0"/>
+          <a:chOff x="0" y="0"/>
+          <a:chExt cx="0" cy="0"/>
+        </a:xfrm>
+      </p:grpSpPr>
+      <p:sp>
+        <p:nvSpPr>
+          <p:cNvPr id="2" name="Header Placeholder 1"/>
+          <p:cNvSpPr>
+            <a:spLocks noGrp="1"/>
+          </p:cNvSpPr>
+          <p:nvPr>
+            <p:ph type="hdr" sz="quarter"/>
+          </p:nvPr>
+        </p:nvSpPr>
+        <p:spPr>
+          <a:xfrm>
+            <a:off x="0" y="0"/>
+            <a:ext cx="2971800" cy="458788"/>
+          </a:xfrm>
+          <a:prstGeom prst="rect">
+            <a:avLst/>
+          </a:prstGeom>
+        </p:spPr>
+        <p:txBody>
+          <a:bodyPr vert="horz" lIns="91440" tIns="45720" rIns="91440" bIns="45720" rtlCol="0"/>
+          <a:lstStyle>
+            <a:lvl1pPr algn="l">
+              <a:defRPr sz="1200"/>
+            </a:lvl1pPr>
+          </a:lstStyle>
+          <a:p>
+            <a:endParaRPr lang="en-US"/>
+          </a:p>
+        </p:txBody>
+      </p:sp>
+      <p:sp>
+        <p:nvSpPr>
+          <p:cNvPr id="3" name="Date Placeholder 2"/>
+          <p:cNvSpPr>
+            <a:spLocks noGrp="1"/>
+          </p:cNvSpPr>
+          <p:nvPr>
+            <p:ph type="dt" idx="1"/>
+          </p:nvPr>
+        </p:nvSpPr>
+        <p:spPr>
+          <a:xfrm>
+            <a:off x="3884613" y="0"/>
+            <a:ext cx="2971800" cy="458788"/>
+          </a:xfrm>
+          <a:prstGeom prst="rect">
+            <a:avLst/>
+          </a:prstGeom>
+        </p:spPr>
+        <p:txBody>
+          <a:bodyPr vert="horz" lIns="91440" tIns="45720" rIns="91440" bIns="45720" rtlCol="0"/>
+          <a:lstStyle>
+            <a:lvl1pPr algn="r">
+              <a:defRPr sz="1200"/>
+            </a:lvl1pPr>
+          </a:lstStyle>
+          <a:p>
+            <a:fld id="{35B82655-F55E-45D4-839B-7F4274A77E35}" type="datetimeFigureOut">
+              <a:rPr lang="en-US" smtClean="0"/>
+              <a:t>2/8/2017</a:t>
+            </a:fld>
+            <a:endParaRPr lang="en-US"/>
+          </a:p>
+        </p:txBody>
+      </p:sp>
+      <p:sp>
+        <p:nvSpPr>
+          <p:cNvPr id="4" name="Slide Image Placeholder 3"/>
+          <p:cNvSpPr>
+            <a:spLocks noGrp="1" noRot="1" noChangeAspect="1"/>
+          </p:cNvSpPr>
+          <p:nvPr>
+            <p:ph type="sldImg" idx="2"/>
+          </p:nvPr>
+        </p:nvSpPr>
+        <p:spPr>
+          <a:xfrm>
+            <a:off x="685800" y="1143000"/>
+            <a:ext cx="5486400" cy="3086100"/>
+          </a:xfrm>
+          <a:prstGeom prst="rect">
+            <a:avLst/>
+          </a:prstGeom>
+          <a:noFill/>
+          <a:ln w="12700">
+            <a:solidFill>
+              <a:prstClr val="black"/>
+            </a:solidFill>
+          </a:ln>
+        </p:spPr>
+        <p:txBody>
+          <a:bodyPr vert="horz" lIns="91440" tIns="45720" rIns="91440" bIns="45720" rtlCol="0" anchor="ctr"/>
+          <a:lstStyle/>
+          <a:p>
+            <a:endParaRPr lang="en-US"/>
+          </a:p>
+        </p:txBody>
+      </p:sp>
+      <p:sp>
+        <p:nvSpPr>
+          <p:cNvPr id="5" name="Notes Placeholder 4"/>
+          <p:cNvSpPr>
+            <a:spLocks noGrp="1"/>
+          </p:cNvSpPr>
+          <p:nvPr>
+            <p:ph type="body" sz="quarter" idx="3"/>
+          </p:nvPr>
+        </p:nvSpPr>
+        <p:spPr>
+          <a:xfrm>
+            <a:off x="685800" y="4400550"/>
+            <a:ext cx="5486400" cy="3600450"/>
+          </a:xfrm>
+          <a:prstGeom prst="rect">
+            <a:avLst/>
+          </a:prstGeom>
+        </p:spPr>
+        <p:txBody>
+          <a:bodyPr vert="horz" lIns="91440" tIns="45720" rIns="91440" bIns="45720" rtlCol="0"/>
+          <a:lstStyle/>
+          <a:p>
+            <a:pPr lvl="0"/>
+            <a:r>
+              <a:rPr lang="en-US"/>
+              <a:t>Edit Master text styles</a:t>
+            </a:r>
+          </a:p>
+          <a:p>
+            <a:pPr lvl="1"/>
+            <a:r>
+              <a:rPr lang="en-US"/>
+              <a:t>Second level</a:t>
+            </a:r>
+          </a:p>
+          <a:p>
+            <a:pPr lvl="2"/>
+            <a:r>
+              <a:rPr lang="en-US"/>
+              <a:t>Third level</a:t>
+            </a:r>
+          </a:p>
+          <a:p>
+            <a:pPr lvl="3"/>
+            <a:r>
+              <a:rPr lang="en-US"/>
+              <a:t>Fourth level</a:t>
+            </a:r>
+          </a:p>
+          <a:p>
+            <a:pPr lvl="4"/>
+            <a:r>
+              <a:rPr lang="en-US"/>
+              <a:t>Fifth level</a:t>
+            </a:r>
+            <a:endParaRPr lang="en-US"/>
+          </a:p>
+        </p:txBody>
+      </p:sp>
+      <p:sp>
+        <p:nvSpPr>
+          <p:cNvPr id="6" name="Footer Placeholder 5"/>
+          <p:cNvSpPr>
+            <a:spLocks noGrp="1"/>
+          </p:cNvSpPr>
+          <p:nvPr>
+            <p:ph type="ftr" sz="quarter" idx="4"/>
+          </p:nvPr>
+        </p:nvSpPr>
+        <p:spPr>
+          <a:xfrm>
+            <a:off x="0" y="8685213"/>
+            <a:ext cx="2971800" cy="458787"/>
+          </a:xfrm>
+          <a:prstGeom prst="rect">
+            <a:avLst/>
+          </a:prstGeom>
+        </p:spPr>
+        <p:txBody>
+          <a:bodyPr vert="horz" lIns="91440" tIns="45720" rIns="91440" bIns="45720" rtlCol="0" anchor="b"/>
+          <a:lstStyle>
+            <a:lvl1pPr algn="l">
+              <a:defRPr sz="1200"/>
+            </a:lvl1pPr>
+          </a:lstStyle>
+          <a:p>
+            <a:endParaRPr lang="en-US"/>
+          </a:p>
+        </p:txBody>
+      </p:sp>
+      <p:sp>
+        <p:nvSpPr>
+          <p:cNvPr id="7" name="Slide Number Placeholder 6"/>
+          <p:cNvSpPr>
+            <a:spLocks noGrp="1"/>
+          </p:cNvSpPr>
+          <p:nvPr>
+            <p:ph type="sldNum" sz="quarter" idx="5"/>
+          </p:nvPr>
+        </p:nvSpPr>
+        <p:spPr>
+          <a:xfrm>
+            <a:off x="3884613" y="8685213"/>
+            <a:ext cx="2971800" cy="458787"/>
+          </a:xfrm>
+          <a:prstGeom prst="rect">
+            <a:avLst/>
+          </a:prstGeom>
+        </p:spPr>
+        <p:txBody>
+          <a:bodyPr vert="horz" lIns="91440" tIns="45720" rIns="91440" bIns="45720" rtlCol="0" anchor="b"/>
+          <a:lstStyle>
+            <a:lvl1pPr algn="r">
+              <a:defRPr sz="1200"/>
+            </a:lvl1pPr>
+          </a:lstStyle>
+          <a:p>
+            <a:fld id="{9FDAE4FC-73CE-4995-A7FF-7ADA8F1DA8FB}" type="slidenum">
+              <a:rPr lang="en-US" smtClean="0"/>
+              <a:t>‹#›</a:t>
+            </a:fld>
+            <a:endParaRPr lang="en-US"/>
+          </a:p>
+        </p:txBody>
+      </p:sp>
+    </p:spTree>
+    <p:extLst>
+      <p:ext uri="{BB962C8B-B14F-4D97-AF65-F5344CB8AC3E}">
+        <p14:creationId xmlns:p14="http://schemas.microsoft.com/office/powerpoint/2010/main" val="2082032790"/>
+      </p:ext>
+    </p:extLst>
+  </p:cSld>
+  <p:clrMap bg1="lt1" tx1="dk1" bg2="lt2" tx2="dk2" accent1="accent1" accent2="accent2" accent3="accent3" accent4="accent4" accent5="accent5" accent6="accent6" hlink="hlink" folHlink="folHlink"/>
+  <p:notesStyle>
+    <a:lvl1pPr marL="0" algn="l" defTabSz="914400" rtl="0" eaLnBrk="1" latinLnBrk="0" hangingPunct="1">
+      <a:defRPr sz="1200" kern="1200">
+        <a:solidFill>
+          <a:schemeClr val="tx1"/>
+        </a:solidFill>
+        <a:latin typeface="+mn-lt"/>
+        <a:ea typeface="+mn-ea"/>
+        <a:cs typeface="+mn-cs"/>
+      </a:defRPr>
+    </a:lvl1pPr>
+    <a:lvl2pPr marL="457200" algn="l" defTabSz="914400" rtl="0" eaLnBrk="1" latinLnBrk="0" hangingPunct="1">
+      <a:defRPr sz="1200" kern="1200">
+        <a:solidFill>
+          <a:schemeClr val="tx1"/>
+        </a:solidFill>
+        <a:latin typeface="+mn-lt"/>
+        <a:ea typeface="+mn-ea"/>
+        <a:cs typeface="+mn-cs"/>
+      </a:defRPr>
+    </a:lvl2pPr>
+    <a:lvl3pPr marL="914400" algn="l" defTabSz="914400" rtl="0" eaLnBrk="1" latinLnBrk="0" hangingPunct="1">
+      <a:defRPr sz="1200" kern="1200">
+        <a:solidFill>
+          <a:schemeClr val="tx1"/>
+        </a:solidFill>
+        <a:latin typeface="+mn-lt"/>
+        <a:ea typeface="+mn-ea"/>
+        <a:cs typeface="+mn-cs"/>
+      </a:defRPr>
+    </a:lvl3pPr>
+    <a:lvl4pPr marL="1371600" algn="l" defTabSz="914400" rtl="0" eaLnBrk="1" latinLnBrk="0" hangingPunct="1">
+      <a:defRPr sz="1200" kern="1200">
+        <a:solidFill>
+          <a:schemeClr val="tx1"/>
+        </a:solidFill>
+        <a:latin typeface="+mn-lt"/>
+        <a:ea typeface="+mn-ea"/>
+        <a:cs typeface="+mn-cs"/>
+      </a:defRPr>
+    </a:lvl4pPr>
+    <a:lvl5pPr marL="1828800" algn="l" defTabSz="914400" rtl="0" eaLnBrk="1" latinLnBrk="0" hangingPunct="1">
+      <a:defRPr sz="1200" kern="1200">
+        <a:solidFill>
+          <a:schemeClr val="tx1"/>
+        </a:solidFill>
+        <a:latin typeface="+mn-lt"/>
+        <a:ea typeface="+mn-ea"/>
+        <a:cs typeface="+mn-cs"/>
+      </a:defRPr>
+    </a:lvl5pPr>
+    <a:lvl6pPr marL="2286000" algn="l" defTabSz="914400" rtl="0" eaLnBrk="1" latinLnBrk="0" hangingPunct="1">
+      <a:defRPr sz="1200" kern="1200">
+        <a:solidFill>
+          <a:schemeClr val="tx1"/>
+        </a:solidFill>
+        <a:latin typeface="+mn-lt"/>
+        <a:ea typeface="+mn-ea"/>
+        <a:cs typeface="+mn-cs"/>
+      </a:defRPr>
+    </a:lvl6pPr>
+    <a:lvl7pPr marL="2743200" algn="l" defTabSz="914400" rtl="0" eaLnBrk="1" latinLnBrk="0" hangingPunct="1">
+      <a:defRPr sz="1200" kern="1200">
+        <a:solidFill>
+          <a:schemeClr val="tx1"/>
+        </a:solidFill>
+        <a:latin typeface="+mn-lt"/>
+        <a:ea typeface="+mn-ea"/>
+        <a:cs typeface="+mn-cs"/>
+      </a:defRPr>
+    </a:lvl7pPr>
+    <a:lvl8pPr marL="3200400" algn="l" defTabSz="914400" rtl="0" eaLnBrk="1" latinLnBrk="0" hangingPunct="1">
+      <a:defRPr sz="1200" kern="1200">
+        <a:solidFill>
+          <a:schemeClr val="tx1"/>
+        </a:solidFill>
+        <a:latin typeface="+mn-lt"/>
+        <a:ea typeface="+mn-ea"/>
+        <a:cs typeface="+mn-cs"/>
+      </a:defRPr>
+    </a:lvl8pPr>
+    <a:lvl9pPr marL="3657600" algn="l" defTabSz="914400" rtl="0" eaLnBrk="1" latinLnBrk="0" hangingPunct="1">
+      <a:defRPr sz="1200" kern="1200">
+        <a:solidFill>
+          <a:schemeClr val="tx1"/>
+        </a:solidFill>
+        <a:latin typeface="+mn-lt"/>
+        <a:ea typeface="+mn-ea"/>
+        <a:cs typeface="+mn-cs"/>
+      </a:defRPr>
+    </a:lvl9pPr>
+  </p:notesStyle>
+</p:notesMaster>
+</file>
+
+<file path=ppt/notesSlides/notesSlide1.xml><?xml version="1.0" encoding="utf-8"?>
+<p:notes xmlns:a="http://schemas.openxmlformats.org/drawingml/2006/main" xmlns:r="http://schemas.openxmlformats.org/officeDocument/2006/relationships" xmlns:p="http://schemas.openxmlformats.org/presentationml/2006/main" showMasterSp="0" showMasterPhAnim="0">
+  <p:cSld>
+    <p:spTree>
+      <p:nvGrpSpPr>
+        <p:cNvPr id="1" name="Shape 124"/>
+        <p:cNvGrpSpPr/>
+        <p:nvPr/>
+      </p:nvGrpSpPr>
+      <p:grpSpPr>
+        <a:xfrm>
+          <a:off x="0" y="0"/>
+          <a:ext cx="0" cy="0"/>
+          <a:chOff x="0" y="0"/>
+          <a:chExt cx="0" cy="0"/>
+        </a:xfrm>
+      </p:grpSpPr>
+      <p:sp>
+        <p:nvSpPr>
+          <p:cNvPr id="125" name="Shape 125"/>
+          <p:cNvSpPr txBox="1">
+            <a:spLocks noGrp="1"/>
+          </p:cNvSpPr>
+          <p:nvPr>
+            <p:ph type="body" idx="1"/>
+          </p:nvPr>
+        </p:nvSpPr>
+        <p:spPr>
+          <a:xfrm>
+            <a:off x="685800" y="4343400"/>
+            <a:ext cx="5486399" cy="4114800"/>
+          </a:xfrm>
+          <a:prstGeom prst="rect">
+            <a:avLst/>
+          </a:prstGeom>
+          <a:noFill/>
+          <a:ln>
+            <a:noFill/>
+          </a:ln>
+        </p:spPr>
+        <p:txBody>
+          <a:bodyPr lIns="91425" tIns="91425" rIns="91425" bIns="91425" anchor="ctr" anchorCtr="0">
+            <a:noAutofit/>
+          </a:bodyPr>
+          <a:lstStyle/>
+          <a:p>
+            <a:pPr lvl="0">
+              <a:spcBef>
+                <a:spcPts val="0"/>
+              </a:spcBef>
+              <a:buNone/>
+            </a:pPr>
+            <a:endParaRPr/>
+          </a:p>
+        </p:txBody>
+      </p:sp>
+      <p:sp>
+        <p:nvSpPr>
+          <p:cNvPr id="126" name="Shape 126"/>
+          <p:cNvSpPr>
+            <a:spLocks noGrp="1" noRot="1" noChangeAspect="1"/>
+          </p:cNvSpPr>
+          <p:nvPr>
+            <p:ph type="sldImg" idx="2"/>
+          </p:nvPr>
+        </p:nvSpPr>
+        <p:spPr>
+          <a:xfrm>
+            <a:off x="381000" y="685800"/>
+            <a:ext cx="6096000" cy="3429000"/>
+          </a:xfrm>
+          <a:custGeom>
+            <a:avLst/>
+            <a:gdLst/>
+            <a:ahLst/>
+            <a:cxnLst/>
+            <a:rect l="0" t="0" r="0" b="0"/>
+            <a:pathLst>
+              <a:path w="120000" h="120000" extrusionOk="0">
+                <a:moveTo>
+                  <a:pt x="0" y="0"/>
+                </a:moveTo>
+                <a:lnTo>
+                  <a:pt x="120000" y="0"/>
+                </a:lnTo>
+                <a:lnTo>
+                  <a:pt x="120000" y="120000"/>
+                </a:lnTo>
+                <a:lnTo>
+                  <a:pt x="0" y="120000"/>
+                </a:lnTo>
+                <a:close/>
+              </a:path>
+            </a:pathLst>
+          </a:custGeom>
+        </p:spPr>
+      </p:sp>
+    </p:spTree>
+    <p:extLst>
+      <p:ext uri="{BB962C8B-B14F-4D97-AF65-F5344CB8AC3E}">
+        <p14:creationId xmlns:p14="http://schemas.microsoft.com/office/powerpoint/2010/main" val="594922131"/>
+      </p:ext>
+    </p:extLst>
+  </p:cSld>
+  <p:clrMapOvr>
+    <a:masterClrMapping/>
+  </p:clrMapOvr>
+</p:notes>
+</file>
+
+<file path=ppt/notesSlides/notesSlide2.xml><?xml version="1.0" encoding="utf-8"?>
+<p:notes xmlns:a="http://schemas.openxmlformats.org/drawingml/2006/main" xmlns:r="http://schemas.openxmlformats.org/officeDocument/2006/relationships" xmlns:p="http://schemas.openxmlformats.org/presentationml/2006/main" showMasterSp="0" showMasterPhAnim="0">
+  <p:cSld>
+    <p:spTree>
+      <p:nvGrpSpPr>
+        <p:cNvPr id="1" name="Shape 130"/>
+        <p:cNvGrpSpPr/>
+        <p:nvPr/>
+      </p:nvGrpSpPr>
+      <p:grpSpPr>
+        <a:xfrm>
+          <a:off x="0" y="0"/>
+          <a:ext cx="0" cy="0"/>
+          <a:chOff x="0" y="0"/>
+          <a:chExt cx="0" cy="0"/>
+        </a:xfrm>
+      </p:grpSpPr>
+      <p:sp>
+        <p:nvSpPr>
+          <p:cNvPr id="131" name="Shape 131"/>
+          <p:cNvSpPr txBox="1">
+            <a:spLocks noGrp="1"/>
+          </p:cNvSpPr>
+          <p:nvPr>
+            <p:ph type="body" idx="1"/>
+          </p:nvPr>
+        </p:nvSpPr>
+        <p:spPr>
+          <a:xfrm>
+            <a:off x="685800" y="4343400"/>
+            <a:ext cx="5486400" cy="4114800"/>
+          </a:xfrm>
+          <a:prstGeom prst="rect">
+            <a:avLst/>
+          </a:prstGeom>
+          <a:noFill/>
+          <a:ln>
+            <a:noFill/>
+          </a:ln>
+        </p:spPr>
+        <p:txBody>
+          <a:bodyPr lIns="91425" tIns="91425" rIns="91425" bIns="91425" anchor="ctr" anchorCtr="0">
+            <a:noAutofit/>
+          </a:bodyPr>
+          <a:lstStyle/>
+          <a:p>
+            <a:pPr marL="457200" lvl="0" indent="-355600" rtl="0">
+              <a:lnSpc>
+                <a:spcPct val="110000"/>
+              </a:lnSpc>
+              <a:spcBef>
+                <a:spcPts val="0"/>
+              </a:spcBef>
+              <a:buClr>
+                <a:schemeClr val="dk2"/>
+              </a:buClr>
+              <a:buSzPct val="100000"/>
+              <a:buChar char="-"/>
+            </a:pPr>
+            <a:r>
+              <a:rPr lang="en-CA" sz="2000">
+                <a:solidFill>
+                  <a:schemeClr val="dk2"/>
+                </a:solidFill>
+                <a:latin typeface="Cabin"/>
+                <a:ea typeface="Cabin"/>
+                <a:cs typeface="Cabin"/>
+                <a:sym typeface="Cabin"/>
+              </a:rPr>
+              <a:t>The problem : what to do when more than one vehicle arrives at the intersection at one time</a:t>
+            </a:r>
+          </a:p>
+          <a:p>
+            <a:pPr marL="457200" lvl="0" indent="-355600" rtl="0">
+              <a:lnSpc>
+                <a:spcPct val="110000"/>
+              </a:lnSpc>
+              <a:spcBef>
+                <a:spcPts val="0"/>
+              </a:spcBef>
+              <a:buClr>
+                <a:schemeClr val="dk2"/>
+              </a:buClr>
+              <a:buSzPct val="100000"/>
+              <a:buFont typeface="Cabin"/>
+              <a:buChar char="-"/>
+            </a:pPr>
+            <a:r>
+              <a:rPr lang="en-CA" sz="2000">
+                <a:solidFill>
+                  <a:schemeClr val="dk2"/>
+                </a:solidFill>
+                <a:latin typeface="Cabin"/>
+                <a:ea typeface="Cabin"/>
+                <a:cs typeface="Cabin"/>
+                <a:sym typeface="Cabin"/>
+              </a:rPr>
+              <a:t>smart intersections to improve efficiency at stop sign intersections</a:t>
+            </a:r>
+          </a:p>
+          <a:p>
+            <a:pPr marL="457200" lvl="0" indent="-355600" rtl="0">
+              <a:lnSpc>
+                <a:spcPct val="110000"/>
+              </a:lnSpc>
+              <a:spcBef>
+                <a:spcPts val="0"/>
+              </a:spcBef>
+              <a:buClr>
+                <a:schemeClr val="dk2"/>
+              </a:buClr>
+              <a:buSzPct val="100000"/>
+              <a:buChar char="-"/>
+            </a:pPr>
+            <a:r>
+              <a:rPr lang="en-CA" sz="2000">
+                <a:solidFill>
+                  <a:schemeClr val="dk2"/>
+                </a:solidFill>
+                <a:latin typeface="Cabin"/>
+                <a:ea typeface="Cabin"/>
+                <a:cs typeface="Cabin"/>
+                <a:sym typeface="Cabin"/>
+              </a:rPr>
+              <a:t>Our Goal ( to increase efficiency of autonomous vehicles at stop sign intersections) </a:t>
+            </a:r>
+          </a:p>
+          <a:p>
+            <a:pPr lvl="0" rtl="0">
+              <a:spcBef>
+                <a:spcPts val="0"/>
+              </a:spcBef>
+              <a:buNone/>
+            </a:pPr>
+            <a:endParaRPr/>
+          </a:p>
+        </p:txBody>
+      </p:sp>
+      <p:sp>
+        <p:nvSpPr>
+          <p:cNvPr id="132" name="Shape 132"/>
+          <p:cNvSpPr>
+            <a:spLocks noGrp="1" noRot="1" noChangeAspect="1"/>
+          </p:cNvSpPr>
+          <p:nvPr>
+            <p:ph type="sldImg" idx="2"/>
+          </p:nvPr>
+        </p:nvSpPr>
+        <p:spPr>
+          <a:xfrm>
+            <a:off x="381000" y="685800"/>
+            <a:ext cx="6096000" cy="3429000"/>
+          </a:xfrm>
+          <a:custGeom>
+            <a:avLst/>
+            <a:gdLst/>
+            <a:ahLst/>
+            <a:cxnLst/>
+            <a:rect l="0" t="0" r="0" b="0"/>
+            <a:pathLst>
+              <a:path w="120000" h="120000" extrusionOk="0">
+                <a:moveTo>
+                  <a:pt x="0" y="0"/>
+                </a:moveTo>
+                <a:lnTo>
+                  <a:pt x="120000" y="0"/>
+                </a:lnTo>
+                <a:lnTo>
+                  <a:pt x="120000" y="120000"/>
+                </a:lnTo>
+                <a:lnTo>
+                  <a:pt x="0" y="120000"/>
+                </a:lnTo>
+                <a:close/>
+              </a:path>
+            </a:pathLst>
+          </a:custGeom>
+        </p:spPr>
+      </p:sp>
+    </p:spTree>
+    <p:extLst>
+      <p:ext uri="{BB962C8B-B14F-4D97-AF65-F5344CB8AC3E}">
+        <p14:creationId xmlns:p14="http://schemas.microsoft.com/office/powerpoint/2010/main" val="2602572813"/>
+      </p:ext>
+    </p:extLst>
+  </p:cSld>
+  <p:clrMapOvr>
+    <a:masterClrMapping/>
+  </p:clrMapOvr>
+</p:notes>
+</file>
+
+<file path=ppt/notesSlides/notesSlide3.xml><?xml version="1.0" encoding="utf-8"?>
+<p:notes xmlns:a="http://schemas.openxmlformats.org/drawingml/2006/main" xmlns:r="http://schemas.openxmlformats.org/officeDocument/2006/relationships" xmlns:p="http://schemas.openxmlformats.org/presentationml/2006/main" showMasterSp="0" showMasterPhAnim="0">
+  <p:cSld>
+    <p:spTree>
+      <p:nvGrpSpPr>
+        <p:cNvPr id="1" name="Shape 136"/>
+        <p:cNvGrpSpPr/>
+        <p:nvPr/>
+      </p:nvGrpSpPr>
+      <p:grpSpPr>
+        <a:xfrm>
+          <a:off x="0" y="0"/>
+          <a:ext cx="0" cy="0"/>
+          <a:chOff x="0" y="0"/>
+          <a:chExt cx="0" cy="0"/>
+        </a:xfrm>
+      </p:grpSpPr>
+      <p:sp>
+        <p:nvSpPr>
+          <p:cNvPr id="137" name="Shape 137"/>
+          <p:cNvSpPr txBox="1">
+            <a:spLocks noGrp="1"/>
+          </p:cNvSpPr>
+          <p:nvPr>
+            <p:ph type="body" idx="1"/>
+          </p:nvPr>
+        </p:nvSpPr>
+        <p:spPr>
+          <a:xfrm>
+            <a:off x="685800" y="4343400"/>
+            <a:ext cx="5486399" cy="4114800"/>
+          </a:xfrm>
+          <a:prstGeom prst="rect">
+            <a:avLst/>
+          </a:prstGeom>
+          <a:noFill/>
+          <a:ln>
+            <a:noFill/>
+          </a:ln>
+        </p:spPr>
+        <p:txBody>
+          <a:bodyPr lIns="91425" tIns="91425" rIns="91425" bIns="91425" anchor="ctr" anchorCtr="0">
+            <a:noAutofit/>
+          </a:bodyPr>
+          <a:lstStyle/>
+          <a:p>
+            <a:pPr lvl="0">
+              <a:spcBef>
+                <a:spcPts val="0"/>
+              </a:spcBef>
+              <a:buNone/>
+            </a:pPr>
+            <a:r>
+              <a:rPr lang="en-CA"/>
+              <a:t>Slide for explaining overall system</a:t>
+            </a:r>
+          </a:p>
+          <a:p>
+            <a:pPr lvl="0">
+              <a:spcBef>
+                <a:spcPts val="0"/>
+              </a:spcBef>
+              <a:buClr>
+                <a:schemeClr val="dk1"/>
+              </a:buClr>
+              <a:buFont typeface="Arial"/>
+              <a:buNone/>
+            </a:pPr>
+            <a:endParaRPr/>
+          </a:p>
+          <a:p>
+            <a:pPr lvl="0">
+              <a:spcBef>
+                <a:spcPts val="0"/>
+              </a:spcBef>
+              <a:buNone/>
+            </a:pPr>
+            <a:endParaRPr/>
+          </a:p>
+          <a:p>
+            <a:pPr lvl="0">
+              <a:spcBef>
+                <a:spcPts val="0"/>
+              </a:spcBef>
+              <a:buNone/>
+            </a:pPr>
+            <a:endParaRPr/>
+          </a:p>
+        </p:txBody>
+      </p:sp>
+      <p:sp>
+        <p:nvSpPr>
+          <p:cNvPr id="138" name="Shape 138"/>
+          <p:cNvSpPr>
+            <a:spLocks noGrp="1" noRot="1" noChangeAspect="1"/>
+          </p:cNvSpPr>
+          <p:nvPr>
+            <p:ph type="sldImg" idx="2"/>
+          </p:nvPr>
+        </p:nvSpPr>
+        <p:spPr>
+          <a:xfrm>
+            <a:off x="381000" y="685800"/>
+            <a:ext cx="6096000" cy="3429000"/>
+          </a:xfrm>
+          <a:custGeom>
+            <a:avLst/>
+            <a:gdLst/>
+            <a:ahLst/>
+            <a:cxnLst/>
+            <a:rect l="0" t="0" r="0" b="0"/>
+            <a:pathLst>
+              <a:path w="120000" h="120000" extrusionOk="0">
+                <a:moveTo>
+                  <a:pt x="0" y="0"/>
+                </a:moveTo>
+                <a:lnTo>
+                  <a:pt x="120000" y="0"/>
+                </a:lnTo>
+                <a:lnTo>
+                  <a:pt x="120000" y="120000"/>
+                </a:lnTo>
+                <a:lnTo>
+                  <a:pt x="0" y="120000"/>
+                </a:lnTo>
+                <a:close/>
+              </a:path>
+            </a:pathLst>
+          </a:custGeom>
+        </p:spPr>
+      </p:sp>
+    </p:spTree>
+    <p:extLst>
+      <p:ext uri="{BB962C8B-B14F-4D97-AF65-F5344CB8AC3E}">
+        <p14:creationId xmlns:p14="http://schemas.microsoft.com/office/powerpoint/2010/main" val="3903585351"/>
+      </p:ext>
+    </p:extLst>
+  </p:cSld>
+  <p:clrMapOvr>
+    <a:masterClrMapping/>
+  </p:clrMapOvr>
+</p:notes>
+</file>
+
+<file path=ppt/notesSlides/notesSlide4.xml><?xml version="1.0" encoding="utf-8"?>
+<p:notes xmlns:a="http://schemas.openxmlformats.org/drawingml/2006/main" xmlns:r="http://schemas.openxmlformats.org/officeDocument/2006/relationships" xmlns:p="http://schemas.openxmlformats.org/presentationml/2006/main" showMasterSp="0" showMasterPhAnim="0">
+  <p:cSld>
+    <p:spTree>
+      <p:nvGrpSpPr>
+        <p:cNvPr id="1" name="Shape 142"/>
+        <p:cNvGrpSpPr/>
+        <p:nvPr/>
+      </p:nvGrpSpPr>
+      <p:grpSpPr>
+        <a:xfrm>
+          <a:off x="0" y="0"/>
+          <a:ext cx="0" cy="0"/>
+          <a:chOff x="0" y="0"/>
+          <a:chExt cx="0" cy="0"/>
+        </a:xfrm>
+      </p:grpSpPr>
+      <p:sp>
+        <p:nvSpPr>
+          <p:cNvPr id="143" name="Shape 143"/>
+          <p:cNvSpPr txBox="1">
+            <a:spLocks noGrp="1"/>
+          </p:cNvSpPr>
+          <p:nvPr>
+            <p:ph type="body" idx="1"/>
+          </p:nvPr>
+        </p:nvSpPr>
+        <p:spPr>
+          <a:xfrm>
+            <a:off x="685800" y="4343400"/>
+            <a:ext cx="5486400" cy="4114800"/>
+          </a:xfrm>
+          <a:prstGeom prst="rect">
+            <a:avLst/>
+          </a:prstGeom>
+          <a:noFill/>
+          <a:ln>
+            <a:noFill/>
+          </a:ln>
+        </p:spPr>
+        <p:txBody>
+          <a:bodyPr lIns="91425" tIns="91425" rIns="91425" bIns="91425" anchor="ctr" anchorCtr="0">
+            <a:noAutofit/>
+          </a:bodyPr>
+          <a:lstStyle/>
+          <a:p>
+            <a:pPr marL="457200" lvl="0" indent="-298450" rtl="0">
+              <a:spcBef>
+                <a:spcPts val="0"/>
+              </a:spcBef>
+              <a:buClr>
+                <a:schemeClr val="dk1"/>
+              </a:buClr>
+              <a:buSzPct val="100000"/>
+              <a:buFont typeface="Cabin"/>
+              <a:buChar char="●"/>
+            </a:pPr>
+            <a:r>
+              <a:rPr lang="en-CA" sz="1100">
+                <a:solidFill>
+                  <a:schemeClr val="dk1"/>
+                </a:solidFill>
+                <a:latin typeface="Cabin"/>
+                <a:ea typeface="Cabin"/>
+                <a:cs typeface="Cabin"/>
+                <a:sym typeface="Cabin"/>
+              </a:rPr>
+              <a:t>WHY WE CHOSE TO DO IT THIS WAY</a:t>
+            </a:r>
+          </a:p>
+          <a:p>
+            <a:pPr lvl="0">
+              <a:spcBef>
+                <a:spcPts val="0"/>
+              </a:spcBef>
+              <a:buClr>
+                <a:schemeClr val="dk1"/>
+              </a:buClr>
+              <a:buFont typeface="Arial"/>
+              <a:buNone/>
+            </a:pPr>
+            <a:endParaRPr sz="1100">
+              <a:solidFill>
+                <a:schemeClr val="dk1"/>
+              </a:solidFill>
+              <a:latin typeface="Cabin"/>
+              <a:ea typeface="Cabin"/>
+              <a:cs typeface="Cabin"/>
+              <a:sym typeface="Cabin"/>
+            </a:endParaRPr>
+          </a:p>
+          <a:p>
+            <a:pPr lvl="0">
+              <a:spcBef>
+                <a:spcPts val="0"/>
+              </a:spcBef>
+              <a:buClr>
+                <a:schemeClr val="dk1"/>
+              </a:buClr>
+              <a:buSzPct val="100000"/>
+              <a:buFont typeface="Arial"/>
+              <a:buNone/>
+            </a:pPr>
+            <a:r>
+              <a:rPr lang="en-CA" sz="1100">
+                <a:solidFill>
+                  <a:schemeClr val="dk1"/>
+                </a:solidFill>
+                <a:latin typeface="Cabin"/>
+                <a:ea typeface="Cabin"/>
+                <a:cs typeface="Cabin"/>
+                <a:sym typeface="Cabin"/>
+              </a:rPr>
+              <a:t>What it does</a:t>
+            </a:r>
+          </a:p>
+          <a:p>
+            <a:pPr marL="457200" lvl="0" indent="-298450" rtl="0">
+              <a:spcBef>
+                <a:spcPts val="0"/>
+              </a:spcBef>
+              <a:buClr>
+                <a:schemeClr val="dk1"/>
+              </a:buClr>
+              <a:buSzPct val="100000"/>
+              <a:buFont typeface="Cabin"/>
+              <a:buChar char="-"/>
+            </a:pPr>
+            <a:r>
+              <a:rPr lang="en-CA" sz="1100">
+                <a:solidFill>
+                  <a:schemeClr val="dk1"/>
+                </a:solidFill>
+                <a:latin typeface="Cabin"/>
+                <a:ea typeface="Cabin"/>
+                <a:cs typeface="Cabin"/>
+                <a:sym typeface="Cabin"/>
+              </a:rPr>
+              <a:t>manages traffic flow</a:t>
+            </a:r>
+          </a:p>
+          <a:p>
+            <a:pPr marL="457200" lvl="0" indent="-298450" rtl="0">
+              <a:spcBef>
+                <a:spcPts val="0"/>
+              </a:spcBef>
+              <a:buClr>
+                <a:schemeClr val="dk1"/>
+              </a:buClr>
+              <a:buSzPct val="100000"/>
+              <a:buFont typeface="Cabin"/>
+              <a:buChar char="-"/>
+            </a:pPr>
+            <a:r>
+              <a:rPr lang="en-CA" sz="1100">
+                <a:solidFill>
+                  <a:schemeClr val="dk1"/>
+                </a:solidFill>
+                <a:latin typeface="Cabin"/>
+                <a:ea typeface="Cabin"/>
+                <a:cs typeface="Cabin"/>
+                <a:sym typeface="Cabin"/>
+              </a:rPr>
+              <a:t>A camera and Computer</a:t>
+            </a:r>
+          </a:p>
+          <a:p>
+            <a:pPr marL="457200" lvl="0" indent="-298450" rtl="0">
+              <a:spcBef>
+                <a:spcPts val="0"/>
+              </a:spcBef>
+              <a:buClr>
+                <a:schemeClr val="dk1"/>
+              </a:buClr>
+              <a:buSzPct val="100000"/>
+              <a:buFont typeface="Cabin"/>
+              <a:buChar char="-"/>
+            </a:pPr>
+            <a:r>
+              <a:rPr lang="en-CA" sz="1100">
+                <a:solidFill>
+                  <a:schemeClr val="dk1"/>
+                </a:solidFill>
+                <a:latin typeface="Cabin"/>
+                <a:ea typeface="Cabin"/>
+                <a:cs typeface="Cabin"/>
+                <a:sym typeface="Cabin"/>
+              </a:rPr>
+              <a:t>chose this approach because the track is shared and we did not want to interfere with other  groups, ideally other types of sensors would be used </a:t>
+            </a:r>
+          </a:p>
+          <a:p>
+            <a:pPr lvl="0">
+              <a:spcBef>
+                <a:spcPts val="0"/>
+              </a:spcBef>
+              <a:buClr>
+                <a:schemeClr val="dk1"/>
+              </a:buClr>
+              <a:buFont typeface="Arial"/>
+              <a:buNone/>
+            </a:pPr>
+            <a:endParaRPr sz="1100">
+              <a:solidFill>
+                <a:schemeClr val="dk1"/>
+              </a:solidFill>
+              <a:latin typeface="Cabin"/>
+              <a:ea typeface="Cabin"/>
+              <a:cs typeface="Cabin"/>
+              <a:sym typeface="Cabin"/>
+            </a:endParaRPr>
+          </a:p>
+          <a:p>
+            <a:pPr lvl="0" rtl="0">
+              <a:spcBef>
+                <a:spcPts val="0"/>
+              </a:spcBef>
+              <a:buClr>
+                <a:schemeClr val="dk1"/>
+              </a:buClr>
+              <a:buSzPct val="100000"/>
+              <a:buFont typeface="Arial"/>
+              <a:buNone/>
+            </a:pPr>
+            <a:r>
+              <a:rPr lang="en-CA" sz="1100">
+                <a:solidFill>
+                  <a:schemeClr val="dk1"/>
+                </a:solidFill>
+                <a:latin typeface="Cabin"/>
+                <a:ea typeface="Cabin"/>
+                <a:cs typeface="Cabin"/>
+                <a:sym typeface="Cabin"/>
+              </a:rPr>
+              <a:t>How it works </a:t>
+            </a:r>
+          </a:p>
+        </p:txBody>
+      </p:sp>
+      <p:sp>
+        <p:nvSpPr>
+          <p:cNvPr id="144" name="Shape 144"/>
+          <p:cNvSpPr>
+            <a:spLocks noGrp="1" noRot="1" noChangeAspect="1"/>
+          </p:cNvSpPr>
+          <p:nvPr>
+            <p:ph type="sldImg" idx="2"/>
+          </p:nvPr>
+        </p:nvSpPr>
+        <p:spPr>
+          <a:xfrm>
+            <a:off x="381000" y="685800"/>
+            <a:ext cx="6096000" cy="3429000"/>
+          </a:xfrm>
+          <a:custGeom>
+            <a:avLst/>
+            <a:gdLst/>
+            <a:ahLst/>
+            <a:cxnLst/>
+            <a:rect l="0" t="0" r="0" b="0"/>
+            <a:pathLst>
+              <a:path w="120000" h="120000" extrusionOk="0">
+                <a:moveTo>
+                  <a:pt x="0" y="0"/>
+                </a:moveTo>
+                <a:lnTo>
+                  <a:pt x="120000" y="0"/>
+                </a:lnTo>
+                <a:lnTo>
+                  <a:pt x="120000" y="120000"/>
+                </a:lnTo>
+                <a:lnTo>
+                  <a:pt x="0" y="120000"/>
+                </a:lnTo>
+                <a:close/>
+              </a:path>
+            </a:pathLst>
+          </a:custGeom>
+        </p:spPr>
+      </p:sp>
+    </p:spTree>
+    <p:extLst>
+      <p:ext uri="{BB962C8B-B14F-4D97-AF65-F5344CB8AC3E}">
+        <p14:creationId xmlns:p14="http://schemas.microsoft.com/office/powerpoint/2010/main" val="863483763"/>
+      </p:ext>
+    </p:extLst>
+  </p:cSld>
+  <p:clrMapOvr>
+    <a:masterClrMapping/>
+  </p:clrMapOvr>
+</p:notes>
+</file>
+
+<file path=ppt/notesSlides/notesSlide5.xml><?xml version="1.0" encoding="utf-8"?>
+<p:notes xmlns:a="http://schemas.openxmlformats.org/drawingml/2006/main" xmlns:r="http://schemas.openxmlformats.org/officeDocument/2006/relationships" xmlns:p="http://schemas.openxmlformats.org/presentationml/2006/main" showMasterSp="0" showMasterPhAnim="0">
+  <p:cSld>
+    <p:spTree>
+      <p:nvGrpSpPr>
+        <p:cNvPr id="1" name="Shape 148"/>
+        <p:cNvGrpSpPr/>
+        <p:nvPr/>
+      </p:nvGrpSpPr>
+      <p:grpSpPr>
+        <a:xfrm>
+          <a:off x="0" y="0"/>
+          <a:ext cx="0" cy="0"/>
+          <a:chOff x="0" y="0"/>
+          <a:chExt cx="0" cy="0"/>
+        </a:xfrm>
+      </p:grpSpPr>
+      <p:sp>
+        <p:nvSpPr>
+          <p:cNvPr id="149" name="Shape 149"/>
+          <p:cNvSpPr txBox="1">
+            <a:spLocks noGrp="1"/>
+          </p:cNvSpPr>
+          <p:nvPr>
+            <p:ph type="body" idx="1"/>
+          </p:nvPr>
+        </p:nvSpPr>
+        <p:spPr>
+          <a:xfrm>
+            <a:off x="685800" y="4343400"/>
+            <a:ext cx="5486400" cy="4114800"/>
+          </a:xfrm>
+          <a:prstGeom prst="rect">
+            <a:avLst/>
+          </a:prstGeom>
+          <a:noFill/>
+          <a:ln>
+            <a:noFill/>
+          </a:ln>
+        </p:spPr>
+        <p:txBody>
+          <a:bodyPr lIns="91425" tIns="91425" rIns="91425" bIns="91425" anchor="ctr" anchorCtr="0">
+            <a:noAutofit/>
+          </a:bodyPr>
+          <a:lstStyle/>
+          <a:p>
+            <a:pPr marL="457200" lvl="0" indent="-228600" rtl="0">
+              <a:spcBef>
+                <a:spcPts val="0"/>
+              </a:spcBef>
+              <a:buChar char="-"/>
+            </a:pPr>
+            <a:r>
+              <a:rPr lang="en-CA"/>
+              <a:t>WHY WE CHOSE TO DO IT THIS WAY</a:t>
+            </a:r>
+          </a:p>
+          <a:p>
+            <a:pPr lvl="0" rtl="0">
+              <a:spcBef>
+                <a:spcPts val="0"/>
+              </a:spcBef>
+              <a:buNone/>
+            </a:pPr>
+            <a:endParaRPr/>
+          </a:p>
+        </p:txBody>
+      </p:sp>
+      <p:sp>
+        <p:nvSpPr>
+          <p:cNvPr id="150" name="Shape 150"/>
+          <p:cNvSpPr>
+            <a:spLocks noGrp="1" noRot="1" noChangeAspect="1"/>
+          </p:cNvSpPr>
+          <p:nvPr>
+            <p:ph type="sldImg" idx="2"/>
+          </p:nvPr>
+        </p:nvSpPr>
+        <p:spPr>
+          <a:xfrm>
+            <a:off x="381000" y="685800"/>
+            <a:ext cx="6096000" cy="3429000"/>
+          </a:xfrm>
+          <a:custGeom>
+            <a:avLst/>
+            <a:gdLst/>
+            <a:ahLst/>
+            <a:cxnLst/>
+            <a:rect l="0" t="0" r="0" b="0"/>
+            <a:pathLst>
+              <a:path w="120000" h="120000" extrusionOk="0">
+                <a:moveTo>
+                  <a:pt x="0" y="0"/>
+                </a:moveTo>
+                <a:lnTo>
+                  <a:pt x="120000" y="0"/>
+                </a:lnTo>
+                <a:lnTo>
+                  <a:pt x="120000" y="120000"/>
+                </a:lnTo>
+                <a:lnTo>
+                  <a:pt x="0" y="120000"/>
+                </a:lnTo>
+                <a:close/>
+              </a:path>
+            </a:pathLst>
+          </a:custGeom>
+        </p:spPr>
+      </p:sp>
+    </p:spTree>
+    <p:extLst>
+      <p:ext uri="{BB962C8B-B14F-4D97-AF65-F5344CB8AC3E}">
+        <p14:creationId xmlns:p14="http://schemas.microsoft.com/office/powerpoint/2010/main" val="1259423787"/>
+      </p:ext>
+    </p:extLst>
+  </p:cSld>
+  <p:clrMapOvr>
+    <a:masterClrMapping/>
+  </p:clrMapOvr>
+</p:notes>
+</file>
+
+<file path=ppt/notesSlides/notesSlide6.xml><?xml version="1.0" encoding="utf-8"?>
+<p:notes xmlns:a="http://schemas.openxmlformats.org/drawingml/2006/main" xmlns:r="http://schemas.openxmlformats.org/officeDocument/2006/relationships" xmlns:p="http://schemas.openxmlformats.org/presentationml/2006/main" showMasterSp="0" showMasterPhAnim="0">
+  <p:cSld>
+    <p:spTree>
+      <p:nvGrpSpPr>
+        <p:cNvPr id="1" name="Shape 154"/>
+        <p:cNvGrpSpPr/>
+        <p:nvPr/>
+      </p:nvGrpSpPr>
+      <p:grpSpPr>
+        <a:xfrm>
+          <a:off x="0" y="0"/>
+          <a:ext cx="0" cy="0"/>
+          <a:chOff x="0" y="0"/>
+          <a:chExt cx="0" cy="0"/>
+        </a:xfrm>
+      </p:grpSpPr>
+      <p:sp>
+        <p:nvSpPr>
+          <p:cNvPr id="155" name="Shape 155"/>
+          <p:cNvSpPr txBox="1">
+            <a:spLocks noGrp="1"/>
+          </p:cNvSpPr>
+          <p:nvPr>
+            <p:ph type="body" idx="1"/>
+          </p:nvPr>
+        </p:nvSpPr>
+        <p:spPr>
+          <a:xfrm>
+            <a:off x="685800" y="4343400"/>
+            <a:ext cx="5486400" cy="4114800"/>
+          </a:xfrm>
+          <a:prstGeom prst="rect">
+            <a:avLst/>
+          </a:prstGeom>
+          <a:noFill/>
+          <a:ln>
+            <a:noFill/>
+          </a:ln>
+        </p:spPr>
+        <p:txBody>
+          <a:bodyPr lIns="91425" tIns="91425" rIns="91425" bIns="91425" anchor="ctr" anchorCtr="0">
+            <a:noAutofit/>
+          </a:bodyPr>
+          <a:lstStyle/>
+          <a:p>
+            <a:pPr lvl="0" rtl="0">
+              <a:lnSpc>
+                <a:spcPct val="110000"/>
+              </a:lnSpc>
+              <a:spcBef>
+                <a:spcPts val="0"/>
+              </a:spcBef>
+              <a:buClr>
+                <a:schemeClr val="dk1"/>
+              </a:buClr>
+              <a:buSzPct val="55000"/>
+              <a:buFont typeface="Arial"/>
+              <a:buNone/>
+            </a:pPr>
+            <a:r>
+              <a:rPr lang="en-CA" sz="2000" b="1">
+                <a:solidFill>
+                  <a:schemeClr val="dk2"/>
+                </a:solidFill>
+                <a:latin typeface="Cabin"/>
+                <a:ea typeface="Cabin"/>
+                <a:cs typeface="Cabin"/>
+                <a:sym typeface="Cabin"/>
+              </a:rPr>
+              <a:t>Intersection Infrastructure VS V2V</a:t>
+            </a:r>
+          </a:p>
+          <a:p>
+            <a:pPr marL="457200" lvl="0" indent="-355600" rtl="0">
+              <a:lnSpc>
+                <a:spcPct val="110000"/>
+              </a:lnSpc>
+              <a:spcBef>
+                <a:spcPts val="0"/>
+              </a:spcBef>
+              <a:buClr>
+                <a:schemeClr val="dk2"/>
+              </a:buClr>
+              <a:buSzPct val="100000"/>
+              <a:buChar char="-"/>
+            </a:pPr>
+            <a:r>
+              <a:rPr lang="en-CA" sz="2000">
+                <a:solidFill>
+                  <a:schemeClr val="dk2"/>
+                </a:solidFill>
+                <a:latin typeface="Cabin"/>
+                <a:ea typeface="Cabin"/>
+                <a:cs typeface="Cabin"/>
+                <a:sym typeface="Cabin"/>
+              </a:rPr>
+              <a:t>Wireless communication is less reliable for moving vehicles - Doppler Effect</a:t>
+            </a:r>
+          </a:p>
+          <a:p>
+            <a:pPr marL="457200" lvl="0" indent="-355600" rtl="0">
+              <a:lnSpc>
+                <a:spcPct val="110000"/>
+              </a:lnSpc>
+              <a:spcBef>
+                <a:spcPts val="0"/>
+              </a:spcBef>
+              <a:buClr>
+                <a:schemeClr val="dk2"/>
+              </a:buClr>
+              <a:buSzPct val="100000"/>
+              <a:buChar char="-"/>
+            </a:pPr>
+            <a:r>
+              <a:rPr lang="en-CA" sz="2000">
+                <a:solidFill>
+                  <a:schemeClr val="dk2"/>
+                </a:solidFill>
+                <a:latin typeface="Cabin"/>
+                <a:ea typeface="Cabin"/>
+                <a:cs typeface="Cabin"/>
+                <a:sym typeface="Cabin"/>
+              </a:rPr>
+              <a:t>Multiple systems to interpret information - robustness </a:t>
+            </a:r>
+          </a:p>
+          <a:p>
+            <a:pPr marL="457200" lvl="0" indent="-355600" rtl="0">
+              <a:lnSpc>
+                <a:spcPct val="110000"/>
+              </a:lnSpc>
+              <a:spcBef>
+                <a:spcPts val="0"/>
+              </a:spcBef>
+              <a:buClr>
+                <a:schemeClr val="dk2"/>
+              </a:buClr>
+              <a:buFont typeface="Cabin"/>
+              <a:buChar char="-"/>
+            </a:pPr>
+            <a:endParaRPr sz="2000">
+              <a:solidFill>
+                <a:schemeClr val="dk2"/>
+              </a:solidFill>
+              <a:latin typeface="Cabin"/>
+              <a:ea typeface="Cabin"/>
+              <a:cs typeface="Cabin"/>
+              <a:sym typeface="Cabin"/>
+            </a:endParaRPr>
+          </a:p>
+          <a:p>
+            <a:pPr marL="457200" lvl="0" indent="-355600" rtl="0">
+              <a:lnSpc>
+                <a:spcPct val="110000"/>
+              </a:lnSpc>
+              <a:spcBef>
+                <a:spcPts val="0"/>
+              </a:spcBef>
+              <a:buClr>
+                <a:schemeClr val="dk2"/>
+              </a:buClr>
+              <a:buChar char="-"/>
+            </a:pPr>
+            <a:endParaRPr sz="2000">
+              <a:solidFill>
+                <a:schemeClr val="dk2"/>
+              </a:solidFill>
+              <a:latin typeface="Cabin"/>
+              <a:ea typeface="Cabin"/>
+              <a:cs typeface="Cabin"/>
+              <a:sym typeface="Cabin"/>
+            </a:endParaRPr>
+          </a:p>
+          <a:p>
+            <a:pPr lvl="0" rtl="0">
+              <a:spcBef>
+                <a:spcPts val="0"/>
+              </a:spcBef>
+              <a:buNone/>
+            </a:pPr>
+            <a:endParaRPr/>
+          </a:p>
+        </p:txBody>
+      </p:sp>
+      <p:sp>
+        <p:nvSpPr>
+          <p:cNvPr id="156" name="Shape 156"/>
+          <p:cNvSpPr>
+            <a:spLocks noGrp="1" noRot="1" noChangeAspect="1"/>
+          </p:cNvSpPr>
+          <p:nvPr>
+            <p:ph type="sldImg" idx="2"/>
+          </p:nvPr>
+        </p:nvSpPr>
+        <p:spPr>
+          <a:xfrm>
+            <a:off x="381000" y="685800"/>
+            <a:ext cx="6096000" cy="3429000"/>
+          </a:xfrm>
+          <a:custGeom>
+            <a:avLst/>
+            <a:gdLst/>
+            <a:ahLst/>
+            <a:cxnLst/>
+            <a:rect l="0" t="0" r="0" b="0"/>
+            <a:pathLst>
+              <a:path w="120000" h="120000" extrusionOk="0">
+                <a:moveTo>
+                  <a:pt x="0" y="0"/>
+                </a:moveTo>
+                <a:lnTo>
+                  <a:pt x="120000" y="0"/>
+                </a:lnTo>
+                <a:lnTo>
+                  <a:pt x="120000" y="120000"/>
+                </a:lnTo>
+                <a:lnTo>
+                  <a:pt x="0" y="120000"/>
+                </a:lnTo>
+                <a:close/>
+              </a:path>
+            </a:pathLst>
+          </a:custGeom>
+        </p:spPr>
+      </p:sp>
+    </p:spTree>
+    <p:extLst>
+      <p:ext uri="{BB962C8B-B14F-4D97-AF65-F5344CB8AC3E}">
+        <p14:creationId xmlns:p14="http://schemas.microsoft.com/office/powerpoint/2010/main" val="2657126357"/>
+      </p:ext>
+    </p:extLst>
+  </p:cSld>
+  <p:clrMapOvr>
+    <a:masterClrMapping/>
+  </p:clrMapOvr>
+</p:notes>
+</file>
+
+<file path=ppt/notesSlides/notesSlide7.xml><?xml version="1.0" encoding="utf-8"?>
+<p:notes xmlns:a="http://schemas.openxmlformats.org/drawingml/2006/main" xmlns:r="http://schemas.openxmlformats.org/officeDocument/2006/relationships" xmlns:p="http://schemas.openxmlformats.org/presentationml/2006/main" showMasterSp="0" showMasterPhAnim="0">
+  <p:cSld>
+    <p:spTree>
+      <p:nvGrpSpPr>
+        <p:cNvPr id="1" name="Shape 160"/>
+        <p:cNvGrpSpPr/>
+        <p:nvPr/>
+      </p:nvGrpSpPr>
+      <p:grpSpPr>
+        <a:xfrm>
+          <a:off x="0" y="0"/>
+          <a:ext cx="0" cy="0"/>
+          <a:chOff x="0" y="0"/>
+          <a:chExt cx="0" cy="0"/>
+        </a:xfrm>
+      </p:grpSpPr>
+      <p:sp>
+        <p:nvSpPr>
+          <p:cNvPr id="161" name="Shape 161"/>
+          <p:cNvSpPr txBox="1">
+            <a:spLocks noGrp="1"/>
+          </p:cNvSpPr>
+          <p:nvPr>
+            <p:ph type="body" idx="1"/>
+          </p:nvPr>
+        </p:nvSpPr>
+        <p:spPr>
+          <a:xfrm>
+            <a:off x="685800" y="4343400"/>
+            <a:ext cx="5486399" cy="4114800"/>
+          </a:xfrm>
+          <a:prstGeom prst="rect">
+            <a:avLst/>
+          </a:prstGeom>
+          <a:noFill/>
+          <a:ln>
+            <a:noFill/>
+          </a:ln>
+        </p:spPr>
+        <p:txBody>
+          <a:bodyPr lIns="91425" tIns="91425" rIns="91425" bIns="91425" anchor="ctr" anchorCtr="0">
+            <a:noAutofit/>
+          </a:bodyPr>
+          <a:lstStyle/>
+          <a:p>
+            <a:pPr marL="457200" lvl="0" indent="-355600" rtl="0">
+              <a:lnSpc>
+                <a:spcPct val="110000"/>
+              </a:lnSpc>
+              <a:spcBef>
+                <a:spcPts val="0"/>
+              </a:spcBef>
+              <a:buClr>
+                <a:schemeClr val="dk2"/>
+              </a:buClr>
+              <a:buSzPct val="100000"/>
+              <a:buChar char="-"/>
+            </a:pPr>
+            <a:r>
+              <a:rPr lang="en-CA" sz="2000">
+                <a:solidFill>
+                  <a:schemeClr val="dk2"/>
+                </a:solidFill>
+                <a:latin typeface="Cabin"/>
+                <a:ea typeface="Cabin"/>
+                <a:cs typeface="Cabin"/>
+                <a:sym typeface="Cabin"/>
+              </a:rPr>
+              <a:t>FOR FUTURE USE: (is capable of detecting non autonomous vehicles and pedestrians &amp; Smart Traffic)</a:t>
+            </a:r>
+          </a:p>
+          <a:p>
+            <a:pPr lvl="0">
+              <a:spcBef>
+                <a:spcPts val="0"/>
+              </a:spcBef>
+              <a:buNone/>
+            </a:pPr>
+            <a:endParaRPr/>
+          </a:p>
+        </p:txBody>
+      </p:sp>
+      <p:sp>
+        <p:nvSpPr>
+          <p:cNvPr id="162" name="Shape 162"/>
+          <p:cNvSpPr>
+            <a:spLocks noGrp="1" noRot="1" noChangeAspect="1"/>
+          </p:cNvSpPr>
+          <p:nvPr>
+            <p:ph type="sldImg" idx="2"/>
+          </p:nvPr>
+        </p:nvSpPr>
+        <p:spPr>
+          <a:xfrm>
+            <a:off x="381000" y="685800"/>
+            <a:ext cx="6096000" cy="3429000"/>
+          </a:xfrm>
+          <a:custGeom>
+            <a:avLst/>
+            <a:gdLst/>
+            <a:ahLst/>
+            <a:cxnLst/>
+            <a:rect l="0" t="0" r="0" b="0"/>
+            <a:pathLst>
+              <a:path w="120000" h="120000" extrusionOk="0">
+                <a:moveTo>
+                  <a:pt x="0" y="0"/>
+                </a:moveTo>
+                <a:lnTo>
+                  <a:pt x="120000" y="0"/>
+                </a:lnTo>
+                <a:lnTo>
+                  <a:pt x="120000" y="120000"/>
+                </a:lnTo>
+                <a:lnTo>
+                  <a:pt x="0" y="120000"/>
+                </a:lnTo>
+                <a:close/>
+              </a:path>
+            </a:pathLst>
+          </a:custGeom>
+        </p:spPr>
+      </p:sp>
+    </p:spTree>
+    <p:extLst>
+      <p:ext uri="{BB962C8B-B14F-4D97-AF65-F5344CB8AC3E}">
+        <p14:creationId xmlns:p14="http://schemas.microsoft.com/office/powerpoint/2010/main" val="2533575568"/>
+      </p:ext>
+    </p:extLst>
+  </p:cSld>
+  <p:clrMapOvr>
+    <a:masterClrMapping/>
+  </p:clrMapOvr>
+</p:notes>
+</file>
+
+<file path=ppt/notesSlides/notesSlide8.xml><?xml version="1.0" encoding="utf-8"?>
+<p:notes xmlns:a="http://schemas.openxmlformats.org/drawingml/2006/main" xmlns:r="http://schemas.openxmlformats.org/officeDocument/2006/relationships" xmlns:p="http://schemas.openxmlformats.org/presentationml/2006/main" showMasterSp="0" showMasterPhAnim="0">
+  <p:cSld>
+    <p:spTree>
+      <p:nvGrpSpPr>
+        <p:cNvPr id="1" name="Shape 166"/>
+        <p:cNvGrpSpPr/>
+        <p:nvPr/>
+      </p:nvGrpSpPr>
+      <p:grpSpPr>
+        <a:xfrm>
+          <a:off x="0" y="0"/>
+          <a:ext cx="0" cy="0"/>
+          <a:chOff x="0" y="0"/>
+          <a:chExt cx="0" cy="0"/>
+        </a:xfrm>
+      </p:grpSpPr>
+      <p:sp>
+        <p:nvSpPr>
+          <p:cNvPr id="167" name="Shape 167"/>
+          <p:cNvSpPr txBox="1">
+            <a:spLocks noGrp="1"/>
+          </p:cNvSpPr>
+          <p:nvPr>
+            <p:ph type="body" idx="1"/>
+          </p:nvPr>
+        </p:nvSpPr>
+        <p:spPr>
+          <a:xfrm>
+            <a:off x="685800" y="4343400"/>
+            <a:ext cx="5486399" cy="4114800"/>
+          </a:xfrm>
+          <a:prstGeom prst="rect">
+            <a:avLst/>
+          </a:prstGeom>
+          <a:noFill/>
+          <a:ln>
+            <a:noFill/>
+          </a:ln>
+        </p:spPr>
+        <p:txBody>
+          <a:bodyPr lIns="91425" tIns="91425" rIns="91425" bIns="91425" anchor="ctr" anchorCtr="0">
+            <a:noAutofit/>
+          </a:bodyPr>
+          <a:lstStyle/>
+          <a:p>
+            <a:pPr lvl="0">
+              <a:spcBef>
+                <a:spcPts val="0"/>
+              </a:spcBef>
+              <a:buNone/>
+            </a:pPr>
+            <a:endParaRPr/>
+          </a:p>
+        </p:txBody>
+      </p:sp>
+      <p:sp>
+        <p:nvSpPr>
+          <p:cNvPr id="168" name="Shape 168"/>
+          <p:cNvSpPr>
+            <a:spLocks noGrp="1" noRot="1" noChangeAspect="1"/>
+          </p:cNvSpPr>
+          <p:nvPr>
+            <p:ph type="sldImg" idx="2"/>
+          </p:nvPr>
+        </p:nvSpPr>
+        <p:spPr>
+          <a:xfrm>
+            <a:off x="381000" y="685800"/>
+            <a:ext cx="6096000" cy="3429000"/>
+          </a:xfrm>
+          <a:custGeom>
+            <a:avLst/>
+            <a:gdLst/>
+            <a:ahLst/>
+            <a:cxnLst/>
+            <a:rect l="0" t="0" r="0" b="0"/>
+            <a:pathLst>
+              <a:path w="120000" h="120000" extrusionOk="0">
+                <a:moveTo>
+                  <a:pt x="0" y="0"/>
+                </a:moveTo>
+                <a:lnTo>
+                  <a:pt x="120000" y="0"/>
+                </a:lnTo>
+                <a:lnTo>
+                  <a:pt x="120000" y="120000"/>
+                </a:lnTo>
+                <a:lnTo>
+                  <a:pt x="0" y="120000"/>
+                </a:lnTo>
+                <a:close/>
+              </a:path>
+            </a:pathLst>
+          </a:custGeom>
+        </p:spPr>
+      </p:sp>
+    </p:spTree>
+    <p:extLst>
+      <p:ext uri="{BB962C8B-B14F-4D97-AF65-F5344CB8AC3E}">
+        <p14:creationId xmlns:p14="http://schemas.microsoft.com/office/powerpoint/2010/main" val="4095220068"/>
+      </p:ext>
+    </p:extLst>
+  </p:cSld>
+  <p:clrMapOvr>
+    <a:masterClrMapping/>
+  </p:clrMapOvr>
+</p:notes>
+</file>
+
+<file path=ppt/notesSlides/notesSlide9.xml><?xml version="1.0" encoding="utf-8"?>
+<p:notes xmlns:a="http://schemas.openxmlformats.org/drawingml/2006/main" xmlns:r="http://schemas.openxmlformats.org/officeDocument/2006/relationships" xmlns:p="http://schemas.openxmlformats.org/presentationml/2006/main" showMasterSp="0" showMasterPhAnim="0">
+  <p:cSld>
+    <p:spTree>
+      <p:nvGrpSpPr>
+        <p:cNvPr id="1" name="Shape 173"/>
+        <p:cNvGrpSpPr/>
+        <p:nvPr/>
+      </p:nvGrpSpPr>
+      <p:grpSpPr>
+        <a:xfrm>
+          <a:off x="0" y="0"/>
+          <a:ext cx="0" cy="0"/>
+          <a:chOff x="0" y="0"/>
+          <a:chExt cx="0" cy="0"/>
+        </a:xfrm>
+      </p:grpSpPr>
+      <p:sp>
+        <p:nvSpPr>
+          <p:cNvPr id="174" name="Shape 174"/>
+          <p:cNvSpPr txBox="1">
+            <a:spLocks noGrp="1"/>
+          </p:cNvSpPr>
+          <p:nvPr>
+            <p:ph type="body" idx="1"/>
+          </p:nvPr>
+        </p:nvSpPr>
+        <p:spPr>
+          <a:xfrm>
+            <a:off x="685800" y="4343400"/>
+            <a:ext cx="5486399" cy="4114800"/>
+          </a:xfrm>
+          <a:prstGeom prst="rect">
+            <a:avLst/>
+          </a:prstGeom>
+          <a:noFill/>
+          <a:ln>
+            <a:noFill/>
+          </a:ln>
+        </p:spPr>
+        <p:txBody>
+          <a:bodyPr lIns="91425" tIns="91425" rIns="91425" bIns="91425" anchor="ctr" anchorCtr="0">
+            <a:noAutofit/>
+          </a:bodyPr>
+          <a:lstStyle/>
+          <a:p>
+            <a:pPr lvl="0">
+              <a:spcBef>
+                <a:spcPts val="0"/>
+              </a:spcBef>
+              <a:buNone/>
+            </a:pPr>
+            <a:r>
+              <a:rPr lang="en-CA"/>
+              <a:t>FOR FUTURE USE  - Algorithms we used. </a:t>
+            </a:r>
+          </a:p>
+        </p:txBody>
+      </p:sp>
+      <p:sp>
+        <p:nvSpPr>
+          <p:cNvPr id="175" name="Shape 175"/>
+          <p:cNvSpPr>
+            <a:spLocks noGrp="1" noRot="1" noChangeAspect="1"/>
+          </p:cNvSpPr>
+          <p:nvPr>
+            <p:ph type="sldImg" idx="2"/>
+          </p:nvPr>
+        </p:nvSpPr>
+        <p:spPr>
+          <a:xfrm>
+            <a:off x="381000" y="685800"/>
+            <a:ext cx="6096000" cy="3429000"/>
+          </a:xfrm>
+          <a:custGeom>
+            <a:avLst/>
+            <a:gdLst/>
+            <a:ahLst/>
+            <a:cxnLst/>
+            <a:rect l="0" t="0" r="0" b="0"/>
+            <a:pathLst>
+              <a:path w="120000" h="120000" extrusionOk="0">
+                <a:moveTo>
+                  <a:pt x="0" y="0"/>
+                </a:moveTo>
+                <a:lnTo>
+                  <a:pt x="120000" y="0"/>
+                </a:lnTo>
+                <a:lnTo>
+                  <a:pt x="120000" y="120000"/>
+                </a:lnTo>
+                <a:lnTo>
+                  <a:pt x="0" y="120000"/>
+                </a:lnTo>
+                <a:close/>
+              </a:path>
+            </a:pathLst>
+          </a:custGeom>
+        </p:spPr>
+      </p:sp>
+    </p:spTree>
+    <p:extLst>
+      <p:ext uri="{BB962C8B-B14F-4D97-AF65-F5344CB8AC3E}">
+        <p14:creationId xmlns:p14="http://schemas.microsoft.com/office/powerpoint/2010/main" val="776072940"/>
+      </p:ext>
+    </p:extLst>
+  </p:cSld>
+  <p:clrMapOvr>
+    <a:masterClrMapping/>
+  </p:clrMapOvr>
+</p:notes>
 </file>
 
 <file path=ppt/slideLayouts/slideLayout1.xml><?xml version="1.0" encoding="utf-8"?>
@@ -8564,10 +10377,408 @@
   <p:clrMapOvr>
     <a:masterClrMapping/>
   </p:clrMapOvr>
+  <mc:AlternateContent xmlns:mc="http://schemas.openxmlformats.org/markup-compatibility/2006" xmlns:p15="http://schemas.microsoft.com/office/powerpoint/2012/main">
+    <mc:Choice Requires="p15">
+      <p:transition xmlns:p14="http://schemas.microsoft.com/office/powerpoint/2010/main" spd="slow" p14:dur="2000">
+        <p15:prstTrans prst="wind"/>
+      </p:transition>
+    </mc:Choice>
+    <mc:Fallback xmlns="">
+      <p:transition spd="slow">
+        <p:fade/>
+      </p:transition>
+    </mc:Fallback>
+  </mc:AlternateContent>
 </p:sld>
 </file>
 
 <file path=ppt/slides/slide10.xml><?xml version="1.0" encoding="utf-8"?>
+<p:sld xmlns:a="http://schemas.openxmlformats.org/drawingml/2006/main" xmlns:r="http://schemas.openxmlformats.org/officeDocument/2006/relationships" xmlns:p="http://schemas.openxmlformats.org/presentationml/2006/main">
+  <p:cSld>
+    <p:spTree>
+      <p:nvGrpSpPr>
+        <p:cNvPr id="1" name="Shape 176"/>
+        <p:cNvGrpSpPr/>
+        <p:nvPr/>
+      </p:nvGrpSpPr>
+      <p:grpSpPr>
+        <a:xfrm>
+          <a:off x="0" y="0"/>
+          <a:ext cx="0" cy="0"/>
+          <a:chOff x="0" y="0"/>
+          <a:chExt cx="0" cy="0"/>
+        </a:xfrm>
+      </p:grpSpPr>
+      <p:sp>
+        <p:nvSpPr>
+          <p:cNvPr id="177" name="Shape 177"/>
+          <p:cNvSpPr txBox="1">
+            <a:spLocks noGrp="1"/>
+          </p:cNvSpPr>
+          <p:nvPr>
+            <p:ph type="title"/>
+          </p:nvPr>
+        </p:nvSpPr>
+        <p:spPr>
+          <a:xfrm>
+            <a:off x="1251678" y="382385"/>
+            <a:ext cx="10178322" cy="1492132"/>
+          </a:xfrm>
+          <a:prstGeom prst="rect">
+            <a:avLst/>
+          </a:prstGeom>
+          <a:noFill/>
+          <a:ln>
+            <a:noFill/>
+          </a:ln>
+        </p:spPr>
+        <p:txBody>
+          <a:bodyPr lIns="91425" tIns="45700" rIns="91425" bIns="45700" anchor="ctr" anchorCtr="0">
+            <a:noAutofit/>
+          </a:bodyPr>
+          <a:lstStyle/>
+          <a:p>
+            <a:pPr marL="0" marR="0" lvl="0" indent="0" algn="l" rtl="0">
+              <a:lnSpc>
+                <a:spcPct val="90000"/>
+              </a:lnSpc>
+              <a:spcBef>
+                <a:spcPts val="0"/>
+              </a:spcBef>
+              <a:buClr>
+                <a:schemeClr val="dk2"/>
+              </a:buClr>
+              <a:buSzPct val="25000"/>
+              <a:buFont typeface="Impact"/>
+              <a:buNone/>
+            </a:pPr>
+            <a:r>
+              <a:rPr lang="en-CA" sz="5100" b="0" i="0" u="none" strike="noStrike" cap="none">
+                <a:solidFill>
+                  <a:schemeClr val="dk2"/>
+                </a:solidFill>
+                <a:latin typeface="Impact"/>
+                <a:ea typeface="Impact"/>
+                <a:cs typeface="Impact"/>
+                <a:sym typeface="Impact"/>
+              </a:rPr>
+              <a:t>TECHNICAL DETAILS </a:t>
+            </a:r>
+          </a:p>
+        </p:txBody>
+      </p:sp>
+      <p:sp>
+        <p:nvSpPr>
+          <p:cNvPr id="178" name="Shape 178"/>
+          <p:cNvSpPr txBox="1">
+            <a:spLocks noGrp="1"/>
+          </p:cNvSpPr>
+          <p:nvPr>
+            <p:ph type="body" idx="1"/>
+          </p:nvPr>
+        </p:nvSpPr>
+        <p:spPr>
+          <a:xfrm>
+            <a:off x="1251675" y="1672924"/>
+            <a:ext cx="10178400" cy="4827000"/>
+          </a:xfrm>
+          <a:prstGeom prst="rect">
+            <a:avLst/>
+          </a:prstGeom>
+          <a:noFill/>
+          <a:ln>
+            <a:noFill/>
+          </a:ln>
+        </p:spPr>
+        <p:txBody>
+          <a:bodyPr lIns="91425" tIns="45700" rIns="91425" bIns="45700" anchor="t" anchorCtr="0">
+            <a:noAutofit/>
+          </a:bodyPr>
+          <a:lstStyle/>
+          <a:p>
+            <a:pPr marL="0" lvl="0" indent="-69850" rtl="0">
+              <a:lnSpc>
+                <a:spcPct val="100000"/>
+              </a:lnSpc>
+              <a:spcBef>
+                <a:spcPts val="0"/>
+              </a:spcBef>
+              <a:buClr>
+                <a:schemeClr val="dk1"/>
+              </a:buClr>
+              <a:buSzPct val="47826"/>
+              <a:buFont typeface="Arial"/>
+              <a:buNone/>
+            </a:pPr>
+            <a:r>
+              <a:rPr lang="en-CA" sz="2300" b="1">
+                <a:solidFill>
+                  <a:schemeClr val="dk1"/>
+                </a:solidFill>
+              </a:rPr>
+              <a:t>Hardware</a:t>
+            </a:r>
+            <a:r>
+              <a:rPr lang="en-CA" sz="2300">
+                <a:solidFill>
+                  <a:schemeClr val="dk1"/>
+                </a:solidFill>
+              </a:rPr>
+              <a:t>  </a:t>
+            </a:r>
+          </a:p>
+          <a:p>
+            <a:pPr marL="457200" lvl="0" indent="-374650" rtl="0">
+              <a:lnSpc>
+                <a:spcPct val="100000"/>
+              </a:lnSpc>
+              <a:spcBef>
+                <a:spcPts val="0"/>
+              </a:spcBef>
+              <a:buClr>
+                <a:schemeClr val="dk1"/>
+              </a:buClr>
+              <a:buSzPct val="100000"/>
+              <a:buFont typeface="Cabin"/>
+            </a:pPr>
+            <a:r>
+              <a:rPr lang="en-CA" sz="2300">
+                <a:solidFill>
+                  <a:schemeClr val="dk1"/>
+                </a:solidFill>
+              </a:rPr>
+              <a:t>Intersection Controller: </a:t>
+            </a:r>
+          </a:p>
+          <a:p>
+            <a:pPr marL="914400" lvl="1" indent="-374650" rtl="0">
+              <a:lnSpc>
+                <a:spcPct val="100000"/>
+              </a:lnSpc>
+              <a:spcBef>
+                <a:spcPts val="0"/>
+              </a:spcBef>
+              <a:buClr>
+                <a:schemeClr val="dk1"/>
+              </a:buClr>
+              <a:buSzPct val="100000"/>
+              <a:buFont typeface="Cabin"/>
+            </a:pPr>
+            <a:r>
+              <a:rPr lang="en-CA" sz="2300">
+                <a:solidFill>
+                  <a:schemeClr val="dk1"/>
+                </a:solidFill>
+              </a:rPr>
+              <a:t>Computer with bird-eye view camera</a:t>
+            </a:r>
+            <a:br>
+              <a:rPr lang="en-CA" sz="2300">
+                <a:solidFill>
+                  <a:schemeClr val="dk1"/>
+                </a:solidFill>
+              </a:rPr>
+            </a:br>
+            <a:endParaRPr lang="en-CA" sz="2300">
+              <a:solidFill>
+                <a:schemeClr val="dk1"/>
+              </a:solidFill>
+            </a:endParaRPr>
+          </a:p>
+          <a:p>
+            <a:pPr marL="457200" lvl="0" indent="-374650" rtl="0">
+              <a:lnSpc>
+                <a:spcPct val="100000"/>
+              </a:lnSpc>
+              <a:spcBef>
+                <a:spcPts val="0"/>
+              </a:spcBef>
+              <a:buClr>
+                <a:schemeClr val="dk1"/>
+              </a:buClr>
+              <a:buSzPct val="100000"/>
+            </a:pPr>
+            <a:r>
+              <a:rPr lang="en-CA" sz="2300">
+                <a:solidFill>
+                  <a:schemeClr val="dk1"/>
+                </a:solidFill>
+              </a:rPr>
+              <a:t>Vehicle Controller: </a:t>
+            </a:r>
+          </a:p>
+          <a:p>
+            <a:pPr marL="914400" lvl="1" indent="-374650" rtl="0">
+              <a:lnSpc>
+                <a:spcPct val="100000"/>
+              </a:lnSpc>
+              <a:spcBef>
+                <a:spcPts val="0"/>
+              </a:spcBef>
+              <a:buClr>
+                <a:schemeClr val="dk1"/>
+              </a:buClr>
+              <a:buSzPct val="100000"/>
+              <a:buFont typeface="Arial"/>
+            </a:pPr>
+            <a:r>
+              <a:rPr lang="en-CA" sz="2300">
+                <a:solidFill>
+                  <a:schemeClr val="dk1"/>
+                </a:solidFill>
+              </a:rPr>
+              <a:t>Raspberry Pi 3</a:t>
+            </a:r>
+          </a:p>
+          <a:p>
+            <a:pPr marL="914400" lvl="1" indent="-374650" rtl="0">
+              <a:lnSpc>
+                <a:spcPct val="100000"/>
+              </a:lnSpc>
+              <a:spcBef>
+                <a:spcPts val="0"/>
+              </a:spcBef>
+              <a:buClr>
+                <a:schemeClr val="dk1"/>
+              </a:buClr>
+              <a:buSzPct val="100000"/>
+              <a:buFont typeface="Arial"/>
+            </a:pPr>
+            <a:r>
+              <a:rPr lang="en-CA" sz="2300">
+                <a:solidFill>
+                  <a:schemeClr val="dk1"/>
+                </a:solidFill>
+              </a:rPr>
+              <a:t>Camera</a:t>
+            </a:r>
+          </a:p>
+          <a:p>
+            <a:pPr marL="914400" lvl="1" indent="-374650" rtl="0">
+              <a:lnSpc>
+                <a:spcPct val="100000"/>
+              </a:lnSpc>
+              <a:spcBef>
+                <a:spcPts val="0"/>
+              </a:spcBef>
+              <a:buClr>
+                <a:schemeClr val="dk1"/>
+              </a:buClr>
+              <a:buSzPct val="100000"/>
+              <a:buFont typeface="Arial"/>
+            </a:pPr>
+            <a:r>
+              <a:rPr lang="en-CA" sz="2300">
+                <a:solidFill>
+                  <a:schemeClr val="dk1"/>
+                </a:solidFill>
+              </a:rPr>
+              <a:t>Hall Effect Sensor</a:t>
+            </a:r>
+          </a:p>
+          <a:p>
+            <a:pPr marL="0" lvl="0" indent="0" rtl="0">
+              <a:lnSpc>
+                <a:spcPct val="100000"/>
+              </a:lnSpc>
+              <a:spcBef>
+                <a:spcPts val="0"/>
+              </a:spcBef>
+              <a:buNone/>
+            </a:pPr>
+            <a:endParaRPr sz="2300" b="1">
+              <a:solidFill>
+                <a:schemeClr val="dk1"/>
+              </a:solidFill>
+            </a:endParaRPr>
+          </a:p>
+          <a:p>
+            <a:pPr marL="0" lvl="0" indent="0" rtl="0">
+              <a:lnSpc>
+                <a:spcPct val="100000"/>
+              </a:lnSpc>
+              <a:spcBef>
+                <a:spcPts val="0"/>
+              </a:spcBef>
+              <a:buNone/>
+            </a:pPr>
+            <a:r>
+              <a:rPr lang="en-CA" sz="2300" b="1">
+                <a:solidFill>
+                  <a:schemeClr val="dk1"/>
+                </a:solidFill>
+              </a:rPr>
+              <a:t>Software</a:t>
+            </a:r>
+          </a:p>
+          <a:p>
+            <a:pPr marL="457200" marR="0" lvl="0" indent="-374650" algn="l" rtl="0">
+              <a:lnSpc>
+                <a:spcPct val="100000"/>
+              </a:lnSpc>
+              <a:spcBef>
+                <a:spcPts val="0"/>
+              </a:spcBef>
+              <a:spcAft>
+                <a:spcPts val="0"/>
+              </a:spcAft>
+              <a:buClr>
+                <a:schemeClr val="dk1"/>
+              </a:buClr>
+              <a:buSzPct val="100000"/>
+              <a:buFont typeface="Cabin"/>
+            </a:pPr>
+            <a:r>
+              <a:rPr lang="en-CA" sz="2300">
+                <a:solidFill>
+                  <a:schemeClr val="dk1"/>
+                </a:solidFill>
+              </a:rPr>
+              <a:t>OpenCV (Image Processing)</a:t>
+            </a:r>
+          </a:p>
+          <a:p>
+            <a:pPr marL="457200" marR="0" lvl="0" indent="-374650" algn="l" rtl="0">
+              <a:lnSpc>
+                <a:spcPct val="100000"/>
+              </a:lnSpc>
+              <a:spcBef>
+                <a:spcPts val="0"/>
+              </a:spcBef>
+              <a:spcAft>
+                <a:spcPts val="0"/>
+              </a:spcAft>
+              <a:buClr>
+                <a:schemeClr val="dk1"/>
+              </a:buClr>
+              <a:buSzPct val="100000"/>
+              <a:buFont typeface="Cabin"/>
+            </a:pPr>
+            <a:r>
+              <a:rPr lang="en-CA" sz="2300">
+                <a:solidFill>
+                  <a:schemeClr val="dk1"/>
+                </a:solidFill>
+              </a:rPr>
+              <a:t>BlueZ (Bluetooth)</a:t>
+            </a:r>
+          </a:p>
+        </p:txBody>
+      </p:sp>
+    </p:spTree>
+    <p:extLst>
+      <p:ext uri="{BB962C8B-B14F-4D97-AF65-F5344CB8AC3E}">
+        <p14:creationId xmlns:p14="http://schemas.microsoft.com/office/powerpoint/2010/main" val="3807527910"/>
+      </p:ext>
+    </p:extLst>
+  </p:cSld>
+  <p:clrMapOvr>
+    <a:masterClrMapping/>
+  </p:clrMapOvr>
+</p:sld>
+</file>
+
+<file path=ppt/slides/slide11.xml><?xml version="1.0" encoding="utf-8"?>
 <p:sld xmlns:a="http://schemas.openxmlformats.org/drawingml/2006/main" xmlns:r="http://schemas.openxmlformats.org/officeDocument/2006/relationships" xmlns:p="http://schemas.openxmlformats.org/presentationml/2006/main">
   <p:cSld>
     <p:spTree>
@@ -11531,83 +13742,6 @@
 </p:sld>
 </file>
 
-<file path=ppt/slides/slide11.xml><?xml version="1.0" encoding="utf-8"?>
-<p:sld xmlns:a="http://schemas.openxmlformats.org/drawingml/2006/main" xmlns:r="http://schemas.openxmlformats.org/officeDocument/2006/relationships" xmlns:p="http://schemas.openxmlformats.org/presentationml/2006/main">
-  <p:cSld>
-    <p:spTree>
-      <p:nvGrpSpPr>
-        <p:cNvPr id="1" name=""/>
-        <p:cNvGrpSpPr/>
-        <p:nvPr/>
-      </p:nvGrpSpPr>
-      <p:grpSpPr>
-        <a:xfrm>
-          <a:off x="0" y="0"/>
-          <a:ext cx="0" cy="0"/>
-          <a:chOff x="0" y="0"/>
-          <a:chExt cx="0" cy="0"/>
-        </a:xfrm>
-      </p:grpSpPr>
-      <p:sp>
-        <p:nvSpPr>
-          <p:cNvPr id="2" name="Title 1"/>
-          <p:cNvSpPr>
-            <a:spLocks noGrp="1"/>
-          </p:cNvSpPr>
-          <p:nvPr>
-            <p:ph type="title"/>
-          </p:nvPr>
-        </p:nvSpPr>
-        <p:spPr/>
-        <p:txBody>
-          <a:bodyPr anchor="ctr"/>
-          <a:lstStyle/>
-          <a:p>
-            <a:r>
-              <a:rPr lang="en-CA" dirty="0"/>
-              <a:t>Additional Demonstrations</a:t>
-            </a:r>
-            <a:endParaRPr lang="en-US" dirty="0"/>
-          </a:p>
-        </p:txBody>
-      </p:sp>
-      <p:sp>
-        <p:nvSpPr>
-          <p:cNvPr id="3" name="Content Placeholder 2"/>
-          <p:cNvSpPr>
-            <a:spLocks noGrp="1"/>
-          </p:cNvSpPr>
-          <p:nvPr>
-            <p:ph idx="1"/>
-          </p:nvPr>
-        </p:nvSpPr>
-        <p:spPr/>
-        <p:txBody>
-          <a:bodyPr/>
-          <a:lstStyle/>
-          <a:p>
-            <a:endParaRPr lang="en-US" dirty="0">
-              <a:solidFill>
-                <a:srgbClr val="2A1A00"/>
-              </a:solidFill>
-              <a:effectLst/>
-            </a:endParaRPr>
-          </a:p>
-        </p:txBody>
-      </p:sp>
-    </p:spTree>
-    <p:extLst>
-      <p:ext uri="{BB962C8B-B14F-4D97-AF65-F5344CB8AC3E}">
-        <p14:creationId xmlns:p14="http://schemas.microsoft.com/office/powerpoint/2010/main" val="1318686191"/>
-      </p:ext>
-    </p:extLst>
-  </p:cSld>
-  <p:clrMapOvr>
-    <a:masterClrMapping/>
-  </p:clrMapOvr>
-</p:sld>
-</file>
-
 <file path=ppt/slides/slide12.xml><?xml version="1.0" encoding="utf-8"?>
 <p:sld xmlns:a="http://schemas.openxmlformats.org/drawingml/2006/main" xmlns:r="http://schemas.openxmlformats.org/officeDocument/2006/relationships" xmlns:p="http://schemas.openxmlformats.org/presentationml/2006/main">
   <p:cSld>
@@ -12594,7 +14728,7 @@
   <p:cSld>
     <p:spTree>
       <p:nvGrpSpPr>
-        <p:cNvPr id="1" name=""/>
+        <p:cNvPr id="1" name="Shape 127"/>
         <p:cNvGrpSpPr/>
         <p:nvPr/>
       </p:nvGrpSpPr>
@@ -12608,8 +14742,8 @@
       </p:grpSpPr>
       <p:sp>
         <p:nvSpPr>
-          <p:cNvPr id="2" name="Title 1"/>
-          <p:cNvSpPr>
+          <p:cNvPr id="128" name="Shape 128"/>
+          <p:cNvSpPr txBox="1">
             <a:spLocks noGrp="1"/>
           </p:cNvSpPr>
           <p:nvPr>
@@ -12618,323 +14752,103 @@
         </p:nvSpPr>
         <p:spPr>
           <a:xfrm>
-            <a:off x="1251678" y="0"/>
+            <a:off x="1251678" y="382385"/>
             <a:ext cx="10178322" cy="1492132"/>
           </a:xfrm>
+          <a:prstGeom prst="rect">
+            <a:avLst/>
+          </a:prstGeom>
+          <a:noFill/>
+          <a:ln>
+            <a:noFill/>
+          </a:ln>
         </p:spPr>
         <p:txBody>
-          <a:bodyPr/>
+          <a:bodyPr lIns="91425" tIns="45700" rIns="91425" bIns="45700" anchor="ctr" anchorCtr="0">
+            <a:noAutofit/>
+          </a:bodyPr>
           <a:lstStyle/>
           <a:p>
-            <a:pPr algn="ctr"/>
+            <a:pPr marL="0" marR="0" lvl="0" indent="0" algn="l" rtl="0">
+              <a:lnSpc>
+                <a:spcPct val="90000"/>
+              </a:lnSpc>
+              <a:spcBef>
+                <a:spcPts val="0"/>
+              </a:spcBef>
+              <a:buClr>
+                <a:schemeClr val="dk2"/>
+              </a:buClr>
+              <a:buSzPct val="25000"/>
+              <a:buFont typeface="Impact"/>
+              <a:buNone/>
+            </a:pPr>
             <a:r>
-              <a:rPr lang="en-CA" dirty="0">
+              <a:rPr lang="en-CA" sz="5100" b="0" i="0" u="none" strike="noStrike" cap="none">
                 <a:solidFill>
-                  <a:srgbClr val="FF0000"/>
+                  <a:schemeClr val="dk2"/>
                 </a:solidFill>
+                <a:latin typeface="Impact"/>
+                <a:ea typeface="Impact"/>
+                <a:cs typeface="Impact"/>
+                <a:sym typeface="Impact"/>
               </a:rPr>
-              <a:t>Possible Presentation TIME LINE</a:t>
+              <a:t>OUTLINE</a:t>
             </a:r>
-            <a:br>
-              <a:rPr lang="en-CA" dirty="0">
-                <a:solidFill>
-                  <a:srgbClr val="FF0000"/>
-                </a:solidFill>
-              </a:rPr>
-            </a:br>
-            <a:r>
-              <a:rPr lang="en-CA" dirty="0">
-                <a:solidFill>
-                  <a:srgbClr val="FF0000"/>
-                </a:solidFill>
-              </a:rPr>
-              <a:t>(DELETE THIS SLIDE)</a:t>
-            </a:r>
-            <a:endParaRPr lang="en-US" dirty="0">
-              <a:solidFill>
-                <a:srgbClr val="FF0000"/>
-              </a:solidFill>
-            </a:endParaRPr>
           </a:p>
         </p:txBody>
       </p:sp>
       <p:sp>
         <p:nvSpPr>
-          <p:cNvPr id="3" name="Content Placeholder 2"/>
-          <p:cNvSpPr>
+          <p:cNvPr id="129" name="Shape 129"/>
+          <p:cNvSpPr txBox="1">
             <a:spLocks noGrp="1"/>
           </p:cNvSpPr>
           <p:nvPr>
-            <p:ph idx="1"/>
+            <p:ph type="body" idx="1"/>
           </p:nvPr>
         </p:nvSpPr>
         <p:spPr>
           <a:xfrm>
-            <a:off x="1251678" y="1303017"/>
-            <a:ext cx="10178322" cy="5554983"/>
+            <a:off x="1251678" y="2286000"/>
+            <a:ext cx="10178322" cy="3593591"/>
           </a:xfrm>
+          <a:prstGeom prst="rect">
+            <a:avLst/>
+          </a:prstGeom>
+          <a:noFill/>
+          <a:ln>
+            <a:noFill/>
+          </a:ln>
         </p:spPr>
         <p:txBody>
-          <a:bodyPr>
-            <a:normAutofit fontScale="77500" lnSpcReduction="20000"/>
+          <a:bodyPr lIns="91425" tIns="45700" rIns="91425" bIns="45700" anchor="t" anchorCtr="0">
+            <a:noAutofit/>
           </a:bodyPr>
           <a:lstStyle/>
           <a:p>
-            <a:pPr>
+            <a:pPr marL="127000" marR="0" lvl="0" indent="-127000" algn="l" rtl="0">
               <a:lnSpc>
-                <a:spcPct val="100000"/>
+                <a:spcPct val="110000"/>
               </a:lnSpc>
+              <a:spcBef>
+                <a:spcPts val="0"/>
+              </a:spcBef>
+              <a:buClr>
+                <a:schemeClr val="dk2"/>
+              </a:buClr>
+              <a:buSzPct val="100000"/>
+              <a:buFont typeface="Arial"/>
+              <a:buNone/>
             </a:pPr>
-            <a:r>
-              <a:rPr lang="en-CA" sz="2800" dirty="0">
-                <a:solidFill>
-                  <a:srgbClr val="FF0000"/>
-                </a:solidFill>
-              </a:rPr>
-              <a:t>Total presentation is 20 minutes (Including setup )</a:t>
-            </a:r>
-          </a:p>
-          <a:p>
-            <a:pPr lvl="1">
-              <a:lnSpc>
-                <a:spcPct val="100000"/>
-              </a:lnSpc>
-            </a:pPr>
-            <a:r>
-              <a:rPr lang="en-CA" sz="2600" dirty="0">
-                <a:solidFill>
-                  <a:srgbClr val="FF0000"/>
-                </a:solidFill>
-              </a:rPr>
-              <a:t>1 or 2 minutes of set up</a:t>
-            </a:r>
-          </a:p>
-          <a:p>
-            <a:pPr lvl="2">
-              <a:lnSpc>
-                <a:spcPct val="100000"/>
-              </a:lnSpc>
-            </a:pPr>
-            <a:r>
-              <a:rPr lang="en-CA" sz="2400" dirty="0">
-                <a:solidFill>
-                  <a:srgbClr val="FF0000"/>
-                </a:solidFill>
-              </a:rPr>
-              <a:t>We should have the skype call pre connect prior to presentation if we can</a:t>
-            </a:r>
-          </a:p>
-          <a:p>
-            <a:pPr lvl="1">
-              <a:lnSpc>
-                <a:spcPct val="100000"/>
-              </a:lnSpc>
-            </a:pPr>
-            <a:r>
-              <a:rPr lang="en-CA" sz="2600" dirty="0">
-                <a:solidFill>
-                  <a:srgbClr val="FF0000"/>
-                </a:solidFill>
-              </a:rPr>
-              <a:t>7 -9 min talking and explaining on slides</a:t>
-            </a:r>
-          </a:p>
-          <a:p>
-            <a:pPr lvl="2">
-              <a:lnSpc>
-                <a:spcPct val="100000"/>
-              </a:lnSpc>
-            </a:pPr>
-            <a:r>
-              <a:rPr lang="en-CA" sz="2400" dirty="0">
-                <a:solidFill>
-                  <a:srgbClr val="FF0000"/>
-                </a:solidFill>
-              </a:rPr>
-              <a:t>Include a minute or 2 for backup slides and pictures</a:t>
-            </a:r>
-          </a:p>
-          <a:p>
-            <a:pPr lvl="1">
-              <a:lnSpc>
-                <a:spcPct val="100000"/>
-              </a:lnSpc>
-            </a:pPr>
-            <a:r>
-              <a:rPr lang="en-CA" sz="2600" dirty="0">
-                <a:solidFill>
-                  <a:srgbClr val="FF0000"/>
-                </a:solidFill>
-              </a:rPr>
-              <a:t> 5 minutes of demo</a:t>
-            </a:r>
-          </a:p>
-          <a:p>
-            <a:pPr lvl="2">
-              <a:lnSpc>
-                <a:spcPct val="100000"/>
-              </a:lnSpc>
-            </a:pPr>
-            <a:r>
-              <a:rPr lang="en-CA" sz="2400" dirty="0">
-                <a:solidFill>
-                  <a:srgbClr val="FF0000"/>
-                </a:solidFill>
-              </a:rPr>
-              <a:t>~ 16 minutes now of presentation (allows for unexpected longer demo)</a:t>
-            </a:r>
-          </a:p>
-          <a:p>
-            <a:pPr lvl="2">
-              <a:lnSpc>
-                <a:spcPct val="100000"/>
-              </a:lnSpc>
-            </a:pPr>
-            <a:endParaRPr lang="en-CA" sz="2400" dirty="0">
+            <a:endParaRPr sz="2000" b="0" i="0" u="none" strike="noStrike" cap="none">
               <a:solidFill>
-                <a:srgbClr val="FF0000"/>
+                <a:srgbClr val="2A1A00"/>
               </a:solidFill>
-            </a:endParaRPr>
-          </a:p>
-          <a:p>
-            <a:pPr lvl="1">
-              <a:lnSpc>
-                <a:spcPct val="100000"/>
-              </a:lnSpc>
-            </a:pPr>
-            <a:r>
-              <a:rPr lang="en-CA" sz="2600" dirty="0">
-                <a:solidFill>
-                  <a:srgbClr val="FF0000"/>
-                </a:solidFill>
-              </a:rPr>
-              <a:t>2 – 3 minutes for questions</a:t>
-            </a:r>
-            <a:br>
-              <a:rPr lang="en-CA" sz="2600" dirty="0">
-                <a:solidFill>
-                  <a:srgbClr val="FF0000"/>
-                </a:solidFill>
-              </a:rPr>
-            </a:br>
-            <a:endParaRPr lang="en-CA" sz="2600" dirty="0">
-              <a:solidFill>
-                <a:srgbClr val="FF0000"/>
-              </a:solidFill>
-            </a:endParaRPr>
-          </a:p>
-          <a:p>
-            <a:pPr lvl="1">
-              <a:lnSpc>
-                <a:spcPct val="100000"/>
-              </a:lnSpc>
-            </a:pPr>
-            <a:r>
-              <a:rPr lang="en-CA" sz="2600" dirty="0">
-                <a:solidFill>
-                  <a:srgbClr val="FF0000"/>
-                </a:solidFill>
-              </a:rPr>
-              <a:t> There’s 2 screens (smaller screen for live demo)</a:t>
-            </a:r>
-          </a:p>
-          <a:p>
-            <a:pPr lvl="2">
-              <a:lnSpc>
-                <a:spcPct val="100000"/>
-              </a:lnSpc>
-            </a:pPr>
-            <a:r>
-              <a:rPr lang="en-CA" sz="2400" dirty="0">
-                <a:solidFill>
-                  <a:srgbClr val="FF0000"/>
-                </a:solidFill>
-              </a:rPr>
-              <a:t>Smaller screen for live demo</a:t>
-            </a:r>
-          </a:p>
-          <a:p>
-            <a:pPr lvl="2">
-              <a:lnSpc>
-                <a:spcPct val="100000"/>
-              </a:lnSpc>
-            </a:pPr>
-            <a:r>
-              <a:rPr lang="en-CA" sz="2400" dirty="0">
-                <a:solidFill>
-                  <a:srgbClr val="FF0000"/>
-                </a:solidFill>
-              </a:rPr>
-              <a:t>Larger screen for present</a:t>
-            </a:r>
-          </a:p>
-          <a:p>
-            <a:pPr lvl="2">
-              <a:lnSpc>
-                <a:spcPct val="100000"/>
-              </a:lnSpc>
-            </a:pPr>
-            <a:endParaRPr lang="en-CA" sz="2400" dirty="0">
-              <a:solidFill>
-                <a:srgbClr val="FF0000"/>
-              </a:solidFill>
-            </a:endParaRPr>
-          </a:p>
-          <a:p>
-            <a:pPr>
-              <a:lnSpc>
-                <a:spcPct val="100000"/>
-              </a:lnSpc>
-            </a:pPr>
-            <a:r>
-              <a:rPr lang="en-CA" sz="2800" dirty="0">
-                <a:solidFill>
-                  <a:srgbClr val="FF0000"/>
-                </a:solidFill>
-              </a:rPr>
-              <a:t>Participation</a:t>
-            </a:r>
-          </a:p>
-          <a:p>
-            <a:pPr lvl="1">
-              <a:lnSpc>
-                <a:spcPct val="100000"/>
-              </a:lnSpc>
-            </a:pPr>
-            <a:r>
-              <a:rPr lang="en-CA" sz="2600" dirty="0">
-                <a:solidFill>
-                  <a:srgbClr val="FF0000"/>
-                </a:solidFill>
-              </a:rPr>
-              <a:t>2 at marc? (keep things moving fast)</a:t>
-            </a:r>
-          </a:p>
-          <a:p>
-            <a:pPr lvl="1">
-              <a:lnSpc>
-                <a:spcPct val="100000"/>
-              </a:lnSpc>
-            </a:pPr>
-            <a:r>
-              <a:rPr lang="en-CA" sz="2600" dirty="0">
-                <a:solidFill>
-                  <a:srgbClr val="FF0000"/>
-                </a:solidFill>
-              </a:rPr>
-              <a:t>4 at presentation in big room</a:t>
-            </a:r>
-          </a:p>
-          <a:p>
-            <a:pPr lvl="2">
-              <a:lnSpc>
-                <a:spcPct val="100000"/>
-              </a:lnSpc>
-            </a:pPr>
-            <a:endParaRPr lang="en-US" sz="2400" dirty="0">
-              <a:solidFill>
-                <a:srgbClr val="FF0000"/>
-              </a:solidFill>
+              <a:latin typeface="Cabin"/>
+              <a:ea typeface="Cabin"/>
+              <a:cs typeface="Cabin"/>
+              <a:sym typeface="Cabin"/>
             </a:endParaRPr>
           </a:p>
         </p:txBody>
@@ -12942,7 +14856,7 @@
     </p:spTree>
     <p:extLst>
       <p:ext uri="{BB962C8B-B14F-4D97-AF65-F5344CB8AC3E}">
-        <p14:creationId xmlns:p14="http://schemas.microsoft.com/office/powerpoint/2010/main" val="2053377426"/>
+        <p14:creationId xmlns:p14="http://schemas.microsoft.com/office/powerpoint/2010/main" val="1198147272"/>
       </p:ext>
     </p:extLst>
   </p:cSld>
@@ -12957,7 +14871,7 @@
   <p:cSld>
     <p:spTree>
       <p:nvGrpSpPr>
-        <p:cNvPr id="1" name=""/>
+        <p:cNvPr id="1" name="Shape 133"/>
         <p:cNvGrpSpPr/>
         <p:nvPr/>
       </p:nvGrpSpPr>
@@ -12971,47 +14885,159 @@
       </p:grpSpPr>
       <p:sp>
         <p:nvSpPr>
-          <p:cNvPr id="2" name="Title 1"/>
-          <p:cNvSpPr>
+          <p:cNvPr id="134" name="Shape 134"/>
+          <p:cNvSpPr txBox="1">
             <a:spLocks noGrp="1"/>
           </p:cNvSpPr>
           <p:nvPr>
             <p:ph type="title"/>
           </p:nvPr>
         </p:nvSpPr>
-        <p:spPr/>
+        <p:spPr>
+          <a:xfrm>
+            <a:off x="1251678" y="382385"/>
+            <a:ext cx="10178400" cy="1492200"/>
+          </a:xfrm>
+          <a:prstGeom prst="rect">
+            <a:avLst/>
+          </a:prstGeom>
+          <a:noFill/>
+          <a:ln>
+            <a:noFill/>
+          </a:ln>
+        </p:spPr>
         <p:txBody>
-          <a:bodyPr anchor="ctr"/>
+          <a:bodyPr lIns="91425" tIns="45700" rIns="91425" bIns="45700" anchor="ctr" anchorCtr="0">
+            <a:noAutofit/>
+          </a:bodyPr>
           <a:lstStyle/>
           <a:p>
+            <a:pPr marL="0" marR="0" lvl="0" indent="0" algn="l" rtl="0">
+              <a:lnSpc>
+                <a:spcPct val="90000"/>
+              </a:lnSpc>
+              <a:spcBef>
+                <a:spcPts val="0"/>
+              </a:spcBef>
+              <a:buClr>
+                <a:schemeClr val="dk2"/>
+              </a:buClr>
+              <a:buSzPct val="25000"/>
+              <a:buFont typeface="Impact"/>
+              <a:buNone/>
+            </a:pPr>
             <a:r>
-              <a:rPr lang="en-CA" dirty="0"/>
-              <a:t>Outline</a:t>
+              <a:rPr lang="en-CA"/>
+              <a:t>THE PROBLEM</a:t>
             </a:r>
-            <a:endParaRPr lang="en-US" dirty="0"/>
           </a:p>
         </p:txBody>
       </p:sp>
       <p:sp>
         <p:nvSpPr>
-          <p:cNvPr id="3" name="Content Placeholder 2"/>
-          <p:cNvSpPr>
+          <p:cNvPr id="135" name="Shape 135"/>
+          <p:cNvSpPr txBox="1">
             <a:spLocks noGrp="1"/>
           </p:cNvSpPr>
           <p:nvPr>
-            <p:ph idx="1"/>
+            <p:ph type="body" idx="1"/>
           </p:nvPr>
         </p:nvSpPr>
-        <p:spPr/>
+        <p:spPr>
+          <a:xfrm>
+            <a:off x="1251675" y="1874575"/>
+            <a:ext cx="10467300" cy="4005000"/>
+          </a:xfrm>
+          <a:prstGeom prst="rect">
+            <a:avLst/>
+          </a:prstGeom>
+          <a:noFill/>
+          <a:ln>
+            <a:noFill/>
+          </a:ln>
+        </p:spPr>
         <p:txBody>
-          <a:bodyPr/>
+          <a:bodyPr lIns="91425" tIns="45700" rIns="91425" bIns="45700" anchor="t" anchorCtr="0">
+            <a:noAutofit/>
+          </a:bodyPr>
           <a:lstStyle/>
           <a:p>
-            <a:endParaRPr lang="en-US" dirty="0">
+            <a:pPr marL="0" marR="0" lvl="0" indent="0" algn="l" rtl="0">
+              <a:lnSpc>
+                <a:spcPct val="110000"/>
+              </a:lnSpc>
+              <a:spcBef>
+                <a:spcPts val="0"/>
+              </a:spcBef>
+              <a:buNone/>
+            </a:pPr>
+            <a:r>
+              <a:rPr lang="en-CA" sz="3000" b="1">
+                <a:solidFill>
+                  <a:srgbClr val="2A1A00"/>
+                </a:solidFill>
+              </a:rPr>
+              <a:t>How should autonomous vehicles behave when approaching a four-way stop? </a:t>
+            </a:r>
+          </a:p>
+          <a:p>
+            <a:pPr marL="1371600" marR="0" lvl="2" indent="-419100" algn="l" rtl="0">
+              <a:lnSpc>
+                <a:spcPct val="110000"/>
+              </a:lnSpc>
+              <a:spcBef>
+                <a:spcPts val="0"/>
+              </a:spcBef>
+              <a:buClr>
+                <a:srgbClr val="2A1A00"/>
+              </a:buClr>
+              <a:buSzPct val="100000"/>
+            </a:pPr>
+            <a:r>
+              <a:rPr lang="en-CA" sz="3000">
+                <a:solidFill>
+                  <a:srgbClr val="2A1A00"/>
+                </a:solidFill>
+              </a:rPr>
+              <a:t>single vehicle scenario</a:t>
+            </a:r>
+          </a:p>
+          <a:p>
+            <a:pPr marL="1371600" marR="0" lvl="2" indent="-419100" algn="l" rtl="0">
+              <a:lnSpc>
+                <a:spcPct val="110000"/>
+              </a:lnSpc>
+              <a:spcBef>
+                <a:spcPts val="0"/>
+              </a:spcBef>
+              <a:buClr>
+                <a:srgbClr val="2A1A00"/>
+              </a:buClr>
+              <a:buSzPct val="100000"/>
+            </a:pPr>
+            <a:r>
+              <a:rPr lang="en-CA" sz="3000">
+                <a:solidFill>
+                  <a:srgbClr val="2A1A00"/>
+                </a:solidFill>
+              </a:rPr>
+              <a:t>multiple vehicles scenario </a:t>
+            </a:r>
+          </a:p>
+          <a:p>
+            <a:pPr marL="0" marR="0" lvl="0" indent="0" algn="l" rtl="0">
+              <a:lnSpc>
+                <a:spcPct val="110000"/>
+              </a:lnSpc>
+              <a:spcBef>
+                <a:spcPts val="0"/>
+              </a:spcBef>
+              <a:buNone/>
+            </a:pPr>
+            <a:endParaRPr>
               <a:solidFill>
                 <a:srgbClr val="2A1A00"/>
               </a:solidFill>
-              <a:effectLst/>
             </a:endParaRPr>
           </a:p>
         </p:txBody>
@@ -13019,7 +15045,7 @@
     </p:spTree>
     <p:extLst>
       <p:ext uri="{BB962C8B-B14F-4D97-AF65-F5344CB8AC3E}">
-        <p14:creationId xmlns:p14="http://schemas.microsoft.com/office/powerpoint/2010/main" val="4269090793"/>
+        <p14:creationId xmlns:p14="http://schemas.microsoft.com/office/powerpoint/2010/main" val="462381453"/>
       </p:ext>
     </p:extLst>
   </p:cSld>
@@ -13034,7 +15060,7 @@
   <p:cSld>
     <p:spTree>
       <p:nvGrpSpPr>
-        <p:cNvPr id="1" name=""/>
+        <p:cNvPr id="1" name="Shape 139"/>
         <p:cNvGrpSpPr/>
         <p:nvPr/>
       </p:nvGrpSpPr>
@@ -13048,55 +15074,288 @@
       </p:grpSpPr>
       <p:sp>
         <p:nvSpPr>
-          <p:cNvPr id="2" name="Title 1"/>
-          <p:cNvSpPr>
+          <p:cNvPr id="140" name="Shape 140"/>
+          <p:cNvSpPr txBox="1">
             <a:spLocks noGrp="1"/>
           </p:cNvSpPr>
           <p:nvPr>
             <p:ph type="title"/>
           </p:nvPr>
         </p:nvSpPr>
-        <p:spPr/>
+        <p:spPr>
+          <a:xfrm>
+            <a:off x="1251678" y="382385"/>
+            <a:ext cx="10178322" cy="1492132"/>
+          </a:xfrm>
+          <a:prstGeom prst="rect">
+            <a:avLst/>
+          </a:prstGeom>
+          <a:noFill/>
+          <a:ln>
+            <a:noFill/>
+          </a:ln>
+        </p:spPr>
         <p:txBody>
-          <a:bodyPr anchor="ctr"/>
+          <a:bodyPr lIns="91425" tIns="45700" rIns="91425" bIns="45700" anchor="ctr" anchorCtr="0">
+            <a:noAutofit/>
+          </a:bodyPr>
           <a:lstStyle/>
           <a:p>
+            <a:pPr marL="0" marR="0" lvl="0" indent="0" algn="l" rtl="0">
+              <a:lnSpc>
+                <a:spcPct val="90000"/>
+              </a:lnSpc>
+              <a:spcBef>
+                <a:spcPts val="0"/>
+              </a:spcBef>
+              <a:buClr>
+                <a:schemeClr val="dk2"/>
+              </a:buClr>
+              <a:buSzPct val="25000"/>
+              <a:buFont typeface="Impact"/>
+              <a:buNone/>
+            </a:pPr>
             <a:r>
-              <a:rPr lang="en-CA" dirty="0"/>
-              <a:t>What VIC Does</a:t>
+              <a:rPr lang="en-CA"/>
+              <a:t>THE SOLUTION</a:t>
             </a:r>
-            <a:endParaRPr lang="en-US" dirty="0"/>
           </a:p>
         </p:txBody>
       </p:sp>
       <p:sp>
         <p:nvSpPr>
-          <p:cNvPr id="3" name="Content Placeholder 2"/>
-          <p:cNvSpPr>
+          <p:cNvPr id="141" name="Shape 141"/>
+          <p:cNvSpPr txBox="1">
             <a:spLocks noGrp="1"/>
           </p:cNvSpPr>
           <p:nvPr>
-            <p:ph idx="1"/>
+            <p:ph type="body" idx="1"/>
           </p:nvPr>
         </p:nvSpPr>
-        <p:spPr/>
+        <p:spPr>
+          <a:xfrm>
+            <a:off x="1251675" y="1732500"/>
+            <a:ext cx="10178400" cy="4412400"/>
+          </a:xfrm>
+          <a:prstGeom prst="rect">
+            <a:avLst/>
+          </a:prstGeom>
+          <a:noFill/>
+          <a:ln>
+            <a:noFill/>
+          </a:ln>
+        </p:spPr>
         <p:txBody>
-          <a:bodyPr/>
+          <a:bodyPr lIns="91425" tIns="45700" rIns="91425" bIns="45700" anchor="t" anchorCtr="0">
+            <a:noAutofit/>
+          </a:bodyPr>
           <a:lstStyle/>
           <a:p>
-            <a:endParaRPr lang="en-US" dirty="0">
+            <a:pPr marL="0" marR="0" lvl="0" indent="0" algn="l" rtl="0">
+              <a:lnSpc>
+                <a:spcPct val="110000"/>
+              </a:lnSpc>
+              <a:spcBef>
+                <a:spcPts val="0"/>
+              </a:spcBef>
+              <a:buNone/>
+            </a:pPr>
+            <a:r>
+              <a:rPr lang="en-CA" sz="2400" b="1">
+                <a:solidFill>
+                  <a:schemeClr val="dk2"/>
+                </a:solidFill>
+              </a:rPr>
+              <a:t>Smart Intersection</a:t>
+            </a:r>
+          </a:p>
+          <a:p>
+            <a:pPr marL="914400" marR="0" lvl="1" indent="-381000" algn="l" rtl="0">
+              <a:lnSpc>
+                <a:spcPct val="110000"/>
+              </a:lnSpc>
+              <a:spcBef>
+                <a:spcPts val="0"/>
+              </a:spcBef>
+              <a:buClr>
+                <a:schemeClr val="dk2"/>
+              </a:buClr>
+              <a:buSzPct val="100000"/>
+            </a:pPr>
+            <a:r>
+              <a:rPr lang="en-CA" sz="2400">
+                <a:solidFill>
+                  <a:schemeClr val="dk2"/>
+                </a:solidFill>
+              </a:rPr>
+              <a:t>Single Vehicle Scenario Solution</a:t>
+            </a:r>
+          </a:p>
+          <a:p>
+            <a:pPr marL="914400" marR="0" lvl="1" indent="-381000" algn="l" rtl="0">
+              <a:lnSpc>
+                <a:spcPct val="110000"/>
+              </a:lnSpc>
+              <a:spcBef>
+                <a:spcPts val="0"/>
+              </a:spcBef>
+              <a:buClr>
+                <a:schemeClr val="dk2"/>
+              </a:buClr>
+              <a:buSzPct val="100000"/>
+            </a:pPr>
+            <a:r>
+              <a:rPr lang="en-CA" sz="2400">
+                <a:solidFill>
+                  <a:schemeClr val="dk2"/>
+                </a:solidFill>
+              </a:rPr>
+              <a:t>Multiple Vehicle Scenario Solution</a:t>
+            </a:r>
+          </a:p>
+          <a:p>
+            <a:pPr marL="0" marR="0" lvl="0" indent="0" algn="l" rtl="0">
+              <a:lnSpc>
+                <a:spcPct val="110000"/>
+              </a:lnSpc>
+              <a:spcBef>
+                <a:spcPts val="0"/>
+              </a:spcBef>
+              <a:buNone/>
+            </a:pPr>
+            <a:endParaRPr sz="2400">
               <a:solidFill>
-                <a:srgbClr val="2A1A00"/>
+                <a:schemeClr val="dk2"/>
               </a:solidFill>
-              <a:effectLst/>
             </a:endParaRPr>
+          </a:p>
+          <a:p>
+            <a:pPr marL="0" lvl="0" indent="0" rtl="0">
+              <a:spcBef>
+                <a:spcPts val="0"/>
+              </a:spcBef>
+              <a:buNone/>
+            </a:pPr>
+            <a:r>
+              <a:rPr lang="en-CA" sz="2400" b="1">
+                <a:solidFill>
+                  <a:schemeClr val="dk2"/>
+                </a:solidFill>
+              </a:rPr>
+              <a:t>Decreases time vehicles spend at intersection</a:t>
+            </a:r>
+          </a:p>
+          <a:p>
+            <a:pPr marL="914400" lvl="1" indent="-381000" rtl="0">
+              <a:spcBef>
+                <a:spcPts val="0"/>
+              </a:spcBef>
+              <a:buClr>
+                <a:schemeClr val="dk2"/>
+              </a:buClr>
+              <a:buSzPct val="100000"/>
+            </a:pPr>
+            <a:r>
+              <a:rPr lang="en-CA" sz="2400">
+                <a:solidFill>
+                  <a:schemeClr val="dk2"/>
+                </a:solidFill>
+              </a:rPr>
+              <a:t>Cars save fuel</a:t>
+            </a:r>
+          </a:p>
+          <a:p>
+            <a:pPr marL="914400" lvl="1" indent="-381000" rtl="0">
+              <a:spcBef>
+                <a:spcPts val="0"/>
+              </a:spcBef>
+              <a:buClr>
+                <a:schemeClr val="dk2"/>
+              </a:buClr>
+              <a:buSzPct val="100000"/>
+            </a:pPr>
+            <a:r>
+              <a:rPr lang="en-CA" sz="2400">
+                <a:solidFill>
+                  <a:schemeClr val="dk2"/>
+                </a:solidFill>
+              </a:rPr>
+              <a:t>Cars don’t necessarily have to stop</a:t>
+            </a:r>
+          </a:p>
+          <a:p>
+            <a:pPr marL="0" lvl="0" indent="0" rtl="0">
+              <a:spcBef>
+                <a:spcPts val="0"/>
+              </a:spcBef>
+              <a:buNone/>
+            </a:pPr>
+            <a:endParaRPr sz="2400" b="1">
+              <a:solidFill>
+                <a:schemeClr val="dk2"/>
+              </a:solidFill>
+            </a:endParaRPr>
+          </a:p>
+          <a:p>
+            <a:pPr marL="0" lvl="0" indent="0" rtl="0">
+              <a:spcBef>
+                <a:spcPts val="0"/>
+              </a:spcBef>
+              <a:buNone/>
+            </a:pPr>
+            <a:r>
+              <a:rPr lang="en-CA" sz="2400" b="1">
+                <a:solidFill>
+                  <a:schemeClr val="dk2"/>
+                </a:solidFill>
+              </a:rPr>
+              <a:t>Two Components: </a:t>
+            </a:r>
+          </a:p>
+          <a:p>
+            <a:pPr marL="914400" lvl="0" indent="-381000" rtl="0">
+              <a:spcBef>
+                <a:spcPts val="0"/>
+              </a:spcBef>
+              <a:buClr>
+                <a:schemeClr val="dk2"/>
+              </a:buClr>
+              <a:buSzPct val="100000"/>
+            </a:pPr>
+            <a:r>
+              <a:rPr lang="en-CA" sz="2400">
+                <a:solidFill>
+                  <a:schemeClr val="dk2"/>
+                </a:solidFill>
+              </a:rPr>
+              <a:t>Intersection Controller</a:t>
+            </a:r>
+          </a:p>
+          <a:p>
+            <a:pPr marL="914400" lvl="0" indent="-381000" rtl="0">
+              <a:spcBef>
+                <a:spcPts val="0"/>
+              </a:spcBef>
+              <a:buClr>
+                <a:schemeClr val="dk2"/>
+              </a:buClr>
+              <a:buSzPct val="100000"/>
+            </a:pPr>
+            <a:r>
+              <a:rPr lang="en-CA" sz="2400">
+                <a:solidFill>
+                  <a:schemeClr val="dk2"/>
+                </a:solidFill>
+              </a:rPr>
+              <a:t>Vehicle Controller</a:t>
+            </a:r>
           </a:p>
         </p:txBody>
       </p:sp>
     </p:spTree>
     <p:extLst>
       <p:ext uri="{BB962C8B-B14F-4D97-AF65-F5344CB8AC3E}">
-        <p14:creationId xmlns:p14="http://schemas.microsoft.com/office/powerpoint/2010/main" val="316805720"/>
+        <p14:creationId xmlns:p14="http://schemas.microsoft.com/office/powerpoint/2010/main" val="1185796523"/>
       </p:ext>
     </p:extLst>
   </p:cSld>
@@ -13111,7 +15370,7 @@
   <p:cSld>
     <p:spTree>
       <p:nvGrpSpPr>
-        <p:cNvPr id="1" name=""/>
+        <p:cNvPr id="1" name="Shape 145"/>
         <p:cNvGrpSpPr/>
         <p:nvPr/>
       </p:nvGrpSpPr>
@@ -13125,47 +15384,217 @@
       </p:grpSpPr>
       <p:sp>
         <p:nvSpPr>
-          <p:cNvPr id="2" name="Title 1"/>
-          <p:cNvSpPr>
+          <p:cNvPr id="146" name="Shape 146"/>
+          <p:cNvSpPr txBox="1">
             <a:spLocks noGrp="1"/>
           </p:cNvSpPr>
           <p:nvPr>
             <p:ph type="title"/>
           </p:nvPr>
         </p:nvSpPr>
-        <p:spPr/>
+        <p:spPr>
+          <a:xfrm>
+            <a:off x="920800" y="382375"/>
+            <a:ext cx="10793400" cy="1492200"/>
+          </a:xfrm>
+          <a:prstGeom prst="rect">
+            <a:avLst/>
+          </a:prstGeom>
+          <a:noFill/>
+          <a:ln>
+            <a:noFill/>
+          </a:ln>
+        </p:spPr>
         <p:txBody>
-          <a:bodyPr anchor="ctr"/>
+          <a:bodyPr lIns="91425" tIns="45700" rIns="91425" bIns="45700" anchor="ctr" anchorCtr="0">
+            <a:noAutofit/>
+          </a:bodyPr>
           <a:lstStyle/>
           <a:p>
+            <a:pPr marL="0" marR="0" lvl="0" indent="0" algn="l" rtl="0">
+              <a:lnSpc>
+                <a:spcPct val="90000"/>
+              </a:lnSpc>
+              <a:spcBef>
+                <a:spcPts val="0"/>
+              </a:spcBef>
+              <a:buClr>
+                <a:schemeClr val="dk2"/>
+              </a:buClr>
+              <a:buSzPct val="25000"/>
+              <a:buFont typeface="Impact"/>
+              <a:buNone/>
+            </a:pPr>
             <a:r>
-              <a:rPr lang="en-CA" dirty="0"/>
-              <a:t>How it works</a:t>
+              <a:rPr lang="en-CA"/>
+              <a:t>INTERSECTION CONTROLLER</a:t>
             </a:r>
-            <a:endParaRPr lang="en-US" dirty="0"/>
           </a:p>
         </p:txBody>
       </p:sp>
       <p:sp>
         <p:nvSpPr>
-          <p:cNvPr id="3" name="Content Placeholder 2"/>
-          <p:cNvSpPr>
-            <a:spLocks noGrp="1"/>
-          </p:cNvSpPr>
-          <p:nvPr>
-            <p:ph idx="1"/>
-          </p:nvPr>
+          <p:cNvPr id="147" name="Shape 147"/>
+          <p:cNvSpPr txBox="1"/>
+          <p:nvPr/>
         </p:nvSpPr>
-        <p:spPr/>
+        <p:spPr>
+          <a:xfrm>
+            <a:off x="1290500" y="1690600"/>
+            <a:ext cx="10163400" cy="5002200"/>
+          </a:xfrm>
+          <a:prstGeom prst="rect">
+            <a:avLst/>
+          </a:prstGeom>
+          <a:noFill/>
+          <a:ln>
+            <a:noFill/>
+          </a:ln>
+        </p:spPr>
         <p:txBody>
-          <a:bodyPr/>
+          <a:bodyPr lIns="91425" tIns="91425" rIns="91425" bIns="91425" anchor="t" anchorCtr="0">
+            <a:noAutofit/>
+          </a:bodyPr>
           <a:lstStyle/>
           <a:p>
-            <a:endParaRPr lang="en-US" dirty="0">
-              <a:solidFill>
-                <a:srgbClr val="2A1A00"/>
-              </a:solidFill>
-              <a:effectLst/>
+            <a:pPr lvl="0">
+              <a:spcBef>
+                <a:spcPts val="0"/>
+              </a:spcBef>
+              <a:buNone/>
+            </a:pPr>
+            <a:r>
+              <a:rPr lang="en-CA" sz="2400" b="1">
+                <a:latin typeface="Cabin"/>
+                <a:ea typeface="Cabin"/>
+                <a:cs typeface="Cabin"/>
+                <a:sym typeface="Cabin"/>
+              </a:rPr>
+              <a:t>What does it do?</a:t>
+            </a:r>
+          </a:p>
+          <a:p>
+            <a:pPr marL="457200" lvl="0" indent="-381000">
+              <a:spcBef>
+                <a:spcPts val="0"/>
+              </a:spcBef>
+              <a:buSzPct val="100000"/>
+              <a:buFont typeface="Cabin"/>
+              <a:buChar char="-"/>
+            </a:pPr>
+            <a:r>
+              <a:rPr lang="en-CA" sz="2400">
+                <a:latin typeface="Cabin"/>
+                <a:ea typeface="Cabin"/>
+                <a:cs typeface="Cabin"/>
+                <a:sym typeface="Cabin"/>
+              </a:rPr>
+              <a:t>Monitors intersection</a:t>
+            </a:r>
+          </a:p>
+          <a:p>
+            <a:pPr marL="457200" lvl="0" indent="-381000" rtl="0">
+              <a:spcBef>
+                <a:spcPts val="0"/>
+              </a:spcBef>
+              <a:buSzPct val="100000"/>
+              <a:buFont typeface="Cabin"/>
+              <a:buChar char="-"/>
+            </a:pPr>
+            <a:r>
+              <a:rPr lang="en-CA" sz="2400">
+                <a:solidFill>
+                  <a:schemeClr val="dk1"/>
+                </a:solidFill>
+                <a:latin typeface="Cabin"/>
+                <a:ea typeface="Cabin"/>
+                <a:cs typeface="Cabin"/>
+                <a:sym typeface="Cabin"/>
+              </a:rPr>
+              <a:t>Manages traffic flow </a:t>
+            </a:r>
+          </a:p>
+          <a:p>
+            <a:pPr lvl="0">
+              <a:spcBef>
+                <a:spcPts val="0"/>
+              </a:spcBef>
+              <a:buNone/>
+            </a:pPr>
+            <a:endParaRPr sz="2400">
+              <a:latin typeface="Cabin"/>
+              <a:ea typeface="Cabin"/>
+              <a:cs typeface="Cabin"/>
+              <a:sym typeface="Cabin"/>
+            </a:endParaRPr>
+          </a:p>
+          <a:p>
+            <a:pPr lvl="0">
+              <a:spcBef>
+                <a:spcPts val="0"/>
+              </a:spcBef>
+              <a:buNone/>
+            </a:pPr>
+            <a:r>
+              <a:rPr lang="en-CA" sz="2400" b="1">
+                <a:latin typeface="Cabin"/>
+                <a:ea typeface="Cabin"/>
+                <a:cs typeface="Cabin"/>
+                <a:sym typeface="Cabin"/>
+              </a:rPr>
+              <a:t>How does it work?</a:t>
+            </a:r>
+          </a:p>
+          <a:p>
+            <a:pPr marL="457200" lvl="0" indent="-381000" rtl="0">
+              <a:spcBef>
+                <a:spcPts val="0"/>
+              </a:spcBef>
+              <a:buSzPct val="100000"/>
+              <a:buFont typeface="Cabin"/>
+              <a:buChar char="-"/>
+            </a:pPr>
+            <a:r>
+              <a:rPr lang="en-CA" sz="2400">
+                <a:latin typeface="Cabin"/>
+                <a:ea typeface="Cabin"/>
+                <a:cs typeface="Cabin"/>
+                <a:sym typeface="Cabin"/>
+              </a:rPr>
+              <a:t>Vehicle requests to proceed </a:t>
+            </a:r>
+          </a:p>
+          <a:p>
+            <a:pPr marL="457200" lvl="0" indent="-381000" rtl="0">
+              <a:spcBef>
+                <a:spcPts val="0"/>
+              </a:spcBef>
+              <a:buSzPct val="100000"/>
+              <a:buFont typeface="Cabin"/>
+              <a:buChar char="-"/>
+            </a:pPr>
+            <a:r>
+              <a:rPr lang="en-CA" sz="2400">
+                <a:latin typeface="Cabin"/>
+                <a:ea typeface="Cabin"/>
+                <a:cs typeface="Cabin"/>
+                <a:sym typeface="Cabin"/>
+              </a:rPr>
+              <a:t>Controller grants request when appropriate</a:t>
+            </a:r>
+          </a:p>
+          <a:p>
+            <a:pPr lvl="0" rtl="0">
+              <a:spcBef>
+                <a:spcPts val="0"/>
+              </a:spcBef>
+              <a:buNone/>
+            </a:pPr>
+            <a:endParaRPr sz="2400">
+              <a:latin typeface="Cabin"/>
+              <a:ea typeface="Cabin"/>
+              <a:cs typeface="Cabin"/>
+              <a:sym typeface="Cabin"/>
             </a:endParaRPr>
           </a:p>
         </p:txBody>
@@ -13173,7 +15602,7 @@
     </p:spTree>
     <p:extLst>
       <p:ext uri="{BB962C8B-B14F-4D97-AF65-F5344CB8AC3E}">
-        <p14:creationId xmlns:p14="http://schemas.microsoft.com/office/powerpoint/2010/main" val="802880702"/>
+        <p14:creationId xmlns:p14="http://schemas.microsoft.com/office/powerpoint/2010/main" val="2426725678"/>
       </p:ext>
     </p:extLst>
   </p:cSld>
@@ -13188,7 +15617,7 @@
   <p:cSld>
     <p:spTree>
       <p:nvGrpSpPr>
-        <p:cNvPr id="1" name=""/>
+        <p:cNvPr id="1" name="Shape 151"/>
         <p:cNvGrpSpPr/>
         <p:nvPr/>
       </p:nvGrpSpPr>
@@ -13202,47 +15631,260 @@
       </p:grpSpPr>
       <p:sp>
         <p:nvSpPr>
-          <p:cNvPr id="2" name="Title 1"/>
-          <p:cNvSpPr>
+          <p:cNvPr id="152" name="Shape 152"/>
+          <p:cNvSpPr txBox="1">
             <a:spLocks noGrp="1"/>
           </p:cNvSpPr>
           <p:nvPr>
             <p:ph type="title"/>
           </p:nvPr>
         </p:nvSpPr>
-        <p:spPr/>
+        <p:spPr>
+          <a:xfrm>
+            <a:off x="1251678" y="382385"/>
+            <a:ext cx="10178400" cy="1492200"/>
+          </a:xfrm>
+          <a:prstGeom prst="rect">
+            <a:avLst/>
+          </a:prstGeom>
+          <a:noFill/>
+          <a:ln>
+            <a:noFill/>
+          </a:ln>
+        </p:spPr>
         <p:txBody>
-          <a:bodyPr anchor="ctr"/>
+          <a:bodyPr lIns="91425" tIns="45700" rIns="91425" bIns="45700" anchor="ctr" anchorCtr="0">
+            <a:noAutofit/>
+          </a:bodyPr>
           <a:lstStyle/>
           <a:p>
+            <a:pPr marL="0" marR="0" lvl="0" indent="0" algn="l" rtl="0">
+              <a:lnSpc>
+                <a:spcPct val="90000"/>
+              </a:lnSpc>
+              <a:spcBef>
+                <a:spcPts val="0"/>
+              </a:spcBef>
+              <a:buClr>
+                <a:schemeClr val="dk2"/>
+              </a:buClr>
+              <a:buSzPct val="25000"/>
+              <a:buFont typeface="Impact"/>
+              <a:buNone/>
+            </a:pPr>
             <a:r>
-              <a:rPr lang="en-CA" dirty="0"/>
-              <a:t>Innovative aspects </a:t>
+              <a:rPr lang="en-CA"/>
+              <a:t>VEHICLE CONTROLLER </a:t>
             </a:r>
-            <a:endParaRPr lang="en-US" dirty="0"/>
           </a:p>
         </p:txBody>
       </p:sp>
       <p:sp>
         <p:nvSpPr>
-          <p:cNvPr id="3" name="Content Placeholder 2"/>
-          <p:cNvSpPr>
+          <p:cNvPr id="153" name="Shape 153"/>
+          <p:cNvSpPr txBox="1">
             <a:spLocks noGrp="1"/>
           </p:cNvSpPr>
           <p:nvPr>
-            <p:ph idx="1"/>
+            <p:ph type="body" idx="1"/>
           </p:nvPr>
         </p:nvSpPr>
-        <p:spPr/>
+        <p:spPr>
+          <a:xfrm>
+            <a:off x="1251675" y="1874575"/>
+            <a:ext cx="9990000" cy="4782900"/>
+          </a:xfrm>
+          <a:prstGeom prst="rect">
+            <a:avLst/>
+          </a:prstGeom>
+          <a:noFill/>
+          <a:ln>
+            <a:noFill/>
+          </a:ln>
+        </p:spPr>
         <p:txBody>
-          <a:bodyPr/>
+          <a:bodyPr lIns="91425" tIns="45700" rIns="91425" bIns="45700" anchor="t" anchorCtr="0">
+            <a:noAutofit/>
+          </a:bodyPr>
           <a:lstStyle/>
           <a:p>
-            <a:endParaRPr lang="en-US" dirty="0">
+            <a:pPr marL="0" lvl="0" indent="0" rtl="0">
+              <a:lnSpc>
+                <a:spcPct val="100000"/>
+              </a:lnSpc>
+              <a:spcBef>
+                <a:spcPts val="0"/>
+              </a:spcBef>
+              <a:buNone/>
+            </a:pPr>
+            <a:r>
+              <a:rPr lang="en-CA" sz="2400" b="1">
+                <a:solidFill>
+                  <a:schemeClr val="dk1"/>
+                </a:solidFill>
+              </a:rPr>
+              <a:t>What does it do?</a:t>
+            </a:r>
+          </a:p>
+          <a:p>
+            <a:pPr marL="0" lvl="0" indent="0" rtl="0">
+              <a:lnSpc>
+                <a:spcPct val="100000"/>
+              </a:lnSpc>
+              <a:spcBef>
+                <a:spcPts val="0"/>
+              </a:spcBef>
+              <a:buNone/>
+            </a:pPr>
+            <a:r>
+              <a:rPr lang="en-CA" sz="2400">
+                <a:solidFill>
+                  <a:schemeClr val="dk1"/>
+                </a:solidFill>
+              </a:rPr>
+              <a:t>- Controls motion and direction of vehicle </a:t>
+            </a:r>
+          </a:p>
+          <a:p>
+            <a:pPr marL="0" lvl="0" indent="0" rtl="0">
+              <a:lnSpc>
+                <a:spcPct val="100000"/>
+              </a:lnSpc>
+              <a:spcBef>
+                <a:spcPts val="0"/>
+              </a:spcBef>
+              <a:buNone/>
+            </a:pPr>
+            <a:r>
+              <a:rPr lang="en-CA" sz="2400">
+                <a:solidFill>
+                  <a:schemeClr val="dk1"/>
+                </a:solidFill>
+              </a:rPr>
+              <a:t>- Ensures vehicle follows lanes and avoids obstacles</a:t>
+            </a:r>
+            <a:r>
+              <a:rPr lang="en-CA" sz="2400" b="1">
+                <a:solidFill>
+                  <a:schemeClr val="dk1"/>
+                </a:solidFill>
+              </a:rPr>
+              <a:t> </a:t>
+            </a:r>
+          </a:p>
+          <a:p>
+            <a:pPr marL="0" lvl="0" indent="-69850" rtl="0">
+              <a:lnSpc>
+                <a:spcPct val="100000"/>
+              </a:lnSpc>
+              <a:spcBef>
+                <a:spcPts val="0"/>
+              </a:spcBef>
+              <a:buClr>
+                <a:schemeClr val="dk1"/>
+              </a:buClr>
+              <a:buSzPct val="45833"/>
+              <a:buFont typeface="Arial"/>
+              <a:buNone/>
+            </a:pPr>
+            <a:endParaRPr sz="2400" b="1">
               <a:solidFill>
-                <a:srgbClr val="2A1A00"/>
+                <a:schemeClr val="dk1"/>
               </a:solidFill>
-              <a:effectLst/>
+            </a:endParaRPr>
+          </a:p>
+          <a:p>
+            <a:pPr marL="0" lvl="0" indent="0" rtl="0">
+              <a:lnSpc>
+                <a:spcPct val="100000"/>
+              </a:lnSpc>
+              <a:spcBef>
+                <a:spcPts val="0"/>
+              </a:spcBef>
+              <a:buNone/>
+            </a:pPr>
+            <a:r>
+              <a:rPr lang="en-CA" sz="2400" b="1">
+                <a:solidFill>
+                  <a:schemeClr val="dk1"/>
+                </a:solidFill>
+              </a:rPr>
+              <a:t>How does it work?</a:t>
+            </a:r>
+          </a:p>
+          <a:p>
+            <a:pPr marL="0" lvl="0" indent="0" rtl="0">
+              <a:lnSpc>
+                <a:spcPct val="100000"/>
+              </a:lnSpc>
+              <a:spcBef>
+                <a:spcPts val="0"/>
+              </a:spcBef>
+              <a:buNone/>
+            </a:pPr>
+            <a:r>
+              <a:rPr lang="en-CA" sz="2400" b="1">
+                <a:solidFill>
+                  <a:schemeClr val="dk1"/>
+                </a:solidFill>
+              </a:rPr>
+              <a:t>- </a:t>
+            </a:r>
+            <a:r>
+              <a:rPr lang="en-CA" sz="2400">
+                <a:solidFill>
+                  <a:schemeClr val="dk1"/>
+                </a:solidFill>
+              </a:rPr>
+              <a:t>Keeps vehicle in the lane </a:t>
+            </a:r>
+          </a:p>
+          <a:p>
+            <a:pPr marL="0" lvl="0" indent="0" rtl="0">
+              <a:lnSpc>
+                <a:spcPct val="100000"/>
+              </a:lnSpc>
+              <a:spcBef>
+                <a:spcPts val="0"/>
+              </a:spcBef>
+              <a:buNone/>
+            </a:pPr>
+            <a:r>
+              <a:rPr lang="en-CA" sz="2400" b="1">
+                <a:solidFill>
+                  <a:schemeClr val="dk1"/>
+                </a:solidFill>
+              </a:rPr>
+              <a:t>- </a:t>
+            </a:r>
+            <a:r>
+              <a:rPr lang="en-CA" sz="2400">
+                <a:solidFill>
+                  <a:schemeClr val="dk1"/>
+                </a:solidFill>
+              </a:rPr>
+              <a:t>Communicates to the intersection controller when needed </a:t>
+            </a:r>
+          </a:p>
+          <a:p>
+            <a:pPr marL="0" lvl="0" indent="-69850" rtl="0">
+              <a:lnSpc>
+                <a:spcPct val="100000"/>
+              </a:lnSpc>
+              <a:spcBef>
+                <a:spcPts val="0"/>
+              </a:spcBef>
+              <a:buClr>
+                <a:schemeClr val="dk1"/>
+              </a:buClr>
+              <a:buSzPct val="45833"/>
+              <a:buFont typeface="Arial"/>
+              <a:buNone/>
+            </a:pPr>
+            <a:endParaRPr sz="2400">
+              <a:solidFill>
+                <a:schemeClr val="dk1"/>
+              </a:solidFill>
             </a:endParaRPr>
           </a:p>
         </p:txBody>
@@ -13250,7 +15892,7 @@
     </p:spTree>
     <p:extLst>
       <p:ext uri="{BB962C8B-B14F-4D97-AF65-F5344CB8AC3E}">
-        <p14:creationId xmlns:p14="http://schemas.microsoft.com/office/powerpoint/2010/main" val="1143742340"/>
+        <p14:creationId xmlns:p14="http://schemas.microsoft.com/office/powerpoint/2010/main" val="4277960705"/>
       </p:ext>
     </p:extLst>
   </p:cSld>
@@ -13265,7 +15907,7 @@
   <p:cSld>
     <p:spTree>
       <p:nvGrpSpPr>
-        <p:cNvPr id="1" name=""/>
+        <p:cNvPr id="1" name="Shape 157"/>
         <p:cNvGrpSpPr/>
         <p:nvPr/>
       </p:nvGrpSpPr>
@@ -13279,47 +15921,270 @@
       </p:grpSpPr>
       <p:sp>
         <p:nvSpPr>
-          <p:cNvPr id="2" name="Title 1"/>
-          <p:cNvSpPr>
+          <p:cNvPr id="158" name="Shape 158"/>
+          <p:cNvSpPr txBox="1">
             <a:spLocks noGrp="1"/>
           </p:cNvSpPr>
           <p:nvPr>
             <p:ph type="title"/>
           </p:nvPr>
         </p:nvSpPr>
-        <p:spPr/>
+        <p:spPr>
+          <a:xfrm>
+            <a:off x="1251678" y="382385"/>
+            <a:ext cx="10178400" cy="1492200"/>
+          </a:xfrm>
+          <a:prstGeom prst="rect">
+            <a:avLst/>
+          </a:prstGeom>
+          <a:noFill/>
+          <a:ln>
+            <a:noFill/>
+          </a:ln>
+        </p:spPr>
         <p:txBody>
-          <a:bodyPr anchor="ctr"/>
+          <a:bodyPr lIns="91425" tIns="45700" rIns="91425" bIns="45700" anchor="ctr" anchorCtr="0">
+            <a:noAutofit/>
+          </a:bodyPr>
           <a:lstStyle/>
           <a:p>
+            <a:pPr marL="0" marR="0" lvl="0" indent="0" algn="l" rtl="0">
+              <a:lnSpc>
+                <a:spcPct val="90000"/>
+              </a:lnSpc>
+              <a:spcBef>
+                <a:spcPts val="0"/>
+              </a:spcBef>
+              <a:buClr>
+                <a:schemeClr val="dk2"/>
+              </a:buClr>
+              <a:buSzPct val="25000"/>
+              <a:buFont typeface="Impact"/>
+              <a:buNone/>
+            </a:pPr>
             <a:r>
-              <a:rPr lang="en-CA" dirty="0"/>
-              <a:t>Cost</a:t>
+              <a:rPr lang="en-CA"/>
+              <a:t>DESIGN DECISIONS</a:t>
             </a:r>
-            <a:endParaRPr lang="en-US" dirty="0"/>
           </a:p>
         </p:txBody>
       </p:sp>
       <p:sp>
         <p:nvSpPr>
-          <p:cNvPr id="3" name="Content Placeholder 2"/>
-          <p:cNvSpPr>
+          <p:cNvPr id="159" name="Shape 159"/>
+          <p:cNvSpPr txBox="1">
             <a:spLocks noGrp="1"/>
           </p:cNvSpPr>
           <p:nvPr>
-            <p:ph idx="1"/>
+            <p:ph type="body" idx="1"/>
           </p:nvPr>
         </p:nvSpPr>
-        <p:spPr/>
+        <p:spPr>
+          <a:xfrm>
+            <a:off x="1251675" y="1874525"/>
+            <a:ext cx="10178400" cy="4005000"/>
+          </a:xfrm>
+          <a:prstGeom prst="rect">
+            <a:avLst/>
+          </a:prstGeom>
+          <a:noFill/>
+          <a:ln>
+            <a:noFill/>
+          </a:ln>
+        </p:spPr>
         <p:txBody>
-          <a:bodyPr/>
+          <a:bodyPr lIns="91425" tIns="45700" rIns="91425" bIns="45700" anchor="t" anchorCtr="0">
+            <a:noAutofit/>
+          </a:bodyPr>
           <a:lstStyle/>
           <a:p>
-            <a:endParaRPr lang="en-US" dirty="0">
+            <a:pPr marL="0" lvl="0" indent="-69850" rtl="0">
+              <a:spcBef>
+                <a:spcPts val="0"/>
+              </a:spcBef>
+              <a:buClr>
+                <a:schemeClr val="dk1"/>
+              </a:buClr>
+              <a:buSzPct val="55000"/>
+              <a:buFont typeface="Arial"/>
+              <a:buNone/>
+            </a:pPr>
+            <a:r>
+              <a:rPr lang="en-CA" b="1">
+                <a:solidFill>
+                  <a:schemeClr val="dk2"/>
+                </a:solidFill>
+              </a:rPr>
+              <a:t>Intersection Infrastructure VS V2V</a:t>
+            </a:r>
+          </a:p>
+          <a:p>
+            <a:pPr marL="457200" lvl="0" indent="-228600" rtl="0">
+              <a:spcBef>
+                <a:spcPts val="0"/>
+              </a:spcBef>
+              <a:buClr>
+                <a:schemeClr val="dk2"/>
+              </a:buClr>
+            </a:pPr>
+            <a:r>
+              <a:rPr lang="en-CA">
+                <a:solidFill>
+                  <a:schemeClr val="dk2"/>
+                </a:solidFill>
+              </a:rPr>
+              <a:t>Wireless communication is less reliable for multiple moving vehicles</a:t>
+            </a:r>
+          </a:p>
+          <a:p>
+            <a:pPr marL="457200" marR="0" lvl="0" indent="-355600" algn="l" rtl="0">
+              <a:lnSpc>
+                <a:spcPct val="110000"/>
+              </a:lnSpc>
+              <a:spcBef>
+                <a:spcPts val="0"/>
+              </a:spcBef>
+              <a:spcAft>
+                <a:spcPts val="0"/>
+              </a:spcAft>
+              <a:buClr>
+                <a:schemeClr val="dk2"/>
+              </a:buClr>
+              <a:buSzPct val="100000"/>
+              <a:buFont typeface="Arial"/>
+            </a:pPr>
+            <a:r>
+              <a:rPr lang="en-CA">
+                <a:solidFill>
+                  <a:srgbClr val="2A1A00"/>
+                </a:solidFill>
+              </a:rPr>
+              <a:t>Multiple systems to interpret information</a:t>
+            </a:r>
+          </a:p>
+          <a:p>
+            <a:pPr marL="0" lvl="0" indent="0" rtl="0">
+              <a:spcBef>
+                <a:spcPts val="0"/>
+              </a:spcBef>
+              <a:buNone/>
+            </a:pPr>
+            <a:endParaRPr>
               <a:solidFill>
                 <a:srgbClr val="2A1A00"/>
               </a:solidFill>
-              <a:effectLst/>
+            </a:endParaRPr>
+          </a:p>
+          <a:p>
+            <a:pPr marL="0" marR="0" lvl="0" indent="0" algn="l" rtl="0">
+              <a:lnSpc>
+                <a:spcPct val="110000"/>
+              </a:lnSpc>
+              <a:spcBef>
+                <a:spcPts val="0"/>
+              </a:spcBef>
+              <a:spcAft>
+                <a:spcPts val="0"/>
+              </a:spcAft>
+              <a:buNone/>
+            </a:pPr>
+            <a:endParaRPr>
+              <a:solidFill>
+                <a:srgbClr val="2A1A00"/>
+              </a:solidFill>
+            </a:endParaRPr>
+          </a:p>
+          <a:p>
+            <a:pPr marL="0" lvl="0" indent="0" rtl="0">
+              <a:spcBef>
+                <a:spcPts val="0"/>
+              </a:spcBef>
+              <a:buNone/>
+            </a:pPr>
+            <a:endParaRPr>
+              <a:solidFill>
+                <a:srgbClr val="2A1A00"/>
+              </a:solidFill>
+            </a:endParaRPr>
+          </a:p>
+          <a:p>
+            <a:pPr marL="0" marR="0" lvl="0" indent="0" algn="l" rtl="0">
+              <a:lnSpc>
+                <a:spcPct val="110000"/>
+              </a:lnSpc>
+              <a:spcBef>
+                <a:spcPts val="0"/>
+              </a:spcBef>
+              <a:buNone/>
+            </a:pPr>
+            <a:endParaRPr>
+              <a:solidFill>
+                <a:srgbClr val="2A1A00"/>
+              </a:solidFill>
+            </a:endParaRPr>
+          </a:p>
+          <a:p>
+            <a:pPr marL="0" marR="0" lvl="0" indent="0" algn="l" rtl="0">
+              <a:lnSpc>
+                <a:spcPct val="110000"/>
+              </a:lnSpc>
+              <a:spcBef>
+                <a:spcPts val="0"/>
+              </a:spcBef>
+              <a:buNone/>
+            </a:pPr>
+            <a:endParaRPr>
+              <a:solidFill>
+                <a:srgbClr val="2A1A00"/>
+              </a:solidFill>
+            </a:endParaRPr>
+          </a:p>
+          <a:p>
+            <a:pPr marL="0" marR="0" lvl="0" indent="0" algn="l" rtl="0">
+              <a:lnSpc>
+                <a:spcPct val="110000"/>
+              </a:lnSpc>
+              <a:spcBef>
+                <a:spcPts val="0"/>
+              </a:spcBef>
+              <a:buNone/>
+            </a:pPr>
+            <a:endParaRPr>
+              <a:solidFill>
+                <a:srgbClr val="2A1A00"/>
+              </a:solidFill>
+            </a:endParaRPr>
+          </a:p>
+          <a:p>
+            <a:pPr marL="0" marR="0" lvl="0" indent="0" algn="l" rtl="0">
+              <a:lnSpc>
+                <a:spcPct val="110000"/>
+              </a:lnSpc>
+              <a:spcBef>
+                <a:spcPts val="0"/>
+              </a:spcBef>
+              <a:buNone/>
+            </a:pPr>
+            <a:endParaRPr>
+              <a:solidFill>
+                <a:srgbClr val="2A1A00"/>
+              </a:solidFill>
+            </a:endParaRPr>
+          </a:p>
+          <a:p>
+            <a:pPr marL="0" marR="0" lvl="0" indent="0" algn="l" rtl="0">
+              <a:lnSpc>
+                <a:spcPct val="110000"/>
+              </a:lnSpc>
+              <a:spcBef>
+                <a:spcPts val="0"/>
+              </a:spcBef>
+              <a:buNone/>
+            </a:pPr>
+            <a:endParaRPr b="1">
+              <a:solidFill>
+                <a:srgbClr val="2A1A00"/>
+              </a:solidFill>
             </a:endParaRPr>
           </a:p>
         </p:txBody>
@@ -13327,7 +16192,7 @@
     </p:spTree>
     <p:extLst>
       <p:ext uri="{BB962C8B-B14F-4D97-AF65-F5344CB8AC3E}">
-        <p14:creationId xmlns:p14="http://schemas.microsoft.com/office/powerpoint/2010/main" val="1788202808"/>
+        <p14:creationId xmlns:p14="http://schemas.microsoft.com/office/powerpoint/2010/main" val="2063085429"/>
       </p:ext>
     </p:extLst>
   </p:cSld>
@@ -13342,7 +16207,7 @@
   <p:cSld>
     <p:spTree>
       <p:nvGrpSpPr>
-        <p:cNvPr id="1" name=""/>
+        <p:cNvPr id="1" name="Shape 163"/>
         <p:cNvGrpSpPr/>
         <p:nvPr/>
       </p:nvGrpSpPr>
@@ -13356,47 +16221,136 @@
       </p:grpSpPr>
       <p:sp>
         <p:nvSpPr>
-          <p:cNvPr id="2" name="Title 1"/>
-          <p:cNvSpPr>
+          <p:cNvPr id="164" name="Shape 164"/>
+          <p:cNvSpPr txBox="1">
             <a:spLocks noGrp="1"/>
           </p:cNvSpPr>
           <p:nvPr>
             <p:ph type="title"/>
           </p:nvPr>
         </p:nvSpPr>
-        <p:spPr/>
+        <p:spPr>
+          <a:xfrm>
+            <a:off x="1251678" y="382385"/>
+            <a:ext cx="10178322" cy="1492132"/>
+          </a:xfrm>
+          <a:prstGeom prst="rect">
+            <a:avLst/>
+          </a:prstGeom>
+          <a:noFill/>
+          <a:ln>
+            <a:noFill/>
+          </a:ln>
+        </p:spPr>
         <p:txBody>
-          <a:bodyPr anchor="ctr"/>
+          <a:bodyPr lIns="91425" tIns="45700" rIns="91425" bIns="45700" anchor="ctr" anchorCtr="0">
+            <a:noAutofit/>
+          </a:bodyPr>
           <a:lstStyle/>
           <a:p>
+            <a:pPr marL="0" marR="0" lvl="0" indent="0" algn="l" rtl="0">
+              <a:lnSpc>
+                <a:spcPct val="90000"/>
+              </a:lnSpc>
+              <a:spcBef>
+                <a:spcPts val="0"/>
+              </a:spcBef>
+              <a:buClr>
+                <a:schemeClr val="dk2"/>
+              </a:buClr>
+              <a:buSzPct val="25000"/>
+              <a:buFont typeface="Impact"/>
+              <a:buNone/>
+            </a:pPr>
             <a:r>
-              <a:rPr lang="en-CA" dirty="0"/>
-              <a:t>Technical details </a:t>
+              <a:rPr lang="en-CA" sz="5100" b="0" i="0" u="none" strike="noStrike" cap="none">
+                <a:solidFill>
+                  <a:schemeClr val="dk2"/>
+                </a:solidFill>
+                <a:latin typeface="Impact"/>
+                <a:ea typeface="Impact"/>
+                <a:cs typeface="Impact"/>
+                <a:sym typeface="Impact"/>
+              </a:rPr>
+              <a:t>INNOVATIVE ASPECTS </a:t>
             </a:r>
-            <a:endParaRPr lang="en-US" dirty="0"/>
           </a:p>
         </p:txBody>
       </p:sp>
       <p:sp>
         <p:nvSpPr>
-          <p:cNvPr id="3" name="Content Placeholder 2"/>
-          <p:cNvSpPr>
+          <p:cNvPr id="165" name="Shape 165"/>
+          <p:cNvSpPr txBox="1">
             <a:spLocks noGrp="1"/>
           </p:cNvSpPr>
           <p:nvPr>
-            <p:ph idx="1"/>
+            <p:ph type="body" idx="1"/>
           </p:nvPr>
         </p:nvSpPr>
-        <p:spPr/>
+        <p:spPr>
+          <a:xfrm>
+            <a:off x="1251675" y="1874525"/>
+            <a:ext cx="10178400" cy="4005000"/>
+          </a:xfrm>
+          <a:prstGeom prst="rect">
+            <a:avLst/>
+          </a:prstGeom>
+          <a:noFill/>
+          <a:ln>
+            <a:noFill/>
+          </a:ln>
+        </p:spPr>
         <p:txBody>
-          <a:bodyPr/>
+          <a:bodyPr lIns="91425" tIns="45700" rIns="91425" bIns="45700" anchor="t" anchorCtr="0">
+            <a:noAutofit/>
+          </a:bodyPr>
           <a:lstStyle/>
           <a:p>
-            <a:endParaRPr lang="en-US" dirty="0">
+            <a:pPr marL="0" marR="0" lvl="0" indent="0" algn="l" rtl="0">
+              <a:lnSpc>
+                <a:spcPct val="110000"/>
+              </a:lnSpc>
+              <a:spcBef>
+                <a:spcPts val="0"/>
+              </a:spcBef>
+              <a:buNone/>
+            </a:pPr>
+            <a:endParaRPr>
               <a:solidFill>
                 <a:srgbClr val="2A1A00"/>
               </a:solidFill>
-              <a:effectLst/>
+            </a:endParaRPr>
+          </a:p>
+          <a:p>
+            <a:pPr marL="0" marR="0" lvl="0" indent="0" algn="l" rtl="0">
+              <a:lnSpc>
+                <a:spcPct val="110000"/>
+              </a:lnSpc>
+              <a:spcBef>
+                <a:spcPts val="0"/>
+              </a:spcBef>
+              <a:buNone/>
+            </a:pPr>
+            <a:endParaRPr>
+              <a:solidFill>
+                <a:srgbClr val="2A1A00"/>
+              </a:solidFill>
+            </a:endParaRPr>
+          </a:p>
+          <a:p>
+            <a:pPr marL="0" marR="0" lvl="0" indent="0" algn="l" rtl="0">
+              <a:lnSpc>
+                <a:spcPct val="110000"/>
+              </a:lnSpc>
+              <a:spcBef>
+                <a:spcPts val="0"/>
+              </a:spcBef>
+              <a:buNone/>
+            </a:pPr>
+            <a:endParaRPr>
+              <a:solidFill>
+                <a:srgbClr val="2A1A00"/>
+              </a:solidFill>
             </a:endParaRPr>
           </a:p>
         </p:txBody>
@@ -13404,7 +16358,7 @@
     </p:spTree>
     <p:extLst>
       <p:ext uri="{BB962C8B-B14F-4D97-AF65-F5344CB8AC3E}">
-        <p14:creationId xmlns:p14="http://schemas.microsoft.com/office/powerpoint/2010/main" val="3732577461"/>
+        <p14:creationId xmlns:p14="http://schemas.microsoft.com/office/powerpoint/2010/main" val="905049994"/>
       </p:ext>
     </p:extLst>
   </p:cSld>
@@ -13419,7 +16373,7 @@
   <p:cSld>
     <p:spTree>
       <p:nvGrpSpPr>
-        <p:cNvPr id="1" name=""/>
+        <p:cNvPr id="1" name="Shape 169"/>
         <p:cNvGrpSpPr/>
         <p:nvPr/>
       </p:nvGrpSpPr>
@@ -13431,34 +16385,10 @@
           <a:chExt cx="0" cy="0"/>
         </a:xfrm>
       </p:grpSpPr>
-      <p:pic>
-        <p:nvPicPr>
-          <p:cNvPr id="4" name="Picture 3"/>
-          <p:cNvPicPr>
-            <a:picLocks noChangeAspect="1"/>
-          </p:cNvPicPr>
-          <p:nvPr/>
-        </p:nvPicPr>
-        <p:blipFill>
-          <a:blip r:embed="rId2"/>
-          <a:stretch>
-            <a:fillRect/>
-          </a:stretch>
-        </p:blipFill>
-        <p:spPr>
-          <a:xfrm>
-            <a:off x="5603322" y="1748677"/>
-            <a:ext cx="5995465" cy="3372448"/>
-          </a:xfrm>
-          <a:prstGeom prst="rect">
-            <a:avLst/>
-          </a:prstGeom>
-        </p:spPr>
-      </p:pic>
       <p:sp>
         <p:nvSpPr>
-          <p:cNvPr id="2" name="Title 1"/>
-          <p:cNvSpPr>
+          <p:cNvPr id="170" name="Shape 170"/>
+          <p:cNvSpPr txBox="1">
             <a:spLocks noGrp="1"/>
           </p:cNvSpPr>
           <p:nvPr>
@@ -13467,54 +16397,746 @@
         </p:nvSpPr>
         <p:spPr>
           <a:xfrm>
-            <a:off x="1251679" y="153113"/>
-            <a:ext cx="5987321" cy="1640894"/>
+            <a:off x="1251678" y="382385"/>
+            <a:ext cx="10178322" cy="1492132"/>
           </a:xfrm>
+          <a:prstGeom prst="rect">
+            <a:avLst/>
+          </a:prstGeom>
+          <a:noFill/>
+          <a:ln>
+            <a:noFill/>
+          </a:ln>
         </p:spPr>
         <p:txBody>
-          <a:bodyPr anchor="ctr">
-            <a:normAutofit/>
+          <a:bodyPr lIns="91425" tIns="45700" rIns="91425" bIns="45700" anchor="ctr" anchorCtr="0">
+            <a:noAutofit/>
           </a:bodyPr>
           <a:lstStyle/>
           <a:p>
+            <a:pPr marL="0" marR="0" lvl="0" indent="0" algn="l" rtl="0">
+              <a:lnSpc>
+                <a:spcPct val="90000"/>
+              </a:lnSpc>
+              <a:spcBef>
+                <a:spcPts val="0"/>
+              </a:spcBef>
+              <a:buClr>
+                <a:schemeClr val="dk2"/>
+              </a:buClr>
+              <a:buSzPct val="25000"/>
+              <a:buFont typeface="Impact"/>
+              <a:buNone/>
+            </a:pPr>
             <a:r>
-              <a:rPr lang="en-CA" sz="4000" dirty="0"/>
-              <a:t>Overview – Continued </a:t>
+              <a:rPr lang="en-CA" sz="5100" b="0" i="0" u="none" strike="noStrike" cap="none">
+                <a:solidFill>
+                  <a:schemeClr val="dk2"/>
+                </a:solidFill>
+                <a:latin typeface="Impact"/>
+                <a:ea typeface="Impact"/>
+                <a:cs typeface="Impact"/>
+                <a:sym typeface="Impact"/>
+              </a:rPr>
+              <a:t>COST</a:t>
             </a:r>
-            <a:endParaRPr lang="en-US" sz="4000" dirty="0"/>
           </a:p>
         </p:txBody>
       </p:sp>
+      <p:graphicFrame>
+        <p:nvGraphicFramePr>
+          <p:cNvPr id="171" name="Shape 171"/>
+          <p:cNvGraphicFramePr/>
+          <p:nvPr/>
+        </p:nvGraphicFramePr>
+        <p:xfrm>
+          <a:off x="1187487" y="1574025"/>
+          <a:ext cx="9308575" cy="4713655"/>
+        </p:xfrm>
+        <a:graphic>
+          <a:graphicData uri="http://schemas.openxmlformats.org/drawingml/2006/table">
+            <a:tbl>
+              <a:tblPr>
+                <a:noFill/>
+              </a:tblPr>
+              <a:tblGrid>
+                <a:gridCol w="2576675">
+                  <a:extLst>
+                    <a:ext uri="{9D8B030D-6E8A-4147-A177-3AD203B41FA5}">
+                      <a16:colId xmlns:a16="http://schemas.microsoft.com/office/drawing/2014/main" val="20000"/>
+                    </a:ext>
+                  </a:extLst>
+                </a:gridCol>
+                <a:gridCol w="2576675">
+                  <a:extLst>
+                    <a:ext uri="{9D8B030D-6E8A-4147-A177-3AD203B41FA5}">
+                      <a16:colId xmlns:a16="http://schemas.microsoft.com/office/drawing/2014/main" val="20001"/>
+                    </a:ext>
+                  </a:extLst>
+                </a:gridCol>
+                <a:gridCol w="2576675">
+                  <a:extLst>
+                    <a:ext uri="{9D8B030D-6E8A-4147-A177-3AD203B41FA5}">
+                      <a16:colId xmlns:a16="http://schemas.microsoft.com/office/drawing/2014/main" val="20002"/>
+                    </a:ext>
+                  </a:extLst>
+                </a:gridCol>
+                <a:gridCol w="1578550">
+                  <a:extLst>
+                    <a:ext uri="{9D8B030D-6E8A-4147-A177-3AD203B41FA5}">
+                      <a16:colId xmlns:a16="http://schemas.microsoft.com/office/drawing/2014/main" val="20003"/>
+                    </a:ext>
+                  </a:extLst>
+                </a:gridCol>
+              </a:tblGrid>
+              <a:tr h="425175">
+                <a:tc>
+                  <a:txBody>
+                    <a:bodyPr/>
+                    <a:lstStyle/>
+                    <a:p>
+                      <a:pPr lvl="0">
+                        <a:spcBef>
+                          <a:spcPts val="0"/>
+                        </a:spcBef>
+                        <a:buNone/>
+                      </a:pPr>
+                      <a:r>
+                        <a:rPr lang="en-CA" b="1"/>
+                        <a:t>PART </a:t>
+                      </a:r>
+                    </a:p>
+                  </a:txBody>
+                  <a:tcPr marL="91425" marR="91425" marT="91425" marB="91425"/>
+                </a:tc>
+                <a:tc>
+                  <a:txBody>
+                    <a:bodyPr/>
+                    <a:lstStyle/>
+                    <a:p>
+                      <a:pPr lvl="0">
+                        <a:spcBef>
+                          <a:spcPts val="0"/>
+                        </a:spcBef>
+                        <a:buNone/>
+                      </a:pPr>
+                      <a:r>
+                        <a:rPr lang="en-CA" b="1"/>
+                        <a:t>QUANTITY </a:t>
+                      </a:r>
+                    </a:p>
+                  </a:txBody>
+                  <a:tcPr marL="91425" marR="91425" marT="91425" marB="91425"/>
+                </a:tc>
+                <a:tc>
+                  <a:txBody>
+                    <a:bodyPr/>
+                    <a:lstStyle/>
+                    <a:p>
+                      <a:pPr lvl="0">
+                        <a:spcBef>
+                          <a:spcPts val="0"/>
+                        </a:spcBef>
+                        <a:buNone/>
+                      </a:pPr>
+                      <a:r>
+                        <a:rPr lang="en-CA" b="1"/>
+                        <a:t>PRICE ($)</a:t>
+                      </a:r>
+                    </a:p>
+                  </a:txBody>
+                  <a:tcPr marL="91425" marR="91425" marT="91425" marB="91425"/>
+                </a:tc>
+                <a:tc>
+                  <a:txBody>
+                    <a:bodyPr/>
+                    <a:lstStyle/>
+                    <a:p>
+                      <a:pPr lvl="0">
+                        <a:spcBef>
+                          <a:spcPts val="0"/>
+                        </a:spcBef>
+                        <a:buNone/>
+                      </a:pPr>
+                      <a:r>
+                        <a:rPr lang="en-CA" b="1"/>
+                        <a:t>TOTAL ($)</a:t>
+                      </a:r>
+                    </a:p>
+                  </a:txBody>
+                  <a:tcPr marL="91425" marR="91425" marT="91425" marB="91425"/>
+                </a:tc>
+                <a:extLst>
+                  <a:ext uri="{0D108BD9-81ED-4DB2-BD59-A6C34878D82A}">
+                    <a16:rowId xmlns:a16="http://schemas.microsoft.com/office/drawing/2014/main" val="10000"/>
+                  </a:ext>
+                </a:extLst>
+              </a:tr>
+              <a:tr h="642875">
+                <a:tc>
+                  <a:txBody>
+                    <a:bodyPr/>
+                    <a:lstStyle/>
+                    <a:p>
+                      <a:pPr lvl="0">
+                        <a:spcBef>
+                          <a:spcPts val="0"/>
+                        </a:spcBef>
+                        <a:buNone/>
+                      </a:pPr>
+                      <a:r>
+                        <a:rPr lang="en-CA"/>
+                        <a:t>RC Car</a:t>
+                      </a:r>
+                    </a:p>
+                    <a:p>
+                      <a:pPr lvl="0">
+                        <a:spcBef>
+                          <a:spcPts val="0"/>
+                        </a:spcBef>
+                        <a:buNone/>
+                      </a:pPr>
+                      <a:r>
+                        <a:rPr lang="en-CA"/>
+                        <a:t>(w/ servo &amp; speed controller)</a:t>
+                      </a:r>
+                    </a:p>
+                  </a:txBody>
+                  <a:tcPr marL="91425" marR="91425" marT="91425" marB="91425"/>
+                </a:tc>
+                <a:tc>
+                  <a:txBody>
+                    <a:bodyPr/>
+                    <a:lstStyle/>
+                    <a:p>
+                      <a:pPr lvl="0">
+                        <a:spcBef>
+                          <a:spcPts val="0"/>
+                        </a:spcBef>
+                        <a:buNone/>
+                      </a:pPr>
+                      <a:r>
+                        <a:rPr lang="en-CA"/>
+                        <a:t>2</a:t>
+                      </a:r>
+                    </a:p>
+                  </a:txBody>
+                  <a:tcPr marL="91425" marR="91425" marT="91425" marB="91425"/>
+                </a:tc>
+                <a:tc>
+                  <a:txBody>
+                    <a:bodyPr/>
+                    <a:lstStyle/>
+                    <a:p>
+                      <a:pPr lvl="0">
+                        <a:spcBef>
+                          <a:spcPts val="0"/>
+                        </a:spcBef>
+                        <a:buNone/>
+                      </a:pPr>
+                      <a:r>
+                        <a:rPr lang="en-CA"/>
+                        <a:t>240</a:t>
+                      </a:r>
+                    </a:p>
+                  </a:txBody>
+                  <a:tcPr marL="91425" marR="91425" marT="91425" marB="91425"/>
+                </a:tc>
+                <a:tc>
+                  <a:txBody>
+                    <a:bodyPr/>
+                    <a:lstStyle/>
+                    <a:p>
+                      <a:pPr lvl="0" algn="ctr">
+                        <a:spcBef>
+                          <a:spcPts val="0"/>
+                        </a:spcBef>
+                        <a:buNone/>
+                      </a:pPr>
+                      <a:r>
+                        <a:rPr lang="en-CA"/>
+                        <a:t>480</a:t>
+                      </a:r>
+                    </a:p>
+                  </a:txBody>
+                  <a:tcPr marL="91425" marR="91425" marT="91425" marB="91425"/>
+                </a:tc>
+                <a:extLst>
+                  <a:ext uri="{0D108BD9-81ED-4DB2-BD59-A6C34878D82A}">
+                    <a16:rowId xmlns:a16="http://schemas.microsoft.com/office/drawing/2014/main" val="10001"/>
+                  </a:ext>
+                </a:extLst>
+              </a:tr>
+              <a:tr h="642900">
+                <a:tc>
+                  <a:txBody>
+                    <a:bodyPr/>
+                    <a:lstStyle/>
+                    <a:p>
+                      <a:pPr lvl="0">
+                        <a:spcBef>
+                          <a:spcPts val="0"/>
+                        </a:spcBef>
+                        <a:buClr>
+                          <a:schemeClr val="dk1"/>
+                        </a:buClr>
+                        <a:buSzPct val="78571"/>
+                        <a:buFont typeface="Arial"/>
+                        <a:buNone/>
+                      </a:pPr>
+                      <a:r>
+                        <a:rPr lang="en-CA">
+                          <a:solidFill>
+                            <a:schemeClr val="dk1"/>
+                          </a:solidFill>
+                        </a:rPr>
+                        <a:t>3300 mAh 7.2 V battery</a:t>
+                      </a:r>
+                    </a:p>
+                  </a:txBody>
+                  <a:tcPr marL="91425" marR="91425" marT="91425" marB="91425"/>
+                </a:tc>
+                <a:tc>
+                  <a:txBody>
+                    <a:bodyPr/>
+                    <a:lstStyle/>
+                    <a:p>
+                      <a:pPr lvl="0">
+                        <a:spcBef>
+                          <a:spcPts val="0"/>
+                        </a:spcBef>
+                        <a:buNone/>
+                      </a:pPr>
+                      <a:r>
+                        <a:rPr lang="en-CA"/>
+                        <a:t>2</a:t>
+                      </a:r>
+                    </a:p>
+                  </a:txBody>
+                  <a:tcPr marL="91425" marR="91425" marT="91425" marB="91425"/>
+                </a:tc>
+                <a:tc>
+                  <a:txBody>
+                    <a:bodyPr/>
+                    <a:lstStyle/>
+                    <a:p>
+                      <a:pPr lvl="0">
+                        <a:spcBef>
+                          <a:spcPts val="0"/>
+                        </a:spcBef>
+                        <a:buNone/>
+                      </a:pPr>
+                      <a:r>
+                        <a:rPr lang="en-CA"/>
+                        <a:t>30</a:t>
+                      </a:r>
+                    </a:p>
+                  </a:txBody>
+                  <a:tcPr marL="91425" marR="91425" marT="91425" marB="91425"/>
+                </a:tc>
+                <a:tc>
+                  <a:txBody>
+                    <a:bodyPr/>
+                    <a:lstStyle/>
+                    <a:p>
+                      <a:pPr lvl="0" algn="ctr">
+                        <a:spcBef>
+                          <a:spcPts val="0"/>
+                        </a:spcBef>
+                        <a:buNone/>
+                      </a:pPr>
+                      <a:r>
+                        <a:rPr lang="en-CA"/>
+                        <a:t>60</a:t>
+                      </a:r>
+                    </a:p>
+                  </a:txBody>
+                  <a:tcPr marL="91425" marR="91425" marT="91425" marB="91425"/>
+                </a:tc>
+                <a:extLst>
+                  <a:ext uri="{0D108BD9-81ED-4DB2-BD59-A6C34878D82A}">
+                    <a16:rowId xmlns:a16="http://schemas.microsoft.com/office/drawing/2014/main" val="10002"/>
+                  </a:ext>
+                </a:extLst>
+              </a:tr>
+              <a:tr h="626175">
+                <a:tc>
+                  <a:txBody>
+                    <a:bodyPr/>
+                    <a:lstStyle/>
+                    <a:p>
+                      <a:pPr lvl="0">
+                        <a:spcBef>
+                          <a:spcPts val="0"/>
+                        </a:spcBef>
+                        <a:buNone/>
+                      </a:pPr>
+                      <a:r>
+                        <a:rPr lang="en-CA"/>
+                        <a:t>Battery charger</a:t>
+                      </a:r>
+                    </a:p>
+                  </a:txBody>
+                  <a:tcPr marL="91425" marR="91425" marT="91425" marB="91425"/>
+                </a:tc>
+                <a:tc>
+                  <a:txBody>
+                    <a:bodyPr/>
+                    <a:lstStyle/>
+                    <a:p>
+                      <a:pPr lvl="0">
+                        <a:spcBef>
+                          <a:spcPts val="0"/>
+                        </a:spcBef>
+                        <a:buNone/>
+                      </a:pPr>
+                      <a:r>
+                        <a:rPr lang="en-CA"/>
+                        <a:t>1</a:t>
+                      </a:r>
+                    </a:p>
+                  </a:txBody>
+                  <a:tcPr marL="91425" marR="91425" marT="91425" marB="91425"/>
+                </a:tc>
+                <a:tc>
+                  <a:txBody>
+                    <a:bodyPr/>
+                    <a:lstStyle/>
+                    <a:p>
+                      <a:pPr lvl="0">
+                        <a:spcBef>
+                          <a:spcPts val="0"/>
+                        </a:spcBef>
+                        <a:buNone/>
+                      </a:pPr>
+                      <a:r>
+                        <a:rPr lang="en-CA"/>
+                        <a:t>30</a:t>
+                      </a:r>
+                    </a:p>
+                  </a:txBody>
+                  <a:tcPr marL="91425" marR="91425" marT="91425" marB="91425"/>
+                </a:tc>
+                <a:tc>
+                  <a:txBody>
+                    <a:bodyPr/>
+                    <a:lstStyle/>
+                    <a:p>
+                      <a:pPr lvl="0" algn="ctr">
+                        <a:spcBef>
+                          <a:spcPts val="0"/>
+                        </a:spcBef>
+                        <a:buNone/>
+                      </a:pPr>
+                      <a:r>
+                        <a:rPr lang="en-CA"/>
+                        <a:t>30</a:t>
+                      </a:r>
+                    </a:p>
+                  </a:txBody>
+                  <a:tcPr marL="91425" marR="91425" marT="91425" marB="91425"/>
+                </a:tc>
+                <a:extLst>
+                  <a:ext uri="{0D108BD9-81ED-4DB2-BD59-A6C34878D82A}">
+                    <a16:rowId xmlns:a16="http://schemas.microsoft.com/office/drawing/2014/main" val="10003"/>
+                  </a:ext>
+                </a:extLst>
+              </a:tr>
+              <a:tr h="659650">
+                <a:tc>
+                  <a:txBody>
+                    <a:bodyPr/>
+                    <a:lstStyle/>
+                    <a:p>
+                      <a:pPr lvl="0">
+                        <a:spcBef>
+                          <a:spcPts val="0"/>
+                        </a:spcBef>
+                        <a:buNone/>
+                      </a:pPr>
+                      <a:r>
+                        <a:rPr lang="en-CA"/>
+                        <a:t>Raspberry Pi 3 Model B</a:t>
+                      </a:r>
+                    </a:p>
+                  </a:txBody>
+                  <a:tcPr marL="91425" marR="91425" marT="91425" marB="91425"/>
+                </a:tc>
+                <a:tc>
+                  <a:txBody>
+                    <a:bodyPr/>
+                    <a:lstStyle/>
+                    <a:p>
+                      <a:pPr lvl="0">
+                        <a:spcBef>
+                          <a:spcPts val="0"/>
+                        </a:spcBef>
+                        <a:buNone/>
+                      </a:pPr>
+                      <a:r>
+                        <a:rPr lang="en-CA"/>
+                        <a:t>2</a:t>
+                      </a:r>
+                    </a:p>
+                  </a:txBody>
+                  <a:tcPr marL="91425" marR="91425" marT="91425" marB="91425"/>
+                </a:tc>
+                <a:tc>
+                  <a:txBody>
+                    <a:bodyPr/>
+                    <a:lstStyle/>
+                    <a:p>
+                      <a:pPr lvl="0">
+                        <a:spcBef>
+                          <a:spcPts val="0"/>
+                        </a:spcBef>
+                        <a:buNone/>
+                      </a:pPr>
+                      <a:r>
+                        <a:rPr lang="en-CA"/>
+                        <a:t>60</a:t>
+                      </a:r>
+                    </a:p>
+                  </a:txBody>
+                  <a:tcPr marL="91425" marR="91425" marT="91425" marB="91425"/>
+                </a:tc>
+                <a:tc>
+                  <a:txBody>
+                    <a:bodyPr/>
+                    <a:lstStyle/>
+                    <a:p>
+                      <a:pPr lvl="0" algn="ctr">
+                        <a:spcBef>
+                          <a:spcPts val="0"/>
+                        </a:spcBef>
+                        <a:buNone/>
+                      </a:pPr>
+                      <a:r>
+                        <a:rPr lang="en-CA"/>
+                        <a:t>120</a:t>
+                      </a:r>
+                    </a:p>
+                  </a:txBody>
+                  <a:tcPr marL="91425" marR="91425" marT="91425" marB="91425"/>
+                </a:tc>
+                <a:extLst>
+                  <a:ext uri="{0D108BD9-81ED-4DB2-BD59-A6C34878D82A}">
+                    <a16:rowId xmlns:a16="http://schemas.microsoft.com/office/drawing/2014/main" val="10004"/>
+                  </a:ext>
+                </a:extLst>
+              </a:tr>
+              <a:tr h="687100">
+                <a:tc>
+                  <a:txBody>
+                    <a:bodyPr/>
+                    <a:lstStyle/>
+                    <a:p>
+                      <a:pPr lvl="0">
+                        <a:spcBef>
+                          <a:spcPts val="0"/>
+                        </a:spcBef>
+                        <a:buNone/>
+                      </a:pPr>
+                      <a:r>
+                        <a:rPr lang="en-CA"/>
+                        <a:t>Voltage regulator</a:t>
+                      </a:r>
+                    </a:p>
+                  </a:txBody>
+                  <a:tcPr marL="91425" marR="91425" marT="91425" marB="91425"/>
+                </a:tc>
+                <a:tc>
+                  <a:txBody>
+                    <a:bodyPr/>
+                    <a:lstStyle/>
+                    <a:p>
+                      <a:pPr lvl="0">
+                        <a:spcBef>
+                          <a:spcPts val="0"/>
+                        </a:spcBef>
+                        <a:buNone/>
+                      </a:pPr>
+                      <a:r>
+                        <a:rPr lang="en-CA"/>
+                        <a:t>3</a:t>
+                      </a:r>
+                    </a:p>
+                  </a:txBody>
+                  <a:tcPr marL="91425" marR="91425" marT="91425" marB="91425"/>
+                </a:tc>
+                <a:tc>
+                  <a:txBody>
+                    <a:bodyPr/>
+                    <a:lstStyle/>
+                    <a:p>
+                      <a:pPr lvl="0">
+                        <a:spcBef>
+                          <a:spcPts val="0"/>
+                        </a:spcBef>
+                        <a:buNone/>
+                      </a:pPr>
+                      <a:r>
+                        <a:rPr lang="en-CA"/>
+                        <a:t>1.50</a:t>
+                      </a:r>
+                    </a:p>
+                  </a:txBody>
+                  <a:tcPr marL="91425" marR="91425" marT="91425" marB="91425"/>
+                </a:tc>
+                <a:tc>
+                  <a:txBody>
+                    <a:bodyPr/>
+                    <a:lstStyle/>
+                    <a:p>
+                      <a:pPr lvl="0" algn="ctr" rtl="0">
+                        <a:spcBef>
+                          <a:spcPts val="0"/>
+                        </a:spcBef>
+                        <a:buNone/>
+                      </a:pPr>
+                      <a:r>
+                        <a:rPr lang="en-CA"/>
+                        <a:t>4.5</a:t>
+                      </a:r>
+                    </a:p>
+                  </a:txBody>
+                  <a:tcPr marL="91425" marR="91425" marT="91425" marB="91425"/>
+                </a:tc>
+                <a:extLst>
+                  <a:ext uri="{0D108BD9-81ED-4DB2-BD59-A6C34878D82A}">
+                    <a16:rowId xmlns:a16="http://schemas.microsoft.com/office/drawing/2014/main" val="10005"/>
+                  </a:ext>
+                </a:extLst>
+              </a:tr>
+              <a:tr h="634850">
+                <a:tc>
+                  <a:txBody>
+                    <a:bodyPr/>
+                    <a:lstStyle/>
+                    <a:p>
+                      <a:pPr lvl="0">
+                        <a:spcBef>
+                          <a:spcPts val="0"/>
+                        </a:spcBef>
+                        <a:buNone/>
+                      </a:pPr>
+                      <a:r>
+                        <a:rPr lang="en-CA"/>
+                        <a:t>Hall  Effect sensor</a:t>
+                      </a:r>
+                    </a:p>
+                  </a:txBody>
+                  <a:tcPr marL="91425" marR="91425" marT="91425" marB="91425"/>
+                </a:tc>
+                <a:tc>
+                  <a:txBody>
+                    <a:bodyPr/>
+                    <a:lstStyle/>
+                    <a:p>
+                      <a:pPr lvl="0">
+                        <a:spcBef>
+                          <a:spcPts val="0"/>
+                        </a:spcBef>
+                        <a:buNone/>
+                      </a:pPr>
+                      <a:r>
+                        <a:rPr lang="en-CA"/>
+                        <a:t>3</a:t>
+                      </a:r>
+                    </a:p>
+                  </a:txBody>
+                  <a:tcPr marL="91425" marR="91425" marT="91425" marB="91425"/>
+                </a:tc>
+                <a:tc>
+                  <a:txBody>
+                    <a:bodyPr/>
+                    <a:lstStyle/>
+                    <a:p>
+                      <a:pPr lvl="0" rtl="0">
+                        <a:spcBef>
+                          <a:spcPts val="0"/>
+                        </a:spcBef>
+                        <a:buNone/>
+                      </a:pPr>
+                      <a:r>
+                        <a:rPr lang="en-CA"/>
+                        <a:t>1.70</a:t>
+                      </a:r>
+                    </a:p>
+                  </a:txBody>
+                  <a:tcPr marL="91425" marR="91425" marT="91425" marB="91425"/>
+                </a:tc>
+                <a:tc>
+                  <a:txBody>
+                    <a:bodyPr/>
+                    <a:lstStyle/>
+                    <a:p>
+                      <a:pPr lvl="0" algn="ctr" rtl="0">
+                        <a:spcBef>
+                          <a:spcPts val="0"/>
+                        </a:spcBef>
+                        <a:buNone/>
+                      </a:pPr>
+                      <a:r>
+                        <a:rPr lang="en-CA"/>
+                        <a:t>5.1</a:t>
+                      </a:r>
+                    </a:p>
+                  </a:txBody>
+                  <a:tcPr marL="91425" marR="91425" marT="91425" marB="91425"/>
+                </a:tc>
+                <a:extLst>
+                  <a:ext uri="{0D108BD9-81ED-4DB2-BD59-A6C34878D82A}">
+                    <a16:rowId xmlns:a16="http://schemas.microsoft.com/office/drawing/2014/main" val="10006"/>
+                  </a:ext>
+                </a:extLst>
+              </a:tr>
+            </a:tbl>
+          </a:graphicData>
+        </a:graphic>
+      </p:graphicFrame>
       <p:sp>
         <p:nvSpPr>
-          <p:cNvPr id="3" name="Content Placeholder 2"/>
-          <p:cNvSpPr>
-            <a:spLocks noGrp="1"/>
-          </p:cNvSpPr>
-          <p:nvPr>
-            <p:ph idx="1"/>
-          </p:nvPr>
+          <p:cNvPr id="172" name="Shape 172"/>
+          <p:cNvSpPr txBox="1"/>
+          <p:nvPr/>
         </p:nvSpPr>
         <p:spPr>
           <a:xfrm>
-            <a:off x="1104900" y="1794007"/>
-            <a:ext cx="5279472" cy="3940844"/>
+            <a:off x="8929450" y="5899025"/>
+            <a:ext cx="2575800" cy="375600"/>
           </a:xfrm>
+          <a:prstGeom prst="rect">
+            <a:avLst/>
+          </a:prstGeom>
+          <a:noFill/>
+          <a:ln>
+            <a:noFill/>
+          </a:ln>
         </p:spPr>
         <p:txBody>
-          <a:bodyPr>
-            <a:normAutofit/>
+          <a:bodyPr lIns="91425" tIns="91425" rIns="91425" bIns="91425" anchor="t" anchorCtr="0">
+            <a:noAutofit/>
           </a:bodyPr>
           <a:lstStyle/>
           <a:p>
-            <a:endParaRPr lang="en-US" dirty="0"/>
+            <a:pPr lvl="0">
+              <a:spcBef>
+                <a:spcPts val="0"/>
+              </a:spcBef>
+              <a:buNone/>
+            </a:pPr>
+            <a:r>
+              <a:rPr lang="en-CA" b="1"/>
+              <a:t>Total:  700</a:t>
+            </a:r>
           </a:p>
         </p:txBody>
       </p:sp>
     </p:spTree>
     <p:extLst>
       <p:ext uri="{BB962C8B-B14F-4D97-AF65-F5344CB8AC3E}">
-        <p14:creationId xmlns:p14="http://schemas.microsoft.com/office/powerpoint/2010/main" val="2528726034"/>
+        <p14:creationId xmlns:p14="http://schemas.microsoft.com/office/powerpoint/2010/main" val="2416161344"/>
       </p:ext>
     </p:extLst>
   </p:cSld>
@@ -13782,4 +17404,299 @@
     </a:ext>
   </a:extLst>
 </a:theme>
+</file>
+
+<file path=ppt/theme/theme2.xml><?xml version="1.0" encoding="utf-8"?>
+<a:theme xmlns:a="http://schemas.openxmlformats.org/drawingml/2006/main" name="Office Theme">
+  <a:themeElements>
+    <a:clrScheme name="Office">
+      <a:dk1>
+        <a:sysClr val="windowText" lastClr="000000"/>
+      </a:dk1>
+      <a:lt1>
+        <a:sysClr val="window" lastClr="FFFFFF"/>
+      </a:lt1>
+      <a:dk2>
+        <a:srgbClr val="44546A"/>
+      </a:dk2>
+      <a:lt2>
+        <a:srgbClr val="E7E6E6"/>
+      </a:lt2>
+      <a:accent1>
+        <a:srgbClr val="5B9BD5"/>
+      </a:accent1>
+      <a:accent2>
+        <a:srgbClr val="ED7D31"/>
+      </a:accent2>
+      <a:accent3>
+        <a:srgbClr val="A5A5A5"/>
+      </a:accent3>
+      <a:accent4>
+        <a:srgbClr val="FFC000"/>
+      </a:accent4>
+      <a:accent5>
+        <a:srgbClr val="4472C4"/>
+      </a:accent5>
+      <a:accent6>
+        <a:srgbClr val="70AD47"/>
+      </a:accent6>
+      <a:hlink>
+        <a:srgbClr val="0563C1"/>
+      </a:hlink>
+      <a:folHlink>
+        <a:srgbClr val="954F72"/>
+      </a:folHlink>
+    </a:clrScheme>
+    <a:fontScheme name="Office">
+      <a:majorFont>
+        <a:latin typeface="Calibri Light" panose="020F0302020204030204"/>
+        <a:ea typeface=""/>
+        <a:cs typeface=""/>
+        <a:font script="Jpan" typeface="游ゴシック Light"/>
+        <a:font script="Hang" typeface="맑은 고딕"/>
+        <a:font script="Hans" typeface="等线 Light"/>
+        <a:font script="Hant" typeface="新細明體"/>
+        <a:font script="Arab" typeface="Times New Roman"/>
+        <a:font script="Hebr" typeface="Times New Roman"/>
+        <a:font script="Thai" typeface="Angsana New"/>
+        <a:font script="Ethi" typeface="Nyala"/>
+        <a:font script="Beng" typeface="Vrinda"/>
+        <a:font script="Gujr" typeface="Shruti"/>
+        <a:font script="Khmr" typeface="MoolBoran"/>
+        <a:font script="Knda" typeface="Tunga"/>
+        <a:font script="Guru" typeface="Raavi"/>
+        <a:font script="Cans" typeface="Euphemia"/>
+        <a:font script="Cher" typeface="Plantagenet Cherokee"/>
+        <a:font script="Yiii" typeface="Microsoft Yi Baiti"/>
+        <a:font script="Tibt" typeface="Microsoft Himalaya"/>
+        <a:font script="Thaa" typeface="MV Boli"/>
+        <a:font script="Deva" typeface="Mangal"/>
+        <a:font script="Telu" typeface="Gautami"/>
+        <a:font script="Taml" typeface="Latha"/>
+        <a:font script="Syrc" typeface="Estrangelo Edessa"/>
+        <a:font script="Orya" typeface="Kalinga"/>
+        <a:font script="Mlym" typeface="Kartika"/>
+        <a:font script="Laoo" typeface="DokChampa"/>
+        <a:font script="Sinh" typeface="Iskoola Pota"/>
+        <a:font script="Mong" typeface="Mongolian Baiti"/>
+        <a:font script="Viet" typeface="Times New Roman"/>
+        <a:font script="Uigh" typeface="Microsoft Uighur"/>
+        <a:font script="Geor" typeface="Sylfaen"/>
+        <a:font script="Armn" typeface="Arial"/>
+        <a:font script="Bugi" typeface="Leelawadee UI"/>
+        <a:font script="Bopo" typeface="Microsoft JhengHei"/>
+        <a:font script="Java" typeface="Javanese Text"/>
+        <a:font script="Lisu" typeface="Segoe UI"/>
+        <a:font script="Mymr" typeface="Myanmar Text"/>
+        <a:font script="Nkoo" typeface="Ebrima"/>
+        <a:font script="Olck" typeface="Nirmala UI"/>
+        <a:font script="Osma" typeface="Ebrima"/>
+        <a:font script="Phag" typeface="Phagspa"/>
+        <a:font script="Syrn" typeface="Estrangelo Edessa"/>
+        <a:font script="Syrj" typeface="Estrangelo Edessa"/>
+        <a:font script="Syre" typeface="Estrangelo Edessa"/>
+        <a:font script="Sora" typeface="Nirmala UI"/>
+        <a:font script="Tale" typeface="Microsoft Tai Le"/>
+        <a:font script="Talu" typeface="Microsoft New Tai Lue"/>
+        <a:font script="Tfng" typeface="Ebrima"/>
+      </a:majorFont>
+      <a:minorFont>
+        <a:latin typeface="Calibri" panose="020F0502020204030204"/>
+        <a:ea typeface=""/>
+        <a:cs typeface=""/>
+        <a:font script="Jpan" typeface="游ゴシック"/>
+        <a:font script="Hang" typeface="맑은 고딕"/>
+        <a:font script="Hans" typeface="等线"/>
+        <a:font script="Hant" typeface="新細明體"/>
+        <a:font script="Arab" typeface="Arial"/>
+        <a:font script="Hebr" typeface="Arial"/>
+        <a:font script="Thai" typeface="Cordia New"/>
+        <a:font script="Ethi" typeface="Nyala"/>
+        <a:font script="Beng" typeface="Vrinda"/>
+        <a:font script="Gujr" typeface="Shruti"/>
+        <a:font script="Khmr" typeface="DaunPenh"/>
+        <a:font script="Knda" typeface="Tunga"/>
+        <a:font script="Guru" typeface="Raavi"/>
+        <a:font script="Cans" typeface="Euphemia"/>
+        <a:font script="Cher" typeface="Plantagenet Cherokee"/>
+        <a:font script="Yiii" typeface="Microsoft Yi Baiti"/>
+        <a:font script="Tibt" typeface="Microsoft Himalaya"/>
+        <a:font script="Thaa" typeface="MV Boli"/>
+        <a:font script="Deva" typeface="Mangal"/>
+        <a:font script="Telu" typeface="Gautami"/>
+        <a:font script="Taml" typeface="Latha"/>
+        <a:font script="Syrc" typeface="Estrangelo Edessa"/>
+        <a:font script="Orya" typeface="Kalinga"/>
+        <a:font script="Mlym" typeface="Kartika"/>
+        <a:font script="Laoo" typeface="DokChampa"/>
+        <a:font script="Sinh" typeface="Iskoola Pota"/>
+        <a:font script="Mong" typeface="Mongolian Baiti"/>
+        <a:font script="Viet" typeface="Arial"/>
+        <a:font script="Uigh" typeface="Microsoft Uighur"/>
+        <a:font script="Geor" typeface="Sylfaen"/>
+        <a:font script="Armn" typeface="Arial"/>
+        <a:font script="Bugi" typeface="Leelawadee UI"/>
+        <a:font script="Bopo" typeface="Microsoft JhengHei"/>
+        <a:font script="Java" typeface="Javanese Text"/>
+        <a:font script="Lisu" typeface="Segoe UI"/>
+        <a:font script="Mymr" typeface="Myanmar Text"/>
+        <a:font script="Nkoo" typeface="Ebrima"/>
+        <a:font script="Olck" typeface="Nirmala UI"/>
+        <a:font script="Osma" typeface="Ebrima"/>
+        <a:font script="Phag" typeface="Phagspa"/>
+        <a:font script="Syrn" typeface="Estrangelo Edessa"/>
+        <a:font script="Syrj" typeface="Estrangelo Edessa"/>
+        <a:font script="Syre" typeface="Estrangelo Edessa"/>
+        <a:font script="Sora" typeface="Nirmala UI"/>
+        <a:font script="Tale" typeface="Microsoft Tai Le"/>
+        <a:font script="Talu" typeface="Microsoft New Tai Lue"/>
+        <a:font script="Tfng" typeface="Ebrima"/>
+      </a:minorFont>
+    </a:fontScheme>
+    <a:fmtScheme name="Office">
+      <a:fillStyleLst>
+        <a:solidFill>
+          <a:schemeClr val="phClr"/>
+        </a:solidFill>
+        <a:gradFill rotWithShape="1">
+          <a:gsLst>
+            <a:gs pos="0">
+              <a:schemeClr val="phClr">
+                <a:lumMod val="110000"/>
+                <a:satMod val="105000"/>
+                <a:tint val="67000"/>
+              </a:schemeClr>
+            </a:gs>
+            <a:gs pos="50000">
+              <a:schemeClr val="phClr">
+                <a:lumMod val="105000"/>
+                <a:satMod val="103000"/>
+                <a:tint val="73000"/>
+              </a:schemeClr>
+            </a:gs>
+            <a:gs pos="100000">
+              <a:schemeClr val="phClr">
+                <a:lumMod val="105000"/>
+                <a:satMod val="109000"/>
+                <a:tint val="81000"/>
+              </a:schemeClr>
+            </a:gs>
+          </a:gsLst>
+          <a:lin ang="5400000" scaled="0"/>
+        </a:gradFill>
+        <a:gradFill rotWithShape="1">
+          <a:gsLst>
+            <a:gs pos="0">
+              <a:schemeClr val="phClr">
+                <a:satMod val="103000"/>
+                <a:lumMod val="102000"/>
+                <a:tint val="94000"/>
+              </a:schemeClr>
+            </a:gs>
+            <a:gs pos="50000">
+              <a:schemeClr val="phClr">
+                <a:satMod val="110000"/>
+                <a:lumMod val="100000"/>
+                <a:shade val="100000"/>
+              </a:schemeClr>
+            </a:gs>
+            <a:gs pos="100000">
+              <a:schemeClr val="phClr">
+                <a:lumMod val="99000"/>
+                <a:satMod val="120000"/>
+                <a:shade val="78000"/>
+              </a:schemeClr>
+            </a:gs>
+          </a:gsLst>
+          <a:lin ang="5400000" scaled="0"/>
+        </a:gradFill>
+      </a:fillStyleLst>
+      <a:lnStyleLst>
+        <a:ln w="6350" cap="flat" cmpd="sng" algn="ctr">
+          <a:solidFill>
+            <a:schemeClr val="phClr"/>
+          </a:solidFill>
+          <a:prstDash val="solid"/>
+          <a:miter lim="800000"/>
+        </a:ln>
+        <a:ln w="12700" cap="flat" cmpd="sng" algn="ctr">
+          <a:solidFill>
+            <a:schemeClr val="phClr"/>
+          </a:solidFill>
+          <a:prstDash val="solid"/>
+          <a:miter lim="800000"/>
+        </a:ln>
+        <a:ln w="19050" cap="flat" cmpd="sng" algn="ctr">
+          <a:solidFill>
+            <a:schemeClr val="phClr"/>
+          </a:solidFill>
+          <a:prstDash val="solid"/>
+          <a:miter lim="800000"/>
+        </a:ln>
+      </a:lnStyleLst>
+      <a:effectStyleLst>
+        <a:effectStyle>
+          <a:effectLst/>
+        </a:effectStyle>
+        <a:effectStyle>
+          <a:effectLst/>
+        </a:effectStyle>
+        <a:effectStyle>
+          <a:effectLst>
+            <a:outerShdw blurRad="57150" dist="19050" dir="5400000" algn="ctr" rotWithShape="0">
+              <a:srgbClr val="000000">
+                <a:alpha val="63000"/>
+              </a:srgbClr>
+            </a:outerShdw>
+          </a:effectLst>
+        </a:effectStyle>
+      </a:effectStyleLst>
+      <a:bgFillStyleLst>
+        <a:solidFill>
+          <a:schemeClr val="phClr"/>
+        </a:solidFill>
+        <a:solidFill>
+          <a:schemeClr val="phClr">
+            <a:tint val="95000"/>
+            <a:satMod val="170000"/>
+          </a:schemeClr>
+        </a:solidFill>
+        <a:gradFill rotWithShape="1">
+          <a:gsLst>
+            <a:gs pos="0">
+              <a:schemeClr val="phClr">
+                <a:tint val="93000"/>
+                <a:satMod val="150000"/>
+                <a:shade val="98000"/>
+                <a:lumMod val="102000"/>
+              </a:schemeClr>
+            </a:gs>
+            <a:gs pos="50000">
+              <a:schemeClr val="phClr">
+                <a:tint val="98000"/>
+                <a:satMod val="130000"/>
+                <a:shade val="90000"/>
+                <a:lumMod val="103000"/>
+              </a:schemeClr>
+            </a:gs>
+            <a:gs pos="100000">
+              <a:schemeClr val="phClr">
+                <a:shade val="63000"/>
+                <a:satMod val="120000"/>
+              </a:schemeClr>
+            </a:gs>
+          </a:gsLst>
+          <a:lin ang="5400000" scaled="0"/>
+        </a:gradFill>
+      </a:bgFillStyleLst>
+    </a:fmtScheme>
+  </a:themeElements>
+  <a:objectDefaults/>
+  <a:extraClrSchemeLst/>
+  <a:extLst>
+    <a:ext uri="{05A4C25C-085E-4340-85A3-A5531E510DB2}">
+      <thm15:themeFamily xmlns:thm15="http://schemas.microsoft.com/office/thememl/2012/main" name="Office Theme" id="{62F939B6-93AF-4DB8-9C6B-D6C7DFDC589F}" vid="{4A3C46E8-61CC-4603-A589-7422A47A8E4A}"/>
+    </a:ext>
+  </a:extLst>
+</a:theme>
 </file>
--- a/Presentation/Vehicle Intersection Control Presentation.pptx
+++ b/Presentation/Vehicle Intersection Control Presentation.pptx
@@ -5,7 +5,7 @@
     <p:sldMasterId id="2147483759" r:id="rId1"/>
   </p:sldMasterIdLst>
   <p:notesMasterIdLst>
-    <p:notesMasterId r:id="rId14"/>
+    <p:notesMasterId r:id="rId15"/>
   </p:notesMasterIdLst>
   <p:sldIdLst>
     <p:sldId id="279" r:id="rId2"/>
@@ -16,10 +16,11 @@
     <p:sldId id="287" r:id="rId7"/>
     <p:sldId id="288" r:id="rId8"/>
     <p:sldId id="289" r:id="rId9"/>
-    <p:sldId id="290" r:id="rId10"/>
-    <p:sldId id="291" r:id="rId11"/>
-    <p:sldId id="281" r:id="rId12"/>
-    <p:sldId id="282" r:id="rId13"/>
+    <p:sldId id="292" r:id="rId10"/>
+    <p:sldId id="290" r:id="rId11"/>
+    <p:sldId id="291" r:id="rId12"/>
+    <p:sldId id="281" r:id="rId13"/>
+    <p:sldId id="282" r:id="rId14"/>
   </p:sldIdLst>
   <p:sldSz cx="12192000" cy="6858000"/>
   <p:notesSz cx="6858000" cy="9144000"/>
@@ -303,7 +304,6 @@
               <a:rPr lang="en-US"/>
               <a:t>Fifth level</a:t>
             </a:r>
-            <a:endParaRPr lang="en-US"/>
           </a:p>
         </p:txBody>
       </p:sp>
@@ -10397,6 +10397,784 @@
   <p:cSld>
     <p:spTree>
       <p:nvGrpSpPr>
+        <p:cNvPr id="1" name="Shape 169"/>
+        <p:cNvGrpSpPr/>
+        <p:nvPr/>
+      </p:nvGrpSpPr>
+      <p:grpSpPr>
+        <a:xfrm>
+          <a:off x="0" y="0"/>
+          <a:ext cx="0" cy="0"/>
+          <a:chOff x="0" y="0"/>
+          <a:chExt cx="0" cy="0"/>
+        </a:xfrm>
+      </p:grpSpPr>
+      <p:sp>
+        <p:nvSpPr>
+          <p:cNvPr id="170" name="Shape 170"/>
+          <p:cNvSpPr txBox="1">
+            <a:spLocks noGrp="1"/>
+          </p:cNvSpPr>
+          <p:nvPr>
+            <p:ph type="title"/>
+          </p:nvPr>
+        </p:nvSpPr>
+        <p:spPr>
+          <a:xfrm>
+            <a:off x="1251678" y="382385"/>
+            <a:ext cx="10178322" cy="1492132"/>
+          </a:xfrm>
+          <a:prstGeom prst="rect">
+            <a:avLst/>
+          </a:prstGeom>
+          <a:noFill/>
+          <a:ln>
+            <a:noFill/>
+          </a:ln>
+        </p:spPr>
+        <p:txBody>
+          <a:bodyPr lIns="91425" tIns="45700" rIns="91425" bIns="45700" anchor="ctr" anchorCtr="0">
+            <a:noAutofit/>
+          </a:bodyPr>
+          <a:lstStyle/>
+          <a:p>
+            <a:pPr marL="0" marR="0" lvl="0" indent="0" algn="l" rtl="0">
+              <a:lnSpc>
+                <a:spcPct val="90000"/>
+              </a:lnSpc>
+              <a:spcBef>
+                <a:spcPts val="0"/>
+              </a:spcBef>
+              <a:buClr>
+                <a:schemeClr val="dk2"/>
+              </a:buClr>
+              <a:buSzPct val="25000"/>
+              <a:buFont typeface="Impact"/>
+              <a:buNone/>
+            </a:pPr>
+            <a:r>
+              <a:rPr lang="en-CA" sz="5100" b="0" i="0" u="none" strike="noStrike" cap="none">
+                <a:solidFill>
+                  <a:schemeClr val="dk2"/>
+                </a:solidFill>
+                <a:latin typeface="Impact"/>
+                <a:ea typeface="Impact"/>
+                <a:cs typeface="Impact"/>
+                <a:sym typeface="Impact"/>
+              </a:rPr>
+              <a:t>COST</a:t>
+            </a:r>
+          </a:p>
+        </p:txBody>
+      </p:sp>
+      <p:graphicFrame>
+        <p:nvGraphicFramePr>
+          <p:cNvPr id="171" name="Shape 171"/>
+          <p:cNvGraphicFramePr/>
+          <p:nvPr/>
+        </p:nvGraphicFramePr>
+        <p:xfrm>
+          <a:off x="1187487" y="1574025"/>
+          <a:ext cx="9308575" cy="4713655"/>
+        </p:xfrm>
+        <a:graphic>
+          <a:graphicData uri="http://schemas.openxmlformats.org/drawingml/2006/table">
+            <a:tbl>
+              <a:tblPr>
+                <a:noFill/>
+              </a:tblPr>
+              <a:tblGrid>
+                <a:gridCol w="2576675">
+                  <a:extLst>
+                    <a:ext uri="{9D8B030D-6E8A-4147-A177-3AD203B41FA5}">
+                      <a16:colId xmlns:a16="http://schemas.microsoft.com/office/drawing/2014/main" val="20000"/>
+                    </a:ext>
+                  </a:extLst>
+                </a:gridCol>
+                <a:gridCol w="2576675">
+                  <a:extLst>
+                    <a:ext uri="{9D8B030D-6E8A-4147-A177-3AD203B41FA5}">
+                      <a16:colId xmlns:a16="http://schemas.microsoft.com/office/drawing/2014/main" val="20001"/>
+                    </a:ext>
+                  </a:extLst>
+                </a:gridCol>
+                <a:gridCol w="2576675">
+                  <a:extLst>
+                    <a:ext uri="{9D8B030D-6E8A-4147-A177-3AD203B41FA5}">
+                      <a16:colId xmlns:a16="http://schemas.microsoft.com/office/drawing/2014/main" val="20002"/>
+                    </a:ext>
+                  </a:extLst>
+                </a:gridCol>
+                <a:gridCol w="1578550">
+                  <a:extLst>
+                    <a:ext uri="{9D8B030D-6E8A-4147-A177-3AD203B41FA5}">
+                      <a16:colId xmlns:a16="http://schemas.microsoft.com/office/drawing/2014/main" val="20003"/>
+                    </a:ext>
+                  </a:extLst>
+                </a:gridCol>
+              </a:tblGrid>
+              <a:tr h="425175">
+                <a:tc>
+                  <a:txBody>
+                    <a:bodyPr/>
+                    <a:lstStyle/>
+                    <a:p>
+                      <a:pPr lvl="0">
+                        <a:spcBef>
+                          <a:spcPts val="0"/>
+                        </a:spcBef>
+                        <a:buNone/>
+                      </a:pPr>
+                      <a:r>
+                        <a:rPr lang="en-CA" b="1"/>
+                        <a:t>PART </a:t>
+                      </a:r>
+                    </a:p>
+                  </a:txBody>
+                  <a:tcPr marL="91425" marR="91425" marT="91425" marB="91425"/>
+                </a:tc>
+                <a:tc>
+                  <a:txBody>
+                    <a:bodyPr/>
+                    <a:lstStyle/>
+                    <a:p>
+                      <a:pPr lvl="0">
+                        <a:spcBef>
+                          <a:spcPts val="0"/>
+                        </a:spcBef>
+                        <a:buNone/>
+                      </a:pPr>
+                      <a:r>
+                        <a:rPr lang="en-CA" b="1"/>
+                        <a:t>QUANTITY </a:t>
+                      </a:r>
+                    </a:p>
+                  </a:txBody>
+                  <a:tcPr marL="91425" marR="91425" marT="91425" marB="91425"/>
+                </a:tc>
+                <a:tc>
+                  <a:txBody>
+                    <a:bodyPr/>
+                    <a:lstStyle/>
+                    <a:p>
+                      <a:pPr lvl="0">
+                        <a:spcBef>
+                          <a:spcPts val="0"/>
+                        </a:spcBef>
+                        <a:buNone/>
+                      </a:pPr>
+                      <a:r>
+                        <a:rPr lang="en-CA" b="1"/>
+                        <a:t>PRICE ($)</a:t>
+                      </a:r>
+                    </a:p>
+                  </a:txBody>
+                  <a:tcPr marL="91425" marR="91425" marT="91425" marB="91425"/>
+                </a:tc>
+                <a:tc>
+                  <a:txBody>
+                    <a:bodyPr/>
+                    <a:lstStyle/>
+                    <a:p>
+                      <a:pPr lvl="0">
+                        <a:spcBef>
+                          <a:spcPts val="0"/>
+                        </a:spcBef>
+                        <a:buNone/>
+                      </a:pPr>
+                      <a:r>
+                        <a:rPr lang="en-CA" b="1"/>
+                        <a:t>TOTAL ($)</a:t>
+                      </a:r>
+                    </a:p>
+                  </a:txBody>
+                  <a:tcPr marL="91425" marR="91425" marT="91425" marB="91425"/>
+                </a:tc>
+                <a:extLst>
+                  <a:ext uri="{0D108BD9-81ED-4DB2-BD59-A6C34878D82A}">
+                    <a16:rowId xmlns:a16="http://schemas.microsoft.com/office/drawing/2014/main" val="10000"/>
+                  </a:ext>
+                </a:extLst>
+              </a:tr>
+              <a:tr h="642875">
+                <a:tc>
+                  <a:txBody>
+                    <a:bodyPr/>
+                    <a:lstStyle/>
+                    <a:p>
+                      <a:pPr lvl="0">
+                        <a:spcBef>
+                          <a:spcPts val="0"/>
+                        </a:spcBef>
+                        <a:buNone/>
+                      </a:pPr>
+                      <a:r>
+                        <a:rPr lang="en-CA"/>
+                        <a:t>RC Car</a:t>
+                      </a:r>
+                    </a:p>
+                    <a:p>
+                      <a:pPr lvl="0">
+                        <a:spcBef>
+                          <a:spcPts val="0"/>
+                        </a:spcBef>
+                        <a:buNone/>
+                      </a:pPr>
+                      <a:r>
+                        <a:rPr lang="en-CA"/>
+                        <a:t>(w/ servo &amp; speed controller)</a:t>
+                      </a:r>
+                    </a:p>
+                  </a:txBody>
+                  <a:tcPr marL="91425" marR="91425" marT="91425" marB="91425"/>
+                </a:tc>
+                <a:tc>
+                  <a:txBody>
+                    <a:bodyPr/>
+                    <a:lstStyle/>
+                    <a:p>
+                      <a:pPr lvl="0">
+                        <a:spcBef>
+                          <a:spcPts val="0"/>
+                        </a:spcBef>
+                        <a:buNone/>
+                      </a:pPr>
+                      <a:r>
+                        <a:rPr lang="en-CA"/>
+                        <a:t>2</a:t>
+                      </a:r>
+                    </a:p>
+                  </a:txBody>
+                  <a:tcPr marL="91425" marR="91425" marT="91425" marB="91425"/>
+                </a:tc>
+                <a:tc>
+                  <a:txBody>
+                    <a:bodyPr/>
+                    <a:lstStyle/>
+                    <a:p>
+                      <a:pPr lvl="0">
+                        <a:spcBef>
+                          <a:spcPts val="0"/>
+                        </a:spcBef>
+                        <a:buNone/>
+                      </a:pPr>
+                      <a:r>
+                        <a:rPr lang="en-CA"/>
+                        <a:t>240</a:t>
+                      </a:r>
+                    </a:p>
+                  </a:txBody>
+                  <a:tcPr marL="91425" marR="91425" marT="91425" marB="91425"/>
+                </a:tc>
+                <a:tc>
+                  <a:txBody>
+                    <a:bodyPr/>
+                    <a:lstStyle/>
+                    <a:p>
+                      <a:pPr lvl="0" algn="ctr">
+                        <a:spcBef>
+                          <a:spcPts val="0"/>
+                        </a:spcBef>
+                        <a:buNone/>
+                      </a:pPr>
+                      <a:r>
+                        <a:rPr lang="en-CA"/>
+                        <a:t>480</a:t>
+                      </a:r>
+                    </a:p>
+                  </a:txBody>
+                  <a:tcPr marL="91425" marR="91425" marT="91425" marB="91425"/>
+                </a:tc>
+                <a:extLst>
+                  <a:ext uri="{0D108BD9-81ED-4DB2-BD59-A6C34878D82A}">
+                    <a16:rowId xmlns:a16="http://schemas.microsoft.com/office/drawing/2014/main" val="10001"/>
+                  </a:ext>
+                </a:extLst>
+              </a:tr>
+              <a:tr h="642900">
+                <a:tc>
+                  <a:txBody>
+                    <a:bodyPr/>
+                    <a:lstStyle/>
+                    <a:p>
+                      <a:pPr lvl="0">
+                        <a:spcBef>
+                          <a:spcPts val="0"/>
+                        </a:spcBef>
+                        <a:buClr>
+                          <a:schemeClr val="dk1"/>
+                        </a:buClr>
+                        <a:buSzPct val="78571"/>
+                        <a:buFont typeface="Arial"/>
+                        <a:buNone/>
+                      </a:pPr>
+                      <a:r>
+                        <a:rPr lang="en-CA">
+                          <a:solidFill>
+                            <a:schemeClr val="dk1"/>
+                          </a:solidFill>
+                        </a:rPr>
+                        <a:t>3300 mAh 7.2 V battery</a:t>
+                      </a:r>
+                    </a:p>
+                  </a:txBody>
+                  <a:tcPr marL="91425" marR="91425" marT="91425" marB="91425"/>
+                </a:tc>
+                <a:tc>
+                  <a:txBody>
+                    <a:bodyPr/>
+                    <a:lstStyle/>
+                    <a:p>
+                      <a:pPr lvl="0">
+                        <a:spcBef>
+                          <a:spcPts val="0"/>
+                        </a:spcBef>
+                        <a:buNone/>
+                      </a:pPr>
+                      <a:r>
+                        <a:rPr lang="en-CA"/>
+                        <a:t>2</a:t>
+                      </a:r>
+                    </a:p>
+                  </a:txBody>
+                  <a:tcPr marL="91425" marR="91425" marT="91425" marB="91425"/>
+                </a:tc>
+                <a:tc>
+                  <a:txBody>
+                    <a:bodyPr/>
+                    <a:lstStyle/>
+                    <a:p>
+                      <a:pPr lvl="0">
+                        <a:spcBef>
+                          <a:spcPts val="0"/>
+                        </a:spcBef>
+                        <a:buNone/>
+                      </a:pPr>
+                      <a:r>
+                        <a:rPr lang="en-CA"/>
+                        <a:t>30</a:t>
+                      </a:r>
+                    </a:p>
+                  </a:txBody>
+                  <a:tcPr marL="91425" marR="91425" marT="91425" marB="91425"/>
+                </a:tc>
+                <a:tc>
+                  <a:txBody>
+                    <a:bodyPr/>
+                    <a:lstStyle/>
+                    <a:p>
+                      <a:pPr lvl="0" algn="ctr">
+                        <a:spcBef>
+                          <a:spcPts val="0"/>
+                        </a:spcBef>
+                        <a:buNone/>
+                      </a:pPr>
+                      <a:r>
+                        <a:rPr lang="en-CA"/>
+                        <a:t>60</a:t>
+                      </a:r>
+                    </a:p>
+                  </a:txBody>
+                  <a:tcPr marL="91425" marR="91425" marT="91425" marB="91425"/>
+                </a:tc>
+                <a:extLst>
+                  <a:ext uri="{0D108BD9-81ED-4DB2-BD59-A6C34878D82A}">
+                    <a16:rowId xmlns:a16="http://schemas.microsoft.com/office/drawing/2014/main" val="10002"/>
+                  </a:ext>
+                </a:extLst>
+              </a:tr>
+              <a:tr h="626175">
+                <a:tc>
+                  <a:txBody>
+                    <a:bodyPr/>
+                    <a:lstStyle/>
+                    <a:p>
+                      <a:pPr lvl="0">
+                        <a:spcBef>
+                          <a:spcPts val="0"/>
+                        </a:spcBef>
+                        <a:buNone/>
+                      </a:pPr>
+                      <a:r>
+                        <a:rPr lang="en-CA"/>
+                        <a:t>Battery charger</a:t>
+                      </a:r>
+                    </a:p>
+                  </a:txBody>
+                  <a:tcPr marL="91425" marR="91425" marT="91425" marB="91425"/>
+                </a:tc>
+                <a:tc>
+                  <a:txBody>
+                    <a:bodyPr/>
+                    <a:lstStyle/>
+                    <a:p>
+                      <a:pPr lvl="0">
+                        <a:spcBef>
+                          <a:spcPts val="0"/>
+                        </a:spcBef>
+                        <a:buNone/>
+                      </a:pPr>
+                      <a:r>
+                        <a:rPr lang="en-CA"/>
+                        <a:t>1</a:t>
+                      </a:r>
+                    </a:p>
+                  </a:txBody>
+                  <a:tcPr marL="91425" marR="91425" marT="91425" marB="91425"/>
+                </a:tc>
+                <a:tc>
+                  <a:txBody>
+                    <a:bodyPr/>
+                    <a:lstStyle/>
+                    <a:p>
+                      <a:pPr lvl="0">
+                        <a:spcBef>
+                          <a:spcPts val="0"/>
+                        </a:spcBef>
+                        <a:buNone/>
+                      </a:pPr>
+                      <a:r>
+                        <a:rPr lang="en-CA"/>
+                        <a:t>30</a:t>
+                      </a:r>
+                    </a:p>
+                  </a:txBody>
+                  <a:tcPr marL="91425" marR="91425" marT="91425" marB="91425"/>
+                </a:tc>
+                <a:tc>
+                  <a:txBody>
+                    <a:bodyPr/>
+                    <a:lstStyle/>
+                    <a:p>
+                      <a:pPr lvl="0" algn="ctr">
+                        <a:spcBef>
+                          <a:spcPts val="0"/>
+                        </a:spcBef>
+                        <a:buNone/>
+                      </a:pPr>
+                      <a:r>
+                        <a:rPr lang="en-CA"/>
+                        <a:t>30</a:t>
+                      </a:r>
+                    </a:p>
+                  </a:txBody>
+                  <a:tcPr marL="91425" marR="91425" marT="91425" marB="91425"/>
+                </a:tc>
+                <a:extLst>
+                  <a:ext uri="{0D108BD9-81ED-4DB2-BD59-A6C34878D82A}">
+                    <a16:rowId xmlns:a16="http://schemas.microsoft.com/office/drawing/2014/main" val="10003"/>
+                  </a:ext>
+                </a:extLst>
+              </a:tr>
+              <a:tr h="659650">
+                <a:tc>
+                  <a:txBody>
+                    <a:bodyPr/>
+                    <a:lstStyle/>
+                    <a:p>
+                      <a:pPr lvl="0">
+                        <a:spcBef>
+                          <a:spcPts val="0"/>
+                        </a:spcBef>
+                        <a:buNone/>
+                      </a:pPr>
+                      <a:r>
+                        <a:rPr lang="en-CA"/>
+                        <a:t>Raspberry Pi 3 Model B</a:t>
+                      </a:r>
+                    </a:p>
+                  </a:txBody>
+                  <a:tcPr marL="91425" marR="91425" marT="91425" marB="91425"/>
+                </a:tc>
+                <a:tc>
+                  <a:txBody>
+                    <a:bodyPr/>
+                    <a:lstStyle/>
+                    <a:p>
+                      <a:pPr lvl="0">
+                        <a:spcBef>
+                          <a:spcPts val="0"/>
+                        </a:spcBef>
+                        <a:buNone/>
+                      </a:pPr>
+                      <a:r>
+                        <a:rPr lang="en-CA"/>
+                        <a:t>2</a:t>
+                      </a:r>
+                    </a:p>
+                  </a:txBody>
+                  <a:tcPr marL="91425" marR="91425" marT="91425" marB="91425"/>
+                </a:tc>
+                <a:tc>
+                  <a:txBody>
+                    <a:bodyPr/>
+                    <a:lstStyle/>
+                    <a:p>
+                      <a:pPr lvl="0">
+                        <a:spcBef>
+                          <a:spcPts val="0"/>
+                        </a:spcBef>
+                        <a:buNone/>
+                      </a:pPr>
+                      <a:r>
+                        <a:rPr lang="en-CA"/>
+                        <a:t>60</a:t>
+                      </a:r>
+                    </a:p>
+                  </a:txBody>
+                  <a:tcPr marL="91425" marR="91425" marT="91425" marB="91425"/>
+                </a:tc>
+                <a:tc>
+                  <a:txBody>
+                    <a:bodyPr/>
+                    <a:lstStyle/>
+                    <a:p>
+                      <a:pPr lvl="0" algn="ctr">
+                        <a:spcBef>
+                          <a:spcPts val="0"/>
+                        </a:spcBef>
+                        <a:buNone/>
+                      </a:pPr>
+                      <a:r>
+                        <a:rPr lang="en-CA"/>
+                        <a:t>120</a:t>
+                      </a:r>
+                    </a:p>
+                  </a:txBody>
+                  <a:tcPr marL="91425" marR="91425" marT="91425" marB="91425"/>
+                </a:tc>
+                <a:extLst>
+                  <a:ext uri="{0D108BD9-81ED-4DB2-BD59-A6C34878D82A}">
+                    <a16:rowId xmlns:a16="http://schemas.microsoft.com/office/drawing/2014/main" val="10004"/>
+                  </a:ext>
+                </a:extLst>
+              </a:tr>
+              <a:tr h="687100">
+                <a:tc>
+                  <a:txBody>
+                    <a:bodyPr/>
+                    <a:lstStyle/>
+                    <a:p>
+                      <a:pPr lvl="0">
+                        <a:spcBef>
+                          <a:spcPts val="0"/>
+                        </a:spcBef>
+                        <a:buNone/>
+                      </a:pPr>
+                      <a:r>
+                        <a:rPr lang="en-CA"/>
+                        <a:t>Voltage regulator</a:t>
+                      </a:r>
+                    </a:p>
+                  </a:txBody>
+                  <a:tcPr marL="91425" marR="91425" marT="91425" marB="91425"/>
+                </a:tc>
+                <a:tc>
+                  <a:txBody>
+                    <a:bodyPr/>
+                    <a:lstStyle/>
+                    <a:p>
+                      <a:pPr lvl="0">
+                        <a:spcBef>
+                          <a:spcPts val="0"/>
+                        </a:spcBef>
+                        <a:buNone/>
+                      </a:pPr>
+                      <a:r>
+                        <a:rPr lang="en-CA"/>
+                        <a:t>3</a:t>
+                      </a:r>
+                    </a:p>
+                  </a:txBody>
+                  <a:tcPr marL="91425" marR="91425" marT="91425" marB="91425"/>
+                </a:tc>
+                <a:tc>
+                  <a:txBody>
+                    <a:bodyPr/>
+                    <a:lstStyle/>
+                    <a:p>
+                      <a:pPr lvl="0">
+                        <a:spcBef>
+                          <a:spcPts val="0"/>
+                        </a:spcBef>
+                        <a:buNone/>
+                      </a:pPr>
+                      <a:r>
+                        <a:rPr lang="en-CA"/>
+                        <a:t>1.50</a:t>
+                      </a:r>
+                    </a:p>
+                  </a:txBody>
+                  <a:tcPr marL="91425" marR="91425" marT="91425" marB="91425"/>
+                </a:tc>
+                <a:tc>
+                  <a:txBody>
+                    <a:bodyPr/>
+                    <a:lstStyle/>
+                    <a:p>
+                      <a:pPr lvl="0" algn="ctr" rtl="0">
+                        <a:spcBef>
+                          <a:spcPts val="0"/>
+                        </a:spcBef>
+                        <a:buNone/>
+                      </a:pPr>
+                      <a:r>
+                        <a:rPr lang="en-CA"/>
+                        <a:t>4.5</a:t>
+                      </a:r>
+                    </a:p>
+                  </a:txBody>
+                  <a:tcPr marL="91425" marR="91425" marT="91425" marB="91425"/>
+                </a:tc>
+                <a:extLst>
+                  <a:ext uri="{0D108BD9-81ED-4DB2-BD59-A6C34878D82A}">
+                    <a16:rowId xmlns:a16="http://schemas.microsoft.com/office/drawing/2014/main" val="10005"/>
+                  </a:ext>
+                </a:extLst>
+              </a:tr>
+              <a:tr h="634850">
+                <a:tc>
+                  <a:txBody>
+                    <a:bodyPr/>
+                    <a:lstStyle/>
+                    <a:p>
+                      <a:pPr lvl="0">
+                        <a:spcBef>
+                          <a:spcPts val="0"/>
+                        </a:spcBef>
+                        <a:buNone/>
+                      </a:pPr>
+                      <a:r>
+                        <a:rPr lang="en-CA"/>
+                        <a:t>Hall  Effect sensor</a:t>
+                      </a:r>
+                    </a:p>
+                  </a:txBody>
+                  <a:tcPr marL="91425" marR="91425" marT="91425" marB="91425"/>
+                </a:tc>
+                <a:tc>
+                  <a:txBody>
+                    <a:bodyPr/>
+                    <a:lstStyle/>
+                    <a:p>
+                      <a:pPr lvl="0">
+                        <a:spcBef>
+                          <a:spcPts val="0"/>
+                        </a:spcBef>
+                        <a:buNone/>
+                      </a:pPr>
+                      <a:r>
+                        <a:rPr lang="en-CA"/>
+                        <a:t>3</a:t>
+                      </a:r>
+                    </a:p>
+                  </a:txBody>
+                  <a:tcPr marL="91425" marR="91425" marT="91425" marB="91425"/>
+                </a:tc>
+                <a:tc>
+                  <a:txBody>
+                    <a:bodyPr/>
+                    <a:lstStyle/>
+                    <a:p>
+                      <a:pPr lvl="0" rtl="0">
+                        <a:spcBef>
+                          <a:spcPts val="0"/>
+                        </a:spcBef>
+                        <a:buNone/>
+                      </a:pPr>
+                      <a:r>
+                        <a:rPr lang="en-CA"/>
+                        <a:t>1.70</a:t>
+                      </a:r>
+                    </a:p>
+                  </a:txBody>
+                  <a:tcPr marL="91425" marR="91425" marT="91425" marB="91425"/>
+                </a:tc>
+                <a:tc>
+                  <a:txBody>
+                    <a:bodyPr/>
+                    <a:lstStyle/>
+                    <a:p>
+                      <a:pPr lvl="0" algn="ctr" rtl="0">
+                        <a:spcBef>
+                          <a:spcPts val="0"/>
+                        </a:spcBef>
+                        <a:buNone/>
+                      </a:pPr>
+                      <a:r>
+                        <a:rPr lang="en-CA"/>
+                        <a:t>5.1</a:t>
+                      </a:r>
+                    </a:p>
+                  </a:txBody>
+                  <a:tcPr marL="91425" marR="91425" marT="91425" marB="91425"/>
+                </a:tc>
+                <a:extLst>
+                  <a:ext uri="{0D108BD9-81ED-4DB2-BD59-A6C34878D82A}">
+                    <a16:rowId xmlns:a16="http://schemas.microsoft.com/office/drawing/2014/main" val="10006"/>
+                  </a:ext>
+                </a:extLst>
+              </a:tr>
+            </a:tbl>
+          </a:graphicData>
+        </a:graphic>
+      </p:graphicFrame>
+      <p:sp>
+        <p:nvSpPr>
+          <p:cNvPr id="172" name="Shape 172"/>
+          <p:cNvSpPr txBox="1"/>
+          <p:nvPr/>
+        </p:nvSpPr>
+        <p:spPr>
+          <a:xfrm>
+            <a:off x="8929450" y="5899025"/>
+            <a:ext cx="2575800" cy="375600"/>
+          </a:xfrm>
+          <a:prstGeom prst="rect">
+            <a:avLst/>
+          </a:prstGeom>
+          <a:noFill/>
+          <a:ln>
+            <a:noFill/>
+          </a:ln>
+        </p:spPr>
+        <p:txBody>
+          <a:bodyPr lIns="91425" tIns="91425" rIns="91425" bIns="91425" anchor="t" anchorCtr="0">
+            <a:noAutofit/>
+          </a:bodyPr>
+          <a:lstStyle/>
+          <a:p>
+            <a:pPr lvl="0">
+              <a:spcBef>
+                <a:spcPts val="0"/>
+              </a:spcBef>
+              <a:buNone/>
+            </a:pPr>
+            <a:r>
+              <a:rPr lang="en-CA" b="1"/>
+              <a:t>Total:  700</a:t>
+            </a:r>
+          </a:p>
+        </p:txBody>
+      </p:sp>
+    </p:spTree>
+    <p:extLst>
+      <p:ext uri="{BB962C8B-B14F-4D97-AF65-F5344CB8AC3E}">
+        <p14:creationId xmlns:p14="http://schemas.microsoft.com/office/powerpoint/2010/main" val="2416161344"/>
+      </p:ext>
+    </p:extLst>
+  </p:cSld>
+  <p:clrMapOvr>
+    <a:masterClrMapping/>
+  </p:clrMapOvr>
+</p:sld>
+</file>
+
+<file path=ppt/slides/slide11.xml><?xml version="1.0" encoding="utf-8"?>
+<p:sld xmlns:a="http://schemas.openxmlformats.org/drawingml/2006/main" xmlns:r="http://schemas.openxmlformats.org/officeDocument/2006/relationships" xmlns:p="http://schemas.openxmlformats.org/presentationml/2006/main">
+  <p:cSld>
+    <p:spTree>
+      <p:nvGrpSpPr>
         <p:cNvPr id="1" name="Shape 176"/>
         <p:cNvGrpSpPr/>
         <p:nvPr/>
@@ -10778,7 +11556,7 @@
 </p:sld>
 </file>
 
-<file path=ppt/slides/slide11.xml><?xml version="1.0" encoding="utf-8"?>
+<file path=ppt/slides/slide12.xml><?xml version="1.0" encoding="utf-8"?>
 <p:sld xmlns:a="http://schemas.openxmlformats.org/drawingml/2006/main" xmlns:r="http://schemas.openxmlformats.org/officeDocument/2006/relationships" xmlns:p="http://schemas.openxmlformats.org/presentationml/2006/main">
   <p:cSld>
     <p:spTree>
@@ -13742,7 +14520,7 @@
 </p:sld>
 </file>
 
-<file path=ppt/slides/slide12.xml><?xml version="1.0" encoding="utf-8"?>
+<file path=ppt/slides/slide13.xml><?xml version="1.0" encoding="utf-8"?>
 <p:sld xmlns:a="http://schemas.openxmlformats.org/drawingml/2006/main" xmlns:r="http://schemas.openxmlformats.org/officeDocument/2006/relationships" xmlns:p="http://schemas.openxmlformats.org/presentationml/2006/main">
   <p:cSld>
     <p:spTree>
@@ -16369,11 +17147,21 @@
 </file>
 
 <file path=ppt/slides/slide9.xml><?xml version="1.0" encoding="utf-8"?>
-<p:sld xmlns:a="http://schemas.openxmlformats.org/drawingml/2006/main" xmlns:r="http://schemas.openxmlformats.org/officeDocument/2006/relationships" xmlns:p="http://schemas.openxmlformats.org/presentationml/2006/main">
+<p:sld xmlns:a="http://schemas.openxmlformats.org/drawingml/2006/main" xmlns:r="http://schemas.openxmlformats.org/officeDocument/2006/relationships" xmlns:p="http://schemas.openxmlformats.org/presentationml/2006/main" showMasterSp="0">
   <p:cSld>
+    <p:bg>
+      <p:bgPr>
+        <a:solidFill>
+          <a:schemeClr val="bg1">
+            <a:lumMod val="85000"/>
+          </a:schemeClr>
+        </a:solidFill>
+        <a:effectLst/>
+      </p:bgPr>
+    </p:bg>
     <p:spTree>
       <p:nvGrpSpPr>
-        <p:cNvPr id="1" name="Shape 169"/>
+        <p:cNvPr id="1" name=""/>
         <p:cNvGrpSpPr/>
         <p:nvPr/>
       </p:nvGrpSpPr>
@@ -16387,762 +17175,2222 @@
       </p:grpSpPr>
       <p:sp>
         <p:nvSpPr>
-          <p:cNvPr id="170" name="Shape 170"/>
-          <p:cNvSpPr txBox="1">
-            <a:spLocks noGrp="1"/>
-          </p:cNvSpPr>
-          <p:nvPr>
-            <p:ph type="title"/>
-          </p:nvPr>
+          <p:cNvPr id="5" name="Cross 4"/>
+          <p:cNvSpPr/>
+          <p:nvPr/>
         </p:nvSpPr>
         <p:spPr>
           <a:xfrm>
-            <a:off x="1251678" y="382385"/>
-            <a:ext cx="10178322" cy="1492132"/>
+            <a:off x="2262910" y="0"/>
+            <a:ext cx="7666182" cy="6858000"/>
+          </a:xfrm>
+          <a:prstGeom prst="plus">
+            <a:avLst/>
+          </a:prstGeom>
+          <a:solidFill>
+            <a:schemeClr val="tx1"/>
+          </a:solidFill>
+          <a:ln>
+            <a:noFill/>
+          </a:ln>
+        </p:spPr>
+        <p:style>
+          <a:lnRef idx="2">
+            <a:schemeClr val="accent1">
+              <a:shade val="50000"/>
+            </a:schemeClr>
+          </a:lnRef>
+          <a:fillRef idx="1">
+            <a:schemeClr val="accent1"/>
+          </a:fillRef>
+          <a:effectRef idx="0">
+            <a:schemeClr val="accent1"/>
+          </a:effectRef>
+          <a:fontRef idx="minor">
+            <a:schemeClr val="lt1"/>
+          </a:fontRef>
+        </p:style>
+        <p:txBody>
+          <a:bodyPr rtlCol="0" anchor="ctr"/>
+          <a:lstStyle/>
+          <a:p>
+            <a:pPr algn="ctr"/>
+            <a:endParaRPr lang="en-US"/>
+          </a:p>
+        </p:txBody>
+      </p:sp>
+      <p:sp>
+        <p:nvSpPr>
+          <p:cNvPr id="6" name="Rectangle 5"/>
+          <p:cNvSpPr/>
+          <p:nvPr/>
+        </p:nvSpPr>
+        <p:spPr>
+          <a:xfrm>
+            <a:off x="1" y="1715653"/>
+            <a:ext cx="2262910" cy="3426691"/>
           </a:xfrm>
           <a:prstGeom prst="rect">
             <a:avLst/>
           </a:prstGeom>
-          <a:noFill/>
+          <a:solidFill>
+            <a:schemeClr val="tx1"/>
+          </a:solidFill>
           <a:ln>
             <a:noFill/>
           </a:ln>
         </p:spPr>
+        <p:style>
+          <a:lnRef idx="2">
+            <a:schemeClr val="accent1">
+              <a:shade val="50000"/>
+            </a:schemeClr>
+          </a:lnRef>
+          <a:fillRef idx="1">
+            <a:schemeClr val="accent1"/>
+          </a:fillRef>
+          <a:effectRef idx="0">
+            <a:schemeClr val="accent1"/>
+          </a:effectRef>
+          <a:fontRef idx="minor">
+            <a:schemeClr val="lt1"/>
+          </a:fontRef>
+        </p:style>
         <p:txBody>
-          <a:bodyPr lIns="91425" tIns="45700" rIns="91425" bIns="45700" anchor="ctr" anchorCtr="0">
-            <a:noAutofit/>
-          </a:bodyPr>
+          <a:bodyPr rtlCol="0" anchor="ctr"/>
           <a:lstStyle/>
           <a:p>
-            <a:pPr marL="0" marR="0" lvl="0" indent="0" algn="l" rtl="0">
-              <a:lnSpc>
-                <a:spcPct val="90000"/>
-              </a:lnSpc>
-              <a:spcBef>
-                <a:spcPts val="0"/>
-              </a:spcBef>
-              <a:buClr>
-                <a:schemeClr val="dk2"/>
-              </a:buClr>
-              <a:buSzPct val="25000"/>
-              <a:buFont typeface="Impact"/>
-              <a:buNone/>
-            </a:pPr>
-            <a:r>
-              <a:rPr lang="en-CA" sz="5100" b="0" i="0" u="none" strike="noStrike" cap="none">
-                <a:solidFill>
-                  <a:schemeClr val="dk2"/>
-                </a:solidFill>
-                <a:latin typeface="Impact"/>
-                <a:ea typeface="Impact"/>
-                <a:cs typeface="Impact"/>
-                <a:sym typeface="Impact"/>
-              </a:rPr>
-              <a:t>COST</a:t>
-            </a:r>
+            <a:pPr algn="ctr"/>
+            <a:endParaRPr lang="en-US"/>
           </a:p>
         </p:txBody>
       </p:sp>
-      <p:graphicFrame>
-        <p:nvGraphicFramePr>
-          <p:cNvPr id="171" name="Shape 171"/>
-          <p:cNvGraphicFramePr/>
-          <p:nvPr/>
-        </p:nvGraphicFramePr>
-        <p:xfrm>
-          <a:off x="1187487" y="1574025"/>
-          <a:ext cx="9308575" cy="4713655"/>
-        </p:xfrm>
-        <a:graphic>
-          <a:graphicData uri="http://schemas.openxmlformats.org/drawingml/2006/table">
-            <a:tbl>
-              <a:tblPr>
-                <a:noFill/>
-              </a:tblPr>
-              <a:tblGrid>
-                <a:gridCol w="2576675">
-                  <a:extLst>
-                    <a:ext uri="{9D8B030D-6E8A-4147-A177-3AD203B41FA5}">
-                      <a16:colId xmlns:a16="http://schemas.microsoft.com/office/drawing/2014/main" val="20000"/>
-                    </a:ext>
-                  </a:extLst>
-                </a:gridCol>
-                <a:gridCol w="2576675">
-                  <a:extLst>
-                    <a:ext uri="{9D8B030D-6E8A-4147-A177-3AD203B41FA5}">
-                      <a16:colId xmlns:a16="http://schemas.microsoft.com/office/drawing/2014/main" val="20001"/>
-                    </a:ext>
-                  </a:extLst>
-                </a:gridCol>
-                <a:gridCol w="2576675">
-                  <a:extLst>
-                    <a:ext uri="{9D8B030D-6E8A-4147-A177-3AD203B41FA5}">
-                      <a16:colId xmlns:a16="http://schemas.microsoft.com/office/drawing/2014/main" val="20002"/>
-                    </a:ext>
-                  </a:extLst>
-                </a:gridCol>
-                <a:gridCol w="1578550">
-                  <a:extLst>
-                    <a:ext uri="{9D8B030D-6E8A-4147-A177-3AD203B41FA5}">
-                      <a16:colId xmlns:a16="http://schemas.microsoft.com/office/drawing/2014/main" val="20003"/>
-                    </a:ext>
-                  </a:extLst>
-                </a:gridCol>
-              </a:tblGrid>
-              <a:tr h="425175">
-                <a:tc>
-                  <a:txBody>
-                    <a:bodyPr/>
-                    <a:lstStyle/>
-                    <a:p>
-                      <a:pPr lvl="0">
-                        <a:spcBef>
-                          <a:spcPts val="0"/>
-                        </a:spcBef>
-                        <a:buNone/>
-                      </a:pPr>
-                      <a:r>
-                        <a:rPr lang="en-CA" b="1"/>
-                        <a:t>PART </a:t>
-                      </a:r>
-                    </a:p>
-                  </a:txBody>
-                  <a:tcPr marL="91425" marR="91425" marT="91425" marB="91425"/>
-                </a:tc>
-                <a:tc>
-                  <a:txBody>
-                    <a:bodyPr/>
-                    <a:lstStyle/>
-                    <a:p>
-                      <a:pPr lvl="0">
-                        <a:spcBef>
-                          <a:spcPts val="0"/>
-                        </a:spcBef>
-                        <a:buNone/>
-                      </a:pPr>
-                      <a:r>
-                        <a:rPr lang="en-CA" b="1"/>
-                        <a:t>QUANTITY </a:t>
-                      </a:r>
-                    </a:p>
-                  </a:txBody>
-                  <a:tcPr marL="91425" marR="91425" marT="91425" marB="91425"/>
-                </a:tc>
-                <a:tc>
-                  <a:txBody>
-                    <a:bodyPr/>
-                    <a:lstStyle/>
-                    <a:p>
-                      <a:pPr lvl="0">
-                        <a:spcBef>
-                          <a:spcPts val="0"/>
-                        </a:spcBef>
-                        <a:buNone/>
-                      </a:pPr>
-                      <a:r>
-                        <a:rPr lang="en-CA" b="1"/>
-                        <a:t>PRICE ($)</a:t>
-                      </a:r>
-                    </a:p>
-                  </a:txBody>
-                  <a:tcPr marL="91425" marR="91425" marT="91425" marB="91425"/>
-                </a:tc>
-                <a:tc>
-                  <a:txBody>
-                    <a:bodyPr/>
-                    <a:lstStyle/>
-                    <a:p>
-                      <a:pPr lvl="0">
-                        <a:spcBef>
-                          <a:spcPts val="0"/>
-                        </a:spcBef>
-                        <a:buNone/>
-                      </a:pPr>
-                      <a:r>
-                        <a:rPr lang="en-CA" b="1"/>
-                        <a:t>TOTAL ($)</a:t>
-                      </a:r>
-                    </a:p>
-                  </a:txBody>
-                  <a:tcPr marL="91425" marR="91425" marT="91425" marB="91425"/>
-                </a:tc>
-                <a:extLst>
-                  <a:ext uri="{0D108BD9-81ED-4DB2-BD59-A6C34878D82A}">
-                    <a16:rowId xmlns:a16="http://schemas.microsoft.com/office/drawing/2014/main" val="10000"/>
-                  </a:ext>
-                </a:extLst>
-              </a:tr>
-              <a:tr h="642875">
-                <a:tc>
-                  <a:txBody>
-                    <a:bodyPr/>
-                    <a:lstStyle/>
-                    <a:p>
-                      <a:pPr lvl="0">
-                        <a:spcBef>
-                          <a:spcPts val="0"/>
-                        </a:spcBef>
-                        <a:buNone/>
-                      </a:pPr>
-                      <a:r>
-                        <a:rPr lang="en-CA"/>
-                        <a:t>RC Car</a:t>
-                      </a:r>
-                    </a:p>
-                    <a:p>
-                      <a:pPr lvl="0">
-                        <a:spcBef>
-                          <a:spcPts val="0"/>
-                        </a:spcBef>
-                        <a:buNone/>
-                      </a:pPr>
-                      <a:r>
-                        <a:rPr lang="en-CA"/>
-                        <a:t>(w/ servo &amp; speed controller)</a:t>
-                      </a:r>
-                    </a:p>
-                  </a:txBody>
-                  <a:tcPr marL="91425" marR="91425" marT="91425" marB="91425"/>
-                </a:tc>
-                <a:tc>
-                  <a:txBody>
-                    <a:bodyPr/>
-                    <a:lstStyle/>
-                    <a:p>
-                      <a:pPr lvl="0">
-                        <a:spcBef>
-                          <a:spcPts val="0"/>
-                        </a:spcBef>
-                        <a:buNone/>
-                      </a:pPr>
-                      <a:r>
-                        <a:rPr lang="en-CA"/>
-                        <a:t>2</a:t>
-                      </a:r>
-                    </a:p>
-                  </a:txBody>
-                  <a:tcPr marL="91425" marR="91425" marT="91425" marB="91425"/>
-                </a:tc>
-                <a:tc>
-                  <a:txBody>
-                    <a:bodyPr/>
-                    <a:lstStyle/>
-                    <a:p>
-                      <a:pPr lvl="0">
-                        <a:spcBef>
-                          <a:spcPts val="0"/>
-                        </a:spcBef>
-                        <a:buNone/>
-                      </a:pPr>
-                      <a:r>
-                        <a:rPr lang="en-CA"/>
-                        <a:t>240</a:t>
-                      </a:r>
-                    </a:p>
-                  </a:txBody>
-                  <a:tcPr marL="91425" marR="91425" marT="91425" marB="91425"/>
-                </a:tc>
-                <a:tc>
-                  <a:txBody>
-                    <a:bodyPr/>
-                    <a:lstStyle/>
-                    <a:p>
-                      <a:pPr lvl="0" algn="ctr">
-                        <a:spcBef>
-                          <a:spcPts val="0"/>
-                        </a:spcBef>
-                        <a:buNone/>
-                      </a:pPr>
-                      <a:r>
-                        <a:rPr lang="en-CA"/>
-                        <a:t>480</a:t>
-                      </a:r>
-                    </a:p>
-                  </a:txBody>
-                  <a:tcPr marL="91425" marR="91425" marT="91425" marB="91425"/>
-                </a:tc>
-                <a:extLst>
-                  <a:ext uri="{0D108BD9-81ED-4DB2-BD59-A6C34878D82A}">
-                    <a16:rowId xmlns:a16="http://schemas.microsoft.com/office/drawing/2014/main" val="10001"/>
-                  </a:ext>
-                </a:extLst>
-              </a:tr>
-              <a:tr h="642900">
-                <a:tc>
-                  <a:txBody>
-                    <a:bodyPr/>
-                    <a:lstStyle/>
-                    <a:p>
-                      <a:pPr lvl="0">
-                        <a:spcBef>
-                          <a:spcPts val="0"/>
-                        </a:spcBef>
-                        <a:buClr>
-                          <a:schemeClr val="dk1"/>
-                        </a:buClr>
-                        <a:buSzPct val="78571"/>
-                        <a:buFont typeface="Arial"/>
-                        <a:buNone/>
-                      </a:pPr>
-                      <a:r>
-                        <a:rPr lang="en-CA">
-                          <a:solidFill>
-                            <a:schemeClr val="dk1"/>
-                          </a:solidFill>
-                        </a:rPr>
-                        <a:t>3300 mAh 7.2 V battery</a:t>
-                      </a:r>
-                    </a:p>
-                  </a:txBody>
-                  <a:tcPr marL="91425" marR="91425" marT="91425" marB="91425"/>
-                </a:tc>
-                <a:tc>
-                  <a:txBody>
-                    <a:bodyPr/>
-                    <a:lstStyle/>
-                    <a:p>
-                      <a:pPr lvl="0">
-                        <a:spcBef>
-                          <a:spcPts val="0"/>
-                        </a:spcBef>
-                        <a:buNone/>
-                      </a:pPr>
-                      <a:r>
-                        <a:rPr lang="en-CA"/>
-                        <a:t>2</a:t>
-                      </a:r>
-                    </a:p>
-                  </a:txBody>
-                  <a:tcPr marL="91425" marR="91425" marT="91425" marB="91425"/>
-                </a:tc>
-                <a:tc>
-                  <a:txBody>
-                    <a:bodyPr/>
-                    <a:lstStyle/>
-                    <a:p>
-                      <a:pPr lvl="0">
-                        <a:spcBef>
-                          <a:spcPts val="0"/>
-                        </a:spcBef>
-                        <a:buNone/>
-                      </a:pPr>
-                      <a:r>
-                        <a:rPr lang="en-CA"/>
-                        <a:t>30</a:t>
-                      </a:r>
-                    </a:p>
-                  </a:txBody>
-                  <a:tcPr marL="91425" marR="91425" marT="91425" marB="91425"/>
-                </a:tc>
-                <a:tc>
-                  <a:txBody>
-                    <a:bodyPr/>
-                    <a:lstStyle/>
-                    <a:p>
-                      <a:pPr lvl="0" algn="ctr">
-                        <a:spcBef>
-                          <a:spcPts val="0"/>
-                        </a:spcBef>
-                        <a:buNone/>
-                      </a:pPr>
-                      <a:r>
-                        <a:rPr lang="en-CA"/>
-                        <a:t>60</a:t>
-                      </a:r>
-                    </a:p>
-                  </a:txBody>
-                  <a:tcPr marL="91425" marR="91425" marT="91425" marB="91425"/>
-                </a:tc>
-                <a:extLst>
-                  <a:ext uri="{0D108BD9-81ED-4DB2-BD59-A6C34878D82A}">
-                    <a16:rowId xmlns:a16="http://schemas.microsoft.com/office/drawing/2014/main" val="10002"/>
-                  </a:ext>
-                </a:extLst>
-              </a:tr>
-              <a:tr h="626175">
-                <a:tc>
-                  <a:txBody>
-                    <a:bodyPr/>
-                    <a:lstStyle/>
-                    <a:p>
-                      <a:pPr lvl="0">
-                        <a:spcBef>
-                          <a:spcPts val="0"/>
-                        </a:spcBef>
-                        <a:buNone/>
-                      </a:pPr>
-                      <a:r>
-                        <a:rPr lang="en-CA"/>
-                        <a:t>Battery charger</a:t>
-                      </a:r>
-                    </a:p>
-                  </a:txBody>
-                  <a:tcPr marL="91425" marR="91425" marT="91425" marB="91425"/>
-                </a:tc>
-                <a:tc>
-                  <a:txBody>
-                    <a:bodyPr/>
-                    <a:lstStyle/>
-                    <a:p>
-                      <a:pPr lvl="0">
-                        <a:spcBef>
-                          <a:spcPts val="0"/>
-                        </a:spcBef>
-                        <a:buNone/>
-                      </a:pPr>
-                      <a:r>
-                        <a:rPr lang="en-CA"/>
-                        <a:t>1</a:t>
-                      </a:r>
-                    </a:p>
-                  </a:txBody>
-                  <a:tcPr marL="91425" marR="91425" marT="91425" marB="91425"/>
-                </a:tc>
-                <a:tc>
-                  <a:txBody>
-                    <a:bodyPr/>
-                    <a:lstStyle/>
-                    <a:p>
-                      <a:pPr lvl="0">
-                        <a:spcBef>
-                          <a:spcPts val="0"/>
-                        </a:spcBef>
-                        <a:buNone/>
-                      </a:pPr>
-                      <a:r>
-                        <a:rPr lang="en-CA"/>
-                        <a:t>30</a:t>
-                      </a:r>
-                    </a:p>
-                  </a:txBody>
-                  <a:tcPr marL="91425" marR="91425" marT="91425" marB="91425"/>
-                </a:tc>
-                <a:tc>
-                  <a:txBody>
-                    <a:bodyPr/>
-                    <a:lstStyle/>
-                    <a:p>
-                      <a:pPr lvl="0" algn="ctr">
-                        <a:spcBef>
-                          <a:spcPts val="0"/>
-                        </a:spcBef>
-                        <a:buNone/>
-                      </a:pPr>
-                      <a:r>
-                        <a:rPr lang="en-CA"/>
-                        <a:t>30</a:t>
-                      </a:r>
-                    </a:p>
-                  </a:txBody>
-                  <a:tcPr marL="91425" marR="91425" marT="91425" marB="91425"/>
-                </a:tc>
-                <a:extLst>
-                  <a:ext uri="{0D108BD9-81ED-4DB2-BD59-A6C34878D82A}">
-                    <a16:rowId xmlns:a16="http://schemas.microsoft.com/office/drawing/2014/main" val="10003"/>
-                  </a:ext>
-                </a:extLst>
-              </a:tr>
-              <a:tr h="659650">
-                <a:tc>
-                  <a:txBody>
-                    <a:bodyPr/>
-                    <a:lstStyle/>
-                    <a:p>
-                      <a:pPr lvl="0">
-                        <a:spcBef>
-                          <a:spcPts val="0"/>
-                        </a:spcBef>
-                        <a:buNone/>
-                      </a:pPr>
-                      <a:r>
-                        <a:rPr lang="en-CA"/>
-                        <a:t>Raspberry Pi 3 Model B</a:t>
-                      </a:r>
-                    </a:p>
-                  </a:txBody>
-                  <a:tcPr marL="91425" marR="91425" marT="91425" marB="91425"/>
-                </a:tc>
-                <a:tc>
-                  <a:txBody>
-                    <a:bodyPr/>
-                    <a:lstStyle/>
-                    <a:p>
-                      <a:pPr lvl="0">
-                        <a:spcBef>
-                          <a:spcPts val="0"/>
-                        </a:spcBef>
-                        <a:buNone/>
-                      </a:pPr>
-                      <a:r>
-                        <a:rPr lang="en-CA"/>
-                        <a:t>2</a:t>
-                      </a:r>
-                    </a:p>
-                  </a:txBody>
-                  <a:tcPr marL="91425" marR="91425" marT="91425" marB="91425"/>
-                </a:tc>
-                <a:tc>
-                  <a:txBody>
-                    <a:bodyPr/>
-                    <a:lstStyle/>
-                    <a:p>
-                      <a:pPr lvl="0">
-                        <a:spcBef>
-                          <a:spcPts val="0"/>
-                        </a:spcBef>
-                        <a:buNone/>
-                      </a:pPr>
-                      <a:r>
-                        <a:rPr lang="en-CA"/>
-                        <a:t>60</a:t>
-                      </a:r>
-                    </a:p>
-                  </a:txBody>
-                  <a:tcPr marL="91425" marR="91425" marT="91425" marB="91425"/>
-                </a:tc>
-                <a:tc>
-                  <a:txBody>
-                    <a:bodyPr/>
-                    <a:lstStyle/>
-                    <a:p>
-                      <a:pPr lvl="0" algn="ctr">
-                        <a:spcBef>
-                          <a:spcPts val="0"/>
-                        </a:spcBef>
-                        <a:buNone/>
-                      </a:pPr>
-                      <a:r>
-                        <a:rPr lang="en-CA"/>
-                        <a:t>120</a:t>
-                      </a:r>
-                    </a:p>
-                  </a:txBody>
-                  <a:tcPr marL="91425" marR="91425" marT="91425" marB="91425"/>
-                </a:tc>
-                <a:extLst>
-                  <a:ext uri="{0D108BD9-81ED-4DB2-BD59-A6C34878D82A}">
-                    <a16:rowId xmlns:a16="http://schemas.microsoft.com/office/drawing/2014/main" val="10004"/>
-                  </a:ext>
-                </a:extLst>
-              </a:tr>
-              <a:tr h="687100">
-                <a:tc>
-                  <a:txBody>
-                    <a:bodyPr/>
-                    <a:lstStyle/>
-                    <a:p>
-                      <a:pPr lvl="0">
-                        <a:spcBef>
-                          <a:spcPts val="0"/>
-                        </a:spcBef>
-                        <a:buNone/>
-                      </a:pPr>
-                      <a:r>
-                        <a:rPr lang="en-CA"/>
-                        <a:t>Voltage regulator</a:t>
-                      </a:r>
-                    </a:p>
-                  </a:txBody>
-                  <a:tcPr marL="91425" marR="91425" marT="91425" marB="91425"/>
-                </a:tc>
-                <a:tc>
-                  <a:txBody>
-                    <a:bodyPr/>
-                    <a:lstStyle/>
-                    <a:p>
-                      <a:pPr lvl="0">
-                        <a:spcBef>
-                          <a:spcPts val="0"/>
-                        </a:spcBef>
-                        <a:buNone/>
-                      </a:pPr>
-                      <a:r>
-                        <a:rPr lang="en-CA"/>
-                        <a:t>3</a:t>
-                      </a:r>
-                    </a:p>
-                  </a:txBody>
-                  <a:tcPr marL="91425" marR="91425" marT="91425" marB="91425"/>
-                </a:tc>
-                <a:tc>
-                  <a:txBody>
-                    <a:bodyPr/>
-                    <a:lstStyle/>
-                    <a:p>
-                      <a:pPr lvl="0">
-                        <a:spcBef>
-                          <a:spcPts val="0"/>
-                        </a:spcBef>
-                        <a:buNone/>
-                      </a:pPr>
-                      <a:r>
-                        <a:rPr lang="en-CA"/>
-                        <a:t>1.50</a:t>
-                      </a:r>
-                    </a:p>
-                  </a:txBody>
-                  <a:tcPr marL="91425" marR="91425" marT="91425" marB="91425"/>
-                </a:tc>
-                <a:tc>
-                  <a:txBody>
-                    <a:bodyPr/>
-                    <a:lstStyle/>
-                    <a:p>
-                      <a:pPr lvl="0" algn="ctr" rtl="0">
-                        <a:spcBef>
-                          <a:spcPts val="0"/>
-                        </a:spcBef>
-                        <a:buNone/>
-                      </a:pPr>
-                      <a:r>
-                        <a:rPr lang="en-CA"/>
-                        <a:t>4.5</a:t>
-                      </a:r>
-                    </a:p>
-                  </a:txBody>
-                  <a:tcPr marL="91425" marR="91425" marT="91425" marB="91425"/>
-                </a:tc>
-                <a:extLst>
-                  <a:ext uri="{0D108BD9-81ED-4DB2-BD59-A6C34878D82A}">
-                    <a16:rowId xmlns:a16="http://schemas.microsoft.com/office/drawing/2014/main" val="10005"/>
-                  </a:ext>
-                </a:extLst>
-              </a:tr>
-              <a:tr h="634850">
-                <a:tc>
-                  <a:txBody>
-                    <a:bodyPr/>
-                    <a:lstStyle/>
-                    <a:p>
-                      <a:pPr lvl="0">
-                        <a:spcBef>
-                          <a:spcPts val="0"/>
-                        </a:spcBef>
-                        <a:buNone/>
-                      </a:pPr>
-                      <a:r>
-                        <a:rPr lang="en-CA"/>
-                        <a:t>Hall  Effect sensor</a:t>
-                      </a:r>
-                    </a:p>
-                  </a:txBody>
-                  <a:tcPr marL="91425" marR="91425" marT="91425" marB="91425"/>
-                </a:tc>
-                <a:tc>
-                  <a:txBody>
-                    <a:bodyPr/>
-                    <a:lstStyle/>
-                    <a:p>
-                      <a:pPr lvl="0">
-                        <a:spcBef>
-                          <a:spcPts val="0"/>
-                        </a:spcBef>
-                        <a:buNone/>
-                      </a:pPr>
-                      <a:r>
-                        <a:rPr lang="en-CA"/>
-                        <a:t>3</a:t>
-                      </a:r>
-                    </a:p>
-                  </a:txBody>
-                  <a:tcPr marL="91425" marR="91425" marT="91425" marB="91425"/>
-                </a:tc>
-                <a:tc>
-                  <a:txBody>
-                    <a:bodyPr/>
-                    <a:lstStyle/>
-                    <a:p>
-                      <a:pPr lvl="0" rtl="0">
-                        <a:spcBef>
-                          <a:spcPts val="0"/>
-                        </a:spcBef>
-                        <a:buNone/>
-                      </a:pPr>
-                      <a:r>
-                        <a:rPr lang="en-CA"/>
-                        <a:t>1.70</a:t>
-                      </a:r>
-                    </a:p>
-                  </a:txBody>
-                  <a:tcPr marL="91425" marR="91425" marT="91425" marB="91425"/>
-                </a:tc>
-                <a:tc>
-                  <a:txBody>
-                    <a:bodyPr/>
-                    <a:lstStyle/>
-                    <a:p>
-                      <a:pPr lvl="0" algn="ctr" rtl="0">
-                        <a:spcBef>
-                          <a:spcPts val="0"/>
-                        </a:spcBef>
-                        <a:buNone/>
-                      </a:pPr>
-                      <a:r>
-                        <a:rPr lang="en-CA"/>
-                        <a:t>5.1</a:t>
-                      </a:r>
-                    </a:p>
-                  </a:txBody>
-                  <a:tcPr marL="91425" marR="91425" marT="91425" marB="91425"/>
-                </a:tc>
-                <a:extLst>
-                  <a:ext uri="{0D108BD9-81ED-4DB2-BD59-A6C34878D82A}">
-                    <a16:rowId xmlns:a16="http://schemas.microsoft.com/office/drawing/2014/main" val="10006"/>
-                  </a:ext>
-                </a:extLst>
-              </a:tr>
-            </a:tbl>
-          </a:graphicData>
-        </a:graphic>
-      </p:graphicFrame>
       <p:sp>
         <p:nvSpPr>
-          <p:cNvPr id="172" name="Shape 172"/>
+          <p:cNvPr id="7" name="Rectangle 6"/>
+          <p:cNvSpPr/>
+          <p:nvPr/>
+        </p:nvSpPr>
+        <p:spPr>
+          <a:xfrm>
+            <a:off x="9827491" y="1715654"/>
+            <a:ext cx="2364509" cy="3426690"/>
+          </a:xfrm>
+          <a:prstGeom prst="rect">
+            <a:avLst/>
+          </a:prstGeom>
+          <a:solidFill>
+            <a:schemeClr val="tx1"/>
+          </a:solidFill>
+          <a:ln>
+            <a:noFill/>
+          </a:ln>
+        </p:spPr>
+        <p:style>
+          <a:lnRef idx="2">
+            <a:schemeClr val="accent1">
+              <a:shade val="50000"/>
+            </a:schemeClr>
+          </a:lnRef>
+          <a:fillRef idx="1">
+            <a:schemeClr val="accent1"/>
+          </a:fillRef>
+          <a:effectRef idx="0">
+            <a:schemeClr val="accent1"/>
+          </a:effectRef>
+          <a:fontRef idx="minor">
+            <a:schemeClr val="lt1"/>
+          </a:fontRef>
+        </p:style>
+        <p:txBody>
+          <a:bodyPr rtlCol="0" anchor="ctr"/>
+          <a:lstStyle/>
+          <a:p>
+            <a:pPr algn="ctr"/>
+            <a:endParaRPr lang="en-US"/>
+          </a:p>
+        </p:txBody>
+      </p:sp>
+      <p:sp>
+        <p:nvSpPr>
+          <p:cNvPr id="8" name="Rectangle 7"/>
+          <p:cNvSpPr/>
+          <p:nvPr/>
+        </p:nvSpPr>
+        <p:spPr>
+          <a:xfrm>
+            <a:off x="3971638" y="1477817"/>
+            <a:ext cx="2124363" cy="237835"/>
+          </a:xfrm>
+          <a:prstGeom prst="rect">
+            <a:avLst/>
+          </a:prstGeom>
+          <a:solidFill>
+            <a:schemeClr val="bg1"/>
+          </a:solidFill>
+          <a:ln>
+            <a:noFill/>
+          </a:ln>
+        </p:spPr>
+        <p:style>
+          <a:lnRef idx="2">
+            <a:schemeClr val="accent1">
+              <a:shade val="50000"/>
+            </a:schemeClr>
+          </a:lnRef>
+          <a:fillRef idx="1">
+            <a:schemeClr val="accent1"/>
+          </a:fillRef>
+          <a:effectRef idx="0">
+            <a:schemeClr val="accent1"/>
+          </a:effectRef>
+          <a:fontRef idx="minor">
+            <a:schemeClr val="lt1"/>
+          </a:fontRef>
+        </p:style>
+        <p:txBody>
+          <a:bodyPr rtlCol="0" anchor="ctr"/>
+          <a:lstStyle/>
+          <a:p>
+            <a:pPr algn="ctr"/>
+            <a:endParaRPr lang="en-US"/>
+          </a:p>
+        </p:txBody>
+      </p:sp>
+      <p:sp>
+        <p:nvSpPr>
+          <p:cNvPr id="9" name="Rectangle 8"/>
+          <p:cNvSpPr/>
+          <p:nvPr/>
+        </p:nvSpPr>
+        <p:spPr>
+          <a:xfrm>
+            <a:off x="6096001" y="5142344"/>
+            <a:ext cx="2124363" cy="237835"/>
+          </a:xfrm>
+          <a:prstGeom prst="rect">
+            <a:avLst/>
+          </a:prstGeom>
+          <a:solidFill>
+            <a:schemeClr val="bg1"/>
+          </a:solidFill>
+          <a:ln>
+            <a:noFill/>
+          </a:ln>
+        </p:spPr>
+        <p:style>
+          <a:lnRef idx="2">
+            <a:schemeClr val="accent1">
+              <a:shade val="50000"/>
+            </a:schemeClr>
+          </a:lnRef>
+          <a:fillRef idx="1">
+            <a:schemeClr val="accent1"/>
+          </a:fillRef>
+          <a:effectRef idx="0">
+            <a:schemeClr val="accent1"/>
+          </a:effectRef>
+          <a:fontRef idx="minor">
+            <a:schemeClr val="lt1"/>
+          </a:fontRef>
+        </p:style>
+        <p:txBody>
+          <a:bodyPr rtlCol="0" anchor="ctr"/>
+          <a:lstStyle/>
+          <a:p>
+            <a:pPr algn="ctr"/>
+            <a:endParaRPr lang="en-US"/>
+          </a:p>
+        </p:txBody>
+      </p:sp>
+      <p:sp>
+        <p:nvSpPr>
+          <p:cNvPr id="10" name="Rectangle 9"/>
+          <p:cNvSpPr/>
+          <p:nvPr/>
+        </p:nvSpPr>
+        <p:spPr>
+          <a:xfrm rot="5400000">
+            <a:off x="7570317" y="2363320"/>
+            <a:ext cx="1535548" cy="240214"/>
+          </a:xfrm>
+          <a:prstGeom prst="rect">
+            <a:avLst/>
+          </a:prstGeom>
+          <a:solidFill>
+            <a:schemeClr val="bg1"/>
+          </a:solidFill>
+          <a:ln>
+            <a:noFill/>
+          </a:ln>
+        </p:spPr>
+        <p:style>
+          <a:lnRef idx="2">
+            <a:schemeClr val="accent1">
+              <a:shade val="50000"/>
+            </a:schemeClr>
+          </a:lnRef>
+          <a:fillRef idx="1">
+            <a:schemeClr val="accent1"/>
+          </a:fillRef>
+          <a:effectRef idx="0">
+            <a:schemeClr val="accent1"/>
+          </a:effectRef>
+          <a:fontRef idx="minor">
+            <a:schemeClr val="lt1"/>
+          </a:fontRef>
+        </p:style>
+        <p:txBody>
+          <a:bodyPr rtlCol="0" anchor="ctr"/>
+          <a:lstStyle/>
+          <a:p>
+            <a:pPr algn="ctr"/>
+            <a:endParaRPr lang="en-US" dirty="0"/>
+          </a:p>
+        </p:txBody>
+      </p:sp>
+      <p:sp>
+        <p:nvSpPr>
+          <p:cNvPr id="11" name="Rectangle 10"/>
+          <p:cNvSpPr/>
+          <p:nvPr/>
+        </p:nvSpPr>
+        <p:spPr>
+          <a:xfrm rot="5400000">
+            <a:off x="3082636" y="4255654"/>
+            <a:ext cx="1535548" cy="237835"/>
+          </a:xfrm>
+          <a:prstGeom prst="rect">
+            <a:avLst/>
+          </a:prstGeom>
+          <a:solidFill>
+            <a:schemeClr val="bg1"/>
+          </a:solidFill>
+          <a:ln>
+            <a:noFill/>
+          </a:ln>
+        </p:spPr>
+        <p:style>
+          <a:lnRef idx="2">
+            <a:schemeClr val="accent1">
+              <a:shade val="50000"/>
+            </a:schemeClr>
+          </a:lnRef>
+          <a:fillRef idx="1">
+            <a:schemeClr val="accent1"/>
+          </a:fillRef>
+          <a:effectRef idx="0">
+            <a:schemeClr val="accent1"/>
+          </a:effectRef>
+          <a:fontRef idx="minor">
+            <a:schemeClr val="lt1"/>
+          </a:fontRef>
+        </p:style>
+        <p:txBody>
+          <a:bodyPr rtlCol="0" anchor="ctr"/>
+          <a:lstStyle/>
+          <a:p>
+            <a:pPr algn="ctr"/>
+            <a:endParaRPr lang="en-US" dirty="0"/>
+          </a:p>
+        </p:txBody>
+      </p:sp>
+      <p:sp>
+        <p:nvSpPr>
+          <p:cNvPr id="12" name="Rectangle 11"/>
+          <p:cNvSpPr/>
+          <p:nvPr/>
+        </p:nvSpPr>
+        <p:spPr>
+          <a:xfrm rot="10800000">
+            <a:off x="8220362" y="3103417"/>
+            <a:ext cx="3971638" cy="147782"/>
+          </a:xfrm>
+          <a:prstGeom prst="rect">
+            <a:avLst/>
+          </a:prstGeom>
+          <a:solidFill>
+            <a:schemeClr val="bg1"/>
+          </a:solidFill>
+          <a:ln>
+            <a:noFill/>
+          </a:ln>
+        </p:spPr>
+        <p:style>
+          <a:lnRef idx="2">
+            <a:schemeClr val="accent1">
+              <a:shade val="50000"/>
+            </a:schemeClr>
+          </a:lnRef>
+          <a:fillRef idx="1">
+            <a:schemeClr val="accent1"/>
+          </a:fillRef>
+          <a:effectRef idx="0">
+            <a:schemeClr val="accent1"/>
+          </a:effectRef>
+          <a:fontRef idx="minor">
+            <a:schemeClr val="lt1"/>
+          </a:fontRef>
+        </p:style>
+        <p:txBody>
+          <a:bodyPr rtlCol="0" anchor="ctr"/>
+          <a:lstStyle/>
+          <a:p>
+            <a:pPr algn="ctr"/>
+            <a:endParaRPr lang="en-US" dirty="0"/>
+          </a:p>
+        </p:txBody>
+      </p:sp>
+      <p:sp>
+        <p:nvSpPr>
+          <p:cNvPr id="13" name="Rectangle 12"/>
+          <p:cNvSpPr/>
+          <p:nvPr/>
+        </p:nvSpPr>
+        <p:spPr>
+          <a:xfrm rot="10800000">
+            <a:off x="-2310" y="3606796"/>
+            <a:ext cx="3971638" cy="147782"/>
+          </a:xfrm>
+          <a:prstGeom prst="rect">
+            <a:avLst/>
+          </a:prstGeom>
+          <a:solidFill>
+            <a:schemeClr val="bg1"/>
+          </a:solidFill>
+          <a:ln>
+            <a:noFill/>
+          </a:ln>
+        </p:spPr>
+        <p:style>
+          <a:lnRef idx="2">
+            <a:schemeClr val="accent1">
+              <a:shade val="50000"/>
+            </a:schemeClr>
+          </a:lnRef>
+          <a:fillRef idx="1">
+            <a:schemeClr val="accent1"/>
+          </a:fillRef>
+          <a:effectRef idx="0">
+            <a:schemeClr val="accent1"/>
+          </a:effectRef>
+          <a:fontRef idx="minor">
+            <a:schemeClr val="lt1"/>
+          </a:fontRef>
+        </p:style>
+        <p:txBody>
+          <a:bodyPr rtlCol="0" anchor="ctr"/>
+          <a:lstStyle/>
+          <a:p>
+            <a:pPr algn="ctr"/>
+            <a:endParaRPr lang="en-US" dirty="0"/>
+          </a:p>
+        </p:txBody>
+      </p:sp>
+      <p:sp>
+        <p:nvSpPr>
+          <p:cNvPr id="14" name="Rectangle 13"/>
+          <p:cNvSpPr/>
+          <p:nvPr/>
+        </p:nvSpPr>
+        <p:spPr>
+          <a:xfrm rot="5400000">
+            <a:off x="5168901" y="788553"/>
+            <a:ext cx="1715654" cy="138548"/>
+          </a:xfrm>
+          <a:prstGeom prst="rect">
+            <a:avLst/>
+          </a:prstGeom>
+          <a:solidFill>
+            <a:schemeClr val="bg1"/>
+          </a:solidFill>
+          <a:ln>
+            <a:noFill/>
+          </a:ln>
+        </p:spPr>
+        <p:style>
+          <a:lnRef idx="2">
+            <a:schemeClr val="accent1">
+              <a:shade val="50000"/>
+            </a:schemeClr>
+          </a:lnRef>
+          <a:fillRef idx="1">
+            <a:schemeClr val="accent1"/>
+          </a:fillRef>
+          <a:effectRef idx="0">
+            <a:schemeClr val="accent1"/>
+          </a:effectRef>
+          <a:fontRef idx="minor">
+            <a:schemeClr val="lt1"/>
+          </a:fontRef>
+        </p:style>
+        <p:txBody>
+          <a:bodyPr rtlCol="0" anchor="ctr"/>
+          <a:lstStyle/>
+          <a:p>
+            <a:pPr algn="ctr"/>
+            <a:endParaRPr lang="en-US" dirty="0"/>
+          </a:p>
+        </p:txBody>
+      </p:sp>
+      <p:sp>
+        <p:nvSpPr>
+          <p:cNvPr id="15" name="Rectangle 14"/>
+          <p:cNvSpPr/>
+          <p:nvPr/>
+        </p:nvSpPr>
+        <p:spPr>
+          <a:xfrm rot="5400000">
+            <a:off x="5312063" y="5926281"/>
+            <a:ext cx="1715656" cy="147782"/>
+          </a:xfrm>
+          <a:prstGeom prst="rect">
+            <a:avLst/>
+          </a:prstGeom>
+          <a:solidFill>
+            <a:schemeClr val="bg1"/>
+          </a:solidFill>
+          <a:ln>
+            <a:noFill/>
+          </a:ln>
+        </p:spPr>
+        <p:style>
+          <a:lnRef idx="2">
+            <a:schemeClr val="accent1">
+              <a:shade val="50000"/>
+            </a:schemeClr>
+          </a:lnRef>
+          <a:fillRef idx="1">
+            <a:schemeClr val="accent1"/>
+          </a:fillRef>
+          <a:effectRef idx="0">
+            <a:schemeClr val="accent1"/>
+          </a:effectRef>
+          <a:fontRef idx="minor">
+            <a:schemeClr val="lt1"/>
+          </a:fontRef>
+        </p:style>
+        <p:txBody>
+          <a:bodyPr rtlCol="0" anchor="ctr"/>
+          <a:lstStyle/>
+          <a:p>
+            <a:pPr algn="ctr"/>
+            <a:endParaRPr lang="en-US" dirty="0"/>
+          </a:p>
+        </p:txBody>
+      </p:sp>
+      <p:sp>
+        <p:nvSpPr>
+          <p:cNvPr id="16" name="Rectangle 15"/>
+          <p:cNvSpPr/>
+          <p:nvPr/>
+        </p:nvSpPr>
+        <p:spPr>
+          <a:xfrm rot="10800000">
+            <a:off x="0" y="1567871"/>
+            <a:ext cx="3971638" cy="147782"/>
+          </a:xfrm>
+          <a:prstGeom prst="rect">
+            <a:avLst/>
+          </a:prstGeom>
+          <a:solidFill>
+            <a:schemeClr val="bg1"/>
+          </a:solidFill>
+          <a:ln>
+            <a:noFill/>
+          </a:ln>
+        </p:spPr>
+        <p:style>
+          <a:lnRef idx="2">
+            <a:schemeClr val="accent1">
+              <a:shade val="50000"/>
+            </a:schemeClr>
+          </a:lnRef>
+          <a:fillRef idx="1">
+            <a:schemeClr val="accent1"/>
+          </a:fillRef>
+          <a:effectRef idx="0">
+            <a:schemeClr val="accent1"/>
+          </a:effectRef>
+          <a:fontRef idx="minor">
+            <a:schemeClr val="lt1"/>
+          </a:fontRef>
+        </p:style>
+        <p:txBody>
+          <a:bodyPr rtlCol="0" anchor="ctr"/>
+          <a:lstStyle/>
+          <a:p>
+            <a:pPr algn="ctr"/>
+            <a:endParaRPr lang="en-US" dirty="0"/>
+          </a:p>
+        </p:txBody>
+      </p:sp>
+      <p:sp>
+        <p:nvSpPr>
+          <p:cNvPr id="17" name="Rectangle 16"/>
+          <p:cNvSpPr/>
+          <p:nvPr/>
+        </p:nvSpPr>
+        <p:spPr>
+          <a:xfrm rot="10800000">
+            <a:off x="8208752" y="5142342"/>
+            <a:ext cx="3971638" cy="147782"/>
+          </a:xfrm>
+          <a:prstGeom prst="rect">
+            <a:avLst/>
+          </a:prstGeom>
+          <a:solidFill>
+            <a:schemeClr val="bg1"/>
+          </a:solidFill>
+          <a:ln>
+            <a:noFill/>
+          </a:ln>
+        </p:spPr>
+        <p:style>
+          <a:lnRef idx="2">
+            <a:schemeClr val="accent1">
+              <a:shade val="50000"/>
+            </a:schemeClr>
+          </a:lnRef>
+          <a:fillRef idx="1">
+            <a:schemeClr val="accent1"/>
+          </a:fillRef>
+          <a:effectRef idx="0">
+            <a:schemeClr val="accent1"/>
+          </a:effectRef>
+          <a:fontRef idx="minor">
+            <a:schemeClr val="lt1"/>
+          </a:fontRef>
+        </p:style>
+        <p:txBody>
+          <a:bodyPr rtlCol="0" anchor="ctr"/>
+          <a:lstStyle/>
+          <a:p>
+            <a:pPr algn="ctr"/>
+            <a:endParaRPr lang="en-US" dirty="0"/>
+          </a:p>
+        </p:txBody>
+      </p:sp>
+      <p:sp>
+        <p:nvSpPr>
+          <p:cNvPr id="18" name="Rectangle 17"/>
+          <p:cNvSpPr/>
+          <p:nvPr/>
+        </p:nvSpPr>
+        <p:spPr>
+          <a:xfrm rot="10800000">
+            <a:off x="8220362" y="1596734"/>
+            <a:ext cx="3971638" cy="147782"/>
+          </a:xfrm>
+          <a:prstGeom prst="rect">
+            <a:avLst/>
+          </a:prstGeom>
+          <a:solidFill>
+            <a:schemeClr val="bg1"/>
+          </a:solidFill>
+          <a:ln>
+            <a:noFill/>
+          </a:ln>
+        </p:spPr>
+        <p:style>
+          <a:lnRef idx="2">
+            <a:schemeClr val="accent1">
+              <a:shade val="50000"/>
+            </a:schemeClr>
+          </a:lnRef>
+          <a:fillRef idx="1">
+            <a:schemeClr val="accent1"/>
+          </a:fillRef>
+          <a:effectRef idx="0">
+            <a:schemeClr val="accent1"/>
+          </a:effectRef>
+          <a:fontRef idx="minor">
+            <a:schemeClr val="lt1"/>
+          </a:fontRef>
+        </p:style>
+        <p:txBody>
+          <a:bodyPr rtlCol="0" anchor="ctr"/>
+          <a:lstStyle/>
+          <a:p>
+            <a:pPr algn="ctr"/>
+            <a:endParaRPr lang="en-US" dirty="0"/>
+          </a:p>
+        </p:txBody>
+      </p:sp>
+      <p:sp>
+        <p:nvSpPr>
+          <p:cNvPr id="19" name="Rectangle 18"/>
+          <p:cNvSpPr/>
+          <p:nvPr/>
+        </p:nvSpPr>
+        <p:spPr>
+          <a:xfrm rot="10800000">
+            <a:off x="0" y="4982392"/>
+            <a:ext cx="3971638" cy="190450"/>
+          </a:xfrm>
+          <a:prstGeom prst="rect">
+            <a:avLst/>
+          </a:prstGeom>
+          <a:solidFill>
+            <a:schemeClr val="bg1"/>
+          </a:solidFill>
+          <a:ln>
+            <a:noFill/>
+          </a:ln>
+        </p:spPr>
+        <p:style>
+          <a:lnRef idx="2">
+            <a:schemeClr val="accent1">
+              <a:shade val="50000"/>
+            </a:schemeClr>
+          </a:lnRef>
+          <a:fillRef idx="1">
+            <a:schemeClr val="accent1"/>
+          </a:fillRef>
+          <a:effectRef idx="0">
+            <a:schemeClr val="accent1"/>
+          </a:effectRef>
+          <a:fontRef idx="minor">
+            <a:schemeClr val="lt1"/>
+          </a:fontRef>
+        </p:style>
+        <p:txBody>
+          <a:bodyPr rtlCol="0" anchor="ctr"/>
+          <a:lstStyle/>
+          <a:p>
+            <a:pPr algn="ctr"/>
+            <a:endParaRPr lang="en-US" dirty="0"/>
+          </a:p>
+        </p:txBody>
+      </p:sp>
+      <p:sp>
+        <p:nvSpPr>
+          <p:cNvPr id="20" name="Rectangle 19"/>
+          <p:cNvSpPr/>
+          <p:nvPr/>
+        </p:nvSpPr>
+        <p:spPr>
+          <a:xfrm rot="5400000">
+            <a:off x="3183081" y="788551"/>
+            <a:ext cx="1715654" cy="138548"/>
+          </a:xfrm>
+          <a:prstGeom prst="rect">
+            <a:avLst/>
+          </a:prstGeom>
+          <a:solidFill>
+            <a:schemeClr val="bg1"/>
+          </a:solidFill>
+          <a:ln>
+            <a:noFill/>
+          </a:ln>
+        </p:spPr>
+        <p:style>
+          <a:lnRef idx="2">
+            <a:schemeClr val="accent1">
+              <a:shade val="50000"/>
+            </a:schemeClr>
+          </a:lnRef>
+          <a:fillRef idx="1">
+            <a:schemeClr val="accent1"/>
+          </a:fillRef>
+          <a:effectRef idx="0">
+            <a:schemeClr val="accent1"/>
+          </a:effectRef>
+          <a:fontRef idx="minor">
+            <a:schemeClr val="lt1"/>
+          </a:fontRef>
+        </p:style>
+        <p:txBody>
+          <a:bodyPr rtlCol="0" anchor="ctr"/>
+          <a:lstStyle/>
+          <a:p>
+            <a:pPr algn="ctr"/>
+            <a:endParaRPr lang="en-US" dirty="0"/>
+          </a:p>
+        </p:txBody>
+      </p:sp>
+      <p:sp>
+        <p:nvSpPr>
+          <p:cNvPr id="21" name="Rectangle 20"/>
+          <p:cNvSpPr/>
+          <p:nvPr/>
+        </p:nvSpPr>
+        <p:spPr>
+          <a:xfrm rot="5400000">
+            <a:off x="7429433" y="788553"/>
+            <a:ext cx="1715654" cy="138548"/>
+          </a:xfrm>
+          <a:prstGeom prst="rect">
+            <a:avLst/>
+          </a:prstGeom>
+          <a:solidFill>
+            <a:schemeClr val="bg1"/>
+          </a:solidFill>
+          <a:ln>
+            <a:noFill/>
+          </a:ln>
+        </p:spPr>
+        <p:style>
+          <a:lnRef idx="2">
+            <a:schemeClr val="accent1">
+              <a:shade val="50000"/>
+            </a:schemeClr>
+          </a:lnRef>
+          <a:fillRef idx="1">
+            <a:schemeClr val="accent1"/>
+          </a:fillRef>
+          <a:effectRef idx="0">
+            <a:schemeClr val="accent1"/>
+          </a:effectRef>
+          <a:fontRef idx="minor">
+            <a:schemeClr val="lt1"/>
+          </a:fontRef>
+        </p:style>
+        <p:txBody>
+          <a:bodyPr rtlCol="0" anchor="ctr"/>
+          <a:lstStyle/>
+          <a:p>
+            <a:pPr algn="ctr"/>
+            <a:endParaRPr lang="en-US" dirty="0"/>
+          </a:p>
+        </p:txBody>
+      </p:sp>
+      <p:sp>
+        <p:nvSpPr>
+          <p:cNvPr id="22" name="Rectangle 21"/>
+          <p:cNvSpPr/>
+          <p:nvPr/>
+        </p:nvSpPr>
+        <p:spPr>
+          <a:xfrm rot="5400000">
+            <a:off x="3041038" y="5770945"/>
+            <a:ext cx="1715654" cy="138548"/>
+          </a:xfrm>
+          <a:prstGeom prst="rect">
+            <a:avLst/>
+          </a:prstGeom>
+          <a:solidFill>
+            <a:schemeClr val="bg1"/>
+          </a:solidFill>
+          <a:ln>
+            <a:noFill/>
+          </a:ln>
+        </p:spPr>
+        <p:style>
+          <a:lnRef idx="2">
+            <a:schemeClr val="accent1">
+              <a:shade val="50000"/>
+            </a:schemeClr>
+          </a:lnRef>
+          <a:fillRef idx="1">
+            <a:schemeClr val="accent1"/>
+          </a:fillRef>
+          <a:effectRef idx="0">
+            <a:schemeClr val="accent1"/>
+          </a:effectRef>
+          <a:fontRef idx="minor">
+            <a:schemeClr val="lt1"/>
+          </a:fontRef>
+        </p:style>
+        <p:txBody>
+          <a:bodyPr rtlCol="0" anchor="ctr"/>
+          <a:lstStyle/>
+          <a:p>
+            <a:pPr algn="ctr"/>
+            <a:endParaRPr lang="en-US" dirty="0"/>
+          </a:p>
+        </p:txBody>
+      </p:sp>
+      <p:sp>
+        <p:nvSpPr>
+          <p:cNvPr id="23" name="Rectangle 22"/>
+          <p:cNvSpPr/>
+          <p:nvPr/>
+        </p:nvSpPr>
+        <p:spPr>
+          <a:xfrm rot="5400000">
+            <a:off x="7429432" y="5930899"/>
+            <a:ext cx="1715654" cy="138548"/>
+          </a:xfrm>
+          <a:prstGeom prst="rect">
+            <a:avLst/>
+          </a:prstGeom>
+          <a:solidFill>
+            <a:schemeClr val="bg1"/>
+          </a:solidFill>
+          <a:ln>
+            <a:noFill/>
+          </a:ln>
+        </p:spPr>
+        <p:style>
+          <a:lnRef idx="2">
+            <a:schemeClr val="accent1">
+              <a:shade val="50000"/>
+            </a:schemeClr>
+          </a:lnRef>
+          <a:fillRef idx="1">
+            <a:schemeClr val="accent1"/>
+          </a:fillRef>
+          <a:effectRef idx="0">
+            <a:schemeClr val="accent1"/>
+          </a:effectRef>
+          <a:fontRef idx="minor">
+            <a:schemeClr val="lt1"/>
+          </a:fontRef>
+        </p:style>
+        <p:txBody>
+          <a:bodyPr rtlCol="0" anchor="ctr"/>
+          <a:lstStyle/>
+          <a:p>
+            <a:pPr algn="ctr"/>
+            <a:endParaRPr lang="en-US" dirty="0"/>
+          </a:p>
+        </p:txBody>
+      </p:sp>
+      <p:sp>
+        <p:nvSpPr>
+          <p:cNvPr id="24" name="TextBox 23"/>
           <p:cNvSpPr txBox="1"/>
           <p:nvPr/>
         </p:nvSpPr>
         <p:spPr>
           <a:xfrm>
-            <a:off x="8929450" y="5899025"/>
-            <a:ext cx="2575800" cy="375600"/>
+            <a:off x="9001125" y="343585"/>
+            <a:ext cx="2314575" cy="646331"/>
           </a:xfrm>
           <a:prstGeom prst="rect">
             <a:avLst/>
           </a:prstGeom>
-          <a:noFill/>
+          <a:solidFill>
+            <a:schemeClr val="tx1"/>
+          </a:solidFill>
+          <a:scene3d>
+            <a:camera prst="orthographicFront"/>
+            <a:lightRig rig="threePt" dir="t"/>
+          </a:scene3d>
+          <a:sp3d>
+            <a:bevelT/>
+          </a:sp3d>
+        </p:spPr>
+        <p:txBody>
+          <a:bodyPr wrap="square" rtlCol="0" anchor="ctr">
+            <a:spAutoFit/>
+          </a:bodyPr>
+          <a:lstStyle/>
+          <a:p>
+            <a:pPr algn="ctr"/>
+            <a:r>
+              <a:rPr lang="en-CA" dirty="0">
+                <a:solidFill>
+                  <a:schemeClr val="bg1"/>
+                </a:solidFill>
+              </a:rPr>
+              <a:t>Intersection Controller</a:t>
+            </a:r>
+            <a:endParaRPr lang="en-US" dirty="0">
+              <a:solidFill>
+                <a:schemeClr val="bg1"/>
+              </a:solidFill>
+            </a:endParaRPr>
+          </a:p>
+        </p:txBody>
+      </p:sp>
+      <p:sp>
+        <p:nvSpPr>
+          <p:cNvPr id="25" name="Rectangle 24"/>
+          <p:cNvSpPr/>
+          <p:nvPr/>
+        </p:nvSpPr>
+        <p:spPr>
+          <a:xfrm>
+            <a:off x="12463244" y="2019300"/>
+            <a:ext cx="478056" cy="787400"/>
+          </a:xfrm>
+          <a:prstGeom prst="rect">
+            <a:avLst/>
+          </a:prstGeom>
+        </p:spPr>
+        <p:style>
+          <a:lnRef idx="2">
+            <a:schemeClr val="accent1">
+              <a:shade val="50000"/>
+            </a:schemeClr>
+          </a:lnRef>
+          <a:fillRef idx="1">
+            <a:schemeClr val="accent1"/>
+          </a:fillRef>
+          <a:effectRef idx="0">
+            <a:schemeClr val="accent1"/>
+          </a:effectRef>
+          <a:fontRef idx="minor">
+            <a:schemeClr val="lt1"/>
+          </a:fontRef>
+        </p:style>
+        <p:txBody>
+          <a:bodyPr vert="horz" rtlCol="0" anchor="ctr"/>
+          <a:lstStyle/>
+          <a:p>
+            <a:pPr algn="ctr"/>
+            <a:r>
+              <a:rPr lang="en-CA" sz="4400" b="1" dirty="0">
+                <a:solidFill>
+                  <a:schemeClr val="tx1"/>
+                </a:solidFill>
+                <a:latin typeface="Times New Roman" panose="02020603050405020304" pitchFamily="18" charset="0"/>
+                <a:cs typeface="Times New Roman" panose="02020603050405020304" pitchFamily="18" charset="0"/>
+              </a:rPr>
+              <a:t>2</a:t>
+            </a:r>
+            <a:endParaRPr lang="en-US" sz="4400" b="1" dirty="0">
+              <a:solidFill>
+                <a:schemeClr val="tx1"/>
+              </a:solidFill>
+              <a:latin typeface="Times New Roman" panose="02020603050405020304" pitchFamily="18" charset="0"/>
+              <a:cs typeface="Times New Roman" panose="02020603050405020304" pitchFamily="18" charset="0"/>
+            </a:endParaRPr>
+          </a:p>
+        </p:txBody>
+      </p:sp>
+      <p:sp>
+        <p:nvSpPr>
+          <p:cNvPr id="26" name="Rectangle 25"/>
+          <p:cNvSpPr/>
+          <p:nvPr/>
+        </p:nvSpPr>
+        <p:spPr>
+          <a:xfrm rot="5400000">
+            <a:off x="4794791" y="-871757"/>
+            <a:ext cx="478056" cy="787400"/>
+          </a:xfrm>
+          <a:prstGeom prst="rect">
+            <a:avLst/>
+          </a:prstGeom>
+        </p:spPr>
+        <p:style>
+          <a:lnRef idx="2">
+            <a:schemeClr val="accent1">
+              <a:shade val="50000"/>
+            </a:schemeClr>
+          </a:lnRef>
+          <a:fillRef idx="1">
+            <a:schemeClr val="accent1"/>
+          </a:fillRef>
+          <a:effectRef idx="0">
+            <a:schemeClr val="accent1"/>
+          </a:effectRef>
+          <a:fontRef idx="minor">
+            <a:schemeClr val="lt1"/>
+          </a:fontRef>
+        </p:style>
+        <p:txBody>
+          <a:bodyPr vert="vert270" rtlCol="0" anchor="ctr"/>
+          <a:lstStyle/>
+          <a:p>
+            <a:pPr algn="ctr"/>
+            <a:r>
+              <a:rPr lang="en-CA" sz="4400" b="1" dirty="0">
+                <a:solidFill>
+                  <a:schemeClr val="tx1"/>
+                </a:solidFill>
+                <a:latin typeface="Times New Roman" panose="02020603050405020304" pitchFamily="18" charset="0"/>
+                <a:cs typeface="Times New Roman" panose="02020603050405020304" pitchFamily="18" charset="0"/>
+              </a:rPr>
+              <a:t>1</a:t>
+            </a:r>
+            <a:endParaRPr lang="en-US" sz="4400" b="1" dirty="0">
+              <a:solidFill>
+                <a:schemeClr val="tx1"/>
+              </a:solidFill>
+              <a:latin typeface="Times New Roman" panose="02020603050405020304" pitchFamily="18" charset="0"/>
+              <a:cs typeface="Times New Roman" panose="02020603050405020304" pitchFamily="18" charset="0"/>
+            </a:endParaRPr>
+          </a:p>
+        </p:txBody>
+      </p:sp>
+      <p:sp>
+        <p:nvSpPr>
+          <p:cNvPr id="27" name="Rectangle 26"/>
+          <p:cNvSpPr/>
+          <p:nvPr/>
+        </p:nvSpPr>
+        <p:spPr>
+          <a:xfrm>
+            <a:off x="-718238" y="3980871"/>
+            <a:ext cx="478056" cy="787400"/>
+          </a:xfrm>
+          <a:prstGeom prst="rect">
+            <a:avLst/>
+          </a:prstGeom>
+        </p:spPr>
+        <p:style>
+          <a:lnRef idx="2">
+            <a:schemeClr val="accent1">
+              <a:shade val="50000"/>
+            </a:schemeClr>
+          </a:lnRef>
+          <a:fillRef idx="1">
+            <a:schemeClr val="accent1"/>
+          </a:fillRef>
+          <a:effectRef idx="0">
+            <a:schemeClr val="accent1"/>
+          </a:effectRef>
+          <a:fontRef idx="minor">
+            <a:schemeClr val="lt1"/>
+          </a:fontRef>
+        </p:style>
+        <p:txBody>
+          <a:bodyPr vert="horz" rtlCol="0" anchor="ctr"/>
+          <a:lstStyle/>
+          <a:p>
+            <a:pPr algn="ctr"/>
+            <a:r>
+              <a:rPr lang="en-CA" sz="4400" b="1" dirty="0">
+                <a:solidFill>
+                  <a:schemeClr val="tx1"/>
+                </a:solidFill>
+                <a:latin typeface="Times New Roman" panose="02020603050405020304" pitchFamily="18" charset="0"/>
+                <a:cs typeface="Times New Roman" panose="02020603050405020304" pitchFamily="18" charset="0"/>
+              </a:rPr>
+              <a:t>3</a:t>
+            </a:r>
+            <a:endParaRPr lang="en-US" sz="4400" b="1" dirty="0">
+              <a:solidFill>
+                <a:schemeClr val="tx1"/>
+              </a:solidFill>
+              <a:latin typeface="Times New Roman" panose="02020603050405020304" pitchFamily="18" charset="0"/>
+              <a:cs typeface="Times New Roman" panose="02020603050405020304" pitchFamily="18" charset="0"/>
+            </a:endParaRPr>
+          </a:p>
+        </p:txBody>
+      </p:sp>
+      <p:sp>
+        <p:nvSpPr>
+          <p:cNvPr id="28" name="Oval 27"/>
+          <p:cNvSpPr/>
+          <p:nvPr/>
+        </p:nvSpPr>
+        <p:spPr>
+          <a:xfrm>
+            <a:off x="4868719" y="-631824"/>
+            <a:ext cx="330200" cy="292100"/>
+          </a:xfrm>
+          <a:prstGeom prst="ellipse">
+            <a:avLst/>
+          </a:prstGeom>
+          <a:solidFill>
+            <a:srgbClr val="FF0000"/>
+          </a:solidFill>
           <a:ln>
             <a:noFill/>
           </a:ln>
         </p:spPr>
+        <p:style>
+          <a:lnRef idx="2">
+            <a:schemeClr val="accent1">
+              <a:shade val="50000"/>
+            </a:schemeClr>
+          </a:lnRef>
+          <a:fillRef idx="1">
+            <a:schemeClr val="accent1"/>
+          </a:fillRef>
+          <a:effectRef idx="0">
+            <a:schemeClr val="accent1"/>
+          </a:effectRef>
+          <a:fontRef idx="minor">
+            <a:schemeClr val="lt1"/>
+          </a:fontRef>
+        </p:style>
         <p:txBody>
-          <a:bodyPr lIns="91425" tIns="91425" rIns="91425" bIns="91425" anchor="t" anchorCtr="0">
-            <a:noAutofit/>
-          </a:bodyPr>
+          <a:bodyPr rtlCol="0" anchor="ctr"/>
           <a:lstStyle/>
           <a:p>
-            <a:pPr lvl="0">
-              <a:spcBef>
-                <a:spcPts val="0"/>
-              </a:spcBef>
-              <a:buNone/>
-            </a:pPr>
+            <a:pPr algn="ctr"/>
             <a:r>
-              <a:rPr lang="en-CA" b="1"/>
-              <a:t>Total:  700</a:t>
+              <a:rPr lang="en-CA" dirty="0"/>
+              <a:t>1</a:t>
             </a:r>
+            <a:endParaRPr lang="en-US" dirty="0"/>
+          </a:p>
+        </p:txBody>
+      </p:sp>
+      <p:sp>
+        <p:nvSpPr>
+          <p:cNvPr id="30" name="Oval 29"/>
+          <p:cNvSpPr/>
+          <p:nvPr/>
+        </p:nvSpPr>
+        <p:spPr>
+          <a:xfrm>
+            <a:off x="12537172" y="2266950"/>
+            <a:ext cx="330200" cy="292100"/>
+          </a:xfrm>
+          <a:prstGeom prst="ellipse">
+            <a:avLst/>
+          </a:prstGeom>
+          <a:solidFill>
+            <a:srgbClr val="FF0000"/>
+          </a:solidFill>
+          <a:ln>
+            <a:noFill/>
+          </a:ln>
+        </p:spPr>
+        <p:style>
+          <a:lnRef idx="2">
+            <a:schemeClr val="accent1">
+              <a:shade val="50000"/>
+            </a:schemeClr>
+          </a:lnRef>
+          <a:fillRef idx="1">
+            <a:schemeClr val="accent1"/>
+          </a:fillRef>
+          <a:effectRef idx="0">
+            <a:schemeClr val="accent1"/>
+          </a:effectRef>
+          <a:fontRef idx="minor">
+            <a:schemeClr val="lt1"/>
+          </a:fontRef>
+        </p:style>
+        <p:txBody>
+          <a:bodyPr rtlCol="0" anchor="ctr"/>
+          <a:lstStyle/>
+          <a:p>
+            <a:pPr algn="ctr"/>
+            <a:r>
+              <a:rPr lang="en-CA" dirty="0"/>
+              <a:t>2</a:t>
+            </a:r>
+            <a:endParaRPr lang="en-US" dirty="0"/>
+          </a:p>
+        </p:txBody>
+      </p:sp>
+      <p:sp>
+        <p:nvSpPr>
+          <p:cNvPr id="31" name="Oval 30"/>
+          <p:cNvSpPr/>
+          <p:nvPr/>
+        </p:nvSpPr>
+        <p:spPr>
+          <a:xfrm>
+            <a:off x="-644310" y="4228521"/>
+            <a:ext cx="330200" cy="292100"/>
+          </a:xfrm>
+          <a:prstGeom prst="ellipse">
+            <a:avLst/>
+          </a:prstGeom>
+          <a:solidFill>
+            <a:srgbClr val="FF0000"/>
+          </a:solidFill>
+          <a:ln>
+            <a:noFill/>
+          </a:ln>
+        </p:spPr>
+        <p:style>
+          <a:lnRef idx="2">
+            <a:schemeClr val="accent1">
+              <a:shade val="50000"/>
+            </a:schemeClr>
+          </a:lnRef>
+          <a:fillRef idx="1">
+            <a:schemeClr val="accent1"/>
+          </a:fillRef>
+          <a:effectRef idx="0">
+            <a:schemeClr val="accent1"/>
+          </a:effectRef>
+          <a:fontRef idx="minor">
+            <a:schemeClr val="lt1"/>
+          </a:fontRef>
+        </p:style>
+        <p:txBody>
+          <a:bodyPr rtlCol="0" anchor="ctr"/>
+          <a:lstStyle/>
+          <a:p>
+            <a:pPr algn="ctr"/>
+            <a:r>
+              <a:rPr lang="en-CA" dirty="0"/>
+              <a:t>3</a:t>
+            </a:r>
+            <a:endParaRPr lang="en-US" dirty="0"/>
+          </a:p>
+        </p:txBody>
+      </p:sp>
+      <p:sp>
+        <p:nvSpPr>
+          <p:cNvPr id="32" name="Oval 31"/>
+          <p:cNvSpPr/>
+          <p:nvPr/>
+        </p:nvSpPr>
+        <p:spPr>
+          <a:xfrm>
+            <a:off x="9763993" y="565725"/>
+            <a:ext cx="330200" cy="292100"/>
+          </a:xfrm>
+          <a:prstGeom prst="ellipse">
+            <a:avLst/>
+          </a:prstGeom>
+          <a:solidFill>
+            <a:srgbClr val="00FF00"/>
+          </a:solidFill>
+          <a:ln>
+            <a:noFill/>
+          </a:ln>
+        </p:spPr>
+        <p:style>
+          <a:lnRef idx="2">
+            <a:schemeClr val="accent1">
+              <a:shade val="50000"/>
+            </a:schemeClr>
+          </a:lnRef>
+          <a:fillRef idx="1">
+            <a:schemeClr val="accent1"/>
+          </a:fillRef>
+          <a:effectRef idx="0">
+            <a:schemeClr val="accent1"/>
+          </a:effectRef>
+          <a:fontRef idx="minor">
+            <a:schemeClr val="lt1"/>
+          </a:fontRef>
+        </p:style>
+        <p:txBody>
+          <a:bodyPr rtlCol="0" anchor="ctr"/>
+          <a:lstStyle/>
+          <a:p>
+            <a:pPr algn="ctr"/>
+            <a:r>
+              <a:rPr lang="en-CA" dirty="0">
+                <a:solidFill>
+                  <a:schemeClr val="tx1"/>
+                </a:solidFill>
+              </a:rPr>
+              <a:t>1</a:t>
+            </a:r>
+            <a:endParaRPr lang="en-US" dirty="0">
+              <a:solidFill>
+                <a:schemeClr val="tx1"/>
+              </a:solidFill>
+            </a:endParaRPr>
+          </a:p>
+        </p:txBody>
+      </p:sp>
+      <p:sp>
+        <p:nvSpPr>
+          <p:cNvPr id="34" name="Oval 33"/>
+          <p:cNvSpPr/>
+          <p:nvPr/>
+        </p:nvSpPr>
+        <p:spPr>
+          <a:xfrm>
+            <a:off x="9763993" y="581599"/>
+            <a:ext cx="330200" cy="292100"/>
+          </a:xfrm>
+          <a:prstGeom prst="ellipse">
+            <a:avLst/>
+          </a:prstGeom>
+          <a:solidFill>
+            <a:srgbClr val="00FF00"/>
+          </a:solidFill>
+          <a:ln>
+            <a:noFill/>
+          </a:ln>
+        </p:spPr>
+        <p:style>
+          <a:lnRef idx="2">
+            <a:schemeClr val="accent1">
+              <a:shade val="50000"/>
+            </a:schemeClr>
+          </a:lnRef>
+          <a:fillRef idx="1">
+            <a:schemeClr val="accent1"/>
+          </a:fillRef>
+          <a:effectRef idx="0">
+            <a:schemeClr val="accent1"/>
+          </a:effectRef>
+          <a:fontRef idx="minor">
+            <a:schemeClr val="lt1"/>
+          </a:fontRef>
+        </p:style>
+        <p:txBody>
+          <a:bodyPr rtlCol="0" anchor="ctr"/>
+          <a:lstStyle/>
+          <a:p>
+            <a:pPr algn="ctr"/>
+            <a:r>
+              <a:rPr lang="en-CA" dirty="0">
+                <a:solidFill>
+                  <a:schemeClr val="tx1"/>
+                </a:solidFill>
+              </a:rPr>
+              <a:t>2</a:t>
+            </a:r>
+            <a:endParaRPr lang="en-US" dirty="0">
+              <a:solidFill>
+                <a:schemeClr val="tx1"/>
+              </a:solidFill>
+            </a:endParaRPr>
+          </a:p>
+        </p:txBody>
+      </p:sp>
+      <p:sp>
+        <p:nvSpPr>
+          <p:cNvPr id="35" name="Oval 34"/>
+          <p:cNvSpPr/>
+          <p:nvPr/>
+        </p:nvSpPr>
+        <p:spPr>
+          <a:xfrm>
+            <a:off x="9763993" y="559703"/>
+            <a:ext cx="330200" cy="292100"/>
+          </a:xfrm>
+          <a:prstGeom prst="ellipse">
+            <a:avLst/>
+          </a:prstGeom>
+          <a:solidFill>
+            <a:srgbClr val="00FF00"/>
+          </a:solidFill>
+          <a:ln>
+            <a:noFill/>
+          </a:ln>
+        </p:spPr>
+        <p:style>
+          <a:lnRef idx="2">
+            <a:schemeClr val="accent1">
+              <a:shade val="50000"/>
+            </a:schemeClr>
+          </a:lnRef>
+          <a:fillRef idx="1">
+            <a:schemeClr val="accent1"/>
+          </a:fillRef>
+          <a:effectRef idx="0">
+            <a:schemeClr val="accent1"/>
+          </a:effectRef>
+          <a:fontRef idx="minor">
+            <a:schemeClr val="lt1"/>
+          </a:fontRef>
+        </p:style>
+        <p:txBody>
+          <a:bodyPr rtlCol="0" anchor="ctr"/>
+          <a:lstStyle/>
+          <a:p>
+            <a:pPr algn="ctr"/>
+            <a:r>
+              <a:rPr lang="en-CA" dirty="0">
+                <a:solidFill>
+                  <a:schemeClr val="tx1"/>
+                </a:solidFill>
+              </a:rPr>
+              <a:t>3</a:t>
+            </a:r>
+            <a:endParaRPr lang="en-US" dirty="0">
+              <a:solidFill>
+                <a:schemeClr val="tx1"/>
+              </a:solidFill>
+            </a:endParaRPr>
+          </a:p>
+        </p:txBody>
+      </p:sp>
+      <p:sp>
+        <p:nvSpPr>
+          <p:cNvPr id="37" name="Oval 36"/>
+          <p:cNvSpPr/>
+          <p:nvPr/>
+        </p:nvSpPr>
+        <p:spPr>
+          <a:xfrm>
+            <a:off x="68054" y="81566"/>
+            <a:ext cx="1367046" cy="581599"/>
+          </a:xfrm>
+          <a:prstGeom prst="ellipse">
+            <a:avLst/>
+          </a:prstGeom>
+          <a:solidFill>
+            <a:srgbClr val="FF0000"/>
+          </a:solidFill>
+          <a:ln>
+            <a:noFill/>
+          </a:ln>
+        </p:spPr>
+        <p:style>
+          <a:lnRef idx="2">
+            <a:schemeClr val="accent1">
+              <a:shade val="50000"/>
+            </a:schemeClr>
+          </a:lnRef>
+          <a:fillRef idx="1">
+            <a:schemeClr val="accent1"/>
+          </a:fillRef>
+          <a:effectRef idx="0">
+            <a:schemeClr val="accent1"/>
+          </a:effectRef>
+          <a:fontRef idx="minor">
+            <a:schemeClr val="lt1"/>
+          </a:fontRef>
+        </p:style>
+        <p:txBody>
+          <a:bodyPr rtlCol="0" anchor="ctr"/>
+          <a:lstStyle/>
+          <a:p>
+            <a:pPr algn="ctr"/>
+            <a:r>
+              <a:rPr lang="en-CA" dirty="0"/>
+              <a:t>Request</a:t>
+            </a:r>
+            <a:endParaRPr lang="en-US" dirty="0"/>
+          </a:p>
+        </p:txBody>
+      </p:sp>
+      <p:sp>
+        <p:nvSpPr>
+          <p:cNvPr id="38" name="Oval 37"/>
+          <p:cNvSpPr/>
+          <p:nvPr/>
+        </p:nvSpPr>
+        <p:spPr>
+          <a:xfrm>
+            <a:off x="41502" y="737056"/>
+            <a:ext cx="1393598" cy="581599"/>
+          </a:xfrm>
+          <a:prstGeom prst="ellipse">
+            <a:avLst/>
+          </a:prstGeom>
+          <a:solidFill>
+            <a:srgbClr val="00FF00"/>
+          </a:solidFill>
+          <a:ln>
+            <a:noFill/>
+          </a:ln>
+        </p:spPr>
+        <p:style>
+          <a:lnRef idx="2">
+            <a:schemeClr val="accent1">
+              <a:shade val="50000"/>
+            </a:schemeClr>
+          </a:lnRef>
+          <a:fillRef idx="1">
+            <a:schemeClr val="accent1"/>
+          </a:fillRef>
+          <a:effectRef idx="0">
+            <a:schemeClr val="accent1"/>
+          </a:effectRef>
+          <a:fontRef idx="minor">
+            <a:schemeClr val="lt1"/>
+          </a:fontRef>
+        </p:style>
+        <p:txBody>
+          <a:bodyPr rtlCol="0" anchor="ctr"/>
+          <a:lstStyle/>
+          <a:p>
+            <a:pPr algn="ctr"/>
+            <a:r>
+              <a:rPr lang="en-CA" dirty="0">
+                <a:solidFill>
+                  <a:schemeClr val="tx1"/>
+                </a:solidFill>
+              </a:rPr>
+              <a:t>Proceed</a:t>
+            </a:r>
+            <a:endParaRPr lang="en-US" dirty="0">
+              <a:solidFill>
+                <a:schemeClr val="tx1"/>
+              </a:solidFill>
+            </a:endParaRPr>
           </a:p>
         </p:txBody>
       </p:sp>
     </p:spTree>
     <p:extLst>
       <p:ext uri="{BB962C8B-B14F-4D97-AF65-F5344CB8AC3E}">
-        <p14:creationId xmlns:p14="http://schemas.microsoft.com/office/powerpoint/2010/main" val="2416161344"/>
+        <p14:creationId xmlns:p14="http://schemas.microsoft.com/office/powerpoint/2010/main" val="154787106"/>
       </p:ext>
     </p:extLst>
   </p:cSld>
   <p:clrMapOvr>
     <a:masterClrMapping/>
   </p:clrMapOvr>
+  <p:timing>
+    <p:tnLst>
+      <p:par>
+        <p:cTn id="1" dur="indefinite" restart="never" nodeType="tmRoot">
+          <p:childTnLst>
+            <p:seq concurrent="1" nextAc="seek">
+              <p:cTn id="2" dur="indefinite" nodeType="mainSeq">
+                <p:childTnLst>
+                  <p:par>
+                    <p:cTn id="3" fill="hold">
+                      <p:stCondLst>
+                        <p:cond delay="indefinite"/>
+                      </p:stCondLst>
+                      <p:childTnLst>
+                        <p:par>
+                          <p:cTn id="4" fill="hold">
+                            <p:stCondLst>
+                              <p:cond delay="0"/>
+                            </p:stCondLst>
+                            <p:childTnLst>
+                              <p:par>
+                                <p:cTn id="5" presetID="42" presetClass="path" presetSubtype="0" accel="50000" decel="50000" fill="hold" grpId="0" nodeType="clickEffect">
+                                  <p:stCondLst>
+                                    <p:cond delay="100"/>
+                                  </p:stCondLst>
+                                  <p:childTnLst>
+                                    <p:animMotion origin="layout" path="M -4.16667E-7 -4.07407E-6 L -0.00026 0.21412 " pathEditMode="relative" rAng="0" ptsTypes="AA">
+                                      <p:cBhvr>
+                                        <p:cTn id="6" dur="5000" fill="hold"/>
+                                        <p:tgtEl>
+                                          <p:spTgt spid="26"/>
+                                        </p:tgtEl>
+                                        <p:attrNameLst>
+                                          <p:attrName>ppt_x</p:attrName>
+                                          <p:attrName>ppt_y</p:attrName>
+                                        </p:attrNameLst>
+                                      </p:cBhvr>
+                                      <p:rCtr x="-13" y="10694"/>
+                                    </p:animMotion>
+                                  </p:childTnLst>
+                                </p:cTn>
+                              </p:par>
+                              <p:par>
+                                <p:cTn id="7" presetID="50" presetClass="path" presetSubtype="0" accel="50000" decel="50000" fill="hold" grpId="0" nodeType="withEffect">
+                                  <p:stCondLst>
+                                    <p:cond delay="750"/>
+                                  </p:stCondLst>
+                                  <p:childTnLst>
+                                    <p:animMotion origin="layout" path="M 0.40156 0.17106 L 0.20078 0.17106 C 0.11081 0.17106 -0.00013 0.12384 -0.00013 0.08611 L -0.00013 0.00116 " pathEditMode="relative" rAng="10800000" ptsTypes="AAAA">
+                                      <p:cBhvr>
+                                        <p:cTn id="8" dur="4000" spd="-100000" fill="hold"/>
+                                        <p:tgtEl>
+                                          <p:spTgt spid="28"/>
+                                        </p:tgtEl>
+                                        <p:attrNameLst>
+                                          <p:attrName>ppt_x</p:attrName>
+                                          <p:attrName>ppt_y</p:attrName>
+                                        </p:attrNameLst>
+                                      </p:cBhvr>
+                                      <p:rCtr x="-20078" y="-8495"/>
+                                    </p:animMotion>
+                                  </p:childTnLst>
+                                </p:cTn>
+                              </p:par>
+                              <p:par>
+                                <p:cTn id="9" presetID="42" presetClass="path" presetSubtype="0" accel="50000" decel="50000" fill="hold" grpId="0" nodeType="withEffect">
+                                  <p:stCondLst>
+                                    <p:cond delay="800"/>
+                                  </p:stCondLst>
+                                  <p:childTnLst>
+                                    <p:animMotion origin="layout" path="M 3.125E-6 -1.85185E-6 L -0.30352 0.00371 " pathEditMode="relative" rAng="0" ptsTypes="AA">
+                                      <p:cBhvr>
+                                        <p:cTn id="10" dur="4750" fill="hold"/>
+                                        <p:tgtEl>
+                                          <p:spTgt spid="25"/>
+                                        </p:tgtEl>
+                                        <p:attrNameLst>
+                                          <p:attrName>ppt_x</p:attrName>
+                                          <p:attrName>ppt_y</p:attrName>
+                                        </p:attrNameLst>
+                                      </p:cBhvr>
+                                      <p:rCtr x="-15182" y="185"/>
+                                    </p:animMotion>
+                                  </p:childTnLst>
+                                </p:cTn>
+                              </p:par>
+                              <p:par>
+                                <p:cTn id="11" presetID="50" presetClass="path" presetSubtype="0" accel="50000" decel="50000" fill="hold" grpId="0" nodeType="withEffect">
+                                  <p:stCondLst>
+                                    <p:cond delay="1000"/>
+                                  </p:stCondLst>
+                                  <p:childTnLst>
+                                    <p:animMotion origin="layout" path="M -4.79167E-6 -1.48148E-6 L -0.11315 -1.48148E-6 C -0.16367 -1.48148E-6 -0.2263 -0.06898 -0.2263 -0.125 L -0.2263 -0.25 " pathEditMode="relative" rAng="10800000" ptsTypes="AAAA">
+                                      <p:cBhvr>
+                                        <p:cTn id="12" dur="4250" fill="hold"/>
+                                        <p:tgtEl>
+                                          <p:spTgt spid="30"/>
+                                        </p:tgtEl>
+                                        <p:attrNameLst>
+                                          <p:attrName>ppt_x</p:attrName>
+                                          <p:attrName>ppt_y</p:attrName>
+                                        </p:attrNameLst>
+                                      </p:cBhvr>
+                                      <p:rCtr x="-11315" y="-12500"/>
+                                    </p:animMotion>
+                                  </p:childTnLst>
+                                </p:cTn>
+                              </p:par>
+                              <p:par>
+                                <p:cTn id="13" presetID="42" presetClass="path" presetSubtype="0" accel="50000" decel="50000" fill="hold" grpId="0" nodeType="withEffect">
+                                  <p:stCondLst>
+                                    <p:cond delay="1000"/>
+                                  </p:stCondLst>
+                                  <p:childTnLst>
+                                    <p:animMotion origin="layout" path="M 2.70833E-6 -2.96296E-6 L 0.30377 -0.00463 " pathEditMode="relative" rAng="0" ptsTypes="AA">
+                                      <p:cBhvr>
+                                        <p:cTn id="14" dur="5000" fill="hold"/>
+                                        <p:tgtEl>
+                                          <p:spTgt spid="27"/>
+                                        </p:tgtEl>
+                                        <p:attrNameLst>
+                                          <p:attrName>ppt_x</p:attrName>
+                                          <p:attrName>ppt_y</p:attrName>
+                                        </p:attrNameLst>
+                                      </p:cBhvr>
+                                      <p:rCtr x="15182" y="-231"/>
+                                    </p:animMotion>
+                                  </p:childTnLst>
+                                </p:cTn>
+                              </p:par>
+                              <p:par>
+                                <p:cTn id="15" presetID="43" presetClass="path" presetSubtype="0" accel="50000" decel="50000" fill="hold" grpId="0" nodeType="withEffect">
+                                  <p:stCondLst>
+                                    <p:cond delay="1200"/>
+                                  </p:stCondLst>
+                                  <p:childTnLst>
+                                    <p:animMotion origin="layout" path="M -0.00026 -0.00787 L 0.42656 -0.00787 C 0.61771 -0.00787 0.85351 -0.15416 0.85351 -0.27291 L 0.85351 -0.53773 " pathEditMode="relative" rAng="0" ptsTypes="AAAA">
+                                      <p:cBhvr>
+                                        <p:cTn id="16" dur="4000" fill="hold"/>
+                                        <p:tgtEl>
+                                          <p:spTgt spid="31"/>
+                                        </p:tgtEl>
+                                        <p:attrNameLst>
+                                          <p:attrName>ppt_x</p:attrName>
+                                          <p:attrName>ppt_y</p:attrName>
+                                        </p:attrNameLst>
+                                      </p:cBhvr>
+                                      <p:rCtr x="42682" y="-26505"/>
+                                    </p:animMotion>
+                                  </p:childTnLst>
+                                </p:cTn>
+                              </p:par>
+                            </p:childTnLst>
+                          </p:cTn>
+                        </p:par>
+                        <p:par>
+                          <p:cTn id="17" fill="hold">
+                            <p:stCondLst>
+                              <p:cond delay="6000"/>
+                            </p:stCondLst>
+                            <p:childTnLst>
+                              <p:par>
+                                <p:cTn id="18" presetID="10" presetClass="exit" presetSubtype="0" fill="hold" grpId="1" nodeType="afterEffect">
+                                  <p:stCondLst>
+                                    <p:cond delay="0"/>
+                                  </p:stCondLst>
+                                  <p:childTnLst>
+                                    <p:animEffect transition="out" filter="fade">
+                                      <p:cBhvr>
+                                        <p:cTn id="19" dur="500"/>
+                                        <p:tgtEl>
+                                          <p:spTgt spid="28"/>
+                                        </p:tgtEl>
+                                      </p:cBhvr>
+                                    </p:animEffect>
+                                    <p:set>
+                                      <p:cBhvr>
+                                        <p:cTn id="20" dur="1" fill="hold">
+                                          <p:stCondLst>
+                                            <p:cond delay="499"/>
+                                          </p:stCondLst>
+                                        </p:cTn>
+                                        <p:tgtEl>
+                                          <p:spTgt spid="28"/>
+                                        </p:tgtEl>
+                                        <p:attrNameLst>
+                                          <p:attrName>style.visibility</p:attrName>
+                                        </p:attrNameLst>
+                                      </p:cBhvr>
+                                      <p:to>
+                                        <p:strVal val="hidden"/>
+                                      </p:to>
+                                    </p:set>
+                                  </p:childTnLst>
+                                </p:cTn>
+                              </p:par>
+                              <p:par>
+                                <p:cTn id="21" presetID="10" presetClass="exit" presetSubtype="0" fill="hold" grpId="1" nodeType="withEffect">
+                                  <p:stCondLst>
+                                    <p:cond delay="0"/>
+                                  </p:stCondLst>
+                                  <p:childTnLst>
+                                    <p:animEffect transition="out" filter="fade">
+                                      <p:cBhvr>
+                                        <p:cTn id="22" dur="500"/>
+                                        <p:tgtEl>
+                                          <p:spTgt spid="30"/>
+                                        </p:tgtEl>
+                                      </p:cBhvr>
+                                    </p:animEffect>
+                                    <p:set>
+                                      <p:cBhvr>
+                                        <p:cTn id="23" dur="1" fill="hold">
+                                          <p:stCondLst>
+                                            <p:cond delay="499"/>
+                                          </p:stCondLst>
+                                        </p:cTn>
+                                        <p:tgtEl>
+                                          <p:spTgt spid="30"/>
+                                        </p:tgtEl>
+                                        <p:attrNameLst>
+                                          <p:attrName>style.visibility</p:attrName>
+                                        </p:attrNameLst>
+                                      </p:cBhvr>
+                                      <p:to>
+                                        <p:strVal val="hidden"/>
+                                      </p:to>
+                                    </p:set>
+                                  </p:childTnLst>
+                                </p:cTn>
+                              </p:par>
+                              <p:par>
+                                <p:cTn id="24" presetID="10" presetClass="exit" presetSubtype="0" fill="hold" grpId="1" nodeType="withEffect">
+                                  <p:stCondLst>
+                                    <p:cond delay="0"/>
+                                  </p:stCondLst>
+                                  <p:childTnLst>
+                                    <p:animEffect transition="out" filter="fade">
+                                      <p:cBhvr>
+                                        <p:cTn id="25" dur="500"/>
+                                        <p:tgtEl>
+                                          <p:spTgt spid="31"/>
+                                        </p:tgtEl>
+                                      </p:cBhvr>
+                                    </p:animEffect>
+                                    <p:set>
+                                      <p:cBhvr>
+                                        <p:cTn id="26" dur="1" fill="hold">
+                                          <p:stCondLst>
+                                            <p:cond delay="499"/>
+                                          </p:stCondLst>
+                                        </p:cTn>
+                                        <p:tgtEl>
+                                          <p:spTgt spid="31"/>
+                                        </p:tgtEl>
+                                        <p:attrNameLst>
+                                          <p:attrName>style.visibility</p:attrName>
+                                        </p:attrNameLst>
+                                      </p:cBhvr>
+                                      <p:to>
+                                        <p:strVal val="hidden"/>
+                                      </p:to>
+                                    </p:set>
+                                  </p:childTnLst>
+                                </p:cTn>
+                              </p:par>
+                            </p:childTnLst>
+                          </p:cTn>
+                        </p:par>
+                        <p:par>
+                          <p:cTn id="27" fill="hold">
+                            <p:stCondLst>
+                              <p:cond delay="6500"/>
+                            </p:stCondLst>
+                            <p:childTnLst>
+                              <p:par>
+                                <p:cTn id="28" presetID="10" presetClass="entr" presetSubtype="0" fill="hold" grpId="0" nodeType="afterEffect">
+                                  <p:stCondLst>
+                                    <p:cond delay="0"/>
+                                  </p:stCondLst>
+                                  <p:childTnLst>
+                                    <p:set>
+                                      <p:cBhvr>
+                                        <p:cTn id="29" dur="1" fill="hold">
+                                          <p:stCondLst>
+                                            <p:cond delay="0"/>
+                                          </p:stCondLst>
+                                        </p:cTn>
+                                        <p:tgtEl>
+                                          <p:spTgt spid="32"/>
+                                        </p:tgtEl>
+                                        <p:attrNameLst>
+                                          <p:attrName>style.visibility</p:attrName>
+                                        </p:attrNameLst>
+                                      </p:cBhvr>
+                                      <p:to>
+                                        <p:strVal val="visible"/>
+                                      </p:to>
+                                    </p:set>
+                                    <p:animEffect transition="in" filter="fade">
+                                      <p:cBhvr>
+                                        <p:cTn id="30" dur="500"/>
+                                        <p:tgtEl>
+                                          <p:spTgt spid="32"/>
+                                        </p:tgtEl>
+                                      </p:cBhvr>
+                                    </p:animEffect>
+                                  </p:childTnLst>
+                                </p:cTn>
+                              </p:par>
+                            </p:childTnLst>
+                          </p:cTn>
+                        </p:par>
+                        <p:par>
+                          <p:cTn id="31" fill="hold">
+                            <p:stCondLst>
+                              <p:cond delay="7000"/>
+                            </p:stCondLst>
+                            <p:childTnLst>
+                              <p:par>
+                                <p:cTn id="32" presetID="42" presetClass="path" presetSubtype="0" accel="50000" decel="50000" fill="hold" grpId="2" nodeType="afterEffect">
+                                  <p:stCondLst>
+                                    <p:cond delay="0"/>
+                                  </p:stCondLst>
+                                  <p:childTnLst>
+                                    <p:animMotion origin="layout" path="M -3.125E-6 -3.7037E-6 L -0.40195 0.04075 " pathEditMode="relative" rAng="0" ptsTypes="AA">
+                                      <p:cBhvr>
+                                        <p:cTn id="33" dur="2000" fill="hold"/>
+                                        <p:tgtEl>
+                                          <p:spTgt spid="32"/>
+                                        </p:tgtEl>
+                                        <p:attrNameLst>
+                                          <p:attrName>ppt_x</p:attrName>
+                                          <p:attrName>ppt_y</p:attrName>
+                                        </p:attrNameLst>
+                                      </p:cBhvr>
+                                      <p:rCtr x="-20104" y="1875"/>
+                                    </p:animMotion>
+                                  </p:childTnLst>
+                                </p:cTn>
+                              </p:par>
+                              <p:par>
+                                <p:cTn id="34" presetID="10" presetClass="exit" presetSubtype="0" fill="hold" grpId="1" nodeType="withEffect">
+                                  <p:stCondLst>
+                                    <p:cond delay="2000"/>
+                                  </p:stCondLst>
+                                  <p:childTnLst>
+                                    <p:animEffect transition="out" filter="fade">
+                                      <p:cBhvr>
+                                        <p:cTn id="35" dur="500"/>
+                                        <p:tgtEl>
+                                          <p:spTgt spid="32"/>
+                                        </p:tgtEl>
+                                      </p:cBhvr>
+                                    </p:animEffect>
+                                    <p:set>
+                                      <p:cBhvr>
+                                        <p:cTn id="36" dur="1" fill="hold">
+                                          <p:stCondLst>
+                                            <p:cond delay="499"/>
+                                          </p:stCondLst>
+                                        </p:cTn>
+                                        <p:tgtEl>
+                                          <p:spTgt spid="32"/>
+                                        </p:tgtEl>
+                                        <p:attrNameLst>
+                                          <p:attrName>style.visibility</p:attrName>
+                                        </p:attrNameLst>
+                                      </p:cBhvr>
+                                      <p:to>
+                                        <p:strVal val="hidden"/>
+                                      </p:to>
+                                    </p:set>
+                                  </p:childTnLst>
+                                </p:cTn>
+                              </p:par>
+                            </p:childTnLst>
+                          </p:cTn>
+                        </p:par>
+                        <p:par>
+                          <p:cTn id="37" fill="hold">
+                            <p:stCondLst>
+                              <p:cond delay="9500"/>
+                            </p:stCondLst>
+                            <p:childTnLst>
+                              <p:par>
+                                <p:cTn id="38" presetID="42" presetClass="path" presetSubtype="0" accel="50000" decel="50000" fill="hold" grpId="1" nodeType="afterEffect">
+                                  <p:stCondLst>
+                                    <p:cond delay="600"/>
+                                  </p:stCondLst>
+                                  <p:childTnLst>
+                                    <p:animMotion origin="layout" path="M -0.00026 0.21412 L 0.00078 1.15116 " pathEditMode="relative" rAng="0" ptsTypes="AA">
+                                      <p:cBhvr>
+                                        <p:cTn id="39" dur="5250" fill="hold"/>
+                                        <p:tgtEl>
+                                          <p:spTgt spid="26"/>
+                                        </p:tgtEl>
+                                        <p:attrNameLst>
+                                          <p:attrName>ppt_x</p:attrName>
+                                          <p:attrName>ppt_y</p:attrName>
+                                        </p:attrNameLst>
+                                      </p:cBhvr>
+                                      <p:rCtr x="52" y="46852"/>
+                                    </p:animMotion>
+                                  </p:childTnLst>
+                                </p:cTn>
+                              </p:par>
+                              <p:par>
+                                <p:cTn id="40" presetID="10" presetClass="entr" presetSubtype="0" fill="hold" grpId="0" nodeType="withEffect">
+                                  <p:stCondLst>
+                                    <p:cond delay="900"/>
+                                  </p:stCondLst>
+                                  <p:childTnLst>
+                                    <p:set>
+                                      <p:cBhvr>
+                                        <p:cTn id="41" dur="1" fill="hold">
+                                          <p:stCondLst>
+                                            <p:cond delay="0"/>
+                                          </p:stCondLst>
+                                        </p:cTn>
+                                        <p:tgtEl>
+                                          <p:spTgt spid="35"/>
+                                        </p:tgtEl>
+                                        <p:attrNameLst>
+                                          <p:attrName>style.visibility</p:attrName>
+                                        </p:attrNameLst>
+                                      </p:cBhvr>
+                                      <p:to>
+                                        <p:strVal val="visible"/>
+                                      </p:to>
+                                    </p:set>
+                                    <p:animEffect transition="in" filter="fade">
+                                      <p:cBhvr>
+                                        <p:cTn id="42" dur="500"/>
+                                        <p:tgtEl>
+                                          <p:spTgt spid="35"/>
+                                        </p:tgtEl>
+                                      </p:cBhvr>
+                                    </p:animEffect>
+                                  </p:childTnLst>
+                                </p:cTn>
+                              </p:par>
+                              <p:par>
+                                <p:cTn id="43" presetID="22" presetClass="entr" presetSubtype="4" fill="hold" grpId="0" nodeType="withEffect">
+                                  <p:stCondLst>
+                                    <p:cond delay="1000"/>
+                                  </p:stCondLst>
+                                  <p:childTnLst>
+                                    <p:set>
+                                      <p:cBhvr>
+                                        <p:cTn id="44" dur="1" fill="hold">
+                                          <p:stCondLst>
+                                            <p:cond delay="0"/>
+                                          </p:stCondLst>
+                                        </p:cTn>
+                                        <p:tgtEl>
+                                          <p:spTgt spid="34"/>
+                                        </p:tgtEl>
+                                        <p:attrNameLst>
+                                          <p:attrName>style.visibility</p:attrName>
+                                        </p:attrNameLst>
+                                      </p:cBhvr>
+                                      <p:to>
+                                        <p:strVal val="visible"/>
+                                      </p:to>
+                                    </p:set>
+                                    <p:animEffect transition="in" filter="wipe(down)">
+                                      <p:cBhvr>
+                                        <p:cTn id="45" dur="500"/>
+                                        <p:tgtEl>
+                                          <p:spTgt spid="34"/>
+                                        </p:tgtEl>
+                                      </p:cBhvr>
+                                    </p:animEffect>
+                                  </p:childTnLst>
+                                </p:cTn>
+                              </p:par>
+                              <p:par>
+                                <p:cTn id="46" presetID="42" presetClass="path" presetSubtype="0" accel="50000" decel="50000" fill="hold" grpId="2" nodeType="withEffect">
+                                  <p:stCondLst>
+                                    <p:cond delay="1600"/>
+                                  </p:stCondLst>
+                                  <p:childTnLst>
+                                    <p:animMotion origin="layout" path="M -3.125E-6 7.40741E-7 L -0.54987 0.53032 " pathEditMode="relative" rAng="0" ptsTypes="AA">
+                                      <p:cBhvr>
+                                        <p:cTn id="47" dur="2000" fill="hold"/>
+                                        <p:tgtEl>
+                                          <p:spTgt spid="35"/>
+                                        </p:tgtEl>
+                                        <p:attrNameLst>
+                                          <p:attrName>ppt_x</p:attrName>
+                                          <p:attrName>ppt_y</p:attrName>
+                                        </p:attrNameLst>
+                                      </p:cBhvr>
+                                      <p:rCtr x="-27708" y="26204"/>
+                                    </p:animMotion>
+                                  </p:childTnLst>
+                                </p:cTn>
+                              </p:par>
+                              <p:par>
+                                <p:cTn id="48" presetID="42" presetClass="path" presetSubtype="0" accel="50000" decel="50000" fill="hold" grpId="2" nodeType="withEffect">
+                                  <p:stCondLst>
+                                    <p:cond delay="1600"/>
+                                  </p:stCondLst>
+                                  <p:childTnLst>
+                                    <p:animMotion origin="layout" path="M -3.125E-6 1.48148E-6 L -0.07617 0.24954 " pathEditMode="relative" rAng="0" ptsTypes="AA">
+                                      <p:cBhvr>
+                                        <p:cTn id="49" dur="2000" fill="hold"/>
+                                        <p:tgtEl>
+                                          <p:spTgt spid="34"/>
+                                        </p:tgtEl>
+                                        <p:attrNameLst>
+                                          <p:attrName>ppt_x</p:attrName>
+                                          <p:attrName>ppt_y</p:attrName>
+                                        </p:attrNameLst>
+                                      </p:cBhvr>
+                                      <p:rCtr x="-3815" y="12477"/>
+                                    </p:animMotion>
+                                  </p:childTnLst>
+                                </p:cTn>
+                              </p:par>
+                              <p:par>
+                                <p:cTn id="50" presetID="10" presetClass="exit" presetSubtype="0" fill="hold" grpId="1" nodeType="withEffect">
+                                  <p:stCondLst>
+                                    <p:cond delay="3700"/>
+                                  </p:stCondLst>
+                                  <p:childTnLst>
+                                    <p:animEffect transition="out" filter="fade">
+                                      <p:cBhvr>
+                                        <p:cTn id="51" dur="500"/>
+                                        <p:tgtEl>
+                                          <p:spTgt spid="34"/>
+                                        </p:tgtEl>
+                                      </p:cBhvr>
+                                    </p:animEffect>
+                                    <p:set>
+                                      <p:cBhvr>
+                                        <p:cTn id="52" dur="1" fill="hold">
+                                          <p:stCondLst>
+                                            <p:cond delay="499"/>
+                                          </p:stCondLst>
+                                        </p:cTn>
+                                        <p:tgtEl>
+                                          <p:spTgt spid="34"/>
+                                        </p:tgtEl>
+                                        <p:attrNameLst>
+                                          <p:attrName>style.visibility</p:attrName>
+                                        </p:attrNameLst>
+                                      </p:cBhvr>
+                                      <p:to>
+                                        <p:strVal val="hidden"/>
+                                      </p:to>
+                                    </p:set>
+                                  </p:childTnLst>
+                                </p:cTn>
+                              </p:par>
+                              <p:par>
+                                <p:cTn id="53" presetID="10" presetClass="exit" presetSubtype="0" fill="hold" grpId="1" nodeType="withEffect">
+                                  <p:stCondLst>
+                                    <p:cond delay="3800"/>
+                                  </p:stCondLst>
+                                  <p:childTnLst>
+                                    <p:animEffect transition="out" filter="fade">
+                                      <p:cBhvr>
+                                        <p:cTn id="54" dur="500"/>
+                                        <p:tgtEl>
+                                          <p:spTgt spid="35"/>
+                                        </p:tgtEl>
+                                      </p:cBhvr>
+                                    </p:animEffect>
+                                    <p:set>
+                                      <p:cBhvr>
+                                        <p:cTn id="55" dur="1" fill="hold">
+                                          <p:stCondLst>
+                                            <p:cond delay="499"/>
+                                          </p:stCondLst>
+                                        </p:cTn>
+                                        <p:tgtEl>
+                                          <p:spTgt spid="35"/>
+                                        </p:tgtEl>
+                                        <p:attrNameLst>
+                                          <p:attrName>style.visibility</p:attrName>
+                                        </p:attrNameLst>
+                                      </p:cBhvr>
+                                      <p:to>
+                                        <p:strVal val="hidden"/>
+                                      </p:to>
+                                    </p:set>
+                                  </p:childTnLst>
+                                </p:cTn>
+                              </p:par>
+                              <p:par>
+                                <p:cTn id="56" presetID="42" presetClass="path" presetSubtype="0" accel="50000" decel="50000" fill="hold" grpId="1" nodeType="withEffect">
+                                  <p:stCondLst>
+                                    <p:cond delay="4400"/>
+                                  </p:stCondLst>
+                                  <p:childTnLst>
+                                    <p:animMotion origin="layout" path="M -0.30352 0.00371 L -1.06888 0.02107 " pathEditMode="relative" rAng="0" ptsTypes="AA">
+                                      <p:cBhvr>
+                                        <p:cTn id="57" dur="5000" fill="hold"/>
+                                        <p:tgtEl>
+                                          <p:spTgt spid="25"/>
+                                        </p:tgtEl>
+                                        <p:attrNameLst>
+                                          <p:attrName>ppt_x</p:attrName>
+                                          <p:attrName>ppt_y</p:attrName>
+                                        </p:attrNameLst>
+                                      </p:cBhvr>
+                                      <p:rCtr x="-38268" y="856"/>
+                                    </p:animMotion>
+                                  </p:childTnLst>
+                                </p:cTn>
+                              </p:par>
+                              <p:par>
+                                <p:cTn id="58" presetID="42" presetClass="path" presetSubtype="0" accel="50000" decel="50000" fill="hold" grpId="1" nodeType="withEffect">
+                                  <p:stCondLst>
+                                    <p:cond delay="4600"/>
+                                  </p:stCondLst>
+                                  <p:childTnLst>
+                                    <p:animMotion origin="layout" path="M 0.30377 -0.00463 L 1.07669 -0.01736 " pathEditMode="relative" rAng="0" ptsTypes="AA">
+                                      <p:cBhvr>
+                                        <p:cTn id="59" dur="5250" fill="hold"/>
+                                        <p:tgtEl>
+                                          <p:spTgt spid="27"/>
+                                        </p:tgtEl>
+                                        <p:attrNameLst>
+                                          <p:attrName>ppt_x</p:attrName>
+                                          <p:attrName>ppt_y</p:attrName>
+                                        </p:attrNameLst>
+                                      </p:cBhvr>
+                                      <p:rCtr x="38646" y="-648"/>
+                                    </p:animMotion>
+                                  </p:childTnLst>
+                                </p:cTn>
+                              </p:par>
+                            </p:childTnLst>
+                          </p:cTn>
+                        </p:par>
+                      </p:childTnLst>
+                    </p:cTn>
+                  </p:par>
+                </p:childTnLst>
+              </p:cTn>
+              <p:prevCondLst>
+                <p:cond evt="onPrev" delay="0">
+                  <p:tgtEl>
+                    <p:sldTgt/>
+                  </p:tgtEl>
+                </p:cond>
+              </p:prevCondLst>
+              <p:nextCondLst>
+                <p:cond evt="onNext" delay="0">
+                  <p:tgtEl>
+                    <p:sldTgt/>
+                  </p:tgtEl>
+                </p:cond>
+              </p:nextCondLst>
+            </p:seq>
+          </p:childTnLst>
+        </p:cTn>
+      </p:par>
+    </p:tnLst>
+    <p:bldLst>
+      <p:bldP spid="25" grpId="0" animBg="1"/>
+      <p:bldP spid="25" grpId="1" animBg="1"/>
+      <p:bldP spid="26" grpId="0" animBg="1"/>
+      <p:bldP spid="26" grpId="1" animBg="1"/>
+      <p:bldP spid="27" grpId="0" animBg="1"/>
+      <p:bldP spid="27" grpId="1" animBg="1"/>
+      <p:bldP spid="28" grpId="0" animBg="1"/>
+      <p:bldP spid="28" grpId="1" animBg="1"/>
+      <p:bldP spid="30" grpId="0" animBg="1"/>
+      <p:bldP spid="30" grpId="1" animBg="1"/>
+      <p:bldP spid="31" grpId="0" animBg="1"/>
+      <p:bldP spid="31" grpId="1" animBg="1"/>
+      <p:bldP spid="32" grpId="0" animBg="1"/>
+      <p:bldP spid="32" grpId="1" animBg="1"/>
+      <p:bldP spid="32" grpId="2" animBg="1"/>
+      <p:bldP spid="34" grpId="0" animBg="1"/>
+      <p:bldP spid="34" grpId="1" animBg="1"/>
+      <p:bldP spid="34" grpId="2" animBg="1"/>
+      <p:bldP spid="35" grpId="0" animBg="1"/>
+      <p:bldP spid="35" grpId="1" animBg="1"/>
+      <p:bldP spid="35" grpId="2" animBg="1"/>
+    </p:bldLst>
+  </p:timing>
 </p:sld>
 </file>
 

--- a/Presentation/Vehicle Intersection Control Presentation.pptx
+++ b/Presentation/Vehicle Intersection Control Presentation.pptx
@@ -10377,18 +10377,6 @@
   <p:clrMapOvr>
     <a:masterClrMapping/>
   </p:clrMapOvr>
-  <mc:AlternateContent xmlns:mc="http://schemas.openxmlformats.org/markup-compatibility/2006" xmlns:p15="http://schemas.microsoft.com/office/powerpoint/2012/main">
-    <mc:Choice Requires="p15">
-      <p:transition xmlns:p14="http://schemas.microsoft.com/office/powerpoint/2010/main" spd="slow" p14:dur="2000">
-        <p15:prstTrans prst="wind"/>
-      </p:transition>
-    </mc:Choice>
-    <mc:Fallback xmlns="">
-      <p:transition spd="slow">
-        <p:fade/>
-      </p:transition>
-    </mc:Fallback>
-  </mc:AlternateContent>
 </p:sld>
 </file>
 
@@ -17153,7 +17141,7 @@
       <p:bgPr>
         <a:solidFill>
           <a:schemeClr val="bg1">
-            <a:lumMod val="85000"/>
+            <a:lumMod val="65000"/>
           </a:schemeClr>
         </a:solidFill>
         <a:effectLst/>
@@ -18983,7 +18971,7 @@
                               <p:par>
                                 <p:cTn id="28" presetID="10" presetClass="entr" presetSubtype="0" fill="hold" grpId="0" nodeType="afterEffect">
                                   <p:stCondLst>
-                                    <p:cond delay="0"/>
+                                    <p:cond delay="1500"/>
                                   </p:stCondLst>
                                   <p:childTnLst>
                                     <p:set>
@@ -19021,7 +19009,7 @@
                         <p:par>
                           <p:cTn id="31" fill="hold">
                             <p:stCondLst>
-                              <p:cond delay="7000"/>
+                              <p:cond delay="8500"/>
                             </p:stCondLst>
                             <p:childTnLst>
                               <p:par>
@@ -19087,7 +19075,7 @@
                         <p:par>
                           <p:cTn id="37" fill="hold">
                             <p:stCondLst>
-                              <p:cond delay="9500"/>
+                              <p:cond delay="11000"/>
                             </p:stCondLst>
                             <p:childTnLst>
                               <p:par>

--- a/Presentation/Vehicle Intersection Control Presentation.pptx
+++ b/Presentation/Vehicle Intersection Control Presentation.pptx
@@ -5,22 +5,21 @@
     <p:sldMasterId id="2147483759" r:id="rId1"/>
   </p:sldMasterIdLst>
   <p:notesMasterIdLst>
-    <p:notesMasterId r:id="rId15"/>
+    <p:notesMasterId r:id="rId14"/>
   </p:notesMasterIdLst>
   <p:sldIdLst>
     <p:sldId id="279" r:id="rId2"/>
-    <p:sldId id="283" r:id="rId3"/>
-    <p:sldId id="284" r:id="rId4"/>
-    <p:sldId id="285" r:id="rId5"/>
-    <p:sldId id="286" r:id="rId6"/>
+    <p:sldId id="284" r:id="rId3"/>
+    <p:sldId id="285" r:id="rId4"/>
+    <p:sldId id="286" r:id="rId5"/>
+    <p:sldId id="292" r:id="rId6"/>
     <p:sldId id="287" r:id="rId7"/>
-    <p:sldId id="288" r:id="rId8"/>
+    <p:sldId id="293" r:id="rId8"/>
     <p:sldId id="289" r:id="rId9"/>
-    <p:sldId id="292" r:id="rId10"/>
-    <p:sldId id="290" r:id="rId11"/>
-    <p:sldId id="291" r:id="rId12"/>
-    <p:sldId id="281" r:id="rId13"/>
-    <p:sldId id="282" r:id="rId14"/>
+    <p:sldId id="290" r:id="rId10"/>
+    <p:sldId id="291" r:id="rId11"/>
+    <p:sldId id="281" r:id="rId12"/>
+    <p:sldId id="282" r:id="rId13"/>
   </p:sldIdLst>
   <p:sldSz cx="12192000" cy="6858000"/>
   <p:notesSz cx="6858000" cy="9144000"/>
@@ -209,7 +208,7 @@
           <a:p>
             <a:fld id="{35B82655-F55E-45D4-839B-7F4274A77E35}" type="datetimeFigureOut">
               <a:rPr lang="en-US" smtClean="0"/>
-              <a:t>2/8/2017</a:t>
+              <a:t>2/13/2017</a:t>
             </a:fld>
             <a:endParaRPr lang="en-US"/>
           </a:p>
@@ -481,116 +480,6 @@
   <p:cSld>
     <p:spTree>
       <p:nvGrpSpPr>
-        <p:cNvPr id="1" name="Shape 124"/>
-        <p:cNvGrpSpPr/>
-        <p:nvPr/>
-      </p:nvGrpSpPr>
-      <p:grpSpPr>
-        <a:xfrm>
-          <a:off x="0" y="0"/>
-          <a:ext cx="0" cy="0"/>
-          <a:chOff x="0" y="0"/>
-          <a:chExt cx="0" cy="0"/>
-        </a:xfrm>
-      </p:grpSpPr>
-      <p:sp>
-        <p:nvSpPr>
-          <p:cNvPr id="125" name="Shape 125"/>
-          <p:cNvSpPr txBox="1">
-            <a:spLocks noGrp="1"/>
-          </p:cNvSpPr>
-          <p:nvPr>
-            <p:ph type="body" idx="1"/>
-          </p:nvPr>
-        </p:nvSpPr>
-        <p:spPr>
-          <a:xfrm>
-            <a:off x="685800" y="4343400"/>
-            <a:ext cx="5486399" cy="4114800"/>
-          </a:xfrm>
-          <a:prstGeom prst="rect">
-            <a:avLst/>
-          </a:prstGeom>
-          <a:noFill/>
-          <a:ln>
-            <a:noFill/>
-          </a:ln>
-        </p:spPr>
-        <p:txBody>
-          <a:bodyPr lIns="91425" tIns="91425" rIns="91425" bIns="91425" anchor="ctr" anchorCtr="0">
-            <a:noAutofit/>
-          </a:bodyPr>
-          <a:lstStyle/>
-          <a:p>
-            <a:pPr lvl="0">
-              <a:spcBef>
-                <a:spcPts val="0"/>
-              </a:spcBef>
-              <a:buNone/>
-            </a:pPr>
-            <a:endParaRPr/>
-          </a:p>
-        </p:txBody>
-      </p:sp>
-      <p:sp>
-        <p:nvSpPr>
-          <p:cNvPr id="126" name="Shape 126"/>
-          <p:cNvSpPr>
-            <a:spLocks noGrp="1" noRot="1" noChangeAspect="1"/>
-          </p:cNvSpPr>
-          <p:nvPr>
-            <p:ph type="sldImg" idx="2"/>
-          </p:nvPr>
-        </p:nvSpPr>
-        <p:spPr>
-          <a:xfrm>
-            <a:off x="381000" y="685800"/>
-            <a:ext cx="6096000" cy="3429000"/>
-          </a:xfrm>
-          <a:custGeom>
-            <a:avLst/>
-            <a:gdLst/>
-            <a:ahLst/>
-            <a:cxnLst/>
-            <a:rect l="0" t="0" r="0" b="0"/>
-            <a:pathLst>
-              <a:path w="120000" h="120000" extrusionOk="0">
-                <a:moveTo>
-                  <a:pt x="0" y="0"/>
-                </a:moveTo>
-                <a:lnTo>
-                  <a:pt x="120000" y="0"/>
-                </a:lnTo>
-                <a:lnTo>
-                  <a:pt x="120000" y="120000"/>
-                </a:lnTo>
-                <a:lnTo>
-                  <a:pt x="0" y="120000"/>
-                </a:lnTo>
-                <a:close/>
-              </a:path>
-            </a:pathLst>
-          </a:custGeom>
-        </p:spPr>
-      </p:sp>
-    </p:spTree>
-    <p:extLst>
-      <p:ext uri="{BB962C8B-B14F-4D97-AF65-F5344CB8AC3E}">
-        <p14:creationId xmlns:p14="http://schemas.microsoft.com/office/powerpoint/2010/main" val="594922131"/>
-      </p:ext>
-    </p:extLst>
-  </p:cSld>
-  <p:clrMapOvr>
-    <a:masterClrMapping/>
-  </p:clrMapOvr>
-</p:notes>
-</file>
-
-<file path=ppt/notesSlides/notesSlide2.xml><?xml version="1.0" encoding="utf-8"?>
-<p:notes xmlns:a="http://schemas.openxmlformats.org/drawingml/2006/main" xmlns:r="http://schemas.openxmlformats.org/officeDocument/2006/relationships" xmlns:p="http://schemas.openxmlformats.org/presentationml/2006/main" showMasterSp="0" showMasterPhAnim="0">
-  <p:cSld>
-    <p:spTree>
-      <p:nvGrpSpPr>
         <p:cNvPr id="1" name="Shape 130"/>
         <p:cNvGrpSpPr/>
         <p:nvPr/>
@@ -632,6 +521,78 @@
           </a:bodyPr>
           <a:lstStyle/>
           <a:p>
+            <a:pPr marL="101600" lvl="0" indent="0" rtl="0">
+              <a:lnSpc>
+                <a:spcPct val="110000"/>
+              </a:lnSpc>
+              <a:spcBef>
+                <a:spcPts val="0"/>
+              </a:spcBef>
+              <a:buClr>
+                <a:schemeClr val="dk2"/>
+              </a:buClr>
+              <a:buSzPct val="100000"/>
+              <a:buNone/>
+            </a:pPr>
+            <a:r>
+              <a:rPr lang="en-CA" sz="2000" dirty="0" smtClean="0">
+                <a:solidFill>
+                  <a:schemeClr val="dk2"/>
+                </a:solidFill>
+                <a:latin typeface="Cabin"/>
+                <a:ea typeface="Cabin"/>
+                <a:cs typeface="Cabin"/>
+                <a:sym typeface="Cabin"/>
+              </a:rPr>
+              <a:t>READER</a:t>
+            </a:r>
+            <a:r>
+              <a:rPr lang="en-CA" sz="2000" baseline="0" dirty="0" smtClean="0">
+                <a:solidFill>
+                  <a:schemeClr val="dk2"/>
+                </a:solidFill>
+                <a:latin typeface="Cabin"/>
+                <a:ea typeface="Cabin"/>
+                <a:cs typeface="Cabin"/>
+                <a:sym typeface="Cabin"/>
+              </a:rPr>
+              <a:t>: mat</a:t>
+            </a:r>
+            <a:endParaRPr lang="en-CA" sz="2000" dirty="0" smtClean="0">
+              <a:solidFill>
+                <a:schemeClr val="dk2"/>
+              </a:solidFill>
+              <a:latin typeface="Cabin"/>
+              <a:ea typeface="Cabin"/>
+              <a:cs typeface="Cabin"/>
+              <a:sym typeface="Cabin"/>
+            </a:endParaRPr>
+          </a:p>
+          <a:p>
+            <a:pPr marL="457200" lvl="0" indent="-355600" rtl="0">
+              <a:lnSpc>
+                <a:spcPct val="110000"/>
+              </a:lnSpc>
+              <a:spcBef>
+                <a:spcPts val="0"/>
+              </a:spcBef>
+              <a:buClr>
+                <a:schemeClr val="dk2"/>
+              </a:buClr>
+              <a:buSzPct val="100000"/>
+              <a:buChar char="-"/>
+            </a:pPr>
+            <a:endParaRPr lang="en-CA" sz="2000" dirty="0" smtClean="0">
+              <a:solidFill>
+                <a:schemeClr val="dk2"/>
+              </a:solidFill>
+              <a:latin typeface="Cabin"/>
+              <a:ea typeface="Cabin"/>
+              <a:cs typeface="Cabin"/>
+              <a:sym typeface="Cabin"/>
+            </a:endParaRPr>
+          </a:p>
+          <a:p>
             <a:pPr marL="457200" lvl="0" indent="-355600" rtl="0">
               <a:lnSpc>
                 <a:spcPct val="110000"/>
@@ -646,7 +607,7 @@
               <a:buChar char="-"/>
             </a:pPr>
             <a:r>
-              <a:rPr lang="en-CA" sz="2000">
+              <a:rPr lang="en-CA" sz="2000" dirty="0" smtClean="0">
                 <a:solidFill>
                   <a:schemeClr val="dk2"/>
                 </a:solidFill>
@@ -655,7 +616,19 @@
                 <a:cs typeface="Cabin"/>
                 <a:sym typeface="Cabin"/>
               </a:rPr>
-              <a:t>The problem : what to do when more than one vehicle arrives at the intersection at one time</a:t>
+              <a:t>The </a:t>
+            </a:r>
+            <a:r>
+              <a:rPr lang="en-CA" sz="2000" dirty="0">
+                <a:solidFill>
+                  <a:schemeClr val="dk2"/>
+                </a:solidFill>
+                <a:latin typeface="Cabin"/>
+                <a:ea typeface="Cabin"/>
+                <a:cs typeface="Cabin"/>
+                <a:sym typeface="Cabin"/>
+              </a:rPr>
+              <a:t>problem : what to do when more than one vehicle arrives at the intersection at one time</a:t>
             </a:r>
           </a:p>
           <a:p>
@@ -674,7 +647,7 @@
               <a:buChar char="-"/>
             </a:pPr>
             <a:r>
-              <a:rPr lang="en-CA" sz="2000">
+              <a:rPr lang="en-CA" sz="2000" dirty="0">
                 <a:solidFill>
                   <a:schemeClr val="dk2"/>
                 </a:solidFill>
@@ -701,7 +674,7 @@
               <a:buChar char="-"/>
             </a:pPr>
             <a:r>
-              <a:rPr lang="en-CA" sz="2000">
+              <a:rPr lang="en-CA" sz="2000" dirty="0">
                 <a:solidFill>
                   <a:schemeClr val="dk2"/>
                 </a:solidFill>
@@ -720,7 +693,7 @@
               </a:spcBef>
               <a:buNone/>
             </a:pPr>
-            <a:endParaRPr/>
+            <a:endParaRPr dirty="0"/>
           </a:p>
         </p:txBody>
       </p:sp>
@@ -778,7 +751,91 @@
 </p:notes>
 </file>
 
-<file path=ppt/notesSlides/notesSlide3.xml><?xml version="1.0" encoding="utf-8"?>
+<file path=ppt/notesSlides/notesSlide10.xml><?xml version="1.0" encoding="utf-8"?>
+<p:notes xmlns:a="http://schemas.openxmlformats.org/drawingml/2006/main" xmlns:r="http://schemas.openxmlformats.org/officeDocument/2006/relationships" xmlns:p="http://schemas.openxmlformats.org/presentationml/2006/main">
+  <p:cSld>
+    <p:spTree>
+      <p:nvGrpSpPr>
+        <p:cNvPr id="1" name=""/>
+        <p:cNvGrpSpPr/>
+        <p:nvPr/>
+      </p:nvGrpSpPr>
+      <p:grpSpPr>
+        <a:xfrm>
+          <a:off x="0" y="0"/>
+          <a:ext cx="0" cy="0"/>
+          <a:chOff x="0" y="0"/>
+          <a:chExt cx="0" cy="0"/>
+        </a:xfrm>
+      </p:grpSpPr>
+      <p:sp>
+        <p:nvSpPr>
+          <p:cNvPr id="2" name="Slide Image Placeholder 1"/>
+          <p:cNvSpPr>
+            <a:spLocks noGrp="1" noRot="1" noChangeAspect="1"/>
+          </p:cNvSpPr>
+          <p:nvPr>
+            <p:ph type="sldImg"/>
+          </p:nvPr>
+        </p:nvSpPr>
+        <p:spPr/>
+      </p:sp>
+      <p:sp>
+        <p:nvSpPr>
+          <p:cNvPr id="3" name="Notes Placeholder 2"/>
+          <p:cNvSpPr>
+            <a:spLocks noGrp="1"/>
+          </p:cNvSpPr>
+          <p:nvPr>
+            <p:ph type="body" idx="1"/>
+          </p:nvPr>
+        </p:nvSpPr>
+        <p:spPr/>
+        <p:txBody>
+          <a:bodyPr/>
+          <a:lstStyle/>
+          <a:p>
+            <a:endParaRPr lang="en-CA"/>
+          </a:p>
+        </p:txBody>
+      </p:sp>
+      <p:sp>
+        <p:nvSpPr>
+          <p:cNvPr id="4" name="Slide Number Placeholder 3"/>
+          <p:cNvSpPr>
+            <a:spLocks noGrp="1"/>
+          </p:cNvSpPr>
+          <p:nvPr>
+            <p:ph type="sldNum" sz="quarter" idx="10"/>
+          </p:nvPr>
+        </p:nvSpPr>
+        <p:spPr/>
+        <p:txBody>
+          <a:bodyPr/>
+          <a:lstStyle/>
+          <a:p>
+            <a:fld id="{9FDAE4FC-73CE-4995-A7FF-7ADA8F1DA8FB}" type="slidenum">
+              <a:rPr lang="en-US" smtClean="0"/>
+              <a:t>12</a:t>
+            </a:fld>
+            <a:endParaRPr lang="en-US"/>
+          </a:p>
+        </p:txBody>
+      </p:sp>
+    </p:spTree>
+    <p:extLst>
+      <p:ext uri="{BB962C8B-B14F-4D97-AF65-F5344CB8AC3E}">
+        <p14:creationId xmlns:p14="http://schemas.microsoft.com/office/powerpoint/2010/main" val="1558782985"/>
+      </p:ext>
+    </p:extLst>
+  </p:cSld>
+  <p:clrMapOvr>
+    <a:masterClrMapping/>
+  </p:clrMapOvr>
+</p:notes>
+</file>
+
+<file path=ppt/notesSlides/notesSlide2.xml><?xml version="1.0" encoding="utf-8"?>
 <p:notes xmlns:a="http://schemas.openxmlformats.org/drawingml/2006/main" xmlns:r="http://schemas.openxmlformats.org/officeDocument/2006/relationships" xmlns:p="http://schemas.openxmlformats.org/presentationml/2006/main" showMasterSp="0" showMasterPhAnim="0">
   <p:cSld>
     <p:spTree>
@@ -831,8 +888,24 @@
               <a:buNone/>
             </a:pPr>
             <a:r>
-              <a:rPr lang="en-CA"/>
-              <a:t>Slide for explaining overall system</a:t>
+              <a:rPr lang="en-CA" dirty="0" smtClean="0"/>
+              <a:t>READER: Mat</a:t>
+            </a:r>
+          </a:p>
+          <a:p>
+            <a:pPr lvl="0">
+              <a:spcBef>
+                <a:spcPts val="0"/>
+              </a:spcBef>
+              <a:buNone/>
+            </a:pPr>
+            <a:r>
+              <a:rPr lang="en-CA" dirty="0" smtClean="0"/>
+              <a:t>Slide </a:t>
+            </a:r>
+            <a:r>
+              <a:rPr lang="en-CA" dirty="0"/>
+              <a:t>for explaining overall system</a:t>
             </a:r>
           </a:p>
           <a:p>
@@ -846,7 +919,7 @@
               <a:buFont typeface="Arial"/>
               <a:buNone/>
             </a:pPr>
-            <a:endParaRPr/>
+            <a:endParaRPr dirty="0"/>
           </a:p>
           <a:p>
             <a:pPr lvl="0">
@@ -855,7 +928,7 @@
               </a:spcBef>
               <a:buNone/>
             </a:pPr>
-            <a:endParaRPr/>
+            <a:endParaRPr dirty="0"/>
           </a:p>
           <a:p>
             <a:pPr lvl="0">
@@ -864,7 +937,7 @@
               </a:spcBef>
               <a:buNone/>
             </a:pPr>
-            <a:endParaRPr/>
+            <a:endParaRPr dirty="0"/>
           </a:p>
         </p:txBody>
       </p:sp>
@@ -922,7 +995,7 @@
 </p:notes>
 </file>
 
-<file path=ppt/notesSlides/notesSlide4.xml><?xml version="1.0" encoding="utf-8"?>
+<file path=ppt/notesSlides/notesSlide3.xml><?xml version="1.0" encoding="utf-8"?>
 <p:notes xmlns:a="http://schemas.openxmlformats.org/drawingml/2006/main" xmlns:r="http://schemas.openxmlformats.org/officeDocument/2006/relationships" xmlns:p="http://schemas.openxmlformats.org/presentationml/2006/main" showMasterSp="0" showMasterPhAnim="0">
   <p:cSld>
     <p:spTree>
@@ -968,6 +1041,53 @@
           </a:bodyPr>
           <a:lstStyle/>
           <a:p>
+            <a:pPr marL="158750" lvl="0" indent="0" rtl="0">
+              <a:spcBef>
+                <a:spcPts val="0"/>
+              </a:spcBef>
+              <a:buClr>
+                <a:schemeClr val="dk1"/>
+              </a:buClr>
+              <a:buSzPct val="100000"/>
+              <a:buFont typeface="Cabin"/>
+              <a:buNone/>
+            </a:pPr>
+            <a:r>
+              <a:rPr lang="en-CA" sz="1100" dirty="0" smtClean="0">
+                <a:solidFill>
+                  <a:schemeClr val="dk1"/>
+                </a:solidFill>
+                <a:latin typeface="Cabin"/>
+                <a:ea typeface="Cabin"/>
+                <a:cs typeface="Cabin"/>
+                <a:sym typeface="Cabin"/>
+              </a:rPr>
+              <a:t>READER: Zach</a:t>
+            </a:r>
+          </a:p>
+          <a:p>
+            <a:pPr marL="457200" lvl="0" indent="-298450" rtl="0">
+              <a:spcBef>
+                <a:spcPts val="0"/>
+              </a:spcBef>
+              <a:buClr>
+                <a:schemeClr val="dk1"/>
+              </a:buClr>
+              <a:buSzPct val="100000"/>
+              <a:buFont typeface="Cabin"/>
+              <a:buChar char="●"/>
+            </a:pPr>
+            <a:endParaRPr lang="en-CA" sz="1100" dirty="0" smtClean="0">
+              <a:solidFill>
+                <a:schemeClr val="dk1"/>
+              </a:solidFill>
+              <a:latin typeface="Cabin"/>
+              <a:ea typeface="Cabin"/>
+              <a:cs typeface="Cabin"/>
+              <a:sym typeface="Cabin"/>
+            </a:endParaRPr>
+          </a:p>
+          <a:p>
             <a:pPr marL="457200" lvl="0" indent="-298450" rtl="0">
               <a:spcBef>
                 <a:spcPts val="0"/>
@@ -980,7 +1100,7 @@
               <a:buChar char="●"/>
             </a:pPr>
             <a:r>
-              <a:rPr lang="en-CA" sz="1100">
+              <a:rPr lang="en-CA" sz="1100" dirty="0" smtClean="0">
                 <a:solidFill>
                   <a:schemeClr val="dk1"/>
                 </a:solidFill>
@@ -989,7 +1109,19 @@
                 <a:cs typeface="Cabin"/>
                 <a:sym typeface="Cabin"/>
               </a:rPr>
-              <a:t>WHY WE CHOSE TO DO IT THIS WAY</a:t>
+              <a:t>WHY </a:t>
+            </a:r>
+            <a:r>
+              <a:rPr lang="en-CA" sz="1100" dirty="0">
+                <a:solidFill>
+                  <a:schemeClr val="dk1"/>
+                </a:solidFill>
+                <a:latin typeface="Cabin"/>
+                <a:ea typeface="Cabin"/>
+                <a:cs typeface="Cabin"/>
+                <a:sym typeface="Cabin"/>
+              </a:rPr>
+              <a:t>WE CHOSE TO DO IT THIS WAY</a:t>
             </a:r>
           </a:p>
           <a:p>
@@ -1003,7 +1135,7 @@
               <a:buFont typeface="Arial"/>
               <a:buNone/>
             </a:pPr>
-            <a:endParaRPr sz="1100">
+            <a:endParaRPr sz="1100" dirty="0">
               <a:solidFill>
                 <a:schemeClr val="dk1"/>
               </a:solidFill>
@@ -1026,7 +1158,7 @@
               <a:buNone/>
             </a:pPr>
             <a:r>
-              <a:rPr lang="en-CA" sz="1100">
+              <a:rPr lang="en-CA" sz="1100" dirty="0">
                 <a:solidFill>
                   <a:schemeClr val="dk1"/>
                 </a:solidFill>
@@ -1051,7 +1183,7 @@
               <a:buChar char="-"/>
             </a:pPr>
             <a:r>
-              <a:rPr lang="en-CA" sz="1100">
+              <a:rPr lang="en-CA" sz="1100" dirty="0">
                 <a:solidFill>
                   <a:schemeClr val="dk1"/>
                 </a:solidFill>
@@ -1076,7 +1208,7 @@
               <a:buChar char="-"/>
             </a:pPr>
             <a:r>
-              <a:rPr lang="en-CA" sz="1100">
+              <a:rPr lang="en-CA" sz="1100" dirty="0">
                 <a:solidFill>
                   <a:schemeClr val="dk1"/>
                 </a:solidFill>
@@ -1101,7 +1233,7 @@
               <a:buChar char="-"/>
             </a:pPr>
             <a:r>
-              <a:rPr lang="en-CA" sz="1100">
+              <a:rPr lang="en-CA" sz="1100" dirty="0">
                 <a:solidFill>
                   <a:schemeClr val="dk1"/>
                 </a:solidFill>
@@ -1124,7 +1256,7 @@
               <a:buFont typeface="Arial"/>
               <a:buNone/>
             </a:pPr>
-            <a:endParaRPr sz="1100">
+            <a:endParaRPr sz="1100" dirty="0">
               <a:solidFill>
                 <a:schemeClr val="dk1"/>
               </a:solidFill>
@@ -1147,7 +1279,7 @@
               <a:buNone/>
             </a:pPr>
             <a:r>
-              <a:rPr lang="en-CA" sz="1100">
+              <a:rPr lang="en-CA" sz="1100" dirty="0">
                 <a:solidFill>
                   <a:schemeClr val="dk1"/>
                 </a:solidFill>
@@ -1206,6 +1338,94 @@
     <p:extLst>
       <p:ext uri="{BB962C8B-B14F-4D97-AF65-F5344CB8AC3E}">
         <p14:creationId xmlns:p14="http://schemas.microsoft.com/office/powerpoint/2010/main" val="863483763"/>
+      </p:ext>
+    </p:extLst>
+  </p:cSld>
+  <p:clrMapOvr>
+    <a:masterClrMapping/>
+  </p:clrMapOvr>
+</p:notes>
+</file>
+
+<file path=ppt/notesSlides/notesSlide4.xml><?xml version="1.0" encoding="utf-8"?>
+<p:notes xmlns:a="http://schemas.openxmlformats.org/drawingml/2006/main" xmlns:r="http://schemas.openxmlformats.org/officeDocument/2006/relationships" xmlns:p="http://schemas.openxmlformats.org/presentationml/2006/main">
+  <p:cSld>
+    <p:spTree>
+      <p:nvGrpSpPr>
+        <p:cNvPr id="1" name=""/>
+        <p:cNvGrpSpPr/>
+        <p:nvPr/>
+      </p:nvGrpSpPr>
+      <p:grpSpPr>
+        <a:xfrm>
+          <a:off x="0" y="0"/>
+          <a:ext cx="0" cy="0"/>
+          <a:chOff x="0" y="0"/>
+          <a:chExt cx="0" cy="0"/>
+        </a:xfrm>
+      </p:grpSpPr>
+      <p:sp>
+        <p:nvSpPr>
+          <p:cNvPr id="2" name="Slide Image Placeholder 1"/>
+          <p:cNvSpPr>
+            <a:spLocks noGrp="1" noRot="1" noChangeAspect="1"/>
+          </p:cNvSpPr>
+          <p:nvPr>
+            <p:ph type="sldImg"/>
+          </p:nvPr>
+        </p:nvSpPr>
+        <p:spPr/>
+      </p:sp>
+      <p:sp>
+        <p:nvSpPr>
+          <p:cNvPr id="3" name="Notes Placeholder 2"/>
+          <p:cNvSpPr>
+            <a:spLocks noGrp="1"/>
+          </p:cNvSpPr>
+          <p:nvPr>
+            <p:ph type="body" idx="1"/>
+          </p:nvPr>
+        </p:nvSpPr>
+        <p:spPr/>
+        <p:txBody>
+          <a:bodyPr/>
+          <a:lstStyle/>
+          <a:p>
+            <a:r>
+              <a:rPr lang="en-CA" dirty="0" smtClean="0"/>
+              <a:t>READER:  Zach</a:t>
+            </a:r>
+            <a:endParaRPr lang="en-CA" dirty="0"/>
+          </a:p>
+        </p:txBody>
+      </p:sp>
+      <p:sp>
+        <p:nvSpPr>
+          <p:cNvPr id="4" name="Slide Number Placeholder 3"/>
+          <p:cNvSpPr>
+            <a:spLocks noGrp="1"/>
+          </p:cNvSpPr>
+          <p:nvPr>
+            <p:ph type="sldNum" sz="quarter" idx="10"/>
+          </p:nvPr>
+        </p:nvSpPr>
+        <p:spPr/>
+        <p:txBody>
+          <a:bodyPr/>
+          <a:lstStyle/>
+          <a:p>
+            <a:fld id="{9FDAE4FC-73CE-4995-A7FF-7ADA8F1DA8FB}" type="slidenum">
+              <a:rPr lang="en-US" smtClean="0"/>
+              <a:t>5</a:t>
+            </a:fld>
+            <a:endParaRPr lang="en-US"/>
+          </a:p>
+        </p:txBody>
+      </p:sp>
+    </p:spTree>
+    <p:extLst>
+      <p:ext uri="{BB962C8B-B14F-4D97-AF65-F5344CB8AC3E}">
+        <p14:creationId xmlns:p14="http://schemas.microsoft.com/office/powerpoint/2010/main" val="3390102699"/>
       </p:ext>
     </p:extLst>
   </p:cSld>
@@ -1261,25 +1481,21 @@
           </a:bodyPr>
           <a:lstStyle/>
           <a:p>
-            <a:pPr marL="457200" lvl="0" indent="-228600" rtl="0">
-              <a:spcBef>
-                <a:spcPts val="0"/>
-              </a:spcBef>
-              <a:buChar char="-"/>
-            </a:pPr>
-            <a:r>
-              <a:rPr lang="en-CA"/>
-              <a:t>WHY WE CHOSE TO DO IT THIS WAY</a:t>
-            </a:r>
-          </a:p>
-          <a:p>
             <a:pPr lvl="0" rtl="0">
               <a:spcBef>
                 <a:spcPts val="0"/>
               </a:spcBef>
               <a:buNone/>
             </a:pPr>
-            <a:endParaRPr/>
+            <a:r>
+              <a:rPr lang="en-CA" dirty="0" smtClean="0"/>
+              <a:t>READER:  </a:t>
+            </a:r>
+            <a:r>
+              <a:rPr lang="en-CA" dirty="0" err="1" smtClean="0"/>
+              <a:t>JEan</a:t>
+            </a:r>
+            <a:endParaRPr dirty="0"/>
           </a:p>
         </p:txBody>
       </p:sp>
@@ -1338,11 +1554,11 @@
 </file>
 
 <file path=ppt/notesSlides/notesSlide6.xml><?xml version="1.0" encoding="utf-8"?>
-<p:notes xmlns:a="http://schemas.openxmlformats.org/drawingml/2006/main" xmlns:r="http://schemas.openxmlformats.org/officeDocument/2006/relationships" xmlns:p="http://schemas.openxmlformats.org/presentationml/2006/main" showMasterSp="0" showMasterPhAnim="0">
+<p:notes xmlns:a="http://schemas.openxmlformats.org/drawingml/2006/main" xmlns:r="http://schemas.openxmlformats.org/officeDocument/2006/relationships" xmlns:p="http://schemas.openxmlformats.org/presentationml/2006/main">
   <p:cSld>
     <p:spTree>
       <p:nvGrpSpPr>
-        <p:cNvPr id="1" name="Shape 154"/>
+        <p:cNvPr id="1" name=""/>
         <p:cNvGrpSpPr/>
         <p:nvPr/>
       </p:nvGrpSpPr>
@@ -1356,217 +1572,70 @@
       </p:grpSpPr>
       <p:sp>
         <p:nvSpPr>
-          <p:cNvPr id="155" name="Shape 155"/>
-          <p:cNvSpPr txBox="1">
+          <p:cNvPr id="2" name="Slide Image Placeholder 1"/>
+          <p:cNvSpPr>
+            <a:spLocks noGrp="1" noRot="1" noChangeAspect="1"/>
+          </p:cNvSpPr>
+          <p:nvPr>
+            <p:ph type="sldImg"/>
+          </p:nvPr>
+        </p:nvSpPr>
+        <p:spPr/>
+      </p:sp>
+      <p:sp>
+        <p:nvSpPr>
+          <p:cNvPr id="3" name="Notes Placeholder 2"/>
+          <p:cNvSpPr>
             <a:spLocks noGrp="1"/>
           </p:cNvSpPr>
           <p:nvPr>
             <p:ph type="body" idx="1"/>
           </p:nvPr>
         </p:nvSpPr>
-        <p:spPr>
-          <a:xfrm>
-            <a:off x="685800" y="4343400"/>
-            <a:ext cx="5486400" cy="4114800"/>
-          </a:xfrm>
-          <a:prstGeom prst="rect">
-            <a:avLst/>
-          </a:prstGeom>
-          <a:noFill/>
-          <a:ln>
-            <a:noFill/>
-          </a:ln>
-        </p:spPr>
+        <p:spPr/>
         <p:txBody>
-          <a:bodyPr lIns="91425" tIns="91425" rIns="91425" bIns="91425" anchor="ctr" anchorCtr="0">
-            <a:noAutofit/>
-          </a:bodyPr>
+          <a:bodyPr/>
           <a:lstStyle/>
           <a:p>
-            <a:pPr lvl="0" rtl="0">
-              <a:lnSpc>
-                <a:spcPct val="110000"/>
-              </a:lnSpc>
-              <a:spcBef>
-                <a:spcPts val="0"/>
-              </a:spcBef>
-              <a:buClr>
-                <a:schemeClr val="dk1"/>
-              </a:buClr>
-              <a:buSzPct val="55000"/>
-              <a:buFont typeface="Arial"/>
-              <a:buNone/>
-            </a:pPr>
             <a:r>
-              <a:rPr lang="en-CA" sz="2000" b="1">
-                <a:solidFill>
-                  <a:schemeClr val="dk2"/>
-                </a:solidFill>
-                <a:latin typeface="Cabin"/>
-                <a:ea typeface="Cabin"/>
-                <a:cs typeface="Cabin"/>
-                <a:sym typeface="Cabin"/>
-              </a:rPr>
-              <a:t>Intersection Infrastructure VS V2V</a:t>
+              <a:rPr lang="en-CA" dirty="0" smtClean="0"/>
+              <a:t>READER:</a:t>
             </a:r>
-          </a:p>
-          <a:p>
-            <a:pPr marL="457200" lvl="0" indent="-355600" rtl="0">
-              <a:lnSpc>
-                <a:spcPct val="110000"/>
-              </a:lnSpc>
-              <a:spcBef>
-                <a:spcPts val="0"/>
-              </a:spcBef>
-              <a:buClr>
-                <a:schemeClr val="dk2"/>
-              </a:buClr>
-              <a:buSzPct val="100000"/>
-              <a:buChar char="-"/>
-            </a:pPr>
             <a:r>
-              <a:rPr lang="en-CA" sz="2000">
-                <a:solidFill>
-                  <a:schemeClr val="dk2"/>
-                </a:solidFill>
-                <a:latin typeface="Cabin"/>
-                <a:ea typeface="Cabin"/>
-                <a:cs typeface="Cabin"/>
-                <a:sym typeface="Cabin"/>
-              </a:rPr>
-              <a:t>Wireless communication is less reliable for moving vehicles - Doppler Effect</a:t>
+              <a:rPr lang="en-CA" baseline="0" dirty="0" smtClean="0"/>
+              <a:t> Jean</a:t>
             </a:r>
-          </a:p>
-          <a:p>
-            <a:pPr marL="457200" lvl="0" indent="-355600" rtl="0">
-              <a:lnSpc>
-                <a:spcPct val="110000"/>
-              </a:lnSpc>
-              <a:spcBef>
-                <a:spcPts val="0"/>
-              </a:spcBef>
-              <a:buClr>
-                <a:schemeClr val="dk2"/>
-              </a:buClr>
-              <a:buSzPct val="100000"/>
-              <a:buChar char="-"/>
-            </a:pPr>
-            <a:r>
-              <a:rPr lang="en-CA" sz="2000">
-                <a:solidFill>
-                  <a:schemeClr val="dk2"/>
-                </a:solidFill>
-                <a:latin typeface="Cabin"/>
-                <a:ea typeface="Cabin"/>
-                <a:cs typeface="Cabin"/>
-                <a:sym typeface="Cabin"/>
-              </a:rPr>
-              <a:t>Multiple systems to interpret information - robustness </a:t>
-            </a:r>
-          </a:p>
-          <a:p>
-            <a:pPr marL="457200" lvl="0" indent="-355600" rtl="0">
-              <a:lnSpc>
-                <a:spcPct val="110000"/>
-              </a:lnSpc>
-              <a:spcBef>
-                <a:spcPts val="0"/>
-              </a:spcBef>
-              <a:buClr>
-                <a:schemeClr val="dk2"/>
-              </a:buClr>
-              <a:buFont typeface="Cabin"/>
-              <a:buChar char="-"/>
-            </a:pPr>
-            <a:endParaRPr sz="2000">
-              <a:solidFill>
-                <a:schemeClr val="dk2"/>
-              </a:solidFill>
-              <a:latin typeface="Cabin"/>
-              <a:ea typeface="Cabin"/>
-              <a:cs typeface="Cabin"/>
-              <a:sym typeface="Cabin"/>
-            </a:endParaRPr>
-          </a:p>
-          <a:p>
-            <a:pPr marL="457200" lvl="0" indent="-355600" rtl="0">
-              <a:lnSpc>
-                <a:spcPct val="110000"/>
-              </a:lnSpc>
-              <a:spcBef>
-                <a:spcPts val="0"/>
-              </a:spcBef>
-              <a:buClr>
-                <a:schemeClr val="dk2"/>
-              </a:buClr>
-              <a:buChar char="-"/>
-            </a:pPr>
-            <a:endParaRPr sz="2000">
-              <a:solidFill>
-                <a:schemeClr val="dk2"/>
-              </a:solidFill>
-              <a:latin typeface="Cabin"/>
-              <a:ea typeface="Cabin"/>
-              <a:cs typeface="Cabin"/>
-              <a:sym typeface="Cabin"/>
-            </a:endParaRPr>
-          </a:p>
-          <a:p>
-            <a:pPr lvl="0" rtl="0">
-              <a:spcBef>
-                <a:spcPts val="0"/>
-              </a:spcBef>
-              <a:buNone/>
-            </a:pPr>
-            <a:endParaRPr/>
+            <a:endParaRPr lang="en-CA" dirty="0"/>
           </a:p>
         </p:txBody>
       </p:sp>
       <p:sp>
         <p:nvSpPr>
-          <p:cNvPr id="156" name="Shape 156"/>
+          <p:cNvPr id="4" name="Slide Number Placeholder 3"/>
           <p:cNvSpPr>
-            <a:spLocks noGrp="1" noRot="1" noChangeAspect="1"/>
+            <a:spLocks noGrp="1"/>
           </p:cNvSpPr>
           <p:nvPr>
-            <p:ph type="sldImg" idx="2"/>
+            <p:ph type="sldNum" sz="quarter" idx="10"/>
           </p:nvPr>
         </p:nvSpPr>
-        <p:spPr>
-          <a:xfrm>
-            <a:off x="381000" y="685800"/>
-            <a:ext cx="6096000" cy="3429000"/>
-          </a:xfrm>
-          <a:custGeom>
-            <a:avLst/>
-            <a:gdLst/>
-            <a:ahLst/>
-            <a:cxnLst/>
-            <a:rect l="0" t="0" r="0" b="0"/>
-            <a:pathLst>
-              <a:path w="120000" h="120000" extrusionOk="0">
-                <a:moveTo>
-                  <a:pt x="0" y="0"/>
-                </a:moveTo>
-                <a:lnTo>
-                  <a:pt x="120000" y="0"/>
-                </a:lnTo>
-                <a:lnTo>
-                  <a:pt x="120000" y="120000"/>
-                </a:lnTo>
-                <a:lnTo>
-                  <a:pt x="0" y="120000"/>
-                </a:lnTo>
-                <a:close/>
-              </a:path>
-            </a:pathLst>
-          </a:custGeom>
-        </p:spPr>
+        <p:spPr/>
+        <p:txBody>
+          <a:bodyPr/>
+          <a:lstStyle/>
+          <a:p>
+            <a:fld id="{9FDAE4FC-73CE-4995-A7FF-7ADA8F1DA8FB}" type="slidenum">
+              <a:rPr lang="en-US" smtClean="0"/>
+              <a:t>7</a:t>
+            </a:fld>
+            <a:endParaRPr lang="en-US"/>
+          </a:p>
+        </p:txBody>
       </p:sp>
     </p:spTree>
     <p:extLst>
       <p:ext uri="{BB962C8B-B14F-4D97-AF65-F5344CB8AC3E}">
-        <p14:creationId xmlns:p14="http://schemas.microsoft.com/office/powerpoint/2010/main" val="2657126357"/>
+        <p14:creationId xmlns:p14="http://schemas.microsoft.com/office/powerpoint/2010/main" val="1851149209"/>
       </p:ext>
     </p:extLst>
   </p:cSld>
@@ -1622,6 +1691,57 @@
           </a:bodyPr>
           <a:lstStyle/>
           <a:p>
+            <a:pPr marL="101600" lvl="0" indent="0" rtl="0">
+              <a:lnSpc>
+                <a:spcPct val="110000"/>
+              </a:lnSpc>
+              <a:spcBef>
+                <a:spcPts val="0"/>
+              </a:spcBef>
+              <a:buClr>
+                <a:schemeClr val="dk2"/>
+              </a:buClr>
+              <a:buSzPct val="100000"/>
+              <a:buNone/>
+            </a:pPr>
+            <a:r>
+              <a:rPr lang="en-CA" sz="2000" dirty="0" smtClean="0">
+                <a:solidFill>
+                  <a:schemeClr val="dk2"/>
+                </a:solidFill>
+                <a:latin typeface="Cabin"/>
+                <a:ea typeface="Cabin"/>
+                <a:cs typeface="Cabin"/>
+                <a:sym typeface="Cabin"/>
+              </a:rPr>
+              <a:t>Innovative Aspects: Alex</a:t>
+            </a:r>
+          </a:p>
+          <a:p>
+            <a:pPr marL="457200" lvl="0" indent="-355600" rtl="0">
+              <a:lnSpc>
+                <a:spcPct val="110000"/>
+              </a:lnSpc>
+              <a:spcBef>
+                <a:spcPts val="0"/>
+              </a:spcBef>
+              <a:buClr>
+                <a:schemeClr val="dk2"/>
+              </a:buClr>
+              <a:buSzPct val="100000"/>
+              <a:buChar char="-"/>
+            </a:pPr>
+            <a:endParaRPr lang="en-CA" sz="2000" dirty="0" smtClean="0">
+              <a:solidFill>
+                <a:schemeClr val="dk2"/>
+              </a:solidFill>
+              <a:latin typeface="Cabin"/>
+              <a:ea typeface="Cabin"/>
+              <a:cs typeface="Cabin"/>
+              <a:sym typeface="Cabin"/>
+            </a:endParaRPr>
+          </a:p>
+          <a:p>
             <a:pPr marL="457200" lvl="0" indent="-355600" rtl="0">
               <a:lnSpc>
                 <a:spcPct val="110000"/>
@@ -1636,7 +1756,7 @@
               <a:buChar char="-"/>
             </a:pPr>
             <a:r>
-              <a:rPr lang="en-CA" sz="2000">
+              <a:rPr lang="en-CA" sz="2000" dirty="0" smtClean="0">
                 <a:solidFill>
                   <a:schemeClr val="dk2"/>
                 </a:solidFill>
@@ -1645,7 +1765,19 @@
                 <a:cs typeface="Cabin"/>
                 <a:sym typeface="Cabin"/>
               </a:rPr>
-              <a:t>FOR FUTURE USE: (is capable of detecting non autonomous vehicles and pedestrians &amp; Smart Traffic)</a:t>
+              <a:t>FOR </a:t>
+            </a:r>
+            <a:r>
+              <a:rPr lang="en-CA" sz="2000" dirty="0">
+                <a:solidFill>
+                  <a:schemeClr val="dk2"/>
+                </a:solidFill>
+                <a:latin typeface="Cabin"/>
+                <a:ea typeface="Cabin"/>
+                <a:cs typeface="Cabin"/>
+                <a:sym typeface="Cabin"/>
+              </a:rPr>
+              <a:t>FUTURE USE: (is capable of detecting non autonomous vehicles and pedestrians &amp; Smart Traffic)</a:t>
             </a:r>
           </a:p>
           <a:p>
@@ -1655,7 +1787,16 @@
               </a:spcBef>
               <a:buNone/>
             </a:pPr>
-            <a:endParaRPr/>
+            <a:endParaRPr lang="en-CA" dirty="0" smtClean="0"/>
+          </a:p>
+          <a:p>
+            <a:pPr lvl="0">
+              <a:spcBef>
+                <a:spcPts val="0"/>
+              </a:spcBef>
+              <a:buNone/>
+            </a:pPr>
+            <a:endParaRPr dirty="0"/>
           </a:p>
         </p:txBody>
       </p:sp>
@@ -1765,7 +1906,11 @@
               </a:spcBef>
               <a:buNone/>
             </a:pPr>
-            <a:endParaRPr/>
+            <a:r>
+              <a:rPr lang="en-CA" dirty="0" smtClean="0"/>
+              <a:t>Costs: Radhika</a:t>
+            </a:r>
+            <a:endParaRPr dirty="0"/>
           </a:p>
         </p:txBody>
       </p:sp>
@@ -1876,9 +2021,10 @@
               <a:buNone/>
             </a:pPr>
             <a:r>
-              <a:rPr lang="en-CA"/>
-              <a:t>FOR FUTURE USE  - Algorithms we used. </a:t>
+              <a:rPr lang="en-CA" dirty="0" smtClean="0"/>
+              <a:t>READER: Justin</a:t>
             </a:r>
+            <a:endParaRPr lang="en-CA" dirty="0"/>
           </a:p>
         </p:txBody>
       </p:sp>
@@ -3147,7 +3293,7 @@
           <a:p>
             <a:fld id="{2FFE84A0-83F7-4E0A-A0CE-A961D6AAB2B6}" type="datetimeFigureOut">
               <a:rPr lang="en-US" smtClean="0"/>
-              <a:t>2/8/2017</a:t>
+              <a:t>2/13/2017</a:t>
             </a:fld>
             <a:endParaRPr lang="en-US" dirty="0"/>
           </a:p>
@@ -3385,7 +3531,7 @@
           <a:p>
             <a:fld id="{2FFE84A0-83F7-4E0A-A0CE-A961D6AAB2B6}" type="datetimeFigureOut">
               <a:rPr lang="en-US" smtClean="0"/>
-              <a:t>2/8/2017</a:t>
+              <a:t>2/13/2017</a:t>
             </a:fld>
             <a:endParaRPr lang="en-US" dirty="0"/>
           </a:p>
@@ -3565,7 +3711,7 @@
           <a:p>
             <a:fld id="{2FFE84A0-83F7-4E0A-A0CE-A961D6AAB2B6}" type="datetimeFigureOut">
               <a:rPr lang="en-US" smtClean="0"/>
-              <a:t>2/8/2017</a:t>
+              <a:t>2/13/2017</a:t>
             </a:fld>
             <a:endParaRPr lang="en-US" dirty="0"/>
           </a:p>
@@ -3735,7 +3881,7 @@
           <a:p>
             <a:fld id="{2FFE84A0-83F7-4E0A-A0CE-A961D6AAB2B6}" type="datetimeFigureOut">
               <a:rPr lang="en-US" smtClean="0"/>
-              <a:t>2/8/2017</a:t>
+              <a:t>2/13/2017</a:t>
             </a:fld>
             <a:endParaRPr lang="en-US" dirty="0"/>
           </a:p>
@@ -4011,7 +4157,7 @@
           <a:p>
             <a:fld id="{2FFE84A0-83F7-4E0A-A0CE-A961D6AAB2B6}" type="datetimeFigureOut">
               <a:rPr lang="en-US" smtClean="0"/>
-              <a:t>2/8/2017</a:t>
+              <a:t>2/13/2017</a:t>
             </a:fld>
             <a:endParaRPr lang="en-US" dirty="0"/>
           </a:p>
@@ -5212,7 +5358,7 @@
           <a:p>
             <a:fld id="{2FFE84A0-83F7-4E0A-A0CE-A961D6AAB2B6}" type="datetimeFigureOut">
               <a:rPr lang="en-US" smtClean="0"/>
-              <a:t>2/8/2017</a:t>
+              <a:t>2/13/2017</a:t>
             </a:fld>
             <a:endParaRPr lang="en-US" dirty="0"/>
           </a:p>
@@ -5602,7 +5748,7 @@
           <a:p>
             <a:fld id="{2FFE84A0-83F7-4E0A-A0CE-A961D6AAB2B6}" type="datetimeFigureOut">
               <a:rPr lang="en-US" smtClean="0"/>
-              <a:t>2/8/2017</a:t>
+              <a:t>2/13/2017</a:t>
             </a:fld>
             <a:endParaRPr lang="en-US" dirty="0"/>
           </a:p>
@@ -5725,7 +5871,7 @@
           <a:p>
             <a:fld id="{2FFE84A0-83F7-4E0A-A0CE-A961D6AAB2B6}" type="datetimeFigureOut">
               <a:rPr lang="en-US" smtClean="0"/>
-              <a:t>2/8/2017</a:t>
+              <a:t>2/13/2017</a:t>
             </a:fld>
             <a:endParaRPr lang="en-US" dirty="0"/>
           </a:p>
@@ -5820,7 +5966,7 @@
           <a:p>
             <a:fld id="{2FFE84A0-83F7-4E0A-A0CE-A961D6AAB2B6}" type="datetimeFigureOut">
               <a:rPr lang="en-US" smtClean="0"/>
-              <a:t>2/8/2017</a:t>
+              <a:t>2/13/2017</a:t>
             </a:fld>
             <a:endParaRPr lang="en-US" dirty="0"/>
           </a:p>
@@ -6583,7 +6729,7 @@
           <a:p>
             <a:fld id="{2FFE84A0-83F7-4E0A-A0CE-A961D6AAB2B6}" type="datetimeFigureOut">
               <a:rPr lang="en-US" smtClean="0"/>
-              <a:t>2/8/2017</a:t>
+              <a:t>2/13/2017</a:t>
             </a:fld>
             <a:endParaRPr lang="en-US" dirty="0"/>
           </a:p>
@@ -7422,7 +7568,7 @@
           <a:p>
             <a:fld id="{2FFE84A0-83F7-4E0A-A0CE-A961D6AAB2B6}" type="datetimeFigureOut">
               <a:rPr lang="en-US" smtClean="0"/>
-              <a:t>2/8/2017</a:t>
+              <a:t>2/13/2017</a:t>
             </a:fld>
             <a:endParaRPr lang="en-US" dirty="0"/>
           </a:p>
@@ -7649,7 +7795,7 @@
           <a:p>
             <a:fld id="{2FFE84A0-83F7-4E0A-A0CE-A961D6AAB2B6}" type="datetimeFigureOut">
               <a:rPr lang="en-US" smtClean="0"/>
-              <a:t>2/8/2017</a:t>
+              <a:t>2/13/2017</a:t>
             </a:fld>
             <a:endParaRPr lang="en-US" dirty="0"/>
           </a:p>
@@ -8657,7 +8803,7 @@
           <p:nvPr>
             <p:extLst>
               <p:ext uri="{386F3935-93C4-4BCD-93E2-E3B085C9AB24}">
-                <p16:designElem xmlns:p16="http://schemas.microsoft.com/office/powerpoint/2015/main" val="1"/>
+                <p16:designElem xmlns:p16="http://schemas.microsoft.com/office/powerpoint/2015/main" xmlns="" val="1"/>
               </p:ext>
             </p:extLst>
           </p:nvPr>
@@ -8807,7 +8953,7 @@
           <p:nvPr>
             <p:extLst>
               <p:ext uri="{386F3935-93C4-4BCD-93E2-E3B085C9AB24}">
-                <p16:designElem xmlns:p16="http://schemas.microsoft.com/office/powerpoint/2015/main" val="1"/>
+                <p16:designElem xmlns:p16="http://schemas.microsoft.com/office/powerpoint/2015/main" xmlns="" val="1"/>
               </p:ext>
             </p:extLst>
           </p:nvPr>
@@ -9279,7 +9425,7 @@
           <p:nvPr>
             <p:extLst>
               <p:ext uri="{386F3935-93C4-4BCD-93E2-E3B085C9AB24}">
-                <p16:designElem xmlns:p16="http://schemas.microsoft.com/office/powerpoint/2015/main" val="1"/>
+                <p16:designElem xmlns:p16="http://schemas.microsoft.com/office/powerpoint/2015/main" xmlns="" val="1"/>
               </p:ext>
             </p:extLst>
           </p:nvPr>
@@ -9435,7 +9581,7 @@
           <p:nvPr/>
         </p:nvPicPr>
         <p:blipFill>
-          <a:blip r:embed="rId4">
+          <a:blip r:embed="rId4" cstate="print">
             <a:extLst>
               <a:ext uri="{28A0092B-C50C-407E-A947-70E740481C1C}">
                 <a14:useLocalDpi xmlns:a14="http://schemas.microsoft.com/office/drawing/2010/main" val="0"/>
@@ -10385,784 +10531,6 @@
   <p:cSld>
     <p:spTree>
       <p:nvGrpSpPr>
-        <p:cNvPr id="1" name="Shape 169"/>
-        <p:cNvGrpSpPr/>
-        <p:nvPr/>
-      </p:nvGrpSpPr>
-      <p:grpSpPr>
-        <a:xfrm>
-          <a:off x="0" y="0"/>
-          <a:ext cx="0" cy="0"/>
-          <a:chOff x="0" y="0"/>
-          <a:chExt cx="0" cy="0"/>
-        </a:xfrm>
-      </p:grpSpPr>
-      <p:sp>
-        <p:nvSpPr>
-          <p:cNvPr id="170" name="Shape 170"/>
-          <p:cNvSpPr txBox="1">
-            <a:spLocks noGrp="1"/>
-          </p:cNvSpPr>
-          <p:nvPr>
-            <p:ph type="title"/>
-          </p:nvPr>
-        </p:nvSpPr>
-        <p:spPr>
-          <a:xfrm>
-            <a:off x="1251678" y="382385"/>
-            <a:ext cx="10178322" cy="1492132"/>
-          </a:xfrm>
-          <a:prstGeom prst="rect">
-            <a:avLst/>
-          </a:prstGeom>
-          <a:noFill/>
-          <a:ln>
-            <a:noFill/>
-          </a:ln>
-        </p:spPr>
-        <p:txBody>
-          <a:bodyPr lIns="91425" tIns="45700" rIns="91425" bIns="45700" anchor="ctr" anchorCtr="0">
-            <a:noAutofit/>
-          </a:bodyPr>
-          <a:lstStyle/>
-          <a:p>
-            <a:pPr marL="0" marR="0" lvl="0" indent="0" algn="l" rtl="0">
-              <a:lnSpc>
-                <a:spcPct val="90000"/>
-              </a:lnSpc>
-              <a:spcBef>
-                <a:spcPts val="0"/>
-              </a:spcBef>
-              <a:buClr>
-                <a:schemeClr val="dk2"/>
-              </a:buClr>
-              <a:buSzPct val="25000"/>
-              <a:buFont typeface="Impact"/>
-              <a:buNone/>
-            </a:pPr>
-            <a:r>
-              <a:rPr lang="en-CA" sz="5100" b="0" i="0" u="none" strike="noStrike" cap="none">
-                <a:solidFill>
-                  <a:schemeClr val="dk2"/>
-                </a:solidFill>
-                <a:latin typeface="Impact"/>
-                <a:ea typeface="Impact"/>
-                <a:cs typeface="Impact"/>
-                <a:sym typeface="Impact"/>
-              </a:rPr>
-              <a:t>COST</a:t>
-            </a:r>
-          </a:p>
-        </p:txBody>
-      </p:sp>
-      <p:graphicFrame>
-        <p:nvGraphicFramePr>
-          <p:cNvPr id="171" name="Shape 171"/>
-          <p:cNvGraphicFramePr/>
-          <p:nvPr/>
-        </p:nvGraphicFramePr>
-        <p:xfrm>
-          <a:off x="1187487" y="1574025"/>
-          <a:ext cx="9308575" cy="4713655"/>
-        </p:xfrm>
-        <a:graphic>
-          <a:graphicData uri="http://schemas.openxmlformats.org/drawingml/2006/table">
-            <a:tbl>
-              <a:tblPr>
-                <a:noFill/>
-              </a:tblPr>
-              <a:tblGrid>
-                <a:gridCol w="2576675">
-                  <a:extLst>
-                    <a:ext uri="{9D8B030D-6E8A-4147-A177-3AD203B41FA5}">
-                      <a16:colId xmlns:a16="http://schemas.microsoft.com/office/drawing/2014/main" val="20000"/>
-                    </a:ext>
-                  </a:extLst>
-                </a:gridCol>
-                <a:gridCol w="2576675">
-                  <a:extLst>
-                    <a:ext uri="{9D8B030D-6E8A-4147-A177-3AD203B41FA5}">
-                      <a16:colId xmlns:a16="http://schemas.microsoft.com/office/drawing/2014/main" val="20001"/>
-                    </a:ext>
-                  </a:extLst>
-                </a:gridCol>
-                <a:gridCol w="2576675">
-                  <a:extLst>
-                    <a:ext uri="{9D8B030D-6E8A-4147-A177-3AD203B41FA5}">
-                      <a16:colId xmlns:a16="http://schemas.microsoft.com/office/drawing/2014/main" val="20002"/>
-                    </a:ext>
-                  </a:extLst>
-                </a:gridCol>
-                <a:gridCol w="1578550">
-                  <a:extLst>
-                    <a:ext uri="{9D8B030D-6E8A-4147-A177-3AD203B41FA5}">
-                      <a16:colId xmlns:a16="http://schemas.microsoft.com/office/drawing/2014/main" val="20003"/>
-                    </a:ext>
-                  </a:extLst>
-                </a:gridCol>
-              </a:tblGrid>
-              <a:tr h="425175">
-                <a:tc>
-                  <a:txBody>
-                    <a:bodyPr/>
-                    <a:lstStyle/>
-                    <a:p>
-                      <a:pPr lvl="0">
-                        <a:spcBef>
-                          <a:spcPts val="0"/>
-                        </a:spcBef>
-                        <a:buNone/>
-                      </a:pPr>
-                      <a:r>
-                        <a:rPr lang="en-CA" b="1"/>
-                        <a:t>PART </a:t>
-                      </a:r>
-                    </a:p>
-                  </a:txBody>
-                  <a:tcPr marL="91425" marR="91425" marT="91425" marB="91425"/>
-                </a:tc>
-                <a:tc>
-                  <a:txBody>
-                    <a:bodyPr/>
-                    <a:lstStyle/>
-                    <a:p>
-                      <a:pPr lvl="0">
-                        <a:spcBef>
-                          <a:spcPts val="0"/>
-                        </a:spcBef>
-                        <a:buNone/>
-                      </a:pPr>
-                      <a:r>
-                        <a:rPr lang="en-CA" b="1"/>
-                        <a:t>QUANTITY </a:t>
-                      </a:r>
-                    </a:p>
-                  </a:txBody>
-                  <a:tcPr marL="91425" marR="91425" marT="91425" marB="91425"/>
-                </a:tc>
-                <a:tc>
-                  <a:txBody>
-                    <a:bodyPr/>
-                    <a:lstStyle/>
-                    <a:p>
-                      <a:pPr lvl="0">
-                        <a:spcBef>
-                          <a:spcPts val="0"/>
-                        </a:spcBef>
-                        <a:buNone/>
-                      </a:pPr>
-                      <a:r>
-                        <a:rPr lang="en-CA" b="1"/>
-                        <a:t>PRICE ($)</a:t>
-                      </a:r>
-                    </a:p>
-                  </a:txBody>
-                  <a:tcPr marL="91425" marR="91425" marT="91425" marB="91425"/>
-                </a:tc>
-                <a:tc>
-                  <a:txBody>
-                    <a:bodyPr/>
-                    <a:lstStyle/>
-                    <a:p>
-                      <a:pPr lvl="0">
-                        <a:spcBef>
-                          <a:spcPts val="0"/>
-                        </a:spcBef>
-                        <a:buNone/>
-                      </a:pPr>
-                      <a:r>
-                        <a:rPr lang="en-CA" b="1"/>
-                        <a:t>TOTAL ($)</a:t>
-                      </a:r>
-                    </a:p>
-                  </a:txBody>
-                  <a:tcPr marL="91425" marR="91425" marT="91425" marB="91425"/>
-                </a:tc>
-                <a:extLst>
-                  <a:ext uri="{0D108BD9-81ED-4DB2-BD59-A6C34878D82A}">
-                    <a16:rowId xmlns:a16="http://schemas.microsoft.com/office/drawing/2014/main" val="10000"/>
-                  </a:ext>
-                </a:extLst>
-              </a:tr>
-              <a:tr h="642875">
-                <a:tc>
-                  <a:txBody>
-                    <a:bodyPr/>
-                    <a:lstStyle/>
-                    <a:p>
-                      <a:pPr lvl="0">
-                        <a:spcBef>
-                          <a:spcPts val="0"/>
-                        </a:spcBef>
-                        <a:buNone/>
-                      </a:pPr>
-                      <a:r>
-                        <a:rPr lang="en-CA"/>
-                        <a:t>RC Car</a:t>
-                      </a:r>
-                    </a:p>
-                    <a:p>
-                      <a:pPr lvl="0">
-                        <a:spcBef>
-                          <a:spcPts val="0"/>
-                        </a:spcBef>
-                        <a:buNone/>
-                      </a:pPr>
-                      <a:r>
-                        <a:rPr lang="en-CA"/>
-                        <a:t>(w/ servo &amp; speed controller)</a:t>
-                      </a:r>
-                    </a:p>
-                  </a:txBody>
-                  <a:tcPr marL="91425" marR="91425" marT="91425" marB="91425"/>
-                </a:tc>
-                <a:tc>
-                  <a:txBody>
-                    <a:bodyPr/>
-                    <a:lstStyle/>
-                    <a:p>
-                      <a:pPr lvl="0">
-                        <a:spcBef>
-                          <a:spcPts val="0"/>
-                        </a:spcBef>
-                        <a:buNone/>
-                      </a:pPr>
-                      <a:r>
-                        <a:rPr lang="en-CA"/>
-                        <a:t>2</a:t>
-                      </a:r>
-                    </a:p>
-                  </a:txBody>
-                  <a:tcPr marL="91425" marR="91425" marT="91425" marB="91425"/>
-                </a:tc>
-                <a:tc>
-                  <a:txBody>
-                    <a:bodyPr/>
-                    <a:lstStyle/>
-                    <a:p>
-                      <a:pPr lvl="0">
-                        <a:spcBef>
-                          <a:spcPts val="0"/>
-                        </a:spcBef>
-                        <a:buNone/>
-                      </a:pPr>
-                      <a:r>
-                        <a:rPr lang="en-CA"/>
-                        <a:t>240</a:t>
-                      </a:r>
-                    </a:p>
-                  </a:txBody>
-                  <a:tcPr marL="91425" marR="91425" marT="91425" marB="91425"/>
-                </a:tc>
-                <a:tc>
-                  <a:txBody>
-                    <a:bodyPr/>
-                    <a:lstStyle/>
-                    <a:p>
-                      <a:pPr lvl="0" algn="ctr">
-                        <a:spcBef>
-                          <a:spcPts val="0"/>
-                        </a:spcBef>
-                        <a:buNone/>
-                      </a:pPr>
-                      <a:r>
-                        <a:rPr lang="en-CA"/>
-                        <a:t>480</a:t>
-                      </a:r>
-                    </a:p>
-                  </a:txBody>
-                  <a:tcPr marL="91425" marR="91425" marT="91425" marB="91425"/>
-                </a:tc>
-                <a:extLst>
-                  <a:ext uri="{0D108BD9-81ED-4DB2-BD59-A6C34878D82A}">
-                    <a16:rowId xmlns:a16="http://schemas.microsoft.com/office/drawing/2014/main" val="10001"/>
-                  </a:ext>
-                </a:extLst>
-              </a:tr>
-              <a:tr h="642900">
-                <a:tc>
-                  <a:txBody>
-                    <a:bodyPr/>
-                    <a:lstStyle/>
-                    <a:p>
-                      <a:pPr lvl="0">
-                        <a:spcBef>
-                          <a:spcPts val="0"/>
-                        </a:spcBef>
-                        <a:buClr>
-                          <a:schemeClr val="dk1"/>
-                        </a:buClr>
-                        <a:buSzPct val="78571"/>
-                        <a:buFont typeface="Arial"/>
-                        <a:buNone/>
-                      </a:pPr>
-                      <a:r>
-                        <a:rPr lang="en-CA">
-                          <a:solidFill>
-                            <a:schemeClr val="dk1"/>
-                          </a:solidFill>
-                        </a:rPr>
-                        <a:t>3300 mAh 7.2 V battery</a:t>
-                      </a:r>
-                    </a:p>
-                  </a:txBody>
-                  <a:tcPr marL="91425" marR="91425" marT="91425" marB="91425"/>
-                </a:tc>
-                <a:tc>
-                  <a:txBody>
-                    <a:bodyPr/>
-                    <a:lstStyle/>
-                    <a:p>
-                      <a:pPr lvl="0">
-                        <a:spcBef>
-                          <a:spcPts val="0"/>
-                        </a:spcBef>
-                        <a:buNone/>
-                      </a:pPr>
-                      <a:r>
-                        <a:rPr lang="en-CA"/>
-                        <a:t>2</a:t>
-                      </a:r>
-                    </a:p>
-                  </a:txBody>
-                  <a:tcPr marL="91425" marR="91425" marT="91425" marB="91425"/>
-                </a:tc>
-                <a:tc>
-                  <a:txBody>
-                    <a:bodyPr/>
-                    <a:lstStyle/>
-                    <a:p>
-                      <a:pPr lvl="0">
-                        <a:spcBef>
-                          <a:spcPts val="0"/>
-                        </a:spcBef>
-                        <a:buNone/>
-                      </a:pPr>
-                      <a:r>
-                        <a:rPr lang="en-CA"/>
-                        <a:t>30</a:t>
-                      </a:r>
-                    </a:p>
-                  </a:txBody>
-                  <a:tcPr marL="91425" marR="91425" marT="91425" marB="91425"/>
-                </a:tc>
-                <a:tc>
-                  <a:txBody>
-                    <a:bodyPr/>
-                    <a:lstStyle/>
-                    <a:p>
-                      <a:pPr lvl="0" algn="ctr">
-                        <a:spcBef>
-                          <a:spcPts val="0"/>
-                        </a:spcBef>
-                        <a:buNone/>
-                      </a:pPr>
-                      <a:r>
-                        <a:rPr lang="en-CA"/>
-                        <a:t>60</a:t>
-                      </a:r>
-                    </a:p>
-                  </a:txBody>
-                  <a:tcPr marL="91425" marR="91425" marT="91425" marB="91425"/>
-                </a:tc>
-                <a:extLst>
-                  <a:ext uri="{0D108BD9-81ED-4DB2-BD59-A6C34878D82A}">
-                    <a16:rowId xmlns:a16="http://schemas.microsoft.com/office/drawing/2014/main" val="10002"/>
-                  </a:ext>
-                </a:extLst>
-              </a:tr>
-              <a:tr h="626175">
-                <a:tc>
-                  <a:txBody>
-                    <a:bodyPr/>
-                    <a:lstStyle/>
-                    <a:p>
-                      <a:pPr lvl="0">
-                        <a:spcBef>
-                          <a:spcPts val="0"/>
-                        </a:spcBef>
-                        <a:buNone/>
-                      </a:pPr>
-                      <a:r>
-                        <a:rPr lang="en-CA"/>
-                        <a:t>Battery charger</a:t>
-                      </a:r>
-                    </a:p>
-                  </a:txBody>
-                  <a:tcPr marL="91425" marR="91425" marT="91425" marB="91425"/>
-                </a:tc>
-                <a:tc>
-                  <a:txBody>
-                    <a:bodyPr/>
-                    <a:lstStyle/>
-                    <a:p>
-                      <a:pPr lvl="0">
-                        <a:spcBef>
-                          <a:spcPts val="0"/>
-                        </a:spcBef>
-                        <a:buNone/>
-                      </a:pPr>
-                      <a:r>
-                        <a:rPr lang="en-CA"/>
-                        <a:t>1</a:t>
-                      </a:r>
-                    </a:p>
-                  </a:txBody>
-                  <a:tcPr marL="91425" marR="91425" marT="91425" marB="91425"/>
-                </a:tc>
-                <a:tc>
-                  <a:txBody>
-                    <a:bodyPr/>
-                    <a:lstStyle/>
-                    <a:p>
-                      <a:pPr lvl="0">
-                        <a:spcBef>
-                          <a:spcPts val="0"/>
-                        </a:spcBef>
-                        <a:buNone/>
-                      </a:pPr>
-                      <a:r>
-                        <a:rPr lang="en-CA"/>
-                        <a:t>30</a:t>
-                      </a:r>
-                    </a:p>
-                  </a:txBody>
-                  <a:tcPr marL="91425" marR="91425" marT="91425" marB="91425"/>
-                </a:tc>
-                <a:tc>
-                  <a:txBody>
-                    <a:bodyPr/>
-                    <a:lstStyle/>
-                    <a:p>
-                      <a:pPr lvl="0" algn="ctr">
-                        <a:spcBef>
-                          <a:spcPts val="0"/>
-                        </a:spcBef>
-                        <a:buNone/>
-                      </a:pPr>
-                      <a:r>
-                        <a:rPr lang="en-CA"/>
-                        <a:t>30</a:t>
-                      </a:r>
-                    </a:p>
-                  </a:txBody>
-                  <a:tcPr marL="91425" marR="91425" marT="91425" marB="91425"/>
-                </a:tc>
-                <a:extLst>
-                  <a:ext uri="{0D108BD9-81ED-4DB2-BD59-A6C34878D82A}">
-                    <a16:rowId xmlns:a16="http://schemas.microsoft.com/office/drawing/2014/main" val="10003"/>
-                  </a:ext>
-                </a:extLst>
-              </a:tr>
-              <a:tr h="659650">
-                <a:tc>
-                  <a:txBody>
-                    <a:bodyPr/>
-                    <a:lstStyle/>
-                    <a:p>
-                      <a:pPr lvl="0">
-                        <a:spcBef>
-                          <a:spcPts val="0"/>
-                        </a:spcBef>
-                        <a:buNone/>
-                      </a:pPr>
-                      <a:r>
-                        <a:rPr lang="en-CA"/>
-                        <a:t>Raspberry Pi 3 Model B</a:t>
-                      </a:r>
-                    </a:p>
-                  </a:txBody>
-                  <a:tcPr marL="91425" marR="91425" marT="91425" marB="91425"/>
-                </a:tc>
-                <a:tc>
-                  <a:txBody>
-                    <a:bodyPr/>
-                    <a:lstStyle/>
-                    <a:p>
-                      <a:pPr lvl="0">
-                        <a:spcBef>
-                          <a:spcPts val="0"/>
-                        </a:spcBef>
-                        <a:buNone/>
-                      </a:pPr>
-                      <a:r>
-                        <a:rPr lang="en-CA"/>
-                        <a:t>2</a:t>
-                      </a:r>
-                    </a:p>
-                  </a:txBody>
-                  <a:tcPr marL="91425" marR="91425" marT="91425" marB="91425"/>
-                </a:tc>
-                <a:tc>
-                  <a:txBody>
-                    <a:bodyPr/>
-                    <a:lstStyle/>
-                    <a:p>
-                      <a:pPr lvl="0">
-                        <a:spcBef>
-                          <a:spcPts val="0"/>
-                        </a:spcBef>
-                        <a:buNone/>
-                      </a:pPr>
-                      <a:r>
-                        <a:rPr lang="en-CA"/>
-                        <a:t>60</a:t>
-                      </a:r>
-                    </a:p>
-                  </a:txBody>
-                  <a:tcPr marL="91425" marR="91425" marT="91425" marB="91425"/>
-                </a:tc>
-                <a:tc>
-                  <a:txBody>
-                    <a:bodyPr/>
-                    <a:lstStyle/>
-                    <a:p>
-                      <a:pPr lvl="0" algn="ctr">
-                        <a:spcBef>
-                          <a:spcPts val="0"/>
-                        </a:spcBef>
-                        <a:buNone/>
-                      </a:pPr>
-                      <a:r>
-                        <a:rPr lang="en-CA"/>
-                        <a:t>120</a:t>
-                      </a:r>
-                    </a:p>
-                  </a:txBody>
-                  <a:tcPr marL="91425" marR="91425" marT="91425" marB="91425"/>
-                </a:tc>
-                <a:extLst>
-                  <a:ext uri="{0D108BD9-81ED-4DB2-BD59-A6C34878D82A}">
-                    <a16:rowId xmlns:a16="http://schemas.microsoft.com/office/drawing/2014/main" val="10004"/>
-                  </a:ext>
-                </a:extLst>
-              </a:tr>
-              <a:tr h="687100">
-                <a:tc>
-                  <a:txBody>
-                    <a:bodyPr/>
-                    <a:lstStyle/>
-                    <a:p>
-                      <a:pPr lvl="0">
-                        <a:spcBef>
-                          <a:spcPts val="0"/>
-                        </a:spcBef>
-                        <a:buNone/>
-                      </a:pPr>
-                      <a:r>
-                        <a:rPr lang="en-CA"/>
-                        <a:t>Voltage regulator</a:t>
-                      </a:r>
-                    </a:p>
-                  </a:txBody>
-                  <a:tcPr marL="91425" marR="91425" marT="91425" marB="91425"/>
-                </a:tc>
-                <a:tc>
-                  <a:txBody>
-                    <a:bodyPr/>
-                    <a:lstStyle/>
-                    <a:p>
-                      <a:pPr lvl="0">
-                        <a:spcBef>
-                          <a:spcPts val="0"/>
-                        </a:spcBef>
-                        <a:buNone/>
-                      </a:pPr>
-                      <a:r>
-                        <a:rPr lang="en-CA"/>
-                        <a:t>3</a:t>
-                      </a:r>
-                    </a:p>
-                  </a:txBody>
-                  <a:tcPr marL="91425" marR="91425" marT="91425" marB="91425"/>
-                </a:tc>
-                <a:tc>
-                  <a:txBody>
-                    <a:bodyPr/>
-                    <a:lstStyle/>
-                    <a:p>
-                      <a:pPr lvl="0">
-                        <a:spcBef>
-                          <a:spcPts val="0"/>
-                        </a:spcBef>
-                        <a:buNone/>
-                      </a:pPr>
-                      <a:r>
-                        <a:rPr lang="en-CA"/>
-                        <a:t>1.50</a:t>
-                      </a:r>
-                    </a:p>
-                  </a:txBody>
-                  <a:tcPr marL="91425" marR="91425" marT="91425" marB="91425"/>
-                </a:tc>
-                <a:tc>
-                  <a:txBody>
-                    <a:bodyPr/>
-                    <a:lstStyle/>
-                    <a:p>
-                      <a:pPr lvl="0" algn="ctr" rtl="0">
-                        <a:spcBef>
-                          <a:spcPts val="0"/>
-                        </a:spcBef>
-                        <a:buNone/>
-                      </a:pPr>
-                      <a:r>
-                        <a:rPr lang="en-CA"/>
-                        <a:t>4.5</a:t>
-                      </a:r>
-                    </a:p>
-                  </a:txBody>
-                  <a:tcPr marL="91425" marR="91425" marT="91425" marB="91425"/>
-                </a:tc>
-                <a:extLst>
-                  <a:ext uri="{0D108BD9-81ED-4DB2-BD59-A6C34878D82A}">
-                    <a16:rowId xmlns:a16="http://schemas.microsoft.com/office/drawing/2014/main" val="10005"/>
-                  </a:ext>
-                </a:extLst>
-              </a:tr>
-              <a:tr h="634850">
-                <a:tc>
-                  <a:txBody>
-                    <a:bodyPr/>
-                    <a:lstStyle/>
-                    <a:p>
-                      <a:pPr lvl="0">
-                        <a:spcBef>
-                          <a:spcPts val="0"/>
-                        </a:spcBef>
-                        <a:buNone/>
-                      </a:pPr>
-                      <a:r>
-                        <a:rPr lang="en-CA"/>
-                        <a:t>Hall  Effect sensor</a:t>
-                      </a:r>
-                    </a:p>
-                  </a:txBody>
-                  <a:tcPr marL="91425" marR="91425" marT="91425" marB="91425"/>
-                </a:tc>
-                <a:tc>
-                  <a:txBody>
-                    <a:bodyPr/>
-                    <a:lstStyle/>
-                    <a:p>
-                      <a:pPr lvl="0">
-                        <a:spcBef>
-                          <a:spcPts val="0"/>
-                        </a:spcBef>
-                        <a:buNone/>
-                      </a:pPr>
-                      <a:r>
-                        <a:rPr lang="en-CA"/>
-                        <a:t>3</a:t>
-                      </a:r>
-                    </a:p>
-                  </a:txBody>
-                  <a:tcPr marL="91425" marR="91425" marT="91425" marB="91425"/>
-                </a:tc>
-                <a:tc>
-                  <a:txBody>
-                    <a:bodyPr/>
-                    <a:lstStyle/>
-                    <a:p>
-                      <a:pPr lvl="0" rtl="0">
-                        <a:spcBef>
-                          <a:spcPts val="0"/>
-                        </a:spcBef>
-                        <a:buNone/>
-                      </a:pPr>
-                      <a:r>
-                        <a:rPr lang="en-CA"/>
-                        <a:t>1.70</a:t>
-                      </a:r>
-                    </a:p>
-                  </a:txBody>
-                  <a:tcPr marL="91425" marR="91425" marT="91425" marB="91425"/>
-                </a:tc>
-                <a:tc>
-                  <a:txBody>
-                    <a:bodyPr/>
-                    <a:lstStyle/>
-                    <a:p>
-                      <a:pPr lvl="0" algn="ctr" rtl="0">
-                        <a:spcBef>
-                          <a:spcPts val="0"/>
-                        </a:spcBef>
-                        <a:buNone/>
-                      </a:pPr>
-                      <a:r>
-                        <a:rPr lang="en-CA"/>
-                        <a:t>5.1</a:t>
-                      </a:r>
-                    </a:p>
-                  </a:txBody>
-                  <a:tcPr marL="91425" marR="91425" marT="91425" marB="91425"/>
-                </a:tc>
-                <a:extLst>
-                  <a:ext uri="{0D108BD9-81ED-4DB2-BD59-A6C34878D82A}">
-                    <a16:rowId xmlns:a16="http://schemas.microsoft.com/office/drawing/2014/main" val="10006"/>
-                  </a:ext>
-                </a:extLst>
-              </a:tr>
-            </a:tbl>
-          </a:graphicData>
-        </a:graphic>
-      </p:graphicFrame>
-      <p:sp>
-        <p:nvSpPr>
-          <p:cNvPr id="172" name="Shape 172"/>
-          <p:cNvSpPr txBox="1"/>
-          <p:nvPr/>
-        </p:nvSpPr>
-        <p:spPr>
-          <a:xfrm>
-            <a:off x="8929450" y="5899025"/>
-            <a:ext cx="2575800" cy="375600"/>
-          </a:xfrm>
-          <a:prstGeom prst="rect">
-            <a:avLst/>
-          </a:prstGeom>
-          <a:noFill/>
-          <a:ln>
-            <a:noFill/>
-          </a:ln>
-        </p:spPr>
-        <p:txBody>
-          <a:bodyPr lIns="91425" tIns="91425" rIns="91425" bIns="91425" anchor="t" anchorCtr="0">
-            <a:noAutofit/>
-          </a:bodyPr>
-          <a:lstStyle/>
-          <a:p>
-            <a:pPr lvl="0">
-              <a:spcBef>
-                <a:spcPts val="0"/>
-              </a:spcBef>
-              <a:buNone/>
-            </a:pPr>
-            <a:r>
-              <a:rPr lang="en-CA" b="1"/>
-              <a:t>Total:  700</a:t>
-            </a:r>
-          </a:p>
-        </p:txBody>
-      </p:sp>
-    </p:spTree>
-    <p:extLst>
-      <p:ext uri="{BB962C8B-B14F-4D97-AF65-F5344CB8AC3E}">
-        <p14:creationId xmlns:p14="http://schemas.microsoft.com/office/powerpoint/2010/main" val="2416161344"/>
-      </p:ext>
-    </p:extLst>
-  </p:cSld>
-  <p:clrMapOvr>
-    <a:masterClrMapping/>
-  </p:clrMapOvr>
-</p:sld>
-</file>
-
-<file path=ppt/slides/slide11.xml><?xml version="1.0" encoding="utf-8"?>
-<p:sld xmlns:a="http://schemas.openxmlformats.org/drawingml/2006/main" xmlns:r="http://schemas.openxmlformats.org/officeDocument/2006/relationships" xmlns:p="http://schemas.openxmlformats.org/presentationml/2006/main">
-  <p:cSld>
-    <p:spTree>
-      <p:nvGrpSpPr>
         <p:cNvPr id="1" name="Shape 176"/>
         <p:cNvGrpSpPr/>
         <p:nvPr/>
@@ -11544,7 +10912,7 @@
 </p:sld>
 </file>
 
-<file path=ppt/slides/slide12.xml><?xml version="1.0" encoding="utf-8"?>
+<file path=ppt/slides/slide11.xml><?xml version="1.0" encoding="utf-8"?>
 <p:sld xmlns:a="http://schemas.openxmlformats.org/drawingml/2006/main" xmlns:r="http://schemas.openxmlformats.org/officeDocument/2006/relationships" xmlns:p="http://schemas.openxmlformats.org/presentationml/2006/main">
   <p:cSld>
     <p:spTree>
@@ -11570,7 +10938,7 @@
           <p:nvPr>
             <p:extLst>
               <p:ext uri="{386F3935-93C4-4BCD-93E2-E3B085C9AB24}">
-                <p16:designElem xmlns:p16="http://schemas.microsoft.com/office/powerpoint/2015/main" val="1"/>
+                <p16:designElem xmlns:p16="http://schemas.microsoft.com/office/powerpoint/2015/main" xmlns="" val="1"/>
               </p:ext>
             </p:extLst>
           </p:nvPr>
@@ -11598,7 +10966,7 @@
           <p:nvPr>
             <p:extLst>
               <p:ext uri="{386F3935-93C4-4BCD-93E2-E3B085C9AB24}">
-                <p16:designElem xmlns:p16="http://schemas.microsoft.com/office/powerpoint/2015/main" val="1"/>
+                <p16:designElem xmlns:p16="http://schemas.microsoft.com/office/powerpoint/2015/main" xmlns="" val="1"/>
               </p:ext>
             </p:extLst>
           </p:nvPr>
@@ -12652,7 +12020,7 @@
           <p:nvPr>
             <p:extLst>
               <p:ext uri="{386F3935-93C4-4BCD-93E2-E3B085C9AB24}">
-                <p16:designElem xmlns:p16="http://schemas.microsoft.com/office/powerpoint/2015/main" val="1"/>
+                <p16:designElem xmlns:p16="http://schemas.microsoft.com/office/powerpoint/2015/main" xmlns="" val="1"/>
               </p:ext>
             </p:extLst>
           </p:nvPr>
@@ -12698,7 +12066,7 @@
           <p:nvPr>
             <p:extLst>
               <p:ext uri="{386F3935-93C4-4BCD-93E2-E3B085C9AB24}">
-                <p16:designElem xmlns:p16="http://schemas.microsoft.com/office/powerpoint/2015/main" val="1"/>
+                <p16:designElem xmlns:p16="http://schemas.microsoft.com/office/powerpoint/2015/main" xmlns="" val="1"/>
               </p:ext>
             </p:extLst>
           </p:nvPr>
@@ -12848,7 +12216,7 @@
           <p:nvPr>
             <p:extLst>
               <p:ext uri="{386F3935-93C4-4BCD-93E2-E3B085C9AB24}">
-                <p16:designElem xmlns:p16="http://schemas.microsoft.com/office/powerpoint/2015/main" val="1"/>
+                <p16:designElem xmlns:p16="http://schemas.microsoft.com/office/powerpoint/2015/main" xmlns="" val="1"/>
               </p:ext>
             </p:extLst>
           </p:nvPr>
@@ -14036,12 +13404,12 @@
           <a:p>
             <a:pPr algn="ctr"/>
             <a:r>
-              <a:rPr lang="en-CA" sz="6000" dirty="0">
+              <a:rPr lang="en-CA" sz="6000" dirty="0" smtClean="0">
                 <a:solidFill>
                   <a:srgbClr val="2A1A00"/>
                 </a:solidFill>
               </a:rPr>
-              <a:t>Live Demo</a:t>
+              <a:t>Demo?</a:t>
             </a:r>
             <a:endParaRPr lang="en-US" sz="6000" dirty="0">
               <a:solidFill>
@@ -14216,7 +13584,7 @@
           <p:nvPr/>
         </p:nvPicPr>
         <p:blipFill>
-          <a:blip r:embed="rId4">
+          <a:blip r:embed="rId4" cstate="print">
             <a:lum bright="70000" contrast="-70000"/>
             <a:extLst>
               <a:ext uri="{28A0092B-C50C-407E-A947-70E740481C1C}">
@@ -14508,7 +13876,7 @@
 </p:sld>
 </file>
 
-<file path=ppt/slides/slide13.xml><?xml version="1.0" encoding="utf-8"?>
+<file path=ppt/slides/slide12.xml><?xml version="1.0" encoding="utf-8"?>
 <p:sld xmlns:a="http://schemas.openxmlformats.org/drawingml/2006/main" xmlns:r="http://schemas.openxmlformats.org/officeDocument/2006/relationships" xmlns:p="http://schemas.openxmlformats.org/presentationml/2006/main">
   <p:cSld>
     <p:spTree>
@@ -14534,7 +13902,7 @@
           <p:nvPr>
             <p:extLst>
               <p:ext uri="{386F3935-93C4-4BCD-93E2-E3B085C9AB24}">
-                <p16:designElem xmlns:p16="http://schemas.microsoft.com/office/powerpoint/2015/main" val="1"/>
+                <p16:designElem xmlns:p16="http://schemas.microsoft.com/office/powerpoint/2015/main" xmlns="" val="1"/>
               </p:ext>
             </p:extLst>
           </p:nvPr>
@@ -14588,7 +13956,7 @@
           <p:nvPr>
             <p:extLst>
               <p:ext uri="{386F3935-93C4-4BCD-93E2-E3B085C9AB24}">
-                <p16:designElem xmlns:p16="http://schemas.microsoft.com/office/powerpoint/2015/main" val="1"/>
+                <p16:designElem xmlns:p16="http://schemas.microsoft.com/office/powerpoint/2015/main" xmlns="" val="1"/>
               </p:ext>
             </p:extLst>
           </p:nvPr>
@@ -14630,11 +13998,11 @@
           <p:nvPr/>
         </p:nvPicPr>
         <p:blipFill rotWithShape="1">
-          <a:blip r:embed="rId2">
+          <a:blip r:embed="rId3">
             <a:extLst>
               <a:ext uri="{BEBA8EAE-BF5A-486C-A8C5-ECC9F3942E4B}">
                 <a14:imgProps xmlns:a14="http://schemas.microsoft.com/office/drawing/2010/main">
-                  <a14:imgLayer r:embed="rId3">
+                  <a14:imgLayer r:embed="rId4">
                     <a14:imgEffect>
                       <a14:backgroundRemoval t="0" b="100000" l="0" r="100000">
                         <a14:foregroundMark x1="34364" y1="48221" x2="34000" y2="54545"/>
@@ -14681,7 +14049,7 @@
           <p:nvPr>
             <p:extLst>
               <p:ext uri="{386F3935-93C4-4BCD-93E2-E3B085C9AB24}">
-                <p16:designElem xmlns:p16="http://schemas.microsoft.com/office/powerpoint/2015/main" val="1"/>
+                <p16:designElem xmlns:p16="http://schemas.microsoft.com/office/powerpoint/2015/main" xmlns="" val="1"/>
               </p:ext>
             </p:extLst>
           </p:nvPr>
@@ -15494,149 +14862,6 @@
   <p:cSld>
     <p:spTree>
       <p:nvGrpSpPr>
-        <p:cNvPr id="1" name="Shape 127"/>
-        <p:cNvGrpSpPr/>
-        <p:nvPr/>
-      </p:nvGrpSpPr>
-      <p:grpSpPr>
-        <a:xfrm>
-          <a:off x="0" y="0"/>
-          <a:ext cx="0" cy="0"/>
-          <a:chOff x="0" y="0"/>
-          <a:chExt cx="0" cy="0"/>
-        </a:xfrm>
-      </p:grpSpPr>
-      <p:sp>
-        <p:nvSpPr>
-          <p:cNvPr id="128" name="Shape 128"/>
-          <p:cNvSpPr txBox="1">
-            <a:spLocks noGrp="1"/>
-          </p:cNvSpPr>
-          <p:nvPr>
-            <p:ph type="title"/>
-          </p:nvPr>
-        </p:nvSpPr>
-        <p:spPr>
-          <a:xfrm>
-            <a:off x="1251678" y="382385"/>
-            <a:ext cx="10178322" cy="1492132"/>
-          </a:xfrm>
-          <a:prstGeom prst="rect">
-            <a:avLst/>
-          </a:prstGeom>
-          <a:noFill/>
-          <a:ln>
-            <a:noFill/>
-          </a:ln>
-        </p:spPr>
-        <p:txBody>
-          <a:bodyPr lIns="91425" tIns="45700" rIns="91425" bIns="45700" anchor="ctr" anchorCtr="0">
-            <a:noAutofit/>
-          </a:bodyPr>
-          <a:lstStyle/>
-          <a:p>
-            <a:pPr marL="0" marR="0" lvl="0" indent="0" algn="l" rtl="0">
-              <a:lnSpc>
-                <a:spcPct val="90000"/>
-              </a:lnSpc>
-              <a:spcBef>
-                <a:spcPts val="0"/>
-              </a:spcBef>
-              <a:buClr>
-                <a:schemeClr val="dk2"/>
-              </a:buClr>
-              <a:buSzPct val="25000"/>
-              <a:buFont typeface="Impact"/>
-              <a:buNone/>
-            </a:pPr>
-            <a:r>
-              <a:rPr lang="en-CA" sz="5100" b="0" i="0" u="none" strike="noStrike" cap="none">
-                <a:solidFill>
-                  <a:schemeClr val="dk2"/>
-                </a:solidFill>
-                <a:latin typeface="Impact"/>
-                <a:ea typeface="Impact"/>
-                <a:cs typeface="Impact"/>
-                <a:sym typeface="Impact"/>
-              </a:rPr>
-              <a:t>OUTLINE</a:t>
-            </a:r>
-          </a:p>
-        </p:txBody>
-      </p:sp>
-      <p:sp>
-        <p:nvSpPr>
-          <p:cNvPr id="129" name="Shape 129"/>
-          <p:cNvSpPr txBox="1">
-            <a:spLocks noGrp="1"/>
-          </p:cNvSpPr>
-          <p:nvPr>
-            <p:ph type="body" idx="1"/>
-          </p:nvPr>
-        </p:nvSpPr>
-        <p:spPr>
-          <a:xfrm>
-            <a:off x="1251678" y="2286000"/>
-            <a:ext cx="10178322" cy="3593591"/>
-          </a:xfrm>
-          <a:prstGeom prst="rect">
-            <a:avLst/>
-          </a:prstGeom>
-          <a:noFill/>
-          <a:ln>
-            <a:noFill/>
-          </a:ln>
-        </p:spPr>
-        <p:txBody>
-          <a:bodyPr lIns="91425" tIns="45700" rIns="91425" bIns="45700" anchor="t" anchorCtr="0">
-            <a:noAutofit/>
-          </a:bodyPr>
-          <a:lstStyle/>
-          <a:p>
-            <a:pPr marL="127000" marR="0" lvl="0" indent="-127000" algn="l" rtl="0">
-              <a:lnSpc>
-                <a:spcPct val="110000"/>
-              </a:lnSpc>
-              <a:spcBef>
-                <a:spcPts val="0"/>
-              </a:spcBef>
-              <a:buClr>
-                <a:schemeClr val="dk2"/>
-              </a:buClr>
-              <a:buSzPct val="100000"/>
-              <a:buFont typeface="Arial"/>
-              <a:buNone/>
-            </a:pPr>
-            <a:endParaRPr sz="2000" b="0" i="0" u="none" strike="noStrike" cap="none">
-              <a:solidFill>
-                <a:srgbClr val="2A1A00"/>
-              </a:solidFill>
-              <a:latin typeface="Cabin"/>
-              <a:ea typeface="Cabin"/>
-              <a:cs typeface="Cabin"/>
-              <a:sym typeface="Cabin"/>
-            </a:endParaRPr>
-          </a:p>
-        </p:txBody>
-      </p:sp>
-    </p:spTree>
-    <p:extLst>
-      <p:ext uri="{BB962C8B-B14F-4D97-AF65-F5344CB8AC3E}">
-        <p14:creationId xmlns:p14="http://schemas.microsoft.com/office/powerpoint/2010/main" val="1198147272"/>
-      </p:ext>
-    </p:extLst>
-  </p:cSld>
-  <p:clrMapOvr>
-    <a:masterClrMapping/>
-  </p:clrMapOvr>
-</p:sld>
-</file>
-
-<file path=ppt/slides/slide3.xml><?xml version="1.0" encoding="utf-8"?>
-<p:sld xmlns:a="http://schemas.openxmlformats.org/drawingml/2006/main" xmlns:r="http://schemas.openxmlformats.org/officeDocument/2006/relationships" xmlns:p="http://schemas.openxmlformats.org/presentationml/2006/main">
-  <p:cSld>
-    <p:spTree>
-      <p:nvGrpSpPr>
         <p:cNvPr id="1" name="Shape 133"/>
         <p:cNvGrpSpPr/>
         <p:nvPr/>
@@ -15821,7 +15046,7 @@
 </p:sld>
 </file>
 
-<file path=ppt/slides/slide4.xml><?xml version="1.0" encoding="utf-8"?>
+<file path=ppt/slides/slide3.xml><?xml version="1.0" encoding="utf-8"?>
 <p:sld xmlns:a="http://schemas.openxmlformats.org/drawingml/2006/main" xmlns:r="http://schemas.openxmlformats.org/officeDocument/2006/relationships" xmlns:p="http://schemas.openxmlformats.org/presentationml/2006/main">
   <p:cSld>
     <p:spTree>
@@ -16131,7 +15356,7 @@
 </p:sld>
 </file>
 
-<file path=ppt/slides/slide5.xml><?xml version="1.0" encoding="utf-8"?>
+<file path=ppt/slides/slide4.xml><?xml version="1.0" encoding="utf-8"?>
 <p:sld xmlns:a="http://schemas.openxmlformats.org/drawingml/2006/main" xmlns:r="http://schemas.openxmlformats.org/officeDocument/2006/relationships" xmlns:p="http://schemas.openxmlformats.org/presentationml/2006/main">
   <p:cSld>
     <p:spTree>
@@ -16378,763 +15603,7 @@
 </p:sld>
 </file>
 
-<file path=ppt/slides/slide6.xml><?xml version="1.0" encoding="utf-8"?>
-<p:sld xmlns:a="http://schemas.openxmlformats.org/drawingml/2006/main" xmlns:r="http://schemas.openxmlformats.org/officeDocument/2006/relationships" xmlns:p="http://schemas.openxmlformats.org/presentationml/2006/main">
-  <p:cSld>
-    <p:spTree>
-      <p:nvGrpSpPr>
-        <p:cNvPr id="1" name="Shape 151"/>
-        <p:cNvGrpSpPr/>
-        <p:nvPr/>
-      </p:nvGrpSpPr>
-      <p:grpSpPr>
-        <a:xfrm>
-          <a:off x="0" y="0"/>
-          <a:ext cx="0" cy="0"/>
-          <a:chOff x="0" y="0"/>
-          <a:chExt cx="0" cy="0"/>
-        </a:xfrm>
-      </p:grpSpPr>
-      <p:sp>
-        <p:nvSpPr>
-          <p:cNvPr id="152" name="Shape 152"/>
-          <p:cNvSpPr txBox="1">
-            <a:spLocks noGrp="1"/>
-          </p:cNvSpPr>
-          <p:nvPr>
-            <p:ph type="title"/>
-          </p:nvPr>
-        </p:nvSpPr>
-        <p:spPr>
-          <a:xfrm>
-            <a:off x="1251678" y="382385"/>
-            <a:ext cx="10178400" cy="1492200"/>
-          </a:xfrm>
-          <a:prstGeom prst="rect">
-            <a:avLst/>
-          </a:prstGeom>
-          <a:noFill/>
-          <a:ln>
-            <a:noFill/>
-          </a:ln>
-        </p:spPr>
-        <p:txBody>
-          <a:bodyPr lIns="91425" tIns="45700" rIns="91425" bIns="45700" anchor="ctr" anchorCtr="0">
-            <a:noAutofit/>
-          </a:bodyPr>
-          <a:lstStyle/>
-          <a:p>
-            <a:pPr marL="0" marR="0" lvl="0" indent="0" algn="l" rtl="0">
-              <a:lnSpc>
-                <a:spcPct val="90000"/>
-              </a:lnSpc>
-              <a:spcBef>
-                <a:spcPts val="0"/>
-              </a:spcBef>
-              <a:buClr>
-                <a:schemeClr val="dk2"/>
-              </a:buClr>
-              <a:buSzPct val="25000"/>
-              <a:buFont typeface="Impact"/>
-              <a:buNone/>
-            </a:pPr>
-            <a:r>
-              <a:rPr lang="en-CA"/>
-              <a:t>VEHICLE CONTROLLER </a:t>
-            </a:r>
-          </a:p>
-        </p:txBody>
-      </p:sp>
-      <p:sp>
-        <p:nvSpPr>
-          <p:cNvPr id="153" name="Shape 153"/>
-          <p:cNvSpPr txBox="1">
-            <a:spLocks noGrp="1"/>
-          </p:cNvSpPr>
-          <p:nvPr>
-            <p:ph type="body" idx="1"/>
-          </p:nvPr>
-        </p:nvSpPr>
-        <p:spPr>
-          <a:xfrm>
-            <a:off x="1251675" y="1874575"/>
-            <a:ext cx="9990000" cy="4782900"/>
-          </a:xfrm>
-          <a:prstGeom prst="rect">
-            <a:avLst/>
-          </a:prstGeom>
-          <a:noFill/>
-          <a:ln>
-            <a:noFill/>
-          </a:ln>
-        </p:spPr>
-        <p:txBody>
-          <a:bodyPr lIns="91425" tIns="45700" rIns="91425" bIns="45700" anchor="t" anchorCtr="0">
-            <a:noAutofit/>
-          </a:bodyPr>
-          <a:lstStyle/>
-          <a:p>
-            <a:pPr marL="0" lvl="0" indent="0" rtl="0">
-              <a:lnSpc>
-                <a:spcPct val="100000"/>
-              </a:lnSpc>
-              <a:spcBef>
-                <a:spcPts val="0"/>
-              </a:spcBef>
-              <a:buNone/>
-            </a:pPr>
-            <a:r>
-              <a:rPr lang="en-CA" sz="2400" b="1">
-                <a:solidFill>
-                  <a:schemeClr val="dk1"/>
-                </a:solidFill>
-              </a:rPr>
-              <a:t>What does it do?</a:t>
-            </a:r>
-          </a:p>
-          <a:p>
-            <a:pPr marL="0" lvl="0" indent="0" rtl="0">
-              <a:lnSpc>
-                <a:spcPct val="100000"/>
-              </a:lnSpc>
-              <a:spcBef>
-                <a:spcPts val="0"/>
-              </a:spcBef>
-              <a:buNone/>
-            </a:pPr>
-            <a:r>
-              <a:rPr lang="en-CA" sz="2400">
-                <a:solidFill>
-                  <a:schemeClr val="dk1"/>
-                </a:solidFill>
-              </a:rPr>
-              <a:t>- Controls motion and direction of vehicle </a:t>
-            </a:r>
-          </a:p>
-          <a:p>
-            <a:pPr marL="0" lvl="0" indent="0" rtl="0">
-              <a:lnSpc>
-                <a:spcPct val="100000"/>
-              </a:lnSpc>
-              <a:spcBef>
-                <a:spcPts val="0"/>
-              </a:spcBef>
-              <a:buNone/>
-            </a:pPr>
-            <a:r>
-              <a:rPr lang="en-CA" sz="2400">
-                <a:solidFill>
-                  <a:schemeClr val="dk1"/>
-                </a:solidFill>
-              </a:rPr>
-              <a:t>- Ensures vehicle follows lanes and avoids obstacles</a:t>
-            </a:r>
-            <a:r>
-              <a:rPr lang="en-CA" sz="2400" b="1">
-                <a:solidFill>
-                  <a:schemeClr val="dk1"/>
-                </a:solidFill>
-              </a:rPr>
-              <a:t> </a:t>
-            </a:r>
-          </a:p>
-          <a:p>
-            <a:pPr marL="0" lvl="0" indent="-69850" rtl="0">
-              <a:lnSpc>
-                <a:spcPct val="100000"/>
-              </a:lnSpc>
-              <a:spcBef>
-                <a:spcPts val="0"/>
-              </a:spcBef>
-              <a:buClr>
-                <a:schemeClr val="dk1"/>
-              </a:buClr>
-              <a:buSzPct val="45833"/>
-              <a:buFont typeface="Arial"/>
-              <a:buNone/>
-            </a:pPr>
-            <a:endParaRPr sz="2400" b="1">
-              <a:solidFill>
-                <a:schemeClr val="dk1"/>
-              </a:solidFill>
-            </a:endParaRPr>
-          </a:p>
-          <a:p>
-            <a:pPr marL="0" lvl="0" indent="0" rtl="0">
-              <a:lnSpc>
-                <a:spcPct val="100000"/>
-              </a:lnSpc>
-              <a:spcBef>
-                <a:spcPts val="0"/>
-              </a:spcBef>
-              <a:buNone/>
-            </a:pPr>
-            <a:r>
-              <a:rPr lang="en-CA" sz="2400" b="1">
-                <a:solidFill>
-                  <a:schemeClr val="dk1"/>
-                </a:solidFill>
-              </a:rPr>
-              <a:t>How does it work?</a:t>
-            </a:r>
-          </a:p>
-          <a:p>
-            <a:pPr marL="0" lvl="0" indent="0" rtl="0">
-              <a:lnSpc>
-                <a:spcPct val="100000"/>
-              </a:lnSpc>
-              <a:spcBef>
-                <a:spcPts val="0"/>
-              </a:spcBef>
-              <a:buNone/>
-            </a:pPr>
-            <a:r>
-              <a:rPr lang="en-CA" sz="2400" b="1">
-                <a:solidFill>
-                  <a:schemeClr val="dk1"/>
-                </a:solidFill>
-              </a:rPr>
-              <a:t>- </a:t>
-            </a:r>
-            <a:r>
-              <a:rPr lang="en-CA" sz="2400">
-                <a:solidFill>
-                  <a:schemeClr val="dk1"/>
-                </a:solidFill>
-              </a:rPr>
-              <a:t>Keeps vehicle in the lane </a:t>
-            </a:r>
-          </a:p>
-          <a:p>
-            <a:pPr marL="0" lvl="0" indent="0" rtl="0">
-              <a:lnSpc>
-                <a:spcPct val="100000"/>
-              </a:lnSpc>
-              <a:spcBef>
-                <a:spcPts val="0"/>
-              </a:spcBef>
-              <a:buNone/>
-            </a:pPr>
-            <a:r>
-              <a:rPr lang="en-CA" sz="2400" b="1">
-                <a:solidFill>
-                  <a:schemeClr val="dk1"/>
-                </a:solidFill>
-              </a:rPr>
-              <a:t>- </a:t>
-            </a:r>
-            <a:r>
-              <a:rPr lang="en-CA" sz="2400">
-                <a:solidFill>
-                  <a:schemeClr val="dk1"/>
-                </a:solidFill>
-              </a:rPr>
-              <a:t>Communicates to the intersection controller when needed </a:t>
-            </a:r>
-          </a:p>
-          <a:p>
-            <a:pPr marL="0" lvl="0" indent="-69850" rtl="0">
-              <a:lnSpc>
-                <a:spcPct val="100000"/>
-              </a:lnSpc>
-              <a:spcBef>
-                <a:spcPts val="0"/>
-              </a:spcBef>
-              <a:buClr>
-                <a:schemeClr val="dk1"/>
-              </a:buClr>
-              <a:buSzPct val="45833"/>
-              <a:buFont typeface="Arial"/>
-              <a:buNone/>
-            </a:pPr>
-            <a:endParaRPr sz="2400">
-              <a:solidFill>
-                <a:schemeClr val="dk1"/>
-              </a:solidFill>
-            </a:endParaRPr>
-          </a:p>
-        </p:txBody>
-      </p:sp>
-    </p:spTree>
-    <p:extLst>
-      <p:ext uri="{BB962C8B-B14F-4D97-AF65-F5344CB8AC3E}">
-        <p14:creationId xmlns:p14="http://schemas.microsoft.com/office/powerpoint/2010/main" val="4277960705"/>
-      </p:ext>
-    </p:extLst>
-  </p:cSld>
-  <p:clrMapOvr>
-    <a:masterClrMapping/>
-  </p:clrMapOvr>
-</p:sld>
-</file>
-
-<file path=ppt/slides/slide7.xml><?xml version="1.0" encoding="utf-8"?>
-<p:sld xmlns:a="http://schemas.openxmlformats.org/drawingml/2006/main" xmlns:r="http://schemas.openxmlformats.org/officeDocument/2006/relationships" xmlns:p="http://schemas.openxmlformats.org/presentationml/2006/main">
-  <p:cSld>
-    <p:spTree>
-      <p:nvGrpSpPr>
-        <p:cNvPr id="1" name="Shape 157"/>
-        <p:cNvGrpSpPr/>
-        <p:nvPr/>
-      </p:nvGrpSpPr>
-      <p:grpSpPr>
-        <a:xfrm>
-          <a:off x="0" y="0"/>
-          <a:ext cx="0" cy="0"/>
-          <a:chOff x="0" y="0"/>
-          <a:chExt cx="0" cy="0"/>
-        </a:xfrm>
-      </p:grpSpPr>
-      <p:sp>
-        <p:nvSpPr>
-          <p:cNvPr id="158" name="Shape 158"/>
-          <p:cNvSpPr txBox="1">
-            <a:spLocks noGrp="1"/>
-          </p:cNvSpPr>
-          <p:nvPr>
-            <p:ph type="title"/>
-          </p:nvPr>
-        </p:nvSpPr>
-        <p:spPr>
-          <a:xfrm>
-            <a:off x="1251678" y="382385"/>
-            <a:ext cx="10178400" cy="1492200"/>
-          </a:xfrm>
-          <a:prstGeom prst="rect">
-            <a:avLst/>
-          </a:prstGeom>
-          <a:noFill/>
-          <a:ln>
-            <a:noFill/>
-          </a:ln>
-        </p:spPr>
-        <p:txBody>
-          <a:bodyPr lIns="91425" tIns="45700" rIns="91425" bIns="45700" anchor="ctr" anchorCtr="0">
-            <a:noAutofit/>
-          </a:bodyPr>
-          <a:lstStyle/>
-          <a:p>
-            <a:pPr marL="0" marR="0" lvl="0" indent="0" algn="l" rtl="0">
-              <a:lnSpc>
-                <a:spcPct val="90000"/>
-              </a:lnSpc>
-              <a:spcBef>
-                <a:spcPts val="0"/>
-              </a:spcBef>
-              <a:buClr>
-                <a:schemeClr val="dk2"/>
-              </a:buClr>
-              <a:buSzPct val="25000"/>
-              <a:buFont typeface="Impact"/>
-              <a:buNone/>
-            </a:pPr>
-            <a:r>
-              <a:rPr lang="en-CA"/>
-              <a:t>DESIGN DECISIONS</a:t>
-            </a:r>
-          </a:p>
-        </p:txBody>
-      </p:sp>
-      <p:sp>
-        <p:nvSpPr>
-          <p:cNvPr id="159" name="Shape 159"/>
-          <p:cNvSpPr txBox="1">
-            <a:spLocks noGrp="1"/>
-          </p:cNvSpPr>
-          <p:nvPr>
-            <p:ph type="body" idx="1"/>
-          </p:nvPr>
-        </p:nvSpPr>
-        <p:spPr>
-          <a:xfrm>
-            <a:off x="1251675" y="1874525"/>
-            <a:ext cx="10178400" cy="4005000"/>
-          </a:xfrm>
-          <a:prstGeom prst="rect">
-            <a:avLst/>
-          </a:prstGeom>
-          <a:noFill/>
-          <a:ln>
-            <a:noFill/>
-          </a:ln>
-        </p:spPr>
-        <p:txBody>
-          <a:bodyPr lIns="91425" tIns="45700" rIns="91425" bIns="45700" anchor="t" anchorCtr="0">
-            <a:noAutofit/>
-          </a:bodyPr>
-          <a:lstStyle/>
-          <a:p>
-            <a:pPr marL="0" lvl="0" indent="-69850" rtl="0">
-              <a:spcBef>
-                <a:spcPts val="0"/>
-              </a:spcBef>
-              <a:buClr>
-                <a:schemeClr val="dk1"/>
-              </a:buClr>
-              <a:buSzPct val="55000"/>
-              <a:buFont typeface="Arial"/>
-              <a:buNone/>
-            </a:pPr>
-            <a:r>
-              <a:rPr lang="en-CA" b="1">
-                <a:solidFill>
-                  <a:schemeClr val="dk2"/>
-                </a:solidFill>
-              </a:rPr>
-              <a:t>Intersection Infrastructure VS V2V</a:t>
-            </a:r>
-          </a:p>
-          <a:p>
-            <a:pPr marL="457200" lvl="0" indent="-228600" rtl="0">
-              <a:spcBef>
-                <a:spcPts val="0"/>
-              </a:spcBef>
-              <a:buClr>
-                <a:schemeClr val="dk2"/>
-              </a:buClr>
-            </a:pPr>
-            <a:r>
-              <a:rPr lang="en-CA">
-                <a:solidFill>
-                  <a:schemeClr val="dk2"/>
-                </a:solidFill>
-              </a:rPr>
-              <a:t>Wireless communication is less reliable for multiple moving vehicles</a:t>
-            </a:r>
-          </a:p>
-          <a:p>
-            <a:pPr marL="457200" marR="0" lvl="0" indent="-355600" algn="l" rtl="0">
-              <a:lnSpc>
-                <a:spcPct val="110000"/>
-              </a:lnSpc>
-              <a:spcBef>
-                <a:spcPts val="0"/>
-              </a:spcBef>
-              <a:spcAft>
-                <a:spcPts val="0"/>
-              </a:spcAft>
-              <a:buClr>
-                <a:schemeClr val="dk2"/>
-              </a:buClr>
-              <a:buSzPct val="100000"/>
-              <a:buFont typeface="Arial"/>
-            </a:pPr>
-            <a:r>
-              <a:rPr lang="en-CA">
-                <a:solidFill>
-                  <a:srgbClr val="2A1A00"/>
-                </a:solidFill>
-              </a:rPr>
-              <a:t>Multiple systems to interpret information</a:t>
-            </a:r>
-          </a:p>
-          <a:p>
-            <a:pPr marL="0" lvl="0" indent="0" rtl="0">
-              <a:spcBef>
-                <a:spcPts val="0"/>
-              </a:spcBef>
-              <a:buNone/>
-            </a:pPr>
-            <a:endParaRPr>
-              <a:solidFill>
-                <a:srgbClr val="2A1A00"/>
-              </a:solidFill>
-            </a:endParaRPr>
-          </a:p>
-          <a:p>
-            <a:pPr marL="0" marR="0" lvl="0" indent="0" algn="l" rtl="0">
-              <a:lnSpc>
-                <a:spcPct val="110000"/>
-              </a:lnSpc>
-              <a:spcBef>
-                <a:spcPts val="0"/>
-              </a:spcBef>
-              <a:spcAft>
-                <a:spcPts val="0"/>
-              </a:spcAft>
-              <a:buNone/>
-            </a:pPr>
-            <a:endParaRPr>
-              <a:solidFill>
-                <a:srgbClr val="2A1A00"/>
-              </a:solidFill>
-            </a:endParaRPr>
-          </a:p>
-          <a:p>
-            <a:pPr marL="0" lvl="0" indent="0" rtl="0">
-              <a:spcBef>
-                <a:spcPts val="0"/>
-              </a:spcBef>
-              <a:buNone/>
-            </a:pPr>
-            <a:endParaRPr>
-              <a:solidFill>
-                <a:srgbClr val="2A1A00"/>
-              </a:solidFill>
-            </a:endParaRPr>
-          </a:p>
-          <a:p>
-            <a:pPr marL="0" marR="0" lvl="0" indent="0" algn="l" rtl="0">
-              <a:lnSpc>
-                <a:spcPct val="110000"/>
-              </a:lnSpc>
-              <a:spcBef>
-                <a:spcPts val="0"/>
-              </a:spcBef>
-              <a:buNone/>
-            </a:pPr>
-            <a:endParaRPr>
-              <a:solidFill>
-                <a:srgbClr val="2A1A00"/>
-              </a:solidFill>
-            </a:endParaRPr>
-          </a:p>
-          <a:p>
-            <a:pPr marL="0" marR="0" lvl="0" indent="0" algn="l" rtl="0">
-              <a:lnSpc>
-                <a:spcPct val="110000"/>
-              </a:lnSpc>
-              <a:spcBef>
-                <a:spcPts val="0"/>
-              </a:spcBef>
-              <a:buNone/>
-            </a:pPr>
-            <a:endParaRPr>
-              <a:solidFill>
-                <a:srgbClr val="2A1A00"/>
-              </a:solidFill>
-            </a:endParaRPr>
-          </a:p>
-          <a:p>
-            <a:pPr marL="0" marR="0" lvl="0" indent="0" algn="l" rtl="0">
-              <a:lnSpc>
-                <a:spcPct val="110000"/>
-              </a:lnSpc>
-              <a:spcBef>
-                <a:spcPts val="0"/>
-              </a:spcBef>
-              <a:buNone/>
-            </a:pPr>
-            <a:endParaRPr>
-              <a:solidFill>
-                <a:srgbClr val="2A1A00"/>
-              </a:solidFill>
-            </a:endParaRPr>
-          </a:p>
-          <a:p>
-            <a:pPr marL="0" marR="0" lvl="0" indent="0" algn="l" rtl="0">
-              <a:lnSpc>
-                <a:spcPct val="110000"/>
-              </a:lnSpc>
-              <a:spcBef>
-                <a:spcPts val="0"/>
-              </a:spcBef>
-              <a:buNone/>
-            </a:pPr>
-            <a:endParaRPr>
-              <a:solidFill>
-                <a:srgbClr val="2A1A00"/>
-              </a:solidFill>
-            </a:endParaRPr>
-          </a:p>
-          <a:p>
-            <a:pPr marL="0" marR="0" lvl="0" indent="0" algn="l" rtl="0">
-              <a:lnSpc>
-                <a:spcPct val="110000"/>
-              </a:lnSpc>
-              <a:spcBef>
-                <a:spcPts val="0"/>
-              </a:spcBef>
-              <a:buNone/>
-            </a:pPr>
-            <a:endParaRPr b="1">
-              <a:solidFill>
-                <a:srgbClr val="2A1A00"/>
-              </a:solidFill>
-            </a:endParaRPr>
-          </a:p>
-        </p:txBody>
-      </p:sp>
-    </p:spTree>
-    <p:extLst>
-      <p:ext uri="{BB962C8B-B14F-4D97-AF65-F5344CB8AC3E}">
-        <p14:creationId xmlns:p14="http://schemas.microsoft.com/office/powerpoint/2010/main" val="2063085429"/>
-      </p:ext>
-    </p:extLst>
-  </p:cSld>
-  <p:clrMapOvr>
-    <a:masterClrMapping/>
-  </p:clrMapOvr>
-</p:sld>
-</file>
-
-<file path=ppt/slides/slide8.xml><?xml version="1.0" encoding="utf-8"?>
-<p:sld xmlns:a="http://schemas.openxmlformats.org/drawingml/2006/main" xmlns:r="http://schemas.openxmlformats.org/officeDocument/2006/relationships" xmlns:p="http://schemas.openxmlformats.org/presentationml/2006/main">
-  <p:cSld>
-    <p:spTree>
-      <p:nvGrpSpPr>
-        <p:cNvPr id="1" name="Shape 163"/>
-        <p:cNvGrpSpPr/>
-        <p:nvPr/>
-      </p:nvGrpSpPr>
-      <p:grpSpPr>
-        <a:xfrm>
-          <a:off x="0" y="0"/>
-          <a:ext cx="0" cy="0"/>
-          <a:chOff x="0" y="0"/>
-          <a:chExt cx="0" cy="0"/>
-        </a:xfrm>
-      </p:grpSpPr>
-      <p:sp>
-        <p:nvSpPr>
-          <p:cNvPr id="164" name="Shape 164"/>
-          <p:cNvSpPr txBox="1">
-            <a:spLocks noGrp="1"/>
-          </p:cNvSpPr>
-          <p:nvPr>
-            <p:ph type="title"/>
-          </p:nvPr>
-        </p:nvSpPr>
-        <p:spPr>
-          <a:xfrm>
-            <a:off x="1251678" y="382385"/>
-            <a:ext cx="10178322" cy="1492132"/>
-          </a:xfrm>
-          <a:prstGeom prst="rect">
-            <a:avLst/>
-          </a:prstGeom>
-          <a:noFill/>
-          <a:ln>
-            <a:noFill/>
-          </a:ln>
-        </p:spPr>
-        <p:txBody>
-          <a:bodyPr lIns="91425" tIns="45700" rIns="91425" bIns="45700" anchor="ctr" anchorCtr="0">
-            <a:noAutofit/>
-          </a:bodyPr>
-          <a:lstStyle/>
-          <a:p>
-            <a:pPr marL="0" marR="0" lvl="0" indent="0" algn="l" rtl="0">
-              <a:lnSpc>
-                <a:spcPct val="90000"/>
-              </a:lnSpc>
-              <a:spcBef>
-                <a:spcPts val="0"/>
-              </a:spcBef>
-              <a:buClr>
-                <a:schemeClr val="dk2"/>
-              </a:buClr>
-              <a:buSzPct val="25000"/>
-              <a:buFont typeface="Impact"/>
-              <a:buNone/>
-            </a:pPr>
-            <a:r>
-              <a:rPr lang="en-CA" sz="5100" b="0" i="0" u="none" strike="noStrike" cap="none">
-                <a:solidFill>
-                  <a:schemeClr val="dk2"/>
-                </a:solidFill>
-                <a:latin typeface="Impact"/>
-                <a:ea typeface="Impact"/>
-                <a:cs typeface="Impact"/>
-                <a:sym typeface="Impact"/>
-              </a:rPr>
-              <a:t>INNOVATIVE ASPECTS </a:t>
-            </a:r>
-          </a:p>
-        </p:txBody>
-      </p:sp>
-      <p:sp>
-        <p:nvSpPr>
-          <p:cNvPr id="165" name="Shape 165"/>
-          <p:cNvSpPr txBox="1">
-            <a:spLocks noGrp="1"/>
-          </p:cNvSpPr>
-          <p:nvPr>
-            <p:ph type="body" idx="1"/>
-          </p:nvPr>
-        </p:nvSpPr>
-        <p:spPr>
-          <a:xfrm>
-            <a:off x="1251675" y="1874525"/>
-            <a:ext cx="10178400" cy="4005000"/>
-          </a:xfrm>
-          <a:prstGeom prst="rect">
-            <a:avLst/>
-          </a:prstGeom>
-          <a:noFill/>
-          <a:ln>
-            <a:noFill/>
-          </a:ln>
-        </p:spPr>
-        <p:txBody>
-          <a:bodyPr lIns="91425" tIns="45700" rIns="91425" bIns="45700" anchor="t" anchorCtr="0">
-            <a:noAutofit/>
-          </a:bodyPr>
-          <a:lstStyle/>
-          <a:p>
-            <a:pPr marL="0" marR="0" lvl="0" indent="0" algn="l" rtl="0">
-              <a:lnSpc>
-                <a:spcPct val="110000"/>
-              </a:lnSpc>
-              <a:spcBef>
-                <a:spcPts val="0"/>
-              </a:spcBef>
-              <a:buNone/>
-            </a:pPr>
-            <a:endParaRPr>
-              <a:solidFill>
-                <a:srgbClr val="2A1A00"/>
-              </a:solidFill>
-            </a:endParaRPr>
-          </a:p>
-          <a:p>
-            <a:pPr marL="0" marR="0" lvl="0" indent="0" algn="l" rtl="0">
-              <a:lnSpc>
-                <a:spcPct val="110000"/>
-              </a:lnSpc>
-              <a:spcBef>
-                <a:spcPts val="0"/>
-              </a:spcBef>
-              <a:buNone/>
-            </a:pPr>
-            <a:endParaRPr>
-              <a:solidFill>
-                <a:srgbClr val="2A1A00"/>
-              </a:solidFill>
-            </a:endParaRPr>
-          </a:p>
-          <a:p>
-            <a:pPr marL="0" marR="0" lvl="0" indent="0" algn="l" rtl="0">
-              <a:lnSpc>
-                <a:spcPct val="110000"/>
-              </a:lnSpc>
-              <a:spcBef>
-                <a:spcPts val="0"/>
-              </a:spcBef>
-              <a:buNone/>
-            </a:pPr>
-            <a:endParaRPr>
-              <a:solidFill>
-                <a:srgbClr val="2A1A00"/>
-              </a:solidFill>
-            </a:endParaRPr>
-          </a:p>
-        </p:txBody>
-      </p:sp>
-    </p:spTree>
-    <p:extLst>
-      <p:ext uri="{BB962C8B-B14F-4D97-AF65-F5344CB8AC3E}">
-        <p14:creationId xmlns:p14="http://schemas.microsoft.com/office/powerpoint/2010/main" val="905049994"/>
-      </p:ext>
-    </p:extLst>
-  </p:cSld>
-  <p:clrMapOvr>
-    <a:masterClrMapping/>
-  </p:clrMapOvr>
-</p:sld>
-</file>
-
-<file path=ppt/slides/slide9.xml><?xml version="1.0" encoding="utf-8"?>
+<file path=ppt/slides/slide5.xml><?xml version="1.0" encoding="utf-8"?>
 <p:sld xmlns:a="http://schemas.openxmlformats.org/drawingml/2006/main" xmlns:r="http://schemas.openxmlformats.org/officeDocument/2006/relationships" xmlns:p="http://schemas.openxmlformats.org/presentationml/2006/main" showMasterSp="0">
   <p:cSld>
     <p:bg>
@@ -19382,6 +17851,1411 @@
 </p:sld>
 </file>
 
+<file path=ppt/slides/slide6.xml><?xml version="1.0" encoding="utf-8"?>
+<p:sld xmlns:a="http://schemas.openxmlformats.org/drawingml/2006/main" xmlns:r="http://schemas.openxmlformats.org/officeDocument/2006/relationships" xmlns:p="http://schemas.openxmlformats.org/presentationml/2006/main">
+  <p:cSld>
+    <p:spTree>
+      <p:nvGrpSpPr>
+        <p:cNvPr id="1" name="Shape 151"/>
+        <p:cNvGrpSpPr/>
+        <p:nvPr/>
+      </p:nvGrpSpPr>
+      <p:grpSpPr>
+        <a:xfrm>
+          <a:off x="0" y="0"/>
+          <a:ext cx="0" cy="0"/>
+          <a:chOff x="0" y="0"/>
+          <a:chExt cx="0" cy="0"/>
+        </a:xfrm>
+      </p:grpSpPr>
+      <p:sp>
+        <p:nvSpPr>
+          <p:cNvPr id="152" name="Shape 152"/>
+          <p:cNvSpPr txBox="1">
+            <a:spLocks noGrp="1"/>
+          </p:cNvSpPr>
+          <p:nvPr>
+            <p:ph type="title"/>
+          </p:nvPr>
+        </p:nvSpPr>
+        <p:spPr>
+          <a:xfrm>
+            <a:off x="1251678" y="382385"/>
+            <a:ext cx="10178400" cy="1492200"/>
+          </a:xfrm>
+          <a:prstGeom prst="rect">
+            <a:avLst/>
+          </a:prstGeom>
+          <a:noFill/>
+          <a:ln>
+            <a:noFill/>
+          </a:ln>
+        </p:spPr>
+        <p:txBody>
+          <a:bodyPr lIns="91425" tIns="45700" rIns="91425" bIns="45700" anchor="ctr" anchorCtr="0">
+            <a:noAutofit/>
+          </a:bodyPr>
+          <a:lstStyle/>
+          <a:p>
+            <a:pPr marL="0" marR="0" lvl="0" indent="0" algn="l" rtl="0">
+              <a:lnSpc>
+                <a:spcPct val="90000"/>
+              </a:lnSpc>
+              <a:spcBef>
+                <a:spcPts val="0"/>
+              </a:spcBef>
+              <a:buClr>
+                <a:schemeClr val="dk2"/>
+              </a:buClr>
+              <a:buSzPct val="25000"/>
+              <a:buFont typeface="Impact"/>
+              <a:buNone/>
+            </a:pPr>
+            <a:r>
+              <a:rPr lang="en-CA" dirty="0"/>
+              <a:t>VEHICLE CONTROLLER </a:t>
+            </a:r>
+          </a:p>
+        </p:txBody>
+      </p:sp>
+      <p:sp>
+        <p:nvSpPr>
+          <p:cNvPr id="153" name="Shape 153"/>
+          <p:cNvSpPr txBox="1">
+            <a:spLocks noGrp="1"/>
+          </p:cNvSpPr>
+          <p:nvPr>
+            <p:ph type="body" idx="1"/>
+          </p:nvPr>
+        </p:nvSpPr>
+        <p:spPr>
+          <a:xfrm>
+            <a:off x="1251678" y="1569775"/>
+            <a:ext cx="9990000" cy="4782900"/>
+          </a:xfrm>
+          <a:prstGeom prst="rect">
+            <a:avLst/>
+          </a:prstGeom>
+          <a:noFill/>
+          <a:ln>
+            <a:noFill/>
+          </a:ln>
+        </p:spPr>
+        <p:txBody>
+          <a:bodyPr lIns="91425" tIns="45700" rIns="91425" bIns="45700" anchor="t" anchorCtr="0">
+            <a:noAutofit/>
+          </a:bodyPr>
+          <a:lstStyle/>
+          <a:p>
+            <a:pPr marL="0" lvl="0" indent="0" rtl="0">
+              <a:lnSpc>
+                <a:spcPct val="100000"/>
+              </a:lnSpc>
+              <a:spcBef>
+                <a:spcPts val="0"/>
+              </a:spcBef>
+              <a:buNone/>
+            </a:pPr>
+            <a:r>
+              <a:rPr lang="en-CA" sz="2400" b="1" dirty="0">
+                <a:solidFill>
+                  <a:schemeClr val="dk1"/>
+                </a:solidFill>
+              </a:rPr>
+              <a:t>What does it do?</a:t>
+            </a:r>
+          </a:p>
+          <a:p>
+            <a:pPr marL="0" lvl="0" indent="0" rtl="0">
+              <a:lnSpc>
+                <a:spcPct val="100000"/>
+              </a:lnSpc>
+              <a:spcBef>
+                <a:spcPts val="0"/>
+              </a:spcBef>
+              <a:buNone/>
+            </a:pPr>
+            <a:r>
+              <a:rPr lang="en-CA" sz="2400" dirty="0">
+                <a:solidFill>
+                  <a:schemeClr val="dk1"/>
+                </a:solidFill>
+              </a:rPr>
+              <a:t>- Controls motion and direction of vehicle </a:t>
+            </a:r>
+          </a:p>
+          <a:p>
+            <a:pPr marL="0" lvl="0" indent="0" rtl="0">
+              <a:lnSpc>
+                <a:spcPct val="100000"/>
+              </a:lnSpc>
+              <a:spcBef>
+                <a:spcPts val="0"/>
+              </a:spcBef>
+              <a:buNone/>
+            </a:pPr>
+            <a:r>
+              <a:rPr lang="en-CA" sz="2400" dirty="0">
+                <a:solidFill>
+                  <a:schemeClr val="dk1"/>
+                </a:solidFill>
+              </a:rPr>
+              <a:t>- Ensures vehicle follows lanes and avoids obstacles</a:t>
+            </a:r>
+            <a:r>
+              <a:rPr lang="en-CA" sz="2400" b="1" dirty="0">
+                <a:solidFill>
+                  <a:schemeClr val="dk1"/>
+                </a:solidFill>
+              </a:rPr>
+              <a:t> </a:t>
+            </a:r>
+          </a:p>
+          <a:p>
+            <a:pPr marL="0" lvl="0" indent="-69850" rtl="0">
+              <a:lnSpc>
+                <a:spcPct val="100000"/>
+              </a:lnSpc>
+              <a:spcBef>
+                <a:spcPts val="0"/>
+              </a:spcBef>
+              <a:buClr>
+                <a:schemeClr val="dk1"/>
+              </a:buClr>
+              <a:buSzPct val="45833"/>
+              <a:buFont typeface="Arial"/>
+              <a:buNone/>
+            </a:pPr>
+            <a:endParaRPr sz="2400" b="1" dirty="0">
+              <a:solidFill>
+                <a:schemeClr val="dk1"/>
+              </a:solidFill>
+            </a:endParaRPr>
+          </a:p>
+          <a:p>
+            <a:pPr marL="0" lvl="0" indent="0" rtl="0">
+              <a:lnSpc>
+                <a:spcPct val="100000"/>
+              </a:lnSpc>
+              <a:spcBef>
+                <a:spcPts val="0"/>
+              </a:spcBef>
+              <a:buNone/>
+            </a:pPr>
+            <a:r>
+              <a:rPr lang="en-CA" sz="2400" b="1" dirty="0">
+                <a:solidFill>
+                  <a:schemeClr val="dk1"/>
+                </a:solidFill>
+              </a:rPr>
+              <a:t>How does it work?</a:t>
+            </a:r>
+          </a:p>
+          <a:p>
+            <a:pPr marL="0" lvl="0" indent="0" rtl="0">
+              <a:lnSpc>
+                <a:spcPct val="100000"/>
+              </a:lnSpc>
+              <a:spcBef>
+                <a:spcPts val="0"/>
+              </a:spcBef>
+              <a:buNone/>
+            </a:pPr>
+            <a:r>
+              <a:rPr lang="en-CA" sz="2400" b="1" dirty="0">
+                <a:solidFill>
+                  <a:schemeClr val="dk1"/>
+                </a:solidFill>
+              </a:rPr>
+              <a:t>- </a:t>
+            </a:r>
+            <a:r>
+              <a:rPr lang="en-CA" sz="2400" dirty="0">
+                <a:solidFill>
+                  <a:schemeClr val="dk1"/>
+                </a:solidFill>
+              </a:rPr>
+              <a:t>Keeps vehicle in the lane </a:t>
+            </a:r>
+          </a:p>
+          <a:p>
+            <a:pPr marL="0" lvl="0" indent="0" rtl="0">
+              <a:lnSpc>
+                <a:spcPct val="100000"/>
+              </a:lnSpc>
+              <a:spcBef>
+                <a:spcPts val="0"/>
+              </a:spcBef>
+              <a:buNone/>
+            </a:pPr>
+            <a:r>
+              <a:rPr lang="en-CA" sz="2400" b="1" dirty="0">
+                <a:solidFill>
+                  <a:schemeClr val="dk1"/>
+                </a:solidFill>
+              </a:rPr>
+              <a:t>- </a:t>
+            </a:r>
+            <a:r>
+              <a:rPr lang="en-CA" sz="2400" dirty="0">
+                <a:solidFill>
+                  <a:schemeClr val="dk1"/>
+                </a:solidFill>
+              </a:rPr>
+              <a:t>Communicates to the intersection controller when needed </a:t>
+            </a:r>
+          </a:p>
+        </p:txBody>
+      </p:sp>
+    </p:spTree>
+    <p:extLst>
+      <p:ext uri="{BB962C8B-B14F-4D97-AF65-F5344CB8AC3E}">
+        <p14:creationId xmlns:p14="http://schemas.microsoft.com/office/powerpoint/2010/main" val="4277960705"/>
+      </p:ext>
+    </p:extLst>
+  </p:cSld>
+  <p:clrMapOvr>
+    <a:masterClrMapping/>
+  </p:clrMapOvr>
+</p:sld>
+</file>
+
+<file path=ppt/slides/slide7.xml><?xml version="1.0" encoding="utf-8"?>
+<p:sld xmlns:a="http://schemas.openxmlformats.org/drawingml/2006/main" xmlns:r="http://schemas.openxmlformats.org/officeDocument/2006/relationships" xmlns:p="http://schemas.openxmlformats.org/presentationml/2006/main">
+  <p:cSld>
+    <p:spTree>
+      <p:nvGrpSpPr>
+        <p:cNvPr id="1" name=""/>
+        <p:cNvGrpSpPr/>
+        <p:nvPr/>
+      </p:nvGrpSpPr>
+      <p:grpSpPr>
+        <a:xfrm>
+          <a:off x="0" y="0"/>
+          <a:ext cx="0" cy="0"/>
+          <a:chOff x="0" y="0"/>
+          <a:chExt cx="0" cy="0"/>
+        </a:xfrm>
+      </p:grpSpPr>
+      <p:sp>
+        <p:nvSpPr>
+          <p:cNvPr id="2" name="Title 1"/>
+          <p:cNvSpPr>
+            <a:spLocks noGrp="1"/>
+          </p:cNvSpPr>
+          <p:nvPr>
+            <p:ph type="title"/>
+          </p:nvPr>
+        </p:nvSpPr>
+        <p:spPr/>
+        <p:txBody>
+          <a:bodyPr/>
+          <a:lstStyle/>
+          <a:p>
+            <a:r>
+              <a:rPr lang="en-CA" dirty="0"/>
+              <a:t>VEHICLE CONTROLLER </a:t>
+            </a:r>
+          </a:p>
+        </p:txBody>
+      </p:sp>
+      <p:sp>
+        <p:nvSpPr>
+          <p:cNvPr id="3" name="Content Placeholder 2"/>
+          <p:cNvSpPr>
+            <a:spLocks noGrp="1"/>
+          </p:cNvSpPr>
+          <p:nvPr>
+            <p:ph idx="1"/>
+          </p:nvPr>
+        </p:nvSpPr>
+        <p:spPr/>
+        <p:txBody>
+          <a:bodyPr/>
+          <a:lstStyle/>
+          <a:p>
+            <a:r>
+              <a:rPr lang="en-CA" dirty="0" smtClean="0"/>
+              <a:t>PICTURES HERE!!! (jean will put pictures here)</a:t>
+            </a:r>
+            <a:endParaRPr lang="en-CA" dirty="0"/>
+          </a:p>
+        </p:txBody>
+      </p:sp>
+    </p:spTree>
+    <p:extLst>
+      <p:ext uri="{BB962C8B-B14F-4D97-AF65-F5344CB8AC3E}">
+        <p14:creationId xmlns:p14="http://schemas.microsoft.com/office/powerpoint/2010/main" val="68007197"/>
+      </p:ext>
+    </p:extLst>
+  </p:cSld>
+  <p:clrMapOvr>
+    <a:masterClrMapping/>
+  </p:clrMapOvr>
+</p:sld>
+</file>
+
+<file path=ppt/slides/slide8.xml><?xml version="1.0" encoding="utf-8"?>
+<p:sld xmlns:a="http://schemas.openxmlformats.org/drawingml/2006/main" xmlns:r="http://schemas.openxmlformats.org/officeDocument/2006/relationships" xmlns:p="http://schemas.openxmlformats.org/presentationml/2006/main">
+  <p:cSld>
+    <p:spTree>
+      <p:nvGrpSpPr>
+        <p:cNvPr id="1" name="Shape 163"/>
+        <p:cNvGrpSpPr/>
+        <p:nvPr/>
+      </p:nvGrpSpPr>
+      <p:grpSpPr>
+        <a:xfrm>
+          <a:off x="0" y="0"/>
+          <a:ext cx="0" cy="0"/>
+          <a:chOff x="0" y="0"/>
+          <a:chExt cx="0" cy="0"/>
+        </a:xfrm>
+      </p:grpSpPr>
+      <p:sp>
+        <p:nvSpPr>
+          <p:cNvPr id="164" name="Shape 164"/>
+          <p:cNvSpPr txBox="1">
+            <a:spLocks noGrp="1"/>
+          </p:cNvSpPr>
+          <p:nvPr>
+            <p:ph type="title"/>
+          </p:nvPr>
+        </p:nvSpPr>
+        <p:spPr>
+          <a:xfrm>
+            <a:off x="1251678" y="382385"/>
+            <a:ext cx="10178322" cy="1492132"/>
+          </a:xfrm>
+          <a:prstGeom prst="rect">
+            <a:avLst/>
+          </a:prstGeom>
+          <a:noFill/>
+          <a:ln>
+            <a:noFill/>
+          </a:ln>
+        </p:spPr>
+        <p:txBody>
+          <a:bodyPr lIns="91425" tIns="45700" rIns="91425" bIns="45700" anchor="ctr" anchorCtr="0">
+            <a:noAutofit/>
+          </a:bodyPr>
+          <a:lstStyle/>
+          <a:p>
+            <a:pPr marL="0" marR="0" lvl="0" indent="0" algn="l" rtl="0">
+              <a:lnSpc>
+                <a:spcPct val="90000"/>
+              </a:lnSpc>
+              <a:spcBef>
+                <a:spcPts val="0"/>
+              </a:spcBef>
+              <a:buClr>
+                <a:schemeClr val="dk2"/>
+              </a:buClr>
+              <a:buSzPct val="25000"/>
+              <a:buFont typeface="Impact"/>
+              <a:buNone/>
+            </a:pPr>
+            <a:r>
+              <a:rPr lang="en-CA" sz="5100" b="0" i="0" u="none" strike="noStrike" cap="none" dirty="0">
+                <a:solidFill>
+                  <a:schemeClr val="dk2"/>
+                </a:solidFill>
+                <a:latin typeface="Impact"/>
+                <a:ea typeface="Impact"/>
+                <a:cs typeface="Impact"/>
+                <a:sym typeface="Impact"/>
+              </a:rPr>
+              <a:t>INNOVATIVE ASPECTS </a:t>
+            </a:r>
+          </a:p>
+        </p:txBody>
+      </p:sp>
+      <p:sp>
+        <p:nvSpPr>
+          <p:cNvPr id="165" name="Shape 165"/>
+          <p:cNvSpPr txBox="1">
+            <a:spLocks noGrp="1"/>
+          </p:cNvSpPr>
+          <p:nvPr>
+            <p:ph type="body" idx="1"/>
+          </p:nvPr>
+        </p:nvSpPr>
+        <p:spPr>
+          <a:xfrm>
+            <a:off x="1251675" y="1874525"/>
+            <a:ext cx="10178400" cy="4005000"/>
+          </a:xfrm>
+          <a:prstGeom prst="rect">
+            <a:avLst/>
+          </a:prstGeom>
+          <a:noFill/>
+          <a:ln>
+            <a:noFill/>
+          </a:ln>
+        </p:spPr>
+        <p:txBody>
+          <a:bodyPr lIns="91425" tIns="45700" rIns="91425" bIns="45700" anchor="t" anchorCtr="0">
+            <a:noAutofit/>
+          </a:bodyPr>
+          <a:lstStyle/>
+          <a:p>
+            <a:pPr marL="0" marR="0" lvl="0" indent="0" algn="l" rtl="0">
+              <a:lnSpc>
+                <a:spcPct val="110000"/>
+              </a:lnSpc>
+              <a:spcBef>
+                <a:spcPts val="0"/>
+              </a:spcBef>
+              <a:buNone/>
+            </a:pPr>
+            <a:endParaRPr dirty="0">
+              <a:solidFill>
+                <a:srgbClr val="2A1A00"/>
+              </a:solidFill>
+            </a:endParaRPr>
+          </a:p>
+          <a:p>
+            <a:pPr marL="0" marR="0" lvl="0" indent="0" algn="l" rtl="0">
+              <a:lnSpc>
+                <a:spcPct val="110000"/>
+              </a:lnSpc>
+              <a:spcBef>
+                <a:spcPts val="0"/>
+              </a:spcBef>
+              <a:buNone/>
+            </a:pPr>
+            <a:endParaRPr dirty="0">
+              <a:solidFill>
+                <a:srgbClr val="2A1A00"/>
+              </a:solidFill>
+            </a:endParaRPr>
+          </a:p>
+          <a:p>
+            <a:pPr marL="0" marR="0" lvl="0" indent="0" algn="l" rtl="0">
+              <a:lnSpc>
+                <a:spcPct val="110000"/>
+              </a:lnSpc>
+              <a:spcBef>
+                <a:spcPts val="0"/>
+              </a:spcBef>
+              <a:buNone/>
+            </a:pPr>
+            <a:endParaRPr dirty="0">
+              <a:solidFill>
+                <a:srgbClr val="2A1A00"/>
+              </a:solidFill>
+            </a:endParaRPr>
+          </a:p>
+        </p:txBody>
+      </p:sp>
+      <p:sp>
+        <p:nvSpPr>
+          <p:cNvPr id="2" name="TextBox 1"/>
+          <p:cNvSpPr txBox="1"/>
+          <p:nvPr/>
+        </p:nvSpPr>
+        <p:spPr>
+          <a:xfrm>
+            <a:off x="1576252" y="1776549"/>
+            <a:ext cx="8656320" cy="3170099"/>
+          </a:xfrm>
+          <a:prstGeom prst="rect">
+            <a:avLst/>
+          </a:prstGeom>
+          <a:noFill/>
+        </p:spPr>
+        <p:txBody>
+          <a:bodyPr wrap="square" rtlCol="0">
+            <a:spAutoFit/>
+          </a:bodyPr>
+          <a:lstStyle/>
+          <a:p>
+            <a:r>
+              <a:rPr lang="en-CA" sz="2000" b="1" dirty="0" smtClean="0"/>
+              <a:t>Two Modes</a:t>
+            </a:r>
+          </a:p>
+          <a:p>
+            <a:r>
+              <a:rPr lang="en-CA" sz="2000" dirty="0"/>
+              <a:t>	</a:t>
+            </a:r>
+            <a:r>
+              <a:rPr lang="en-CA" sz="2000" dirty="0" smtClean="0"/>
+              <a:t>1. Smart Intersection</a:t>
+            </a:r>
+          </a:p>
+          <a:p>
+            <a:r>
+              <a:rPr lang="en-CA" sz="2000" dirty="0"/>
+              <a:t>	</a:t>
+            </a:r>
+            <a:r>
+              <a:rPr lang="en-CA" sz="2000" dirty="0" smtClean="0"/>
+              <a:t>	- car does not stop at intersection if it not needed</a:t>
+            </a:r>
+            <a:br>
+              <a:rPr lang="en-CA" sz="2000" dirty="0" smtClean="0"/>
+            </a:br>
+            <a:endParaRPr lang="en-CA" sz="2000" dirty="0" smtClean="0"/>
+          </a:p>
+          <a:p>
+            <a:r>
+              <a:rPr lang="en-CA" sz="2000" dirty="0"/>
+              <a:t> </a:t>
+            </a:r>
+            <a:r>
+              <a:rPr lang="en-CA" sz="2000" dirty="0" smtClean="0"/>
+              <a:t>      2. Normal Intersection</a:t>
+            </a:r>
+          </a:p>
+          <a:p>
+            <a:r>
+              <a:rPr lang="en-CA" sz="2000" dirty="0"/>
+              <a:t>	</a:t>
+            </a:r>
+            <a:r>
+              <a:rPr lang="en-CA" sz="2000" dirty="0" smtClean="0"/>
+              <a:t>	- car stops at  intersection, proceeds when allowed</a:t>
+            </a:r>
+          </a:p>
+          <a:p>
+            <a:endParaRPr lang="en-CA" sz="2000" b="1" dirty="0"/>
+          </a:p>
+          <a:p>
+            <a:r>
+              <a:rPr lang="en-CA" sz="2000" b="1" dirty="0" smtClean="0"/>
+              <a:t>Intersection Monitoring</a:t>
+            </a:r>
+          </a:p>
+          <a:p>
+            <a:r>
+              <a:rPr lang="en-CA" sz="2000" b="1" dirty="0" smtClean="0"/>
+              <a:t>	</a:t>
+            </a:r>
+            <a:r>
+              <a:rPr lang="en-CA" sz="2000" dirty="0" smtClean="0"/>
+              <a:t>- Camera tracks all movement in intersection</a:t>
+            </a:r>
+          </a:p>
+          <a:p>
+            <a:r>
+              <a:rPr lang="en-CA" sz="2000" dirty="0"/>
+              <a:t>	</a:t>
+            </a:r>
+            <a:r>
+              <a:rPr lang="en-CA" sz="2000" dirty="0" smtClean="0"/>
+              <a:t>- Redundancy in object detection</a:t>
+            </a:r>
+            <a:endParaRPr lang="en-CA" sz="2000" dirty="0"/>
+          </a:p>
+        </p:txBody>
+      </p:sp>
+    </p:spTree>
+    <p:extLst>
+      <p:ext uri="{BB962C8B-B14F-4D97-AF65-F5344CB8AC3E}">
+        <p14:creationId xmlns:p14="http://schemas.microsoft.com/office/powerpoint/2010/main" val="905049994"/>
+      </p:ext>
+    </p:extLst>
+  </p:cSld>
+  <p:clrMapOvr>
+    <a:masterClrMapping/>
+  </p:clrMapOvr>
+  <p:timing>
+    <p:tnLst>
+      <p:par>
+        <p:cTn id="1" dur="indefinite" restart="never" nodeType="tmRoot"/>
+      </p:par>
+    </p:tnLst>
+  </p:timing>
+</p:sld>
+</file>
+
+<file path=ppt/slides/slide9.xml><?xml version="1.0" encoding="utf-8"?>
+<p:sld xmlns:a="http://schemas.openxmlformats.org/drawingml/2006/main" xmlns:r="http://schemas.openxmlformats.org/officeDocument/2006/relationships" xmlns:p="http://schemas.openxmlformats.org/presentationml/2006/main">
+  <p:cSld>
+    <p:spTree>
+      <p:nvGrpSpPr>
+        <p:cNvPr id="1" name="Shape 169"/>
+        <p:cNvGrpSpPr/>
+        <p:nvPr/>
+      </p:nvGrpSpPr>
+      <p:grpSpPr>
+        <a:xfrm>
+          <a:off x="0" y="0"/>
+          <a:ext cx="0" cy="0"/>
+          <a:chOff x="0" y="0"/>
+          <a:chExt cx="0" cy="0"/>
+        </a:xfrm>
+      </p:grpSpPr>
+      <p:sp>
+        <p:nvSpPr>
+          <p:cNvPr id="170" name="Shape 170"/>
+          <p:cNvSpPr txBox="1">
+            <a:spLocks noGrp="1"/>
+          </p:cNvSpPr>
+          <p:nvPr>
+            <p:ph type="title"/>
+          </p:nvPr>
+        </p:nvSpPr>
+        <p:spPr>
+          <a:xfrm>
+            <a:off x="1251678" y="382385"/>
+            <a:ext cx="10178322" cy="1492132"/>
+          </a:xfrm>
+          <a:prstGeom prst="rect">
+            <a:avLst/>
+          </a:prstGeom>
+          <a:noFill/>
+          <a:ln>
+            <a:noFill/>
+          </a:ln>
+        </p:spPr>
+        <p:txBody>
+          <a:bodyPr lIns="91425" tIns="45700" rIns="91425" bIns="45700" anchor="ctr" anchorCtr="0">
+            <a:noAutofit/>
+          </a:bodyPr>
+          <a:lstStyle/>
+          <a:p>
+            <a:pPr marL="0" marR="0" lvl="0" indent="0" algn="l" rtl="0">
+              <a:lnSpc>
+                <a:spcPct val="90000"/>
+              </a:lnSpc>
+              <a:spcBef>
+                <a:spcPts val="0"/>
+              </a:spcBef>
+              <a:buClr>
+                <a:schemeClr val="dk2"/>
+              </a:buClr>
+              <a:buSzPct val="25000"/>
+              <a:buFont typeface="Impact"/>
+              <a:buNone/>
+            </a:pPr>
+            <a:r>
+              <a:rPr lang="en-CA" sz="5100" b="0" i="0" u="none" strike="noStrike" cap="none">
+                <a:solidFill>
+                  <a:schemeClr val="dk2"/>
+                </a:solidFill>
+                <a:latin typeface="Impact"/>
+                <a:ea typeface="Impact"/>
+                <a:cs typeface="Impact"/>
+                <a:sym typeface="Impact"/>
+              </a:rPr>
+              <a:t>COST</a:t>
+            </a:r>
+          </a:p>
+        </p:txBody>
+      </p:sp>
+      <p:graphicFrame>
+        <p:nvGraphicFramePr>
+          <p:cNvPr id="171" name="Shape 171"/>
+          <p:cNvGraphicFramePr/>
+          <p:nvPr/>
+        </p:nvGraphicFramePr>
+        <p:xfrm>
+          <a:off x="1187487" y="1574025"/>
+          <a:ext cx="9308575" cy="4713655"/>
+        </p:xfrm>
+        <a:graphic>
+          <a:graphicData uri="http://schemas.openxmlformats.org/drawingml/2006/table">
+            <a:tbl>
+              <a:tblPr>
+                <a:noFill/>
+              </a:tblPr>
+              <a:tblGrid>
+                <a:gridCol w="2576675">
+                  <a:extLst>
+                    <a:ext uri="{9D8B030D-6E8A-4147-A177-3AD203B41FA5}">
+                      <a16:colId xmlns:a16="http://schemas.microsoft.com/office/drawing/2014/main" xmlns="" val="20000"/>
+                    </a:ext>
+                  </a:extLst>
+                </a:gridCol>
+                <a:gridCol w="2576675">
+                  <a:extLst>
+                    <a:ext uri="{9D8B030D-6E8A-4147-A177-3AD203B41FA5}">
+                      <a16:colId xmlns:a16="http://schemas.microsoft.com/office/drawing/2014/main" xmlns="" val="20001"/>
+                    </a:ext>
+                  </a:extLst>
+                </a:gridCol>
+                <a:gridCol w="2576675">
+                  <a:extLst>
+                    <a:ext uri="{9D8B030D-6E8A-4147-A177-3AD203B41FA5}">
+                      <a16:colId xmlns:a16="http://schemas.microsoft.com/office/drawing/2014/main" xmlns="" val="20002"/>
+                    </a:ext>
+                  </a:extLst>
+                </a:gridCol>
+                <a:gridCol w="1578550">
+                  <a:extLst>
+                    <a:ext uri="{9D8B030D-6E8A-4147-A177-3AD203B41FA5}">
+                      <a16:colId xmlns:a16="http://schemas.microsoft.com/office/drawing/2014/main" xmlns="" val="20003"/>
+                    </a:ext>
+                  </a:extLst>
+                </a:gridCol>
+              </a:tblGrid>
+              <a:tr h="425175">
+                <a:tc>
+                  <a:txBody>
+                    <a:bodyPr/>
+                    <a:lstStyle/>
+                    <a:p>
+                      <a:pPr lvl="0">
+                        <a:spcBef>
+                          <a:spcPts val="0"/>
+                        </a:spcBef>
+                        <a:buNone/>
+                      </a:pPr>
+                      <a:r>
+                        <a:rPr lang="en-CA" b="1" dirty="0"/>
+                        <a:t>PART </a:t>
+                      </a:r>
+                    </a:p>
+                  </a:txBody>
+                  <a:tcPr marL="91425" marR="91425" marT="91425" marB="91425"/>
+                </a:tc>
+                <a:tc>
+                  <a:txBody>
+                    <a:bodyPr/>
+                    <a:lstStyle/>
+                    <a:p>
+                      <a:pPr lvl="0">
+                        <a:spcBef>
+                          <a:spcPts val="0"/>
+                        </a:spcBef>
+                        <a:buNone/>
+                      </a:pPr>
+                      <a:r>
+                        <a:rPr lang="en-CA" b="1"/>
+                        <a:t>QUANTITY </a:t>
+                      </a:r>
+                    </a:p>
+                  </a:txBody>
+                  <a:tcPr marL="91425" marR="91425" marT="91425" marB="91425"/>
+                </a:tc>
+                <a:tc>
+                  <a:txBody>
+                    <a:bodyPr/>
+                    <a:lstStyle/>
+                    <a:p>
+                      <a:pPr lvl="0">
+                        <a:spcBef>
+                          <a:spcPts val="0"/>
+                        </a:spcBef>
+                        <a:buNone/>
+                      </a:pPr>
+                      <a:r>
+                        <a:rPr lang="en-CA" b="1"/>
+                        <a:t>PRICE ($)</a:t>
+                      </a:r>
+                    </a:p>
+                  </a:txBody>
+                  <a:tcPr marL="91425" marR="91425" marT="91425" marB="91425"/>
+                </a:tc>
+                <a:tc>
+                  <a:txBody>
+                    <a:bodyPr/>
+                    <a:lstStyle/>
+                    <a:p>
+                      <a:pPr lvl="0">
+                        <a:spcBef>
+                          <a:spcPts val="0"/>
+                        </a:spcBef>
+                        <a:buNone/>
+                      </a:pPr>
+                      <a:r>
+                        <a:rPr lang="en-CA" b="1"/>
+                        <a:t>TOTAL ($)</a:t>
+                      </a:r>
+                    </a:p>
+                  </a:txBody>
+                  <a:tcPr marL="91425" marR="91425" marT="91425" marB="91425"/>
+                </a:tc>
+                <a:extLst>
+                  <a:ext uri="{0D108BD9-81ED-4DB2-BD59-A6C34878D82A}">
+                    <a16:rowId xmlns:a16="http://schemas.microsoft.com/office/drawing/2014/main" xmlns="" val="10000"/>
+                  </a:ext>
+                </a:extLst>
+              </a:tr>
+              <a:tr h="642875">
+                <a:tc>
+                  <a:txBody>
+                    <a:bodyPr/>
+                    <a:lstStyle/>
+                    <a:p>
+                      <a:pPr lvl="0">
+                        <a:spcBef>
+                          <a:spcPts val="0"/>
+                        </a:spcBef>
+                        <a:buNone/>
+                      </a:pPr>
+                      <a:r>
+                        <a:rPr lang="en-CA"/>
+                        <a:t>RC Car</a:t>
+                      </a:r>
+                    </a:p>
+                    <a:p>
+                      <a:pPr lvl="0">
+                        <a:spcBef>
+                          <a:spcPts val="0"/>
+                        </a:spcBef>
+                        <a:buNone/>
+                      </a:pPr>
+                      <a:r>
+                        <a:rPr lang="en-CA"/>
+                        <a:t>(w/ servo &amp; speed controller)</a:t>
+                      </a:r>
+                    </a:p>
+                  </a:txBody>
+                  <a:tcPr marL="91425" marR="91425" marT="91425" marB="91425"/>
+                </a:tc>
+                <a:tc>
+                  <a:txBody>
+                    <a:bodyPr/>
+                    <a:lstStyle/>
+                    <a:p>
+                      <a:pPr lvl="0">
+                        <a:spcBef>
+                          <a:spcPts val="0"/>
+                        </a:spcBef>
+                        <a:buNone/>
+                      </a:pPr>
+                      <a:r>
+                        <a:rPr lang="en-CA"/>
+                        <a:t>2</a:t>
+                      </a:r>
+                    </a:p>
+                  </a:txBody>
+                  <a:tcPr marL="91425" marR="91425" marT="91425" marB="91425"/>
+                </a:tc>
+                <a:tc>
+                  <a:txBody>
+                    <a:bodyPr/>
+                    <a:lstStyle/>
+                    <a:p>
+                      <a:pPr lvl="0">
+                        <a:spcBef>
+                          <a:spcPts val="0"/>
+                        </a:spcBef>
+                        <a:buNone/>
+                      </a:pPr>
+                      <a:r>
+                        <a:rPr lang="en-CA"/>
+                        <a:t>240</a:t>
+                      </a:r>
+                    </a:p>
+                  </a:txBody>
+                  <a:tcPr marL="91425" marR="91425" marT="91425" marB="91425"/>
+                </a:tc>
+                <a:tc>
+                  <a:txBody>
+                    <a:bodyPr/>
+                    <a:lstStyle/>
+                    <a:p>
+                      <a:pPr lvl="0" algn="ctr">
+                        <a:spcBef>
+                          <a:spcPts val="0"/>
+                        </a:spcBef>
+                        <a:buNone/>
+                      </a:pPr>
+                      <a:r>
+                        <a:rPr lang="en-CA"/>
+                        <a:t>480</a:t>
+                      </a:r>
+                    </a:p>
+                  </a:txBody>
+                  <a:tcPr marL="91425" marR="91425" marT="91425" marB="91425"/>
+                </a:tc>
+                <a:extLst>
+                  <a:ext uri="{0D108BD9-81ED-4DB2-BD59-A6C34878D82A}">
+                    <a16:rowId xmlns:a16="http://schemas.microsoft.com/office/drawing/2014/main" xmlns="" val="10001"/>
+                  </a:ext>
+                </a:extLst>
+              </a:tr>
+              <a:tr h="642900">
+                <a:tc>
+                  <a:txBody>
+                    <a:bodyPr/>
+                    <a:lstStyle/>
+                    <a:p>
+                      <a:pPr lvl="0">
+                        <a:spcBef>
+                          <a:spcPts val="0"/>
+                        </a:spcBef>
+                        <a:buClr>
+                          <a:schemeClr val="dk1"/>
+                        </a:buClr>
+                        <a:buSzPct val="78571"/>
+                        <a:buFont typeface="Arial"/>
+                        <a:buNone/>
+                      </a:pPr>
+                      <a:r>
+                        <a:rPr lang="en-CA">
+                          <a:solidFill>
+                            <a:schemeClr val="dk1"/>
+                          </a:solidFill>
+                        </a:rPr>
+                        <a:t>3300 mAh 7.2 V battery</a:t>
+                      </a:r>
+                    </a:p>
+                  </a:txBody>
+                  <a:tcPr marL="91425" marR="91425" marT="91425" marB="91425"/>
+                </a:tc>
+                <a:tc>
+                  <a:txBody>
+                    <a:bodyPr/>
+                    <a:lstStyle/>
+                    <a:p>
+                      <a:pPr lvl="0">
+                        <a:spcBef>
+                          <a:spcPts val="0"/>
+                        </a:spcBef>
+                        <a:buNone/>
+                      </a:pPr>
+                      <a:r>
+                        <a:rPr lang="en-CA"/>
+                        <a:t>2</a:t>
+                      </a:r>
+                    </a:p>
+                  </a:txBody>
+                  <a:tcPr marL="91425" marR="91425" marT="91425" marB="91425"/>
+                </a:tc>
+                <a:tc>
+                  <a:txBody>
+                    <a:bodyPr/>
+                    <a:lstStyle/>
+                    <a:p>
+                      <a:pPr lvl="0">
+                        <a:spcBef>
+                          <a:spcPts val="0"/>
+                        </a:spcBef>
+                        <a:buNone/>
+                      </a:pPr>
+                      <a:r>
+                        <a:rPr lang="en-CA"/>
+                        <a:t>30</a:t>
+                      </a:r>
+                    </a:p>
+                  </a:txBody>
+                  <a:tcPr marL="91425" marR="91425" marT="91425" marB="91425"/>
+                </a:tc>
+                <a:tc>
+                  <a:txBody>
+                    <a:bodyPr/>
+                    <a:lstStyle/>
+                    <a:p>
+                      <a:pPr lvl="0" algn="ctr">
+                        <a:spcBef>
+                          <a:spcPts val="0"/>
+                        </a:spcBef>
+                        <a:buNone/>
+                      </a:pPr>
+                      <a:r>
+                        <a:rPr lang="en-CA"/>
+                        <a:t>60</a:t>
+                      </a:r>
+                    </a:p>
+                  </a:txBody>
+                  <a:tcPr marL="91425" marR="91425" marT="91425" marB="91425"/>
+                </a:tc>
+                <a:extLst>
+                  <a:ext uri="{0D108BD9-81ED-4DB2-BD59-A6C34878D82A}">
+                    <a16:rowId xmlns:a16="http://schemas.microsoft.com/office/drawing/2014/main" xmlns="" val="10002"/>
+                  </a:ext>
+                </a:extLst>
+              </a:tr>
+              <a:tr h="626175">
+                <a:tc>
+                  <a:txBody>
+                    <a:bodyPr/>
+                    <a:lstStyle/>
+                    <a:p>
+                      <a:pPr lvl="0">
+                        <a:spcBef>
+                          <a:spcPts val="0"/>
+                        </a:spcBef>
+                        <a:buNone/>
+                      </a:pPr>
+                      <a:r>
+                        <a:rPr lang="en-CA"/>
+                        <a:t>Battery charger</a:t>
+                      </a:r>
+                    </a:p>
+                  </a:txBody>
+                  <a:tcPr marL="91425" marR="91425" marT="91425" marB="91425"/>
+                </a:tc>
+                <a:tc>
+                  <a:txBody>
+                    <a:bodyPr/>
+                    <a:lstStyle/>
+                    <a:p>
+                      <a:pPr lvl="0">
+                        <a:spcBef>
+                          <a:spcPts val="0"/>
+                        </a:spcBef>
+                        <a:buNone/>
+                      </a:pPr>
+                      <a:r>
+                        <a:rPr lang="en-CA"/>
+                        <a:t>1</a:t>
+                      </a:r>
+                    </a:p>
+                  </a:txBody>
+                  <a:tcPr marL="91425" marR="91425" marT="91425" marB="91425"/>
+                </a:tc>
+                <a:tc>
+                  <a:txBody>
+                    <a:bodyPr/>
+                    <a:lstStyle/>
+                    <a:p>
+                      <a:pPr lvl="0">
+                        <a:spcBef>
+                          <a:spcPts val="0"/>
+                        </a:spcBef>
+                        <a:buNone/>
+                      </a:pPr>
+                      <a:r>
+                        <a:rPr lang="en-CA"/>
+                        <a:t>30</a:t>
+                      </a:r>
+                    </a:p>
+                  </a:txBody>
+                  <a:tcPr marL="91425" marR="91425" marT="91425" marB="91425"/>
+                </a:tc>
+                <a:tc>
+                  <a:txBody>
+                    <a:bodyPr/>
+                    <a:lstStyle/>
+                    <a:p>
+                      <a:pPr lvl="0" algn="ctr">
+                        <a:spcBef>
+                          <a:spcPts val="0"/>
+                        </a:spcBef>
+                        <a:buNone/>
+                      </a:pPr>
+                      <a:r>
+                        <a:rPr lang="en-CA"/>
+                        <a:t>30</a:t>
+                      </a:r>
+                    </a:p>
+                  </a:txBody>
+                  <a:tcPr marL="91425" marR="91425" marT="91425" marB="91425"/>
+                </a:tc>
+                <a:extLst>
+                  <a:ext uri="{0D108BD9-81ED-4DB2-BD59-A6C34878D82A}">
+                    <a16:rowId xmlns:a16="http://schemas.microsoft.com/office/drawing/2014/main" xmlns="" val="10003"/>
+                  </a:ext>
+                </a:extLst>
+              </a:tr>
+              <a:tr h="659650">
+                <a:tc>
+                  <a:txBody>
+                    <a:bodyPr/>
+                    <a:lstStyle/>
+                    <a:p>
+                      <a:pPr lvl="0">
+                        <a:spcBef>
+                          <a:spcPts val="0"/>
+                        </a:spcBef>
+                        <a:buNone/>
+                      </a:pPr>
+                      <a:r>
+                        <a:rPr lang="en-CA"/>
+                        <a:t>Raspberry Pi 3 Model B</a:t>
+                      </a:r>
+                    </a:p>
+                  </a:txBody>
+                  <a:tcPr marL="91425" marR="91425" marT="91425" marB="91425"/>
+                </a:tc>
+                <a:tc>
+                  <a:txBody>
+                    <a:bodyPr/>
+                    <a:lstStyle/>
+                    <a:p>
+                      <a:pPr lvl="0">
+                        <a:spcBef>
+                          <a:spcPts val="0"/>
+                        </a:spcBef>
+                        <a:buNone/>
+                      </a:pPr>
+                      <a:r>
+                        <a:rPr lang="en-CA"/>
+                        <a:t>2</a:t>
+                      </a:r>
+                    </a:p>
+                  </a:txBody>
+                  <a:tcPr marL="91425" marR="91425" marT="91425" marB="91425"/>
+                </a:tc>
+                <a:tc>
+                  <a:txBody>
+                    <a:bodyPr/>
+                    <a:lstStyle/>
+                    <a:p>
+                      <a:pPr lvl="0">
+                        <a:spcBef>
+                          <a:spcPts val="0"/>
+                        </a:spcBef>
+                        <a:buNone/>
+                      </a:pPr>
+                      <a:r>
+                        <a:rPr lang="en-CA"/>
+                        <a:t>60</a:t>
+                      </a:r>
+                    </a:p>
+                  </a:txBody>
+                  <a:tcPr marL="91425" marR="91425" marT="91425" marB="91425"/>
+                </a:tc>
+                <a:tc>
+                  <a:txBody>
+                    <a:bodyPr/>
+                    <a:lstStyle/>
+                    <a:p>
+                      <a:pPr lvl="0" algn="ctr">
+                        <a:spcBef>
+                          <a:spcPts val="0"/>
+                        </a:spcBef>
+                        <a:buNone/>
+                      </a:pPr>
+                      <a:r>
+                        <a:rPr lang="en-CA"/>
+                        <a:t>120</a:t>
+                      </a:r>
+                    </a:p>
+                  </a:txBody>
+                  <a:tcPr marL="91425" marR="91425" marT="91425" marB="91425"/>
+                </a:tc>
+                <a:extLst>
+                  <a:ext uri="{0D108BD9-81ED-4DB2-BD59-A6C34878D82A}">
+                    <a16:rowId xmlns:a16="http://schemas.microsoft.com/office/drawing/2014/main" xmlns="" val="10004"/>
+                  </a:ext>
+                </a:extLst>
+              </a:tr>
+              <a:tr h="687100">
+                <a:tc>
+                  <a:txBody>
+                    <a:bodyPr/>
+                    <a:lstStyle/>
+                    <a:p>
+                      <a:pPr lvl="0">
+                        <a:spcBef>
+                          <a:spcPts val="0"/>
+                        </a:spcBef>
+                        <a:buNone/>
+                      </a:pPr>
+                      <a:r>
+                        <a:rPr lang="en-CA"/>
+                        <a:t>Voltage regulator</a:t>
+                      </a:r>
+                    </a:p>
+                  </a:txBody>
+                  <a:tcPr marL="91425" marR="91425" marT="91425" marB="91425"/>
+                </a:tc>
+                <a:tc>
+                  <a:txBody>
+                    <a:bodyPr/>
+                    <a:lstStyle/>
+                    <a:p>
+                      <a:pPr lvl="0">
+                        <a:spcBef>
+                          <a:spcPts val="0"/>
+                        </a:spcBef>
+                        <a:buNone/>
+                      </a:pPr>
+                      <a:r>
+                        <a:rPr lang="en-CA"/>
+                        <a:t>3</a:t>
+                      </a:r>
+                    </a:p>
+                  </a:txBody>
+                  <a:tcPr marL="91425" marR="91425" marT="91425" marB="91425"/>
+                </a:tc>
+                <a:tc>
+                  <a:txBody>
+                    <a:bodyPr/>
+                    <a:lstStyle/>
+                    <a:p>
+                      <a:pPr lvl="0">
+                        <a:spcBef>
+                          <a:spcPts val="0"/>
+                        </a:spcBef>
+                        <a:buNone/>
+                      </a:pPr>
+                      <a:r>
+                        <a:rPr lang="en-CA"/>
+                        <a:t>1.50</a:t>
+                      </a:r>
+                    </a:p>
+                  </a:txBody>
+                  <a:tcPr marL="91425" marR="91425" marT="91425" marB="91425"/>
+                </a:tc>
+                <a:tc>
+                  <a:txBody>
+                    <a:bodyPr/>
+                    <a:lstStyle/>
+                    <a:p>
+                      <a:pPr lvl="0" algn="ctr" rtl="0">
+                        <a:spcBef>
+                          <a:spcPts val="0"/>
+                        </a:spcBef>
+                        <a:buNone/>
+                      </a:pPr>
+                      <a:r>
+                        <a:rPr lang="en-CA"/>
+                        <a:t>4.5</a:t>
+                      </a:r>
+                    </a:p>
+                  </a:txBody>
+                  <a:tcPr marL="91425" marR="91425" marT="91425" marB="91425"/>
+                </a:tc>
+                <a:extLst>
+                  <a:ext uri="{0D108BD9-81ED-4DB2-BD59-A6C34878D82A}">
+                    <a16:rowId xmlns:a16="http://schemas.microsoft.com/office/drawing/2014/main" xmlns="" val="10005"/>
+                  </a:ext>
+                </a:extLst>
+              </a:tr>
+              <a:tr h="634850">
+                <a:tc>
+                  <a:txBody>
+                    <a:bodyPr/>
+                    <a:lstStyle/>
+                    <a:p>
+                      <a:pPr lvl="0">
+                        <a:spcBef>
+                          <a:spcPts val="0"/>
+                        </a:spcBef>
+                        <a:buNone/>
+                      </a:pPr>
+                      <a:r>
+                        <a:rPr lang="en-CA"/>
+                        <a:t>Hall  Effect sensor</a:t>
+                      </a:r>
+                    </a:p>
+                  </a:txBody>
+                  <a:tcPr marL="91425" marR="91425" marT="91425" marB="91425"/>
+                </a:tc>
+                <a:tc>
+                  <a:txBody>
+                    <a:bodyPr/>
+                    <a:lstStyle/>
+                    <a:p>
+                      <a:pPr lvl="0">
+                        <a:spcBef>
+                          <a:spcPts val="0"/>
+                        </a:spcBef>
+                        <a:buNone/>
+                      </a:pPr>
+                      <a:r>
+                        <a:rPr lang="en-CA"/>
+                        <a:t>3</a:t>
+                      </a:r>
+                    </a:p>
+                  </a:txBody>
+                  <a:tcPr marL="91425" marR="91425" marT="91425" marB="91425"/>
+                </a:tc>
+                <a:tc>
+                  <a:txBody>
+                    <a:bodyPr/>
+                    <a:lstStyle/>
+                    <a:p>
+                      <a:pPr lvl="0" rtl="0">
+                        <a:spcBef>
+                          <a:spcPts val="0"/>
+                        </a:spcBef>
+                        <a:buNone/>
+                      </a:pPr>
+                      <a:r>
+                        <a:rPr lang="en-CA"/>
+                        <a:t>1.70</a:t>
+                      </a:r>
+                    </a:p>
+                  </a:txBody>
+                  <a:tcPr marL="91425" marR="91425" marT="91425" marB="91425"/>
+                </a:tc>
+                <a:tc>
+                  <a:txBody>
+                    <a:bodyPr/>
+                    <a:lstStyle/>
+                    <a:p>
+                      <a:pPr lvl="0" algn="ctr" rtl="0">
+                        <a:spcBef>
+                          <a:spcPts val="0"/>
+                        </a:spcBef>
+                        <a:buNone/>
+                      </a:pPr>
+                      <a:r>
+                        <a:rPr lang="en-CA" dirty="0"/>
+                        <a:t>5.1</a:t>
+                      </a:r>
+                    </a:p>
+                  </a:txBody>
+                  <a:tcPr marL="91425" marR="91425" marT="91425" marB="91425"/>
+                </a:tc>
+                <a:extLst>
+                  <a:ext uri="{0D108BD9-81ED-4DB2-BD59-A6C34878D82A}">
+                    <a16:rowId xmlns:a16="http://schemas.microsoft.com/office/drawing/2014/main" xmlns="" val="10006"/>
+                  </a:ext>
+                </a:extLst>
+              </a:tr>
+            </a:tbl>
+          </a:graphicData>
+        </a:graphic>
+      </p:graphicFrame>
+      <p:sp>
+        <p:nvSpPr>
+          <p:cNvPr id="172" name="Shape 172"/>
+          <p:cNvSpPr txBox="1"/>
+          <p:nvPr/>
+        </p:nvSpPr>
+        <p:spPr>
+          <a:xfrm>
+            <a:off x="8929450" y="5899025"/>
+            <a:ext cx="2575800" cy="375600"/>
+          </a:xfrm>
+          <a:prstGeom prst="rect">
+            <a:avLst/>
+          </a:prstGeom>
+          <a:noFill/>
+          <a:ln>
+            <a:noFill/>
+          </a:ln>
+        </p:spPr>
+        <p:txBody>
+          <a:bodyPr lIns="91425" tIns="91425" rIns="91425" bIns="91425" anchor="t" anchorCtr="0">
+            <a:noAutofit/>
+          </a:bodyPr>
+          <a:lstStyle/>
+          <a:p>
+            <a:pPr lvl="0">
+              <a:spcBef>
+                <a:spcPts val="0"/>
+              </a:spcBef>
+              <a:buNone/>
+            </a:pPr>
+            <a:r>
+              <a:rPr lang="en-CA" b="1"/>
+              <a:t>Total:  700</a:t>
+            </a:r>
+          </a:p>
+        </p:txBody>
+      </p:sp>
+    </p:spTree>
+    <p:extLst>
+      <p:ext uri="{BB962C8B-B14F-4D97-AF65-F5344CB8AC3E}">
+        <p14:creationId xmlns:p14="http://schemas.microsoft.com/office/powerpoint/2010/main" val="2416161344"/>
+      </p:ext>
+    </p:extLst>
+  </p:cSld>
+  <p:clrMapOvr>
+    <a:masterClrMapping/>
+  </p:clrMapOvr>
+  <p:timing>
+    <p:tnLst>
+      <p:par>
+        <p:cTn id="1" dur="indefinite" restart="never" nodeType="tmRoot"/>
+      </p:par>
+    </p:tnLst>
+  </p:timing>
+</p:sld>
+</file>
+
 <file path=ppt/theme/theme1.xml><?xml version="1.0" encoding="utf-8"?>
 <a:theme xmlns:a="http://schemas.openxmlformats.org/drawingml/2006/main" name="Badge">
   <a:themeElements>

--- a/Presentation/Vehicle Intersection Control Presentation.pptx
+++ b/Presentation/Vehicle Intersection Control Presentation.pptx
@@ -208,7 +208,7 @@
           <a:p>
             <a:fld id="{35B82655-F55E-45D4-839B-7F4274A77E35}" type="datetimeFigureOut">
               <a:rPr lang="en-US" smtClean="0"/>
-              <a:t>2/13/2017</a:t>
+              <a:t>2/14/2017</a:t>
             </a:fld>
             <a:endParaRPr lang="en-US"/>
           </a:p>
@@ -535,7 +535,7 @@
               <a:buNone/>
             </a:pPr>
             <a:r>
-              <a:rPr lang="en-CA" sz="2000" dirty="0" smtClean="0">
+              <a:rPr lang="en-CA" sz="2000" dirty="0">
                 <a:solidFill>
                   <a:schemeClr val="dk2"/>
                 </a:solidFill>
@@ -547,7 +547,7 @@
               <a:t>READER</a:t>
             </a:r>
             <a:r>
-              <a:rPr lang="en-CA" sz="2000" baseline="0" dirty="0" smtClean="0">
+              <a:rPr lang="en-CA" sz="2000" baseline="0" dirty="0">
                 <a:solidFill>
                   <a:schemeClr val="dk2"/>
                 </a:solidFill>
@@ -558,7 +558,7 @@
               </a:rPr>
               <a:t>: mat</a:t>
             </a:r>
-            <a:endParaRPr lang="en-CA" sz="2000" dirty="0" smtClean="0">
+            <a:endParaRPr lang="en-CA" sz="2000" dirty="0">
               <a:solidFill>
                 <a:schemeClr val="dk2"/>
               </a:solidFill>
@@ -582,7 +582,7 @@
               <a:buSzPct val="100000"/>
               <a:buChar char="-"/>
             </a:pPr>
-            <a:endParaRPr lang="en-CA" sz="2000" dirty="0" smtClean="0">
+            <a:endParaRPr lang="en-CA" sz="2000" dirty="0">
               <a:solidFill>
                 <a:schemeClr val="dk2"/>
               </a:solidFill>
@@ -607,18 +607,6 @@
               <a:buChar char="-"/>
             </a:pPr>
             <a:r>
-              <a:rPr lang="en-CA" sz="2000" dirty="0" smtClean="0">
-                <a:solidFill>
-                  <a:schemeClr val="dk2"/>
-                </a:solidFill>
-                <a:latin typeface="Cabin"/>
-                <a:ea typeface="Cabin"/>
-                <a:cs typeface="Cabin"/>
-                <a:sym typeface="Cabin"/>
-              </a:rPr>
-              <a:t>The </a:t>
-            </a:r>
-            <a:r>
               <a:rPr lang="en-CA" sz="2000" dirty="0">
                 <a:solidFill>
                   <a:schemeClr val="dk2"/>
@@ -628,7 +616,7 @@
                 <a:cs typeface="Cabin"/>
                 <a:sym typeface="Cabin"/>
               </a:rPr>
-              <a:t>problem : what to do when more than one vehicle arrives at the intersection at one time</a:t>
+              <a:t>The problem : what to do when more than one vehicle arrives at the intersection at one time</a:t>
             </a:r>
           </a:p>
           <a:p>
@@ -888,7 +876,7 @@
               <a:buNone/>
             </a:pPr>
             <a:r>
-              <a:rPr lang="en-CA" dirty="0" smtClean="0"/>
+              <a:rPr lang="en-CA" dirty="0"/>
               <a:t>READER: Mat</a:t>
             </a:r>
           </a:p>
@@ -900,12 +888,8 @@
               <a:buNone/>
             </a:pPr>
             <a:r>
-              <a:rPr lang="en-CA" dirty="0" smtClean="0"/>
-              <a:t>Slide </a:t>
-            </a:r>
-            <a:r>
               <a:rPr lang="en-CA" dirty="0"/>
-              <a:t>for explaining overall system</a:t>
+              <a:t>Slide for explaining overall system</a:t>
             </a:r>
           </a:p>
           <a:p>
@@ -1053,7 +1037,7 @@
               <a:buNone/>
             </a:pPr>
             <a:r>
-              <a:rPr lang="en-CA" sz="1100" dirty="0" smtClean="0">
+              <a:rPr lang="en-CA" sz="1100" dirty="0">
                 <a:solidFill>
                   <a:schemeClr val="dk1"/>
                 </a:solidFill>
@@ -1077,7 +1061,7 @@
               <a:buFont typeface="Cabin"/>
               <a:buChar char="●"/>
             </a:pPr>
-            <a:endParaRPr lang="en-CA" sz="1100" dirty="0" smtClean="0">
+            <a:endParaRPr lang="en-CA" sz="1100" dirty="0">
               <a:solidFill>
                 <a:schemeClr val="dk1"/>
               </a:solidFill>
@@ -1100,18 +1084,6 @@
               <a:buChar char="●"/>
             </a:pPr>
             <a:r>
-              <a:rPr lang="en-CA" sz="1100" dirty="0" smtClean="0">
-                <a:solidFill>
-                  <a:schemeClr val="dk1"/>
-                </a:solidFill>
-                <a:latin typeface="Cabin"/>
-                <a:ea typeface="Cabin"/>
-                <a:cs typeface="Cabin"/>
-                <a:sym typeface="Cabin"/>
-              </a:rPr>
-              <a:t>WHY </a:t>
-            </a:r>
-            <a:r>
               <a:rPr lang="en-CA" sz="1100" dirty="0">
                 <a:solidFill>
                   <a:schemeClr val="dk1"/>
@@ -1121,7 +1093,7 @@
                 <a:cs typeface="Cabin"/>
                 <a:sym typeface="Cabin"/>
               </a:rPr>
-              <a:t>WE CHOSE TO DO IT THIS WAY</a:t>
+              <a:t>WHY WE CHOSE TO DO IT THIS WAY</a:t>
             </a:r>
           </a:p>
           <a:p>
@@ -1392,10 +1364,9 @@
           <a:lstStyle/>
           <a:p>
             <a:r>
-              <a:rPr lang="en-CA" dirty="0" smtClean="0"/>
+              <a:rPr lang="en-CA" dirty="0"/>
               <a:t>READER:  Zach</a:t>
             </a:r>
-            <a:endParaRPr lang="en-CA" dirty="0"/>
           </a:p>
         </p:txBody>
       </p:sp>
@@ -1488,11 +1459,11 @@
               <a:buNone/>
             </a:pPr>
             <a:r>
-              <a:rPr lang="en-CA" dirty="0" smtClean="0"/>
+              <a:rPr lang="en-CA" dirty="0"/>
               <a:t>READER:  </a:t>
             </a:r>
             <a:r>
-              <a:rPr lang="en-CA" dirty="0" err="1" smtClean="0"/>
+              <a:rPr lang="en-CA" dirty="0" err="1"/>
               <a:t>JEan</a:t>
             </a:r>
             <a:endParaRPr dirty="0"/>
@@ -1598,11 +1569,11 @@
           <a:lstStyle/>
           <a:p>
             <a:r>
-              <a:rPr lang="en-CA" dirty="0" smtClean="0"/>
+              <a:rPr lang="en-CA" dirty="0"/>
               <a:t>READER:</a:t>
             </a:r>
             <a:r>
-              <a:rPr lang="en-CA" baseline="0" dirty="0" smtClean="0"/>
+              <a:rPr lang="en-CA" baseline="0" dirty="0"/>
               <a:t> Jean</a:t>
             </a:r>
             <a:endParaRPr lang="en-CA" dirty="0"/>
@@ -1705,7 +1676,7 @@
               <a:buNone/>
             </a:pPr>
             <a:r>
-              <a:rPr lang="en-CA" sz="2000" dirty="0" smtClean="0">
+              <a:rPr lang="en-CA" sz="2000" dirty="0">
                 <a:solidFill>
                   <a:schemeClr val="dk2"/>
                 </a:solidFill>
@@ -1731,7 +1702,7 @@
               <a:buSzPct val="100000"/>
               <a:buChar char="-"/>
             </a:pPr>
-            <a:endParaRPr lang="en-CA" sz="2000" dirty="0" smtClean="0">
+            <a:endParaRPr lang="en-CA" sz="2000" dirty="0">
               <a:solidFill>
                 <a:schemeClr val="dk2"/>
               </a:solidFill>
@@ -1756,18 +1727,6 @@
               <a:buChar char="-"/>
             </a:pPr>
             <a:r>
-              <a:rPr lang="en-CA" sz="2000" dirty="0" smtClean="0">
-                <a:solidFill>
-                  <a:schemeClr val="dk2"/>
-                </a:solidFill>
-                <a:latin typeface="Cabin"/>
-                <a:ea typeface="Cabin"/>
-                <a:cs typeface="Cabin"/>
-                <a:sym typeface="Cabin"/>
-              </a:rPr>
-              <a:t>FOR </a:t>
-            </a:r>
-            <a:r>
               <a:rPr lang="en-CA" sz="2000" dirty="0">
                 <a:solidFill>
                   <a:schemeClr val="dk2"/>
@@ -1777,7 +1736,7 @@
                 <a:cs typeface="Cabin"/>
                 <a:sym typeface="Cabin"/>
               </a:rPr>
-              <a:t>FUTURE USE: (is capable of detecting non autonomous vehicles and pedestrians &amp; Smart Traffic)</a:t>
+              <a:t>FOR FUTURE USE: (is capable of detecting non autonomous vehicles and pedestrians &amp; Smart Traffic)</a:t>
             </a:r>
           </a:p>
           <a:p>
@@ -1787,7 +1746,7 @@
               </a:spcBef>
               <a:buNone/>
             </a:pPr>
-            <a:endParaRPr lang="en-CA" dirty="0" smtClean="0"/>
+            <a:endParaRPr lang="en-CA" dirty="0"/>
           </a:p>
           <a:p>
             <a:pPr lvl="0">
@@ -1907,7 +1866,7 @@
               <a:buNone/>
             </a:pPr>
             <a:r>
-              <a:rPr lang="en-CA" dirty="0" smtClean="0"/>
+              <a:rPr lang="en-CA" dirty="0"/>
               <a:t>Costs: Radhika</a:t>
             </a:r>
             <a:endParaRPr dirty="0"/>
@@ -2021,10 +1980,9 @@
               <a:buNone/>
             </a:pPr>
             <a:r>
-              <a:rPr lang="en-CA" dirty="0" smtClean="0"/>
+              <a:rPr lang="en-CA" dirty="0"/>
               <a:t>READER: Justin</a:t>
             </a:r>
-            <a:endParaRPr lang="en-CA" dirty="0"/>
           </a:p>
         </p:txBody>
       </p:sp>
@@ -3293,7 +3251,7 @@
           <a:p>
             <a:fld id="{2FFE84A0-83F7-4E0A-A0CE-A961D6AAB2B6}" type="datetimeFigureOut">
               <a:rPr lang="en-US" smtClean="0"/>
-              <a:t>2/13/2017</a:t>
+              <a:t>2/14/2017</a:t>
             </a:fld>
             <a:endParaRPr lang="en-US" dirty="0"/>
           </a:p>
@@ -3531,7 +3489,7 @@
           <a:p>
             <a:fld id="{2FFE84A0-83F7-4E0A-A0CE-A961D6AAB2B6}" type="datetimeFigureOut">
               <a:rPr lang="en-US" smtClean="0"/>
-              <a:t>2/13/2017</a:t>
+              <a:t>2/14/2017</a:t>
             </a:fld>
             <a:endParaRPr lang="en-US" dirty="0"/>
           </a:p>
@@ -3711,7 +3669,7 @@
           <a:p>
             <a:fld id="{2FFE84A0-83F7-4E0A-A0CE-A961D6AAB2B6}" type="datetimeFigureOut">
               <a:rPr lang="en-US" smtClean="0"/>
-              <a:t>2/13/2017</a:t>
+              <a:t>2/14/2017</a:t>
             </a:fld>
             <a:endParaRPr lang="en-US" dirty="0"/>
           </a:p>
@@ -3881,7 +3839,7 @@
           <a:p>
             <a:fld id="{2FFE84A0-83F7-4E0A-A0CE-A961D6AAB2B6}" type="datetimeFigureOut">
               <a:rPr lang="en-US" smtClean="0"/>
-              <a:t>2/13/2017</a:t>
+              <a:t>2/14/2017</a:t>
             </a:fld>
             <a:endParaRPr lang="en-US" dirty="0"/>
           </a:p>
@@ -4157,7 +4115,7 @@
           <a:p>
             <a:fld id="{2FFE84A0-83F7-4E0A-A0CE-A961D6AAB2B6}" type="datetimeFigureOut">
               <a:rPr lang="en-US" smtClean="0"/>
-              <a:t>2/13/2017</a:t>
+              <a:t>2/14/2017</a:t>
             </a:fld>
             <a:endParaRPr lang="en-US" dirty="0"/>
           </a:p>
@@ -5358,7 +5316,7 @@
           <a:p>
             <a:fld id="{2FFE84A0-83F7-4E0A-A0CE-A961D6AAB2B6}" type="datetimeFigureOut">
               <a:rPr lang="en-US" smtClean="0"/>
-              <a:t>2/13/2017</a:t>
+              <a:t>2/14/2017</a:t>
             </a:fld>
             <a:endParaRPr lang="en-US" dirty="0"/>
           </a:p>
@@ -5748,7 +5706,7 @@
           <a:p>
             <a:fld id="{2FFE84A0-83F7-4E0A-A0CE-A961D6AAB2B6}" type="datetimeFigureOut">
               <a:rPr lang="en-US" smtClean="0"/>
-              <a:t>2/13/2017</a:t>
+              <a:t>2/14/2017</a:t>
             </a:fld>
             <a:endParaRPr lang="en-US" dirty="0"/>
           </a:p>
@@ -5871,7 +5829,7 @@
           <a:p>
             <a:fld id="{2FFE84A0-83F7-4E0A-A0CE-A961D6AAB2B6}" type="datetimeFigureOut">
               <a:rPr lang="en-US" smtClean="0"/>
-              <a:t>2/13/2017</a:t>
+              <a:t>2/14/2017</a:t>
             </a:fld>
             <a:endParaRPr lang="en-US" dirty="0"/>
           </a:p>
@@ -5966,7 +5924,7 @@
           <a:p>
             <a:fld id="{2FFE84A0-83F7-4E0A-A0CE-A961D6AAB2B6}" type="datetimeFigureOut">
               <a:rPr lang="en-US" smtClean="0"/>
-              <a:t>2/13/2017</a:t>
+              <a:t>2/14/2017</a:t>
             </a:fld>
             <a:endParaRPr lang="en-US" dirty="0"/>
           </a:p>
@@ -6729,7 +6687,7 @@
           <a:p>
             <a:fld id="{2FFE84A0-83F7-4E0A-A0CE-A961D6AAB2B6}" type="datetimeFigureOut">
               <a:rPr lang="en-US" smtClean="0"/>
-              <a:t>2/13/2017</a:t>
+              <a:t>2/14/2017</a:t>
             </a:fld>
             <a:endParaRPr lang="en-US" dirty="0"/>
           </a:p>
@@ -7568,7 +7526,7 @@
           <a:p>
             <a:fld id="{2FFE84A0-83F7-4E0A-A0CE-A961D6AAB2B6}" type="datetimeFigureOut">
               <a:rPr lang="en-US" smtClean="0"/>
-              <a:t>2/13/2017</a:t>
+              <a:t>2/14/2017</a:t>
             </a:fld>
             <a:endParaRPr lang="en-US" dirty="0"/>
           </a:p>
@@ -7795,7 +7753,7 @@
           <a:p>
             <a:fld id="{2FFE84A0-83F7-4E0A-A0CE-A961D6AAB2B6}" type="datetimeFigureOut">
               <a:rPr lang="en-US" smtClean="0"/>
-              <a:t>2/13/2017</a:t>
+              <a:t>2/14/2017</a:t>
             </a:fld>
             <a:endParaRPr lang="en-US" dirty="0"/>
           </a:p>
@@ -8803,7 +8761,7 @@
           <p:nvPr>
             <p:extLst>
               <p:ext uri="{386F3935-93C4-4BCD-93E2-E3B085C9AB24}">
-                <p16:designElem xmlns:p16="http://schemas.microsoft.com/office/powerpoint/2015/main" xmlns="" val="1"/>
+                <p16:designElem xmlns:p16="http://schemas.microsoft.com/office/powerpoint/2015/main" val="1"/>
               </p:ext>
             </p:extLst>
           </p:nvPr>
@@ -8953,7 +8911,7 @@
           <p:nvPr>
             <p:extLst>
               <p:ext uri="{386F3935-93C4-4BCD-93E2-E3B085C9AB24}">
-                <p16:designElem xmlns:p16="http://schemas.microsoft.com/office/powerpoint/2015/main" xmlns="" val="1"/>
+                <p16:designElem xmlns:p16="http://schemas.microsoft.com/office/powerpoint/2015/main" val="1"/>
               </p:ext>
             </p:extLst>
           </p:nvPr>
@@ -9425,7 +9383,7 @@
           <p:nvPr>
             <p:extLst>
               <p:ext uri="{386F3935-93C4-4BCD-93E2-E3B085C9AB24}">
-                <p16:designElem xmlns:p16="http://schemas.microsoft.com/office/powerpoint/2015/main" xmlns="" val="1"/>
+                <p16:designElem xmlns:p16="http://schemas.microsoft.com/office/powerpoint/2015/main" val="1"/>
               </p:ext>
             </p:extLst>
           </p:nvPr>
@@ -10938,7 +10896,7 @@
           <p:nvPr>
             <p:extLst>
               <p:ext uri="{386F3935-93C4-4BCD-93E2-E3B085C9AB24}">
-                <p16:designElem xmlns:p16="http://schemas.microsoft.com/office/powerpoint/2015/main" xmlns="" val="1"/>
+                <p16:designElem xmlns:p16="http://schemas.microsoft.com/office/powerpoint/2015/main" val="1"/>
               </p:ext>
             </p:extLst>
           </p:nvPr>
@@ -10966,7 +10924,7 @@
           <p:nvPr>
             <p:extLst>
               <p:ext uri="{386F3935-93C4-4BCD-93E2-E3B085C9AB24}">
-                <p16:designElem xmlns:p16="http://schemas.microsoft.com/office/powerpoint/2015/main" xmlns="" val="1"/>
+                <p16:designElem xmlns:p16="http://schemas.microsoft.com/office/powerpoint/2015/main" val="1"/>
               </p:ext>
             </p:extLst>
           </p:nvPr>
@@ -12020,7 +11978,7 @@
           <p:nvPr>
             <p:extLst>
               <p:ext uri="{386F3935-93C4-4BCD-93E2-E3B085C9AB24}">
-                <p16:designElem xmlns:p16="http://schemas.microsoft.com/office/powerpoint/2015/main" xmlns="" val="1"/>
+                <p16:designElem xmlns:p16="http://schemas.microsoft.com/office/powerpoint/2015/main" val="1"/>
               </p:ext>
             </p:extLst>
           </p:nvPr>
@@ -12066,7 +12024,7 @@
           <p:nvPr>
             <p:extLst>
               <p:ext uri="{386F3935-93C4-4BCD-93E2-E3B085C9AB24}">
-                <p16:designElem xmlns:p16="http://schemas.microsoft.com/office/powerpoint/2015/main" xmlns="" val="1"/>
+                <p16:designElem xmlns:p16="http://schemas.microsoft.com/office/powerpoint/2015/main" val="1"/>
               </p:ext>
             </p:extLst>
           </p:nvPr>
@@ -12216,7 +12174,7 @@
           <p:nvPr>
             <p:extLst>
               <p:ext uri="{386F3935-93C4-4BCD-93E2-E3B085C9AB24}">
-                <p16:designElem xmlns:p16="http://schemas.microsoft.com/office/powerpoint/2015/main" xmlns="" val="1"/>
+                <p16:designElem xmlns:p16="http://schemas.microsoft.com/office/powerpoint/2015/main" val="1"/>
               </p:ext>
             </p:extLst>
           </p:nvPr>
@@ -13404,7 +13362,7 @@
           <a:p>
             <a:pPr algn="ctr"/>
             <a:r>
-              <a:rPr lang="en-CA" sz="6000" dirty="0" smtClean="0">
+              <a:rPr lang="en-CA" sz="6000" dirty="0">
                 <a:solidFill>
                   <a:srgbClr val="2A1A00"/>
                 </a:solidFill>
@@ -13902,7 +13860,7 @@
           <p:nvPr>
             <p:extLst>
               <p:ext uri="{386F3935-93C4-4BCD-93E2-E3B085C9AB24}">
-                <p16:designElem xmlns:p16="http://schemas.microsoft.com/office/powerpoint/2015/main" xmlns="" val="1"/>
+                <p16:designElem xmlns:p16="http://schemas.microsoft.com/office/powerpoint/2015/main" val="1"/>
               </p:ext>
             </p:extLst>
           </p:nvPr>
@@ -13956,7 +13914,7 @@
           <p:nvPr>
             <p:extLst>
               <p:ext uri="{386F3935-93C4-4BCD-93E2-E3B085C9AB24}">
-                <p16:designElem xmlns:p16="http://schemas.microsoft.com/office/powerpoint/2015/main" xmlns="" val="1"/>
+                <p16:designElem xmlns:p16="http://schemas.microsoft.com/office/powerpoint/2015/main" val="1"/>
               </p:ext>
             </p:extLst>
           </p:nvPr>
@@ -14049,7 +14007,7 @@
           <p:nvPr>
             <p:extLst>
               <p:ext uri="{386F3935-93C4-4BCD-93E2-E3B085C9AB24}">
-                <p16:designElem xmlns:p16="http://schemas.microsoft.com/office/powerpoint/2015/main" xmlns="" val="1"/>
+                <p16:designElem xmlns:p16="http://schemas.microsoft.com/office/powerpoint/2015/main" val="1"/>
               </p:ext>
             </p:extLst>
           </p:nvPr>
@@ -18175,10 +18133,9 @@
           <a:lstStyle/>
           <a:p>
             <a:r>
-              <a:rPr lang="en-CA" dirty="0" smtClean="0"/>
+              <a:rPr lang="en-CA" dirty="0"/>
               <a:t>PICTURES HERE!!! (jean will put pictures here)</a:t>
             </a:r>
-            <a:endParaRPr lang="en-CA" dirty="0"/>
           </a:p>
         </p:txBody>
       </p:sp>
@@ -18357,7 +18314,7 @@
         <p:spPr>
           <a:xfrm>
             <a:off x="1576252" y="1776549"/>
-            <a:ext cx="8656320" cy="3170099"/>
+            <a:ext cx="8656320" cy="3477875"/>
           </a:xfrm>
           <a:prstGeom prst="rect">
             <a:avLst/>
@@ -18371,83 +18328,68 @@
           <a:lstStyle/>
           <a:p>
             <a:r>
-              <a:rPr lang="en-CA" sz="2000" b="1" dirty="0" smtClean="0"/>
+              <a:rPr lang="en-CA" sz="2000" b="1" dirty="0"/>
               <a:t>Two Modes</a:t>
             </a:r>
           </a:p>
           <a:p>
             <a:r>
               <a:rPr lang="en-CA" sz="2000" dirty="0"/>
+              <a:t>	1. Smart Intersection</a:t>
+            </a:r>
+          </a:p>
+          <a:p>
+            <a:r>
+              <a:rPr lang="en-CA" sz="2000" dirty="0"/>
+              <a:t>		- Car does not stop at intersection if not needed</a:t>
+            </a:r>
+            <a:br>
+              <a:rPr lang="en-CA" sz="2000" dirty="0"/>
+            </a:br>
+            <a:endParaRPr lang="en-CA" sz="2000" dirty="0"/>
+          </a:p>
+          <a:p>
+            <a:r>
+              <a:rPr lang="en-CA" sz="2000" dirty="0"/>
+              <a:t>       2. Normal Intersection</a:t>
+            </a:r>
+          </a:p>
+          <a:p>
+            <a:r>
+              <a:rPr lang="en-CA" sz="2000" dirty="0"/>
+              <a:t>		- Car stops at intersection, proceeds when allowed</a:t>
+            </a:r>
+          </a:p>
+          <a:p>
+            <a:endParaRPr lang="en-CA" sz="2000" b="1" dirty="0"/>
+          </a:p>
+          <a:p>
+            <a:r>
+              <a:rPr lang="en-CA" sz="2000" b="1" dirty="0"/>
+              <a:t>Intersection Monitoring and Safety</a:t>
+            </a:r>
+          </a:p>
+          <a:p>
+            <a:r>
+              <a:rPr lang="en-CA" sz="2000" b="1" dirty="0"/>
               <a:t>	</a:t>
             </a:r>
             <a:r>
-              <a:rPr lang="en-CA" sz="2000" dirty="0" smtClean="0"/>
-              <a:t>1. Smart Intersection</a:t>
+              <a:rPr lang="en-CA" sz="2000" dirty="0"/>
+              <a:t>- Camera tracks all movement in intersection</a:t>
             </a:r>
           </a:p>
           <a:p>
             <a:r>
               <a:rPr lang="en-CA" sz="2000" dirty="0"/>
-              <a:t>	</a:t>
+              <a:t>	- Redundancy in object detection</a:t>
             </a:r>
-            <a:r>
-              <a:rPr lang="en-CA" sz="2000" dirty="0" smtClean="0"/>
-              <a:t>	- car does not stop at intersection if it not needed</a:t>
-            </a:r>
-            <a:br>
-              <a:rPr lang="en-CA" sz="2000" dirty="0" smtClean="0"/>
-            </a:br>
-            <a:endParaRPr lang="en-CA" sz="2000" dirty="0" smtClean="0"/>
           </a:p>
           <a:p>
             <a:r>
               <a:rPr lang="en-CA" sz="2000" dirty="0"/>
-              <a:t> </a:t>
+              <a:t>	- Cars stop and wait at intersection by default</a:t>
             </a:r>
-            <a:r>
-              <a:rPr lang="en-CA" sz="2000" dirty="0" smtClean="0"/>
-              <a:t>      2. Normal Intersection</a:t>
-            </a:r>
-          </a:p>
-          <a:p>
-            <a:r>
-              <a:rPr lang="en-CA" sz="2000" dirty="0"/>
-              <a:t>	</a:t>
-            </a:r>
-            <a:r>
-              <a:rPr lang="en-CA" sz="2000" dirty="0" smtClean="0"/>
-              <a:t>	- car stops at  intersection, proceeds when allowed</a:t>
-            </a:r>
-          </a:p>
-          <a:p>
-            <a:endParaRPr lang="en-CA" sz="2000" b="1" dirty="0"/>
-          </a:p>
-          <a:p>
-            <a:r>
-              <a:rPr lang="en-CA" sz="2000" b="1" dirty="0" smtClean="0"/>
-              <a:t>Intersection Monitoring</a:t>
-            </a:r>
-          </a:p>
-          <a:p>
-            <a:r>
-              <a:rPr lang="en-CA" sz="2000" b="1" dirty="0" smtClean="0"/>
-              <a:t>	</a:t>
-            </a:r>
-            <a:r>
-              <a:rPr lang="en-CA" sz="2000" dirty="0" smtClean="0"/>
-              <a:t>- Camera tracks all movement in intersection</a:t>
-            </a:r>
-          </a:p>
-          <a:p>
-            <a:r>
-              <a:rPr lang="en-CA" sz="2000" dirty="0"/>
-              <a:t>	</a:t>
-            </a:r>
-            <a:r>
-              <a:rPr lang="en-CA" sz="2000" dirty="0" smtClean="0"/>
-              <a:t>- Redundancy in object detection</a:t>
-            </a:r>
-            <a:endParaRPr lang="en-CA" sz="2000" dirty="0"/>
           </a:p>
         </p:txBody>
       </p:sp>
@@ -18461,13 +18403,6 @@
   <p:clrMapOvr>
     <a:masterClrMapping/>
   </p:clrMapOvr>
-  <p:timing>
-    <p:tnLst>
-      <p:par>
-        <p:cTn id="1" dur="indefinite" restart="never" nodeType="tmRoot"/>
-      </p:par>
-    </p:tnLst>
-  </p:timing>
 </p:sld>
 </file>
 
@@ -18566,28 +18501,28 @@
                 <a:gridCol w="2576675">
                   <a:extLst>
                     <a:ext uri="{9D8B030D-6E8A-4147-A177-3AD203B41FA5}">
-                      <a16:colId xmlns:a16="http://schemas.microsoft.com/office/drawing/2014/main" xmlns="" val="20000"/>
+                      <a16:colId xmlns:a16="http://schemas.microsoft.com/office/drawing/2014/main" val="20000"/>
                     </a:ext>
                   </a:extLst>
                 </a:gridCol>
                 <a:gridCol w="2576675">
                   <a:extLst>
                     <a:ext uri="{9D8B030D-6E8A-4147-A177-3AD203B41FA5}">
-                      <a16:colId xmlns:a16="http://schemas.microsoft.com/office/drawing/2014/main" xmlns="" val="20001"/>
+                      <a16:colId xmlns:a16="http://schemas.microsoft.com/office/drawing/2014/main" val="20001"/>
                     </a:ext>
                   </a:extLst>
                 </a:gridCol>
                 <a:gridCol w="2576675">
                   <a:extLst>
                     <a:ext uri="{9D8B030D-6E8A-4147-A177-3AD203B41FA5}">
-                      <a16:colId xmlns:a16="http://schemas.microsoft.com/office/drawing/2014/main" xmlns="" val="20002"/>
+                      <a16:colId xmlns:a16="http://schemas.microsoft.com/office/drawing/2014/main" val="20002"/>
                     </a:ext>
                   </a:extLst>
                 </a:gridCol>
                 <a:gridCol w="1578550">
                   <a:extLst>
                     <a:ext uri="{9D8B030D-6E8A-4147-A177-3AD203B41FA5}">
-                      <a16:colId xmlns:a16="http://schemas.microsoft.com/office/drawing/2014/main" xmlns="" val="20003"/>
+                      <a16:colId xmlns:a16="http://schemas.microsoft.com/office/drawing/2014/main" val="20003"/>
                     </a:ext>
                   </a:extLst>
                 </a:gridCol>
@@ -18671,7 +18606,7 @@
                 </a:tc>
                 <a:extLst>
                   <a:ext uri="{0D108BD9-81ED-4DB2-BD59-A6C34878D82A}">
-                    <a16:rowId xmlns:a16="http://schemas.microsoft.com/office/drawing/2014/main" xmlns="" val="10000"/>
+                    <a16:rowId xmlns:a16="http://schemas.microsoft.com/office/drawing/2014/main" val="10000"/>
                   </a:ext>
                 </a:extLst>
               </a:tr>
@@ -18766,7 +18701,7 @@
                 </a:tc>
                 <a:extLst>
                   <a:ext uri="{0D108BD9-81ED-4DB2-BD59-A6C34878D82A}">
-                    <a16:rowId xmlns:a16="http://schemas.microsoft.com/office/drawing/2014/main" xmlns="" val="10001"/>
+                    <a16:rowId xmlns:a16="http://schemas.microsoft.com/office/drawing/2014/main" val="10001"/>
                   </a:ext>
                 </a:extLst>
               </a:tr>
@@ -18858,7 +18793,7 @@
                 </a:tc>
                 <a:extLst>
                   <a:ext uri="{0D108BD9-81ED-4DB2-BD59-A6C34878D82A}">
-                    <a16:rowId xmlns:a16="http://schemas.microsoft.com/office/drawing/2014/main" xmlns="" val="10002"/>
+                    <a16:rowId xmlns:a16="http://schemas.microsoft.com/office/drawing/2014/main" val="10002"/>
                   </a:ext>
                 </a:extLst>
               </a:tr>
@@ -18941,7 +18876,7 @@
                 </a:tc>
                 <a:extLst>
                   <a:ext uri="{0D108BD9-81ED-4DB2-BD59-A6C34878D82A}">
-                    <a16:rowId xmlns:a16="http://schemas.microsoft.com/office/drawing/2014/main" xmlns="" val="10003"/>
+                    <a16:rowId xmlns:a16="http://schemas.microsoft.com/office/drawing/2014/main" val="10003"/>
                   </a:ext>
                 </a:extLst>
               </a:tr>
@@ -19024,7 +18959,7 @@
                 </a:tc>
                 <a:extLst>
                   <a:ext uri="{0D108BD9-81ED-4DB2-BD59-A6C34878D82A}">
-                    <a16:rowId xmlns:a16="http://schemas.microsoft.com/office/drawing/2014/main" xmlns="" val="10004"/>
+                    <a16:rowId xmlns:a16="http://schemas.microsoft.com/office/drawing/2014/main" val="10004"/>
                   </a:ext>
                 </a:extLst>
               </a:tr>
@@ -19107,7 +19042,7 @@
                 </a:tc>
                 <a:extLst>
                   <a:ext uri="{0D108BD9-81ED-4DB2-BD59-A6C34878D82A}">
-                    <a16:rowId xmlns:a16="http://schemas.microsoft.com/office/drawing/2014/main" xmlns="" val="10005"/>
+                    <a16:rowId xmlns:a16="http://schemas.microsoft.com/office/drawing/2014/main" val="10005"/>
                   </a:ext>
                 </a:extLst>
               </a:tr>
@@ -19190,7 +19125,7 @@
                 </a:tc>
                 <a:extLst>
                   <a:ext uri="{0D108BD9-81ED-4DB2-BD59-A6C34878D82A}">
-                    <a16:rowId xmlns:a16="http://schemas.microsoft.com/office/drawing/2014/main" xmlns="" val="10006"/>
+                    <a16:rowId xmlns:a16="http://schemas.microsoft.com/office/drawing/2014/main" val="10006"/>
                   </a:ext>
                 </a:extLst>
               </a:tr>
@@ -19246,13 +19181,6 @@
   <p:clrMapOvr>
     <a:masterClrMapping/>
   </p:clrMapOvr>
-  <p:timing>
-    <p:tnLst>
-      <p:par>
-        <p:cTn id="1" dur="indefinite" restart="never" nodeType="tmRoot"/>
-      </p:par>
-    </p:tnLst>
-  </p:timing>
 </p:sld>
 </file>
 

--- a/Presentation/Vehicle Intersection Control Presentation.pptx
+++ b/Presentation/Vehicle Intersection Control Presentation.pptx
@@ -16378,8 +16378,8 @@
         </p:nvSpPr>
         <p:spPr>
           <a:xfrm rot="5400000">
-            <a:off x="3041038" y="5770945"/>
-            <a:ext cx="1715654" cy="138548"/>
+            <a:off x="2961655" y="5850327"/>
+            <a:ext cx="1875608" cy="139737"/>
           </a:xfrm>
           <a:prstGeom prst="rect">
             <a:avLst/>

--- a/Presentation/Vehicle Intersection Control Presentation.pptx
+++ b/Presentation/Vehicle Intersection Control Presentation.pptx
@@ -5,7 +5,7 @@
     <p:sldMasterId id="2147483759" r:id="rId1"/>
   </p:sldMasterIdLst>
   <p:notesMasterIdLst>
-    <p:notesMasterId r:id="rId14"/>
+    <p:notesMasterId r:id="rId15"/>
   </p:notesMasterIdLst>
   <p:sldIdLst>
     <p:sldId id="279" r:id="rId2"/>
@@ -14,12 +14,13 @@
     <p:sldId id="286" r:id="rId5"/>
     <p:sldId id="292" r:id="rId6"/>
     <p:sldId id="287" r:id="rId7"/>
-    <p:sldId id="293" r:id="rId8"/>
-    <p:sldId id="289" r:id="rId9"/>
-    <p:sldId id="290" r:id="rId10"/>
-    <p:sldId id="291" r:id="rId11"/>
-    <p:sldId id="281" r:id="rId12"/>
-    <p:sldId id="282" r:id="rId13"/>
+    <p:sldId id="294" r:id="rId8"/>
+    <p:sldId id="293" r:id="rId9"/>
+    <p:sldId id="295" r:id="rId10"/>
+    <p:sldId id="289" r:id="rId11"/>
+    <p:sldId id="290" r:id="rId12"/>
+    <p:sldId id="291" r:id="rId13"/>
+    <p:sldId id="282" r:id="rId14"/>
   </p:sldIdLst>
   <p:sldSz cx="12192000" cy="6858000"/>
   <p:notesSz cx="6858000" cy="9144000"/>
@@ -804,7 +805,7 @@
           <a:p>
             <a:fld id="{9FDAE4FC-73CE-4995-A7FF-7ADA8F1DA8FB}" type="slidenum">
               <a:rPr lang="en-US" smtClean="0"/>
-              <a:t>12</a:t>
+              <a:t>13</a:t>
             </a:fld>
             <a:endParaRPr lang="en-US"/>
           </a:p>
@@ -1597,7 +1598,7 @@
           <a:p>
             <a:fld id="{9FDAE4FC-73CE-4995-A7FF-7ADA8F1DA8FB}" type="slidenum">
               <a:rPr lang="en-US" smtClean="0"/>
-              <a:t>7</a:t>
+              <a:t>8</a:t>
             </a:fld>
             <a:endParaRPr lang="en-US"/>
           </a:p>
@@ -8761,7 +8762,7 @@
           <p:nvPr>
             <p:extLst>
               <p:ext uri="{386F3935-93C4-4BCD-93E2-E3B085C9AB24}">
-                <p16:designElem xmlns:p16="http://schemas.microsoft.com/office/powerpoint/2015/main" val="1"/>
+                <p16:designElem xmlns:p16="http://schemas.microsoft.com/office/powerpoint/2015/main" xmlns="" val="1"/>
               </p:ext>
             </p:extLst>
           </p:nvPr>
@@ -8911,7 +8912,7 @@
           <p:nvPr>
             <p:extLst>
               <p:ext uri="{386F3935-93C4-4BCD-93E2-E3B085C9AB24}">
-                <p16:designElem xmlns:p16="http://schemas.microsoft.com/office/powerpoint/2015/main" val="1"/>
+                <p16:designElem xmlns:p16="http://schemas.microsoft.com/office/powerpoint/2015/main" xmlns="" val="1"/>
               </p:ext>
             </p:extLst>
           </p:nvPr>
@@ -9383,7 +9384,7 @@
           <p:nvPr>
             <p:extLst>
               <p:ext uri="{386F3935-93C4-4BCD-93E2-E3B085C9AB24}">
-                <p16:designElem xmlns:p16="http://schemas.microsoft.com/office/powerpoint/2015/main" val="1"/>
+                <p16:designElem xmlns:p16="http://schemas.microsoft.com/office/powerpoint/2015/main" xmlns="" val="1"/>
               </p:ext>
             </p:extLst>
           </p:nvPr>
@@ -10481,10 +10482,1092 @@
   <p:clrMapOvr>
     <a:masterClrMapping/>
   </p:clrMapOvr>
+  <p:timing>
+    <p:tnLst>
+      <p:par>
+        <p:cTn id="1" dur="indefinite" restart="never" nodeType="tmRoot"/>
+      </p:par>
+    </p:tnLst>
+  </p:timing>
 </p:sld>
 </file>
 
 <file path=ppt/slides/slide10.xml><?xml version="1.0" encoding="utf-8"?>
+<p:sld xmlns:a="http://schemas.openxmlformats.org/drawingml/2006/main" xmlns:r="http://schemas.openxmlformats.org/officeDocument/2006/relationships" xmlns:p="http://schemas.openxmlformats.org/presentationml/2006/main">
+  <p:cSld>
+    <p:spTree>
+      <p:nvGrpSpPr>
+        <p:cNvPr id="1" name="Shape 163"/>
+        <p:cNvGrpSpPr/>
+        <p:nvPr/>
+      </p:nvGrpSpPr>
+      <p:grpSpPr>
+        <a:xfrm>
+          <a:off x="0" y="0"/>
+          <a:ext cx="0" cy="0"/>
+          <a:chOff x="0" y="0"/>
+          <a:chExt cx="0" cy="0"/>
+        </a:xfrm>
+      </p:grpSpPr>
+      <p:sp>
+        <p:nvSpPr>
+          <p:cNvPr id="164" name="Shape 164"/>
+          <p:cNvSpPr txBox="1">
+            <a:spLocks noGrp="1"/>
+          </p:cNvSpPr>
+          <p:nvPr>
+            <p:ph type="title"/>
+          </p:nvPr>
+        </p:nvSpPr>
+        <p:spPr>
+          <a:xfrm>
+            <a:off x="1251678" y="382385"/>
+            <a:ext cx="10178322" cy="1492132"/>
+          </a:xfrm>
+          <a:prstGeom prst="rect">
+            <a:avLst/>
+          </a:prstGeom>
+          <a:noFill/>
+          <a:ln>
+            <a:noFill/>
+          </a:ln>
+        </p:spPr>
+        <p:txBody>
+          <a:bodyPr lIns="91425" tIns="45700" rIns="91425" bIns="45700" anchor="ctr" anchorCtr="0">
+            <a:noAutofit/>
+          </a:bodyPr>
+          <a:lstStyle/>
+          <a:p>
+            <a:pPr marL="0" marR="0" lvl="0" indent="0" algn="l" rtl="0">
+              <a:lnSpc>
+                <a:spcPct val="90000"/>
+              </a:lnSpc>
+              <a:spcBef>
+                <a:spcPts val="0"/>
+              </a:spcBef>
+              <a:buClr>
+                <a:schemeClr val="dk2"/>
+              </a:buClr>
+              <a:buSzPct val="25000"/>
+              <a:buFont typeface="Impact"/>
+              <a:buNone/>
+            </a:pPr>
+            <a:r>
+              <a:rPr lang="en-CA" sz="5100" b="0" i="0" u="none" strike="noStrike" cap="none" dirty="0">
+                <a:solidFill>
+                  <a:schemeClr val="dk2"/>
+                </a:solidFill>
+                <a:latin typeface="Impact"/>
+                <a:ea typeface="Impact"/>
+                <a:cs typeface="Impact"/>
+                <a:sym typeface="Impact"/>
+              </a:rPr>
+              <a:t>INNOVATIVE ASPECTS </a:t>
+            </a:r>
+          </a:p>
+        </p:txBody>
+      </p:sp>
+      <p:sp>
+        <p:nvSpPr>
+          <p:cNvPr id="165" name="Shape 165"/>
+          <p:cNvSpPr txBox="1">
+            <a:spLocks noGrp="1"/>
+          </p:cNvSpPr>
+          <p:nvPr>
+            <p:ph type="body" idx="1"/>
+          </p:nvPr>
+        </p:nvSpPr>
+        <p:spPr>
+          <a:xfrm>
+            <a:off x="1251675" y="1874525"/>
+            <a:ext cx="10178400" cy="4005000"/>
+          </a:xfrm>
+          <a:prstGeom prst="rect">
+            <a:avLst/>
+          </a:prstGeom>
+          <a:noFill/>
+          <a:ln>
+            <a:noFill/>
+          </a:ln>
+        </p:spPr>
+        <p:txBody>
+          <a:bodyPr lIns="91425" tIns="45700" rIns="91425" bIns="45700" anchor="t" anchorCtr="0">
+            <a:noAutofit/>
+          </a:bodyPr>
+          <a:lstStyle/>
+          <a:p>
+            <a:pPr marL="0" marR="0" lvl="0" indent="0" algn="l" rtl="0">
+              <a:lnSpc>
+                <a:spcPct val="110000"/>
+              </a:lnSpc>
+              <a:spcBef>
+                <a:spcPts val="0"/>
+              </a:spcBef>
+              <a:buNone/>
+            </a:pPr>
+            <a:endParaRPr dirty="0">
+              <a:solidFill>
+                <a:srgbClr val="2A1A00"/>
+              </a:solidFill>
+            </a:endParaRPr>
+          </a:p>
+          <a:p>
+            <a:pPr marL="0" marR="0" lvl="0" indent="0" algn="l" rtl="0">
+              <a:lnSpc>
+                <a:spcPct val="110000"/>
+              </a:lnSpc>
+              <a:spcBef>
+                <a:spcPts val="0"/>
+              </a:spcBef>
+              <a:buNone/>
+            </a:pPr>
+            <a:endParaRPr dirty="0">
+              <a:solidFill>
+                <a:srgbClr val="2A1A00"/>
+              </a:solidFill>
+            </a:endParaRPr>
+          </a:p>
+          <a:p>
+            <a:pPr marL="0" marR="0" lvl="0" indent="0" algn="l" rtl="0">
+              <a:lnSpc>
+                <a:spcPct val="110000"/>
+              </a:lnSpc>
+              <a:spcBef>
+                <a:spcPts val="0"/>
+              </a:spcBef>
+              <a:buNone/>
+            </a:pPr>
+            <a:endParaRPr dirty="0">
+              <a:solidFill>
+                <a:srgbClr val="2A1A00"/>
+              </a:solidFill>
+            </a:endParaRPr>
+          </a:p>
+        </p:txBody>
+      </p:sp>
+      <p:sp>
+        <p:nvSpPr>
+          <p:cNvPr id="2" name="TextBox 1"/>
+          <p:cNvSpPr txBox="1"/>
+          <p:nvPr/>
+        </p:nvSpPr>
+        <p:spPr>
+          <a:xfrm>
+            <a:off x="1576252" y="1776549"/>
+            <a:ext cx="8656320" cy="3939540"/>
+          </a:xfrm>
+          <a:prstGeom prst="rect">
+            <a:avLst/>
+          </a:prstGeom>
+          <a:noFill/>
+        </p:spPr>
+        <p:txBody>
+          <a:bodyPr wrap="square" rtlCol="0">
+            <a:spAutoFit/>
+          </a:bodyPr>
+          <a:lstStyle/>
+          <a:p>
+            <a:r>
+              <a:rPr lang="en-CA" sz="2000" b="1" dirty="0"/>
+              <a:t>Two Modes</a:t>
+            </a:r>
+          </a:p>
+          <a:p>
+            <a:r>
+              <a:rPr lang="en-CA" sz="2000" dirty="0"/>
+              <a:t>	1. Smart Intersection</a:t>
+            </a:r>
+          </a:p>
+          <a:p>
+            <a:r>
+              <a:rPr lang="en-CA" sz="2000" dirty="0"/>
+              <a:t>		- Car does not stop at intersection if not needed</a:t>
+            </a:r>
+            <a:br>
+              <a:rPr lang="en-CA" sz="2000" dirty="0"/>
+            </a:br>
+            <a:endParaRPr lang="en-CA" sz="2000" dirty="0"/>
+          </a:p>
+          <a:p>
+            <a:r>
+              <a:rPr lang="en-CA" sz="2000" dirty="0"/>
+              <a:t>       2. Normal Intersection</a:t>
+            </a:r>
+          </a:p>
+          <a:p>
+            <a:r>
+              <a:rPr lang="en-CA" sz="2000" dirty="0"/>
+              <a:t>		- Car stops at intersection, proceeds when allowed</a:t>
+            </a:r>
+          </a:p>
+          <a:p>
+            <a:endParaRPr lang="en-CA" sz="2000" b="1" dirty="0"/>
+          </a:p>
+          <a:p>
+            <a:r>
+              <a:rPr lang="en-CA" sz="2000" b="1" dirty="0"/>
+              <a:t>Intersection Monitoring and Safety</a:t>
+            </a:r>
+          </a:p>
+          <a:p>
+            <a:pPr marL="800100" lvl="1" indent="-342900">
+              <a:lnSpc>
+                <a:spcPct val="150000"/>
+              </a:lnSpc>
+              <a:buFont typeface="Arial" panose="020B0604020202020204" pitchFamily="34" charset="0"/>
+              <a:buChar char="•"/>
+            </a:pPr>
+            <a:r>
+              <a:rPr lang="en-CA" sz="2000" dirty="0" smtClean="0"/>
+              <a:t>Camera </a:t>
+            </a:r>
+            <a:r>
+              <a:rPr lang="en-CA" sz="2000" dirty="0"/>
+              <a:t>tracks all movement in intersection</a:t>
+            </a:r>
+          </a:p>
+          <a:p>
+            <a:pPr marL="800100" lvl="1" indent="-342900">
+              <a:lnSpc>
+                <a:spcPct val="150000"/>
+              </a:lnSpc>
+              <a:buFont typeface="Arial" panose="020B0604020202020204" pitchFamily="34" charset="0"/>
+              <a:buChar char="•"/>
+            </a:pPr>
+            <a:r>
+              <a:rPr lang="en-CA" sz="2000" dirty="0" smtClean="0"/>
+              <a:t>Redundancy </a:t>
+            </a:r>
+            <a:r>
+              <a:rPr lang="en-CA" sz="2000" dirty="0"/>
+              <a:t>in object detection</a:t>
+            </a:r>
+          </a:p>
+          <a:p>
+            <a:pPr marL="800100" lvl="1" indent="-342900">
+              <a:lnSpc>
+                <a:spcPct val="150000"/>
+              </a:lnSpc>
+              <a:buFont typeface="Arial" panose="020B0604020202020204" pitchFamily="34" charset="0"/>
+              <a:buChar char="•"/>
+            </a:pPr>
+            <a:r>
+              <a:rPr lang="en-CA" sz="2000" dirty="0" smtClean="0"/>
+              <a:t>Cars </a:t>
+            </a:r>
+            <a:r>
+              <a:rPr lang="en-CA" sz="2000" dirty="0"/>
+              <a:t>stop and wait at intersection by default</a:t>
+            </a:r>
+          </a:p>
+        </p:txBody>
+      </p:sp>
+    </p:spTree>
+    <p:extLst>
+      <p:ext uri="{BB962C8B-B14F-4D97-AF65-F5344CB8AC3E}">
+        <p14:creationId xmlns:p14="http://schemas.microsoft.com/office/powerpoint/2010/main" val="905049994"/>
+      </p:ext>
+    </p:extLst>
+  </p:cSld>
+  <p:clrMapOvr>
+    <a:masterClrMapping/>
+  </p:clrMapOvr>
+  <p:timing>
+    <p:tnLst>
+      <p:par>
+        <p:cTn id="1" dur="indefinite" restart="never" nodeType="tmRoot"/>
+      </p:par>
+    </p:tnLst>
+  </p:timing>
+</p:sld>
+</file>
+
+<file path=ppt/slides/slide11.xml><?xml version="1.0" encoding="utf-8"?>
+<p:sld xmlns:a="http://schemas.openxmlformats.org/drawingml/2006/main" xmlns:r="http://schemas.openxmlformats.org/officeDocument/2006/relationships" xmlns:p="http://schemas.openxmlformats.org/presentationml/2006/main">
+  <p:cSld>
+    <p:spTree>
+      <p:nvGrpSpPr>
+        <p:cNvPr id="1" name="Shape 169"/>
+        <p:cNvGrpSpPr/>
+        <p:nvPr/>
+      </p:nvGrpSpPr>
+      <p:grpSpPr>
+        <a:xfrm>
+          <a:off x="0" y="0"/>
+          <a:ext cx="0" cy="0"/>
+          <a:chOff x="0" y="0"/>
+          <a:chExt cx="0" cy="0"/>
+        </a:xfrm>
+      </p:grpSpPr>
+      <p:sp>
+        <p:nvSpPr>
+          <p:cNvPr id="170" name="Shape 170"/>
+          <p:cNvSpPr txBox="1">
+            <a:spLocks noGrp="1"/>
+          </p:cNvSpPr>
+          <p:nvPr>
+            <p:ph type="title"/>
+          </p:nvPr>
+        </p:nvSpPr>
+        <p:spPr>
+          <a:xfrm>
+            <a:off x="1251678" y="382385"/>
+            <a:ext cx="10178322" cy="1492132"/>
+          </a:xfrm>
+          <a:prstGeom prst="rect">
+            <a:avLst/>
+          </a:prstGeom>
+          <a:noFill/>
+          <a:ln>
+            <a:noFill/>
+          </a:ln>
+        </p:spPr>
+        <p:txBody>
+          <a:bodyPr lIns="91425" tIns="45700" rIns="91425" bIns="45700" anchor="ctr" anchorCtr="0">
+            <a:noAutofit/>
+          </a:bodyPr>
+          <a:lstStyle/>
+          <a:p>
+            <a:pPr marL="0" marR="0" lvl="0" indent="0" algn="l" rtl="0">
+              <a:lnSpc>
+                <a:spcPct val="90000"/>
+              </a:lnSpc>
+              <a:spcBef>
+                <a:spcPts val="0"/>
+              </a:spcBef>
+              <a:buClr>
+                <a:schemeClr val="dk2"/>
+              </a:buClr>
+              <a:buSzPct val="25000"/>
+              <a:buFont typeface="Impact"/>
+              <a:buNone/>
+            </a:pPr>
+            <a:r>
+              <a:rPr lang="en-CA" sz="5100" b="0" i="0" u="none" strike="noStrike" cap="none">
+                <a:solidFill>
+                  <a:schemeClr val="dk2"/>
+                </a:solidFill>
+                <a:latin typeface="Impact"/>
+                <a:ea typeface="Impact"/>
+                <a:cs typeface="Impact"/>
+                <a:sym typeface="Impact"/>
+              </a:rPr>
+              <a:t>COST</a:t>
+            </a:r>
+          </a:p>
+        </p:txBody>
+      </p:sp>
+      <p:graphicFrame>
+        <p:nvGraphicFramePr>
+          <p:cNvPr id="171" name="Shape 171"/>
+          <p:cNvGraphicFramePr/>
+          <p:nvPr/>
+        </p:nvGraphicFramePr>
+        <p:xfrm>
+          <a:off x="1187487" y="1574025"/>
+          <a:ext cx="9308575" cy="4713655"/>
+        </p:xfrm>
+        <a:graphic>
+          <a:graphicData uri="http://schemas.openxmlformats.org/drawingml/2006/table">
+            <a:tbl>
+              <a:tblPr>
+                <a:noFill/>
+              </a:tblPr>
+              <a:tblGrid>
+                <a:gridCol w="2576675">
+                  <a:extLst>
+                    <a:ext uri="{9D8B030D-6E8A-4147-A177-3AD203B41FA5}">
+                      <a16:colId xmlns:a16="http://schemas.microsoft.com/office/drawing/2014/main" xmlns="" val="20000"/>
+                    </a:ext>
+                  </a:extLst>
+                </a:gridCol>
+                <a:gridCol w="2576675">
+                  <a:extLst>
+                    <a:ext uri="{9D8B030D-6E8A-4147-A177-3AD203B41FA5}">
+                      <a16:colId xmlns:a16="http://schemas.microsoft.com/office/drawing/2014/main" xmlns="" val="20001"/>
+                    </a:ext>
+                  </a:extLst>
+                </a:gridCol>
+                <a:gridCol w="2576675">
+                  <a:extLst>
+                    <a:ext uri="{9D8B030D-6E8A-4147-A177-3AD203B41FA5}">
+                      <a16:colId xmlns:a16="http://schemas.microsoft.com/office/drawing/2014/main" xmlns="" val="20002"/>
+                    </a:ext>
+                  </a:extLst>
+                </a:gridCol>
+                <a:gridCol w="1578550">
+                  <a:extLst>
+                    <a:ext uri="{9D8B030D-6E8A-4147-A177-3AD203B41FA5}">
+                      <a16:colId xmlns:a16="http://schemas.microsoft.com/office/drawing/2014/main" xmlns="" val="20003"/>
+                    </a:ext>
+                  </a:extLst>
+                </a:gridCol>
+              </a:tblGrid>
+              <a:tr h="425175">
+                <a:tc>
+                  <a:txBody>
+                    <a:bodyPr/>
+                    <a:lstStyle/>
+                    <a:p>
+                      <a:pPr lvl="0">
+                        <a:spcBef>
+                          <a:spcPts val="0"/>
+                        </a:spcBef>
+                        <a:buNone/>
+                      </a:pPr>
+                      <a:r>
+                        <a:rPr lang="en-CA" b="1" dirty="0"/>
+                        <a:t>PART </a:t>
+                      </a:r>
+                    </a:p>
+                  </a:txBody>
+                  <a:tcPr marL="91425" marR="91425" marT="91425" marB="91425"/>
+                </a:tc>
+                <a:tc>
+                  <a:txBody>
+                    <a:bodyPr/>
+                    <a:lstStyle/>
+                    <a:p>
+                      <a:pPr lvl="0">
+                        <a:spcBef>
+                          <a:spcPts val="0"/>
+                        </a:spcBef>
+                        <a:buNone/>
+                      </a:pPr>
+                      <a:r>
+                        <a:rPr lang="en-CA" b="1"/>
+                        <a:t>QUANTITY </a:t>
+                      </a:r>
+                    </a:p>
+                  </a:txBody>
+                  <a:tcPr marL="91425" marR="91425" marT="91425" marB="91425"/>
+                </a:tc>
+                <a:tc>
+                  <a:txBody>
+                    <a:bodyPr/>
+                    <a:lstStyle/>
+                    <a:p>
+                      <a:pPr lvl="0">
+                        <a:spcBef>
+                          <a:spcPts val="0"/>
+                        </a:spcBef>
+                        <a:buNone/>
+                      </a:pPr>
+                      <a:r>
+                        <a:rPr lang="en-CA" b="1"/>
+                        <a:t>PRICE ($)</a:t>
+                      </a:r>
+                    </a:p>
+                  </a:txBody>
+                  <a:tcPr marL="91425" marR="91425" marT="91425" marB="91425"/>
+                </a:tc>
+                <a:tc>
+                  <a:txBody>
+                    <a:bodyPr/>
+                    <a:lstStyle/>
+                    <a:p>
+                      <a:pPr lvl="0">
+                        <a:spcBef>
+                          <a:spcPts val="0"/>
+                        </a:spcBef>
+                        <a:buNone/>
+                      </a:pPr>
+                      <a:r>
+                        <a:rPr lang="en-CA" b="1"/>
+                        <a:t>TOTAL ($)</a:t>
+                      </a:r>
+                    </a:p>
+                  </a:txBody>
+                  <a:tcPr marL="91425" marR="91425" marT="91425" marB="91425"/>
+                </a:tc>
+                <a:extLst>
+                  <a:ext uri="{0D108BD9-81ED-4DB2-BD59-A6C34878D82A}">
+                    <a16:rowId xmlns:a16="http://schemas.microsoft.com/office/drawing/2014/main" xmlns="" val="10000"/>
+                  </a:ext>
+                </a:extLst>
+              </a:tr>
+              <a:tr h="642875">
+                <a:tc>
+                  <a:txBody>
+                    <a:bodyPr/>
+                    <a:lstStyle/>
+                    <a:p>
+                      <a:pPr lvl="0">
+                        <a:spcBef>
+                          <a:spcPts val="0"/>
+                        </a:spcBef>
+                        <a:buNone/>
+                      </a:pPr>
+                      <a:r>
+                        <a:rPr lang="en-CA"/>
+                        <a:t>RC Car</a:t>
+                      </a:r>
+                    </a:p>
+                    <a:p>
+                      <a:pPr lvl="0">
+                        <a:spcBef>
+                          <a:spcPts val="0"/>
+                        </a:spcBef>
+                        <a:buNone/>
+                      </a:pPr>
+                      <a:r>
+                        <a:rPr lang="en-CA"/>
+                        <a:t>(w/ servo &amp; speed controller)</a:t>
+                      </a:r>
+                    </a:p>
+                  </a:txBody>
+                  <a:tcPr marL="91425" marR="91425" marT="91425" marB="91425"/>
+                </a:tc>
+                <a:tc>
+                  <a:txBody>
+                    <a:bodyPr/>
+                    <a:lstStyle/>
+                    <a:p>
+                      <a:pPr lvl="0">
+                        <a:spcBef>
+                          <a:spcPts val="0"/>
+                        </a:spcBef>
+                        <a:buNone/>
+                      </a:pPr>
+                      <a:r>
+                        <a:rPr lang="en-CA"/>
+                        <a:t>2</a:t>
+                      </a:r>
+                    </a:p>
+                  </a:txBody>
+                  <a:tcPr marL="91425" marR="91425" marT="91425" marB="91425"/>
+                </a:tc>
+                <a:tc>
+                  <a:txBody>
+                    <a:bodyPr/>
+                    <a:lstStyle/>
+                    <a:p>
+                      <a:pPr lvl="0">
+                        <a:spcBef>
+                          <a:spcPts val="0"/>
+                        </a:spcBef>
+                        <a:buNone/>
+                      </a:pPr>
+                      <a:r>
+                        <a:rPr lang="en-CA"/>
+                        <a:t>240</a:t>
+                      </a:r>
+                    </a:p>
+                  </a:txBody>
+                  <a:tcPr marL="91425" marR="91425" marT="91425" marB="91425"/>
+                </a:tc>
+                <a:tc>
+                  <a:txBody>
+                    <a:bodyPr/>
+                    <a:lstStyle/>
+                    <a:p>
+                      <a:pPr lvl="0" algn="ctr">
+                        <a:spcBef>
+                          <a:spcPts val="0"/>
+                        </a:spcBef>
+                        <a:buNone/>
+                      </a:pPr>
+                      <a:r>
+                        <a:rPr lang="en-CA"/>
+                        <a:t>480</a:t>
+                      </a:r>
+                    </a:p>
+                  </a:txBody>
+                  <a:tcPr marL="91425" marR="91425" marT="91425" marB="91425"/>
+                </a:tc>
+                <a:extLst>
+                  <a:ext uri="{0D108BD9-81ED-4DB2-BD59-A6C34878D82A}">
+                    <a16:rowId xmlns:a16="http://schemas.microsoft.com/office/drawing/2014/main" xmlns="" val="10001"/>
+                  </a:ext>
+                </a:extLst>
+              </a:tr>
+              <a:tr h="642900">
+                <a:tc>
+                  <a:txBody>
+                    <a:bodyPr/>
+                    <a:lstStyle/>
+                    <a:p>
+                      <a:pPr lvl="0">
+                        <a:spcBef>
+                          <a:spcPts val="0"/>
+                        </a:spcBef>
+                        <a:buClr>
+                          <a:schemeClr val="dk1"/>
+                        </a:buClr>
+                        <a:buSzPct val="78571"/>
+                        <a:buFont typeface="Arial"/>
+                        <a:buNone/>
+                      </a:pPr>
+                      <a:r>
+                        <a:rPr lang="en-CA">
+                          <a:solidFill>
+                            <a:schemeClr val="dk1"/>
+                          </a:solidFill>
+                        </a:rPr>
+                        <a:t>3300 mAh 7.2 V battery</a:t>
+                      </a:r>
+                    </a:p>
+                  </a:txBody>
+                  <a:tcPr marL="91425" marR="91425" marT="91425" marB="91425"/>
+                </a:tc>
+                <a:tc>
+                  <a:txBody>
+                    <a:bodyPr/>
+                    <a:lstStyle/>
+                    <a:p>
+                      <a:pPr lvl="0">
+                        <a:spcBef>
+                          <a:spcPts val="0"/>
+                        </a:spcBef>
+                        <a:buNone/>
+                      </a:pPr>
+                      <a:r>
+                        <a:rPr lang="en-CA"/>
+                        <a:t>2</a:t>
+                      </a:r>
+                    </a:p>
+                  </a:txBody>
+                  <a:tcPr marL="91425" marR="91425" marT="91425" marB="91425"/>
+                </a:tc>
+                <a:tc>
+                  <a:txBody>
+                    <a:bodyPr/>
+                    <a:lstStyle/>
+                    <a:p>
+                      <a:pPr lvl="0">
+                        <a:spcBef>
+                          <a:spcPts val="0"/>
+                        </a:spcBef>
+                        <a:buNone/>
+                      </a:pPr>
+                      <a:r>
+                        <a:rPr lang="en-CA"/>
+                        <a:t>30</a:t>
+                      </a:r>
+                    </a:p>
+                  </a:txBody>
+                  <a:tcPr marL="91425" marR="91425" marT="91425" marB="91425"/>
+                </a:tc>
+                <a:tc>
+                  <a:txBody>
+                    <a:bodyPr/>
+                    <a:lstStyle/>
+                    <a:p>
+                      <a:pPr lvl="0" algn="ctr">
+                        <a:spcBef>
+                          <a:spcPts val="0"/>
+                        </a:spcBef>
+                        <a:buNone/>
+                      </a:pPr>
+                      <a:r>
+                        <a:rPr lang="en-CA"/>
+                        <a:t>60</a:t>
+                      </a:r>
+                    </a:p>
+                  </a:txBody>
+                  <a:tcPr marL="91425" marR="91425" marT="91425" marB="91425"/>
+                </a:tc>
+                <a:extLst>
+                  <a:ext uri="{0D108BD9-81ED-4DB2-BD59-A6C34878D82A}">
+                    <a16:rowId xmlns:a16="http://schemas.microsoft.com/office/drawing/2014/main" xmlns="" val="10002"/>
+                  </a:ext>
+                </a:extLst>
+              </a:tr>
+              <a:tr h="626175">
+                <a:tc>
+                  <a:txBody>
+                    <a:bodyPr/>
+                    <a:lstStyle/>
+                    <a:p>
+                      <a:pPr lvl="0">
+                        <a:spcBef>
+                          <a:spcPts val="0"/>
+                        </a:spcBef>
+                        <a:buNone/>
+                      </a:pPr>
+                      <a:r>
+                        <a:rPr lang="en-CA"/>
+                        <a:t>Battery charger</a:t>
+                      </a:r>
+                    </a:p>
+                  </a:txBody>
+                  <a:tcPr marL="91425" marR="91425" marT="91425" marB="91425"/>
+                </a:tc>
+                <a:tc>
+                  <a:txBody>
+                    <a:bodyPr/>
+                    <a:lstStyle/>
+                    <a:p>
+                      <a:pPr lvl="0">
+                        <a:spcBef>
+                          <a:spcPts val="0"/>
+                        </a:spcBef>
+                        <a:buNone/>
+                      </a:pPr>
+                      <a:r>
+                        <a:rPr lang="en-CA"/>
+                        <a:t>1</a:t>
+                      </a:r>
+                    </a:p>
+                  </a:txBody>
+                  <a:tcPr marL="91425" marR="91425" marT="91425" marB="91425"/>
+                </a:tc>
+                <a:tc>
+                  <a:txBody>
+                    <a:bodyPr/>
+                    <a:lstStyle/>
+                    <a:p>
+                      <a:pPr lvl="0">
+                        <a:spcBef>
+                          <a:spcPts val="0"/>
+                        </a:spcBef>
+                        <a:buNone/>
+                      </a:pPr>
+                      <a:r>
+                        <a:rPr lang="en-CA"/>
+                        <a:t>30</a:t>
+                      </a:r>
+                    </a:p>
+                  </a:txBody>
+                  <a:tcPr marL="91425" marR="91425" marT="91425" marB="91425"/>
+                </a:tc>
+                <a:tc>
+                  <a:txBody>
+                    <a:bodyPr/>
+                    <a:lstStyle/>
+                    <a:p>
+                      <a:pPr lvl="0" algn="ctr">
+                        <a:spcBef>
+                          <a:spcPts val="0"/>
+                        </a:spcBef>
+                        <a:buNone/>
+                      </a:pPr>
+                      <a:r>
+                        <a:rPr lang="en-CA"/>
+                        <a:t>30</a:t>
+                      </a:r>
+                    </a:p>
+                  </a:txBody>
+                  <a:tcPr marL="91425" marR="91425" marT="91425" marB="91425"/>
+                </a:tc>
+                <a:extLst>
+                  <a:ext uri="{0D108BD9-81ED-4DB2-BD59-A6C34878D82A}">
+                    <a16:rowId xmlns:a16="http://schemas.microsoft.com/office/drawing/2014/main" xmlns="" val="10003"/>
+                  </a:ext>
+                </a:extLst>
+              </a:tr>
+              <a:tr h="659650">
+                <a:tc>
+                  <a:txBody>
+                    <a:bodyPr/>
+                    <a:lstStyle/>
+                    <a:p>
+                      <a:pPr lvl="0">
+                        <a:spcBef>
+                          <a:spcPts val="0"/>
+                        </a:spcBef>
+                        <a:buNone/>
+                      </a:pPr>
+                      <a:r>
+                        <a:rPr lang="en-CA"/>
+                        <a:t>Raspberry Pi 3 Model B</a:t>
+                      </a:r>
+                    </a:p>
+                  </a:txBody>
+                  <a:tcPr marL="91425" marR="91425" marT="91425" marB="91425"/>
+                </a:tc>
+                <a:tc>
+                  <a:txBody>
+                    <a:bodyPr/>
+                    <a:lstStyle/>
+                    <a:p>
+                      <a:pPr lvl="0">
+                        <a:spcBef>
+                          <a:spcPts val="0"/>
+                        </a:spcBef>
+                        <a:buNone/>
+                      </a:pPr>
+                      <a:r>
+                        <a:rPr lang="en-CA"/>
+                        <a:t>2</a:t>
+                      </a:r>
+                    </a:p>
+                  </a:txBody>
+                  <a:tcPr marL="91425" marR="91425" marT="91425" marB="91425"/>
+                </a:tc>
+                <a:tc>
+                  <a:txBody>
+                    <a:bodyPr/>
+                    <a:lstStyle/>
+                    <a:p>
+                      <a:pPr lvl="0">
+                        <a:spcBef>
+                          <a:spcPts val="0"/>
+                        </a:spcBef>
+                        <a:buNone/>
+                      </a:pPr>
+                      <a:r>
+                        <a:rPr lang="en-CA"/>
+                        <a:t>60</a:t>
+                      </a:r>
+                    </a:p>
+                  </a:txBody>
+                  <a:tcPr marL="91425" marR="91425" marT="91425" marB="91425"/>
+                </a:tc>
+                <a:tc>
+                  <a:txBody>
+                    <a:bodyPr/>
+                    <a:lstStyle/>
+                    <a:p>
+                      <a:pPr lvl="0" algn="ctr">
+                        <a:spcBef>
+                          <a:spcPts val="0"/>
+                        </a:spcBef>
+                        <a:buNone/>
+                      </a:pPr>
+                      <a:r>
+                        <a:rPr lang="en-CA"/>
+                        <a:t>120</a:t>
+                      </a:r>
+                    </a:p>
+                  </a:txBody>
+                  <a:tcPr marL="91425" marR="91425" marT="91425" marB="91425"/>
+                </a:tc>
+                <a:extLst>
+                  <a:ext uri="{0D108BD9-81ED-4DB2-BD59-A6C34878D82A}">
+                    <a16:rowId xmlns:a16="http://schemas.microsoft.com/office/drawing/2014/main" xmlns="" val="10004"/>
+                  </a:ext>
+                </a:extLst>
+              </a:tr>
+              <a:tr h="687100">
+                <a:tc>
+                  <a:txBody>
+                    <a:bodyPr/>
+                    <a:lstStyle/>
+                    <a:p>
+                      <a:pPr lvl="0">
+                        <a:spcBef>
+                          <a:spcPts val="0"/>
+                        </a:spcBef>
+                        <a:buNone/>
+                      </a:pPr>
+                      <a:r>
+                        <a:rPr lang="en-CA" dirty="0"/>
+                        <a:t>Voltage regulator</a:t>
+                      </a:r>
+                    </a:p>
+                  </a:txBody>
+                  <a:tcPr marL="91425" marR="91425" marT="91425" marB="91425"/>
+                </a:tc>
+                <a:tc>
+                  <a:txBody>
+                    <a:bodyPr/>
+                    <a:lstStyle/>
+                    <a:p>
+                      <a:pPr lvl="0">
+                        <a:spcBef>
+                          <a:spcPts val="0"/>
+                        </a:spcBef>
+                        <a:buNone/>
+                      </a:pPr>
+                      <a:r>
+                        <a:rPr lang="en-CA"/>
+                        <a:t>3</a:t>
+                      </a:r>
+                    </a:p>
+                  </a:txBody>
+                  <a:tcPr marL="91425" marR="91425" marT="91425" marB="91425"/>
+                </a:tc>
+                <a:tc>
+                  <a:txBody>
+                    <a:bodyPr/>
+                    <a:lstStyle/>
+                    <a:p>
+                      <a:pPr lvl="0">
+                        <a:spcBef>
+                          <a:spcPts val="0"/>
+                        </a:spcBef>
+                        <a:buNone/>
+                      </a:pPr>
+                      <a:r>
+                        <a:rPr lang="en-CA"/>
+                        <a:t>1.50</a:t>
+                      </a:r>
+                    </a:p>
+                  </a:txBody>
+                  <a:tcPr marL="91425" marR="91425" marT="91425" marB="91425"/>
+                </a:tc>
+                <a:tc>
+                  <a:txBody>
+                    <a:bodyPr/>
+                    <a:lstStyle/>
+                    <a:p>
+                      <a:pPr lvl="0" algn="ctr" rtl="0">
+                        <a:spcBef>
+                          <a:spcPts val="0"/>
+                        </a:spcBef>
+                        <a:buNone/>
+                      </a:pPr>
+                      <a:r>
+                        <a:rPr lang="en-CA"/>
+                        <a:t>4.5</a:t>
+                      </a:r>
+                    </a:p>
+                  </a:txBody>
+                  <a:tcPr marL="91425" marR="91425" marT="91425" marB="91425"/>
+                </a:tc>
+                <a:extLst>
+                  <a:ext uri="{0D108BD9-81ED-4DB2-BD59-A6C34878D82A}">
+                    <a16:rowId xmlns:a16="http://schemas.microsoft.com/office/drawing/2014/main" xmlns="" val="10005"/>
+                  </a:ext>
+                </a:extLst>
+              </a:tr>
+              <a:tr h="634850">
+                <a:tc>
+                  <a:txBody>
+                    <a:bodyPr/>
+                    <a:lstStyle/>
+                    <a:p>
+                      <a:pPr lvl="0">
+                        <a:spcBef>
+                          <a:spcPts val="0"/>
+                        </a:spcBef>
+                        <a:buNone/>
+                      </a:pPr>
+                      <a:r>
+                        <a:rPr lang="en-CA"/>
+                        <a:t>Hall  Effect sensor</a:t>
+                      </a:r>
+                    </a:p>
+                  </a:txBody>
+                  <a:tcPr marL="91425" marR="91425" marT="91425" marB="91425"/>
+                </a:tc>
+                <a:tc>
+                  <a:txBody>
+                    <a:bodyPr/>
+                    <a:lstStyle/>
+                    <a:p>
+                      <a:pPr lvl="0">
+                        <a:spcBef>
+                          <a:spcPts val="0"/>
+                        </a:spcBef>
+                        <a:buNone/>
+                      </a:pPr>
+                      <a:r>
+                        <a:rPr lang="en-CA"/>
+                        <a:t>3</a:t>
+                      </a:r>
+                    </a:p>
+                  </a:txBody>
+                  <a:tcPr marL="91425" marR="91425" marT="91425" marB="91425"/>
+                </a:tc>
+                <a:tc>
+                  <a:txBody>
+                    <a:bodyPr/>
+                    <a:lstStyle/>
+                    <a:p>
+                      <a:pPr lvl="0" rtl="0">
+                        <a:spcBef>
+                          <a:spcPts val="0"/>
+                        </a:spcBef>
+                        <a:buNone/>
+                      </a:pPr>
+                      <a:r>
+                        <a:rPr lang="en-CA"/>
+                        <a:t>1.70</a:t>
+                      </a:r>
+                    </a:p>
+                  </a:txBody>
+                  <a:tcPr marL="91425" marR="91425" marT="91425" marB="91425"/>
+                </a:tc>
+                <a:tc>
+                  <a:txBody>
+                    <a:bodyPr/>
+                    <a:lstStyle/>
+                    <a:p>
+                      <a:pPr lvl="0" algn="ctr" rtl="0">
+                        <a:spcBef>
+                          <a:spcPts val="0"/>
+                        </a:spcBef>
+                        <a:buNone/>
+                      </a:pPr>
+                      <a:r>
+                        <a:rPr lang="en-CA" dirty="0"/>
+                        <a:t>5.1</a:t>
+                      </a:r>
+                    </a:p>
+                  </a:txBody>
+                  <a:tcPr marL="91425" marR="91425" marT="91425" marB="91425"/>
+                </a:tc>
+                <a:extLst>
+                  <a:ext uri="{0D108BD9-81ED-4DB2-BD59-A6C34878D82A}">
+                    <a16:rowId xmlns:a16="http://schemas.microsoft.com/office/drawing/2014/main" xmlns="" val="10006"/>
+                  </a:ext>
+                </a:extLst>
+              </a:tr>
+            </a:tbl>
+          </a:graphicData>
+        </a:graphic>
+      </p:graphicFrame>
+      <p:sp>
+        <p:nvSpPr>
+          <p:cNvPr id="172" name="Shape 172"/>
+          <p:cNvSpPr txBox="1"/>
+          <p:nvPr/>
+        </p:nvSpPr>
+        <p:spPr>
+          <a:xfrm>
+            <a:off x="9122490" y="6287680"/>
+            <a:ext cx="2575800" cy="375600"/>
+          </a:xfrm>
+          <a:prstGeom prst="rect">
+            <a:avLst/>
+          </a:prstGeom>
+          <a:noFill/>
+          <a:ln>
+            <a:noFill/>
+          </a:ln>
+        </p:spPr>
+        <p:txBody>
+          <a:bodyPr lIns="91425" tIns="91425" rIns="91425" bIns="91425" anchor="t" anchorCtr="0">
+            <a:noAutofit/>
+          </a:bodyPr>
+          <a:lstStyle/>
+          <a:p>
+            <a:pPr lvl="0">
+              <a:spcBef>
+                <a:spcPts val="0"/>
+              </a:spcBef>
+              <a:buNone/>
+            </a:pPr>
+            <a:r>
+              <a:rPr lang="en-CA" b="1" dirty="0"/>
+              <a:t>Total:  700</a:t>
+            </a:r>
+          </a:p>
+        </p:txBody>
+      </p:sp>
+    </p:spTree>
+    <p:extLst>
+      <p:ext uri="{BB962C8B-B14F-4D97-AF65-F5344CB8AC3E}">
+        <p14:creationId xmlns:p14="http://schemas.microsoft.com/office/powerpoint/2010/main" val="2416161344"/>
+      </p:ext>
+    </p:extLst>
+  </p:cSld>
+  <p:clrMapOvr>
+    <a:masterClrMapping/>
+  </p:clrMapOvr>
+  <p:timing>
+    <p:tnLst>
+      <p:par>
+        <p:cTn id="1" dur="indefinite" restart="never" nodeType="tmRoot"/>
+      </p:par>
+    </p:tnLst>
+  </p:timing>
+</p:sld>
+</file>
+
+<file path=ppt/slides/slide12.xml><?xml version="1.0" encoding="utf-8"?>
 <p:sld xmlns:a="http://schemas.openxmlformats.org/drawingml/2006/main" xmlns:r="http://schemas.openxmlformats.org/officeDocument/2006/relationships" xmlns:p="http://schemas.openxmlformats.org/presentationml/2006/main">
   <p:cSld>
     <p:spTree>
@@ -10603,7 +11686,7 @@
               <a:buNone/>
             </a:pPr>
             <a:r>
-              <a:rPr lang="en-CA" sz="2300" b="1">
+              <a:rPr lang="en-CA" sz="2300" b="1" dirty="0">
                 <a:solidFill>
                   <a:schemeClr val="dk1"/>
                 </a:solidFill>
@@ -10611,7 +11694,7 @@
               <a:t>Hardware</a:t>
             </a:r>
             <a:r>
-              <a:rPr lang="en-CA" sz="2300">
+              <a:rPr lang="en-CA" sz="2300" dirty="0">
                 <a:solidFill>
                   <a:schemeClr val="dk1"/>
                 </a:solidFill>
@@ -10634,7 +11717,7 @@
               <a:buFont typeface="Cabin"/>
             </a:pPr>
             <a:r>
-              <a:rPr lang="en-CA" sz="2300">
+              <a:rPr lang="en-CA" sz="2300" dirty="0">
                 <a:solidFill>
                   <a:schemeClr val="dk1"/>
                 </a:solidFill>
@@ -10657,7 +11740,7 @@
               <a:buFont typeface="Cabin"/>
             </a:pPr>
             <a:r>
-              <a:rPr lang="en-CA" sz="2300">
+              <a:rPr lang="en-CA" sz="2300" dirty="0">
                 <a:solidFill>
                   <a:schemeClr val="dk1"/>
                 </a:solidFill>
@@ -10665,13 +11748,13 @@
               <a:t>Computer with bird-eye view camera</a:t>
             </a:r>
             <a:br>
-              <a:rPr lang="en-CA" sz="2300">
+              <a:rPr lang="en-CA" sz="2300" dirty="0">
                 <a:solidFill>
                   <a:schemeClr val="dk1"/>
                 </a:solidFill>
               </a:rPr>
             </a:br>
-            <a:endParaRPr lang="en-CA" sz="2300">
+            <a:endParaRPr lang="en-CA" sz="2300" dirty="0">
               <a:solidFill>
                 <a:schemeClr val="dk1"/>
               </a:solidFill>
@@ -10691,7 +11774,7 @@
               <a:buSzPct val="100000"/>
             </a:pPr>
             <a:r>
-              <a:rPr lang="en-CA" sz="2300">
+              <a:rPr lang="en-CA" sz="2300" dirty="0">
                 <a:solidFill>
                   <a:schemeClr val="dk1"/>
                 </a:solidFill>
@@ -10714,7 +11797,7 @@
               <a:buFont typeface="Arial"/>
             </a:pPr>
             <a:r>
-              <a:rPr lang="en-CA" sz="2300">
+              <a:rPr lang="en-CA" sz="2300" dirty="0">
                 <a:solidFill>
                   <a:schemeClr val="dk1"/>
                 </a:solidFill>
@@ -10737,7 +11820,7 @@
               <a:buFont typeface="Arial"/>
             </a:pPr>
             <a:r>
-              <a:rPr lang="en-CA" sz="2300">
+              <a:rPr lang="en-CA" sz="2300" dirty="0">
                 <a:solidFill>
                   <a:schemeClr val="dk1"/>
                 </a:solidFill>
@@ -10760,7 +11843,7 @@
               <a:buFont typeface="Arial"/>
             </a:pPr>
             <a:r>
-              <a:rPr lang="en-CA" sz="2300">
+              <a:rPr lang="en-CA" sz="2300" dirty="0">
                 <a:solidFill>
                   <a:schemeClr val="dk1"/>
                 </a:solidFill>
@@ -10778,7 +11861,7 @@
               </a:spcBef>
               <a:buNone/>
             </a:pPr>
-            <a:endParaRPr sz="2300" b="1">
+            <a:endParaRPr sz="2300" b="1" dirty="0">
               <a:solidFill>
                 <a:schemeClr val="dk1"/>
               </a:solidFill>
@@ -10795,7 +11878,7 @@
               <a:buNone/>
             </a:pPr>
             <a:r>
-              <a:rPr lang="en-CA" sz="2300" b="1">
+              <a:rPr lang="en-CA" sz="2300" b="1" dirty="0">
                 <a:solidFill>
                   <a:schemeClr val="dk1"/>
                 </a:solidFill>
@@ -10821,12 +11904,20 @@
               <a:buFont typeface="Cabin"/>
             </a:pPr>
             <a:r>
-              <a:rPr lang="en-CA" sz="2300">
+              <a:rPr lang="en-CA" sz="2300" dirty="0" err="1">
                 <a:solidFill>
                   <a:schemeClr val="dk1"/>
                 </a:solidFill>
               </a:rPr>
-              <a:t>OpenCV (Image Processing)</a:t>
+              <a:t>OpenCV</a:t>
+            </a:r>
+            <a:r>
+              <a:rPr lang="en-CA" sz="2300" dirty="0">
+                <a:solidFill>
+                  <a:schemeClr val="dk1"/>
+                </a:solidFill>
+              </a:rPr>
+              <a:t> (Image Processing)</a:t>
             </a:r>
           </a:p>
           <a:p>
@@ -10847,12 +11938,20 @@
               <a:buFont typeface="Cabin"/>
             </a:pPr>
             <a:r>
-              <a:rPr lang="en-CA" sz="2300">
+              <a:rPr lang="en-CA" sz="2300" dirty="0" err="1">
                 <a:solidFill>
                   <a:schemeClr val="dk1"/>
                 </a:solidFill>
               </a:rPr>
-              <a:t>BlueZ (Bluetooth)</a:t>
+              <a:t>BlueZ</a:t>
+            </a:r>
+            <a:r>
+              <a:rPr lang="en-CA" sz="2300" dirty="0">
+                <a:solidFill>
+                  <a:schemeClr val="dk1"/>
+                </a:solidFill>
+              </a:rPr>
+              <a:t> (Bluetooth)</a:t>
             </a:r>
           </a:p>
         </p:txBody>
@@ -10867,2974 +11966,17 @@
   <p:clrMapOvr>
     <a:masterClrMapping/>
   </p:clrMapOvr>
+  <p:timing>
+    <p:tnLst>
+      <p:par>
+        <p:cTn id="1" dur="indefinite" restart="never" nodeType="tmRoot"/>
+      </p:par>
+    </p:tnLst>
+  </p:timing>
 </p:sld>
 </file>
 
-<file path=ppt/slides/slide11.xml><?xml version="1.0" encoding="utf-8"?>
-<p:sld xmlns:a="http://schemas.openxmlformats.org/drawingml/2006/main" xmlns:r="http://schemas.openxmlformats.org/officeDocument/2006/relationships" xmlns:p="http://schemas.openxmlformats.org/presentationml/2006/main">
-  <p:cSld>
-    <p:spTree>
-      <p:nvGrpSpPr>
-        <p:cNvPr id="1" name=""/>
-        <p:cNvGrpSpPr/>
-        <p:nvPr/>
-      </p:nvGrpSpPr>
-      <p:grpSpPr>
-        <a:xfrm>
-          <a:off x="0" y="0"/>
-          <a:ext cx="0" cy="0"/>
-          <a:chOff x="0" y="0"/>
-          <a:chExt cx="0" cy="0"/>
-        </a:xfrm>
-      </p:grpSpPr>
-      <p:sp>
-        <p:nvSpPr>
-          <p:cNvPr id="29" name="Rectangle 28"/>
-          <p:cNvSpPr>
-            <a:spLocks noGrp="1" noRot="1" noChangeAspect="1" noMove="1" noResize="1" noEditPoints="1" noAdjustHandles="1" noChangeArrowheads="1" noChangeShapeType="1" noTextEdit="1"/>
-          </p:cNvSpPr>
-          <p:nvPr>
-            <p:extLst>
-              <p:ext uri="{386F3935-93C4-4BCD-93E2-E3B085C9AB24}">
-                <p16:designElem xmlns:p16="http://schemas.microsoft.com/office/powerpoint/2015/main" val="1"/>
-              </p:ext>
-            </p:extLst>
-          </p:nvPr>
-        </p:nvSpPr>
-        <p:spPr bwMode="white">
-          <a:xfrm>
-            <a:off x="0" y="0"/>
-            <a:ext cx="12192000" cy="6858000"/>
-          </a:xfrm>
-          <a:prstGeom prst="rect">
-            <a:avLst/>
-          </a:prstGeom>
-          <a:solidFill>
-            <a:schemeClr val="bg1"/>
-          </a:solidFill>
-          <a:effectLst/>
-        </p:spPr>
-      </p:sp>
-      <p:sp>
-        <p:nvSpPr>
-          <p:cNvPr id="30" name="Freeform 6" title="scalloped circle"/>
-          <p:cNvSpPr>
-            <a:spLocks noGrp="1" noRot="1" noChangeAspect="1" noMove="1" noResize="1" noEditPoints="1" noAdjustHandles="1" noChangeArrowheads="1" noChangeShapeType="1" noTextEdit="1"/>
-          </p:cNvSpPr>
-          <p:nvPr>
-            <p:extLst>
-              <p:ext uri="{386F3935-93C4-4BCD-93E2-E3B085C9AB24}">
-                <p16:designElem xmlns:p16="http://schemas.microsoft.com/office/powerpoint/2015/main" val="1"/>
-              </p:ext>
-            </p:extLst>
-          </p:nvPr>
-        </p:nvSpPr>
-        <p:spPr bwMode="auto">
-          <a:xfrm>
-            <a:off x="3557016" y="630936"/>
-            <a:ext cx="5235575" cy="5229225"/>
-          </a:xfrm>
-          <a:custGeom>
-            <a:avLst/>
-            <a:gdLst/>
-            <a:ahLst/>
-            <a:cxnLst/>
-            <a:rect l="0" t="0" r="r" b="b"/>
-            <a:pathLst>
-              <a:path w="3298" h="3294">
-                <a:moveTo>
-                  <a:pt x="1649" y="0"/>
-                </a:moveTo>
-                <a:lnTo>
-                  <a:pt x="1681" y="3"/>
-                </a:lnTo>
-                <a:lnTo>
-                  <a:pt x="1712" y="11"/>
-                </a:lnTo>
-                <a:lnTo>
-                  <a:pt x="1742" y="23"/>
-                </a:lnTo>
-                <a:lnTo>
-                  <a:pt x="1773" y="38"/>
-                </a:lnTo>
-                <a:lnTo>
-                  <a:pt x="1802" y="55"/>
-                </a:lnTo>
-                <a:lnTo>
-                  <a:pt x="1832" y="73"/>
-                </a:lnTo>
-                <a:lnTo>
-                  <a:pt x="1862" y="89"/>
-                </a:lnTo>
-                <a:lnTo>
-                  <a:pt x="1892" y="105"/>
-                </a:lnTo>
-                <a:lnTo>
-                  <a:pt x="1921" y="117"/>
-                </a:lnTo>
-                <a:lnTo>
-                  <a:pt x="1953" y="125"/>
-                </a:lnTo>
-                <a:lnTo>
-                  <a:pt x="1984" y="129"/>
-                </a:lnTo>
-                <a:lnTo>
-                  <a:pt x="2017" y="129"/>
-                </a:lnTo>
-                <a:lnTo>
-                  <a:pt x="2051" y="127"/>
-                </a:lnTo>
-                <a:lnTo>
-                  <a:pt x="2085" y="123"/>
-                </a:lnTo>
-                <a:lnTo>
-                  <a:pt x="2119" y="118"/>
-                </a:lnTo>
-                <a:lnTo>
-                  <a:pt x="2153" y="114"/>
-                </a:lnTo>
-                <a:lnTo>
-                  <a:pt x="2187" y="111"/>
-                </a:lnTo>
-                <a:lnTo>
-                  <a:pt x="2219" y="112"/>
-                </a:lnTo>
-                <a:lnTo>
-                  <a:pt x="2250" y="116"/>
-                </a:lnTo>
-                <a:lnTo>
-                  <a:pt x="2280" y="125"/>
-                </a:lnTo>
-                <a:lnTo>
-                  <a:pt x="2305" y="138"/>
-                </a:lnTo>
-                <a:lnTo>
-                  <a:pt x="2329" y="155"/>
-                </a:lnTo>
-                <a:lnTo>
-                  <a:pt x="2350" y="175"/>
-                </a:lnTo>
-                <a:lnTo>
-                  <a:pt x="2371" y="198"/>
-                </a:lnTo>
-                <a:lnTo>
-                  <a:pt x="2390" y="222"/>
-                </a:lnTo>
-                <a:lnTo>
-                  <a:pt x="2409" y="247"/>
-                </a:lnTo>
-                <a:lnTo>
-                  <a:pt x="2428" y="272"/>
-                </a:lnTo>
-                <a:lnTo>
-                  <a:pt x="2447" y="296"/>
-                </a:lnTo>
-                <a:lnTo>
-                  <a:pt x="2467" y="319"/>
-                </a:lnTo>
-                <a:lnTo>
-                  <a:pt x="2490" y="339"/>
-                </a:lnTo>
-                <a:lnTo>
-                  <a:pt x="2512" y="357"/>
-                </a:lnTo>
-                <a:lnTo>
-                  <a:pt x="2537" y="371"/>
-                </a:lnTo>
-                <a:lnTo>
-                  <a:pt x="2564" y="383"/>
-                </a:lnTo>
-                <a:lnTo>
-                  <a:pt x="2593" y="393"/>
-                </a:lnTo>
-                <a:lnTo>
-                  <a:pt x="2623" y="402"/>
-                </a:lnTo>
-                <a:lnTo>
-                  <a:pt x="2653" y="410"/>
-                </a:lnTo>
-                <a:lnTo>
-                  <a:pt x="2684" y="418"/>
-                </a:lnTo>
-                <a:lnTo>
-                  <a:pt x="2713" y="427"/>
-                </a:lnTo>
-                <a:lnTo>
-                  <a:pt x="2742" y="437"/>
-                </a:lnTo>
-                <a:lnTo>
-                  <a:pt x="2769" y="449"/>
-                </a:lnTo>
-                <a:lnTo>
-                  <a:pt x="2793" y="464"/>
-                </a:lnTo>
-                <a:lnTo>
-                  <a:pt x="2815" y="482"/>
-                </a:lnTo>
-                <a:lnTo>
-                  <a:pt x="2833" y="504"/>
-                </a:lnTo>
-                <a:lnTo>
-                  <a:pt x="2848" y="528"/>
-                </a:lnTo>
-                <a:lnTo>
-                  <a:pt x="2860" y="555"/>
-                </a:lnTo>
-                <a:lnTo>
-                  <a:pt x="2870" y="584"/>
-                </a:lnTo>
-                <a:lnTo>
-                  <a:pt x="2879" y="613"/>
-                </a:lnTo>
-                <a:lnTo>
-                  <a:pt x="2887" y="644"/>
-                </a:lnTo>
-                <a:lnTo>
-                  <a:pt x="2895" y="674"/>
-                </a:lnTo>
-                <a:lnTo>
-                  <a:pt x="2904" y="704"/>
-                </a:lnTo>
-                <a:lnTo>
-                  <a:pt x="2914" y="733"/>
-                </a:lnTo>
-                <a:lnTo>
-                  <a:pt x="2926" y="760"/>
-                </a:lnTo>
-                <a:lnTo>
-                  <a:pt x="2940" y="785"/>
-                </a:lnTo>
-                <a:lnTo>
-                  <a:pt x="2958" y="807"/>
-                </a:lnTo>
-                <a:lnTo>
-                  <a:pt x="2978" y="830"/>
-                </a:lnTo>
-                <a:lnTo>
-                  <a:pt x="3001" y="850"/>
-                </a:lnTo>
-                <a:lnTo>
-                  <a:pt x="3025" y="869"/>
-                </a:lnTo>
-                <a:lnTo>
-                  <a:pt x="3051" y="888"/>
-                </a:lnTo>
-                <a:lnTo>
-                  <a:pt x="3076" y="907"/>
-                </a:lnTo>
-                <a:lnTo>
-                  <a:pt x="3100" y="926"/>
-                </a:lnTo>
-                <a:lnTo>
-                  <a:pt x="3123" y="947"/>
-                </a:lnTo>
-                <a:lnTo>
-                  <a:pt x="3143" y="968"/>
-                </a:lnTo>
-                <a:lnTo>
-                  <a:pt x="3160" y="992"/>
-                </a:lnTo>
-                <a:lnTo>
-                  <a:pt x="3173" y="1017"/>
-                </a:lnTo>
-                <a:lnTo>
-                  <a:pt x="3182" y="1047"/>
-                </a:lnTo>
-                <a:lnTo>
-                  <a:pt x="3186" y="1078"/>
-                </a:lnTo>
-                <a:lnTo>
-                  <a:pt x="3187" y="1110"/>
-                </a:lnTo>
-                <a:lnTo>
-                  <a:pt x="3184" y="1144"/>
-                </a:lnTo>
-                <a:lnTo>
-                  <a:pt x="3180" y="1178"/>
-                </a:lnTo>
-                <a:lnTo>
-                  <a:pt x="3175" y="1212"/>
-                </a:lnTo>
-                <a:lnTo>
-                  <a:pt x="3171" y="1246"/>
-                </a:lnTo>
-                <a:lnTo>
-                  <a:pt x="3169" y="1280"/>
-                </a:lnTo>
-                <a:lnTo>
-                  <a:pt x="3169" y="1313"/>
-                </a:lnTo>
-                <a:lnTo>
-                  <a:pt x="3173" y="1344"/>
-                </a:lnTo>
-                <a:lnTo>
-                  <a:pt x="3181" y="1375"/>
-                </a:lnTo>
-                <a:lnTo>
-                  <a:pt x="3193" y="1404"/>
-                </a:lnTo>
-                <a:lnTo>
-                  <a:pt x="3209" y="1434"/>
-                </a:lnTo>
-                <a:lnTo>
-                  <a:pt x="3225" y="1464"/>
-                </a:lnTo>
-                <a:lnTo>
-                  <a:pt x="3243" y="1494"/>
-                </a:lnTo>
-                <a:lnTo>
-                  <a:pt x="3260" y="1523"/>
-                </a:lnTo>
-                <a:lnTo>
-                  <a:pt x="3275" y="1554"/>
-                </a:lnTo>
-                <a:lnTo>
-                  <a:pt x="3287" y="1584"/>
-                </a:lnTo>
-                <a:lnTo>
-                  <a:pt x="3295" y="1615"/>
-                </a:lnTo>
-                <a:lnTo>
-                  <a:pt x="3298" y="1647"/>
-                </a:lnTo>
-                <a:lnTo>
-                  <a:pt x="3295" y="1679"/>
-                </a:lnTo>
-                <a:lnTo>
-                  <a:pt x="3287" y="1710"/>
-                </a:lnTo>
-                <a:lnTo>
-                  <a:pt x="3275" y="1740"/>
-                </a:lnTo>
-                <a:lnTo>
-                  <a:pt x="3260" y="1771"/>
-                </a:lnTo>
-                <a:lnTo>
-                  <a:pt x="3243" y="1800"/>
-                </a:lnTo>
-                <a:lnTo>
-                  <a:pt x="3225" y="1830"/>
-                </a:lnTo>
-                <a:lnTo>
-                  <a:pt x="3209" y="1860"/>
-                </a:lnTo>
-                <a:lnTo>
-                  <a:pt x="3193" y="1890"/>
-                </a:lnTo>
-                <a:lnTo>
-                  <a:pt x="3181" y="1919"/>
-                </a:lnTo>
-                <a:lnTo>
-                  <a:pt x="3173" y="1950"/>
-                </a:lnTo>
-                <a:lnTo>
-                  <a:pt x="3169" y="1981"/>
-                </a:lnTo>
-                <a:lnTo>
-                  <a:pt x="3169" y="2014"/>
-                </a:lnTo>
-                <a:lnTo>
-                  <a:pt x="3171" y="2048"/>
-                </a:lnTo>
-                <a:lnTo>
-                  <a:pt x="3175" y="2082"/>
-                </a:lnTo>
-                <a:lnTo>
-                  <a:pt x="3180" y="2116"/>
-                </a:lnTo>
-                <a:lnTo>
-                  <a:pt x="3184" y="2150"/>
-                </a:lnTo>
-                <a:lnTo>
-                  <a:pt x="3187" y="2184"/>
-                </a:lnTo>
-                <a:lnTo>
-                  <a:pt x="3186" y="2216"/>
-                </a:lnTo>
-                <a:lnTo>
-                  <a:pt x="3182" y="2247"/>
-                </a:lnTo>
-                <a:lnTo>
-                  <a:pt x="3173" y="2277"/>
-                </a:lnTo>
-                <a:lnTo>
-                  <a:pt x="3160" y="2302"/>
-                </a:lnTo>
-                <a:lnTo>
-                  <a:pt x="3143" y="2326"/>
-                </a:lnTo>
-                <a:lnTo>
-                  <a:pt x="3123" y="2347"/>
-                </a:lnTo>
-                <a:lnTo>
-                  <a:pt x="3100" y="2368"/>
-                </a:lnTo>
-                <a:lnTo>
-                  <a:pt x="3076" y="2387"/>
-                </a:lnTo>
-                <a:lnTo>
-                  <a:pt x="3051" y="2406"/>
-                </a:lnTo>
-                <a:lnTo>
-                  <a:pt x="3025" y="2425"/>
-                </a:lnTo>
-                <a:lnTo>
-                  <a:pt x="3001" y="2444"/>
-                </a:lnTo>
-                <a:lnTo>
-                  <a:pt x="2978" y="2464"/>
-                </a:lnTo>
-                <a:lnTo>
-                  <a:pt x="2958" y="2487"/>
-                </a:lnTo>
-                <a:lnTo>
-                  <a:pt x="2940" y="2509"/>
-                </a:lnTo>
-                <a:lnTo>
-                  <a:pt x="2926" y="2534"/>
-                </a:lnTo>
-                <a:lnTo>
-                  <a:pt x="2914" y="2561"/>
-                </a:lnTo>
-                <a:lnTo>
-                  <a:pt x="2904" y="2590"/>
-                </a:lnTo>
-                <a:lnTo>
-                  <a:pt x="2895" y="2620"/>
-                </a:lnTo>
-                <a:lnTo>
-                  <a:pt x="2887" y="2650"/>
-                </a:lnTo>
-                <a:lnTo>
-                  <a:pt x="2879" y="2681"/>
-                </a:lnTo>
-                <a:lnTo>
-                  <a:pt x="2870" y="2710"/>
-                </a:lnTo>
-                <a:lnTo>
-                  <a:pt x="2860" y="2739"/>
-                </a:lnTo>
-                <a:lnTo>
-                  <a:pt x="2848" y="2766"/>
-                </a:lnTo>
-                <a:lnTo>
-                  <a:pt x="2833" y="2790"/>
-                </a:lnTo>
-                <a:lnTo>
-                  <a:pt x="2815" y="2812"/>
-                </a:lnTo>
-                <a:lnTo>
-                  <a:pt x="2793" y="2830"/>
-                </a:lnTo>
-                <a:lnTo>
-                  <a:pt x="2769" y="2845"/>
-                </a:lnTo>
-                <a:lnTo>
-                  <a:pt x="2742" y="2857"/>
-                </a:lnTo>
-                <a:lnTo>
-                  <a:pt x="2713" y="2867"/>
-                </a:lnTo>
-                <a:lnTo>
-                  <a:pt x="2684" y="2876"/>
-                </a:lnTo>
-                <a:lnTo>
-                  <a:pt x="2653" y="2884"/>
-                </a:lnTo>
-                <a:lnTo>
-                  <a:pt x="2623" y="2892"/>
-                </a:lnTo>
-                <a:lnTo>
-                  <a:pt x="2593" y="2901"/>
-                </a:lnTo>
-                <a:lnTo>
-                  <a:pt x="2564" y="2911"/>
-                </a:lnTo>
-                <a:lnTo>
-                  <a:pt x="2537" y="2923"/>
-                </a:lnTo>
-                <a:lnTo>
-                  <a:pt x="2512" y="2937"/>
-                </a:lnTo>
-                <a:lnTo>
-                  <a:pt x="2490" y="2955"/>
-                </a:lnTo>
-                <a:lnTo>
-                  <a:pt x="2467" y="2975"/>
-                </a:lnTo>
-                <a:lnTo>
-                  <a:pt x="2447" y="2998"/>
-                </a:lnTo>
-                <a:lnTo>
-                  <a:pt x="2428" y="3022"/>
-                </a:lnTo>
-                <a:lnTo>
-                  <a:pt x="2409" y="3047"/>
-                </a:lnTo>
-                <a:lnTo>
-                  <a:pt x="2390" y="3072"/>
-                </a:lnTo>
-                <a:lnTo>
-                  <a:pt x="2371" y="3096"/>
-                </a:lnTo>
-                <a:lnTo>
-                  <a:pt x="2350" y="3119"/>
-                </a:lnTo>
-                <a:lnTo>
-                  <a:pt x="2329" y="3139"/>
-                </a:lnTo>
-                <a:lnTo>
-                  <a:pt x="2305" y="3156"/>
-                </a:lnTo>
-                <a:lnTo>
-                  <a:pt x="2280" y="3169"/>
-                </a:lnTo>
-                <a:lnTo>
-                  <a:pt x="2250" y="3178"/>
-                </a:lnTo>
-                <a:lnTo>
-                  <a:pt x="2219" y="3182"/>
-                </a:lnTo>
-                <a:lnTo>
-                  <a:pt x="2187" y="3183"/>
-                </a:lnTo>
-                <a:lnTo>
-                  <a:pt x="2153" y="3180"/>
-                </a:lnTo>
-                <a:lnTo>
-                  <a:pt x="2119" y="3176"/>
-                </a:lnTo>
-                <a:lnTo>
-                  <a:pt x="2085" y="3171"/>
-                </a:lnTo>
-                <a:lnTo>
-                  <a:pt x="2051" y="3167"/>
-                </a:lnTo>
-                <a:lnTo>
-                  <a:pt x="2017" y="3165"/>
-                </a:lnTo>
-                <a:lnTo>
-                  <a:pt x="1984" y="3165"/>
-                </a:lnTo>
-                <a:lnTo>
-                  <a:pt x="1953" y="3169"/>
-                </a:lnTo>
-                <a:lnTo>
-                  <a:pt x="1921" y="3177"/>
-                </a:lnTo>
-                <a:lnTo>
-                  <a:pt x="1892" y="3189"/>
-                </a:lnTo>
-                <a:lnTo>
-                  <a:pt x="1862" y="3205"/>
-                </a:lnTo>
-                <a:lnTo>
-                  <a:pt x="1832" y="3221"/>
-                </a:lnTo>
-                <a:lnTo>
-                  <a:pt x="1802" y="3239"/>
-                </a:lnTo>
-                <a:lnTo>
-                  <a:pt x="1773" y="3256"/>
-                </a:lnTo>
-                <a:lnTo>
-                  <a:pt x="1742" y="3271"/>
-                </a:lnTo>
-                <a:lnTo>
-                  <a:pt x="1712" y="3283"/>
-                </a:lnTo>
-                <a:lnTo>
-                  <a:pt x="1681" y="3291"/>
-                </a:lnTo>
-                <a:lnTo>
-                  <a:pt x="1649" y="3294"/>
-                </a:lnTo>
-                <a:lnTo>
-                  <a:pt x="1617" y="3291"/>
-                </a:lnTo>
-                <a:lnTo>
-                  <a:pt x="1586" y="3283"/>
-                </a:lnTo>
-                <a:lnTo>
-                  <a:pt x="1556" y="3271"/>
-                </a:lnTo>
-                <a:lnTo>
-                  <a:pt x="1525" y="3256"/>
-                </a:lnTo>
-                <a:lnTo>
-                  <a:pt x="1496" y="3239"/>
-                </a:lnTo>
-                <a:lnTo>
-                  <a:pt x="1466" y="3221"/>
-                </a:lnTo>
-                <a:lnTo>
-                  <a:pt x="1436" y="3205"/>
-                </a:lnTo>
-                <a:lnTo>
-                  <a:pt x="1406" y="3189"/>
-                </a:lnTo>
-                <a:lnTo>
-                  <a:pt x="1376" y="3177"/>
-                </a:lnTo>
-                <a:lnTo>
-                  <a:pt x="1345" y="3169"/>
-                </a:lnTo>
-                <a:lnTo>
-                  <a:pt x="1314" y="3165"/>
-                </a:lnTo>
-                <a:lnTo>
-                  <a:pt x="1281" y="3165"/>
-                </a:lnTo>
-                <a:lnTo>
-                  <a:pt x="1247" y="3167"/>
-                </a:lnTo>
-                <a:lnTo>
-                  <a:pt x="1213" y="3171"/>
-                </a:lnTo>
-                <a:lnTo>
-                  <a:pt x="1179" y="3176"/>
-                </a:lnTo>
-                <a:lnTo>
-                  <a:pt x="1145" y="3180"/>
-                </a:lnTo>
-                <a:lnTo>
-                  <a:pt x="1111" y="3183"/>
-                </a:lnTo>
-                <a:lnTo>
-                  <a:pt x="1079" y="3182"/>
-                </a:lnTo>
-                <a:lnTo>
-                  <a:pt x="1048" y="3178"/>
-                </a:lnTo>
-                <a:lnTo>
-                  <a:pt x="1018" y="3169"/>
-                </a:lnTo>
-                <a:lnTo>
-                  <a:pt x="993" y="3156"/>
-                </a:lnTo>
-                <a:lnTo>
-                  <a:pt x="969" y="3139"/>
-                </a:lnTo>
-                <a:lnTo>
-                  <a:pt x="948" y="3119"/>
-                </a:lnTo>
-                <a:lnTo>
-                  <a:pt x="927" y="3096"/>
-                </a:lnTo>
-                <a:lnTo>
-                  <a:pt x="908" y="3072"/>
-                </a:lnTo>
-                <a:lnTo>
-                  <a:pt x="889" y="3047"/>
-                </a:lnTo>
-                <a:lnTo>
-                  <a:pt x="870" y="3022"/>
-                </a:lnTo>
-                <a:lnTo>
-                  <a:pt x="851" y="2998"/>
-                </a:lnTo>
-                <a:lnTo>
-                  <a:pt x="831" y="2975"/>
-                </a:lnTo>
-                <a:lnTo>
-                  <a:pt x="808" y="2955"/>
-                </a:lnTo>
-                <a:lnTo>
-                  <a:pt x="786" y="2937"/>
-                </a:lnTo>
-                <a:lnTo>
-                  <a:pt x="761" y="2923"/>
-                </a:lnTo>
-                <a:lnTo>
-                  <a:pt x="734" y="2911"/>
-                </a:lnTo>
-                <a:lnTo>
-                  <a:pt x="705" y="2901"/>
-                </a:lnTo>
-                <a:lnTo>
-                  <a:pt x="675" y="2892"/>
-                </a:lnTo>
-                <a:lnTo>
-                  <a:pt x="645" y="2884"/>
-                </a:lnTo>
-                <a:lnTo>
-                  <a:pt x="614" y="2876"/>
-                </a:lnTo>
-                <a:lnTo>
-                  <a:pt x="585" y="2867"/>
-                </a:lnTo>
-                <a:lnTo>
-                  <a:pt x="556" y="2857"/>
-                </a:lnTo>
-                <a:lnTo>
-                  <a:pt x="529" y="2845"/>
-                </a:lnTo>
-                <a:lnTo>
-                  <a:pt x="505" y="2830"/>
-                </a:lnTo>
-                <a:lnTo>
-                  <a:pt x="483" y="2812"/>
-                </a:lnTo>
-                <a:lnTo>
-                  <a:pt x="465" y="2790"/>
-                </a:lnTo>
-                <a:lnTo>
-                  <a:pt x="450" y="2766"/>
-                </a:lnTo>
-                <a:lnTo>
-                  <a:pt x="438" y="2739"/>
-                </a:lnTo>
-                <a:lnTo>
-                  <a:pt x="428" y="2710"/>
-                </a:lnTo>
-                <a:lnTo>
-                  <a:pt x="419" y="2681"/>
-                </a:lnTo>
-                <a:lnTo>
-                  <a:pt x="411" y="2650"/>
-                </a:lnTo>
-                <a:lnTo>
-                  <a:pt x="403" y="2620"/>
-                </a:lnTo>
-                <a:lnTo>
-                  <a:pt x="394" y="2590"/>
-                </a:lnTo>
-                <a:lnTo>
-                  <a:pt x="384" y="2561"/>
-                </a:lnTo>
-                <a:lnTo>
-                  <a:pt x="372" y="2534"/>
-                </a:lnTo>
-                <a:lnTo>
-                  <a:pt x="358" y="2509"/>
-                </a:lnTo>
-                <a:lnTo>
-                  <a:pt x="340" y="2487"/>
-                </a:lnTo>
-                <a:lnTo>
-                  <a:pt x="320" y="2464"/>
-                </a:lnTo>
-                <a:lnTo>
-                  <a:pt x="297" y="2444"/>
-                </a:lnTo>
-                <a:lnTo>
-                  <a:pt x="272" y="2425"/>
-                </a:lnTo>
-                <a:lnTo>
-                  <a:pt x="247" y="2406"/>
-                </a:lnTo>
-                <a:lnTo>
-                  <a:pt x="222" y="2387"/>
-                </a:lnTo>
-                <a:lnTo>
-                  <a:pt x="198" y="2368"/>
-                </a:lnTo>
-                <a:lnTo>
-                  <a:pt x="175" y="2347"/>
-                </a:lnTo>
-                <a:lnTo>
-                  <a:pt x="155" y="2326"/>
-                </a:lnTo>
-                <a:lnTo>
-                  <a:pt x="138" y="2302"/>
-                </a:lnTo>
-                <a:lnTo>
-                  <a:pt x="125" y="2277"/>
-                </a:lnTo>
-                <a:lnTo>
-                  <a:pt x="116" y="2247"/>
-                </a:lnTo>
-                <a:lnTo>
-                  <a:pt x="112" y="2216"/>
-                </a:lnTo>
-                <a:lnTo>
-                  <a:pt x="111" y="2184"/>
-                </a:lnTo>
-                <a:lnTo>
-                  <a:pt x="114" y="2150"/>
-                </a:lnTo>
-                <a:lnTo>
-                  <a:pt x="118" y="2116"/>
-                </a:lnTo>
-                <a:lnTo>
-                  <a:pt x="123" y="2082"/>
-                </a:lnTo>
-                <a:lnTo>
-                  <a:pt x="127" y="2048"/>
-                </a:lnTo>
-                <a:lnTo>
-                  <a:pt x="129" y="2014"/>
-                </a:lnTo>
-                <a:lnTo>
-                  <a:pt x="129" y="1981"/>
-                </a:lnTo>
-                <a:lnTo>
-                  <a:pt x="125" y="1950"/>
-                </a:lnTo>
-                <a:lnTo>
-                  <a:pt x="117" y="1919"/>
-                </a:lnTo>
-                <a:lnTo>
-                  <a:pt x="105" y="1890"/>
-                </a:lnTo>
-                <a:lnTo>
-                  <a:pt x="90" y="1860"/>
-                </a:lnTo>
-                <a:lnTo>
-                  <a:pt x="73" y="1830"/>
-                </a:lnTo>
-                <a:lnTo>
-                  <a:pt x="55" y="1800"/>
-                </a:lnTo>
-                <a:lnTo>
-                  <a:pt x="38" y="1771"/>
-                </a:lnTo>
-                <a:lnTo>
-                  <a:pt x="23" y="1740"/>
-                </a:lnTo>
-                <a:lnTo>
-                  <a:pt x="11" y="1710"/>
-                </a:lnTo>
-                <a:lnTo>
-                  <a:pt x="3" y="1679"/>
-                </a:lnTo>
-                <a:lnTo>
-                  <a:pt x="0" y="1647"/>
-                </a:lnTo>
-                <a:lnTo>
-                  <a:pt x="3" y="1615"/>
-                </a:lnTo>
-                <a:lnTo>
-                  <a:pt x="11" y="1584"/>
-                </a:lnTo>
-                <a:lnTo>
-                  <a:pt x="23" y="1554"/>
-                </a:lnTo>
-                <a:lnTo>
-                  <a:pt x="38" y="1523"/>
-                </a:lnTo>
-                <a:lnTo>
-                  <a:pt x="55" y="1494"/>
-                </a:lnTo>
-                <a:lnTo>
-                  <a:pt x="73" y="1464"/>
-                </a:lnTo>
-                <a:lnTo>
-                  <a:pt x="90" y="1434"/>
-                </a:lnTo>
-                <a:lnTo>
-                  <a:pt x="105" y="1404"/>
-                </a:lnTo>
-                <a:lnTo>
-                  <a:pt x="117" y="1375"/>
-                </a:lnTo>
-                <a:lnTo>
-                  <a:pt x="125" y="1344"/>
-                </a:lnTo>
-                <a:lnTo>
-                  <a:pt x="129" y="1313"/>
-                </a:lnTo>
-                <a:lnTo>
-                  <a:pt x="129" y="1280"/>
-                </a:lnTo>
-                <a:lnTo>
-                  <a:pt x="127" y="1246"/>
-                </a:lnTo>
-                <a:lnTo>
-                  <a:pt x="123" y="1212"/>
-                </a:lnTo>
-                <a:lnTo>
-                  <a:pt x="118" y="1178"/>
-                </a:lnTo>
-                <a:lnTo>
-                  <a:pt x="114" y="1144"/>
-                </a:lnTo>
-                <a:lnTo>
-                  <a:pt x="111" y="1110"/>
-                </a:lnTo>
-                <a:lnTo>
-                  <a:pt x="112" y="1078"/>
-                </a:lnTo>
-                <a:lnTo>
-                  <a:pt x="116" y="1047"/>
-                </a:lnTo>
-                <a:lnTo>
-                  <a:pt x="125" y="1017"/>
-                </a:lnTo>
-                <a:lnTo>
-                  <a:pt x="138" y="992"/>
-                </a:lnTo>
-                <a:lnTo>
-                  <a:pt x="155" y="968"/>
-                </a:lnTo>
-                <a:lnTo>
-                  <a:pt x="175" y="947"/>
-                </a:lnTo>
-                <a:lnTo>
-                  <a:pt x="198" y="926"/>
-                </a:lnTo>
-                <a:lnTo>
-                  <a:pt x="222" y="907"/>
-                </a:lnTo>
-                <a:lnTo>
-                  <a:pt x="247" y="888"/>
-                </a:lnTo>
-                <a:lnTo>
-                  <a:pt x="272" y="869"/>
-                </a:lnTo>
-                <a:lnTo>
-                  <a:pt x="297" y="850"/>
-                </a:lnTo>
-                <a:lnTo>
-                  <a:pt x="320" y="830"/>
-                </a:lnTo>
-                <a:lnTo>
-                  <a:pt x="340" y="807"/>
-                </a:lnTo>
-                <a:lnTo>
-                  <a:pt x="358" y="785"/>
-                </a:lnTo>
-                <a:lnTo>
-                  <a:pt x="372" y="760"/>
-                </a:lnTo>
-                <a:lnTo>
-                  <a:pt x="384" y="733"/>
-                </a:lnTo>
-                <a:lnTo>
-                  <a:pt x="394" y="704"/>
-                </a:lnTo>
-                <a:lnTo>
-                  <a:pt x="403" y="674"/>
-                </a:lnTo>
-                <a:lnTo>
-                  <a:pt x="411" y="644"/>
-                </a:lnTo>
-                <a:lnTo>
-                  <a:pt x="419" y="613"/>
-                </a:lnTo>
-                <a:lnTo>
-                  <a:pt x="428" y="584"/>
-                </a:lnTo>
-                <a:lnTo>
-                  <a:pt x="438" y="555"/>
-                </a:lnTo>
-                <a:lnTo>
-                  <a:pt x="450" y="528"/>
-                </a:lnTo>
-                <a:lnTo>
-                  <a:pt x="465" y="504"/>
-                </a:lnTo>
-                <a:lnTo>
-                  <a:pt x="483" y="482"/>
-                </a:lnTo>
-                <a:lnTo>
-                  <a:pt x="505" y="464"/>
-                </a:lnTo>
-                <a:lnTo>
-                  <a:pt x="529" y="449"/>
-                </a:lnTo>
-                <a:lnTo>
-                  <a:pt x="556" y="437"/>
-                </a:lnTo>
-                <a:lnTo>
-                  <a:pt x="585" y="427"/>
-                </a:lnTo>
-                <a:lnTo>
-                  <a:pt x="614" y="418"/>
-                </a:lnTo>
-                <a:lnTo>
-                  <a:pt x="645" y="410"/>
-                </a:lnTo>
-                <a:lnTo>
-                  <a:pt x="675" y="402"/>
-                </a:lnTo>
-                <a:lnTo>
-                  <a:pt x="705" y="393"/>
-                </a:lnTo>
-                <a:lnTo>
-                  <a:pt x="734" y="383"/>
-                </a:lnTo>
-                <a:lnTo>
-                  <a:pt x="761" y="371"/>
-                </a:lnTo>
-                <a:lnTo>
-                  <a:pt x="786" y="357"/>
-                </a:lnTo>
-                <a:lnTo>
-                  <a:pt x="808" y="339"/>
-                </a:lnTo>
-                <a:lnTo>
-                  <a:pt x="831" y="319"/>
-                </a:lnTo>
-                <a:lnTo>
-                  <a:pt x="851" y="296"/>
-                </a:lnTo>
-                <a:lnTo>
-                  <a:pt x="870" y="272"/>
-                </a:lnTo>
-                <a:lnTo>
-                  <a:pt x="889" y="247"/>
-                </a:lnTo>
-                <a:lnTo>
-                  <a:pt x="908" y="222"/>
-                </a:lnTo>
-                <a:lnTo>
-                  <a:pt x="927" y="198"/>
-                </a:lnTo>
-                <a:lnTo>
-                  <a:pt x="948" y="175"/>
-                </a:lnTo>
-                <a:lnTo>
-                  <a:pt x="969" y="155"/>
-                </a:lnTo>
-                <a:lnTo>
-                  <a:pt x="993" y="138"/>
-                </a:lnTo>
-                <a:lnTo>
-                  <a:pt x="1018" y="125"/>
-                </a:lnTo>
-                <a:lnTo>
-                  <a:pt x="1048" y="116"/>
-                </a:lnTo>
-                <a:lnTo>
-                  <a:pt x="1079" y="112"/>
-                </a:lnTo>
-                <a:lnTo>
-                  <a:pt x="1111" y="111"/>
-                </a:lnTo>
-                <a:lnTo>
-                  <a:pt x="1145" y="114"/>
-                </a:lnTo>
-                <a:lnTo>
-                  <a:pt x="1179" y="118"/>
-                </a:lnTo>
-                <a:lnTo>
-                  <a:pt x="1213" y="123"/>
-                </a:lnTo>
-                <a:lnTo>
-                  <a:pt x="1247" y="127"/>
-                </a:lnTo>
-                <a:lnTo>
-                  <a:pt x="1281" y="129"/>
-                </a:lnTo>
-                <a:lnTo>
-                  <a:pt x="1314" y="129"/>
-                </a:lnTo>
-                <a:lnTo>
-                  <a:pt x="1345" y="125"/>
-                </a:lnTo>
-                <a:lnTo>
-                  <a:pt x="1376" y="117"/>
-                </a:lnTo>
-                <a:lnTo>
-                  <a:pt x="1406" y="105"/>
-                </a:lnTo>
-                <a:lnTo>
-                  <a:pt x="1436" y="89"/>
-                </a:lnTo>
-                <a:lnTo>
-                  <a:pt x="1466" y="73"/>
-                </a:lnTo>
-                <a:lnTo>
-                  <a:pt x="1496" y="55"/>
-                </a:lnTo>
-                <a:lnTo>
-                  <a:pt x="1525" y="38"/>
-                </a:lnTo>
-                <a:lnTo>
-                  <a:pt x="1556" y="23"/>
-                </a:lnTo>
-                <a:lnTo>
-                  <a:pt x="1586" y="11"/>
-                </a:lnTo>
-                <a:lnTo>
-                  <a:pt x="1617" y="3"/>
-                </a:lnTo>
-                <a:lnTo>
-                  <a:pt x="1649" y="0"/>
-                </a:lnTo>
-                <a:close/>
-              </a:path>
-            </a:pathLst>
-          </a:custGeom>
-          <a:solidFill>
-            <a:schemeClr val="bg2"/>
-          </a:solidFill>
-          <a:ln w="0">
-            <a:noFill/>
-            <a:prstDash val="solid"/>
-            <a:round/>
-            <a:headEnd/>
-            <a:tailEnd/>
-          </a:ln>
-        </p:spPr>
-      </p:sp>
-      <p:sp>
-        <p:nvSpPr>
-          <p:cNvPr id="31" name="Rectangle 30" title="left edge border"/>
-          <p:cNvSpPr>
-            <a:spLocks noGrp="1" noRot="1" noChangeAspect="1" noMove="1" noResize="1" noEditPoints="1" noAdjustHandles="1" noChangeArrowheads="1" noChangeShapeType="1" noTextEdit="1"/>
-          </p:cNvSpPr>
-          <p:nvPr>
-            <p:extLst>
-              <p:ext uri="{386F3935-93C4-4BCD-93E2-E3B085C9AB24}">
-                <p16:designElem xmlns:p16="http://schemas.microsoft.com/office/powerpoint/2015/main" val="1"/>
-              </p:ext>
-            </p:extLst>
-          </p:nvPr>
-        </p:nvSpPr>
-        <p:spPr>
-          <a:xfrm>
-            <a:off x="0" y="0"/>
-            <a:ext cx="283464" cy="6858000"/>
-          </a:xfrm>
-          <a:prstGeom prst="rect">
-            <a:avLst/>
-          </a:prstGeom>
-          <a:solidFill>
-            <a:schemeClr val="tx2"/>
-          </a:solidFill>
-          <a:ln>
-            <a:noFill/>
-          </a:ln>
-        </p:spPr>
-        <p:style>
-          <a:lnRef idx="2">
-            <a:schemeClr val="accent1">
-              <a:shade val="50000"/>
-            </a:schemeClr>
-          </a:lnRef>
-          <a:fillRef idx="1">
-            <a:schemeClr val="accent1"/>
-          </a:fillRef>
-          <a:effectRef idx="0">
-            <a:schemeClr val="accent1"/>
-          </a:effectRef>
-          <a:fontRef idx="minor">
-            <a:schemeClr val="lt1"/>
-          </a:fontRef>
-        </p:style>
-      </p:sp>
-      <p:sp useBgFill="1">
-        <p:nvSpPr>
-          <p:cNvPr id="32" name="Rectangle 31"/>
-          <p:cNvSpPr>
-            <a:spLocks noGrp="1" noRot="1" noChangeAspect="1" noMove="1" noResize="1" noEditPoints="1" noAdjustHandles="1" noChangeArrowheads="1" noChangeShapeType="1" noTextEdit="1"/>
-          </p:cNvSpPr>
-          <p:nvPr>
-            <p:extLst>
-              <p:ext uri="{386F3935-93C4-4BCD-93E2-E3B085C9AB24}">
-                <p16:designElem xmlns:p16="http://schemas.microsoft.com/office/powerpoint/2015/main" val="1"/>
-              </p:ext>
-            </p:extLst>
-          </p:nvPr>
-        </p:nvSpPr>
-        <p:spPr bwMode="white">
-          <a:xfrm>
-            <a:off x="0" y="0"/>
-            <a:ext cx="12192000" cy="6858000"/>
-          </a:xfrm>
-          <a:prstGeom prst="rect">
-            <a:avLst/>
-          </a:prstGeom>
-          <a:ln>
-            <a:noFill/>
-          </a:ln>
-        </p:spPr>
-        <p:style>
-          <a:lnRef idx="2">
-            <a:schemeClr val="accent1">
-              <a:shade val="50000"/>
-            </a:schemeClr>
-          </a:lnRef>
-          <a:fillRef idx="1">
-            <a:schemeClr val="accent1"/>
-          </a:fillRef>
-          <a:effectRef idx="0">
-            <a:schemeClr val="accent1"/>
-          </a:effectRef>
-          <a:fontRef idx="minor">
-            <a:schemeClr val="lt1"/>
-          </a:fontRef>
-        </p:style>
-        <p:txBody>
-          <a:bodyPr rot="0" spcFirstLastPara="0" vert="horz" wrap="square" lIns="91440" tIns="45720" rIns="91440" bIns="45720" numCol="1" spcCol="0" rtlCol="0" fromWordArt="0" anchor="ctr" anchorCtr="0" forceAA="0" compatLnSpc="1">
-            <a:prstTxWarp prst="textNoShape">
-              <a:avLst/>
-            </a:prstTxWarp>
-            <a:noAutofit/>
-          </a:bodyPr>
-          <a:lstStyle>
-            <a:defPPr>
-              <a:defRPr lang="en-US"/>
-            </a:defPPr>
-            <a:lvl1pPr marL="0" algn="l" defTabSz="914400" rtl="0" eaLnBrk="1" latinLnBrk="0" hangingPunct="1">
-              <a:defRPr sz="1800" kern="1200">
-                <a:solidFill>
-                  <a:schemeClr val="lt1"/>
-                </a:solidFill>
-                <a:latin typeface="+mn-lt"/>
-                <a:ea typeface="+mn-ea"/>
-                <a:cs typeface="+mn-cs"/>
-              </a:defRPr>
-            </a:lvl1pPr>
-            <a:lvl2pPr marL="457200" algn="l" defTabSz="914400" rtl="0" eaLnBrk="1" latinLnBrk="0" hangingPunct="1">
-              <a:defRPr sz="1800" kern="1200">
-                <a:solidFill>
-                  <a:schemeClr val="lt1"/>
-                </a:solidFill>
-                <a:latin typeface="+mn-lt"/>
-                <a:ea typeface="+mn-ea"/>
-                <a:cs typeface="+mn-cs"/>
-              </a:defRPr>
-            </a:lvl2pPr>
-            <a:lvl3pPr marL="914400" algn="l" defTabSz="914400" rtl="0" eaLnBrk="1" latinLnBrk="0" hangingPunct="1">
-              <a:defRPr sz="1800" kern="1200">
-                <a:solidFill>
-                  <a:schemeClr val="lt1"/>
-                </a:solidFill>
-                <a:latin typeface="+mn-lt"/>
-                <a:ea typeface="+mn-ea"/>
-                <a:cs typeface="+mn-cs"/>
-              </a:defRPr>
-            </a:lvl3pPr>
-            <a:lvl4pPr marL="1371600" algn="l" defTabSz="914400" rtl="0" eaLnBrk="1" latinLnBrk="0" hangingPunct="1">
-              <a:defRPr sz="1800" kern="1200">
-                <a:solidFill>
-                  <a:schemeClr val="lt1"/>
-                </a:solidFill>
-                <a:latin typeface="+mn-lt"/>
-                <a:ea typeface="+mn-ea"/>
-                <a:cs typeface="+mn-cs"/>
-              </a:defRPr>
-            </a:lvl4pPr>
-            <a:lvl5pPr marL="1828800" algn="l" defTabSz="914400" rtl="0" eaLnBrk="1" latinLnBrk="0" hangingPunct="1">
-              <a:defRPr sz="1800" kern="1200">
-                <a:solidFill>
-                  <a:schemeClr val="lt1"/>
-                </a:solidFill>
-                <a:latin typeface="+mn-lt"/>
-                <a:ea typeface="+mn-ea"/>
-                <a:cs typeface="+mn-cs"/>
-              </a:defRPr>
-            </a:lvl5pPr>
-            <a:lvl6pPr marL="2286000" algn="l" defTabSz="914400" rtl="0" eaLnBrk="1" latinLnBrk="0" hangingPunct="1">
-              <a:defRPr sz="1800" kern="1200">
-                <a:solidFill>
-                  <a:schemeClr val="lt1"/>
-                </a:solidFill>
-                <a:latin typeface="+mn-lt"/>
-                <a:ea typeface="+mn-ea"/>
-                <a:cs typeface="+mn-cs"/>
-              </a:defRPr>
-            </a:lvl6pPr>
-            <a:lvl7pPr marL="2743200" algn="l" defTabSz="914400" rtl="0" eaLnBrk="1" latinLnBrk="0" hangingPunct="1">
-              <a:defRPr sz="1800" kern="1200">
-                <a:solidFill>
-                  <a:schemeClr val="lt1"/>
-                </a:solidFill>
-                <a:latin typeface="+mn-lt"/>
-                <a:ea typeface="+mn-ea"/>
-                <a:cs typeface="+mn-cs"/>
-              </a:defRPr>
-            </a:lvl7pPr>
-            <a:lvl8pPr marL="3200400" algn="l" defTabSz="914400" rtl="0" eaLnBrk="1" latinLnBrk="0" hangingPunct="1">
-              <a:defRPr sz="1800" kern="1200">
-                <a:solidFill>
-                  <a:schemeClr val="lt1"/>
-                </a:solidFill>
-                <a:latin typeface="+mn-lt"/>
-                <a:ea typeface="+mn-ea"/>
-                <a:cs typeface="+mn-cs"/>
-              </a:defRPr>
-            </a:lvl8pPr>
-            <a:lvl9pPr marL="3657600" algn="l" defTabSz="914400" rtl="0" eaLnBrk="1" latinLnBrk="0" hangingPunct="1">
-              <a:defRPr sz="1800" kern="1200">
-                <a:solidFill>
-                  <a:schemeClr val="lt1"/>
-                </a:solidFill>
-                <a:latin typeface="+mn-lt"/>
-                <a:ea typeface="+mn-ea"/>
-                <a:cs typeface="+mn-cs"/>
-              </a:defRPr>
-            </a:lvl9pPr>
-          </a:lstStyle>
-          <a:p>
-            <a:pPr algn="ctr"/>
-            <a:endParaRPr lang="en-US" dirty="0"/>
-          </a:p>
-        </p:txBody>
-      </p:sp>
-      <p:sp>
-        <p:nvSpPr>
-          <p:cNvPr id="33" name="Freeform 22" title="right scallop background shape"/>
-          <p:cNvSpPr>
-            <a:spLocks noGrp="1" noRot="1" noChangeAspect="1" noMove="1" noResize="1" noEditPoints="1" noAdjustHandles="1" noChangeArrowheads="1" noChangeShapeType="1" noTextEdit="1"/>
-          </p:cNvSpPr>
-          <p:nvPr>
-            <p:extLst>
-              <p:ext uri="{386F3935-93C4-4BCD-93E2-E3B085C9AB24}">
-                <p16:designElem xmlns:p16="http://schemas.microsoft.com/office/powerpoint/2015/main" val="1"/>
-              </p:ext>
-            </p:extLst>
-          </p:nvPr>
-        </p:nvSpPr>
-        <p:spPr bwMode="ltGray">
-          <a:xfrm>
-            <a:off x="1" y="0"/>
-            <a:ext cx="4695443" cy="6858000"/>
-          </a:xfrm>
-          <a:custGeom>
-            <a:avLst/>
-            <a:gdLst>
-              <a:gd name="connsiteX0" fmla="*/ 0 w 4992864"/>
-              <a:gd name="connsiteY0" fmla="*/ 0 h 6858000"/>
-              <a:gd name="connsiteX1" fmla="*/ 4813476 w 4992864"/>
-              <a:gd name="connsiteY1" fmla="*/ 0 h 6858000"/>
-              <a:gd name="connsiteX2" fmla="*/ 4818239 w 4992864"/>
-              <a:gd name="connsiteY2" fmla="*/ 66675 h 6858000"/>
-              <a:gd name="connsiteX3" fmla="*/ 4826176 w 4992864"/>
-              <a:gd name="connsiteY3" fmla="*/ 122237 h 6858000"/>
-              <a:gd name="connsiteX4" fmla="*/ 4835701 w 4992864"/>
-              <a:gd name="connsiteY4" fmla="*/ 174625 h 6858000"/>
-              <a:gd name="connsiteX5" fmla="*/ 4851576 w 4992864"/>
-              <a:gd name="connsiteY5" fmla="*/ 217487 h 6858000"/>
-              <a:gd name="connsiteX6" fmla="*/ 4867451 w 4992864"/>
-              <a:gd name="connsiteY6" fmla="*/ 260350 h 6858000"/>
-              <a:gd name="connsiteX7" fmla="*/ 4886501 w 4992864"/>
-              <a:gd name="connsiteY7" fmla="*/ 296862 h 6858000"/>
-              <a:gd name="connsiteX8" fmla="*/ 4905551 w 4992864"/>
-              <a:gd name="connsiteY8" fmla="*/ 334962 h 6858000"/>
-              <a:gd name="connsiteX9" fmla="*/ 4923014 w 4992864"/>
-              <a:gd name="connsiteY9" fmla="*/ 369887 h 6858000"/>
-              <a:gd name="connsiteX10" fmla="*/ 4940476 w 4992864"/>
-              <a:gd name="connsiteY10" fmla="*/ 409575 h 6858000"/>
-              <a:gd name="connsiteX11" fmla="*/ 4956351 w 4992864"/>
-              <a:gd name="connsiteY11" fmla="*/ 450850 h 6858000"/>
-              <a:gd name="connsiteX12" fmla="*/ 4970639 w 4992864"/>
-              <a:gd name="connsiteY12" fmla="*/ 496887 h 6858000"/>
-              <a:gd name="connsiteX13" fmla="*/ 4981751 w 4992864"/>
-              <a:gd name="connsiteY13" fmla="*/ 546100 h 6858000"/>
-              <a:gd name="connsiteX14" fmla="*/ 4989689 w 4992864"/>
-              <a:gd name="connsiteY14" fmla="*/ 606425 h 6858000"/>
-              <a:gd name="connsiteX15" fmla="*/ 4992864 w 4992864"/>
-              <a:gd name="connsiteY15" fmla="*/ 673100 h 6858000"/>
-              <a:gd name="connsiteX16" fmla="*/ 4989689 w 4992864"/>
-              <a:gd name="connsiteY16" fmla="*/ 744537 h 6858000"/>
-              <a:gd name="connsiteX17" fmla="*/ 4981751 w 4992864"/>
-              <a:gd name="connsiteY17" fmla="*/ 801687 h 6858000"/>
-              <a:gd name="connsiteX18" fmla="*/ 4970639 w 4992864"/>
-              <a:gd name="connsiteY18" fmla="*/ 854075 h 6858000"/>
-              <a:gd name="connsiteX19" fmla="*/ 4956351 w 4992864"/>
-              <a:gd name="connsiteY19" fmla="*/ 901700 h 6858000"/>
-              <a:gd name="connsiteX20" fmla="*/ 4940476 w 4992864"/>
-              <a:gd name="connsiteY20" fmla="*/ 942975 h 6858000"/>
-              <a:gd name="connsiteX21" fmla="*/ 4921426 w 4992864"/>
-              <a:gd name="connsiteY21" fmla="*/ 981075 h 6858000"/>
-              <a:gd name="connsiteX22" fmla="*/ 4902376 w 4992864"/>
-              <a:gd name="connsiteY22" fmla="*/ 1017587 h 6858000"/>
-              <a:gd name="connsiteX23" fmla="*/ 4883326 w 4992864"/>
-              <a:gd name="connsiteY23" fmla="*/ 1055687 h 6858000"/>
-              <a:gd name="connsiteX24" fmla="*/ 4865864 w 4992864"/>
-              <a:gd name="connsiteY24" fmla="*/ 1095375 h 6858000"/>
-              <a:gd name="connsiteX25" fmla="*/ 4848401 w 4992864"/>
-              <a:gd name="connsiteY25" fmla="*/ 1136650 h 6858000"/>
-              <a:gd name="connsiteX26" fmla="*/ 4834114 w 4992864"/>
-              <a:gd name="connsiteY26" fmla="*/ 1182687 h 6858000"/>
-              <a:gd name="connsiteX27" fmla="*/ 4824589 w 4992864"/>
-              <a:gd name="connsiteY27" fmla="*/ 1235075 h 6858000"/>
-              <a:gd name="connsiteX28" fmla="*/ 4815064 w 4992864"/>
-              <a:gd name="connsiteY28" fmla="*/ 1295400 h 6858000"/>
-              <a:gd name="connsiteX29" fmla="*/ 4813476 w 4992864"/>
-              <a:gd name="connsiteY29" fmla="*/ 1363662 h 6858000"/>
-              <a:gd name="connsiteX30" fmla="*/ 4815064 w 4992864"/>
-              <a:gd name="connsiteY30" fmla="*/ 1431925 h 6858000"/>
-              <a:gd name="connsiteX31" fmla="*/ 4824589 w 4992864"/>
-              <a:gd name="connsiteY31" fmla="*/ 1492250 h 6858000"/>
-              <a:gd name="connsiteX32" fmla="*/ 4834114 w 4992864"/>
-              <a:gd name="connsiteY32" fmla="*/ 1544637 h 6858000"/>
-              <a:gd name="connsiteX33" fmla="*/ 4848401 w 4992864"/>
-              <a:gd name="connsiteY33" fmla="*/ 1589087 h 6858000"/>
-              <a:gd name="connsiteX34" fmla="*/ 4865864 w 4992864"/>
-              <a:gd name="connsiteY34" fmla="*/ 1631950 h 6858000"/>
-              <a:gd name="connsiteX35" fmla="*/ 4883326 w 4992864"/>
-              <a:gd name="connsiteY35" fmla="*/ 1671637 h 6858000"/>
-              <a:gd name="connsiteX36" fmla="*/ 4902376 w 4992864"/>
-              <a:gd name="connsiteY36" fmla="*/ 1708150 h 6858000"/>
-              <a:gd name="connsiteX37" fmla="*/ 4921426 w 4992864"/>
-              <a:gd name="connsiteY37" fmla="*/ 1743075 h 6858000"/>
-              <a:gd name="connsiteX38" fmla="*/ 4940476 w 4992864"/>
-              <a:gd name="connsiteY38" fmla="*/ 1782762 h 6858000"/>
-              <a:gd name="connsiteX39" fmla="*/ 4956351 w 4992864"/>
-              <a:gd name="connsiteY39" fmla="*/ 1824037 h 6858000"/>
-              <a:gd name="connsiteX40" fmla="*/ 4970639 w 4992864"/>
-              <a:gd name="connsiteY40" fmla="*/ 1870075 h 6858000"/>
-              <a:gd name="connsiteX41" fmla="*/ 4981751 w 4992864"/>
-              <a:gd name="connsiteY41" fmla="*/ 1922462 h 6858000"/>
-              <a:gd name="connsiteX42" fmla="*/ 4989689 w 4992864"/>
-              <a:gd name="connsiteY42" fmla="*/ 1982787 h 6858000"/>
-              <a:gd name="connsiteX43" fmla="*/ 4992864 w 4992864"/>
-              <a:gd name="connsiteY43" fmla="*/ 2051050 h 6858000"/>
-              <a:gd name="connsiteX44" fmla="*/ 4989689 w 4992864"/>
-              <a:gd name="connsiteY44" fmla="*/ 2119312 h 6858000"/>
-              <a:gd name="connsiteX45" fmla="*/ 4981751 w 4992864"/>
-              <a:gd name="connsiteY45" fmla="*/ 2179637 h 6858000"/>
-              <a:gd name="connsiteX46" fmla="*/ 4970639 w 4992864"/>
-              <a:gd name="connsiteY46" fmla="*/ 2232025 h 6858000"/>
-              <a:gd name="connsiteX47" fmla="*/ 4956351 w 4992864"/>
-              <a:gd name="connsiteY47" fmla="*/ 2278062 h 6858000"/>
-              <a:gd name="connsiteX48" fmla="*/ 4940476 w 4992864"/>
-              <a:gd name="connsiteY48" fmla="*/ 2319337 h 6858000"/>
-              <a:gd name="connsiteX49" fmla="*/ 4921426 w 4992864"/>
-              <a:gd name="connsiteY49" fmla="*/ 2359025 h 6858000"/>
-              <a:gd name="connsiteX50" fmla="*/ 4902376 w 4992864"/>
-              <a:gd name="connsiteY50" fmla="*/ 2395537 h 6858000"/>
-              <a:gd name="connsiteX51" fmla="*/ 4883326 w 4992864"/>
-              <a:gd name="connsiteY51" fmla="*/ 2433637 h 6858000"/>
-              <a:gd name="connsiteX52" fmla="*/ 4865864 w 4992864"/>
-              <a:gd name="connsiteY52" fmla="*/ 2471737 h 6858000"/>
-              <a:gd name="connsiteX53" fmla="*/ 4848401 w 4992864"/>
-              <a:gd name="connsiteY53" fmla="*/ 2513012 h 6858000"/>
-              <a:gd name="connsiteX54" fmla="*/ 4834114 w 4992864"/>
-              <a:gd name="connsiteY54" fmla="*/ 2560637 h 6858000"/>
-              <a:gd name="connsiteX55" fmla="*/ 4824589 w 4992864"/>
-              <a:gd name="connsiteY55" fmla="*/ 2613025 h 6858000"/>
-              <a:gd name="connsiteX56" fmla="*/ 4815064 w 4992864"/>
-              <a:gd name="connsiteY56" fmla="*/ 2671762 h 6858000"/>
-              <a:gd name="connsiteX57" fmla="*/ 4813476 w 4992864"/>
-              <a:gd name="connsiteY57" fmla="*/ 2741612 h 6858000"/>
-              <a:gd name="connsiteX58" fmla="*/ 4815064 w 4992864"/>
-              <a:gd name="connsiteY58" fmla="*/ 2809875 h 6858000"/>
-              <a:gd name="connsiteX59" fmla="*/ 4824589 w 4992864"/>
-              <a:gd name="connsiteY59" fmla="*/ 2868612 h 6858000"/>
-              <a:gd name="connsiteX60" fmla="*/ 4834114 w 4992864"/>
-              <a:gd name="connsiteY60" fmla="*/ 2922587 h 6858000"/>
-              <a:gd name="connsiteX61" fmla="*/ 4848401 w 4992864"/>
-              <a:gd name="connsiteY61" fmla="*/ 2967037 h 6858000"/>
-              <a:gd name="connsiteX62" fmla="*/ 4865864 w 4992864"/>
-              <a:gd name="connsiteY62" fmla="*/ 3009900 h 6858000"/>
-              <a:gd name="connsiteX63" fmla="*/ 4883326 w 4992864"/>
-              <a:gd name="connsiteY63" fmla="*/ 3046412 h 6858000"/>
-              <a:gd name="connsiteX64" fmla="*/ 4902376 w 4992864"/>
-              <a:gd name="connsiteY64" fmla="*/ 3084512 h 6858000"/>
-              <a:gd name="connsiteX65" fmla="*/ 4921426 w 4992864"/>
-              <a:gd name="connsiteY65" fmla="*/ 3121025 h 6858000"/>
-              <a:gd name="connsiteX66" fmla="*/ 4940476 w 4992864"/>
-              <a:gd name="connsiteY66" fmla="*/ 3160712 h 6858000"/>
-              <a:gd name="connsiteX67" fmla="*/ 4956351 w 4992864"/>
-              <a:gd name="connsiteY67" fmla="*/ 3201987 h 6858000"/>
-              <a:gd name="connsiteX68" fmla="*/ 4970639 w 4992864"/>
-              <a:gd name="connsiteY68" fmla="*/ 3248025 h 6858000"/>
-              <a:gd name="connsiteX69" fmla="*/ 4981751 w 4992864"/>
-              <a:gd name="connsiteY69" fmla="*/ 3300412 h 6858000"/>
-              <a:gd name="connsiteX70" fmla="*/ 4989689 w 4992864"/>
-              <a:gd name="connsiteY70" fmla="*/ 3360737 h 6858000"/>
-              <a:gd name="connsiteX71" fmla="*/ 4992864 w 4992864"/>
-              <a:gd name="connsiteY71" fmla="*/ 3427412 h 6858000"/>
-              <a:gd name="connsiteX72" fmla="*/ 4989689 w 4992864"/>
-              <a:gd name="connsiteY72" fmla="*/ 3497262 h 6858000"/>
-              <a:gd name="connsiteX73" fmla="*/ 4981751 w 4992864"/>
-              <a:gd name="connsiteY73" fmla="*/ 3557587 h 6858000"/>
-              <a:gd name="connsiteX74" fmla="*/ 4970639 w 4992864"/>
-              <a:gd name="connsiteY74" fmla="*/ 3609975 h 6858000"/>
-              <a:gd name="connsiteX75" fmla="*/ 4956351 w 4992864"/>
-              <a:gd name="connsiteY75" fmla="*/ 3656012 h 6858000"/>
-              <a:gd name="connsiteX76" fmla="*/ 4940476 w 4992864"/>
-              <a:gd name="connsiteY76" fmla="*/ 3697287 h 6858000"/>
-              <a:gd name="connsiteX77" fmla="*/ 4921426 w 4992864"/>
-              <a:gd name="connsiteY77" fmla="*/ 3736975 h 6858000"/>
-              <a:gd name="connsiteX78" fmla="*/ 4883326 w 4992864"/>
-              <a:gd name="connsiteY78" fmla="*/ 3811587 h 6858000"/>
-              <a:gd name="connsiteX79" fmla="*/ 4865864 w 4992864"/>
-              <a:gd name="connsiteY79" fmla="*/ 3848100 h 6858000"/>
-              <a:gd name="connsiteX80" fmla="*/ 4848401 w 4992864"/>
-              <a:gd name="connsiteY80" fmla="*/ 3890962 h 6858000"/>
-              <a:gd name="connsiteX81" fmla="*/ 4834114 w 4992864"/>
-              <a:gd name="connsiteY81" fmla="*/ 3935412 h 6858000"/>
-              <a:gd name="connsiteX82" fmla="*/ 4824589 w 4992864"/>
-              <a:gd name="connsiteY82" fmla="*/ 3987800 h 6858000"/>
-              <a:gd name="connsiteX83" fmla="*/ 4815064 w 4992864"/>
-              <a:gd name="connsiteY83" fmla="*/ 4048125 h 6858000"/>
-              <a:gd name="connsiteX84" fmla="*/ 4813476 w 4992864"/>
-              <a:gd name="connsiteY84" fmla="*/ 4116387 h 6858000"/>
-              <a:gd name="connsiteX85" fmla="*/ 4815064 w 4992864"/>
-              <a:gd name="connsiteY85" fmla="*/ 4186237 h 6858000"/>
-              <a:gd name="connsiteX86" fmla="*/ 4824589 w 4992864"/>
-              <a:gd name="connsiteY86" fmla="*/ 4244975 h 6858000"/>
-              <a:gd name="connsiteX87" fmla="*/ 4834114 w 4992864"/>
-              <a:gd name="connsiteY87" fmla="*/ 4297362 h 6858000"/>
-              <a:gd name="connsiteX88" fmla="*/ 4848401 w 4992864"/>
-              <a:gd name="connsiteY88" fmla="*/ 4343400 h 6858000"/>
-              <a:gd name="connsiteX89" fmla="*/ 4865864 w 4992864"/>
-              <a:gd name="connsiteY89" fmla="*/ 4386262 h 6858000"/>
-              <a:gd name="connsiteX90" fmla="*/ 4883326 w 4992864"/>
-              <a:gd name="connsiteY90" fmla="*/ 4424362 h 6858000"/>
-              <a:gd name="connsiteX91" fmla="*/ 4921426 w 4992864"/>
-              <a:gd name="connsiteY91" fmla="*/ 4498975 h 6858000"/>
-              <a:gd name="connsiteX92" fmla="*/ 4940476 w 4992864"/>
-              <a:gd name="connsiteY92" fmla="*/ 4537075 h 6858000"/>
-              <a:gd name="connsiteX93" fmla="*/ 4956351 w 4992864"/>
-              <a:gd name="connsiteY93" fmla="*/ 4579937 h 6858000"/>
-              <a:gd name="connsiteX94" fmla="*/ 4970639 w 4992864"/>
-              <a:gd name="connsiteY94" fmla="*/ 4625975 h 6858000"/>
-              <a:gd name="connsiteX95" fmla="*/ 4981751 w 4992864"/>
-              <a:gd name="connsiteY95" fmla="*/ 4678362 h 6858000"/>
-              <a:gd name="connsiteX96" fmla="*/ 4989689 w 4992864"/>
-              <a:gd name="connsiteY96" fmla="*/ 4738687 h 6858000"/>
-              <a:gd name="connsiteX97" fmla="*/ 4992864 w 4992864"/>
-              <a:gd name="connsiteY97" fmla="*/ 4806950 h 6858000"/>
-              <a:gd name="connsiteX98" fmla="*/ 4989689 w 4992864"/>
-              <a:gd name="connsiteY98" fmla="*/ 4875212 h 6858000"/>
-              <a:gd name="connsiteX99" fmla="*/ 4981751 w 4992864"/>
-              <a:gd name="connsiteY99" fmla="*/ 4935537 h 6858000"/>
-              <a:gd name="connsiteX100" fmla="*/ 4970639 w 4992864"/>
-              <a:gd name="connsiteY100" fmla="*/ 4987925 h 6858000"/>
-              <a:gd name="connsiteX101" fmla="*/ 4956351 w 4992864"/>
-              <a:gd name="connsiteY101" fmla="*/ 5033962 h 6858000"/>
-              <a:gd name="connsiteX102" fmla="*/ 4940476 w 4992864"/>
-              <a:gd name="connsiteY102" fmla="*/ 5075237 h 6858000"/>
-              <a:gd name="connsiteX103" fmla="*/ 4921426 w 4992864"/>
-              <a:gd name="connsiteY103" fmla="*/ 5114925 h 6858000"/>
-              <a:gd name="connsiteX104" fmla="*/ 4902376 w 4992864"/>
-              <a:gd name="connsiteY104" fmla="*/ 5149850 h 6858000"/>
-              <a:gd name="connsiteX105" fmla="*/ 4883326 w 4992864"/>
-              <a:gd name="connsiteY105" fmla="*/ 5186362 h 6858000"/>
-              <a:gd name="connsiteX106" fmla="*/ 4865864 w 4992864"/>
-              <a:gd name="connsiteY106" fmla="*/ 5226050 h 6858000"/>
-              <a:gd name="connsiteX107" fmla="*/ 4848401 w 4992864"/>
-              <a:gd name="connsiteY107" fmla="*/ 5268912 h 6858000"/>
-              <a:gd name="connsiteX108" fmla="*/ 4834114 w 4992864"/>
-              <a:gd name="connsiteY108" fmla="*/ 5313362 h 6858000"/>
-              <a:gd name="connsiteX109" fmla="*/ 4824589 w 4992864"/>
-              <a:gd name="connsiteY109" fmla="*/ 5365750 h 6858000"/>
-              <a:gd name="connsiteX110" fmla="*/ 4815064 w 4992864"/>
-              <a:gd name="connsiteY110" fmla="*/ 5426075 h 6858000"/>
-              <a:gd name="connsiteX111" fmla="*/ 4813476 w 4992864"/>
-              <a:gd name="connsiteY111" fmla="*/ 5494337 h 6858000"/>
-              <a:gd name="connsiteX112" fmla="*/ 4815064 w 4992864"/>
-              <a:gd name="connsiteY112" fmla="*/ 5562600 h 6858000"/>
-              <a:gd name="connsiteX113" fmla="*/ 4824589 w 4992864"/>
-              <a:gd name="connsiteY113" fmla="*/ 5622925 h 6858000"/>
-              <a:gd name="connsiteX114" fmla="*/ 4834114 w 4992864"/>
-              <a:gd name="connsiteY114" fmla="*/ 5675312 h 6858000"/>
-              <a:gd name="connsiteX115" fmla="*/ 4848401 w 4992864"/>
-              <a:gd name="connsiteY115" fmla="*/ 5721350 h 6858000"/>
-              <a:gd name="connsiteX116" fmla="*/ 4865864 w 4992864"/>
-              <a:gd name="connsiteY116" fmla="*/ 5762625 h 6858000"/>
-              <a:gd name="connsiteX117" fmla="*/ 4883326 w 4992864"/>
-              <a:gd name="connsiteY117" fmla="*/ 5802312 h 6858000"/>
-              <a:gd name="connsiteX118" fmla="*/ 4902376 w 4992864"/>
-              <a:gd name="connsiteY118" fmla="*/ 5840412 h 6858000"/>
-              <a:gd name="connsiteX119" fmla="*/ 4921426 w 4992864"/>
-              <a:gd name="connsiteY119" fmla="*/ 5876925 h 6858000"/>
-              <a:gd name="connsiteX120" fmla="*/ 4940476 w 4992864"/>
-              <a:gd name="connsiteY120" fmla="*/ 5915025 h 6858000"/>
-              <a:gd name="connsiteX121" fmla="*/ 4956351 w 4992864"/>
-              <a:gd name="connsiteY121" fmla="*/ 5956300 h 6858000"/>
-              <a:gd name="connsiteX122" fmla="*/ 4970639 w 4992864"/>
-              <a:gd name="connsiteY122" fmla="*/ 6003925 h 6858000"/>
-              <a:gd name="connsiteX123" fmla="*/ 4981751 w 4992864"/>
-              <a:gd name="connsiteY123" fmla="*/ 6056312 h 6858000"/>
-              <a:gd name="connsiteX124" fmla="*/ 4989689 w 4992864"/>
-              <a:gd name="connsiteY124" fmla="*/ 6113462 h 6858000"/>
-              <a:gd name="connsiteX125" fmla="*/ 4992864 w 4992864"/>
-              <a:gd name="connsiteY125" fmla="*/ 6183312 h 6858000"/>
-              <a:gd name="connsiteX126" fmla="*/ 4989689 w 4992864"/>
-              <a:gd name="connsiteY126" fmla="*/ 6251575 h 6858000"/>
-              <a:gd name="connsiteX127" fmla="*/ 4981751 w 4992864"/>
-              <a:gd name="connsiteY127" fmla="*/ 6311900 h 6858000"/>
-              <a:gd name="connsiteX128" fmla="*/ 4970639 w 4992864"/>
-              <a:gd name="connsiteY128" fmla="*/ 6361112 h 6858000"/>
-              <a:gd name="connsiteX129" fmla="*/ 4956351 w 4992864"/>
-              <a:gd name="connsiteY129" fmla="*/ 6407150 h 6858000"/>
-              <a:gd name="connsiteX130" fmla="*/ 4940476 w 4992864"/>
-              <a:gd name="connsiteY130" fmla="*/ 6448425 h 6858000"/>
-              <a:gd name="connsiteX131" fmla="*/ 4923014 w 4992864"/>
-              <a:gd name="connsiteY131" fmla="*/ 6488112 h 6858000"/>
-              <a:gd name="connsiteX132" fmla="*/ 4905551 w 4992864"/>
-              <a:gd name="connsiteY132" fmla="*/ 6523037 h 6858000"/>
-              <a:gd name="connsiteX133" fmla="*/ 4886501 w 4992864"/>
-              <a:gd name="connsiteY133" fmla="*/ 6561137 h 6858000"/>
-              <a:gd name="connsiteX134" fmla="*/ 4867451 w 4992864"/>
-              <a:gd name="connsiteY134" fmla="*/ 6597650 h 6858000"/>
-              <a:gd name="connsiteX135" fmla="*/ 4851576 w 4992864"/>
-              <a:gd name="connsiteY135" fmla="*/ 6640512 h 6858000"/>
-              <a:gd name="connsiteX136" fmla="*/ 4835701 w 4992864"/>
-              <a:gd name="connsiteY136" fmla="*/ 6683375 h 6858000"/>
-              <a:gd name="connsiteX137" fmla="*/ 4826176 w 4992864"/>
-              <a:gd name="connsiteY137" fmla="*/ 6735762 h 6858000"/>
-              <a:gd name="connsiteX138" fmla="*/ 4818239 w 4992864"/>
-              <a:gd name="connsiteY138" fmla="*/ 6791325 h 6858000"/>
-              <a:gd name="connsiteX139" fmla="*/ 4813476 w 4992864"/>
-              <a:gd name="connsiteY139" fmla="*/ 6858000 h 6858000"/>
-              <a:gd name="connsiteX140" fmla="*/ 0 w 4992864"/>
-              <a:gd name="connsiteY140" fmla="*/ 6858000 h 6858000"/>
-            </a:gdLst>
-            <a:ahLst/>
-            <a:cxnLst>
-              <a:cxn ang="0">
-                <a:pos x="connsiteX0" y="connsiteY0"/>
-              </a:cxn>
-              <a:cxn ang="0">
-                <a:pos x="connsiteX1" y="connsiteY1"/>
-              </a:cxn>
-              <a:cxn ang="0">
-                <a:pos x="connsiteX2" y="connsiteY2"/>
-              </a:cxn>
-              <a:cxn ang="0">
-                <a:pos x="connsiteX3" y="connsiteY3"/>
-              </a:cxn>
-              <a:cxn ang="0">
-                <a:pos x="connsiteX4" y="connsiteY4"/>
-              </a:cxn>
-              <a:cxn ang="0">
-                <a:pos x="connsiteX5" y="connsiteY5"/>
-              </a:cxn>
-              <a:cxn ang="0">
-                <a:pos x="connsiteX6" y="connsiteY6"/>
-              </a:cxn>
-              <a:cxn ang="0">
-                <a:pos x="connsiteX7" y="connsiteY7"/>
-              </a:cxn>
-              <a:cxn ang="0">
-                <a:pos x="connsiteX8" y="connsiteY8"/>
-              </a:cxn>
-              <a:cxn ang="0">
-                <a:pos x="connsiteX9" y="connsiteY9"/>
-              </a:cxn>
-              <a:cxn ang="0">
-                <a:pos x="connsiteX10" y="connsiteY10"/>
-              </a:cxn>
-              <a:cxn ang="0">
-                <a:pos x="connsiteX11" y="connsiteY11"/>
-              </a:cxn>
-              <a:cxn ang="0">
-                <a:pos x="connsiteX12" y="connsiteY12"/>
-              </a:cxn>
-              <a:cxn ang="0">
-                <a:pos x="connsiteX13" y="connsiteY13"/>
-              </a:cxn>
-              <a:cxn ang="0">
-                <a:pos x="connsiteX14" y="connsiteY14"/>
-              </a:cxn>
-              <a:cxn ang="0">
-                <a:pos x="connsiteX15" y="connsiteY15"/>
-              </a:cxn>
-              <a:cxn ang="0">
-                <a:pos x="connsiteX16" y="connsiteY16"/>
-              </a:cxn>
-              <a:cxn ang="0">
-                <a:pos x="connsiteX17" y="connsiteY17"/>
-              </a:cxn>
-              <a:cxn ang="0">
-                <a:pos x="connsiteX18" y="connsiteY18"/>
-              </a:cxn>
-              <a:cxn ang="0">
-                <a:pos x="connsiteX19" y="connsiteY19"/>
-              </a:cxn>
-              <a:cxn ang="0">
-                <a:pos x="connsiteX20" y="connsiteY20"/>
-              </a:cxn>
-              <a:cxn ang="0">
-                <a:pos x="connsiteX21" y="connsiteY21"/>
-              </a:cxn>
-              <a:cxn ang="0">
-                <a:pos x="connsiteX22" y="connsiteY22"/>
-              </a:cxn>
-              <a:cxn ang="0">
-                <a:pos x="connsiteX23" y="connsiteY23"/>
-              </a:cxn>
-              <a:cxn ang="0">
-                <a:pos x="connsiteX24" y="connsiteY24"/>
-              </a:cxn>
-              <a:cxn ang="0">
-                <a:pos x="connsiteX25" y="connsiteY25"/>
-              </a:cxn>
-              <a:cxn ang="0">
-                <a:pos x="connsiteX26" y="connsiteY26"/>
-              </a:cxn>
-              <a:cxn ang="0">
-                <a:pos x="connsiteX27" y="connsiteY27"/>
-              </a:cxn>
-              <a:cxn ang="0">
-                <a:pos x="connsiteX28" y="connsiteY28"/>
-              </a:cxn>
-              <a:cxn ang="0">
-                <a:pos x="connsiteX29" y="connsiteY29"/>
-              </a:cxn>
-              <a:cxn ang="0">
-                <a:pos x="connsiteX30" y="connsiteY30"/>
-              </a:cxn>
-              <a:cxn ang="0">
-                <a:pos x="connsiteX31" y="connsiteY31"/>
-              </a:cxn>
-              <a:cxn ang="0">
-                <a:pos x="connsiteX32" y="connsiteY32"/>
-              </a:cxn>
-              <a:cxn ang="0">
-                <a:pos x="connsiteX33" y="connsiteY33"/>
-              </a:cxn>
-              <a:cxn ang="0">
-                <a:pos x="connsiteX34" y="connsiteY34"/>
-              </a:cxn>
-              <a:cxn ang="0">
-                <a:pos x="connsiteX35" y="connsiteY35"/>
-              </a:cxn>
-              <a:cxn ang="0">
-                <a:pos x="connsiteX36" y="connsiteY36"/>
-              </a:cxn>
-              <a:cxn ang="0">
-                <a:pos x="connsiteX37" y="connsiteY37"/>
-              </a:cxn>
-              <a:cxn ang="0">
-                <a:pos x="connsiteX38" y="connsiteY38"/>
-              </a:cxn>
-              <a:cxn ang="0">
-                <a:pos x="connsiteX39" y="connsiteY39"/>
-              </a:cxn>
-              <a:cxn ang="0">
-                <a:pos x="connsiteX40" y="connsiteY40"/>
-              </a:cxn>
-              <a:cxn ang="0">
-                <a:pos x="connsiteX41" y="connsiteY41"/>
-              </a:cxn>
-              <a:cxn ang="0">
-                <a:pos x="connsiteX42" y="connsiteY42"/>
-              </a:cxn>
-              <a:cxn ang="0">
-                <a:pos x="connsiteX43" y="connsiteY43"/>
-              </a:cxn>
-              <a:cxn ang="0">
-                <a:pos x="connsiteX44" y="connsiteY44"/>
-              </a:cxn>
-              <a:cxn ang="0">
-                <a:pos x="connsiteX45" y="connsiteY45"/>
-              </a:cxn>
-              <a:cxn ang="0">
-                <a:pos x="connsiteX46" y="connsiteY46"/>
-              </a:cxn>
-              <a:cxn ang="0">
-                <a:pos x="connsiteX47" y="connsiteY47"/>
-              </a:cxn>
-              <a:cxn ang="0">
-                <a:pos x="connsiteX48" y="connsiteY48"/>
-              </a:cxn>
-              <a:cxn ang="0">
-                <a:pos x="connsiteX49" y="connsiteY49"/>
-              </a:cxn>
-              <a:cxn ang="0">
-                <a:pos x="connsiteX50" y="connsiteY50"/>
-              </a:cxn>
-              <a:cxn ang="0">
-                <a:pos x="connsiteX51" y="connsiteY51"/>
-              </a:cxn>
-              <a:cxn ang="0">
-                <a:pos x="connsiteX52" y="connsiteY52"/>
-              </a:cxn>
-              <a:cxn ang="0">
-                <a:pos x="connsiteX53" y="connsiteY53"/>
-              </a:cxn>
-              <a:cxn ang="0">
-                <a:pos x="connsiteX54" y="connsiteY54"/>
-              </a:cxn>
-              <a:cxn ang="0">
-                <a:pos x="connsiteX55" y="connsiteY55"/>
-              </a:cxn>
-              <a:cxn ang="0">
-                <a:pos x="connsiteX56" y="connsiteY56"/>
-              </a:cxn>
-              <a:cxn ang="0">
-                <a:pos x="connsiteX57" y="connsiteY57"/>
-              </a:cxn>
-              <a:cxn ang="0">
-                <a:pos x="connsiteX58" y="connsiteY58"/>
-              </a:cxn>
-              <a:cxn ang="0">
-                <a:pos x="connsiteX59" y="connsiteY59"/>
-              </a:cxn>
-              <a:cxn ang="0">
-                <a:pos x="connsiteX60" y="connsiteY60"/>
-              </a:cxn>
-              <a:cxn ang="0">
-                <a:pos x="connsiteX61" y="connsiteY61"/>
-              </a:cxn>
-              <a:cxn ang="0">
-                <a:pos x="connsiteX62" y="connsiteY62"/>
-              </a:cxn>
-              <a:cxn ang="0">
-                <a:pos x="connsiteX63" y="connsiteY63"/>
-              </a:cxn>
-              <a:cxn ang="0">
-                <a:pos x="connsiteX64" y="connsiteY64"/>
-              </a:cxn>
-              <a:cxn ang="0">
-                <a:pos x="connsiteX65" y="connsiteY65"/>
-              </a:cxn>
-              <a:cxn ang="0">
-                <a:pos x="connsiteX66" y="connsiteY66"/>
-              </a:cxn>
-              <a:cxn ang="0">
-                <a:pos x="connsiteX67" y="connsiteY67"/>
-              </a:cxn>
-              <a:cxn ang="0">
-                <a:pos x="connsiteX68" y="connsiteY68"/>
-              </a:cxn>
-              <a:cxn ang="0">
-                <a:pos x="connsiteX69" y="connsiteY69"/>
-              </a:cxn>
-              <a:cxn ang="0">
-                <a:pos x="connsiteX70" y="connsiteY70"/>
-              </a:cxn>
-              <a:cxn ang="0">
-                <a:pos x="connsiteX71" y="connsiteY71"/>
-              </a:cxn>
-              <a:cxn ang="0">
-                <a:pos x="connsiteX72" y="connsiteY72"/>
-              </a:cxn>
-              <a:cxn ang="0">
-                <a:pos x="connsiteX73" y="connsiteY73"/>
-              </a:cxn>
-              <a:cxn ang="0">
-                <a:pos x="connsiteX74" y="connsiteY74"/>
-              </a:cxn>
-              <a:cxn ang="0">
-                <a:pos x="connsiteX75" y="connsiteY75"/>
-              </a:cxn>
-              <a:cxn ang="0">
-                <a:pos x="connsiteX76" y="connsiteY76"/>
-              </a:cxn>
-              <a:cxn ang="0">
-                <a:pos x="connsiteX77" y="connsiteY77"/>
-              </a:cxn>
-              <a:cxn ang="0">
-                <a:pos x="connsiteX78" y="connsiteY78"/>
-              </a:cxn>
-              <a:cxn ang="0">
-                <a:pos x="connsiteX79" y="connsiteY79"/>
-              </a:cxn>
-              <a:cxn ang="0">
-                <a:pos x="connsiteX80" y="connsiteY80"/>
-              </a:cxn>
-              <a:cxn ang="0">
-                <a:pos x="connsiteX81" y="connsiteY81"/>
-              </a:cxn>
-              <a:cxn ang="0">
-                <a:pos x="connsiteX82" y="connsiteY82"/>
-              </a:cxn>
-              <a:cxn ang="0">
-                <a:pos x="connsiteX83" y="connsiteY83"/>
-              </a:cxn>
-              <a:cxn ang="0">
-                <a:pos x="connsiteX84" y="connsiteY84"/>
-              </a:cxn>
-              <a:cxn ang="0">
-                <a:pos x="connsiteX85" y="connsiteY85"/>
-              </a:cxn>
-              <a:cxn ang="0">
-                <a:pos x="connsiteX86" y="connsiteY86"/>
-              </a:cxn>
-              <a:cxn ang="0">
-                <a:pos x="connsiteX87" y="connsiteY87"/>
-              </a:cxn>
-              <a:cxn ang="0">
-                <a:pos x="connsiteX88" y="connsiteY88"/>
-              </a:cxn>
-              <a:cxn ang="0">
-                <a:pos x="connsiteX89" y="connsiteY89"/>
-              </a:cxn>
-              <a:cxn ang="0">
-                <a:pos x="connsiteX90" y="connsiteY90"/>
-              </a:cxn>
-              <a:cxn ang="0">
-                <a:pos x="connsiteX91" y="connsiteY91"/>
-              </a:cxn>
-              <a:cxn ang="0">
-                <a:pos x="connsiteX92" y="connsiteY92"/>
-              </a:cxn>
-              <a:cxn ang="0">
-                <a:pos x="connsiteX93" y="connsiteY93"/>
-              </a:cxn>
-              <a:cxn ang="0">
-                <a:pos x="connsiteX94" y="connsiteY94"/>
-              </a:cxn>
-              <a:cxn ang="0">
-                <a:pos x="connsiteX95" y="connsiteY95"/>
-              </a:cxn>
-              <a:cxn ang="0">
-                <a:pos x="connsiteX96" y="connsiteY96"/>
-              </a:cxn>
-              <a:cxn ang="0">
-                <a:pos x="connsiteX97" y="connsiteY97"/>
-              </a:cxn>
-              <a:cxn ang="0">
-                <a:pos x="connsiteX98" y="connsiteY98"/>
-              </a:cxn>
-              <a:cxn ang="0">
-                <a:pos x="connsiteX99" y="connsiteY99"/>
-              </a:cxn>
-              <a:cxn ang="0">
-                <a:pos x="connsiteX100" y="connsiteY100"/>
-              </a:cxn>
-              <a:cxn ang="0">
-                <a:pos x="connsiteX101" y="connsiteY101"/>
-              </a:cxn>
-              <a:cxn ang="0">
-                <a:pos x="connsiteX102" y="connsiteY102"/>
-              </a:cxn>
-              <a:cxn ang="0">
-                <a:pos x="connsiteX103" y="connsiteY103"/>
-              </a:cxn>
-              <a:cxn ang="0">
-                <a:pos x="connsiteX104" y="connsiteY104"/>
-              </a:cxn>
-              <a:cxn ang="0">
-                <a:pos x="connsiteX105" y="connsiteY105"/>
-              </a:cxn>
-              <a:cxn ang="0">
-                <a:pos x="connsiteX106" y="connsiteY106"/>
-              </a:cxn>
-              <a:cxn ang="0">
-                <a:pos x="connsiteX107" y="connsiteY107"/>
-              </a:cxn>
-              <a:cxn ang="0">
-                <a:pos x="connsiteX108" y="connsiteY108"/>
-              </a:cxn>
-              <a:cxn ang="0">
-                <a:pos x="connsiteX109" y="connsiteY109"/>
-              </a:cxn>
-              <a:cxn ang="0">
-                <a:pos x="connsiteX110" y="connsiteY110"/>
-              </a:cxn>
-              <a:cxn ang="0">
-                <a:pos x="connsiteX111" y="connsiteY111"/>
-              </a:cxn>
-              <a:cxn ang="0">
-                <a:pos x="connsiteX112" y="connsiteY112"/>
-              </a:cxn>
-              <a:cxn ang="0">
-                <a:pos x="connsiteX113" y="connsiteY113"/>
-              </a:cxn>
-              <a:cxn ang="0">
-                <a:pos x="connsiteX114" y="connsiteY114"/>
-              </a:cxn>
-              <a:cxn ang="0">
-                <a:pos x="connsiteX115" y="connsiteY115"/>
-              </a:cxn>
-              <a:cxn ang="0">
-                <a:pos x="connsiteX116" y="connsiteY116"/>
-              </a:cxn>
-              <a:cxn ang="0">
-                <a:pos x="connsiteX117" y="connsiteY117"/>
-              </a:cxn>
-              <a:cxn ang="0">
-                <a:pos x="connsiteX118" y="connsiteY118"/>
-              </a:cxn>
-              <a:cxn ang="0">
-                <a:pos x="connsiteX119" y="connsiteY119"/>
-              </a:cxn>
-              <a:cxn ang="0">
-                <a:pos x="connsiteX120" y="connsiteY120"/>
-              </a:cxn>
-              <a:cxn ang="0">
-                <a:pos x="connsiteX121" y="connsiteY121"/>
-              </a:cxn>
-              <a:cxn ang="0">
-                <a:pos x="connsiteX122" y="connsiteY122"/>
-              </a:cxn>
-              <a:cxn ang="0">
-                <a:pos x="connsiteX123" y="connsiteY123"/>
-              </a:cxn>
-              <a:cxn ang="0">
-                <a:pos x="connsiteX124" y="connsiteY124"/>
-              </a:cxn>
-              <a:cxn ang="0">
-                <a:pos x="connsiteX125" y="connsiteY125"/>
-              </a:cxn>
-              <a:cxn ang="0">
-                <a:pos x="connsiteX126" y="connsiteY126"/>
-              </a:cxn>
-              <a:cxn ang="0">
-                <a:pos x="connsiteX127" y="connsiteY127"/>
-              </a:cxn>
-              <a:cxn ang="0">
-                <a:pos x="connsiteX128" y="connsiteY128"/>
-              </a:cxn>
-              <a:cxn ang="0">
-                <a:pos x="connsiteX129" y="connsiteY129"/>
-              </a:cxn>
-              <a:cxn ang="0">
-                <a:pos x="connsiteX130" y="connsiteY130"/>
-              </a:cxn>
-              <a:cxn ang="0">
-                <a:pos x="connsiteX131" y="connsiteY131"/>
-              </a:cxn>
-              <a:cxn ang="0">
-                <a:pos x="connsiteX132" y="connsiteY132"/>
-              </a:cxn>
-              <a:cxn ang="0">
-                <a:pos x="connsiteX133" y="connsiteY133"/>
-              </a:cxn>
-              <a:cxn ang="0">
-                <a:pos x="connsiteX134" y="connsiteY134"/>
-              </a:cxn>
-              <a:cxn ang="0">
-                <a:pos x="connsiteX135" y="connsiteY135"/>
-              </a:cxn>
-              <a:cxn ang="0">
-                <a:pos x="connsiteX136" y="connsiteY136"/>
-              </a:cxn>
-              <a:cxn ang="0">
-                <a:pos x="connsiteX137" y="connsiteY137"/>
-              </a:cxn>
-              <a:cxn ang="0">
-                <a:pos x="connsiteX138" y="connsiteY138"/>
-              </a:cxn>
-              <a:cxn ang="0">
-                <a:pos x="connsiteX139" y="connsiteY139"/>
-              </a:cxn>
-              <a:cxn ang="0">
-                <a:pos x="connsiteX140" y="connsiteY140"/>
-              </a:cxn>
-            </a:cxnLst>
-            <a:rect l="l" t="t" r="r" b="b"/>
-            <a:pathLst>
-              <a:path w="4992864" h="6858000">
-                <a:moveTo>
-                  <a:pt x="0" y="0"/>
-                </a:moveTo>
-                <a:lnTo>
-                  <a:pt x="4813476" y="0"/>
-                </a:lnTo>
-                <a:lnTo>
-                  <a:pt x="4818239" y="66675"/>
-                </a:lnTo>
-                <a:lnTo>
-                  <a:pt x="4826176" y="122237"/>
-                </a:lnTo>
-                <a:lnTo>
-                  <a:pt x="4835701" y="174625"/>
-                </a:lnTo>
-                <a:lnTo>
-                  <a:pt x="4851576" y="217487"/>
-                </a:lnTo>
-                <a:lnTo>
-                  <a:pt x="4867451" y="260350"/>
-                </a:lnTo>
-                <a:lnTo>
-                  <a:pt x="4886501" y="296862"/>
-                </a:lnTo>
-                <a:lnTo>
-                  <a:pt x="4905551" y="334962"/>
-                </a:lnTo>
-                <a:lnTo>
-                  <a:pt x="4923014" y="369887"/>
-                </a:lnTo>
-                <a:lnTo>
-                  <a:pt x="4940476" y="409575"/>
-                </a:lnTo>
-                <a:lnTo>
-                  <a:pt x="4956351" y="450850"/>
-                </a:lnTo>
-                <a:lnTo>
-                  <a:pt x="4970639" y="496887"/>
-                </a:lnTo>
-                <a:lnTo>
-                  <a:pt x="4981751" y="546100"/>
-                </a:lnTo>
-                <a:lnTo>
-                  <a:pt x="4989689" y="606425"/>
-                </a:lnTo>
-                <a:lnTo>
-                  <a:pt x="4992864" y="673100"/>
-                </a:lnTo>
-                <a:lnTo>
-                  <a:pt x="4989689" y="744537"/>
-                </a:lnTo>
-                <a:lnTo>
-                  <a:pt x="4981751" y="801687"/>
-                </a:lnTo>
-                <a:lnTo>
-                  <a:pt x="4970639" y="854075"/>
-                </a:lnTo>
-                <a:lnTo>
-                  <a:pt x="4956351" y="901700"/>
-                </a:lnTo>
-                <a:lnTo>
-                  <a:pt x="4940476" y="942975"/>
-                </a:lnTo>
-                <a:lnTo>
-                  <a:pt x="4921426" y="981075"/>
-                </a:lnTo>
-                <a:lnTo>
-                  <a:pt x="4902376" y="1017587"/>
-                </a:lnTo>
-                <a:lnTo>
-                  <a:pt x="4883326" y="1055687"/>
-                </a:lnTo>
-                <a:lnTo>
-                  <a:pt x="4865864" y="1095375"/>
-                </a:lnTo>
-                <a:lnTo>
-                  <a:pt x="4848401" y="1136650"/>
-                </a:lnTo>
-                <a:lnTo>
-                  <a:pt x="4834114" y="1182687"/>
-                </a:lnTo>
-                <a:lnTo>
-                  <a:pt x="4824589" y="1235075"/>
-                </a:lnTo>
-                <a:lnTo>
-                  <a:pt x="4815064" y="1295400"/>
-                </a:lnTo>
-                <a:lnTo>
-                  <a:pt x="4813476" y="1363662"/>
-                </a:lnTo>
-                <a:lnTo>
-                  <a:pt x="4815064" y="1431925"/>
-                </a:lnTo>
-                <a:lnTo>
-                  <a:pt x="4824589" y="1492250"/>
-                </a:lnTo>
-                <a:lnTo>
-                  <a:pt x="4834114" y="1544637"/>
-                </a:lnTo>
-                <a:lnTo>
-                  <a:pt x="4848401" y="1589087"/>
-                </a:lnTo>
-                <a:lnTo>
-                  <a:pt x="4865864" y="1631950"/>
-                </a:lnTo>
-                <a:lnTo>
-                  <a:pt x="4883326" y="1671637"/>
-                </a:lnTo>
-                <a:lnTo>
-                  <a:pt x="4902376" y="1708150"/>
-                </a:lnTo>
-                <a:lnTo>
-                  <a:pt x="4921426" y="1743075"/>
-                </a:lnTo>
-                <a:lnTo>
-                  <a:pt x="4940476" y="1782762"/>
-                </a:lnTo>
-                <a:lnTo>
-                  <a:pt x="4956351" y="1824037"/>
-                </a:lnTo>
-                <a:lnTo>
-                  <a:pt x="4970639" y="1870075"/>
-                </a:lnTo>
-                <a:lnTo>
-                  <a:pt x="4981751" y="1922462"/>
-                </a:lnTo>
-                <a:lnTo>
-                  <a:pt x="4989689" y="1982787"/>
-                </a:lnTo>
-                <a:lnTo>
-                  <a:pt x="4992864" y="2051050"/>
-                </a:lnTo>
-                <a:lnTo>
-                  <a:pt x="4989689" y="2119312"/>
-                </a:lnTo>
-                <a:lnTo>
-                  <a:pt x="4981751" y="2179637"/>
-                </a:lnTo>
-                <a:lnTo>
-                  <a:pt x="4970639" y="2232025"/>
-                </a:lnTo>
-                <a:lnTo>
-                  <a:pt x="4956351" y="2278062"/>
-                </a:lnTo>
-                <a:lnTo>
-                  <a:pt x="4940476" y="2319337"/>
-                </a:lnTo>
-                <a:lnTo>
-                  <a:pt x="4921426" y="2359025"/>
-                </a:lnTo>
-                <a:lnTo>
-                  <a:pt x="4902376" y="2395537"/>
-                </a:lnTo>
-                <a:lnTo>
-                  <a:pt x="4883326" y="2433637"/>
-                </a:lnTo>
-                <a:lnTo>
-                  <a:pt x="4865864" y="2471737"/>
-                </a:lnTo>
-                <a:lnTo>
-                  <a:pt x="4848401" y="2513012"/>
-                </a:lnTo>
-                <a:lnTo>
-                  <a:pt x="4834114" y="2560637"/>
-                </a:lnTo>
-                <a:lnTo>
-                  <a:pt x="4824589" y="2613025"/>
-                </a:lnTo>
-                <a:lnTo>
-                  <a:pt x="4815064" y="2671762"/>
-                </a:lnTo>
-                <a:lnTo>
-                  <a:pt x="4813476" y="2741612"/>
-                </a:lnTo>
-                <a:lnTo>
-                  <a:pt x="4815064" y="2809875"/>
-                </a:lnTo>
-                <a:lnTo>
-                  <a:pt x="4824589" y="2868612"/>
-                </a:lnTo>
-                <a:lnTo>
-                  <a:pt x="4834114" y="2922587"/>
-                </a:lnTo>
-                <a:lnTo>
-                  <a:pt x="4848401" y="2967037"/>
-                </a:lnTo>
-                <a:lnTo>
-                  <a:pt x="4865864" y="3009900"/>
-                </a:lnTo>
-                <a:lnTo>
-                  <a:pt x="4883326" y="3046412"/>
-                </a:lnTo>
-                <a:lnTo>
-                  <a:pt x="4902376" y="3084512"/>
-                </a:lnTo>
-                <a:lnTo>
-                  <a:pt x="4921426" y="3121025"/>
-                </a:lnTo>
-                <a:lnTo>
-                  <a:pt x="4940476" y="3160712"/>
-                </a:lnTo>
-                <a:lnTo>
-                  <a:pt x="4956351" y="3201987"/>
-                </a:lnTo>
-                <a:lnTo>
-                  <a:pt x="4970639" y="3248025"/>
-                </a:lnTo>
-                <a:lnTo>
-                  <a:pt x="4981751" y="3300412"/>
-                </a:lnTo>
-                <a:lnTo>
-                  <a:pt x="4989689" y="3360737"/>
-                </a:lnTo>
-                <a:lnTo>
-                  <a:pt x="4992864" y="3427412"/>
-                </a:lnTo>
-                <a:lnTo>
-                  <a:pt x="4989689" y="3497262"/>
-                </a:lnTo>
-                <a:lnTo>
-                  <a:pt x="4981751" y="3557587"/>
-                </a:lnTo>
-                <a:lnTo>
-                  <a:pt x="4970639" y="3609975"/>
-                </a:lnTo>
-                <a:lnTo>
-                  <a:pt x="4956351" y="3656012"/>
-                </a:lnTo>
-                <a:lnTo>
-                  <a:pt x="4940476" y="3697287"/>
-                </a:lnTo>
-                <a:lnTo>
-                  <a:pt x="4921426" y="3736975"/>
-                </a:lnTo>
-                <a:lnTo>
-                  <a:pt x="4883326" y="3811587"/>
-                </a:lnTo>
-                <a:lnTo>
-                  <a:pt x="4865864" y="3848100"/>
-                </a:lnTo>
-                <a:lnTo>
-                  <a:pt x="4848401" y="3890962"/>
-                </a:lnTo>
-                <a:lnTo>
-                  <a:pt x="4834114" y="3935412"/>
-                </a:lnTo>
-                <a:lnTo>
-                  <a:pt x="4824589" y="3987800"/>
-                </a:lnTo>
-                <a:lnTo>
-                  <a:pt x="4815064" y="4048125"/>
-                </a:lnTo>
-                <a:lnTo>
-                  <a:pt x="4813476" y="4116387"/>
-                </a:lnTo>
-                <a:lnTo>
-                  <a:pt x="4815064" y="4186237"/>
-                </a:lnTo>
-                <a:lnTo>
-                  <a:pt x="4824589" y="4244975"/>
-                </a:lnTo>
-                <a:lnTo>
-                  <a:pt x="4834114" y="4297362"/>
-                </a:lnTo>
-                <a:lnTo>
-                  <a:pt x="4848401" y="4343400"/>
-                </a:lnTo>
-                <a:lnTo>
-                  <a:pt x="4865864" y="4386262"/>
-                </a:lnTo>
-                <a:lnTo>
-                  <a:pt x="4883326" y="4424362"/>
-                </a:lnTo>
-                <a:lnTo>
-                  <a:pt x="4921426" y="4498975"/>
-                </a:lnTo>
-                <a:lnTo>
-                  <a:pt x="4940476" y="4537075"/>
-                </a:lnTo>
-                <a:lnTo>
-                  <a:pt x="4956351" y="4579937"/>
-                </a:lnTo>
-                <a:lnTo>
-                  <a:pt x="4970639" y="4625975"/>
-                </a:lnTo>
-                <a:lnTo>
-                  <a:pt x="4981751" y="4678362"/>
-                </a:lnTo>
-                <a:lnTo>
-                  <a:pt x="4989689" y="4738687"/>
-                </a:lnTo>
-                <a:lnTo>
-                  <a:pt x="4992864" y="4806950"/>
-                </a:lnTo>
-                <a:lnTo>
-                  <a:pt x="4989689" y="4875212"/>
-                </a:lnTo>
-                <a:lnTo>
-                  <a:pt x="4981751" y="4935537"/>
-                </a:lnTo>
-                <a:lnTo>
-                  <a:pt x="4970639" y="4987925"/>
-                </a:lnTo>
-                <a:lnTo>
-                  <a:pt x="4956351" y="5033962"/>
-                </a:lnTo>
-                <a:lnTo>
-                  <a:pt x="4940476" y="5075237"/>
-                </a:lnTo>
-                <a:lnTo>
-                  <a:pt x="4921426" y="5114925"/>
-                </a:lnTo>
-                <a:lnTo>
-                  <a:pt x="4902376" y="5149850"/>
-                </a:lnTo>
-                <a:lnTo>
-                  <a:pt x="4883326" y="5186362"/>
-                </a:lnTo>
-                <a:lnTo>
-                  <a:pt x="4865864" y="5226050"/>
-                </a:lnTo>
-                <a:lnTo>
-                  <a:pt x="4848401" y="5268912"/>
-                </a:lnTo>
-                <a:lnTo>
-                  <a:pt x="4834114" y="5313362"/>
-                </a:lnTo>
-                <a:lnTo>
-                  <a:pt x="4824589" y="5365750"/>
-                </a:lnTo>
-                <a:lnTo>
-                  <a:pt x="4815064" y="5426075"/>
-                </a:lnTo>
-                <a:lnTo>
-                  <a:pt x="4813476" y="5494337"/>
-                </a:lnTo>
-                <a:lnTo>
-                  <a:pt x="4815064" y="5562600"/>
-                </a:lnTo>
-                <a:lnTo>
-                  <a:pt x="4824589" y="5622925"/>
-                </a:lnTo>
-                <a:lnTo>
-                  <a:pt x="4834114" y="5675312"/>
-                </a:lnTo>
-                <a:lnTo>
-                  <a:pt x="4848401" y="5721350"/>
-                </a:lnTo>
-                <a:lnTo>
-                  <a:pt x="4865864" y="5762625"/>
-                </a:lnTo>
-                <a:lnTo>
-                  <a:pt x="4883326" y="5802312"/>
-                </a:lnTo>
-                <a:lnTo>
-                  <a:pt x="4902376" y="5840412"/>
-                </a:lnTo>
-                <a:lnTo>
-                  <a:pt x="4921426" y="5876925"/>
-                </a:lnTo>
-                <a:lnTo>
-                  <a:pt x="4940476" y="5915025"/>
-                </a:lnTo>
-                <a:lnTo>
-                  <a:pt x="4956351" y="5956300"/>
-                </a:lnTo>
-                <a:lnTo>
-                  <a:pt x="4970639" y="6003925"/>
-                </a:lnTo>
-                <a:lnTo>
-                  <a:pt x="4981751" y="6056312"/>
-                </a:lnTo>
-                <a:lnTo>
-                  <a:pt x="4989689" y="6113462"/>
-                </a:lnTo>
-                <a:lnTo>
-                  <a:pt x="4992864" y="6183312"/>
-                </a:lnTo>
-                <a:lnTo>
-                  <a:pt x="4989689" y="6251575"/>
-                </a:lnTo>
-                <a:lnTo>
-                  <a:pt x="4981751" y="6311900"/>
-                </a:lnTo>
-                <a:lnTo>
-                  <a:pt x="4970639" y="6361112"/>
-                </a:lnTo>
-                <a:lnTo>
-                  <a:pt x="4956351" y="6407150"/>
-                </a:lnTo>
-                <a:lnTo>
-                  <a:pt x="4940476" y="6448425"/>
-                </a:lnTo>
-                <a:lnTo>
-                  <a:pt x="4923014" y="6488112"/>
-                </a:lnTo>
-                <a:lnTo>
-                  <a:pt x="4905551" y="6523037"/>
-                </a:lnTo>
-                <a:lnTo>
-                  <a:pt x="4886501" y="6561137"/>
-                </a:lnTo>
-                <a:lnTo>
-                  <a:pt x="4867451" y="6597650"/>
-                </a:lnTo>
-                <a:lnTo>
-                  <a:pt x="4851576" y="6640512"/>
-                </a:lnTo>
-                <a:lnTo>
-                  <a:pt x="4835701" y="6683375"/>
-                </a:lnTo>
-                <a:lnTo>
-                  <a:pt x="4826176" y="6735762"/>
-                </a:lnTo>
-                <a:lnTo>
-                  <a:pt x="4818239" y="6791325"/>
-                </a:lnTo>
-                <a:lnTo>
-                  <a:pt x="4813476" y="6858000"/>
-                </a:lnTo>
-                <a:lnTo>
-                  <a:pt x="0" y="6858000"/>
-                </a:lnTo>
-                <a:close/>
-              </a:path>
-            </a:pathLst>
-          </a:custGeom>
-          <a:solidFill>
-            <a:schemeClr val="accent1"/>
-          </a:solidFill>
-          <a:ln w="0">
-            <a:noFill/>
-            <a:prstDash val="solid"/>
-            <a:round/>
-            <a:headEnd/>
-            <a:tailEnd/>
-          </a:ln>
-        </p:spPr>
-      </p:sp>
-      <p:sp>
-        <p:nvSpPr>
-          <p:cNvPr id="26" name="Title 25"/>
-          <p:cNvSpPr>
-            <a:spLocks noGrp="1"/>
-          </p:cNvSpPr>
-          <p:nvPr>
-            <p:ph type="title"/>
-          </p:nvPr>
-        </p:nvSpPr>
-        <p:spPr>
-          <a:xfrm>
-            <a:off x="594452" y="1755017"/>
-            <a:ext cx="3437290" cy="3347965"/>
-          </a:xfrm>
-        </p:spPr>
-        <p:txBody>
-          <a:bodyPr vert="horz" lIns="91440" tIns="45720" rIns="91440" bIns="45720" rtlCol="0" anchor="ctr">
-            <a:normAutofit/>
-          </a:bodyPr>
-          <a:lstStyle/>
-          <a:p>
-            <a:pPr algn="ctr"/>
-            <a:r>
-              <a:rPr lang="en-CA" sz="6000" dirty="0">
-                <a:solidFill>
-                  <a:srgbClr val="2A1A00"/>
-                </a:solidFill>
-              </a:rPr>
-              <a:t>Demo?</a:t>
-            </a:r>
-            <a:endParaRPr lang="en-US" sz="6000" dirty="0">
-              <a:solidFill>
-                <a:srgbClr val="2A1A00"/>
-              </a:solidFill>
-            </a:endParaRPr>
-          </a:p>
-        </p:txBody>
-      </p:sp>
-      <p:sp>
-        <p:nvSpPr>
-          <p:cNvPr id="34" name="Title 25"/>
-          <p:cNvSpPr txBox="1">
-            <a:spLocks/>
-          </p:cNvSpPr>
-          <p:nvPr/>
-        </p:nvSpPr>
-        <p:spPr>
-          <a:xfrm rot="21224914">
-            <a:off x="3507621" y="4135163"/>
-            <a:ext cx="8952462" cy="1273647"/>
-          </a:xfrm>
-          <a:prstGeom prst="rect">
-            <a:avLst/>
-          </a:prstGeom>
-          <a:solidFill>
-            <a:srgbClr val="F8B323"/>
-          </a:solidFill>
-        </p:spPr>
-        <p:txBody>
-          <a:bodyPr vert="horz" lIns="91440" tIns="45720" rIns="91440" bIns="45720" rtlCol="0" anchor="ctr">
-            <a:normAutofit/>
-          </a:bodyPr>
-          <a:lstStyle>
-            <a:lvl1pPr algn="l" defTabSz="914400" rtl="0" eaLnBrk="1" latinLnBrk="0" hangingPunct="1">
-              <a:lnSpc>
-                <a:spcPct val="90000"/>
-              </a:lnSpc>
-              <a:spcBef>
-                <a:spcPct val="0"/>
-              </a:spcBef>
-              <a:buNone/>
-              <a:defRPr sz="8400" kern="1200" cap="all" spc="800" baseline="0">
-                <a:solidFill>
-                  <a:schemeClr val="tx2"/>
-                </a:solidFill>
-                <a:latin typeface="+mj-lt"/>
-                <a:ea typeface="+mj-ea"/>
-                <a:cs typeface="+mj-cs"/>
-              </a:defRPr>
-            </a:lvl1pPr>
-          </a:lstStyle>
-          <a:p>
-            <a:pPr algn="ctr"/>
-            <a:endParaRPr lang="en-US" sz="6000" dirty="0">
-              <a:solidFill>
-                <a:srgbClr val="2A1A00"/>
-              </a:solidFill>
-            </a:endParaRPr>
-          </a:p>
-        </p:txBody>
-      </p:sp>
-      <p:pic>
-        <p:nvPicPr>
-          <p:cNvPr id="4" name="Picture 3"/>
-          <p:cNvPicPr>
-            <a:picLocks noChangeAspect="1"/>
-          </p:cNvPicPr>
-          <p:nvPr/>
-        </p:nvPicPr>
-        <p:blipFill rotWithShape="1">
-          <a:blip r:embed="rId2">
-            <a:extLst>
-              <a:ext uri="{BEBA8EAE-BF5A-486C-A8C5-ECC9F3942E4B}">
-                <a14:imgProps xmlns:a14="http://schemas.microsoft.com/office/drawing/2010/main">
-                  <a14:imgLayer r:embed="rId3">
-                    <a14:imgEffect>
-                      <a14:backgroundRemoval t="0" b="100000" l="0" r="100000">
-                        <a14:foregroundMark x1="34364" y1="48221" x2="34000" y2="54545"/>
-                        <a14:foregroundMark x1="6000" y1="43083" x2="3273" y2="49802"/>
-                        <a14:foregroundMark x1="10000" y1="66798" x2="17091" y2="74308"/>
-                        <a14:foregroundMark x1="45455" y1="68775" x2="46727" y2="86561"/>
-                        <a14:foregroundMark x1="50909" y1="68379" x2="48909" y2="90119"/>
-                        <a14:foregroundMark x1="43818" y1="69565" x2="43455" y2="90514"/>
-                        <a14:foregroundMark x1="92000" y1="59684" x2="94182" y2="88538"/>
-                        <a14:foregroundMark x1="38727" y1="1976" x2="79636" y2="1976"/>
-                        <a14:foregroundMark x1="37818" y1="49012" x2="37818" y2="49012"/>
-                        <a14:backgroundMark x1="364" y1="73913" x2="364" y2="73913"/>
-                        <a14:backgroundMark x1="364" y1="77075" x2="364" y2="77075"/>
-                        <a14:backgroundMark x1="43455" y1="99605" x2="43455" y2="99605"/>
-                      </a14:backgroundRemoval>
-                    </a14:imgEffect>
-                  </a14:imgLayer>
-                </a14:imgProps>
-              </a:ext>
-              <a:ext uri="{28A0092B-C50C-407E-A947-70E740481C1C}">
-                <a14:useLocalDpi xmlns:a14="http://schemas.microsoft.com/office/drawing/2010/main" val="0"/>
-              </a:ext>
-            </a:extLst>
-          </a:blip>
-          <a:srcRect t="1615" b="-23"/>
-          <a:stretch/>
-        </p:blipFill>
-        <p:spPr>
-          <a:xfrm>
-            <a:off x="5333556" y="2151566"/>
-            <a:ext cx="6220332" cy="2815772"/>
-          </a:xfrm>
-          <a:prstGeom prst="rect">
-            <a:avLst/>
-          </a:prstGeom>
-        </p:spPr>
-      </p:pic>
-      <p:sp>
-        <p:nvSpPr>
-          <p:cNvPr id="62" name="TextBox 61"/>
-          <p:cNvSpPr txBox="1"/>
-          <p:nvPr/>
-        </p:nvSpPr>
-        <p:spPr>
-          <a:xfrm>
-            <a:off x="5943037" y="3997880"/>
-            <a:ext cx="702871" cy="253916"/>
-          </a:xfrm>
-          <a:prstGeom prst="rect">
-            <a:avLst/>
-          </a:prstGeom>
-          <a:noFill/>
-        </p:spPr>
-        <p:txBody>
-          <a:bodyPr wrap="square" rtlCol="0">
-            <a:spAutoFit/>
-          </a:bodyPr>
-          <a:lstStyle/>
-          <a:p>
-            <a:r>
-              <a:rPr lang="en-CA" sz="1050" dirty="0">
-                <a:solidFill>
-                  <a:schemeClr val="bg1"/>
-                </a:solidFill>
-                <a:effectLst>
-                  <a:outerShdw blurRad="38100" dist="38100" dir="2700000" algn="tl">
-                    <a:srgbClr val="000000">
-                      <a:alpha val="43137"/>
-                    </a:srgbClr>
-                  </a:outerShdw>
-                </a:effectLst>
-              </a:rPr>
-              <a:t>VIC -1</a:t>
-            </a:r>
-            <a:endParaRPr lang="en-US" sz="1050" dirty="0">
-              <a:solidFill>
-                <a:schemeClr val="bg1"/>
-              </a:solidFill>
-              <a:effectLst>
-                <a:outerShdw blurRad="38100" dist="38100" dir="2700000" algn="tl">
-                  <a:srgbClr val="000000">
-                    <a:alpha val="43137"/>
-                  </a:srgbClr>
-                </a:outerShdw>
-              </a:effectLst>
-            </a:endParaRPr>
-          </a:p>
-        </p:txBody>
-      </p:sp>
-      <p:pic>
-        <p:nvPicPr>
-          <p:cNvPr id="66" name="Picture 65"/>
-          <p:cNvPicPr>
-            <a:picLocks noChangeAspect="1"/>
-          </p:cNvPicPr>
-          <p:nvPr/>
-        </p:nvPicPr>
-        <p:blipFill>
-          <a:blip r:embed="rId4" cstate="print">
-            <a:lum bright="70000" contrast="-70000"/>
-            <a:extLst>
-              <a:ext uri="{28A0092B-C50C-407E-A947-70E740481C1C}">
-                <a14:useLocalDpi xmlns:a14="http://schemas.microsoft.com/office/drawing/2010/main" val="0"/>
-              </a:ext>
-            </a:extLst>
-          </a:blip>
-          <a:stretch>
-            <a:fillRect/>
-          </a:stretch>
-        </p:blipFill>
-        <p:spPr>
-          <a:xfrm rot="1674781">
-            <a:off x="10514524" y="1825321"/>
-            <a:ext cx="373731" cy="295248"/>
-          </a:xfrm>
-          <a:prstGeom prst="rect">
-            <a:avLst/>
-          </a:prstGeom>
-        </p:spPr>
-      </p:pic>
-      <p:sp>
-        <p:nvSpPr>
-          <p:cNvPr id="13" name="Subtitle 4"/>
-          <p:cNvSpPr txBox="1">
-            <a:spLocks/>
-          </p:cNvSpPr>
-          <p:nvPr/>
-        </p:nvSpPr>
-        <p:spPr>
-          <a:xfrm rot="21381350">
-            <a:off x="8771491" y="3517283"/>
-            <a:ext cx="2111693" cy="410935"/>
-          </a:xfrm>
-          <a:prstGeom prst="rect">
-            <a:avLst/>
-          </a:prstGeom>
-          <a:scene3d>
-            <a:camera prst="perspectiveRight"/>
-            <a:lightRig rig="threePt" dir="t"/>
-          </a:scene3d>
-        </p:spPr>
-        <p:txBody>
-          <a:bodyPr vert="horz" lIns="91440" tIns="45720" rIns="91440" bIns="45720" rtlCol="0" anchor="ctr">
-            <a:noAutofit/>
-          </a:bodyPr>
-          <a:lstStyle>
-            <a:lvl1pPr marL="0" indent="0" algn="ctr" defTabSz="914400" rtl="0" eaLnBrk="1" latinLnBrk="0" hangingPunct="1">
-              <a:lnSpc>
-                <a:spcPct val="100000"/>
-              </a:lnSpc>
-              <a:spcBef>
-                <a:spcPts val="700"/>
-              </a:spcBef>
-              <a:buClr>
-                <a:schemeClr val="tx2"/>
-              </a:buClr>
-              <a:buFont typeface="Arial" panose="020B0604020202020204" pitchFamily="34" charset="0"/>
-              <a:buNone/>
-              <a:defRPr sz="2000" b="1" i="0" kern="1200" cap="all" spc="400" baseline="0">
-                <a:solidFill>
-                  <a:schemeClr val="tx2"/>
-                </a:solidFill>
-                <a:latin typeface="+mn-lt"/>
-                <a:ea typeface="+mn-ea"/>
-                <a:cs typeface="+mn-cs"/>
-              </a:defRPr>
-            </a:lvl1pPr>
-            <a:lvl2pPr marL="457200" indent="0" algn="ctr" defTabSz="914400" rtl="0" eaLnBrk="1" latinLnBrk="0" hangingPunct="1">
-              <a:lnSpc>
-                <a:spcPct val="110000"/>
-              </a:lnSpc>
-              <a:spcBef>
-                <a:spcPts val="700"/>
-              </a:spcBef>
-              <a:buClr>
-                <a:schemeClr val="tx2"/>
-              </a:buClr>
-              <a:buFont typeface="Gill Sans MT" panose="020B0502020104020203" pitchFamily="34" charset="0"/>
-              <a:buNone/>
-              <a:defRPr sz="2000" kern="1200">
-                <a:solidFill>
-                  <a:schemeClr val="tx1">
-                    <a:lumMod val="65000"/>
-                    <a:lumOff val="35000"/>
-                  </a:schemeClr>
-                </a:solidFill>
-                <a:latin typeface="+mn-lt"/>
-                <a:ea typeface="+mn-ea"/>
-                <a:cs typeface="+mn-cs"/>
-              </a:defRPr>
-            </a:lvl2pPr>
-            <a:lvl3pPr marL="914400" indent="0" algn="ctr" defTabSz="914400" rtl="0" eaLnBrk="1" latinLnBrk="0" hangingPunct="1">
-              <a:lnSpc>
-                <a:spcPct val="110000"/>
-              </a:lnSpc>
-              <a:spcBef>
-                <a:spcPts val="700"/>
-              </a:spcBef>
-              <a:buClr>
-                <a:schemeClr val="tx2"/>
-              </a:buClr>
-              <a:buFont typeface="Arial" panose="020B0604020202020204" pitchFamily="34" charset="0"/>
-              <a:buNone/>
-              <a:defRPr sz="1800" kern="1200">
-                <a:solidFill>
-                  <a:schemeClr val="tx1">
-                    <a:lumMod val="65000"/>
-                    <a:lumOff val="35000"/>
-                  </a:schemeClr>
-                </a:solidFill>
-                <a:latin typeface="+mn-lt"/>
-                <a:ea typeface="+mn-ea"/>
-                <a:cs typeface="+mn-cs"/>
-              </a:defRPr>
-            </a:lvl3pPr>
-            <a:lvl4pPr marL="1371600" indent="0" algn="ctr" defTabSz="914400" rtl="0" eaLnBrk="1" latinLnBrk="0" hangingPunct="1">
-              <a:lnSpc>
-                <a:spcPct val="110000"/>
-              </a:lnSpc>
-              <a:spcBef>
-                <a:spcPts val="700"/>
-              </a:spcBef>
-              <a:buClr>
-                <a:schemeClr val="tx2"/>
-              </a:buClr>
-              <a:buFont typeface="Gill Sans MT" panose="020B0502020104020203" pitchFamily="34" charset="0"/>
-              <a:buNone/>
-              <a:defRPr sz="1600" kern="1200">
-                <a:solidFill>
-                  <a:schemeClr val="tx1">
-                    <a:lumMod val="65000"/>
-                    <a:lumOff val="35000"/>
-                  </a:schemeClr>
-                </a:solidFill>
-                <a:latin typeface="+mn-lt"/>
-                <a:ea typeface="+mn-ea"/>
-                <a:cs typeface="+mn-cs"/>
-              </a:defRPr>
-            </a:lvl4pPr>
-            <a:lvl5pPr marL="1828800" indent="0" algn="ctr" defTabSz="914400" rtl="0" eaLnBrk="1" latinLnBrk="0" hangingPunct="1">
-              <a:lnSpc>
-                <a:spcPct val="110000"/>
-              </a:lnSpc>
-              <a:spcBef>
-                <a:spcPts val="700"/>
-              </a:spcBef>
-              <a:buClr>
-                <a:schemeClr val="tx2"/>
-              </a:buClr>
-              <a:buFont typeface="Arial" panose="020B0604020202020204" pitchFamily="34" charset="0"/>
-              <a:buNone/>
-              <a:defRPr sz="1600" kern="1200">
-                <a:solidFill>
-                  <a:schemeClr val="tx1">
-                    <a:lumMod val="65000"/>
-                    <a:lumOff val="35000"/>
-                  </a:schemeClr>
-                </a:solidFill>
-                <a:latin typeface="+mn-lt"/>
-                <a:ea typeface="+mn-ea"/>
-                <a:cs typeface="+mn-cs"/>
-              </a:defRPr>
-            </a:lvl5pPr>
-            <a:lvl6pPr marL="2286000" indent="0" algn="ctr" defTabSz="914400" rtl="0" eaLnBrk="1" latinLnBrk="0" hangingPunct="1">
-              <a:lnSpc>
-                <a:spcPct val="110000"/>
-              </a:lnSpc>
-              <a:spcBef>
-                <a:spcPts val="700"/>
-              </a:spcBef>
-              <a:buClr>
-                <a:schemeClr val="tx2"/>
-              </a:buClr>
-              <a:buFont typeface="Gill Sans MT" panose="020B0502020104020203" pitchFamily="34" charset="0"/>
-              <a:buNone/>
-              <a:defRPr sz="1600" kern="1200">
-                <a:solidFill>
-                  <a:schemeClr val="tx1">
-                    <a:lumMod val="65000"/>
-                    <a:lumOff val="35000"/>
-                  </a:schemeClr>
-                </a:solidFill>
-                <a:latin typeface="+mn-lt"/>
-                <a:ea typeface="+mn-ea"/>
-                <a:cs typeface="+mn-cs"/>
-              </a:defRPr>
-            </a:lvl6pPr>
-            <a:lvl7pPr marL="2743200" indent="0" algn="ctr" defTabSz="914400" rtl="0" eaLnBrk="1" latinLnBrk="0" hangingPunct="1">
-              <a:lnSpc>
-                <a:spcPct val="110000"/>
-              </a:lnSpc>
-              <a:spcBef>
-                <a:spcPts val="700"/>
-              </a:spcBef>
-              <a:buClr>
-                <a:schemeClr val="tx2"/>
-              </a:buClr>
-              <a:buFont typeface="Arial" panose="020B0604020202020204" pitchFamily="34" charset="0"/>
-              <a:buNone/>
-              <a:defRPr sz="1600" kern="1200">
-                <a:solidFill>
-                  <a:schemeClr val="tx1">
-                    <a:lumMod val="65000"/>
-                    <a:lumOff val="35000"/>
-                  </a:schemeClr>
-                </a:solidFill>
-                <a:latin typeface="+mn-lt"/>
-                <a:ea typeface="+mn-ea"/>
-                <a:cs typeface="+mn-cs"/>
-              </a:defRPr>
-            </a:lvl7pPr>
-            <a:lvl8pPr marL="3200400" indent="0" algn="ctr" defTabSz="914400" rtl="0" eaLnBrk="1" latinLnBrk="0" hangingPunct="1">
-              <a:lnSpc>
-                <a:spcPct val="110000"/>
-              </a:lnSpc>
-              <a:spcBef>
-                <a:spcPts val="700"/>
-              </a:spcBef>
-              <a:buClr>
-                <a:schemeClr val="tx2"/>
-              </a:buClr>
-              <a:buFont typeface="Gill Sans MT" panose="020B0502020104020203" pitchFamily="34" charset="0"/>
-              <a:buNone/>
-              <a:defRPr sz="1600" kern="1200" baseline="0">
-                <a:solidFill>
-                  <a:schemeClr val="tx1">
-                    <a:lumMod val="65000"/>
-                    <a:lumOff val="35000"/>
-                  </a:schemeClr>
-                </a:solidFill>
-                <a:latin typeface="+mn-lt"/>
-                <a:ea typeface="+mn-ea"/>
-                <a:cs typeface="+mn-cs"/>
-              </a:defRPr>
-            </a:lvl8pPr>
-            <a:lvl9pPr marL="3657600" indent="0" algn="ctr" defTabSz="914400" rtl="0" eaLnBrk="1" latinLnBrk="0" hangingPunct="1">
-              <a:lnSpc>
-                <a:spcPct val="110000"/>
-              </a:lnSpc>
-              <a:spcBef>
-                <a:spcPts val="700"/>
-              </a:spcBef>
-              <a:buClr>
-                <a:schemeClr val="tx2"/>
-              </a:buClr>
-              <a:buFont typeface="Arial" panose="020B0604020202020204" pitchFamily="34" charset="0"/>
-              <a:buNone/>
-              <a:defRPr sz="1600" kern="1200" baseline="0">
-                <a:solidFill>
-                  <a:schemeClr val="tx1">
-                    <a:lumMod val="65000"/>
-                    <a:lumOff val="35000"/>
-                  </a:schemeClr>
-                </a:solidFill>
-                <a:latin typeface="+mn-lt"/>
-                <a:ea typeface="+mn-ea"/>
-                <a:cs typeface="+mn-cs"/>
-              </a:defRPr>
-            </a:lvl9pPr>
-          </a:lstStyle>
-          <a:p>
-            <a:r>
-              <a:rPr lang="en-CA" sz="2500" dirty="0">
-                <a:solidFill>
-                  <a:schemeClr val="tx1"/>
-                </a:solidFill>
-              </a:rPr>
-              <a:t>Group 6</a:t>
-            </a:r>
-            <a:endParaRPr lang="en-US" sz="2500" dirty="0">
-              <a:solidFill>
-                <a:schemeClr val="tx1"/>
-              </a:solidFill>
-            </a:endParaRPr>
-          </a:p>
-        </p:txBody>
-      </p:sp>
-    </p:spTree>
-    <p:extLst>
-      <p:ext uri="{BB962C8B-B14F-4D97-AF65-F5344CB8AC3E}">
-        <p14:creationId xmlns:p14="http://schemas.microsoft.com/office/powerpoint/2010/main" val="2098083571"/>
-      </p:ext>
-    </p:extLst>
-  </p:cSld>
-  <p:clrMapOvr>
-    <a:masterClrMapping/>
-  </p:clrMapOvr>
-</p:sld>
-</file>
-
-<file path=ppt/slides/slide12.xml><?xml version="1.0" encoding="utf-8"?>
+<file path=ppt/slides/slide13.xml><?xml version="1.0" encoding="utf-8"?>
 <p:sld xmlns:a="http://schemas.openxmlformats.org/drawingml/2006/main" xmlns:r="http://schemas.openxmlformats.org/officeDocument/2006/relationships" xmlns:p="http://schemas.openxmlformats.org/presentationml/2006/main">
   <p:cSld>
     <p:spTree>
@@ -13860,7 +12002,7 @@
           <p:nvPr>
             <p:extLst>
               <p:ext uri="{386F3935-93C4-4BCD-93E2-E3B085C9AB24}">
-                <p16:designElem xmlns:p16="http://schemas.microsoft.com/office/powerpoint/2015/main" val="1"/>
+                <p16:designElem xmlns:p16="http://schemas.microsoft.com/office/powerpoint/2015/main" xmlns="" val="1"/>
               </p:ext>
             </p:extLst>
           </p:nvPr>
@@ -13914,7 +12056,7 @@
           <p:nvPr>
             <p:extLst>
               <p:ext uri="{386F3935-93C4-4BCD-93E2-E3B085C9AB24}">
-                <p16:designElem xmlns:p16="http://schemas.microsoft.com/office/powerpoint/2015/main" val="1"/>
+                <p16:designElem xmlns:p16="http://schemas.microsoft.com/office/powerpoint/2015/main" xmlns="" val="1"/>
               </p:ext>
             </p:extLst>
           </p:nvPr>
@@ -14007,7 +12149,7 @@
           <p:nvPr>
             <p:extLst>
               <p:ext uri="{386F3935-93C4-4BCD-93E2-E3B085C9AB24}">
-                <p16:designElem xmlns:p16="http://schemas.microsoft.com/office/powerpoint/2015/main" val="1"/>
+                <p16:designElem xmlns:p16="http://schemas.microsoft.com/office/powerpoint/2015/main" xmlns="" val="1"/>
               </p:ext>
             </p:extLst>
           </p:nvPr>
@@ -14812,6 +12954,13 @@
   <p:clrMapOvr>
     <a:masterClrMapping/>
   </p:clrMapOvr>
+  <p:timing>
+    <p:tnLst>
+      <p:par>
+        <p:cTn id="1" dur="indefinite" restart="never" nodeType="tmRoot"/>
+      </p:par>
+    </p:tnLst>
+  </p:timing>
 </p:sld>
 </file>
 
@@ -14921,18 +13070,39 @@
               <a:buNone/>
             </a:pPr>
             <a:r>
-              <a:rPr lang="en-CA" sz="3000" b="1">
+              <a:rPr lang="en-CA" sz="3000" b="1" dirty="0">
                 <a:solidFill>
                   <a:srgbClr val="2A1A00"/>
                 </a:solidFill>
               </a:rPr>
               <a:t>How should autonomous vehicles behave when approaching a four-way stop? </a:t>
             </a:r>
+            <a:endParaRPr lang="en-CA" sz="3000" b="1" dirty="0" smtClean="0">
+              <a:solidFill>
+                <a:srgbClr val="2A1A00"/>
+              </a:solidFill>
+            </a:endParaRPr>
+          </a:p>
+          <a:p>
+            <a:pPr marL="0" marR="0" lvl="0" indent="0" algn="l" rtl="0">
+              <a:lnSpc>
+                <a:spcPct val="110000"/>
+              </a:lnSpc>
+              <a:spcBef>
+                <a:spcPts val="0"/>
+              </a:spcBef>
+              <a:buNone/>
+            </a:pPr>
+            <a:endParaRPr lang="en-CA" sz="3000" b="1" dirty="0">
+              <a:solidFill>
+                <a:srgbClr val="2A1A00"/>
+              </a:solidFill>
+            </a:endParaRPr>
           </a:p>
           <a:p>
             <a:pPr marL="1371600" marR="0" lvl="2" indent="-419100" algn="l" rtl="0">
               <a:lnSpc>
-                <a:spcPct val="110000"/>
+                <a:spcPct val="150000"/>
               </a:lnSpc>
               <a:spcBef>
                 <a:spcPts val="0"/>
@@ -14943,7 +13113,7 @@
               <a:buSzPct val="100000"/>
             </a:pPr>
             <a:r>
-              <a:rPr lang="en-CA" sz="3000">
+              <a:rPr lang="en-CA" sz="2400" dirty="0">
                 <a:solidFill>
                   <a:srgbClr val="2A1A00"/>
                 </a:solidFill>
@@ -14954,7 +13124,7 @@
           <a:p>
             <a:pPr marL="1371600" marR="0" lvl="2" indent="-419100" algn="l" rtl="0">
               <a:lnSpc>
-                <a:spcPct val="110000"/>
+                <a:spcPct val="150000"/>
               </a:lnSpc>
               <a:spcBef>
                 <a:spcPts val="0"/>
@@ -14965,7 +13135,7 @@
               <a:buSzPct val="100000"/>
             </a:pPr>
             <a:r>
-              <a:rPr lang="en-CA" sz="3000">
+              <a:rPr lang="en-CA" sz="2400" dirty="0">
                 <a:solidFill>
                   <a:srgbClr val="2A1A00"/>
                 </a:solidFill>
@@ -14983,7 +13153,7 @@
               </a:spcBef>
               <a:buNone/>
             </a:pPr>
-            <a:endParaRPr>
+            <a:endParaRPr dirty="0">
               <a:solidFill>
                 <a:srgbClr val="2A1A00"/>
               </a:solidFill>
@@ -15001,6 +13171,13 @@
   <p:clrMapOvr>
     <a:masterClrMapping/>
   </p:clrMapOvr>
+  <p:timing>
+    <p:tnLst>
+      <p:par>
+        <p:cTn id="1" dur="indefinite" restart="never" nodeType="tmRoot"/>
+      </p:par>
+    </p:tnLst>
+  </p:timing>
 </p:sld>
 </file>
 
@@ -15110,7 +13287,7 @@
               <a:buNone/>
             </a:pPr>
             <a:r>
-              <a:rPr lang="en-CA" sz="2400" b="1">
+              <a:rPr lang="en-CA" sz="2400" b="1" dirty="0">
                 <a:solidFill>
                   <a:schemeClr val="dk2"/>
                 </a:solidFill>
@@ -15130,9 +13307,11 @@
                 <a:schemeClr val="dk2"/>
               </a:buClr>
               <a:buSzPct val="100000"/>
+              <a:buFont typeface="Arial" panose="020B0604020202020204" pitchFamily="34" charset="0"/>
+              <a:buChar char="•"/>
             </a:pPr>
             <a:r>
-              <a:rPr lang="en-CA" sz="2400">
+              <a:rPr lang="en-CA" sz="2400" dirty="0">
                 <a:solidFill>
                   <a:schemeClr val="dk2"/>
                 </a:solidFill>
@@ -15141,10 +13320,7 @@
             </a:r>
           </a:p>
           <a:p>
-            <a:pPr marL="914400" marR="0" lvl="1" indent="-381000" algn="l" rtl="0">
-              <a:lnSpc>
-                <a:spcPct val="110000"/>
-              </a:lnSpc>
+            <a:pPr marL="876300" lvl="1" indent="-342900">
               <a:spcBef>
                 <a:spcPts val="0"/>
               </a:spcBef>
@@ -15152,9 +13328,11 @@
                 <a:schemeClr val="dk2"/>
               </a:buClr>
               <a:buSzPct val="100000"/>
+              <a:buFont typeface="Arial" panose="020B0604020202020204" pitchFamily="34" charset="0"/>
+              <a:buChar char="•"/>
             </a:pPr>
             <a:r>
-              <a:rPr lang="en-CA" sz="2400">
+              <a:rPr lang="en-CA" sz="2400" dirty="0">
                 <a:solidFill>
                   <a:schemeClr val="dk2"/>
                 </a:solidFill>
@@ -15172,7 +13350,7 @@
               </a:spcBef>
               <a:buNone/>
             </a:pPr>
-            <a:endParaRPr sz="2400">
+            <a:endParaRPr sz="2400" dirty="0">
               <a:solidFill>
                 <a:schemeClr val="dk2"/>
               </a:solidFill>
@@ -15186,7 +13364,7 @@
               <a:buNone/>
             </a:pPr>
             <a:r>
-              <a:rPr lang="en-CA" sz="2400" b="1">
+              <a:rPr lang="en-CA" sz="2400" b="1" dirty="0">
                 <a:solidFill>
                   <a:schemeClr val="dk2"/>
                 </a:solidFill>
@@ -15195,7 +13373,7 @@
             </a:r>
           </a:p>
           <a:p>
-            <a:pPr marL="914400" lvl="1" indent="-381000" rtl="0">
+            <a:pPr marL="876300" lvl="1" indent="-342900">
               <a:spcBef>
                 <a:spcPts val="0"/>
               </a:spcBef>
@@ -15203,9 +13381,11 @@
                 <a:schemeClr val="dk2"/>
               </a:buClr>
               <a:buSzPct val="100000"/>
+              <a:buFont typeface="Arial" panose="020B0604020202020204" pitchFamily="34" charset="0"/>
+              <a:buChar char="•"/>
             </a:pPr>
             <a:r>
-              <a:rPr lang="en-CA" sz="2400">
+              <a:rPr lang="en-CA" sz="2400" dirty="0">
                 <a:solidFill>
                   <a:schemeClr val="dk2"/>
                 </a:solidFill>
@@ -15214,7 +13394,7 @@
             </a:r>
           </a:p>
           <a:p>
-            <a:pPr marL="914400" lvl="1" indent="-381000" rtl="0">
+            <a:pPr marL="876300" lvl="1" indent="-342900">
               <a:spcBef>
                 <a:spcPts val="0"/>
               </a:spcBef>
@@ -15222,9 +13402,11 @@
                 <a:schemeClr val="dk2"/>
               </a:buClr>
               <a:buSzPct val="100000"/>
+              <a:buFont typeface="Arial" panose="020B0604020202020204" pitchFamily="34" charset="0"/>
+              <a:buChar char="•"/>
             </a:pPr>
             <a:r>
-              <a:rPr lang="en-CA" sz="2400">
+              <a:rPr lang="en-CA" sz="2400" dirty="0">
                 <a:solidFill>
                   <a:schemeClr val="dk2"/>
                 </a:solidFill>
@@ -15239,7 +13421,7 @@
               </a:spcBef>
               <a:buNone/>
             </a:pPr>
-            <a:endParaRPr sz="2400" b="1">
+            <a:endParaRPr sz="2400" b="1" dirty="0">
               <a:solidFill>
                 <a:schemeClr val="dk2"/>
               </a:solidFill>
@@ -15253,7 +13435,7 @@
               <a:buNone/>
             </a:pPr>
             <a:r>
-              <a:rPr lang="en-CA" sz="2400" b="1">
+              <a:rPr lang="en-CA" sz="2400" b="1" dirty="0">
                 <a:solidFill>
                   <a:schemeClr val="dk2"/>
                 </a:solidFill>
@@ -15272,7 +13454,7 @@
               <a:buSzPct val="100000"/>
             </a:pPr>
             <a:r>
-              <a:rPr lang="en-CA" sz="2400">
+              <a:rPr lang="en-CA" sz="2400" dirty="0">
                 <a:solidFill>
                   <a:schemeClr val="dk2"/>
                 </a:solidFill>
@@ -15291,7 +13473,7 @@
               <a:buSzPct val="100000"/>
             </a:pPr>
             <a:r>
-              <a:rPr lang="en-CA" sz="2400">
+              <a:rPr lang="en-CA" sz="2400" dirty="0">
                 <a:solidFill>
                   <a:schemeClr val="dk2"/>
                 </a:solidFill>
@@ -15311,6 +13493,13 @@
   <p:clrMapOvr>
     <a:masterClrMapping/>
   </p:clrMapOvr>
+  <p:timing>
+    <p:tnLst>
+      <p:par>
+        <p:cTn id="1" dur="indefinite" restart="never" nodeType="tmRoot"/>
+      </p:par>
+    </p:tnLst>
+  </p:timing>
 </p:sld>
 </file>
 
@@ -15389,7 +13578,7 @@
         </p:nvSpPr>
         <p:spPr>
           <a:xfrm>
-            <a:off x="1290500" y="1690600"/>
+            <a:off x="1235800" y="1690600"/>
             <a:ext cx="10163400" cy="5002200"/>
           </a:xfrm>
           <a:prstGeom prst="rect">
@@ -15413,8 +13602,7 @@
               <a:buNone/>
             </a:pPr>
             <a:r>
-              <a:rPr lang="en-CA" sz="2400" b="1">
-                <a:latin typeface="Cabin"/>
+              <a:rPr lang="en-CA" sz="2400" b="1" dirty="0">
                 <a:ea typeface="Cabin"/>
                 <a:cs typeface="Cabin"/>
                 <a:sym typeface="Cabin"/>
@@ -15423,17 +13611,16 @@
             </a:r>
           </a:p>
           <a:p>
-            <a:pPr marL="457200" lvl="0" indent="-381000">
-              <a:spcBef>
-                <a:spcPts val="0"/>
-              </a:spcBef>
+            <a:pPr marL="914400" lvl="1" indent="-381000">
+              <a:lnSpc>
+                <a:spcPct val="150000"/>
+              </a:lnSpc>
               <a:buSzPct val="100000"/>
-              <a:buFont typeface="Cabin"/>
-              <a:buChar char="-"/>
+              <a:buFont typeface="Arial" panose="020B0604020202020204" pitchFamily="34" charset="0"/>
+              <a:buChar char="•"/>
             </a:pPr>
             <a:r>
-              <a:rPr lang="en-CA" sz="2400">
-                <a:latin typeface="Cabin"/>
+              <a:rPr lang="en-CA" sz="2400" dirty="0">
                 <a:ea typeface="Cabin"/>
                 <a:cs typeface="Cabin"/>
                 <a:sym typeface="Cabin"/>
@@ -15442,20 +13629,19 @@
             </a:r>
           </a:p>
           <a:p>
-            <a:pPr marL="457200" lvl="0" indent="-381000" rtl="0">
-              <a:spcBef>
-                <a:spcPts val="0"/>
-              </a:spcBef>
+            <a:pPr marL="914400" lvl="1" indent="-381000">
+              <a:lnSpc>
+                <a:spcPct val="150000"/>
+              </a:lnSpc>
               <a:buSzPct val="100000"/>
-              <a:buFont typeface="Cabin"/>
-              <a:buChar char="-"/>
+              <a:buFont typeface="Arial" panose="020B0604020202020204" pitchFamily="34" charset="0"/>
+              <a:buChar char="•"/>
             </a:pPr>
             <a:r>
-              <a:rPr lang="en-CA" sz="2400">
+              <a:rPr lang="en-CA" sz="2400" dirty="0">
                 <a:solidFill>
                   <a:schemeClr val="dk1"/>
                 </a:solidFill>
-                <a:latin typeface="Cabin"/>
                 <a:ea typeface="Cabin"/>
                 <a:cs typeface="Cabin"/>
                 <a:sym typeface="Cabin"/>
@@ -15470,8 +13656,7 @@
               </a:spcBef>
               <a:buNone/>
             </a:pPr>
-            <a:endParaRPr sz="2400">
-              <a:latin typeface="Cabin"/>
+            <a:endParaRPr sz="2400" dirty="0">
               <a:ea typeface="Cabin"/>
               <a:cs typeface="Cabin"/>
               <a:sym typeface="Cabin"/>
@@ -15485,8 +13670,7 @@
               <a:buNone/>
             </a:pPr>
             <a:r>
-              <a:rPr lang="en-CA" sz="2400" b="1">
-                <a:latin typeface="Cabin"/>
+              <a:rPr lang="en-CA" sz="2400" b="1" dirty="0">
                 <a:ea typeface="Cabin"/>
                 <a:cs typeface="Cabin"/>
                 <a:sym typeface="Cabin"/>
@@ -15495,17 +13679,16 @@
             </a:r>
           </a:p>
           <a:p>
-            <a:pPr marL="457200" lvl="0" indent="-381000" rtl="0">
-              <a:spcBef>
-                <a:spcPts val="0"/>
-              </a:spcBef>
+            <a:pPr marL="914400" lvl="1" indent="-381000">
+              <a:lnSpc>
+                <a:spcPct val="150000"/>
+              </a:lnSpc>
               <a:buSzPct val="100000"/>
-              <a:buFont typeface="Cabin"/>
-              <a:buChar char="-"/>
+              <a:buFont typeface="Arial" panose="020B0604020202020204" pitchFamily="34" charset="0"/>
+              <a:buChar char="•"/>
             </a:pPr>
             <a:r>
-              <a:rPr lang="en-CA" sz="2400">
-                <a:latin typeface="Cabin"/>
+              <a:rPr lang="en-CA" sz="2400" dirty="0">
                 <a:ea typeface="Cabin"/>
                 <a:cs typeface="Cabin"/>
                 <a:sym typeface="Cabin"/>
@@ -15514,17 +13697,16 @@
             </a:r>
           </a:p>
           <a:p>
-            <a:pPr marL="457200" lvl="0" indent="-381000" rtl="0">
-              <a:spcBef>
-                <a:spcPts val="0"/>
-              </a:spcBef>
+            <a:pPr marL="914400" lvl="1" indent="-381000">
+              <a:lnSpc>
+                <a:spcPct val="150000"/>
+              </a:lnSpc>
               <a:buSzPct val="100000"/>
-              <a:buFont typeface="Cabin"/>
-              <a:buChar char="-"/>
+              <a:buFont typeface="Arial" panose="020B0604020202020204" pitchFamily="34" charset="0"/>
+              <a:buChar char="•"/>
             </a:pPr>
             <a:r>
-              <a:rPr lang="en-CA" sz="2400">
-                <a:latin typeface="Cabin"/>
+              <a:rPr lang="en-CA" sz="2400" dirty="0">
                 <a:ea typeface="Cabin"/>
                 <a:cs typeface="Cabin"/>
                 <a:sym typeface="Cabin"/>
@@ -15534,13 +13716,15 @@
           </a:p>
           <a:p>
             <a:pPr lvl="0" rtl="0">
+              <a:lnSpc>
+                <a:spcPct val="150000"/>
+              </a:lnSpc>
               <a:spcBef>
                 <a:spcPts val="0"/>
               </a:spcBef>
               <a:buNone/>
             </a:pPr>
-            <a:endParaRPr sz="2400">
-              <a:latin typeface="Cabin"/>
+            <a:endParaRPr sz="2400" dirty="0">
               <a:ea typeface="Cabin"/>
               <a:cs typeface="Cabin"/>
               <a:sym typeface="Cabin"/>
@@ -15558,6 +13742,13 @@
   <p:clrMapOvr>
     <a:masterClrMapping/>
   </p:clrMapOvr>
+  <p:timing>
+    <p:tnLst>
+      <p:par>
+        <p:cTn id="1" dur="indefinite" restart="never" nodeType="tmRoot"/>
+      </p:par>
+    </p:tnLst>
+  </p:timing>
 </p:sld>
 </file>
 
@@ -17920,48 +16111,74 @@
                   <a:schemeClr val="dk1"/>
                 </a:solidFill>
               </a:rPr>
-              <a:t>What does it do?</a:t>
-            </a:r>
-          </a:p>
-          <a:p>
-            <a:pPr marL="0" lvl="0" indent="0" rtl="0">
+              <a:t>What does it </a:t>
+            </a:r>
+            <a:r>
+              <a:rPr lang="en-CA" sz="2400" b="1" dirty="0" smtClean="0">
+                <a:solidFill>
+                  <a:schemeClr val="dk1"/>
+                </a:solidFill>
+              </a:rPr>
+              <a:t>do?</a:t>
+            </a:r>
+          </a:p>
+          <a:p>
+            <a:pPr lvl="1">
               <a:lnSpc>
-                <a:spcPct val="100000"/>
+                <a:spcPct val="150000"/>
               </a:lnSpc>
               <a:spcBef>
                 <a:spcPts val="0"/>
               </a:spcBef>
-              <a:buNone/>
+              <a:buFont typeface="Arial" panose="020B0604020202020204" pitchFamily="34" charset="0"/>
+              <a:buChar char="•"/>
             </a:pPr>
             <a:r>
-              <a:rPr lang="en-CA" sz="2400" dirty="0">
+              <a:rPr lang="en-CA" sz="2200" dirty="0" smtClean="0">
                 <a:solidFill>
                   <a:schemeClr val="dk1"/>
                 </a:solidFill>
               </a:rPr>
-              <a:t>- Controls motion and direction of vehicle </a:t>
-            </a:r>
-          </a:p>
-          <a:p>
-            <a:pPr marL="0" lvl="0" indent="0" rtl="0">
+              <a:t>Controls </a:t>
+            </a:r>
+            <a:r>
+              <a:rPr lang="en-CA" sz="2200" dirty="0">
+                <a:solidFill>
+                  <a:schemeClr val="dk1"/>
+                </a:solidFill>
+              </a:rPr>
+              <a:t>motion and direction of vehicle </a:t>
+            </a:r>
+          </a:p>
+          <a:p>
+            <a:pPr lvl="1">
               <a:lnSpc>
-                <a:spcPct val="100000"/>
+                <a:spcPct val="150000"/>
               </a:lnSpc>
               <a:spcBef>
                 <a:spcPts val="0"/>
               </a:spcBef>
-              <a:buNone/>
+              <a:buFont typeface="Arial" panose="020B0604020202020204" pitchFamily="34" charset="0"/>
+              <a:buChar char="•"/>
             </a:pPr>
             <a:r>
-              <a:rPr lang="en-CA" sz="2400" dirty="0">
+              <a:rPr lang="en-CA" sz="2200" dirty="0" smtClean="0">
                 <a:solidFill>
                   <a:schemeClr val="dk1"/>
                 </a:solidFill>
               </a:rPr>
-              <a:t>- Ensures vehicle follows lanes and avoids obstacles</a:t>
-            </a:r>
-            <a:r>
-              <a:rPr lang="en-CA" sz="2400" b="1" dirty="0">
+              <a:t>Ensures </a:t>
+            </a:r>
+            <a:r>
+              <a:rPr lang="en-CA" sz="2200" dirty="0">
+                <a:solidFill>
+                  <a:schemeClr val="dk1"/>
+                </a:solidFill>
+              </a:rPr>
+              <a:t>vehicle follows lanes and avoids obstacles</a:t>
+            </a:r>
+            <a:r>
+              <a:rPr lang="en-CA" sz="2200" b="1" dirty="0">
                 <a:solidFill>
                   <a:schemeClr val="dk1"/>
                 </a:solidFill>
@@ -17970,9 +16187,9 @@
             </a:r>
           </a:p>
           <a:p>
-            <a:pPr marL="0" lvl="0" indent="-69850" rtl="0">
+            <a:pPr marL="457200" lvl="1" indent="-69850">
               <a:lnSpc>
-                <a:spcPct val="100000"/>
+                <a:spcPct val="150000"/>
               </a:lnSpc>
               <a:spcBef>
                 <a:spcPts val="0"/>
@@ -17984,7 +16201,7 @@
               <a:buFont typeface="Arial"/>
               <a:buNone/>
             </a:pPr>
-            <a:endParaRPr sz="2400" b="1" dirty="0">
+            <a:endParaRPr sz="2200" b="1" dirty="0">
               <a:solidFill>
                 <a:schemeClr val="dk1"/>
               </a:solidFill>
@@ -18010,57 +16227,76 @@
             </a:r>
           </a:p>
           <a:p>
-            <a:pPr marL="0" lvl="0" indent="0" rtl="0">
+            <a:pPr lvl="1">
               <a:lnSpc>
-                <a:spcPct val="100000"/>
+                <a:spcPct val="150000"/>
               </a:lnSpc>
               <a:spcBef>
                 <a:spcPts val="0"/>
               </a:spcBef>
-              <a:buNone/>
+              <a:buFont typeface="Arial" panose="020B0604020202020204" pitchFamily="34" charset="0"/>
+              <a:buChar char="•"/>
             </a:pPr>
             <a:r>
-              <a:rPr lang="en-CA" sz="2400" b="1" dirty="0">
+              <a:rPr lang="en-CA" sz="2200" dirty="0" smtClean="0">
                 <a:solidFill>
                   <a:schemeClr val="dk1"/>
                 </a:solidFill>
               </a:rPr>
-              <a:t>- </a:t>
-            </a:r>
-            <a:r>
-              <a:rPr lang="en-CA" sz="2400" dirty="0">
+              <a:t>Capture track information periodically</a:t>
+            </a:r>
+          </a:p>
+          <a:p>
+            <a:pPr lvl="1">
+              <a:lnSpc>
+                <a:spcPct val="150000"/>
+              </a:lnSpc>
+              <a:spcBef>
+                <a:spcPts val="0"/>
+              </a:spcBef>
+              <a:buFont typeface="Arial" panose="020B0604020202020204" pitchFamily="34" charset="0"/>
+              <a:buChar char="•"/>
+            </a:pPr>
+            <a:r>
+              <a:rPr lang="en-CA" sz="2200" dirty="0" smtClean="0">
                 <a:solidFill>
                   <a:schemeClr val="dk1"/>
                 </a:solidFill>
               </a:rPr>
-              <a:t>Keeps vehicle in the lane </a:t>
-            </a:r>
-          </a:p>
-          <a:p>
-            <a:pPr marL="0" lvl="0" indent="0" rtl="0">
+              <a:t>Adjust lane positioning</a:t>
+            </a:r>
+            <a:endParaRPr lang="en-CA" sz="2200" dirty="0">
+              <a:solidFill>
+                <a:schemeClr val="dk1"/>
+              </a:solidFill>
+            </a:endParaRPr>
+          </a:p>
+          <a:p>
+            <a:pPr lvl="1">
               <a:lnSpc>
-                <a:spcPct val="100000"/>
+                <a:spcPct val="150000"/>
               </a:lnSpc>
               <a:spcBef>
                 <a:spcPts val="0"/>
               </a:spcBef>
-              <a:buNone/>
+              <a:buFont typeface="Arial" panose="020B0604020202020204" pitchFamily="34" charset="0"/>
+              <a:buChar char="•"/>
             </a:pPr>
             <a:r>
-              <a:rPr lang="en-CA" sz="2400" b="1" dirty="0">
+              <a:rPr lang="en-CA" sz="2200" dirty="0" smtClean="0">
                 <a:solidFill>
                   <a:schemeClr val="dk1"/>
                 </a:solidFill>
               </a:rPr>
-              <a:t>- </a:t>
-            </a:r>
-            <a:r>
-              <a:rPr lang="en-CA" sz="2400" dirty="0">
+              <a:t>Communicates </a:t>
+            </a:r>
+            <a:r>
+              <a:rPr lang="en-CA" sz="2200" dirty="0">
                 <a:solidFill>
                   <a:schemeClr val="dk1"/>
                 </a:solidFill>
               </a:rPr>
-              <a:t>Communicates to the intersection controller when needed </a:t>
+              <a:t>to the intersection controller when needed </a:t>
             </a:r>
           </a:p>
         </p:txBody>
@@ -18075,10 +16311,117 @@
   <p:clrMapOvr>
     <a:masterClrMapping/>
   </p:clrMapOvr>
+  <p:timing>
+    <p:tnLst>
+      <p:par>
+        <p:cTn id="1" dur="indefinite" restart="never" nodeType="tmRoot"/>
+      </p:par>
+    </p:tnLst>
+  </p:timing>
 </p:sld>
 </file>
 
 <file path=ppt/slides/slide7.xml><?xml version="1.0" encoding="utf-8"?>
+<p:sld xmlns:a="http://schemas.openxmlformats.org/drawingml/2006/main" xmlns:r="http://schemas.openxmlformats.org/officeDocument/2006/relationships" xmlns:p="http://schemas.openxmlformats.org/presentationml/2006/main">
+  <p:cSld>
+    <p:spTree>
+      <p:nvGrpSpPr>
+        <p:cNvPr id="1" name=""/>
+        <p:cNvGrpSpPr/>
+        <p:nvPr/>
+      </p:nvGrpSpPr>
+      <p:grpSpPr>
+        <a:xfrm>
+          <a:off x="0" y="0"/>
+          <a:ext cx="0" cy="0"/>
+          <a:chOff x="0" y="0"/>
+          <a:chExt cx="0" cy="0"/>
+        </a:xfrm>
+      </p:grpSpPr>
+      <p:pic>
+        <p:nvPicPr>
+          <p:cNvPr id="5" name="Content Placeholder 4"/>
+          <p:cNvPicPr>
+            <a:picLocks noGrp="1" noChangeAspect="1"/>
+          </p:cNvPicPr>
+          <p:nvPr>
+            <p:ph idx="1"/>
+          </p:nvPr>
+        </p:nvPicPr>
+        <p:blipFill>
+          <a:blip r:embed="rId2" cstate="print">
+            <a:extLst>
+              <a:ext uri="{28A0092B-C50C-407E-A947-70E740481C1C}">
+                <a14:useLocalDpi xmlns:a14="http://schemas.microsoft.com/office/drawing/2010/main" val="0"/>
+              </a:ext>
+            </a:extLst>
+          </a:blip>
+          <a:stretch>
+            <a:fillRect/>
+          </a:stretch>
+        </p:blipFill>
+        <p:spPr>
+          <a:xfrm>
+            <a:off x="1672519" y="1229360"/>
+            <a:ext cx="9554916" cy="5374640"/>
+          </a:xfrm>
+        </p:spPr>
+      </p:pic>
+      <p:sp>
+        <p:nvSpPr>
+          <p:cNvPr id="4" name="Title 1"/>
+          <p:cNvSpPr>
+            <a:spLocks noGrp="1"/>
+          </p:cNvSpPr>
+          <p:nvPr>
+            <p:ph type="title"/>
+          </p:nvPr>
+        </p:nvSpPr>
+        <p:spPr>
+          <a:xfrm>
+            <a:off x="1251678" y="382385"/>
+            <a:ext cx="10178322" cy="775855"/>
+          </a:xfrm>
+        </p:spPr>
+        <p:txBody>
+          <a:bodyPr>
+            <a:normAutofit fontScale="90000"/>
+          </a:bodyPr>
+          <a:lstStyle/>
+          <a:p>
+            <a:r>
+              <a:rPr lang="en-CA" dirty="0"/>
+              <a:t>VEHICLE </a:t>
+            </a:r>
+            <a:r>
+              <a:rPr lang="en-CA" dirty="0" smtClean="0"/>
+              <a:t>CONTROLLER </a:t>
+            </a:r>
+            <a:endParaRPr lang="en-CA" dirty="0"/>
+          </a:p>
+        </p:txBody>
+      </p:sp>
+    </p:spTree>
+    <p:extLst>
+      <p:ext uri="{BB962C8B-B14F-4D97-AF65-F5344CB8AC3E}">
+        <p14:creationId xmlns:p14="http://schemas.microsoft.com/office/powerpoint/2010/main" val="1682538198"/>
+      </p:ext>
+    </p:extLst>
+  </p:cSld>
+  <p:clrMapOvr>
+    <a:masterClrMapping/>
+  </p:clrMapOvr>
+  <p:timing>
+    <p:tnLst>
+      <p:par>
+        <p:cTn id="1" dur="indefinite" restart="never" nodeType="tmRoot"/>
+      </p:par>
+    </p:tnLst>
+  </p:timing>
+</p:sld>
+</file>
+
+<file path=ppt/slides/slide8.xml><?xml version="1.0" encoding="utf-8"?>
 <p:sld xmlns:a="http://schemas.openxmlformats.org/drawingml/2006/main" xmlns:r="http://schemas.openxmlformats.org/officeDocument/2006/relationships" xmlns:p="http://schemas.openxmlformats.org/presentationml/2006/main">
   <p:cSld>
     <p:spTree>
@@ -18105,40 +16448,57 @@
             <p:ph type="title"/>
           </p:nvPr>
         </p:nvSpPr>
-        <p:spPr/>
+        <p:spPr>
+          <a:xfrm>
+            <a:off x="1251678" y="382385"/>
+            <a:ext cx="10178322" cy="867295"/>
+          </a:xfrm>
+        </p:spPr>
         <p:txBody>
           <a:bodyPr/>
           <a:lstStyle/>
           <a:p>
             <a:r>
               <a:rPr lang="en-CA" dirty="0"/>
-              <a:t>VEHICLE CONTROLLER </a:t>
-            </a:r>
+              <a:t>VEHICLE </a:t>
+            </a:r>
+            <a:r>
+              <a:rPr lang="en-CA" dirty="0" smtClean="0"/>
+              <a:t>CONTROLLER </a:t>
+            </a:r>
+            <a:endParaRPr lang="en-CA" dirty="0"/>
           </a:p>
         </p:txBody>
       </p:sp>
-      <p:sp>
-        <p:nvSpPr>
-          <p:cNvPr id="3" name="Content Placeholder 2"/>
-          <p:cNvSpPr>
-            <a:spLocks noGrp="1"/>
-          </p:cNvSpPr>
+      <p:pic>
+        <p:nvPicPr>
+          <p:cNvPr id="8" name="Content Placeholder 7"/>
+          <p:cNvPicPr>
+            <a:picLocks noGrp="1" noChangeAspect="1"/>
+          </p:cNvPicPr>
           <p:nvPr>
             <p:ph idx="1"/>
           </p:nvPr>
-        </p:nvSpPr>
-        <p:spPr/>
-        <p:txBody>
-          <a:bodyPr/>
-          <a:lstStyle/>
-          <a:p>
-            <a:r>
-              <a:rPr lang="en-CA" dirty="0"/>
-              <a:t>PICTURES HERE!!! (jean will put pictures here)</a:t>
-            </a:r>
-          </a:p>
-        </p:txBody>
-      </p:sp>
+        </p:nvPicPr>
+        <p:blipFill>
+          <a:blip r:embed="rId3" cstate="print">
+            <a:extLst>
+              <a:ext uri="{28A0092B-C50C-407E-A947-70E740481C1C}">
+                <a14:useLocalDpi xmlns:a14="http://schemas.microsoft.com/office/drawing/2010/main" val="0"/>
+              </a:ext>
+            </a:extLst>
+          </a:blip>
+          <a:stretch>
+            <a:fillRect/>
+          </a:stretch>
+        </p:blipFill>
+        <p:spPr>
+          <a:xfrm>
+            <a:off x="1660218" y="1473200"/>
+            <a:ext cx="9361241" cy="5265698"/>
+          </a:xfrm>
+        </p:spPr>
+      </p:pic>
     </p:spTree>
     <p:extLst>
       <p:ext uri="{BB962C8B-B14F-4D97-AF65-F5344CB8AC3E}">
@@ -18149,15 +16509,22 @@
   <p:clrMapOvr>
     <a:masterClrMapping/>
   </p:clrMapOvr>
+  <p:timing>
+    <p:tnLst>
+      <p:par>
+        <p:cTn id="1" dur="indefinite" restart="never" nodeType="tmRoot"/>
+      </p:par>
+    </p:tnLst>
+  </p:timing>
 </p:sld>
 </file>
 
-<file path=ppt/slides/slide8.xml><?xml version="1.0" encoding="utf-8"?>
+<file path=ppt/slides/slide9.xml><?xml version="1.0" encoding="utf-8"?>
 <p:sld xmlns:a="http://schemas.openxmlformats.org/drawingml/2006/main" xmlns:r="http://schemas.openxmlformats.org/officeDocument/2006/relationships" xmlns:p="http://schemas.openxmlformats.org/presentationml/2006/main">
   <p:cSld>
     <p:spTree>
       <p:nvGrpSpPr>
-        <p:cNvPr id="1" name="Shape 163"/>
+        <p:cNvPr id="1" name=""/>
         <p:cNvGrpSpPr/>
         <p:nvPr/>
       </p:nvGrpSpPr>
@@ -18169,1018 +16536,127 @@
           <a:chExt cx="0" cy="0"/>
         </a:xfrm>
       </p:grpSpPr>
-      <p:sp>
-        <p:nvSpPr>
-          <p:cNvPr id="164" name="Shape 164"/>
-          <p:cNvSpPr txBox="1">
-            <a:spLocks noGrp="1"/>
-          </p:cNvSpPr>
+      <p:pic>
+        <p:nvPicPr>
+          <p:cNvPr id="4" name="video-1487123538">
+            <a:hlinkClick r:id="" action="ppaction://media"/>
+          </p:cNvPr>
+          <p:cNvPicPr>
+            <a:picLocks noGrp="1" noChangeAspect="1"/>
+          </p:cNvPicPr>
           <p:nvPr>
-            <p:ph type="title"/>
+            <p:ph idx="1"/>
+            <a:videoFile r:link="rId2"/>
+            <p:extLst>
+              <p:ext uri="{DAA4B4D4-6D71-4841-9C94-3DE7FCFB9230}">
+                <p14:media xmlns:p14="http://schemas.microsoft.com/office/powerpoint/2010/main" r:embed="rId1"/>
+              </p:ext>
+            </p:extLst>
           </p:nvPr>
-        </p:nvSpPr>
+        </p:nvPicPr>
+        <p:blipFill>
+          <a:blip r:embed="rId4"/>
+          <a:stretch>
+            <a:fillRect/>
+          </a:stretch>
+        </p:blipFill>
         <p:spPr>
           <a:xfrm>
-            <a:off x="1251678" y="382385"/>
-            <a:ext cx="10178322" cy="1492132"/>
+            <a:off x="3947770" y="0"/>
+            <a:ext cx="3855110" cy="6872416"/>
           </a:xfrm>
-          <a:prstGeom prst="rect">
-            <a:avLst/>
-          </a:prstGeom>
-          <a:noFill/>
-          <a:ln>
-            <a:noFill/>
-          </a:ln>
         </p:spPr>
-        <p:txBody>
-          <a:bodyPr lIns="91425" tIns="45700" rIns="91425" bIns="45700" anchor="ctr" anchorCtr="0">
-            <a:noAutofit/>
-          </a:bodyPr>
-          <a:lstStyle/>
-          <a:p>
-            <a:pPr marL="0" marR="0" lvl="0" indent="0" algn="l" rtl="0">
-              <a:lnSpc>
-                <a:spcPct val="90000"/>
-              </a:lnSpc>
-              <a:spcBef>
-                <a:spcPts val="0"/>
-              </a:spcBef>
-              <a:buClr>
-                <a:schemeClr val="dk2"/>
-              </a:buClr>
-              <a:buSzPct val="25000"/>
-              <a:buFont typeface="Impact"/>
-              <a:buNone/>
-            </a:pPr>
-            <a:r>
-              <a:rPr lang="en-CA" sz="5100" b="0" i="0" u="none" strike="noStrike" cap="none" dirty="0">
-                <a:solidFill>
-                  <a:schemeClr val="dk2"/>
-                </a:solidFill>
-                <a:latin typeface="Impact"/>
-                <a:ea typeface="Impact"/>
-                <a:cs typeface="Impact"/>
-                <a:sym typeface="Impact"/>
-              </a:rPr>
-              <a:t>INNOVATIVE ASPECTS </a:t>
-            </a:r>
-          </a:p>
-        </p:txBody>
-      </p:sp>
-      <p:sp>
-        <p:nvSpPr>
-          <p:cNvPr id="165" name="Shape 165"/>
-          <p:cNvSpPr txBox="1">
-            <a:spLocks noGrp="1"/>
-          </p:cNvSpPr>
-          <p:nvPr>
-            <p:ph type="body" idx="1"/>
-          </p:nvPr>
-        </p:nvSpPr>
-        <p:spPr>
-          <a:xfrm>
-            <a:off x="1251675" y="1874525"/>
-            <a:ext cx="10178400" cy="4005000"/>
-          </a:xfrm>
-          <a:prstGeom prst="rect">
-            <a:avLst/>
-          </a:prstGeom>
-          <a:noFill/>
-          <a:ln>
-            <a:noFill/>
-          </a:ln>
-        </p:spPr>
-        <p:txBody>
-          <a:bodyPr lIns="91425" tIns="45700" rIns="91425" bIns="45700" anchor="t" anchorCtr="0">
-            <a:noAutofit/>
-          </a:bodyPr>
-          <a:lstStyle/>
-          <a:p>
-            <a:pPr marL="0" marR="0" lvl="0" indent="0" algn="l" rtl="0">
-              <a:lnSpc>
-                <a:spcPct val="110000"/>
-              </a:lnSpc>
-              <a:spcBef>
-                <a:spcPts val="0"/>
-              </a:spcBef>
-              <a:buNone/>
-            </a:pPr>
-            <a:endParaRPr dirty="0">
-              <a:solidFill>
-                <a:srgbClr val="2A1A00"/>
-              </a:solidFill>
-            </a:endParaRPr>
-          </a:p>
-          <a:p>
-            <a:pPr marL="0" marR="0" lvl="0" indent="0" algn="l" rtl="0">
-              <a:lnSpc>
-                <a:spcPct val="110000"/>
-              </a:lnSpc>
-              <a:spcBef>
-                <a:spcPts val="0"/>
-              </a:spcBef>
-              <a:buNone/>
-            </a:pPr>
-            <a:endParaRPr dirty="0">
-              <a:solidFill>
-                <a:srgbClr val="2A1A00"/>
-              </a:solidFill>
-            </a:endParaRPr>
-          </a:p>
-          <a:p>
-            <a:pPr marL="0" marR="0" lvl="0" indent="0" algn="l" rtl="0">
-              <a:lnSpc>
-                <a:spcPct val="110000"/>
-              </a:lnSpc>
-              <a:spcBef>
-                <a:spcPts val="0"/>
-              </a:spcBef>
-              <a:buNone/>
-            </a:pPr>
-            <a:endParaRPr dirty="0">
-              <a:solidFill>
-                <a:srgbClr val="2A1A00"/>
-              </a:solidFill>
-            </a:endParaRPr>
-          </a:p>
-        </p:txBody>
-      </p:sp>
-      <p:sp>
-        <p:nvSpPr>
-          <p:cNvPr id="2" name="TextBox 1"/>
-          <p:cNvSpPr txBox="1"/>
-          <p:nvPr/>
-        </p:nvSpPr>
-        <p:spPr>
-          <a:xfrm>
-            <a:off x="1576252" y="1776549"/>
-            <a:ext cx="8656320" cy="3477875"/>
-          </a:xfrm>
-          <a:prstGeom prst="rect">
-            <a:avLst/>
-          </a:prstGeom>
-          <a:noFill/>
-        </p:spPr>
-        <p:txBody>
-          <a:bodyPr wrap="square" rtlCol="0">
-            <a:spAutoFit/>
-          </a:bodyPr>
-          <a:lstStyle/>
-          <a:p>
-            <a:r>
-              <a:rPr lang="en-CA" sz="2000" b="1" dirty="0"/>
-              <a:t>Two Modes</a:t>
-            </a:r>
-          </a:p>
-          <a:p>
-            <a:r>
-              <a:rPr lang="en-CA" sz="2000" dirty="0"/>
-              <a:t>	1. Smart Intersection</a:t>
-            </a:r>
-          </a:p>
-          <a:p>
-            <a:r>
-              <a:rPr lang="en-CA" sz="2000" dirty="0"/>
-              <a:t>		- Car does not stop at intersection if not needed</a:t>
-            </a:r>
-            <a:br>
-              <a:rPr lang="en-CA" sz="2000" dirty="0"/>
-            </a:br>
-            <a:endParaRPr lang="en-CA" sz="2000" dirty="0"/>
-          </a:p>
-          <a:p>
-            <a:r>
-              <a:rPr lang="en-CA" sz="2000" dirty="0"/>
-              <a:t>       2. Normal Intersection</a:t>
-            </a:r>
-          </a:p>
-          <a:p>
-            <a:r>
-              <a:rPr lang="en-CA" sz="2000" dirty="0"/>
-              <a:t>		- Car stops at intersection, proceeds when allowed</a:t>
-            </a:r>
-          </a:p>
-          <a:p>
-            <a:endParaRPr lang="en-CA" sz="2000" b="1" dirty="0"/>
-          </a:p>
-          <a:p>
-            <a:r>
-              <a:rPr lang="en-CA" sz="2000" b="1" dirty="0"/>
-              <a:t>Intersection Monitoring and Safety</a:t>
-            </a:r>
-          </a:p>
-          <a:p>
-            <a:r>
-              <a:rPr lang="en-CA" sz="2000" b="1" dirty="0"/>
-              <a:t>	</a:t>
-            </a:r>
-            <a:r>
-              <a:rPr lang="en-CA" sz="2000" dirty="0"/>
-              <a:t>- Camera tracks all movement in intersection</a:t>
-            </a:r>
-          </a:p>
-          <a:p>
-            <a:r>
-              <a:rPr lang="en-CA" sz="2000" dirty="0"/>
-              <a:t>	- Redundancy in object detection</a:t>
-            </a:r>
-          </a:p>
-          <a:p>
-            <a:r>
-              <a:rPr lang="en-CA" sz="2000" dirty="0"/>
-              <a:t>	- Cars stop and wait at intersection by default</a:t>
-            </a:r>
-          </a:p>
-        </p:txBody>
-      </p:sp>
+      </p:pic>
     </p:spTree>
     <p:extLst>
       <p:ext uri="{BB962C8B-B14F-4D97-AF65-F5344CB8AC3E}">
-        <p14:creationId xmlns:p14="http://schemas.microsoft.com/office/powerpoint/2010/main" val="905049994"/>
+        <p14:creationId xmlns:p14="http://schemas.microsoft.com/office/powerpoint/2010/main" val="2706740944"/>
       </p:ext>
     </p:extLst>
   </p:cSld>
   <p:clrMapOvr>
     <a:masterClrMapping/>
   </p:clrMapOvr>
-</p:sld>
-</file>
-
-<file path=ppt/slides/slide9.xml><?xml version="1.0" encoding="utf-8"?>
-<p:sld xmlns:a="http://schemas.openxmlformats.org/drawingml/2006/main" xmlns:r="http://schemas.openxmlformats.org/officeDocument/2006/relationships" xmlns:p="http://schemas.openxmlformats.org/presentationml/2006/main">
-  <p:cSld>
-    <p:spTree>
-      <p:nvGrpSpPr>
-        <p:cNvPr id="1" name="Shape 169"/>
-        <p:cNvGrpSpPr/>
-        <p:nvPr/>
-      </p:nvGrpSpPr>
-      <p:grpSpPr>
-        <a:xfrm>
-          <a:off x="0" y="0"/>
-          <a:ext cx="0" cy="0"/>
-          <a:chOff x="0" y="0"/>
-          <a:chExt cx="0" cy="0"/>
-        </a:xfrm>
-      </p:grpSpPr>
-      <p:sp>
-        <p:nvSpPr>
-          <p:cNvPr id="170" name="Shape 170"/>
-          <p:cNvSpPr txBox="1">
-            <a:spLocks noGrp="1"/>
-          </p:cNvSpPr>
-          <p:nvPr>
-            <p:ph type="title"/>
-          </p:nvPr>
-        </p:nvSpPr>
-        <p:spPr>
-          <a:xfrm>
-            <a:off x="1251678" y="382385"/>
-            <a:ext cx="10178322" cy="1492132"/>
-          </a:xfrm>
-          <a:prstGeom prst="rect">
-            <a:avLst/>
-          </a:prstGeom>
-          <a:noFill/>
-          <a:ln>
-            <a:noFill/>
-          </a:ln>
-        </p:spPr>
-        <p:txBody>
-          <a:bodyPr lIns="91425" tIns="45700" rIns="91425" bIns="45700" anchor="ctr" anchorCtr="0">
-            <a:noAutofit/>
-          </a:bodyPr>
-          <a:lstStyle/>
-          <a:p>
-            <a:pPr marL="0" marR="0" lvl="0" indent="0" algn="l" rtl="0">
-              <a:lnSpc>
-                <a:spcPct val="90000"/>
-              </a:lnSpc>
-              <a:spcBef>
-                <a:spcPts val="0"/>
-              </a:spcBef>
-              <a:buClr>
-                <a:schemeClr val="dk2"/>
-              </a:buClr>
-              <a:buSzPct val="25000"/>
-              <a:buFont typeface="Impact"/>
-              <a:buNone/>
-            </a:pPr>
-            <a:r>
-              <a:rPr lang="en-CA" sz="5100" b="0" i="0" u="none" strike="noStrike" cap="none">
-                <a:solidFill>
-                  <a:schemeClr val="dk2"/>
-                </a:solidFill>
-                <a:latin typeface="Impact"/>
-                <a:ea typeface="Impact"/>
-                <a:cs typeface="Impact"/>
-                <a:sym typeface="Impact"/>
-              </a:rPr>
-              <a:t>COST</a:t>
-            </a:r>
-          </a:p>
-        </p:txBody>
-      </p:sp>
-      <p:graphicFrame>
-        <p:nvGraphicFramePr>
-          <p:cNvPr id="171" name="Shape 171"/>
-          <p:cNvGraphicFramePr/>
-          <p:nvPr/>
-        </p:nvGraphicFramePr>
-        <p:xfrm>
-          <a:off x="1187487" y="1574025"/>
-          <a:ext cx="9308575" cy="4713655"/>
-        </p:xfrm>
-        <a:graphic>
-          <a:graphicData uri="http://schemas.openxmlformats.org/drawingml/2006/table">
-            <a:tbl>
-              <a:tblPr>
-                <a:noFill/>
-              </a:tblPr>
-              <a:tblGrid>
-                <a:gridCol w="2576675">
-                  <a:extLst>
-                    <a:ext uri="{9D8B030D-6E8A-4147-A177-3AD203B41FA5}">
-                      <a16:colId xmlns:a16="http://schemas.microsoft.com/office/drawing/2014/main" val="20000"/>
-                    </a:ext>
-                  </a:extLst>
-                </a:gridCol>
-                <a:gridCol w="2576675">
-                  <a:extLst>
-                    <a:ext uri="{9D8B030D-6E8A-4147-A177-3AD203B41FA5}">
-                      <a16:colId xmlns:a16="http://schemas.microsoft.com/office/drawing/2014/main" val="20001"/>
-                    </a:ext>
-                  </a:extLst>
-                </a:gridCol>
-                <a:gridCol w="2576675">
-                  <a:extLst>
-                    <a:ext uri="{9D8B030D-6E8A-4147-A177-3AD203B41FA5}">
-                      <a16:colId xmlns:a16="http://schemas.microsoft.com/office/drawing/2014/main" val="20002"/>
-                    </a:ext>
-                  </a:extLst>
-                </a:gridCol>
-                <a:gridCol w="1578550">
-                  <a:extLst>
-                    <a:ext uri="{9D8B030D-6E8A-4147-A177-3AD203B41FA5}">
-                      <a16:colId xmlns:a16="http://schemas.microsoft.com/office/drawing/2014/main" val="20003"/>
-                    </a:ext>
-                  </a:extLst>
-                </a:gridCol>
-              </a:tblGrid>
-              <a:tr h="425175">
-                <a:tc>
-                  <a:txBody>
-                    <a:bodyPr/>
-                    <a:lstStyle/>
-                    <a:p>
-                      <a:pPr lvl="0">
-                        <a:spcBef>
-                          <a:spcPts val="0"/>
-                        </a:spcBef>
-                        <a:buNone/>
-                      </a:pPr>
-                      <a:r>
-                        <a:rPr lang="en-CA" b="1" dirty="0"/>
-                        <a:t>PART </a:t>
-                      </a:r>
-                    </a:p>
-                  </a:txBody>
-                  <a:tcPr marL="91425" marR="91425" marT="91425" marB="91425"/>
-                </a:tc>
-                <a:tc>
-                  <a:txBody>
-                    <a:bodyPr/>
-                    <a:lstStyle/>
-                    <a:p>
-                      <a:pPr lvl="0">
-                        <a:spcBef>
-                          <a:spcPts val="0"/>
-                        </a:spcBef>
-                        <a:buNone/>
-                      </a:pPr>
-                      <a:r>
-                        <a:rPr lang="en-CA" b="1"/>
-                        <a:t>QUANTITY </a:t>
-                      </a:r>
-                    </a:p>
-                  </a:txBody>
-                  <a:tcPr marL="91425" marR="91425" marT="91425" marB="91425"/>
-                </a:tc>
-                <a:tc>
-                  <a:txBody>
-                    <a:bodyPr/>
-                    <a:lstStyle/>
-                    <a:p>
-                      <a:pPr lvl="0">
-                        <a:spcBef>
-                          <a:spcPts val="0"/>
-                        </a:spcBef>
-                        <a:buNone/>
-                      </a:pPr>
-                      <a:r>
-                        <a:rPr lang="en-CA" b="1"/>
-                        <a:t>PRICE ($)</a:t>
-                      </a:r>
-                    </a:p>
-                  </a:txBody>
-                  <a:tcPr marL="91425" marR="91425" marT="91425" marB="91425"/>
-                </a:tc>
-                <a:tc>
-                  <a:txBody>
-                    <a:bodyPr/>
-                    <a:lstStyle/>
-                    <a:p>
-                      <a:pPr lvl="0">
-                        <a:spcBef>
-                          <a:spcPts val="0"/>
-                        </a:spcBef>
-                        <a:buNone/>
-                      </a:pPr>
-                      <a:r>
-                        <a:rPr lang="en-CA" b="1"/>
-                        <a:t>TOTAL ($)</a:t>
-                      </a:r>
-                    </a:p>
-                  </a:txBody>
-                  <a:tcPr marL="91425" marR="91425" marT="91425" marB="91425"/>
-                </a:tc>
-                <a:extLst>
-                  <a:ext uri="{0D108BD9-81ED-4DB2-BD59-A6C34878D82A}">
-                    <a16:rowId xmlns:a16="http://schemas.microsoft.com/office/drawing/2014/main" val="10000"/>
-                  </a:ext>
-                </a:extLst>
-              </a:tr>
-              <a:tr h="642875">
-                <a:tc>
-                  <a:txBody>
-                    <a:bodyPr/>
-                    <a:lstStyle/>
-                    <a:p>
-                      <a:pPr lvl="0">
-                        <a:spcBef>
-                          <a:spcPts val="0"/>
-                        </a:spcBef>
-                        <a:buNone/>
-                      </a:pPr>
-                      <a:r>
-                        <a:rPr lang="en-CA"/>
-                        <a:t>RC Car</a:t>
-                      </a:r>
-                    </a:p>
-                    <a:p>
-                      <a:pPr lvl="0">
-                        <a:spcBef>
-                          <a:spcPts val="0"/>
-                        </a:spcBef>
-                        <a:buNone/>
-                      </a:pPr>
-                      <a:r>
-                        <a:rPr lang="en-CA"/>
-                        <a:t>(w/ servo &amp; speed controller)</a:t>
-                      </a:r>
-                    </a:p>
-                  </a:txBody>
-                  <a:tcPr marL="91425" marR="91425" marT="91425" marB="91425"/>
-                </a:tc>
-                <a:tc>
-                  <a:txBody>
-                    <a:bodyPr/>
-                    <a:lstStyle/>
-                    <a:p>
-                      <a:pPr lvl="0">
-                        <a:spcBef>
-                          <a:spcPts val="0"/>
-                        </a:spcBef>
-                        <a:buNone/>
-                      </a:pPr>
-                      <a:r>
-                        <a:rPr lang="en-CA"/>
-                        <a:t>2</a:t>
-                      </a:r>
-                    </a:p>
-                  </a:txBody>
-                  <a:tcPr marL="91425" marR="91425" marT="91425" marB="91425"/>
-                </a:tc>
-                <a:tc>
-                  <a:txBody>
-                    <a:bodyPr/>
-                    <a:lstStyle/>
-                    <a:p>
-                      <a:pPr lvl="0">
-                        <a:spcBef>
-                          <a:spcPts val="0"/>
-                        </a:spcBef>
-                        <a:buNone/>
-                      </a:pPr>
-                      <a:r>
-                        <a:rPr lang="en-CA"/>
-                        <a:t>240</a:t>
-                      </a:r>
-                    </a:p>
-                  </a:txBody>
-                  <a:tcPr marL="91425" marR="91425" marT="91425" marB="91425"/>
-                </a:tc>
-                <a:tc>
-                  <a:txBody>
-                    <a:bodyPr/>
-                    <a:lstStyle/>
-                    <a:p>
-                      <a:pPr lvl="0" algn="ctr">
-                        <a:spcBef>
-                          <a:spcPts val="0"/>
-                        </a:spcBef>
-                        <a:buNone/>
-                      </a:pPr>
-                      <a:r>
-                        <a:rPr lang="en-CA"/>
-                        <a:t>480</a:t>
-                      </a:r>
-                    </a:p>
-                  </a:txBody>
-                  <a:tcPr marL="91425" marR="91425" marT="91425" marB="91425"/>
-                </a:tc>
-                <a:extLst>
-                  <a:ext uri="{0D108BD9-81ED-4DB2-BD59-A6C34878D82A}">
-                    <a16:rowId xmlns:a16="http://schemas.microsoft.com/office/drawing/2014/main" val="10001"/>
-                  </a:ext>
-                </a:extLst>
-              </a:tr>
-              <a:tr h="642900">
-                <a:tc>
-                  <a:txBody>
-                    <a:bodyPr/>
-                    <a:lstStyle/>
-                    <a:p>
-                      <a:pPr lvl="0">
-                        <a:spcBef>
-                          <a:spcPts val="0"/>
-                        </a:spcBef>
-                        <a:buClr>
-                          <a:schemeClr val="dk1"/>
-                        </a:buClr>
-                        <a:buSzPct val="78571"/>
-                        <a:buFont typeface="Arial"/>
-                        <a:buNone/>
-                      </a:pPr>
-                      <a:r>
-                        <a:rPr lang="en-CA">
-                          <a:solidFill>
-                            <a:schemeClr val="dk1"/>
-                          </a:solidFill>
-                        </a:rPr>
-                        <a:t>3300 mAh 7.2 V battery</a:t>
-                      </a:r>
-                    </a:p>
-                  </a:txBody>
-                  <a:tcPr marL="91425" marR="91425" marT="91425" marB="91425"/>
-                </a:tc>
-                <a:tc>
-                  <a:txBody>
-                    <a:bodyPr/>
-                    <a:lstStyle/>
-                    <a:p>
-                      <a:pPr lvl="0">
-                        <a:spcBef>
-                          <a:spcPts val="0"/>
-                        </a:spcBef>
-                        <a:buNone/>
-                      </a:pPr>
-                      <a:r>
-                        <a:rPr lang="en-CA"/>
-                        <a:t>2</a:t>
-                      </a:r>
-                    </a:p>
-                  </a:txBody>
-                  <a:tcPr marL="91425" marR="91425" marT="91425" marB="91425"/>
-                </a:tc>
-                <a:tc>
-                  <a:txBody>
-                    <a:bodyPr/>
-                    <a:lstStyle/>
-                    <a:p>
-                      <a:pPr lvl="0">
-                        <a:spcBef>
-                          <a:spcPts val="0"/>
-                        </a:spcBef>
-                        <a:buNone/>
-                      </a:pPr>
-                      <a:r>
-                        <a:rPr lang="en-CA"/>
-                        <a:t>30</a:t>
-                      </a:r>
-                    </a:p>
-                  </a:txBody>
-                  <a:tcPr marL="91425" marR="91425" marT="91425" marB="91425"/>
-                </a:tc>
-                <a:tc>
-                  <a:txBody>
-                    <a:bodyPr/>
-                    <a:lstStyle/>
-                    <a:p>
-                      <a:pPr lvl="0" algn="ctr">
-                        <a:spcBef>
-                          <a:spcPts val="0"/>
-                        </a:spcBef>
-                        <a:buNone/>
-                      </a:pPr>
-                      <a:r>
-                        <a:rPr lang="en-CA"/>
-                        <a:t>60</a:t>
-                      </a:r>
-                    </a:p>
-                  </a:txBody>
-                  <a:tcPr marL="91425" marR="91425" marT="91425" marB="91425"/>
-                </a:tc>
-                <a:extLst>
-                  <a:ext uri="{0D108BD9-81ED-4DB2-BD59-A6C34878D82A}">
-                    <a16:rowId xmlns:a16="http://schemas.microsoft.com/office/drawing/2014/main" val="10002"/>
-                  </a:ext>
-                </a:extLst>
-              </a:tr>
-              <a:tr h="626175">
-                <a:tc>
-                  <a:txBody>
-                    <a:bodyPr/>
-                    <a:lstStyle/>
-                    <a:p>
-                      <a:pPr lvl="0">
-                        <a:spcBef>
-                          <a:spcPts val="0"/>
-                        </a:spcBef>
-                        <a:buNone/>
-                      </a:pPr>
-                      <a:r>
-                        <a:rPr lang="en-CA"/>
-                        <a:t>Battery charger</a:t>
-                      </a:r>
-                    </a:p>
-                  </a:txBody>
-                  <a:tcPr marL="91425" marR="91425" marT="91425" marB="91425"/>
-                </a:tc>
-                <a:tc>
-                  <a:txBody>
-                    <a:bodyPr/>
-                    <a:lstStyle/>
-                    <a:p>
-                      <a:pPr lvl="0">
-                        <a:spcBef>
-                          <a:spcPts val="0"/>
-                        </a:spcBef>
-                        <a:buNone/>
-                      </a:pPr>
-                      <a:r>
-                        <a:rPr lang="en-CA"/>
-                        <a:t>1</a:t>
-                      </a:r>
-                    </a:p>
-                  </a:txBody>
-                  <a:tcPr marL="91425" marR="91425" marT="91425" marB="91425"/>
-                </a:tc>
-                <a:tc>
-                  <a:txBody>
-                    <a:bodyPr/>
-                    <a:lstStyle/>
-                    <a:p>
-                      <a:pPr lvl="0">
-                        <a:spcBef>
-                          <a:spcPts val="0"/>
-                        </a:spcBef>
-                        <a:buNone/>
-                      </a:pPr>
-                      <a:r>
-                        <a:rPr lang="en-CA"/>
-                        <a:t>30</a:t>
-                      </a:r>
-                    </a:p>
-                  </a:txBody>
-                  <a:tcPr marL="91425" marR="91425" marT="91425" marB="91425"/>
-                </a:tc>
-                <a:tc>
-                  <a:txBody>
-                    <a:bodyPr/>
-                    <a:lstStyle/>
-                    <a:p>
-                      <a:pPr lvl="0" algn="ctr">
-                        <a:spcBef>
-                          <a:spcPts val="0"/>
-                        </a:spcBef>
-                        <a:buNone/>
-                      </a:pPr>
-                      <a:r>
-                        <a:rPr lang="en-CA"/>
-                        <a:t>30</a:t>
-                      </a:r>
-                    </a:p>
-                  </a:txBody>
-                  <a:tcPr marL="91425" marR="91425" marT="91425" marB="91425"/>
-                </a:tc>
-                <a:extLst>
-                  <a:ext uri="{0D108BD9-81ED-4DB2-BD59-A6C34878D82A}">
-                    <a16:rowId xmlns:a16="http://schemas.microsoft.com/office/drawing/2014/main" val="10003"/>
-                  </a:ext>
-                </a:extLst>
-              </a:tr>
-              <a:tr h="659650">
-                <a:tc>
-                  <a:txBody>
-                    <a:bodyPr/>
-                    <a:lstStyle/>
-                    <a:p>
-                      <a:pPr lvl="0">
-                        <a:spcBef>
-                          <a:spcPts val="0"/>
-                        </a:spcBef>
-                        <a:buNone/>
-                      </a:pPr>
-                      <a:r>
-                        <a:rPr lang="en-CA"/>
-                        <a:t>Raspberry Pi 3 Model B</a:t>
-                      </a:r>
-                    </a:p>
-                  </a:txBody>
-                  <a:tcPr marL="91425" marR="91425" marT="91425" marB="91425"/>
-                </a:tc>
-                <a:tc>
-                  <a:txBody>
-                    <a:bodyPr/>
-                    <a:lstStyle/>
-                    <a:p>
-                      <a:pPr lvl="0">
-                        <a:spcBef>
-                          <a:spcPts val="0"/>
-                        </a:spcBef>
-                        <a:buNone/>
-                      </a:pPr>
-                      <a:r>
-                        <a:rPr lang="en-CA"/>
-                        <a:t>2</a:t>
-                      </a:r>
-                    </a:p>
-                  </a:txBody>
-                  <a:tcPr marL="91425" marR="91425" marT="91425" marB="91425"/>
-                </a:tc>
-                <a:tc>
-                  <a:txBody>
-                    <a:bodyPr/>
-                    <a:lstStyle/>
-                    <a:p>
-                      <a:pPr lvl="0">
-                        <a:spcBef>
-                          <a:spcPts val="0"/>
-                        </a:spcBef>
-                        <a:buNone/>
-                      </a:pPr>
-                      <a:r>
-                        <a:rPr lang="en-CA"/>
-                        <a:t>60</a:t>
-                      </a:r>
-                    </a:p>
-                  </a:txBody>
-                  <a:tcPr marL="91425" marR="91425" marT="91425" marB="91425"/>
-                </a:tc>
-                <a:tc>
-                  <a:txBody>
-                    <a:bodyPr/>
-                    <a:lstStyle/>
-                    <a:p>
-                      <a:pPr lvl="0" algn="ctr">
-                        <a:spcBef>
-                          <a:spcPts val="0"/>
-                        </a:spcBef>
-                        <a:buNone/>
-                      </a:pPr>
-                      <a:r>
-                        <a:rPr lang="en-CA"/>
-                        <a:t>120</a:t>
-                      </a:r>
-                    </a:p>
-                  </a:txBody>
-                  <a:tcPr marL="91425" marR="91425" marT="91425" marB="91425"/>
-                </a:tc>
-                <a:extLst>
-                  <a:ext uri="{0D108BD9-81ED-4DB2-BD59-A6C34878D82A}">
-                    <a16:rowId xmlns:a16="http://schemas.microsoft.com/office/drawing/2014/main" val="10004"/>
-                  </a:ext>
-                </a:extLst>
-              </a:tr>
-              <a:tr h="687100">
-                <a:tc>
-                  <a:txBody>
-                    <a:bodyPr/>
-                    <a:lstStyle/>
-                    <a:p>
-                      <a:pPr lvl="0">
-                        <a:spcBef>
-                          <a:spcPts val="0"/>
-                        </a:spcBef>
-                        <a:buNone/>
-                      </a:pPr>
-                      <a:r>
-                        <a:rPr lang="en-CA"/>
-                        <a:t>Voltage regulator</a:t>
-                      </a:r>
-                    </a:p>
-                  </a:txBody>
-                  <a:tcPr marL="91425" marR="91425" marT="91425" marB="91425"/>
-                </a:tc>
-                <a:tc>
-                  <a:txBody>
-                    <a:bodyPr/>
-                    <a:lstStyle/>
-                    <a:p>
-                      <a:pPr lvl="0">
-                        <a:spcBef>
-                          <a:spcPts val="0"/>
-                        </a:spcBef>
-                        <a:buNone/>
-                      </a:pPr>
-                      <a:r>
-                        <a:rPr lang="en-CA"/>
-                        <a:t>3</a:t>
-                      </a:r>
-                    </a:p>
-                  </a:txBody>
-                  <a:tcPr marL="91425" marR="91425" marT="91425" marB="91425"/>
-                </a:tc>
-                <a:tc>
-                  <a:txBody>
-                    <a:bodyPr/>
-                    <a:lstStyle/>
-                    <a:p>
-                      <a:pPr lvl="0">
-                        <a:spcBef>
-                          <a:spcPts val="0"/>
-                        </a:spcBef>
-                        <a:buNone/>
-                      </a:pPr>
-                      <a:r>
-                        <a:rPr lang="en-CA"/>
-                        <a:t>1.50</a:t>
-                      </a:r>
-                    </a:p>
-                  </a:txBody>
-                  <a:tcPr marL="91425" marR="91425" marT="91425" marB="91425"/>
-                </a:tc>
-                <a:tc>
-                  <a:txBody>
-                    <a:bodyPr/>
-                    <a:lstStyle/>
-                    <a:p>
-                      <a:pPr lvl="0" algn="ctr" rtl="0">
-                        <a:spcBef>
-                          <a:spcPts val="0"/>
-                        </a:spcBef>
-                        <a:buNone/>
-                      </a:pPr>
-                      <a:r>
-                        <a:rPr lang="en-CA"/>
-                        <a:t>4.5</a:t>
-                      </a:r>
-                    </a:p>
-                  </a:txBody>
-                  <a:tcPr marL="91425" marR="91425" marT="91425" marB="91425"/>
-                </a:tc>
-                <a:extLst>
-                  <a:ext uri="{0D108BD9-81ED-4DB2-BD59-A6C34878D82A}">
-                    <a16:rowId xmlns:a16="http://schemas.microsoft.com/office/drawing/2014/main" val="10005"/>
-                  </a:ext>
-                </a:extLst>
-              </a:tr>
-              <a:tr h="634850">
-                <a:tc>
-                  <a:txBody>
-                    <a:bodyPr/>
-                    <a:lstStyle/>
-                    <a:p>
-                      <a:pPr lvl="0">
-                        <a:spcBef>
-                          <a:spcPts val="0"/>
-                        </a:spcBef>
-                        <a:buNone/>
-                      </a:pPr>
-                      <a:r>
-                        <a:rPr lang="en-CA"/>
-                        <a:t>Hall  Effect sensor</a:t>
-                      </a:r>
-                    </a:p>
-                  </a:txBody>
-                  <a:tcPr marL="91425" marR="91425" marT="91425" marB="91425"/>
-                </a:tc>
-                <a:tc>
-                  <a:txBody>
-                    <a:bodyPr/>
-                    <a:lstStyle/>
-                    <a:p>
-                      <a:pPr lvl="0">
-                        <a:spcBef>
-                          <a:spcPts val="0"/>
-                        </a:spcBef>
-                        <a:buNone/>
-                      </a:pPr>
-                      <a:r>
-                        <a:rPr lang="en-CA"/>
-                        <a:t>3</a:t>
-                      </a:r>
-                    </a:p>
-                  </a:txBody>
-                  <a:tcPr marL="91425" marR="91425" marT="91425" marB="91425"/>
-                </a:tc>
-                <a:tc>
-                  <a:txBody>
-                    <a:bodyPr/>
-                    <a:lstStyle/>
-                    <a:p>
-                      <a:pPr lvl="0" rtl="0">
-                        <a:spcBef>
-                          <a:spcPts val="0"/>
-                        </a:spcBef>
-                        <a:buNone/>
-                      </a:pPr>
-                      <a:r>
-                        <a:rPr lang="en-CA"/>
-                        <a:t>1.70</a:t>
-                      </a:r>
-                    </a:p>
-                  </a:txBody>
-                  <a:tcPr marL="91425" marR="91425" marT="91425" marB="91425"/>
-                </a:tc>
-                <a:tc>
-                  <a:txBody>
-                    <a:bodyPr/>
-                    <a:lstStyle/>
-                    <a:p>
-                      <a:pPr lvl="0" algn="ctr" rtl="0">
-                        <a:spcBef>
-                          <a:spcPts val="0"/>
-                        </a:spcBef>
-                        <a:buNone/>
-                      </a:pPr>
-                      <a:r>
-                        <a:rPr lang="en-CA" dirty="0"/>
-                        <a:t>5.1</a:t>
-                      </a:r>
-                    </a:p>
-                  </a:txBody>
-                  <a:tcPr marL="91425" marR="91425" marT="91425" marB="91425"/>
-                </a:tc>
-                <a:extLst>
-                  <a:ext uri="{0D108BD9-81ED-4DB2-BD59-A6C34878D82A}">
-                    <a16:rowId xmlns:a16="http://schemas.microsoft.com/office/drawing/2014/main" val="10006"/>
-                  </a:ext>
-                </a:extLst>
-              </a:tr>
-            </a:tbl>
-          </a:graphicData>
-        </a:graphic>
-      </p:graphicFrame>
-      <p:sp>
-        <p:nvSpPr>
-          <p:cNvPr id="172" name="Shape 172"/>
-          <p:cNvSpPr txBox="1"/>
-          <p:nvPr/>
-        </p:nvSpPr>
-        <p:spPr>
-          <a:xfrm>
-            <a:off x="8929450" y="5899025"/>
-            <a:ext cx="2575800" cy="375600"/>
-          </a:xfrm>
-          <a:prstGeom prst="rect">
-            <a:avLst/>
-          </a:prstGeom>
-          <a:noFill/>
-          <a:ln>
-            <a:noFill/>
-          </a:ln>
-        </p:spPr>
-        <p:txBody>
-          <a:bodyPr lIns="91425" tIns="91425" rIns="91425" bIns="91425" anchor="t" anchorCtr="0">
-            <a:noAutofit/>
-          </a:bodyPr>
-          <a:lstStyle/>
-          <a:p>
-            <a:pPr lvl="0">
-              <a:spcBef>
-                <a:spcPts val="0"/>
-              </a:spcBef>
-              <a:buNone/>
-            </a:pPr>
-            <a:r>
-              <a:rPr lang="en-CA" b="1"/>
-              <a:t>Total:  700</a:t>
-            </a:r>
-          </a:p>
-        </p:txBody>
-      </p:sp>
-    </p:spTree>
-    <p:extLst>
-      <p:ext uri="{BB962C8B-B14F-4D97-AF65-F5344CB8AC3E}">
-        <p14:creationId xmlns:p14="http://schemas.microsoft.com/office/powerpoint/2010/main" val="2416161344"/>
-      </p:ext>
-    </p:extLst>
-  </p:cSld>
-  <p:clrMapOvr>
-    <a:masterClrMapping/>
-  </p:clrMapOvr>
+  <p:timing>
+    <p:tnLst>
+      <p:par>
+        <p:cTn id="1" dur="indefinite" restart="never" nodeType="tmRoot">
+          <p:childTnLst>
+            <p:seq concurrent="1" nextAc="seek">
+              <p:cTn id="2" restart="whenNotActive" fill="hold" evtFilter="cancelBubble" nodeType="interactiveSeq">
+                <p:stCondLst>
+                  <p:cond evt="onClick" delay="0">
+                    <p:tgtEl>
+                      <p:spTgt spid="4"/>
+                    </p:tgtEl>
+                  </p:cond>
+                </p:stCondLst>
+                <p:endSync evt="end" delay="0">
+                  <p:rtn val="all"/>
+                </p:endSync>
+                <p:childTnLst>
+                  <p:par>
+                    <p:cTn id="3" fill="hold">
+                      <p:stCondLst>
+                        <p:cond delay="0"/>
+                      </p:stCondLst>
+                      <p:childTnLst>
+                        <p:par>
+                          <p:cTn id="4" fill="hold">
+                            <p:stCondLst>
+                              <p:cond delay="0"/>
+                            </p:stCondLst>
+                            <p:childTnLst>
+                              <p:par>
+                                <p:cTn id="5" presetID="2" presetClass="mediacall" presetSubtype="0" fill="hold" nodeType="clickEffect">
+                                  <p:stCondLst>
+                                    <p:cond delay="0"/>
+                                  </p:stCondLst>
+                                  <p:childTnLst>
+                                    <p:cmd type="call" cmd="togglePause">
+                                      <p:cBhvr>
+                                        <p:cTn id="6" dur="1" fill="hold"/>
+                                        <p:tgtEl>
+                                          <p:spTgt spid="4"/>
+                                        </p:tgtEl>
+                                      </p:cBhvr>
+                                    </p:cmd>
+                                  </p:childTnLst>
+                                </p:cTn>
+                              </p:par>
+                            </p:childTnLst>
+                          </p:cTn>
+                        </p:par>
+                      </p:childTnLst>
+                    </p:cTn>
+                  </p:par>
+                </p:childTnLst>
+              </p:cTn>
+              <p:nextCondLst>
+                <p:cond evt="onClick" delay="0">
+                  <p:tgtEl>
+                    <p:spTgt spid="4"/>
+                  </p:tgtEl>
+                </p:cond>
+              </p:nextCondLst>
+            </p:seq>
+            <p:video>
+              <p:cMediaNode vol="80000">
+                <p:cTn id="7" fill="hold" display="0">
+                  <p:stCondLst>
+                    <p:cond delay="indefinite"/>
+                  </p:stCondLst>
+                </p:cTn>
+                <p:tgtEl>
+                  <p:spTgt spid="4"/>
+                </p:tgtEl>
+              </p:cMediaNode>
+            </p:video>
+          </p:childTnLst>
+        </p:cTn>
+      </p:par>
+    </p:tnLst>
+  </p:timing>
 </p:sld>
 </file>
 

--- a/Presentation/Vehicle Intersection Control Presentation.pptx
+++ b/Presentation/Vehicle Intersection Control Presentation.pptx
@@ -5,22 +5,32 @@
     <p:sldMasterId id="2147483759" r:id="rId1"/>
   </p:sldMasterIdLst>
   <p:notesMasterIdLst>
-    <p:notesMasterId r:id="rId15"/>
+    <p:notesMasterId r:id="rId25"/>
   </p:notesMasterIdLst>
   <p:sldIdLst>
     <p:sldId id="279" r:id="rId2"/>
-    <p:sldId id="284" r:id="rId3"/>
-    <p:sldId id="285" r:id="rId4"/>
-    <p:sldId id="286" r:id="rId5"/>
-    <p:sldId id="292" r:id="rId6"/>
-    <p:sldId id="287" r:id="rId7"/>
-    <p:sldId id="294" r:id="rId8"/>
-    <p:sldId id="293" r:id="rId9"/>
-    <p:sldId id="295" r:id="rId10"/>
-    <p:sldId id="289" r:id="rId11"/>
-    <p:sldId id="290" r:id="rId12"/>
-    <p:sldId id="291" r:id="rId13"/>
-    <p:sldId id="282" r:id="rId14"/>
+    <p:sldId id="296" r:id="rId3"/>
+    <p:sldId id="300" r:id="rId4"/>
+    <p:sldId id="298" r:id="rId5"/>
+    <p:sldId id="297" r:id="rId6"/>
+    <p:sldId id="299" r:id="rId7"/>
+    <p:sldId id="302" r:id="rId8"/>
+    <p:sldId id="301" r:id="rId9"/>
+    <p:sldId id="303" r:id="rId10"/>
+    <p:sldId id="304" r:id="rId11"/>
+    <p:sldId id="305" r:id="rId12"/>
+    <p:sldId id="284" r:id="rId13"/>
+    <p:sldId id="285" r:id="rId14"/>
+    <p:sldId id="286" r:id="rId15"/>
+    <p:sldId id="292" r:id="rId16"/>
+    <p:sldId id="287" r:id="rId17"/>
+    <p:sldId id="294" r:id="rId18"/>
+    <p:sldId id="293" r:id="rId19"/>
+    <p:sldId id="295" r:id="rId20"/>
+    <p:sldId id="289" r:id="rId21"/>
+    <p:sldId id="290" r:id="rId22"/>
+    <p:sldId id="291" r:id="rId23"/>
+    <p:sldId id="282" r:id="rId24"/>
   </p:sldIdLst>
   <p:sldSz cx="12192000" cy="6858000"/>
   <p:notesSz cx="6858000" cy="9144000"/>
@@ -209,7 +219,7 @@
           <a:p>
             <a:fld id="{35B82655-F55E-45D4-839B-7F4274A77E35}" type="datetimeFigureOut">
               <a:rPr lang="en-US" smtClean="0"/>
-              <a:t>2/14/2017</a:t>
+              <a:t>3/29/2017</a:t>
             </a:fld>
             <a:endParaRPr lang="en-US"/>
           </a:p>
@@ -805,7 +815,7 @@
           <a:p>
             <a:fld id="{9FDAE4FC-73CE-4995-A7FF-7ADA8F1DA8FB}" type="slidenum">
               <a:rPr lang="en-US" smtClean="0"/>
-              <a:t>13</a:t>
+              <a:t>23</a:t>
             </a:fld>
             <a:endParaRPr lang="en-US"/>
           </a:p>
@@ -1388,7 +1398,7 @@
           <a:p>
             <a:fld id="{9FDAE4FC-73CE-4995-A7FF-7ADA8F1DA8FB}" type="slidenum">
               <a:rPr lang="en-US" smtClean="0"/>
-              <a:t>5</a:t>
+              <a:t>15</a:t>
             </a:fld>
             <a:endParaRPr lang="en-US"/>
           </a:p>
@@ -1598,7 +1608,7 @@
           <a:p>
             <a:fld id="{9FDAE4FC-73CE-4995-A7FF-7ADA8F1DA8FB}" type="slidenum">
               <a:rPr lang="en-US" smtClean="0"/>
-              <a:t>8</a:t>
+              <a:t>18</a:t>
             </a:fld>
             <a:endParaRPr lang="en-US"/>
           </a:p>
@@ -3252,7 +3262,7 @@
           <a:p>
             <a:fld id="{2FFE84A0-83F7-4E0A-A0CE-A961D6AAB2B6}" type="datetimeFigureOut">
               <a:rPr lang="en-US" smtClean="0"/>
-              <a:t>2/14/2017</a:t>
+              <a:t>3/29/2017</a:t>
             </a:fld>
             <a:endParaRPr lang="en-US" dirty="0"/>
           </a:p>
@@ -3490,7 +3500,7 @@
           <a:p>
             <a:fld id="{2FFE84A0-83F7-4E0A-A0CE-A961D6AAB2B6}" type="datetimeFigureOut">
               <a:rPr lang="en-US" smtClean="0"/>
-              <a:t>2/14/2017</a:t>
+              <a:t>3/29/2017</a:t>
             </a:fld>
             <a:endParaRPr lang="en-US" dirty="0"/>
           </a:p>
@@ -3670,7 +3680,7 @@
           <a:p>
             <a:fld id="{2FFE84A0-83F7-4E0A-A0CE-A961D6AAB2B6}" type="datetimeFigureOut">
               <a:rPr lang="en-US" smtClean="0"/>
-              <a:t>2/14/2017</a:t>
+              <a:t>3/29/2017</a:t>
             </a:fld>
             <a:endParaRPr lang="en-US" dirty="0"/>
           </a:p>
@@ -3840,7 +3850,7 @@
           <a:p>
             <a:fld id="{2FFE84A0-83F7-4E0A-A0CE-A961D6AAB2B6}" type="datetimeFigureOut">
               <a:rPr lang="en-US" smtClean="0"/>
-              <a:t>2/14/2017</a:t>
+              <a:t>3/29/2017</a:t>
             </a:fld>
             <a:endParaRPr lang="en-US" dirty="0"/>
           </a:p>
@@ -4116,7 +4126,7 @@
           <a:p>
             <a:fld id="{2FFE84A0-83F7-4E0A-A0CE-A961D6AAB2B6}" type="datetimeFigureOut">
               <a:rPr lang="en-US" smtClean="0"/>
-              <a:t>2/14/2017</a:t>
+              <a:t>3/29/2017</a:t>
             </a:fld>
             <a:endParaRPr lang="en-US" dirty="0"/>
           </a:p>
@@ -5317,7 +5327,7 @@
           <a:p>
             <a:fld id="{2FFE84A0-83F7-4E0A-A0CE-A961D6AAB2B6}" type="datetimeFigureOut">
               <a:rPr lang="en-US" smtClean="0"/>
-              <a:t>2/14/2017</a:t>
+              <a:t>3/29/2017</a:t>
             </a:fld>
             <a:endParaRPr lang="en-US" dirty="0"/>
           </a:p>
@@ -5707,7 +5717,7 @@
           <a:p>
             <a:fld id="{2FFE84A0-83F7-4E0A-A0CE-A961D6AAB2B6}" type="datetimeFigureOut">
               <a:rPr lang="en-US" smtClean="0"/>
-              <a:t>2/14/2017</a:t>
+              <a:t>3/29/2017</a:t>
             </a:fld>
             <a:endParaRPr lang="en-US" dirty="0"/>
           </a:p>
@@ -5830,7 +5840,7 @@
           <a:p>
             <a:fld id="{2FFE84A0-83F7-4E0A-A0CE-A961D6AAB2B6}" type="datetimeFigureOut">
               <a:rPr lang="en-US" smtClean="0"/>
-              <a:t>2/14/2017</a:t>
+              <a:t>3/29/2017</a:t>
             </a:fld>
             <a:endParaRPr lang="en-US" dirty="0"/>
           </a:p>
@@ -5925,7 +5935,7 @@
           <a:p>
             <a:fld id="{2FFE84A0-83F7-4E0A-A0CE-A961D6AAB2B6}" type="datetimeFigureOut">
               <a:rPr lang="en-US" smtClean="0"/>
-              <a:t>2/14/2017</a:t>
+              <a:t>3/29/2017</a:t>
             </a:fld>
             <a:endParaRPr lang="en-US" dirty="0"/>
           </a:p>
@@ -6688,7 +6698,7 @@
           <a:p>
             <a:fld id="{2FFE84A0-83F7-4E0A-A0CE-A961D6AAB2B6}" type="datetimeFigureOut">
               <a:rPr lang="en-US" smtClean="0"/>
-              <a:t>2/14/2017</a:t>
+              <a:t>3/29/2017</a:t>
             </a:fld>
             <a:endParaRPr lang="en-US" dirty="0"/>
           </a:p>
@@ -7527,7 +7537,7 @@
           <a:p>
             <a:fld id="{2FFE84A0-83F7-4E0A-A0CE-A961D6AAB2B6}" type="datetimeFigureOut">
               <a:rPr lang="en-US" smtClean="0"/>
-              <a:t>2/14/2017</a:t>
+              <a:t>3/29/2017</a:t>
             </a:fld>
             <a:endParaRPr lang="en-US" dirty="0"/>
           </a:p>
@@ -7754,7 +7764,7 @@
           <a:p>
             <a:fld id="{2FFE84A0-83F7-4E0A-A0CE-A961D6AAB2B6}" type="datetimeFigureOut">
               <a:rPr lang="en-US" smtClean="0"/>
-              <a:t>2/14/2017</a:t>
+              <a:t>3/29/2017</a:t>
             </a:fld>
             <a:endParaRPr lang="en-US" dirty="0"/>
           </a:p>
@@ -8762,7 +8772,7 @@
           <p:nvPr>
             <p:extLst>
               <p:ext uri="{386F3935-93C4-4BCD-93E2-E3B085C9AB24}">
-                <p16:designElem xmlns:p16="http://schemas.microsoft.com/office/powerpoint/2015/main" xmlns="" val="1"/>
+                <p16:designElem xmlns:p16="http://schemas.microsoft.com/office/powerpoint/2015/main" val="1"/>
               </p:ext>
             </p:extLst>
           </p:nvPr>
@@ -8912,7 +8922,7 @@
           <p:nvPr>
             <p:extLst>
               <p:ext uri="{386F3935-93C4-4BCD-93E2-E3B085C9AB24}">
-                <p16:designElem xmlns:p16="http://schemas.microsoft.com/office/powerpoint/2015/main" xmlns="" val="1"/>
+                <p16:designElem xmlns:p16="http://schemas.microsoft.com/office/powerpoint/2015/main" val="1"/>
               </p:ext>
             </p:extLst>
           </p:nvPr>
@@ -9384,7 +9394,7 @@
           <p:nvPr>
             <p:extLst>
               <p:ext uri="{386F3935-93C4-4BCD-93E2-E3B085C9AB24}">
-                <p16:designElem xmlns:p16="http://schemas.microsoft.com/office/powerpoint/2015/main" xmlns="" val="1"/>
+                <p16:designElem xmlns:p16="http://schemas.microsoft.com/office/powerpoint/2015/main" val="1"/>
               </p:ext>
             </p:extLst>
           </p:nvPr>
@@ -10482,13 +10492,6 @@
   <p:clrMapOvr>
     <a:masterClrMapping/>
   </p:clrMapOvr>
-  <p:timing>
-    <p:tnLst>
-      <p:par>
-        <p:cTn id="1" dur="indefinite" restart="never" nodeType="tmRoot"/>
-      </p:par>
-    </p:tnLst>
-  </p:timing>
 </p:sld>
 </file>
 
@@ -10497,7 +10500,7 @@
   <p:cSld>
     <p:spTree>
       <p:nvGrpSpPr>
-        <p:cNvPr id="1" name="Shape 163"/>
+        <p:cNvPr id="1" name=""/>
         <p:cNvGrpSpPr/>
         <p:nvPr/>
       </p:nvGrpSpPr>
@@ -10511,7 +10514,400 @@
       </p:grpSpPr>
       <p:sp>
         <p:nvSpPr>
-          <p:cNvPr id="164" name="Shape 164"/>
+          <p:cNvPr id="2" name="Title 1"/>
+          <p:cNvSpPr>
+            <a:spLocks noGrp="1"/>
+          </p:cNvSpPr>
+          <p:nvPr>
+            <p:ph type="title"/>
+          </p:nvPr>
+        </p:nvSpPr>
+        <p:spPr/>
+        <p:txBody>
+          <a:bodyPr/>
+          <a:lstStyle/>
+          <a:p>
+            <a:r>
+              <a:rPr lang="en-CA" dirty="0"/>
+              <a:t>Hazard mitigation</a:t>
+            </a:r>
+            <a:endParaRPr lang="en-US" dirty="0"/>
+          </a:p>
+        </p:txBody>
+      </p:sp>
+      <p:sp>
+        <p:nvSpPr>
+          <p:cNvPr id="3" name="Content Placeholder 2"/>
+          <p:cNvSpPr>
+            <a:spLocks noGrp="1"/>
+          </p:cNvSpPr>
+          <p:nvPr>
+            <p:ph idx="1"/>
+          </p:nvPr>
+        </p:nvSpPr>
+        <p:spPr/>
+        <p:txBody>
+          <a:bodyPr/>
+          <a:lstStyle/>
+          <a:p>
+            <a:r>
+              <a:rPr lang="en-CA" dirty="0"/>
+              <a:t>IC fails – power generator like in real life</a:t>
+            </a:r>
+          </a:p>
+          <a:p>
+            <a:r>
+              <a:rPr lang="en-CA" dirty="0"/>
+              <a:t>If </a:t>
+            </a:r>
+            <a:r>
+              <a:rPr lang="en-CA" dirty="0" err="1"/>
+              <a:t>ic</a:t>
+            </a:r>
+            <a:r>
+              <a:rPr lang="en-CA" dirty="0"/>
+              <a:t> crashes and has power, cars will stop at the intersection</a:t>
+            </a:r>
+          </a:p>
+          <a:p>
+            <a:r>
+              <a:rPr lang="en-CA" dirty="0"/>
+              <a:t>Bluetooth failure, message resent from vehicle </a:t>
+            </a:r>
+          </a:p>
+          <a:p>
+            <a:endParaRPr lang="en-CA" dirty="0"/>
+          </a:p>
+        </p:txBody>
+      </p:sp>
+    </p:spTree>
+    <p:extLst>
+      <p:ext uri="{BB962C8B-B14F-4D97-AF65-F5344CB8AC3E}">
+        <p14:creationId xmlns:p14="http://schemas.microsoft.com/office/powerpoint/2010/main" val="3982056765"/>
+      </p:ext>
+    </p:extLst>
+  </p:cSld>
+  <p:clrMapOvr>
+    <a:masterClrMapping/>
+  </p:clrMapOvr>
+</p:sld>
+</file>
+
+<file path=ppt/slides/slide11.xml><?xml version="1.0" encoding="utf-8"?>
+<p:sld xmlns:a="http://schemas.openxmlformats.org/drawingml/2006/main" xmlns:r="http://schemas.openxmlformats.org/officeDocument/2006/relationships" xmlns:p="http://schemas.openxmlformats.org/presentationml/2006/main">
+  <p:cSld>
+    <p:spTree>
+      <p:nvGrpSpPr>
+        <p:cNvPr id="1" name=""/>
+        <p:cNvGrpSpPr/>
+        <p:nvPr/>
+      </p:nvGrpSpPr>
+      <p:grpSpPr>
+        <a:xfrm>
+          <a:off x="0" y="0"/>
+          <a:ext cx="0" cy="0"/>
+          <a:chOff x="0" y="0"/>
+          <a:chExt cx="0" cy="0"/>
+        </a:xfrm>
+      </p:grpSpPr>
+      <p:sp>
+        <p:nvSpPr>
+          <p:cNvPr id="2" name="Title 1"/>
+          <p:cNvSpPr>
+            <a:spLocks noGrp="1"/>
+          </p:cNvSpPr>
+          <p:nvPr>
+            <p:ph type="title"/>
+          </p:nvPr>
+        </p:nvSpPr>
+        <p:spPr/>
+        <p:txBody>
+          <a:bodyPr/>
+          <a:lstStyle/>
+          <a:p>
+            <a:r>
+              <a:rPr lang="en-CA" dirty="0"/>
+              <a:t>Features Still to be implemented</a:t>
+            </a:r>
+            <a:endParaRPr lang="en-US" dirty="0"/>
+          </a:p>
+        </p:txBody>
+      </p:sp>
+      <p:sp>
+        <p:nvSpPr>
+          <p:cNvPr id="3" name="Content Placeholder 2"/>
+          <p:cNvSpPr>
+            <a:spLocks noGrp="1"/>
+          </p:cNvSpPr>
+          <p:nvPr>
+            <p:ph idx="1"/>
+          </p:nvPr>
+        </p:nvSpPr>
+        <p:spPr/>
+        <p:txBody>
+          <a:bodyPr/>
+          <a:lstStyle/>
+          <a:p>
+            <a:r>
+              <a:rPr lang="en-CA" dirty="0"/>
+              <a:t>Bluetooth to other communication</a:t>
+            </a:r>
+          </a:p>
+          <a:p>
+            <a:r>
+              <a:rPr lang="en-CA" dirty="0"/>
+              <a:t>IC vehicle detection</a:t>
+            </a:r>
+          </a:p>
+          <a:p>
+            <a:r>
+              <a:rPr lang="en-CA" dirty="0"/>
+              <a:t>Obstacle detection</a:t>
+            </a:r>
+          </a:p>
+          <a:p>
+            <a:endParaRPr lang="en-CA" dirty="0"/>
+          </a:p>
+        </p:txBody>
+      </p:sp>
+    </p:spTree>
+    <p:extLst>
+      <p:ext uri="{BB962C8B-B14F-4D97-AF65-F5344CB8AC3E}">
+        <p14:creationId xmlns:p14="http://schemas.microsoft.com/office/powerpoint/2010/main" val="3886893300"/>
+      </p:ext>
+    </p:extLst>
+  </p:cSld>
+  <p:clrMapOvr>
+    <a:masterClrMapping/>
+  </p:clrMapOvr>
+</p:sld>
+</file>
+
+<file path=ppt/slides/slide12.xml><?xml version="1.0" encoding="utf-8"?>
+<p:sld xmlns:a="http://schemas.openxmlformats.org/drawingml/2006/main" xmlns:r="http://schemas.openxmlformats.org/officeDocument/2006/relationships" xmlns:p="http://schemas.openxmlformats.org/presentationml/2006/main">
+  <p:cSld>
+    <p:spTree>
+      <p:nvGrpSpPr>
+        <p:cNvPr id="1" name="Shape 133"/>
+        <p:cNvGrpSpPr/>
+        <p:nvPr/>
+      </p:nvGrpSpPr>
+      <p:grpSpPr>
+        <a:xfrm>
+          <a:off x="0" y="0"/>
+          <a:ext cx="0" cy="0"/>
+          <a:chOff x="0" y="0"/>
+          <a:chExt cx="0" cy="0"/>
+        </a:xfrm>
+      </p:grpSpPr>
+      <p:sp>
+        <p:nvSpPr>
+          <p:cNvPr id="134" name="Shape 134"/>
+          <p:cNvSpPr txBox="1">
+            <a:spLocks noGrp="1"/>
+          </p:cNvSpPr>
+          <p:nvPr>
+            <p:ph type="title"/>
+          </p:nvPr>
+        </p:nvSpPr>
+        <p:spPr>
+          <a:xfrm>
+            <a:off x="1251678" y="382385"/>
+            <a:ext cx="10178400" cy="1492200"/>
+          </a:xfrm>
+          <a:prstGeom prst="rect">
+            <a:avLst/>
+          </a:prstGeom>
+          <a:noFill/>
+          <a:ln>
+            <a:noFill/>
+          </a:ln>
+        </p:spPr>
+        <p:txBody>
+          <a:bodyPr lIns="91425" tIns="45700" rIns="91425" bIns="45700" anchor="ctr" anchorCtr="0">
+            <a:noAutofit/>
+          </a:bodyPr>
+          <a:lstStyle/>
+          <a:p>
+            <a:pPr marL="0" marR="0" lvl="0" indent="0" algn="l" rtl="0">
+              <a:lnSpc>
+                <a:spcPct val="90000"/>
+              </a:lnSpc>
+              <a:spcBef>
+                <a:spcPts val="0"/>
+              </a:spcBef>
+              <a:buClr>
+                <a:schemeClr val="dk2"/>
+              </a:buClr>
+              <a:buSzPct val="25000"/>
+              <a:buFont typeface="Impact"/>
+              <a:buNone/>
+            </a:pPr>
+            <a:r>
+              <a:rPr lang="en-CA"/>
+              <a:t>THE PROBLEM</a:t>
+            </a:r>
+          </a:p>
+        </p:txBody>
+      </p:sp>
+      <p:sp>
+        <p:nvSpPr>
+          <p:cNvPr id="135" name="Shape 135"/>
+          <p:cNvSpPr txBox="1">
+            <a:spLocks noGrp="1"/>
+          </p:cNvSpPr>
+          <p:nvPr>
+            <p:ph type="body" idx="1"/>
+          </p:nvPr>
+        </p:nvSpPr>
+        <p:spPr>
+          <a:xfrm>
+            <a:off x="1251675" y="1874575"/>
+            <a:ext cx="10467300" cy="4005000"/>
+          </a:xfrm>
+          <a:prstGeom prst="rect">
+            <a:avLst/>
+          </a:prstGeom>
+          <a:noFill/>
+          <a:ln>
+            <a:noFill/>
+          </a:ln>
+        </p:spPr>
+        <p:txBody>
+          <a:bodyPr lIns="91425" tIns="45700" rIns="91425" bIns="45700" anchor="t" anchorCtr="0">
+            <a:noAutofit/>
+          </a:bodyPr>
+          <a:lstStyle/>
+          <a:p>
+            <a:pPr marL="0" marR="0" lvl="0" indent="0" algn="l" rtl="0">
+              <a:lnSpc>
+                <a:spcPct val="110000"/>
+              </a:lnSpc>
+              <a:spcBef>
+                <a:spcPts val="0"/>
+              </a:spcBef>
+              <a:buNone/>
+            </a:pPr>
+            <a:r>
+              <a:rPr lang="en-CA" sz="3000" b="1" dirty="0">
+                <a:solidFill>
+                  <a:srgbClr val="2A1A00"/>
+                </a:solidFill>
+              </a:rPr>
+              <a:t>How should autonomous vehicles behave when approaching a four-way stop? </a:t>
+            </a:r>
+          </a:p>
+          <a:p>
+            <a:pPr marL="0" marR="0" lvl="0" indent="0" algn="l" rtl="0">
+              <a:lnSpc>
+                <a:spcPct val="110000"/>
+              </a:lnSpc>
+              <a:spcBef>
+                <a:spcPts val="0"/>
+              </a:spcBef>
+              <a:buNone/>
+            </a:pPr>
+            <a:endParaRPr lang="en-CA" sz="3000" b="1" dirty="0">
+              <a:solidFill>
+                <a:srgbClr val="2A1A00"/>
+              </a:solidFill>
+            </a:endParaRPr>
+          </a:p>
+          <a:p>
+            <a:pPr marL="1371600" marR="0" lvl="2" indent="-419100" algn="l" rtl="0">
+              <a:lnSpc>
+                <a:spcPct val="150000"/>
+              </a:lnSpc>
+              <a:spcBef>
+                <a:spcPts val="0"/>
+              </a:spcBef>
+              <a:buClr>
+                <a:srgbClr val="2A1A00"/>
+              </a:buClr>
+              <a:buSzPct val="100000"/>
+            </a:pPr>
+            <a:r>
+              <a:rPr lang="en-CA" sz="2400" dirty="0">
+                <a:solidFill>
+                  <a:srgbClr val="2A1A00"/>
+                </a:solidFill>
+              </a:rPr>
+              <a:t>single vehicle scenario</a:t>
+            </a:r>
+          </a:p>
+          <a:p>
+            <a:pPr marL="1371600" marR="0" lvl="2" indent="-419100" algn="l" rtl="0">
+              <a:lnSpc>
+                <a:spcPct val="150000"/>
+              </a:lnSpc>
+              <a:spcBef>
+                <a:spcPts val="0"/>
+              </a:spcBef>
+              <a:buClr>
+                <a:srgbClr val="2A1A00"/>
+              </a:buClr>
+              <a:buSzPct val="100000"/>
+            </a:pPr>
+            <a:r>
+              <a:rPr lang="en-CA" sz="2400" dirty="0">
+                <a:solidFill>
+                  <a:srgbClr val="2A1A00"/>
+                </a:solidFill>
+              </a:rPr>
+              <a:t>multiple vehicles scenario </a:t>
+            </a:r>
+          </a:p>
+          <a:p>
+            <a:pPr marL="0" marR="0" lvl="0" indent="0" algn="l" rtl="0">
+              <a:lnSpc>
+                <a:spcPct val="110000"/>
+              </a:lnSpc>
+              <a:spcBef>
+                <a:spcPts val="0"/>
+              </a:spcBef>
+              <a:buNone/>
+            </a:pPr>
+            <a:endParaRPr dirty="0">
+              <a:solidFill>
+                <a:srgbClr val="2A1A00"/>
+              </a:solidFill>
+            </a:endParaRPr>
+          </a:p>
+        </p:txBody>
+      </p:sp>
+    </p:spTree>
+    <p:extLst>
+      <p:ext uri="{BB962C8B-B14F-4D97-AF65-F5344CB8AC3E}">
+        <p14:creationId xmlns:p14="http://schemas.microsoft.com/office/powerpoint/2010/main" val="462381453"/>
+      </p:ext>
+    </p:extLst>
+  </p:cSld>
+  <p:clrMapOvr>
+    <a:masterClrMapping/>
+  </p:clrMapOvr>
+</p:sld>
+</file>
+
+<file path=ppt/slides/slide13.xml><?xml version="1.0" encoding="utf-8"?>
+<p:sld xmlns:a="http://schemas.openxmlformats.org/drawingml/2006/main" xmlns:r="http://schemas.openxmlformats.org/officeDocument/2006/relationships" xmlns:p="http://schemas.openxmlformats.org/presentationml/2006/main">
+  <p:cSld>
+    <p:spTree>
+      <p:nvGrpSpPr>
+        <p:cNvPr id="1" name="Shape 139"/>
+        <p:cNvGrpSpPr/>
+        <p:nvPr/>
+      </p:nvGrpSpPr>
+      <p:grpSpPr>
+        <a:xfrm>
+          <a:off x="0" y="0"/>
+          <a:ext cx="0" cy="0"/>
+          <a:chOff x="0" y="0"/>
+          <a:chExt cx="0" cy="0"/>
+        </a:xfrm>
+      </p:grpSpPr>
+      <p:sp>
+        <p:nvSpPr>
+          <p:cNvPr id="140" name="Shape 140"/>
           <p:cNvSpPr txBox="1">
             <a:spLocks noGrp="1"/>
           </p:cNvSpPr>
@@ -10553,2695 +10949,6 @@
               <a:buNone/>
             </a:pPr>
             <a:r>
-              <a:rPr lang="en-CA" sz="5100" b="0" i="0" u="none" strike="noStrike" cap="none" dirty="0">
-                <a:solidFill>
-                  <a:schemeClr val="dk2"/>
-                </a:solidFill>
-                <a:latin typeface="Impact"/>
-                <a:ea typeface="Impact"/>
-                <a:cs typeface="Impact"/>
-                <a:sym typeface="Impact"/>
-              </a:rPr>
-              <a:t>INNOVATIVE ASPECTS </a:t>
-            </a:r>
-          </a:p>
-        </p:txBody>
-      </p:sp>
-      <p:sp>
-        <p:nvSpPr>
-          <p:cNvPr id="165" name="Shape 165"/>
-          <p:cNvSpPr txBox="1">
-            <a:spLocks noGrp="1"/>
-          </p:cNvSpPr>
-          <p:nvPr>
-            <p:ph type="body" idx="1"/>
-          </p:nvPr>
-        </p:nvSpPr>
-        <p:spPr>
-          <a:xfrm>
-            <a:off x="1251675" y="1874525"/>
-            <a:ext cx="10178400" cy="4005000"/>
-          </a:xfrm>
-          <a:prstGeom prst="rect">
-            <a:avLst/>
-          </a:prstGeom>
-          <a:noFill/>
-          <a:ln>
-            <a:noFill/>
-          </a:ln>
-        </p:spPr>
-        <p:txBody>
-          <a:bodyPr lIns="91425" tIns="45700" rIns="91425" bIns="45700" anchor="t" anchorCtr="0">
-            <a:noAutofit/>
-          </a:bodyPr>
-          <a:lstStyle/>
-          <a:p>
-            <a:pPr marL="0" marR="0" lvl="0" indent="0" algn="l" rtl="0">
-              <a:lnSpc>
-                <a:spcPct val="110000"/>
-              </a:lnSpc>
-              <a:spcBef>
-                <a:spcPts val="0"/>
-              </a:spcBef>
-              <a:buNone/>
-            </a:pPr>
-            <a:endParaRPr dirty="0">
-              <a:solidFill>
-                <a:srgbClr val="2A1A00"/>
-              </a:solidFill>
-            </a:endParaRPr>
-          </a:p>
-          <a:p>
-            <a:pPr marL="0" marR="0" lvl="0" indent="0" algn="l" rtl="0">
-              <a:lnSpc>
-                <a:spcPct val="110000"/>
-              </a:lnSpc>
-              <a:spcBef>
-                <a:spcPts val="0"/>
-              </a:spcBef>
-              <a:buNone/>
-            </a:pPr>
-            <a:endParaRPr dirty="0">
-              <a:solidFill>
-                <a:srgbClr val="2A1A00"/>
-              </a:solidFill>
-            </a:endParaRPr>
-          </a:p>
-          <a:p>
-            <a:pPr marL="0" marR="0" lvl="0" indent="0" algn="l" rtl="0">
-              <a:lnSpc>
-                <a:spcPct val="110000"/>
-              </a:lnSpc>
-              <a:spcBef>
-                <a:spcPts val="0"/>
-              </a:spcBef>
-              <a:buNone/>
-            </a:pPr>
-            <a:endParaRPr dirty="0">
-              <a:solidFill>
-                <a:srgbClr val="2A1A00"/>
-              </a:solidFill>
-            </a:endParaRPr>
-          </a:p>
-        </p:txBody>
-      </p:sp>
-      <p:sp>
-        <p:nvSpPr>
-          <p:cNvPr id="2" name="TextBox 1"/>
-          <p:cNvSpPr txBox="1"/>
-          <p:nvPr/>
-        </p:nvSpPr>
-        <p:spPr>
-          <a:xfrm>
-            <a:off x="1576252" y="1776549"/>
-            <a:ext cx="8656320" cy="3939540"/>
-          </a:xfrm>
-          <a:prstGeom prst="rect">
-            <a:avLst/>
-          </a:prstGeom>
-          <a:noFill/>
-        </p:spPr>
-        <p:txBody>
-          <a:bodyPr wrap="square" rtlCol="0">
-            <a:spAutoFit/>
-          </a:bodyPr>
-          <a:lstStyle/>
-          <a:p>
-            <a:r>
-              <a:rPr lang="en-CA" sz="2000" b="1" dirty="0"/>
-              <a:t>Two Modes</a:t>
-            </a:r>
-          </a:p>
-          <a:p>
-            <a:r>
-              <a:rPr lang="en-CA" sz="2000" dirty="0"/>
-              <a:t>	1. Smart Intersection</a:t>
-            </a:r>
-          </a:p>
-          <a:p>
-            <a:r>
-              <a:rPr lang="en-CA" sz="2000" dirty="0"/>
-              <a:t>		- Car does not stop at intersection if not needed</a:t>
-            </a:r>
-            <a:br>
-              <a:rPr lang="en-CA" sz="2000" dirty="0"/>
-            </a:br>
-            <a:endParaRPr lang="en-CA" sz="2000" dirty="0"/>
-          </a:p>
-          <a:p>
-            <a:r>
-              <a:rPr lang="en-CA" sz="2000" dirty="0"/>
-              <a:t>       2. Normal Intersection</a:t>
-            </a:r>
-          </a:p>
-          <a:p>
-            <a:r>
-              <a:rPr lang="en-CA" sz="2000" dirty="0"/>
-              <a:t>		- Car stops at intersection, proceeds when allowed</a:t>
-            </a:r>
-          </a:p>
-          <a:p>
-            <a:endParaRPr lang="en-CA" sz="2000" b="1" dirty="0"/>
-          </a:p>
-          <a:p>
-            <a:r>
-              <a:rPr lang="en-CA" sz="2000" b="1" dirty="0"/>
-              <a:t>Intersection Monitoring and Safety</a:t>
-            </a:r>
-          </a:p>
-          <a:p>
-            <a:pPr marL="800100" lvl="1" indent="-342900">
-              <a:lnSpc>
-                <a:spcPct val="150000"/>
-              </a:lnSpc>
-              <a:buFont typeface="Arial" panose="020B0604020202020204" pitchFamily="34" charset="0"/>
-              <a:buChar char="•"/>
-            </a:pPr>
-            <a:r>
-              <a:rPr lang="en-CA" sz="2000" dirty="0" smtClean="0"/>
-              <a:t>Camera </a:t>
-            </a:r>
-            <a:r>
-              <a:rPr lang="en-CA" sz="2000" dirty="0"/>
-              <a:t>tracks all movement in intersection</a:t>
-            </a:r>
-          </a:p>
-          <a:p>
-            <a:pPr marL="800100" lvl="1" indent="-342900">
-              <a:lnSpc>
-                <a:spcPct val="150000"/>
-              </a:lnSpc>
-              <a:buFont typeface="Arial" panose="020B0604020202020204" pitchFamily="34" charset="0"/>
-              <a:buChar char="•"/>
-            </a:pPr>
-            <a:r>
-              <a:rPr lang="en-CA" sz="2000" dirty="0" smtClean="0"/>
-              <a:t>Redundancy </a:t>
-            </a:r>
-            <a:r>
-              <a:rPr lang="en-CA" sz="2000" dirty="0"/>
-              <a:t>in object detection</a:t>
-            </a:r>
-          </a:p>
-          <a:p>
-            <a:pPr marL="800100" lvl="1" indent="-342900">
-              <a:lnSpc>
-                <a:spcPct val="150000"/>
-              </a:lnSpc>
-              <a:buFont typeface="Arial" panose="020B0604020202020204" pitchFamily="34" charset="0"/>
-              <a:buChar char="•"/>
-            </a:pPr>
-            <a:r>
-              <a:rPr lang="en-CA" sz="2000" dirty="0" smtClean="0"/>
-              <a:t>Cars </a:t>
-            </a:r>
-            <a:r>
-              <a:rPr lang="en-CA" sz="2000" dirty="0"/>
-              <a:t>stop and wait at intersection by default</a:t>
-            </a:r>
-          </a:p>
-        </p:txBody>
-      </p:sp>
-    </p:spTree>
-    <p:extLst>
-      <p:ext uri="{BB962C8B-B14F-4D97-AF65-F5344CB8AC3E}">
-        <p14:creationId xmlns:p14="http://schemas.microsoft.com/office/powerpoint/2010/main" val="905049994"/>
-      </p:ext>
-    </p:extLst>
-  </p:cSld>
-  <p:clrMapOvr>
-    <a:masterClrMapping/>
-  </p:clrMapOvr>
-  <p:timing>
-    <p:tnLst>
-      <p:par>
-        <p:cTn id="1" dur="indefinite" restart="never" nodeType="tmRoot"/>
-      </p:par>
-    </p:tnLst>
-  </p:timing>
-</p:sld>
-</file>
-
-<file path=ppt/slides/slide11.xml><?xml version="1.0" encoding="utf-8"?>
-<p:sld xmlns:a="http://schemas.openxmlformats.org/drawingml/2006/main" xmlns:r="http://schemas.openxmlformats.org/officeDocument/2006/relationships" xmlns:p="http://schemas.openxmlformats.org/presentationml/2006/main">
-  <p:cSld>
-    <p:spTree>
-      <p:nvGrpSpPr>
-        <p:cNvPr id="1" name="Shape 169"/>
-        <p:cNvGrpSpPr/>
-        <p:nvPr/>
-      </p:nvGrpSpPr>
-      <p:grpSpPr>
-        <a:xfrm>
-          <a:off x="0" y="0"/>
-          <a:ext cx="0" cy="0"/>
-          <a:chOff x="0" y="0"/>
-          <a:chExt cx="0" cy="0"/>
-        </a:xfrm>
-      </p:grpSpPr>
-      <p:sp>
-        <p:nvSpPr>
-          <p:cNvPr id="170" name="Shape 170"/>
-          <p:cNvSpPr txBox="1">
-            <a:spLocks noGrp="1"/>
-          </p:cNvSpPr>
-          <p:nvPr>
-            <p:ph type="title"/>
-          </p:nvPr>
-        </p:nvSpPr>
-        <p:spPr>
-          <a:xfrm>
-            <a:off x="1251678" y="382385"/>
-            <a:ext cx="10178322" cy="1492132"/>
-          </a:xfrm>
-          <a:prstGeom prst="rect">
-            <a:avLst/>
-          </a:prstGeom>
-          <a:noFill/>
-          <a:ln>
-            <a:noFill/>
-          </a:ln>
-        </p:spPr>
-        <p:txBody>
-          <a:bodyPr lIns="91425" tIns="45700" rIns="91425" bIns="45700" anchor="ctr" anchorCtr="0">
-            <a:noAutofit/>
-          </a:bodyPr>
-          <a:lstStyle/>
-          <a:p>
-            <a:pPr marL="0" marR="0" lvl="0" indent="0" algn="l" rtl="0">
-              <a:lnSpc>
-                <a:spcPct val="90000"/>
-              </a:lnSpc>
-              <a:spcBef>
-                <a:spcPts val="0"/>
-              </a:spcBef>
-              <a:buClr>
-                <a:schemeClr val="dk2"/>
-              </a:buClr>
-              <a:buSzPct val="25000"/>
-              <a:buFont typeface="Impact"/>
-              <a:buNone/>
-            </a:pPr>
-            <a:r>
-              <a:rPr lang="en-CA" sz="5100" b="0" i="0" u="none" strike="noStrike" cap="none">
-                <a:solidFill>
-                  <a:schemeClr val="dk2"/>
-                </a:solidFill>
-                <a:latin typeface="Impact"/>
-                <a:ea typeface="Impact"/>
-                <a:cs typeface="Impact"/>
-                <a:sym typeface="Impact"/>
-              </a:rPr>
-              <a:t>COST</a:t>
-            </a:r>
-          </a:p>
-        </p:txBody>
-      </p:sp>
-      <p:graphicFrame>
-        <p:nvGraphicFramePr>
-          <p:cNvPr id="171" name="Shape 171"/>
-          <p:cNvGraphicFramePr/>
-          <p:nvPr/>
-        </p:nvGraphicFramePr>
-        <p:xfrm>
-          <a:off x="1187487" y="1574025"/>
-          <a:ext cx="9308575" cy="4713655"/>
-        </p:xfrm>
-        <a:graphic>
-          <a:graphicData uri="http://schemas.openxmlformats.org/drawingml/2006/table">
-            <a:tbl>
-              <a:tblPr>
-                <a:noFill/>
-              </a:tblPr>
-              <a:tblGrid>
-                <a:gridCol w="2576675">
-                  <a:extLst>
-                    <a:ext uri="{9D8B030D-6E8A-4147-A177-3AD203B41FA5}">
-                      <a16:colId xmlns:a16="http://schemas.microsoft.com/office/drawing/2014/main" xmlns="" val="20000"/>
-                    </a:ext>
-                  </a:extLst>
-                </a:gridCol>
-                <a:gridCol w="2576675">
-                  <a:extLst>
-                    <a:ext uri="{9D8B030D-6E8A-4147-A177-3AD203B41FA5}">
-                      <a16:colId xmlns:a16="http://schemas.microsoft.com/office/drawing/2014/main" xmlns="" val="20001"/>
-                    </a:ext>
-                  </a:extLst>
-                </a:gridCol>
-                <a:gridCol w="2576675">
-                  <a:extLst>
-                    <a:ext uri="{9D8B030D-6E8A-4147-A177-3AD203B41FA5}">
-                      <a16:colId xmlns:a16="http://schemas.microsoft.com/office/drawing/2014/main" xmlns="" val="20002"/>
-                    </a:ext>
-                  </a:extLst>
-                </a:gridCol>
-                <a:gridCol w="1578550">
-                  <a:extLst>
-                    <a:ext uri="{9D8B030D-6E8A-4147-A177-3AD203B41FA5}">
-                      <a16:colId xmlns:a16="http://schemas.microsoft.com/office/drawing/2014/main" xmlns="" val="20003"/>
-                    </a:ext>
-                  </a:extLst>
-                </a:gridCol>
-              </a:tblGrid>
-              <a:tr h="425175">
-                <a:tc>
-                  <a:txBody>
-                    <a:bodyPr/>
-                    <a:lstStyle/>
-                    <a:p>
-                      <a:pPr lvl="0">
-                        <a:spcBef>
-                          <a:spcPts val="0"/>
-                        </a:spcBef>
-                        <a:buNone/>
-                      </a:pPr>
-                      <a:r>
-                        <a:rPr lang="en-CA" b="1" dirty="0"/>
-                        <a:t>PART </a:t>
-                      </a:r>
-                    </a:p>
-                  </a:txBody>
-                  <a:tcPr marL="91425" marR="91425" marT="91425" marB="91425"/>
-                </a:tc>
-                <a:tc>
-                  <a:txBody>
-                    <a:bodyPr/>
-                    <a:lstStyle/>
-                    <a:p>
-                      <a:pPr lvl="0">
-                        <a:spcBef>
-                          <a:spcPts val="0"/>
-                        </a:spcBef>
-                        <a:buNone/>
-                      </a:pPr>
-                      <a:r>
-                        <a:rPr lang="en-CA" b="1"/>
-                        <a:t>QUANTITY </a:t>
-                      </a:r>
-                    </a:p>
-                  </a:txBody>
-                  <a:tcPr marL="91425" marR="91425" marT="91425" marB="91425"/>
-                </a:tc>
-                <a:tc>
-                  <a:txBody>
-                    <a:bodyPr/>
-                    <a:lstStyle/>
-                    <a:p>
-                      <a:pPr lvl="0">
-                        <a:spcBef>
-                          <a:spcPts val="0"/>
-                        </a:spcBef>
-                        <a:buNone/>
-                      </a:pPr>
-                      <a:r>
-                        <a:rPr lang="en-CA" b="1"/>
-                        <a:t>PRICE ($)</a:t>
-                      </a:r>
-                    </a:p>
-                  </a:txBody>
-                  <a:tcPr marL="91425" marR="91425" marT="91425" marB="91425"/>
-                </a:tc>
-                <a:tc>
-                  <a:txBody>
-                    <a:bodyPr/>
-                    <a:lstStyle/>
-                    <a:p>
-                      <a:pPr lvl="0">
-                        <a:spcBef>
-                          <a:spcPts val="0"/>
-                        </a:spcBef>
-                        <a:buNone/>
-                      </a:pPr>
-                      <a:r>
-                        <a:rPr lang="en-CA" b="1"/>
-                        <a:t>TOTAL ($)</a:t>
-                      </a:r>
-                    </a:p>
-                  </a:txBody>
-                  <a:tcPr marL="91425" marR="91425" marT="91425" marB="91425"/>
-                </a:tc>
-                <a:extLst>
-                  <a:ext uri="{0D108BD9-81ED-4DB2-BD59-A6C34878D82A}">
-                    <a16:rowId xmlns:a16="http://schemas.microsoft.com/office/drawing/2014/main" xmlns="" val="10000"/>
-                  </a:ext>
-                </a:extLst>
-              </a:tr>
-              <a:tr h="642875">
-                <a:tc>
-                  <a:txBody>
-                    <a:bodyPr/>
-                    <a:lstStyle/>
-                    <a:p>
-                      <a:pPr lvl="0">
-                        <a:spcBef>
-                          <a:spcPts val="0"/>
-                        </a:spcBef>
-                        <a:buNone/>
-                      </a:pPr>
-                      <a:r>
-                        <a:rPr lang="en-CA"/>
-                        <a:t>RC Car</a:t>
-                      </a:r>
-                    </a:p>
-                    <a:p>
-                      <a:pPr lvl="0">
-                        <a:spcBef>
-                          <a:spcPts val="0"/>
-                        </a:spcBef>
-                        <a:buNone/>
-                      </a:pPr>
-                      <a:r>
-                        <a:rPr lang="en-CA"/>
-                        <a:t>(w/ servo &amp; speed controller)</a:t>
-                      </a:r>
-                    </a:p>
-                  </a:txBody>
-                  <a:tcPr marL="91425" marR="91425" marT="91425" marB="91425"/>
-                </a:tc>
-                <a:tc>
-                  <a:txBody>
-                    <a:bodyPr/>
-                    <a:lstStyle/>
-                    <a:p>
-                      <a:pPr lvl="0">
-                        <a:spcBef>
-                          <a:spcPts val="0"/>
-                        </a:spcBef>
-                        <a:buNone/>
-                      </a:pPr>
-                      <a:r>
-                        <a:rPr lang="en-CA"/>
-                        <a:t>2</a:t>
-                      </a:r>
-                    </a:p>
-                  </a:txBody>
-                  <a:tcPr marL="91425" marR="91425" marT="91425" marB="91425"/>
-                </a:tc>
-                <a:tc>
-                  <a:txBody>
-                    <a:bodyPr/>
-                    <a:lstStyle/>
-                    <a:p>
-                      <a:pPr lvl="0">
-                        <a:spcBef>
-                          <a:spcPts val="0"/>
-                        </a:spcBef>
-                        <a:buNone/>
-                      </a:pPr>
-                      <a:r>
-                        <a:rPr lang="en-CA"/>
-                        <a:t>240</a:t>
-                      </a:r>
-                    </a:p>
-                  </a:txBody>
-                  <a:tcPr marL="91425" marR="91425" marT="91425" marB="91425"/>
-                </a:tc>
-                <a:tc>
-                  <a:txBody>
-                    <a:bodyPr/>
-                    <a:lstStyle/>
-                    <a:p>
-                      <a:pPr lvl="0" algn="ctr">
-                        <a:spcBef>
-                          <a:spcPts val="0"/>
-                        </a:spcBef>
-                        <a:buNone/>
-                      </a:pPr>
-                      <a:r>
-                        <a:rPr lang="en-CA"/>
-                        <a:t>480</a:t>
-                      </a:r>
-                    </a:p>
-                  </a:txBody>
-                  <a:tcPr marL="91425" marR="91425" marT="91425" marB="91425"/>
-                </a:tc>
-                <a:extLst>
-                  <a:ext uri="{0D108BD9-81ED-4DB2-BD59-A6C34878D82A}">
-                    <a16:rowId xmlns:a16="http://schemas.microsoft.com/office/drawing/2014/main" xmlns="" val="10001"/>
-                  </a:ext>
-                </a:extLst>
-              </a:tr>
-              <a:tr h="642900">
-                <a:tc>
-                  <a:txBody>
-                    <a:bodyPr/>
-                    <a:lstStyle/>
-                    <a:p>
-                      <a:pPr lvl="0">
-                        <a:spcBef>
-                          <a:spcPts val="0"/>
-                        </a:spcBef>
-                        <a:buClr>
-                          <a:schemeClr val="dk1"/>
-                        </a:buClr>
-                        <a:buSzPct val="78571"/>
-                        <a:buFont typeface="Arial"/>
-                        <a:buNone/>
-                      </a:pPr>
-                      <a:r>
-                        <a:rPr lang="en-CA">
-                          <a:solidFill>
-                            <a:schemeClr val="dk1"/>
-                          </a:solidFill>
-                        </a:rPr>
-                        <a:t>3300 mAh 7.2 V battery</a:t>
-                      </a:r>
-                    </a:p>
-                  </a:txBody>
-                  <a:tcPr marL="91425" marR="91425" marT="91425" marB="91425"/>
-                </a:tc>
-                <a:tc>
-                  <a:txBody>
-                    <a:bodyPr/>
-                    <a:lstStyle/>
-                    <a:p>
-                      <a:pPr lvl="0">
-                        <a:spcBef>
-                          <a:spcPts val="0"/>
-                        </a:spcBef>
-                        <a:buNone/>
-                      </a:pPr>
-                      <a:r>
-                        <a:rPr lang="en-CA"/>
-                        <a:t>2</a:t>
-                      </a:r>
-                    </a:p>
-                  </a:txBody>
-                  <a:tcPr marL="91425" marR="91425" marT="91425" marB="91425"/>
-                </a:tc>
-                <a:tc>
-                  <a:txBody>
-                    <a:bodyPr/>
-                    <a:lstStyle/>
-                    <a:p>
-                      <a:pPr lvl="0">
-                        <a:spcBef>
-                          <a:spcPts val="0"/>
-                        </a:spcBef>
-                        <a:buNone/>
-                      </a:pPr>
-                      <a:r>
-                        <a:rPr lang="en-CA"/>
-                        <a:t>30</a:t>
-                      </a:r>
-                    </a:p>
-                  </a:txBody>
-                  <a:tcPr marL="91425" marR="91425" marT="91425" marB="91425"/>
-                </a:tc>
-                <a:tc>
-                  <a:txBody>
-                    <a:bodyPr/>
-                    <a:lstStyle/>
-                    <a:p>
-                      <a:pPr lvl="0" algn="ctr">
-                        <a:spcBef>
-                          <a:spcPts val="0"/>
-                        </a:spcBef>
-                        <a:buNone/>
-                      </a:pPr>
-                      <a:r>
-                        <a:rPr lang="en-CA"/>
-                        <a:t>60</a:t>
-                      </a:r>
-                    </a:p>
-                  </a:txBody>
-                  <a:tcPr marL="91425" marR="91425" marT="91425" marB="91425"/>
-                </a:tc>
-                <a:extLst>
-                  <a:ext uri="{0D108BD9-81ED-4DB2-BD59-A6C34878D82A}">
-                    <a16:rowId xmlns:a16="http://schemas.microsoft.com/office/drawing/2014/main" xmlns="" val="10002"/>
-                  </a:ext>
-                </a:extLst>
-              </a:tr>
-              <a:tr h="626175">
-                <a:tc>
-                  <a:txBody>
-                    <a:bodyPr/>
-                    <a:lstStyle/>
-                    <a:p>
-                      <a:pPr lvl="0">
-                        <a:spcBef>
-                          <a:spcPts val="0"/>
-                        </a:spcBef>
-                        <a:buNone/>
-                      </a:pPr>
-                      <a:r>
-                        <a:rPr lang="en-CA"/>
-                        <a:t>Battery charger</a:t>
-                      </a:r>
-                    </a:p>
-                  </a:txBody>
-                  <a:tcPr marL="91425" marR="91425" marT="91425" marB="91425"/>
-                </a:tc>
-                <a:tc>
-                  <a:txBody>
-                    <a:bodyPr/>
-                    <a:lstStyle/>
-                    <a:p>
-                      <a:pPr lvl="0">
-                        <a:spcBef>
-                          <a:spcPts val="0"/>
-                        </a:spcBef>
-                        <a:buNone/>
-                      </a:pPr>
-                      <a:r>
-                        <a:rPr lang="en-CA"/>
-                        <a:t>1</a:t>
-                      </a:r>
-                    </a:p>
-                  </a:txBody>
-                  <a:tcPr marL="91425" marR="91425" marT="91425" marB="91425"/>
-                </a:tc>
-                <a:tc>
-                  <a:txBody>
-                    <a:bodyPr/>
-                    <a:lstStyle/>
-                    <a:p>
-                      <a:pPr lvl="0">
-                        <a:spcBef>
-                          <a:spcPts val="0"/>
-                        </a:spcBef>
-                        <a:buNone/>
-                      </a:pPr>
-                      <a:r>
-                        <a:rPr lang="en-CA"/>
-                        <a:t>30</a:t>
-                      </a:r>
-                    </a:p>
-                  </a:txBody>
-                  <a:tcPr marL="91425" marR="91425" marT="91425" marB="91425"/>
-                </a:tc>
-                <a:tc>
-                  <a:txBody>
-                    <a:bodyPr/>
-                    <a:lstStyle/>
-                    <a:p>
-                      <a:pPr lvl="0" algn="ctr">
-                        <a:spcBef>
-                          <a:spcPts val="0"/>
-                        </a:spcBef>
-                        <a:buNone/>
-                      </a:pPr>
-                      <a:r>
-                        <a:rPr lang="en-CA"/>
-                        <a:t>30</a:t>
-                      </a:r>
-                    </a:p>
-                  </a:txBody>
-                  <a:tcPr marL="91425" marR="91425" marT="91425" marB="91425"/>
-                </a:tc>
-                <a:extLst>
-                  <a:ext uri="{0D108BD9-81ED-4DB2-BD59-A6C34878D82A}">
-                    <a16:rowId xmlns:a16="http://schemas.microsoft.com/office/drawing/2014/main" xmlns="" val="10003"/>
-                  </a:ext>
-                </a:extLst>
-              </a:tr>
-              <a:tr h="659650">
-                <a:tc>
-                  <a:txBody>
-                    <a:bodyPr/>
-                    <a:lstStyle/>
-                    <a:p>
-                      <a:pPr lvl="0">
-                        <a:spcBef>
-                          <a:spcPts val="0"/>
-                        </a:spcBef>
-                        <a:buNone/>
-                      </a:pPr>
-                      <a:r>
-                        <a:rPr lang="en-CA"/>
-                        <a:t>Raspberry Pi 3 Model B</a:t>
-                      </a:r>
-                    </a:p>
-                  </a:txBody>
-                  <a:tcPr marL="91425" marR="91425" marT="91425" marB="91425"/>
-                </a:tc>
-                <a:tc>
-                  <a:txBody>
-                    <a:bodyPr/>
-                    <a:lstStyle/>
-                    <a:p>
-                      <a:pPr lvl="0">
-                        <a:spcBef>
-                          <a:spcPts val="0"/>
-                        </a:spcBef>
-                        <a:buNone/>
-                      </a:pPr>
-                      <a:r>
-                        <a:rPr lang="en-CA"/>
-                        <a:t>2</a:t>
-                      </a:r>
-                    </a:p>
-                  </a:txBody>
-                  <a:tcPr marL="91425" marR="91425" marT="91425" marB="91425"/>
-                </a:tc>
-                <a:tc>
-                  <a:txBody>
-                    <a:bodyPr/>
-                    <a:lstStyle/>
-                    <a:p>
-                      <a:pPr lvl="0">
-                        <a:spcBef>
-                          <a:spcPts val="0"/>
-                        </a:spcBef>
-                        <a:buNone/>
-                      </a:pPr>
-                      <a:r>
-                        <a:rPr lang="en-CA"/>
-                        <a:t>60</a:t>
-                      </a:r>
-                    </a:p>
-                  </a:txBody>
-                  <a:tcPr marL="91425" marR="91425" marT="91425" marB="91425"/>
-                </a:tc>
-                <a:tc>
-                  <a:txBody>
-                    <a:bodyPr/>
-                    <a:lstStyle/>
-                    <a:p>
-                      <a:pPr lvl="0" algn="ctr">
-                        <a:spcBef>
-                          <a:spcPts val="0"/>
-                        </a:spcBef>
-                        <a:buNone/>
-                      </a:pPr>
-                      <a:r>
-                        <a:rPr lang="en-CA"/>
-                        <a:t>120</a:t>
-                      </a:r>
-                    </a:p>
-                  </a:txBody>
-                  <a:tcPr marL="91425" marR="91425" marT="91425" marB="91425"/>
-                </a:tc>
-                <a:extLst>
-                  <a:ext uri="{0D108BD9-81ED-4DB2-BD59-A6C34878D82A}">
-                    <a16:rowId xmlns:a16="http://schemas.microsoft.com/office/drawing/2014/main" xmlns="" val="10004"/>
-                  </a:ext>
-                </a:extLst>
-              </a:tr>
-              <a:tr h="687100">
-                <a:tc>
-                  <a:txBody>
-                    <a:bodyPr/>
-                    <a:lstStyle/>
-                    <a:p>
-                      <a:pPr lvl="0">
-                        <a:spcBef>
-                          <a:spcPts val="0"/>
-                        </a:spcBef>
-                        <a:buNone/>
-                      </a:pPr>
-                      <a:r>
-                        <a:rPr lang="en-CA" dirty="0"/>
-                        <a:t>Voltage regulator</a:t>
-                      </a:r>
-                    </a:p>
-                  </a:txBody>
-                  <a:tcPr marL="91425" marR="91425" marT="91425" marB="91425"/>
-                </a:tc>
-                <a:tc>
-                  <a:txBody>
-                    <a:bodyPr/>
-                    <a:lstStyle/>
-                    <a:p>
-                      <a:pPr lvl="0">
-                        <a:spcBef>
-                          <a:spcPts val="0"/>
-                        </a:spcBef>
-                        <a:buNone/>
-                      </a:pPr>
-                      <a:r>
-                        <a:rPr lang="en-CA"/>
-                        <a:t>3</a:t>
-                      </a:r>
-                    </a:p>
-                  </a:txBody>
-                  <a:tcPr marL="91425" marR="91425" marT="91425" marB="91425"/>
-                </a:tc>
-                <a:tc>
-                  <a:txBody>
-                    <a:bodyPr/>
-                    <a:lstStyle/>
-                    <a:p>
-                      <a:pPr lvl="0">
-                        <a:spcBef>
-                          <a:spcPts val="0"/>
-                        </a:spcBef>
-                        <a:buNone/>
-                      </a:pPr>
-                      <a:r>
-                        <a:rPr lang="en-CA"/>
-                        <a:t>1.50</a:t>
-                      </a:r>
-                    </a:p>
-                  </a:txBody>
-                  <a:tcPr marL="91425" marR="91425" marT="91425" marB="91425"/>
-                </a:tc>
-                <a:tc>
-                  <a:txBody>
-                    <a:bodyPr/>
-                    <a:lstStyle/>
-                    <a:p>
-                      <a:pPr lvl="0" algn="ctr" rtl="0">
-                        <a:spcBef>
-                          <a:spcPts val="0"/>
-                        </a:spcBef>
-                        <a:buNone/>
-                      </a:pPr>
-                      <a:r>
-                        <a:rPr lang="en-CA"/>
-                        <a:t>4.5</a:t>
-                      </a:r>
-                    </a:p>
-                  </a:txBody>
-                  <a:tcPr marL="91425" marR="91425" marT="91425" marB="91425"/>
-                </a:tc>
-                <a:extLst>
-                  <a:ext uri="{0D108BD9-81ED-4DB2-BD59-A6C34878D82A}">
-                    <a16:rowId xmlns:a16="http://schemas.microsoft.com/office/drawing/2014/main" xmlns="" val="10005"/>
-                  </a:ext>
-                </a:extLst>
-              </a:tr>
-              <a:tr h="634850">
-                <a:tc>
-                  <a:txBody>
-                    <a:bodyPr/>
-                    <a:lstStyle/>
-                    <a:p>
-                      <a:pPr lvl="0">
-                        <a:spcBef>
-                          <a:spcPts val="0"/>
-                        </a:spcBef>
-                        <a:buNone/>
-                      </a:pPr>
-                      <a:r>
-                        <a:rPr lang="en-CA"/>
-                        <a:t>Hall  Effect sensor</a:t>
-                      </a:r>
-                    </a:p>
-                  </a:txBody>
-                  <a:tcPr marL="91425" marR="91425" marT="91425" marB="91425"/>
-                </a:tc>
-                <a:tc>
-                  <a:txBody>
-                    <a:bodyPr/>
-                    <a:lstStyle/>
-                    <a:p>
-                      <a:pPr lvl="0">
-                        <a:spcBef>
-                          <a:spcPts val="0"/>
-                        </a:spcBef>
-                        <a:buNone/>
-                      </a:pPr>
-                      <a:r>
-                        <a:rPr lang="en-CA"/>
-                        <a:t>3</a:t>
-                      </a:r>
-                    </a:p>
-                  </a:txBody>
-                  <a:tcPr marL="91425" marR="91425" marT="91425" marB="91425"/>
-                </a:tc>
-                <a:tc>
-                  <a:txBody>
-                    <a:bodyPr/>
-                    <a:lstStyle/>
-                    <a:p>
-                      <a:pPr lvl="0" rtl="0">
-                        <a:spcBef>
-                          <a:spcPts val="0"/>
-                        </a:spcBef>
-                        <a:buNone/>
-                      </a:pPr>
-                      <a:r>
-                        <a:rPr lang="en-CA"/>
-                        <a:t>1.70</a:t>
-                      </a:r>
-                    </a:p>
-                  </a:txBody>
-                  <a:tcPr marL="91425" marR="91425" marT="91425" marB="91425"/>
-                </a:tc>
-                <a:tc>
-                  <a:txBody>
-                    <a:bodyPr/>
-                    <a:lstStyle/>
-                    <a:p>
-                      <a:pPr lvl="0" algn="ctr" rtl="0">
-                        <a:spcBef>
-                          <a:spcPts val="0"/>
-                        </a:spcBef>
-                        <a:buNone/>
-                      </a:pPr>
-                      <a:r>
-                        <a:rPr lang="en-CA" dirty="0"/>
-                        <a:t>5.1</a:t>
-                      </a:r>
-                    </a:p>
-                  </a:txBody>
-                  <a:tcPr marL="91425" marR="91425" marT="91425" marB="91425"/>
-                </a:tc>
-                <a:extLst>
-                  <a:ext uri="{0D108BD9-81ED-4DB2-BD59-A6C34878D82A}">
-                    <a16:rowId xmlns:a16="http://schemas.microsoft.com/office/drawing/2014/main" xmlns="" val="10006"/>
-                  </a:ext>
-                </a:extLst>
-              </a:tr>
-            </a:tbl>
-          </a:graphicData>
-        </a:graphic>
-      </p:graphicFrame>
-      <p:sp>
-        <p:nvSpPr>
-          <p:cNvPr id="172" name="Shape 172"/>
-          <p:cNvSpPr txBox="1"/>
-          <p:nvPr/>
-        </p:nvSpPr>
-        <p:spPr>
-          <a:xfrm>
-            <a:off x="9122490" y="6287680"/>
-            <a:ext cx="2575800" cy="375600"/>
-          </a:xfrm>
-          <a:prstGeom prst="rect">
-            <a:avLst/>
-          </a:prstGeom>
-          <a:noFill/>
-          <a:ln>
-            <a:noFill/>
-          </a:ln>
-        </p:spPr>
-        <p:txBody>
-          <a:bodyPr lIns="91425" tIns="91425" rIns="91425" bIns="91425" anchor="t" anchorCtr="0">
-            <a:noAutofit/>
-          </a:bodyPr>
-          <a:lstStyle/>
-          <a:p>
-            <a:pPr lvl="0">
-              <a:spcBef>
-                <a:spcPts val="0"/>
-              </a:spcBef>
-              <a:buNone/>
-            </a:pPr>
-            <a:r>
-              <a:rPr lang="en-CA" b="1" dirty="0"/>
-              <a:t>Total:  700</a:t>
-            </a:r>
-          </a:p>
-        </p:txBody>
-      </p:sp>
-    </p:spTree>
-    <p:extLst>
-      <p:ext uri="{BB962C8B-B14F-4D97-AF65-F5344CB8AC3E}">
-        <p14:creationId xmlns:p14="http://schemas.microsoft.com/office/powerpoint/2010/main" val="2416161344"/>
-      </p:ext>
-    </p:extLst>
-  </p:cSld>
-  <p:clrMapOvr>
-    <a:masterClrMapping/>
-  </p:clrMapOvr>
-  <p:timing>
-    <p:tnLst>
-      <p:par>
-        <p:cTn id="1" dur="indefinite" restart="never" nodeType="tmRoot"/>
-      </p:par>
-    </p:tnLst>
-  </p:timing>
-</p:sld>
-</file>
-
-<file path=ppt/slides/slide12.xml><?xml version="1.0" encoding="utf-8"?>
-<p:sld xmlns:a="http://schemas.openxmlformats.org/drawingml/2006/main" xmlns:r="http://schemas.openxmlformats.org/officeDocument/2006/relationships" xmlns:p="http://schemas.openxmlformats.org/presentationml/2006/main">
-  <p:cSld>
-    <p:spTree>
-      <p:nvGrpSpPr>
-        <p:cNvPr id="1" name="Shape 176"/>
-        <p:cNvGrpSpPr/>
-        <p:nvPr/>
-      </p:nvGrpSpPr>
-      <p:grpSpPr>
-        <a:xfrm>
-          <a:off x="0" y="0"/>
-          <a:ext cx="0" cy="0"/>
-          <a:chOff x="0" y="0"/>
-          <a:chExt cx="0" cy="0"/>
-        </a:xfrm>
-      </p:grpSpPr>
-      <p:sp>
-        <p:nvSpPr>
-          <p:cNvPr id="177" name="Shape 177"/>
-          <p:cNvSpPr txBox="1">
-            <a:spLocks noGrp="1"/>
-          </p:cNvSpPr>
-          <p:nvPr>
-            <p:ph type="title"/>
-          </p:nvPr>
-        </p:nvSpPr>
-        <p:spPr>
-          <a:xfrm>
-            <a:off x="1251678" y="382385"/>
-            <a:ext cx="10178322" cy="1492132"/>
-          </a:xfrm>
-          <a:prstGeom prst="rect">
-            <a:avLst/>
-          </a:prstGeom>
-          <a:noFill/>
-          <a:ln>
-            <a:noFill/>
-          </a:ln>
-        </p:spPr>
-        <p:txBody>
-          <a:bodyPr lIns="91425" tIns="45700" rIns="91425" bIns="45700" anchor="ctr" anchorCtr="0">
-            <a:noAutofit/>
-          </a:bodyPr>
-          <a:lstStyle/>
-          <a:p>
-            <a:pPr marL="0" marR="0" lvl="0" indent="0" algn="l" rtl="0">
-              <a:lnSpc>
-                <a:spcPct val="90000"/>
-              </a:lnSpc>
-              <a:spcBef>
-                <a:spcPts val="0"/>
-              </a:spcBef>
-              <a:buClr>
-                <a:schemeClr val="dk2"/>
-              </a:buClr>
-              <a:buSzPct val="25000"/>
-              <a:buFont typeface="Impact"/>
-              <a:buNone/>
-            </a:pPr>
-            <a:r>
-              <a:rPr lang="en-CA" sz="5100" b="0" i="0" u="none" strike="noStrike" cap="none">
-                <a:solidFill>
-                  <a:schemeClr val="dk2"/>
-                </a:solidFill>
-                <a:latin typeface="Impact"/>
-                <a:ea typeface="Impact"/>
-                <a:cs typeface="Impact"/>
-                <a:sym typeface="Impact"/>
-              </a:rPr>
-              <a:t>TECHNICAL DETAILS </a:t>
-            </a:r>
-          </a:p>
-        </p:txBody>
-      </p:sp>
-      <p:sp>
-        <p:nvSpPr>
-          <p:cNvPr id="178" name="Shape 178"/>
-          <p:cNvSpPr txBox="1">
-            <a:spLocks noGrp="1"/>
-          </p:cNvSpPr>
-          <p:nvPr>
-            <p:ph type="body" idx="1"/>
-          </p:nvPr>
-        </p:nvSpPr>
-        <p:spPr>
-          <a:xfrm>
-            <a:off x="1251675" y="1672924"/>
-            <a:ext cx="10178400" cy="4827000"/>
-          </a:xfrm>
-          <a:prstGeom prst="rect">
-            <a:avLst/>
-          </a:prstGeom>
-          <a:noFill/>
-          <a:ln>
-            <a:noFill/>
-          </a:ln>
-        </p:spPr>
-        <p:txBody>
-          <a:bodyPr lIns="91425" tIns="45700" rIns="91425" bIns="45700" anchor="t" anchorCtr="0">
-            <a:noAutofit/>
-          </a:bodyPr>
-          <a:lstStyle/>
-          <a:p>
-            <a:pPr marL="0" lvl="0" indent="-69850" rtl="0">
-              <a:lnSpc>
-                <a:spcPct val="100000"/>
-              </a:lnSpc>
-              <a:spcBef>
-                <a:spcPts val="0"/>
-              </a:spcBef>
-              <a:buClr>
-                <a:schemeClr val="dk1"/>
-              </a:buClr>
-              <a:buSzPct val="47826"/>
-              <a:buFont typeface="Arial"/>
-              <a:buNone/>
-            </a:pPr>
-            <a:r>
-              <a:rPr lang="en-CA" sz="2300" b="1" dirty="0">
-                <a:solidFill>
-                  <a:schemeClr val="dk1"/>
-                </a:solidFill>
-              </a:rPr>
-              <a:t>Hardware</a:t>
-            </a:r>
-            <a:r>
-              <a:rPr lang="en-CA" sz="2300" dirty="0">
-                <a:solidFill>
-                  <a:schemeClr val="dk1"/>
-                </a:solidFill>
-              </a:rPr>
-              <a:t>  </a:t>
-            </a:r>
-          </a:p>
-          <a:p>
-            <a:pPr marL="457200" lvl="0" indent="-374650" rtl="0">
-              <a:lnSpc>
-                <a:spcPct val="100000"/>
-              </a:lnSpc>
-              <a:spcBef>
-                <a:spcPts val="0"/>
-              </a:spcBef>
-              <a:buClr>
-                <a:schemeClr val="dk1"/>
-              </a:buClr>
-              <a:buSzPct val="100000"/>
-              <a:buFont typeface="Cabin"/>
-            </a:pPr>
-            <a:r>
-              <a:rPr lang="en-CA" sz="2300" dirty="0">
-                <a:solidFill>
-                  <a:schemeClr val="dk1"/>
-                </a:solidFill>
-              </a:rPr>
-              <a:t>Intersection Controller: </a:t>
-            </a:r>
-          </a:p>
-          <a:p>
-            <a:pPr marL="914400" lvl="1" indent="-374650" rtl="0">
-              <a:lnSpc>
-                <a:spcPct val="100000"/>
-              </a:lnSpc>
-              <a:spcBef>
-                <a:spcPts val="0"/>
-              </a:spcBef>
-              <a:buClr>
-                <a:schemeClr val="dk1"/>
-              </a:buClr>
-              <a:buSzPct val="100000"/>
-              <a:buFont typeface="Cabin"/>
-            </a:pPr>
-            <a:r>
-              <a:rPr lang="en-CA" sz="2300" dirty="0">
-                <a:solidFill>
-                  <a:schemeClr val="dk1"/>
-                </a:solidFill>
-              </a:rPr>
-              <a:t>Computer with bird-eye view camera</a:t>
-            </a:r>
-            <a:br>
-              <a:rPr lang="en-CA" sz="2300" dirty="0">
-                <a:solidFill>
-                  <a:schemeClr val="dk1"/>
-                </a:solidFill>
-              </a:rPr>
-            </a:br>
-            <a:endParaRPr lang="en-CA" sz="2300" dirty="0">
-              <a:solidFill>
-                <a:schemeClr val="dk1"/>
-              </a:solidFill>
-            </a:endParaRPr>
-          </a:p>
-          <a:p>
-            <a:pPr marL="457200" lvl="0" indent="-374650" rtl="0">
-              <a:lnSpc>
-                <a:spcPct val="100000"/>
-              </a:lnSpc>
-              <a:spcBef>
-                <a:spcPts val="0"/>
-              </a:spcBef>
-              <a:buClr>
-                <a:schemeClr val="dk1"/>
-              </a:buClr>
-              <a:buSzPct val="100000"/>
-            </a:pPr>
-            <a:r>
-              <a:rPr lang="en-CA" sz="2300" dirty="0">
-                <a:solidFill>
-                  <a:schemeClr val="dk1"/>
-                </a:solidFill>
-              </a:rPr>
-              <a:t>Vehicle Controller: </a:t>
-            </a:r>
-          </a:p>
-          <a:p>
-            <a:pPr marL="914400" lvl="1" indent="-374650" rtl="0">
-              <a:lnSpc>
-                <a:spcPct val="100000"/>
-              </a:lnSpc>
-              <a:spcBef>
-                <a:spcPts val="0"/>
-              </a:spcBef>
-              <a:buClr>
-                <a:schemeClr val="dk1"/>
-              </a:buClr>
-              <a:buSzPct val="100000"/>
-              <a:buFont typeface="Arial"/>
-            </a:pPr>
-            <a:r>
-              <a:rPr lang="en-CA" sz="2300" dirty="0">
-                <a:solidFill>
-                  <a:schemeClr val="dk1"/>
-                </a:solidFill>
-              </a:rPr>
-              <a:t>Raspberry Pi 3</a:t>
-            </a:r>
-          </a:p>
-          <a:p>
-            <a:pPr marL="914400" lvl="1" indent="-374650" rtl="0">
-              <a:lnSpc>
-                <a:spcPct val="100000"/>
-              </a:lnSpc>
-              <a:spcBef>
-                <a:spcPts val="0"/>
-              </a:spcBef>
-              <a:buClr>
-                <a:schemeClr val="dk1"/>
-              </a:buClr>
-              <a:buSzPct val="100000"/>
-              <a:buFont typeface="Arial"/>
-            </a:pPr>
-            <a:r>
-              <a:rPr lang="en-CA" sz="2300" dirty="0">
-                <a:solidFill>
-                  <a:schemeClr val="dk1"/>
-                </a:solidFill>
-              </a:rPr>
-              <a:t>Camera</a:t>
-            </a:r>
-          </a:p>
-          <a:p>
-            <a:pPr marL="914400" lvl="1" indent="-374650" rtl="0">
-              <a:lnSpc>
-                <a:spcPct val="100000"/>
-              </a:lnSpc>
-              <a:spcBef>
-                <a:spcPts val="0"/>
-              </a:spcBef>
-              <a:buClr>
-                <a:schemeClr val="dk1"/>
-              </a:buClr>
-              <a:buSzPct val="100000"/>
-              <a:buFont typeface="Arial"/>
-            </a:pPr>
-            <a:r>
-              <a:rPr lang="en-CA" sz="2300" dirty="0">
-                <a:solidFill>
-                  <a:schemeClr val="dk1"/>
-                </a:solidFill>
-              </a:rPr>
-              <a:t>Hall Effect Sensor</a:t>
-            </a:r>
-          </a:p>
-          <a:p>
-            <a:pPr marL="0" lvl="0" indent="0" rtl="0">
-              <a:lnSpc>
-                <a:spcPct val="100000"/>
-              </a:lnSpc>
-              <a:spcBef>
-                <a:spcPts val="0"/>
-              </a:spcBef>
-              <a:buNone/>
-            </a:pPr>
-            <a:endParaRPr sz="2300" b="1" dirty="0">
-              <a:solidFill>
-                <a:schemeClr val="dk1"/>
-              </a:solidFill>
-            </a:endParaRPr>
-          </a:p>
-          <a:p>
-            <a:pPr marL="0" lvl="0" indent="0" rtl="0">
-              <a:lnSpc>
-                <a:spcPct val="100000"/>
-              </a:lnSpc>
-              <a:spcBef>
-                <a:spcPts val="0"/>
-              </a:spcBef>
-              <a:buNone/>
-            </a:pPr>
-            <a:r>
-              <a:rPr lang="en-CA" sz="2300" b="1" dirty="0">
-                <a:solidFill>
-                  <a:schemeClr val="dk1"/>
-                </a:solidFill>
-              </a:rPr>
-              <a:t>Software</a:t>
-            </a:r>
-          </a:p>
-          <a:p>
-            <a:pPr marL="457200" marR="0" lvl="0" indent="-374650" algn="l" rtl="0">
-              <a:lnSpc>
-                <a:spcPct val="100000"/>
-              </a:lnSpc>
-              <a:spcBef>
-                <a:spcPts val="0"/>
-              </a:spcBef>
-              <a:spcAft>
-                <a:spcPts val="0"/>
-              </a:spcAft>
-              <a:buClr>
-                <a:schemeClr val="dk1"/>
-              </a:buClr>
-              <a:buSzPct val="100000"/>
-              <a:buFont typeface="Cabin"/>
-            </a:pPr>
-            <a:r>
-              <a:rPr lang="en-CA" sz="2300" dirty="0" err="1">
-                <a:solidFill>
-                  <a:schemeClr val="dk1"/>
-                </a:solidFill>
-              </a:rPr>
-              <a:t>OpenCV</a:t>
-            </a:r>
-            <a:r>
-              <a:rPr lang="en-CA" sz="2300" dirty="0">
-                <a:solidFill>
-                  <a:schemeClr val="dk1"/>
-                </a:solidFill>
-              </a:rPr>
-              <a:t> (Image Processing)</a:t>
-            </a:r>
-          </a:p>
-          <a:p>
-            <a:pPr marL="457200" marR="0" lvl="0" indent="-374650" algn="l" rtl="0">
-              <a:lnSpc>
-                <a:spcPct val="100000"/>
-              </a:lnSpc>
-              <a:spcBef>
-                <a:spcPts val="0"/>
-              </a:spcBef>
-              <a:spcAft>
-                <a:spcPts val="0"/>
-              </a:spcAft>
-              <a:buClr>
-                <a:schemeClr val="dk1"/>
-              </a:buClr>
-              <a:buSzPct val="100000"/>
-              <a:buFont typeface="Cabin"/>
-            </a:pPr>
-            <a:r>
-              <a:rPr lang="en-CA" sz="2300" dirty="0" err="1">
-                <a:solidFill>
-                  <a:schemeClr val="dk1"/>
-                </a:solidFill>
-              </a:rPr>
-              <a:t>BlueZ</a:t>
-            </a:r>
-            <a:r>
-              <a:rPr lang="en-CA" sz="2300" dirty="0">
-                <a:solidFill>
-                  <a:schemeClr val="dk1"/>
-                </a:solidFill>
-              </a:rPr>
-              <a:t> (Bluetooth)</a:t>
-            </a:r>
-          </a:p>
-        </p:txBody>
-      </p:sp>
-    </p:spTree>
-    <p:extLst>
-      <p:ext uri="{BB962C8B-B14F-4D97-AF65-F5344CB8AC3E}">
-        <p14:creationId xmlns:p14="http://schemas.microsoft.com/office/powerpoint/2010/main" val="3807527910"/>
-      </p:ext>
-    </p:extLst>
-  </p:cSld>
-  <p:clrMapOvr>
-    <a:masterClrMapping/>
-  </p:clrMapOvr>
-  <p:timing>
-    <p:tnLst>
-      <p:par>
-        <p:cTn id="1" dur="indefinite" restart="never" nodeType="tmRoot"/>
-      </p:par>
-    </p:tnLst>
-  </p:timing>
-</p:sld>
-</file>
-
-<file path=ppt/slides/slide13.xml><?xml version="1.0" encoding="utf-8"?>
-<p:sld xmlns:a="http://schemas.openxmlformats.org/drawingml/2006/main" xmlns:r="http://schemas.openxmlformats.org/officeDocument/2006/relationships" xmlns:p="http://schemas.openxmlformats.org/presentationml/2006/main">
-  <p:cSld>
-    <p:spTree>
-      <p:nvGrpSpPr>
-        <p:cNvPr id="1" name=""/>
-        <p:cNvGrpSpPr/>
-        <p:nvPr/>
-      </p:nvGrpSpPr>
-      <p:grpSpPr>
-        <a:xfrm>
-          <a:off x="0" y="0"/>
-          <a:ext cx="0" cy="0"/>
-          <a:chOff x="0" y="0"/>
-          <a:chExt cx="0" cy="0"/>
-        </a:xfrm>
-      </p:grpSpPr>
-      <p:sp>
-        <p:nvSpPr>
-          <p:cNvPr id="10" name="Rectangle 6"/>
-          <p:cNvSpPr>
-            <a:spLocks noGrp="1" noRot="1" noChangeAspect="1" noMove="1" noResize="1" noEditPoints="1" noAdjustHandles="1" noChangeArrowheads="1" noChangeShapeType="1" noTextEdit="1"/>
-          </p:cNvSpPr>
-          <p:nvPr>
-            <p:extLst>
-              <p:ext uri="{386F3935-93C4-4BCD-93E2-E3B085C9AB24}">
-                <p16:designElem xmlns:p16="http://schemas.microsoft.com/office/powerpoint/2015/main" xmlns="" val="1"/>
-              </p:ext>
-            </p:extLst>
-          </p:nvPr>
-        </p:nvSpPr>
-        <p:spPr bwMode="ltGray">
-          <a:xfrm>
-            <a:off x="0" y="0"/>
-            <a:ext cx="12191999" cy="6858000"/>
-          </a:xfrm>
-          <a:prstGeom prst="rect">
-            <a:avLst/>
-          </a:prstGeom>
-          <a:solidFill>
-            <a:schemeClr val="accent1"/>
-          </a:solidFill>
-          <a:ln>
-            <a:noFill/>
-          </a:ln>
-        </p:spPr>
-        <p:style>
-          <a:lnRef idx="2">
-            <a:schemeClr val="accent1">
-              <a:shade val="50000"/>
-            </a:schemeClr>
-          </a:lnRef>
-          <a:fillRef idx="1">
-            <a:schemeClr val="accent1"/>
-          </a:fillRef>
-          <a:effectRef idx="0">
-            <a:schemeClr val="accent1"/>
-          </a:effectRef>
-          <a:fontRef idx="minor">
-            <a:schemeClr val="lt1"/>
-          </a:fontRef>
-        </p:style>
-        <p:txBody>
-          <a:bodyPr rtlCol="0" anchor="ctr"/>
-          <a:lstStyle/>
-          <a:p>
-            <a:pPr algn="ctr"/>
-            <a:endParaRPr lang="en-US" dirty="0"/>
-          </a:p>
-        </p:txBody>
-      </p:sp>
-      <p:sp>
-        <p:nvSpPr>
-          <p:cNvPr id="11" name="Rectangle 7"/>
-          <p:cNvSpPr>
-            <a:spLocks noGrp="1" noRot="1" noChangeAspect="1" noMove="1" noResize="1" noEditPoints="1" noAdjustHandles="1" noChangeArrowheads="1" noChangeShapeType="1" noTextEdit="1"/>
-          </p:cNvSpPr>
-          <p:nvPr>
-            <p:extLst>
-              <p:ext uri="{386F3935-93C4-4BCD-93E2-E3B085C9AB24}">
-                <p16:designElem xmlns:p16="http://schemas.microsoft.com/office/powerpoint/2015/main" xmlns="" val="1"/>
-              </p:ext>
-            </p:extLst>
-          </p:nvPr>
-        </p:nvSpPr>
-        <p:spPr bwMode="auto">
-          <a:xfrm>
-            <a:off x="283465" y="2828492"/>
-            <a:ext cx="11908534" cy="79375"/>
-          </a:xfrm>
-          <a:prstGeom prst="rect">
-            <a:avLst/>
-          </a:prstGeom>
-          <a:solidFill>
-            <a:schemeClr val="bg2"/>
-          </a:solidFill>
-          <a:ln w="0">
-            <a:noFill/>
-            <a:prstDash val="solid"/>
-            <a:round/>
-            <a:headEnd/>
-            <a:tailEnd/>
-          </a:ln>
-        </p:spPr>
-        <p:txBody>
-          <a:bodyPr rtlCol="0" anchor="ctr"/>
-          <a:lstStyle/>
-          <a:p>
-            <a:pPr algn="ctr"/>
-            <a:endParaRPr lang="en-US" dirty="0"/>
-          </a:p>
-        </p:txBody>
-      </p:sp>
-      <p:pic>
-        <p:nvPicPr>
-          <p:cNvPr id="4" name="Picture 3"/>
-          <p:cNvPicPr>
-            <a:picLocks noChangeAspect="1"/>
-          </p:cNvPicPr>
-          <p:nvPr/>
-        </p:nvPicPr>
-        <p:blipFill rotWithShape="1">
-          <a:blip r:embed="rId3">
-            <a:extLst>
-              <a:ext uri="{BEBA8EAE-BF5A-486C-A8C5-ECC9F3942E4B}">
-                <a14:imgProps xmlns:a14="http://schemas.microsoft.com/office/drawing/2010/main">
-                  <a14:imgLayer r:embed="rId4">
-                    <a14:imgEffect>
-                      <a14:backgroundRemoval t="0" b="100000" l="0" r="100000">
-                        <a14:foregroundMark x1="34364" y1="48221" x2="34000" y2="54545"/>
-                        <a14:foregroundMark x1="6000" y1="43083" x2="3273" y2="49802"/>
-                        <a14:foregroundMark x1="10000" y1="66798" x2="17091" y2="74308"/>
-                        <a14:foregroundMark x1="45455" y1="68775" x2="46727" y2="86561"/>
-                        <a14:foregroundMark x1="50909" y1="68379" x2="48909" y2="90119"/>
-                        <a14:foregroundMark x1="43818" y1="69565" x2="43455" y2="90514"/>
-                        <a14:foregroundMark x1="92000" y1="59684" x2="94182" y2="88538"/>
-                        <a14:foregroundMark x1="38727" y1="1976" x2="79636" y2="1976"/>
-                        <a14:foregroundMark x1="37818" y1="49012" x2="37818" y2="49012"/>
-                        <a14:backgroundMark x1="364" y1="73913" x2="364" y2="73913"/>
-                        <a14:backgroundMark x1="364" y1="77075" x2="364" y2="77075"/>
-                        <a14:backgroundMark x1="43455" y1="99605" x2="43455" y2="99605"/>
-                      </a14:backgroundRemoval>
-                    </a14:imgEffect>
-                  </a14:imgLayer>
-                </a14:imgProps>
-              </a:ext>
-              <a:ext uri="{28A0092B-C50C-407E-A947-70E740481C1C}">
-                <a14:useLocalDpi xmlns:a14="http://schemas.microsoft.com/office/drawing/2010/main" val="0"/>
-              </a:ext>
-            </a:extLst>
-          </a:blip>
-          <a:srcRect t="30026" b="19540"/>
-          <a:stretch/>
-        </p:blipFill>
-        <p:spPr>
-          <a:xfrm>
-            <a:off x="0" y="0"/>
-            <a:ext cx="12192000" cy="2828482"/>
-          </a:xfrm>
-          <a:prstGeom prst="rect">
-            <a:avLst/>
-          </a:prstGeom>
-        </p:spPr>
-      </p:pic>
-      <p:sp>
-        <p:nvSpPr>
-          <p:cNvPr id="9" name="Freeform 6" title="Left scallop edge"/>
-          <p:cNvSpPr>
-            <a:spLocks noGrp="1" noRot="1" noChangeAspect="1" noMove="1" noResize="1" noEditPoints="1" noAdjustHandles="1" noChangeArrowheads="1" noChangeShapeType="1" noTextEdit="1"/>
-          </p:cNvSpPr>
-          <p:nvPr>
-            <p:extLst>
-              <p:ext uri="{386F3935-93C4-4BCD-93E2-E3B085C9AB24}">
-                <p16:designElem xmlns:p16="http://schemas.microsoft.com/office/powerpoint/2015/main" xmlns="" val="1"/>
-              </p:ext>
-            </p:extLst>
-          </p:nvPr>
-        </p:nvSpPr>
-        <p:spPr bwMode="auto">
-          <a:xfrm>
-            <a:off x="0" y="0"/>
-            <a:ext cx="885825" cy="6858000"/>
-          </a:xfrm>
-          <a:custGeom>
-            <a:avLst/>
-            <a:gdLst/>
-            <a:ahLst/>
-            <a:cxnLst/>
-            <a:rect l="0" t="0" r="r" b="b"/>
-            <a:pathLst>
-              <a:path w="558" h="4320">
-                <a:moveTo>
-                  <a:pt x="0" y="0"/>
-                </a:moveTo>
-                <a:lnTo>
-                  <a:pt x="447" y="0"/>
-                </a:lnTo>
-                <a:lnTo>
-                  <a:pt x="448" y="43"/>
-                </a:lnTo>
-                <a:lnTo>
-                  <a:pt x="453" y="81"/>
-                </a:lnTo>
-                <a:lnTo>
-                  <a:pt x="460" y="114"/>
-                </a:lnTo>
-                <a:lnTo>
-                  <a:pt x="469" y="143"/>
-                </a:lnTo>
-                <a:lnTo>
-                  <a:pt x="479" y="169"/>
-                </a:lnTo>
-                <a:lnTo>
-                  <a:pt x="491" y="192"/>
-                </a:lnTo>
-                <a:lnTo>
-                  <a:pt x="503" y="216"/>
-                </a:lnTo>
-                <a:lnTo>
-                  <a:pt x="515" y="240"/>
-                </a:lnTo>
-                <a:lnTo>
-                  <a:pt x="525" y="263"/>
-                </a:lnTo>
-                <a:lnTo>
-                  <a:pt x="535" y="289"/>
-                </a:lnTo>
-                <a:lnTo>
-                  <a:pt x="545" y="318"/>
-                </a:lnTo>
-                <a:lnTo>
-                  <a:pt x="552" y="351"/>
-                </a:lnTo>
-                <a:lnTo>
-                  <a:pt x="556" y="389"/>
-                </a:lnTo>
-                <a:lnTo>
-                  <a:pt x="558" y="432"/>
-                </a:lnTo>
-                <a:lnTo>
-                  <a:pt x="556" y="475"/>
-                </a:lnTo>
-                <a:lnTo>
-                  <a:pt x="552" y="513"/>
-                </a:lnTo>
-                <a:lnTo>
-                  <a:pt x="545" y="546"/>
-                </a:lnTo>
-                <a:lnTo>
-                  <a:pt x="535" y="575"/>
-                </a:lnTo>
-                <a:lnTo>
-                  <a:pt x="525" y="601"/>
-                </a:lnTo>
-                <a:lnTo>
-                  <a:pt x="515" y="624"/>
-                </a:lnTo>
-                <a:lnTo>
-                  <a:pt x="503" y="648"/>
-                </a:lnTo>
-                <a:lnTo>
-                  <a:pt x="491" y="672"/>
-                </a:lnTo>
-                <a:lnTo>
-                  <a:pt x="479" y="695"/>
-                </a:lnTo>
-                <a:lnTo>
-                  <a:pt x="469" y="721"/>
-                </a:lnTo>
-                <a:lnTo>
-                  <a:pt x="460" y="750"/>
-                </a:lnTo>
-                <a:lnTo>
-                  <a:pt x="453" y="783"/>
-                </a:lnTo>
-                <a:lnTo>
-                  <a:pt x="448" y="821"/>
-                </a:lnTo>
-                <a:lnTo>
-                  <a:pt x="447" y="864"/>
-                </a:lnTo>
-                <a:lnTo>
-                  <a:pt x="448" y="907"/>
-                </a:lnTo>
-                <a:lnTo>
-                  <a:pt x="453" y="945"/>
-                </a:lnTo>
-                <a:lnTo>
-                  <a:pt x="460" y="978"/>
-                </a:lnTo>
-                <a:lnTo>
-                  <a:pt x="469" y="1007"/>
-                </a:lnTo>
-                <a:lnTo>
-                  <a:pt x="479" y="1033"/>
-                </a:lnTo>
-                <a:lnTo>
-                  <a:pt x="491" y="1056"/>
-                </a:lnTo>
-                <a:lnTo>
-                  <a:pt x="503" y="1080"/>
-                </a:lnTo>
-                <a:lnTo>
-                  <a:pt x="515" y="1104"/>
-                </a:lnTo>
-                <a:lnTo>
-                  <a:pt x="525" y="1127"/>
-                </a:lnTo>
-                <a:lnTo>
-                  <a:pt x="535" y="1153"/>
-                </a:lnTo>
-                <a:lnTo>
-                  <a:pt x="545" y="1182"/>
-                </a:lnTo>
-                <a:lnTo>
-                  <a:pt x="552" y="1215"/>
-                </a:lnTo>
-                <a:lnTo>
-                  <a:pt x="556" y="1253"/>
-                </a:lnTo>
-                <a:lnTo>
-                  <a:pt x="558" y="1296"/>
-                </a:lnTo>
-                <a:lnTo>
-                  <a:pt x="556" y="1339"/>
-                </a:lnTo>
-                <a:lnTo>
-                  <a:pt x="552" y="1377"/>
-                </a:lnTo>
-                <a:lnTo>
-                  <a:pt x="545" y="1410"/>
-                </a:lnTo>
-                <a:lnTo>
-                  <a:pt x="535" y="1439"/>
-                </a:lnTo>
-                <a:lnTo>
-                  <a:pt x="525" y="1465"/>
-                </a:lnTo>
-                <a:lnTo>
-                  <a:pt x="515" y="1488"/>
-                </a:lnTo>
-                <a:lnTo>
-                  <a:pt x="503" y="1512"/>
-                </a:lnTo>
-                <a:lnTo>
-                  <a:pt x="491" y="1536"/>
-                </a:lnTo>
-                <a:lnTo>
-                  <a:pt x="479" y="1559"/>
-                </a:lnTo>
-                <a:lnTo>
-                  <a:pt x="469" y="1585"/>
-                </a:lnTo>
-                <a:lnTo>
-                  <a:pt x="460" y="1614"/>
-                </a:lnTo>
-                <a:lnTo>
-                  <a:pt x="453" y="1647"/>
-                </a:lnTo>
-                <a:lnTo>
-                  <a:pt x="448" y="1685"/>
-                </a:lnTo>
-                <a:lnTo>
-                  <a:pt x="447" y="1728"/>
-                </a:lnTo>
-                <a:lnTo>
-                  <a:pt x="448" y="1771"/>
-                </a:lnTo>
-                <a:lnTo>
-                  <a:pt x="453" y="1809"/>
-                </a:lnTo>
-                <a:lnTo>
-                  <a:pt x="460" y="1842"/>
-                </a:lnTo>
-                <a:lnTo>
-                  <a:pt x="469" y="1871"/>
-                </a:lnTo>
-                <a:lnTo>
-                  <a:pt x="479" y="1897"/>
-                </a:lnTo>
-                <a:lnTo>
-                  <a:pt x="491" y="1920"/>
-                </a:lnTo>
-                <a:lnTo>
-                  <a:pt x="503" y="1944"/>
-                </a:lnTo>
-                <a:lnTo>
-                  <a:pt x="515" y="1968"/>
-                </a:lnTo>
-                <a:lnTo>
-                  <a:pt x="525" y="1991"/>
-                </a:lnTo>
-                <a:lnTo>
-                  <a:pt x="535" y="2017"/>
-                </a:lnTo>
-                <a:lnTo>
-                  <a:pt x="545" y="2046"/>
-                </a:lnTo>
-                <a:lnTo>
-                  <a:pt x="552" y="2079"/>
-                </a:lnTo>
-                <a:lnTo>
-                  <a:pt x="556" y="2117"/>
-                </a:lnTo>
-                <a:lnTo>
-                  <a:pt x="558" y="2159"/>
-                </a:lnTo>
-                <a:lnTo>
-                  <a:pt x="556" y="2203"/>
-                </a:lnTo>
-                <a:lnTo>
-                  <a:pt x="552" y="2241"/>
-                </a:lnTo>
-                <a:lnTo>
-                  <a:pt x="545" y="2274"/>
-                </a:lnTo>
-                <a:lnTo>
-                  <a:pt x="535" y="2303"/>
-                </a:lnTo>
-                <a:lnTo>
-                  <a:pt x="525" y="2329"/>
-                </a:lnTo>
-                <a:lnTo>
-                  <a:pt x="515" y="2352"/>
-                </a:lnTo>
-                <a:lnTo>
-                  <a:pt x="503" y="2376"/>
-                </a:lnTo>
-                <a:lnTo>
-                  <a:pt x="491" y="2400"/>
-                </a:lnTo>
-                <a:lnTo>
-                  <a:pt x="479" y="2423"/>
-                </a:lnTo>
-                <a:lnTo>
-                  <a:pt x="469" y="2449"/>
-                </a:lnTo>
-                <a:lnTo>
-                  <a:pt x="460" y="2478"/>
-                </a:lnTo>
-                <a:lnTo>
-                  <a:pt x="453" y="2511"/>
-                </a:lnTo>
-                <a:lnTo>
-                  <a:pt x="448" y="2549"/>
-                </a:lnTo>
-                <a:lnTo>
-                  <a:pt x="447" y="2592"/>
-                </a:lnTo>
-                <a:lnTo>
-                  <a:pt x="448" y="2635"/>
-                </a:lnTo>
-                <a:lnTo>
-                  <a:pt x="453" y="2673"/>
-                </a:lnTo>
-                <a:lnTo>
-                  <a:pt x="460" y="2706"/>
-                </a:lnTo>
-                <a:lnTo>
-                  <a:pt x="469" y="2735"/>
-                </a:lnTo>
-                <a:lnTo>
-                  <a:pt x="479" y="2761"/>
-                </a:lnTo>
-                <a:lnTo>
-                  <a:pt x="491" y="2784"/>
-                </a:lnTo>
-                <a:lnTo>
-                  <a:pt x="515" y="2832"/>
-                </a:lnTo>
-                <a:lnTo>
-                  <a:pt x="525" y="2855"/>
-                </a:lnTo>
-                <a:lnTo>
-                  <a:pt x="535" y="2881"/>
-                </a:lnTo>
-                <a:lnTo>
-                  <a:pt x="545" y="2910"/>
-                </a:lnTo>
-                <a:lnTo>
-                  <a:pt x="552" y="2943"/>
-                </a:lnTo>
-                <a:lnTo>
-                  <a:pt x="556" y="2981"/>
-                </a:lnTo>
-                <a:lnTo>
-                  <a:pt x="558" y="3024"/>
-                </a:lnTo>
-                <a:lnTo>
-                  <a:pt x="556" y="3067"/>
-                </a:lnTo>
-                <a:lnTo>
-                  <a:pt x="552" y="3105"/>
-                </a:lnTo>
-                <a:lnTo>
-                  <a:pt x="545" y="3138"/>
-                </a:lnTo>
-                <a:lnTo>
-                  <a:pt x="535" y="3167"/>
-                </a:lnTo>
-                <a:lnTo>
-                  <a:pt x="525" y="3193"/>
-                </a:lnTo>
-                <a:lnTo>
-                  <a:pt x="515" y="3216"/>
-                </a:lnTo>
-                <a:lnTo>
-                  <a:pt x="503" y="3240"/>
-                </a:lnTo>
-                <a:lnTo>
-                  <a:pt x="491" y="3264"/>
-                </a:lnTo>
-                <a:lnTo>
-                  <a:pt x="479" y="3287"/>
-                </a:lnTo>
-                <a:lnTo>
-                  <a:pt x="469" y="3313"/>
-                </a:lnTo>
-                <a:lnTo>
-                  <a:pt x="460" y="3342"/>
-                </a:lnTo>
-                <a:lnTo>
-                  <a:pt x="453" y="3375"/>
-                </a:lnTo>
-                <a:lnTo>
-                  <a:pt x="448" y="3413"/>
-                </a:lnTo>
-                <a:lnTo>
-                  <a:pt x="447" y="3456"/>
-                </a:lnTo>
-                <a:lnTo>
-                  <a:pt x="448" y="3499"/>
-                </a:lnTo>
-                <a:lnTo>
-                  <a:pt x="453" y="3537"/>
-                </a:lnTo>
-                <a:lnTo>
-                  <a:pt x="460" y="3570"/>
-                </a:lnTo>
-                <a:lnTo>
-                  <a:pt x="469" y="3599"/>
-                </a:lnTo>
-                <a:lnTo>
-                  <a:pt x="479" y="3625"/>
-                </a:lnTo>
-                <a:lnTo>
-                  <a:pt x="491" y="3648"/>
-                </a:lnTo>
-                <a:lnTo>
-                  <a:pt x="503" y="3672"/>
-                </a:lnTo>
-                <a:lnTo>
-                  <a:pt x="515" y="3696"/>
-                </a:lnTo>
-                <a:lnTo>
-                  <a:pt x="525" y="3719"/>
-                </a:lnTo>
-                <a:lnTo>
-                  <a:pt x="535" y="3745"/>
-                </a:lnTo>
-                <a:lnTo>
-                  <a:pt x="545" y="3774"/>
-                </a:lnTo>
-                <a:lnTo>
-                  <a:pt x="552" y="3807"/>
-                </a:lnTo>
-                <a:lnTo>
-                  <a:pt x="556" y="3845"/>
-                </a:lnTo>
-                <a:lnTo>
-                  <a:pt x="558" y="3888"/>
-                </a:lnTo>
-                <a:lnTo>
-                  <a:pt x="556" y="3931"/>
-                </a:lnTo>
-                <a:lnTo>
-                  <a:pt x="552" y="3969"/>
-                </a:lnTo>
-                <a:lnTo>
-                  <a:pt x="545" y="4002"/>
-                </a:lnTo>
-                <a:lnTo>
-                  <a:pt x="535" y="4031"/>
-                </a:lnTo>
-                <a:lnTo>
-                  <a:pt x="525" y="4057"/>
-                </a:lnTo>
-                <a:lnTo>
-                  <a:pt x="515" y="4080"/>
-                </a:lnTo>
-                <a:lnTo>
-                  <a:pt x="503" y="4104"/>
-                </a:lnTo>
-                <a:lnTo>
-                  <a:pt x="491" y="4128"/>
-                </a:lnTo>
-                <a:lnTo>
-                  <a:pt x="479" y="4151"/>
-                </a:lnTo>
-                <a:lnTo>
-                  <a:pt x="469" y="4177"/>
-                </a:lnTo>
-                <a:lnTo>
-                  <a:pt x="460" y="4206"/>
-                </a:lnTo>
-                <a:lnTo>
-                  <a:pt x="453" y="4239"/>
-                </a:lnTo>
-                <a:lnTo>
-                  <a:pt x="448" y="4277"/>
-                </a:lnTo>
-                <a:lnTo>
-                  <a:pt x="447" y="4320"/>
-                </a:lnTo>
-                <a:lnTo>
-                  <a:pt x="0" y="4320"/>
-                </a:lnTo>
-                <a:lnTo>
-                  <a:pt x="0" y="0"/>
-                </a:lnTo>
-                <a:close/>
-              </a:path>
-            </a:pathLst>
-          </a:custGeom>
-          <a:solidFill>
-            <a:schemeClr val="tx2"/>
-          </a:solidFill>
-          <a:ln w="0">
-            <a:noFill/>
-            <a:prstDash val="solid"/>
-            <a:round/>
-            <a:headEnd/>
-            <a:tailEnd/>
-          </a:ln>
-        </p:spPr>
-      </p:sp>
-      <p:sp>
-        <p:nvSpPr>
-          <p:cNvPr id="2" name="Title 1"/>
-          <p:cNvSpPr>
-            <a:spLocks noGrp="1"/>
-          </p:cNvSpPr>
-          <p:nvPr>
-            <p:ph type="ctrTitle"/>
-          </p:nvPr>
-        </p:nvSpPr>
-        <p:spPr>
-          <a:xfrm>
-            <a:off x="1379703" y="3592164"/>
-            <a:ext cx="10318418" cy="2581538"/>
-          </a:xfrm>
-        </p:spPr>
-        <p:txBody>
-          <a:bodyPr vert="horz" lIns="91440" tIns="45720" rIns="91440" bIns="45720" rtlCol="0">
-            <a:normAutofit/>
-          </a:bodyPr>
-          <a:lstStyle/>
-          <a:p>
-            <a:r>
-              <a:rPr lang="en-US" sz="8800" dirty="0"/>
-              <a:t>Questions</a:t>
-            </a:r>
-          </a:p>
-        </p:txBody>
-      </p:sp>
-      <p:sp>
-        <p:nvSpPr>
-          <p:cNvPr id="18" name="TextBox 17"/>
-          <p:cNvSpPr txBox="1"/>
-          <p:nvPr/>
-        </p:nvSpPr>
-        <p:spPr>
-          <a:xfrm>
-            <a:off x="1300295" y="2097962"/>
-            <a:ext cx="799058" cy="369332"/>
-          </a:xfrm>
-          <a:prstGeom prst="rect">
-            <a:avLst/>
-          </a:prstGeom>
-          <a:noFill/>
-        </p:spPr>
-        <p:txBody>
-          <a:bodyPr wrap="square" rtlCol="0">
-            <a:spAutoFit/>
-          </a:bodyPr>
-          <a:lstStyle/>
-          <a:p>
-            <a:r>
-              <a:rPr lang="en-CA" dirty="0">
-                <a:effectLst>
-                  <a:outerShdw blurRad="38100" dist="38100" dir="2700000" algn="tl">
-                    <a:srgbClr val="000000">
-                      <a:alpha val="43137"/>
-                    </a:srgbClr>
-                  </a:outerShdw>
-                </a:effectLst>
-              </a:rPr>
-              <a:t>VIC -1</a:t>
-            </a:r>
-            <a:endParaRPr lang="en-US" dirty="0">
-              <a:effectLst>
-                <a:outerShdw blurRad="38100" dist="38100" dir="2700000" algn="tl">
-                  <a:srgbClr val="000000">
-                    <a:alpha val="43137"/>
-                  </a:srgbClr>
-                </a:outerShdw>
-              </a:effectLst>
-            </a:endParaRPr>
-          </a:p>
-        </p:txBody>
-      </p:sp>
-      <p:sp>
-        <p:nvSpPr>
-          <p:cNvPr id="12" name="Subtitle 4"/>
-          <p:cNvSpPr txBox="1">
-            <a:spLocks/>
-          </p:cNvSpPr>
-          <p:nvPr/>
-        </p:nvSpPr>
-        <p:spPr>
-          <a:xfrm rot="21337305">
-            <a:off x="6744779" y="1006002"/>
-            <a:ext cx="4181503" cy="775591"/>
-          </a:xfrm>
-          <a:prstGeom prst="rect">
-            <a:avLst/>
-          </a:prstGeom>
-          <a:scene3d>
-            <a:camera prst="perspectiveRight"/>
-            <a:lightRig rig="threePt" dir="t"/>
-          </a:scene3d>
-        </p:spPr>
-        <p:txBody>
-          <a:bodyPr vert="horz" lIns="91440" tIns="45720" rIns="91440" bIns="45720" rtlCol="0" anchor="ctr">
-            <a:noAutofit/>
-          </a:bodyPr>
-          <a:lstStyle>
-            <a:lvl1pPr marL="0" indent="0" algn="ctr" defTabSz="914400" rtl="0" eaLnBrk="1" latinLnBrk="0" hangingPunct="1">
-              <a:lnSpc>
-                <a:spcPct val="100000"/>
-              </a:lnSpc>
-              <a:spcBef>
-                <a:spcPts val="700"/>
-              </a:spcBef>
-              <a:buClr>
-                <a:schemeClr val="tx2"/>
-              </a:buClr>
-              <a:buFont typeface="Arial" panose="020B0604020202020204" pitchFamily="34" charset="0"/>
-              <a:buNone/>
-              <a:defRPr sz="2000" b="1" i="0" kern="1200" cap="all" spc="400" baseline="0">
-                <a:solidFill>
-                  <a:schemeClr val="tx2"/>
-                </a:solidFill>
-                <a:latin typeface="+mn-lt"/>
-                <a:ea typeface="+mn-ea"/>
-                <a:cs typeface="+mn-cs"/>
-              </a:defRPr>
-            </a:lvl1pPr>
-            <a:lvl2pPr marL="457200" indent="0" algn="ctr" defTabSz="914400" rtl="0" eaLnBrk="1" latinLnBrk="0" hangingPunct="1">
-              <a:lnSpc>
-                <a:spcPct val="110000"/>
-              </a:lnSpc>
-              <a:spcBef>
-                <a:spcPts val="700"/>
-              </a:spcBef>
-              <a:buClr>
-                <a:schemeClr val="tx2"/>
-              </a:buClr>
-              <a:buFont typeface="Gill Sans MT" panose="020B0502020104020203" pitchFamily="34" charset="0"/>
-              <a:buNone/>
-              <a:defRPr sz="2000" kern="1200">
-                <a:solidFill>
-                  <a:schemeClr val="tx1">
-                    <a:lumMod val="65000"/>
-                    <a:lumOff val="35000"/>
-                  </a:schemeClr>
-                </a:solidFill>
-                <a:latin typeface="+mn-lt"/>
-                <a:ea typeface="+mn-ea"/>
-                <a:cs typeface="+mn-cs"/>
-              </a:defRPr>
-            </a:lvl2pPr>
-            <a:lvl3pPr marL="914400" indent="0" algn="ctr" defTabSz="914400" rtl="0" eaLnBrk="1" latinLnBrk="0" hangingPunct="1">
-              <a:lnSpc>
-                <a:spcPct val="110000"/>
-              </a:lnSpc>
-              <a:spcBef>
-                <a:spcPts val="700"/>
-              </a:spcBef>
-              <a:buClr>
-                <a:schemeClr val="tx2"/>
-              </a:buClr>
-              <a:buFont typeface="Arial" panose="020B0604020202020204" pitchFamily="34" charset="0"/>
-              <a:buNone/>
-              <a:defRPr sz="1800" kern="1200">
-                <a:solidFill>
-                  <a:schemeClr val="tx1">
-                    <a:lumMod val="65000"/>
-                    <a:lumOff val="35000"/>
-                  </a:schemeClr>
-                </a:solidFill>
-                <a:latin typeface="+mn-lt"/>
-                <a:ea typeface="+mn-ea"/>
-                <a:cs typeface="+mn-cs"/>
-              </a:defRPr>
-            </a:lvl3pPr>
-            <a:lvl4pPr marL="1371600" indent="0" algn="ctr" defTabSz="914400" rtl="0" eaLnBrk="1" latinLnBrk="0" hangingPunct="1">
-              <a:lnSpc>
-                <a:spcPct val="110000"/>
-              </a:lnSpc>
-              <a:spcBef>
-                <a:spcPts val="700"/>
-              </a:spcBef>
-              <a:buClr>
-                <a:schemeClr val="tx2"/>
-              </a:buClr>
-              <a:buFont typeface="Gill Sans MT" panose="020B0502020104020203" pitchFamily="34" charset="0"/>
-              <a:buNone/>
-              <a:defRPr sz="1600" kern="1200">
-                <a:solidFill>
-                  <a:schemeClr val="tx1">
-                    <a:lumMod val="65000"/>
-                    <a:lumOff val="35000"/>
-                  </a:schemeClr>
-                </a:solidFill>
-                <a:latin typeface="+mn-lt"/>
-                <a:ea typeface="+mn-ea"/>
-                <a:cs typeface="+mn-cs"/>
-              </a:defRPr>
-            </a:lvl4pPr>
-            <a:lvl5pPr marL="1828800" indent="0" algn="ctr" defTabSz="914400" rtl="0" eaLnBrk="1" latinLnBrk="0" hangingPunct="1">
-              <a:lnSpc>
-                <a:spcPct val="110000"/>
-              </a:lnSpc>
-              <a:spcBef>
-                <a:spcPts val="700"/>
-              </a:spcBef>
-              <a:buClr>
-                <a:schemeClr val="tx2"/>
-              </a:buClr>
-              <a:buFont typeface="Arial" panose="020B0604020202020204" pitchFamily="34" charset="0"/>
-              <a:buNone/>
-              <a:defRPr sz="1600" kern="1200">
-                <a:solidFill>
-                  <a:schemeClr val="tx1">
-                    <a:lumMod val="65000"/>
-                    <a:lumOff val="35000"/>
-                  </a:schemeClr>
-                </a:solidFill>
-                <a:latin typeface="+mn-lt"/>
-                <a:ea typeface="+mn-ea"/>
-                <a:cs typeface="+mn-cs"/>
-              </a:defRPr>
-            </a:lvl5pPr>
-            <a:lvl6pPr marL="2286000" indent="0" algn="ctr" defTabSz="914400" rtl="0" eaLnBrk="1" latinLnBrk="0" hangingPunct="1">
-              <a:lnSpc>
-                <a:spcPct val="110000"/>
-              </a:lnSpc>
-              <a:spcBef>
-                <a:spcPts val="700"/>
-              </a:spcBef>
-              <a:buClr>
-                <a:schemeClr val="tx2"/>
-              </a:buClr>
-              <a:buFont typeface="Gill Sans MT" panose="020B0502020104020203" pitchFamily="34" charset="0"/>
-              <a:buNone/>
-              <a:defRPr sz="1600" kern="1200">
-                <a:solidFill>
-                  <a:schemeClr val="tx1">
-                    <a:lumMod val="65000"/>
-                    <a:lumOff val="35000"/>
-                  </a:schemeClr>
-                </a:solidFill>
-                <a:latin typeface="+mn-lt"/>
-                <a:ea typeface="+mn-ea"/>
-                <a:cs typeface="+mn-cs"/>
-              </a:defRPr>
-            </a:lvl6pPr>
-            <a:lvl7pPr marL="2743200" indent="0" algn="ctr" defTabSz="914400" rtl="0" eaLnBrk="1" latinLnBrk="0" hangingPunct="1">
-              <a:lnSpc>
-                <a:spcPct val="110000"/>
-              </a:lnSpc>
-              <a:spcBef>
-                <a:spcPts val="700"/>
-              </a:spcBef>
-              <a:buClr>
-                <a:schemeClr val="tx2"/>
-              </a:buClr>
-              <a:buFont typeface="Arial" panose="020B0604020202020204" pitchFamily="34" charset="0"/>
-              <a:buNone/>
-              <a:defRPr sz="1600" kern="1200">
-                <a:solidFill>
-                  <a:schemeClr val="tx1">
-                    <a:lumMod val="65000"/>
-                    <a:lumOff val="35000"/>
-                  </a:schemeClr>
-                </a:solidFill>
-                <a:latin typeface="+mn-lt"/>
-                <a:ea typeface="+mn-ea"/>
-                <a:cs typeface="+mn-cs"/>
-              </a:defRPr>
-            </a:lvl7pPr>
-            <a:lvl8pPr marL="3200400" indent="0" algn="ctr" defTabSz="914400" rtl="0" eaLnBrk="1" latinLnBrk="0" hangingPunct="1">
-              <a:lnSpc>
-                <a:spcPct val="110000"/>
-              </a:lnSpc>
-              <a:spcBef>
-                <a:spcPts val="700"/>
-              </a:spcBef>
-              <a:buClr>
-                <a:schemeClr val="tx2"/>
-              </a:buClr>
-              <a:buFont typeface="Gill Sans MT" panose="020B0502020104020203" pitchFamily="34" charset="0"/>
-              <a:buNone/>
-              <a:defRPr sz="1600" kern="1200" baseline="0">
-                <a:solidFill>
-                  <a:schemeClr val="tx1">
-                    <a:lumMod val="65000"/>
-                    <a:lumOff val="35000"/>
-                  </a:schemeClr>
-                </a:solidFill>
-                <a:latin typeface="+mn-lt"/>
-                <a:ea typeface="+mn-ea"/>
-                <a:cs typeface="+mn-cs"/>
-              </a:defRPr>
-            </a:lvl8pPr>
-            <a:lvl9pPr marL="3657600" indent="0" algn="ctr" defTabSz="914400" rtl="0" eaLnBrk="1" latinLnBrk="0" hangingPunct="1">
-              <a:lnSpc>
-                <a:spcPct val="110000"/>
-              </a:lnSpc>
-              <a:spcBef>
-                <a:spcPts val="700"/>
-              </a:spcBef>
-              <a:buClr>
-                <a:schemeClr val="tx2"/>
-              </a:buClr>
-              <a:buFont typeface="Arial" panose="020B0604020202020204" pitchFamily="34" charset="0"/>
-              <a:buNone/>
-              <a:defRPr sz="1600" kern="1200" baseline="0">
-                <a:solidFill>
-                  <a:schemeClr val="tx1">
-                    <a:lumMod val="65000"/>
-                    <a:lumOff val="35000"/>
-                  </a:schemeClr>
-                </a:solidFill>
-                <a:latin typeface="+mn-lt"/>
-                <a:ea typeface="+mn-ea"/>
-                <a:cs typeface="+mn-cs"/>
-              </a:defRPr>
-            </a:lvl9pPr>
-          </a:lstStyle>
-          <a:p>
-            <a:r>
-              <a:rPr lang="en-CA" sz="6000" dirty="0">
-                <a:solidFill>
-                  <a:schemeClr val="bg2"/>
-                </a:solidFill>
-              </a:rPr>
-              <a:t>Group 6</a:t>
-            </a:r>
-            <a:endParaRPr lang="en-US" sz="6000" dirty="0">
-              <a:solidFill>
-                <a:schemeClr val="bg2"/>
-              </a:solidFill>
-            </a:endParaRPr>
-          </a:p>
-        </p:txBody>
-      </p:sp>
-    </p:spTree>
-    <p:extLst>
-      <p:ext uri="{BB962C8B-B14F-4D97-AF65-F5344CB8AC3E}">
-        <p14:creationId xmlns:p14="http://schemas.microsoft.com/office/powerpoint/2010/main" val="388629465"/>
-      </p:ext>
-    </p:extLst>
-  </p:cSld>
-  <p:clrMapOvr>
-    <a:masterClrMapping/>
-  </p:clrMapOvr>
-  <p:timing>
-    <p:tnLst>
-      <p:par>
-        <p:cTn id="1" dur="indefinite" restart="never" nodeType="tmRoot"/>
-      </p:par>
-    </p:tnLst>
-  </p:timing>
-</p:sld>
-</file>
-
-<file path=ppt/slides/slide2.xml><?xml version="1.0" encoding="utf-8"?>
-<p:sld xmlns:a="http://schemas.openxmlformats.org/drawingml/2006/main" xmlns:r="http://schemas.openxmlformats.org/officeDocument/2006/relationships" xmlns:p="http://schemas.openxmlformats.org/presentationml/2006/main">
-  <p:cSld>
-    <p:spTree>
-      <p:nvGrpSpPr>
-        <p:cNvPr id="1" name="Shape 133"/>
-        <p:cNvGrpSpPr/>
-        <p:nvPr/>
-      </p:nvGrpSpPr>
-      <p:grpSpPr>
-        <a:xfrm>
-          <a:off x="0" y="0"/>
-          <a:ext cx="0" cy="0"/>
-          <a:chOff x="0" y="0"/>
-          <a:chExt cx="0" cy="0"/>
-        </a:xfrm>
-      </p:grpSpPr>
-      <p:sp>
-        <p:nvSpPr>
-          <p:cNvPr id="134" name="Shape 134"/>
-          <p:cNvSpPr txBox="1">
-            <a:spLocks noGrp="1"/>
-          </p:cNvSpPr>
-          <p:nvPr>
-            <p:ph type="title"/>
-          </p:nvPr>
-        </p:nvSpPr>
-        <p:spPr>
-          <a:xfrm>
-            <a:off x="1251678" y="382385"/>
-            <a:ext cx="10178400" cy="1492200"/>
-          </a:xfrm>
-          <a:prstGeom prst="rect">
-            <a:avLst/>
-          </a:prstGeom>
-          <a:noFill/>
-          <a:ln>
-            <a:noFill/>
-          </a:ln>
-        </p:spPr>
-        <p:txBody>
-          <a:bodyPr lIns="91425" tIns="45700" rIns="91425" bIns="45700" anchor="ctr" anchorCtr="0">
-            <a:noAutofit/>
-          </a:bodyPr>
-          <a:lstStyle/>
-          <a:p>
-            <a:pPr marL="0" marR="0" lvl="0" indent="0" algn="l" rtl="0">
-              <a:lnSpc>
-                <a:spcPct val="90000"/>
-              </a:lnSpc>
-              <a:spcBef>
-                <a:spcPts val="0"/>
-              </a:spcBef>
-              <a:buClr>
-                <a:schemeClr val="dk2"/>
-              </a:buClr>
-              <a:buSzPct val="25000"/>
-              <a:buFont typeface="Impact"/>
-              <a:buNone/>
-            </a:pPr>
-            <a:r>
-              <a:rPr lang="en-CA"/>
-              <a:t>THE PROBLEM</a:t>
-            </a:r>
-          </a:p>
-        </p:txBody>
-      </p:sp>
-      <p:sp>
-        <p:nvSpPr>
-          <p:cNvPr id="135" name="Shape 135"/>
-          <p:cNvSpPr txBox="1">
-            <a:spLocks noGrp="1"/>
-          </p:cNvSpPr>
-          <p:nvPr>
-            <p:ph type="body" idx="1"/>
-          </p:nvPr>
-        </p:nvSpPr>
-        <p:spPr>
-          <a:xfrm>
-            <a:off x="1251675" y="1874575"/>
-            <a:ext cx="10467300" cy="4005000"/>
-          </a:xfrm>
-          <a:prstGeom prst="rect">
-            <a:avLst/>
-          </a:prstGeom>
-          <a:noFill/>
-          <a:ln>
-            <a:noFill/>
-          </a:ln>
-        </p:spPr>
-        <p:txBody>
-          <a:bodyPr lIns="91425" tIns="45700" rIns="91425" bIns="45700" anchor="t" anchorCtr="0">
-            <a:noAutofit/>
-          </a:bodyPr>
-          <a:lstStyle/>
-          <a:p>
-            <a:pPr marL="0" marR="0" lvl="0" indent="0" algn="l" rtl="0">
-              <a:lnSpc>
-                <a:spcPct val="110000"/>
-              </a:lnSpc>
-              <a:spcBef>
-                <a:spcPts val="0"/>
-              </a:spcBef>
-              <a:buNone/>
-            </a:pPr>
-            <a:r>
-              <a:rPr lang="en-CA" sz="3000" b="1" dirty="0">
-                <a:solidFill>
-                  <a:srgbClr val="2A1A00"/>
-                </a:solidFill>
-              </a:rPr>
-              <a:t>How should autonomous vehicles behave when approaching a four-way stop? </a:t>
-            </a:r>
-            <a:endParaRPr lang="en-CA" sz="3000" b="1" dirty="0" smtClean="0">
-              <a:solidFill>
-                <a:srgbClr val="2A1A00"/>
-              </a:solidFill>
-            </a:endParaRPr>
-          </a:p>
-          <a:p>
-            <a:pPr marL="0" marR="0" lvl="0" indent="0" algn="l" rtl="0">
-              <a:lnSpc>
-                <a:spcPct val="110000"/>
-              </a:lnSpc>
-              <a:spcBef>
-                <a:spcPts val="0"/>
-              </a:spcBef>
-              <a:buNone/>
-            </a:pPr>
-            <a:endParaRPr lang="en-CA" sz="3000" b="1" dirty="0">
-              <a:solidFill>
-                <a:srgbClr val="2A1A00"/>
-              </a:solidFill>
-            </a:endParaRPr>
-          </a:p>
-          <a:p>
-            <a:pPr marL="1371600" marR="0" lvl="2" indent="-419100" algn="l" rtl="0">
-              <a:lnSpc>
-                <a:spcPct val="150000"/>
-              </a:lnSpc>
-              <a:spcBef>
-                <a:spcPts val="0"/>
-              </a:spcBef>
-              <a:buClr>
-                <a:srgbClr val="2A1A00"/>
-              </a:buClr>
-              <a:buSzPct val="100000"/>
-            </a:pPr>
-            <a:r>
-              <a:rPr lang="en-CA" sz="2400" dirty="0">
-                <a:solidFill>
-                  <a:srgbClr val="2A1A00"/>
-                </a:solidFill>
-              </a:rPr>
-              <a:t>single vehicle scenario</a:t>
-            </a:r>
-          </a:p>
-          <a:p>
-            <a:pPr marL="1371600" marR="0" lvl="2" indent="-419100" algn="l" rtl="0">
-              <a:lnSpc>
-                <a:spcPct val="150000"/>
-              </a:lnSpc>
-              <a:spcBef>
-                <a:spcPts val="0"/>
-              </a:spcBef>
-              <a:buClr>
-                <a:srgbClr val="2A1A00"/>
-              </a:buClr>
-              <a:buSzPct val="100000"/>
-            </a:pPr>
-            <a:r>
-              <a:rPr lang="en-CA" sz="2400" dirty="0">
-                <a:solidFill>
-                  <a:srgbClr val="2A1A00"/>
-                </a:solidFill>
-              </a:rPr>
-              <a:t>multiple vehicles scenario </a:t>
-            </a:r>
-          </a:p>
-          <a:p>
-            <a:pPr marL="0" marR="0" lvl="0" indent="0" algn="l" rtl="0">
-              <a:lnSpc>
-                <a:spcPct val="110000"/>
-              </a:lnSpc>
-              <a:spcBef>
-                <a:spcPts val="0"/>
-              </a:spcBef>
-              <a:buNone/>
-            </a:pPr>
-            <a:endParaRPr dirty="0">
-              <a:solidFill>
-                <a:srgbClr val="2A1A00"/>
-              </a:solidFill>
-            </a:endParaRPr>
-          </a:p>
-        </p:txBody>
-      </p:sp>
-    </p:spTree>
-    <p:extLst>
-      <p:ext uri="{BB962C8B-B14F-4D97-AF65-F5344CB8AC3E}">
-        <p14:creationId xmlns:p14="http://schemas.microsoft.com/office/powerpoint/2010/main" val="462381453"/>
-      </p:ext>
-    </p:extLst>
-  </p:cSld>
-  <p:clrMapOvr>
-    <a:masterClrMapping/>
-  </p:clrMapOvr>
-  <p:timing>
-    <p:tnLst>
-      <p:par>
-        <p:cTn id="1" dur="indefinite" restart="never" nodeType="tmRoot"/>
-      </p:par>
-    </p:tnLst>
-  </p:timing>
-</p:sld>
-</file>
-
-<file path=ppt/slides/slide3.xml><?xml version="1.0" encoding="utf-8"?>
-<p:sld xmlns:a="http://schemas.openxmlformats.org/drawingml/2006/main" xmlns:r="http://schemas.openxmlformats.org/officeDocument/2006/relationships" xmlns:p="http://schemas.openxmlformats.org/presentationml/2006/main">
-  <p:cSld>
-    <p:spTree>
-      <p:nvGrpSpPr>
-        <p:cNvPr id="1" name="Shape 139"/>
-        <p:cNvGrpSpPr/>
-        <p:nvPr/>
-      </p:nvGrpSpPr>
-      <p:grpSpPr>
-        <a:xfrm>
-          <a:off x="0" y="0"/>
-          <a:ext cx="0" cy="0"/>
-          <a:chOff x="0" y="0"/>
-          <a:chExt cx="0" cy="0"/>
-        </a:xfrm>
-      </p:grpSpPr>
-      <p:sp>
-        <p:nvSpPr>
-          <p:cNvPr id="140" name="Shape 140"/>
-          <p:cNvSpPr txBox="1">
-            <a:spLocks noGrp="1"/>
-          </p:cNvSpPr>
-          <p:nvPr>
-            <p:ph type="title"/>
-          </p:nvPr>
-        </p:nvSpPr>
-        <p:spPr>
-          <a:xfrm>
-            <a:off x="1251678" y="382385"/>
-            <a:ext cx="10178322" cy="1492132"/>
-          </a:xfrm>
-          <a:prstGeom prst="rect">
-            <a:avLst/>
-          </a:prstGeom>
-          <a:noFill/>
-          <a:ln>
-            <a:noFill/>
-          </a:ln>
-        </p:spPr>
-        <p:txBody>
-          <a:bodyPr lIns="91425" tIns="45700" rIns="91425" bIns="45700" anchor="ctr" anchorCtr="0">
-            <a:noAutofit/>
-          </a:bodyPr>
-          <a:lstStyle/>
-          <a:p>
-            <a:pPr marL="0" marR="0" lvl="0" indent="0" algn="l" rtl="0">
-              <a:lnSpc>
-                <a:spcPct val="90000"/>
-              </a:lnSpc>
-              <a:spcBef>
-                <a:spcPts val="0"/>
-              </a:spcBef>
-              <a:buClr>
-                <a:schemeClr val="dk2"/>
-              </a:buClr>
-              <a:buSzPct val="25000"/>
-              <a:buFont typeface="Impact"/>
-              <a:buNone/>
-            </a:pPr>
-            <a:r>
               <a:rPr lang="en-CA"/>
               <a:t>THE SOLUTION</a:t>
             </a:r>
@@ -13493,17 +11200,10 @@
   <p:clrMapOvr>
     <a:masterClrMapping/>
   </p:clrMapOvr>
-  <p:timing>
-    <p:tnLst>
-      <p:par>
-        <p:cTn id="1" dur="indefinite" restart="never" nodeType="tmRoot"/>
-      </p:par>
-    </p:tnLst>
-  </p:timing>
 </p:sld>
 </file>
 
-<file path=ppt/slides/slide4.xml><?xml version="1.0" encoding="utf-8"?>
+<file path=ppt/slides/slide14.xml><?xml version="1.0" encoding="utf-8"?>
 <p:sld xmlns:a="http://schemas.openxmlformats.org/drawingml/2006/main" xmlns:r="http://schemas.openxmlformats.org/officeDocument/2006/relationships" xmlns:p="http://schemas.openxmlformats.org/presentationml/2006/main">
   <p:cSld>
     <p:spTree>
@@ -13742,17 +11442,10 @@
   <p:clrMapOvr>
     <a:masterClrMapping/>
   </p:clrMapOvr>
-  <p:timing>
-    <p:tnLst>
-      <p:par>
-        <p:cTn id="1" dur="indefinite" restart="never" nodeType="tmRoot"/>
-      </p:par>
-    </p:tnLst>
-  </p:timing>
 </p:sld>
 </file>
 
-<file path=ppt/slides/slide5.xml><?xml version="1.0" encoding="utf-8"?>
+<file path=ppt/slides/slide15.xml><?xml version="1.0" encoding="utf-8"?>
 <p:sld xmlns:a="http://schemas.openxmlformats.org/drawingml/2006/main" xmlns:r="http://schemas.openxmlformats.org/officeDocument/2006/relationships" xmlns:p="http://schemas.openxmlformats.org/presentationml/2006/main" showMasterSp="0">
   <p:cSld>
     <p:bg>
@@ -16000,7 +13693,7 @@
 </p:sld>
 </file>
 
-<file path=ppt/slides/slide6.xml><?xml version="1.0" encoding="utf-8"?>
+<file path=ppt/slides/slide16.xml><?xml version="1.0" encoding="utf-8"?>
 <p:sld xmlns:a="http://schemas.openxmlformats.org/drawingml/2006/main" xmlns:r="http://schemas.openxmlformats.org/officeDocument/2006/relationships" xmlns:p="http://schemas.openxmlformats.org/presentationml/2006/main">
   <p:cSld>
     <p:spTree>
@@ -16111,15 +13804,7 @@
                   <a:schemeClr val="dk1"/>
                 </a:solidFill>
               </a:rPr>
-              <a:t>What does it </a:t>
-            </a:r>
-            <a:r>
-              <a:rPr lang="en-CA" sz="2400" b="1" dirty="0" smtClean="0">
-                <a:solidFill>
-                  <a:schemeClr val="dk1"/>
-                </a:solidFill>
-              </a:rPr>
-              <a:t>do?</a:t>
+              <a:t>What does it do?</a:t>
             </a:r>
           </a:p>
           <a:p>
@@ -16134,20 +13819,12 @@
               <a:buChar char="•"/>
             </a:pPr>
             <a:r>
-              <a:rPr lang="en-CA" sz="2200" dirty="0" smtClean="0">
-                <a:solidFill>
-                  <a:schemeClr val="dk1"/>
-                </a:solidFill>
-              </a:rPr>
-              <a:t>Controls </a:t>
-            </a:r>
-            <a:r>
               <a:rPr lang="en-CA" sz="2200" dirty="0">
                 <a:solidFill>
                   <a:schemeClr val="dk1"/>
                 </a:solidFill>
               </a:rPr>
-              <a:t>motion and direction of vehicle </a:t>
+              <a:t>Controls motion and direction of vehicle </a:t>
             </a:r>
           </a:p>
           <a:p>
@@ -16162,20 +13839,12 @@
               <a:buChar char="•"/>
             </a:pPr>
             <a:r>
-              <a:rPr lang="en-CA" sz="2200" dirty="0" smtClean="0">
-                <a:solidFill>
-                  <a:schemeClr val="dk1"/>
-                </a:solidFill>
-              </a:rPr>
-              <a:t>Ensures </a:t>
-            </a:r>
-            <a:r>
               <a:rPr lang="en-CA" sz="2200" dirty="0">
                 <a:solidFill>
                   <a:schemeClr val="dk1"/>
                 </a:solidFill>
               </a:rPr>
-              <a:t>vehicle follows lanes and avoids obstacles</a:t>
+              <a:t>Ensures vehicle follows lanes and avoids obstacles</a:t>
             </a:r>
             <a:r>
               <a:rPr lang="en-CA" sz="2200" b="1" dirty="0">
@@ -16238,7 +13907,7 @@
               <a:buChar char="•"/>
             </a:pPr>
             <a:r>
-              <a:rPr lang="en-CA" sz="2200" dirty="0" smtClean="0">
+              <a:rPr lang="en-CA" sz="2200" dirty="0">
                 <a:solidFill>
                   <a:schemeClr val="dk1"/>
                 </a:solidFill>
@@ -16258,18 +13927,13 @@
               <a:buChar char="•"/>
             </a:pPr>
             <a:r>
-              <a:rPr lang="en-CA" sz="2200" dirty="0" smtClean="0">
+              <a:rPr lang="en-CA" sz="2200" dirty="0">
                 <a:solidFill>
                   <a:schemeClr val="dk1"/>
                 </a:solidFill>
               </a:rPr>
               <a:t>Adjust lane positioning</a:t>
             </a:r>
-            <a:endParaRPr lang="en-CA" sz="2200" dirty="0">
-              <a:solidFill>
-                <a:schemeClr val="dk1"/>
-              </a:solidFill>
-            </a:endParaRPr>
           </a:p>
           <a:p>
             <a:pPr lvl="1">
@@ -16283,20 +13947,12 @@
               <a:buChar char="•"/>
             </a:pPr>
             <a:r>
-              <a:rPr lang="en-CA" sz="2200" dirty="0" smtClean="0">
-                <a:solidFill>
-                  <a:schemeClr val="dk1"/>
-                </a:solidFill>
-              </a:rPr>
-              <a:t>Communicates </a:t>
-            </a:r>
-            <a:r>
               <a:rPr lang="en-CA" sz="2200" dirty="0">
                 <a:solidFill>
                   <a:schemeClr val="dk1"/>
                 </a:solidFill>
               </a:rPr>
-              <a:t>to the intersection controller when needed </a:t>
+              <a:t>Communicates to the intersection controller when needed </a:t>
             </a:r>
           </a:p>
         </p:txBody>
@@ -16311,17 +13967,10 @@
   <p:clrMapOvr>
     <a:masterClrMapping/>
   </p:clrMapOvr>
-  <p:timing>
-    <p:tnLst>
-      <p:par>
-        <p:cTn id="1" dur="indefinite" restart="never" nodeType="tmRoot"/>
-      </p:par>
-    </p:tnLst>
-  </p:timing>
 </p:sld>
 </file>
 
-<file path=ppt/slides/slide7.xml><?xml version="1.0" encoding="utf-8"?>
+<file path=ppt/slides/slide17.xml><?xml version="1.0" encoding="utf-8"?>
 <p:sld xmlns:a="http://schemas.openxmlformats.org/drawingml/2006/main" xmlns:r="http://schemas.openxmlformats.org/officeDocument/2006/relationships" xmlns:p="http://schemas.openxmlformats.org/presentationml/2006/main">
   <p:cSld>
     <p:spTree>
@@ -16391,13 +14040,8 @@
           <a:p>
             <a:r>
               <a:rPr lang="en-CA" dirty="0"/>
-              <a:t>VEHICLE </a:t>
-            </a:r>
-            <a:r>
-              <a:rPr lang="en-CA" dirty="0" smtClean="0"/>
-              <a:t>CONTROLLER </a:t>
-            </a:r>
-            <a:endParaRPr lang="en-CA" dirty="0"/>
+              <a:t>VEHICLE CONTROLLER </a:t>
+            </a:r>
           </a:p>
         </p:txBody>
       </p:sp>
@@ -16411,17 +14055,10 @@
   <p:clrMapOvr>
     <a:masterClrMapping/>
   </p:clrMapOvr>
-  <p:timing>
-    <p:tnLst>
-      <p:par>
-        <p:cTn id="1" dur="indefinite" restart="never" nodeType="tmRoot"/>
-      </p:par>
-    </p:tnLst>
-  </p:timing>
 </p:sld>
 </file>
 
-<file path=ppt/slides/slide8.xml><?xml version="1.0" encoding="utf-8"?>
+<file path=ppt/slides/slide18.xml><?xml version="1.0" encoding="utf-8"?>
 <p:sld xmlns:a="http://schemas.openxmlformats.org/drawingml/2006/main" xmlns:r="http://schemas.openxmlformats.org/officeDocument/2006/relationships" xmlns:p="http://schemas.openxmlformats.org/presentationml/2006/main">
   <p:cSld>
     <p:spTree>
@@ -16460,13 +14097,8 @@
           <a:p>
             <a:r>
               <a:rPr lang="en-CA" dirty="0"/>
-              <a:t>VEHICLE </a:t>
-            </a:r>
-            <a:r>
-              <a:rPr lang="en-CA" dirty="0" smtClean="0"/>
-              <a:t>CONTROLLER </a:t>
-            </a:r>
-            <a:endParaRPr lang="en-CA" dirty="0"/>
+              <a:t>VEHICLE CONTROLLER </a:t>
+            </a:r>
           </a:p>
         </p:txBody>
       </p:sp>
@@ -16509,17 +14141,10 @@
   <p:clrMapOvr>
     <a:masterClrMapping/>
   </p:clrMapOvr>
-  <p:timing>
-    <p:tnLst>
-      <p:par>
-        <p:cTn id="1" dur="indefinite" restart="never" nodeType="tmRoot"/>
-      </p:par>
-    </p:tnLst>
-  </p:timing>
 </p:sld>
 </file>
 
-<file path=ppt/slides/slide9.xml><?xml version="1.0" encoding="utf-8"?>
+<file path=ppt/slides/slide19.xml><?xml version="1.0" encoding="utf-8"?>
 <p:sld xmlns:a="http://schemas.openxmlformats.org/drawingml/2006/main" xmlns:r="http://schemas.openxmlformats.org/officeDocument/2006/relationships" xmlns:p="http://schemas.openxmlformats.org/presentationml/2006/main">
   <p:cSld>
     <p:spTree>
@@ -16562,7 +14187,7 @@
         </p:blipFill>
         <p:spPr>
           <a:xfrm>
-            <a:off x="3947770" y="0"/>
+            <a:off x="3917626" y="0"/>
             <a:ext cx="3855110" cy="6872416"/>
           </a:xfrm>
         </p:spPr>
@@ -16640,7 +14265,7 @@
                 </p:cond>
               </p:nextCondLst>
             </p:seq>
-            <p:video>
+            <p:video fullScrn="1">
               <p:cMediaNode vol="80000">
                 <p:cTn id="7" fill="hold" display="0">
                   <p:stCondLst>
@@ -16657,6 +14282,3145 @@
       </p:par>
     </p:tnLst>
   </p:timing>
+</p:sld>
+</file>
+
+<file path=ppt/slides/slide2.xml><?xml version="1.0" encoding="utf-8"?>
+<p:sld xmlns:a="http://schemas.openxmlformats.org/drawingml/2006/main" xmlns:r="http://schemas.openxmlformats.org/officeDocument/2006/relationships" xmlns:p="http://schemas.openxmlformats.org/presentationml/2006/main">
+  <p:cSld>
+    <p:spTree>
+      <p:nvGrpSpPr>
+        <p:cNvPr id="1" name=""/>
+        <p:cNvGrpSpPr/>
+        <p:nvPr/>
+      </p:nvGrpSpPr>
+      <p:grpSpPr>
+        <a:xfrm>
+          <a:off x="0" y="0"/>
+          <a:ext cx="0" cy="0"/>
+          <a:chOff x="0" y="0"/>
+          <a:chExt cx="0" cy="0"/>
+        </a:xfrm>
+      </p:grpSpPr>
+      <p:sp>
+        <p:nvSpPr>
+          <p:cNvPr id="2" name="Title 1"/>
+          <p:cNvSpPr>
+            <a:spLocks noGrp="1"/>
+          </p:cNvSpPr>
+          <p:nvPr>
+            <p:ph type="title"/>
+          </p:nvPr>
+        </p:nvSpPr>
+        <p:spPr/>
+        <p:txBody>
+          <a:bodyPr/>
+          <a:lstStyle/>
+          <a:p>
+            <a:r>
+              <a:rPr lang="en-CA" dirty="0"/>
+              <a:t>Members</a:t>
+            </a:r>
+            <a:endParaRPr lang="en-US" dirty="0"/>
+          </a:p>
+        </p:txBody>
+      </p:sp>
+      <p:sp>
+        <p:nvSpPr>
+          <p:cNvPr id="3" name="Content Placeholder 2"/>
+          <p:cNvSpPr>
+            <a:spLocks noGrp="1"/>
+          </p:cNvSpPr>
+          <p:nvPr>
+            <p:ph idx="1"/>
+          </p:nvPr>
+        </p:nvSpPr>
+        <p:spPr/>
+        <p:txBody>
+          <a:bodyPr/>
+          <a:lstStyle/>
+          <a:p>
+            <a:r>
+              <a:rPr lang="en-CA" dirty="0"/>
+              <a:t>Add pictures of ourselves and the programs were in </a:t>
+            </a:r>
+          </a:p>
+          <a:p>
+            <a:endParaRPr lang="en-CA" dirty="0"/>
+          </a:p>
+          <a:p>
+            <a:endParaRPr lang="en-US" dirty="0"/>
+          </a:p>
+        </p:txBody>
+      </p:sp>
+    </p:spTree>
+    <p:extLst>
+      <p:ext uri="{BB962C8B-B14F-4D97-AF65-F5344CB8AC3E}">
+        <p14:creationId xmlns:p14="http://schemas.microsoft.com/office/powerpoint/2010/main" val="1790137314"/>
+      </p:ext>
+    </p:extLst>
+  </p:cSld>
+  <p:clrMapOvr>
+    <a:masterClrMapping/>
+  </p:clrMapOvr>
+</p:sld>
+</file>
+
+<file path=ppt/slides/slide20.xml><?xml version="1.0" encoding="utf-8"?>
+<p:sld xmlns:a="http://schemas.openxmlformats.org/drawingml/2006/main" xmlns:r="http://schemas.openxmlformats.org/officeDocument/2006/relationships" xmlns:p="http://schemas.openxmlformats.org/presentationml/2006/main">
+  <p:cSld>
+    <p:spTree>
+      <p:nvGrpSpPr>
+        <p:cNvPr id="1" name="Shape 163"/>
+        <p:cNvGrpSpPr/>
+        <p:nvPr/>
+      </p:nvGrpSpPr>
+      <p:grpSpPr>
+        <a:xfrm>
+          <a:off x="0" y="0"/>
+          <a:ext cx="0" cy="0"/>
+          <a:chOff x="0" y="0"/>
+          <a:chExt cx="0" cy="0"/>
+        </a:xfrm>
+      </p:grpSpPr>
+      <p:sp>
+        <p:nvSpPr>
+          <p:cNvPr id="164" name="Shape 164"/>
+          <p:cNvSpPr txBox="1">
+            <a:spLocks noGrp="1"/>
+          </p:cNvSpPr>
+          <p:nvPr>
+            <p:ph type="title"/>
+          </p:nvPr>
+        </p:nvSpPr>
+        <p:spPr>
+          <a:xfrm>
+            <a:off x="1251678" y="382385"/>
+            <a:ext cx="10178322" cy="1492132"/>
+          </a:xfrm>
+          <a:prstGeom prst="rect">
+            <a:avLst/>
+          </a:prstGeom>
+          <a:noFill/>
+          <a:ln>
+            <a:noFill/>
+          </a:ln>
+        </p:spPr>
+        <p:txBody>
+          <a:bodyPr lIns="91425" tIns="45700" rIns="91425" bIns="45700" anchor="ctr" anchorCtr="0">
+            <a:noAutofit/>
+          </a:bodyPr>
+          <a:lstStyle/>
+          <a:p>
+            <a:pPr marL="0" marR="0" lvl="0" indent="0" algn="l" rtl="0">
+              <a:lnSpc>
+                <a:spcPct val="90000"/>
+              </a:lnSpc>
+              <a:spcBef>
+                <a:spcPts val="0"/>
+              </a:spcBef>
+              <a:buClr>
+                <a:schemeClr val="dk2"/>
+              </a:buClr>
+              <a:buSzPct val="25000"/>
+              <a:buFont typeface="Impact"/>
+              <a:buNone/>
+            </a:pPr>
+            <a:r>
+              <a:rPr lang="en-CA" sz="5100" b="0" i="0" u="none" strike="noStrike" cap="none" dirty="0">
+                <a:solidFill>
+                  <a:schemeClr val="dk2"/>
+                </a:solidFill>
+                <a:latin typeface="Impact"/>
+                <a:ea typeface="Impact"/>
+                <a:cs typeface="Impact"/>
+                <a:sym typeface="Impact"/>
+              </a:rPr>
+              <a:t>INNOVATIVE ASPECTS </a:t>
+            </a:r>
+          </a:p>
+        </p:txBody>
+      </p:sp>
+      <p:sp>
+        <p:nvSpPr>
+          <p:cNvPr id="165" name="Shape 165"/>
+          <p:cNvSpPr txBox="1">
+            <a:spLocks noGrp="1"/>
+          </p:cNvSpPr>
+          <p:nvPr>
+            <p:ph type="body" idx="1"/>
+          </p:nvPr>
+        </p:nvSpPr>
+        <p:spPr>
+          <a:xfrm>
+            <a:off x="1251675" y="1874525"/>
+            <a:ext cx="10178400" cy="4005000"/>
+          </a:xfrm>
+          <a:prstGeom prst="rect">
+            <a:avLst/>
+          </a:prstGeom>
+          <a:noFill/>
+          <a:ln>
+            <a:noFill/>
+          </a:ln>
+        </p:spPr>
+        <p:txBody>
+          <a:bodyPr lIns="91425" tIns="45700" rIns="91425" bIns="45700" anchor="t" anchorCtr="0">
+            <a:noAutofit/>
+          </a:bodyPr>
+          <a:lstStyle/>
+          <a:p>
+            <a:pPr marL="0" marR="0" lvl="0" indent="0" algn="l" rtl="0">
+              <a:lnSpc>
+                <a:spcPct val="110000"/>
+              </a:lnSpc>
+              <a:spcBef>
+                <a:spcPts val="0"/>
+              </a:spcBef>
+              <a:buNone/>
+            </a:pPr>
+            <a:endParaRPr dirty="0">
+              <a:solidFill>
+                <a:srgbClr val="2A1A00"/>
+              </a:solidFill>
+            </a:endParaRPr>
+          </a:p>
+          <a:p>
+            <a:pPr marL="0" marR="0" lvl="0" indent="0" algn="l" rtl="0">
+              <a:lnSpc>
+                <a:spcPct val="110000"/>
+              </a:lnSpc>
+              <a:spcBef>
+                <a:spcPts val="0"/>
+              </a:spcBef>
+              <a:buNone/>
+            </a:pPr>
+            <a:endParaRPr dirty="0">
+              <a:solidFill>
+                <a:srgbClr val="2A1A00"/>
+              </a:solidFill>
+            </a:endParaRPr>
+          </a:p>
+          <a:p>
+            <a:pPr marL="0" marR="0" lvl="0" indent="0" algn="l" rtl="0">
+              <a:lnSpc>
+                <a:spcPct val="110000"/>
+              </a:lnSpc>
+              <a:spcBef>
+                <a:spcPts val="0"/>
+              </a:spcBef>
+              <a:buNone/>
+            </a:pPr>
+            <a:endParaRPr dirty="0">
+              <a:solidFill>
+                <a:srgbClr val="2A1A00"/>
+              </a:solidFill>
+            </a:endParaRPr>
+          </a:p>
+        </p:txBody>
+      </p:sp>
+      <p:sp>
+        <p:nvSpPr>
+          <p:cNvPr id="2" name="TextBox 1"/>
+          <p:cNvSpPr txBox="1"/>
+          <p:nvPr/>
+        </p:nvSpPr>
+        <p:spPr>
+          <a:xfrm>
+            <a:off x="1576252" y="1776549"/>
+            <a:ext cx="8656320" cy="3939540"/>
+          </a:xfrm>
+          <a:prstGeom prst="rect">
+            <a:avLst/>
+          </a:prstGeom>
+          <a:noFill/>
+        </p:spPr>
+        <p:txBody>
+          <a:bodyPr wrap="square" rtlCol="0">
+            <a:spAutoFit/>
+          </a:bodyPr>
+          <a:lstStyle/>
+          <a:p>
+            <a:r>
+              <a:rPr lang="en-CA" sz="2000" b="1" dirty="0"/>
+              <a:t>Two Modes</a:t>
+            </a:r>
+          </a:p>
+          <a:p>
+            <a:r>
+              <a:rPr lang="en-CA" sz="2000" dirty="0"/>
+              <a:t>	1. Smart Intersection</a:t>
+            </a:r>
+          </a:p>
+          <a:p>
+            <a:r>
+              <a:rPr lang="en-CA" sz="2000" dirty="0"/>
+              <a:t>		- Car does not stop at intersection if not needed</a:t>
+            </a:r>
+            <a:br>
+              <a:rPr lang="en-CA" sz="2000" dirty="0"/>
+            </a:br>
+            <a:endParaRPr lang="en-CA" sz="2000" dirty="0"/>
+          </a:p>
+          <a:p>
+            <a:r>
+              <a:rPr lang="en-CA" sz="2000" dirty="0"/>
+              <a:t>       2. Normal Intersection</a:t>
+            </a:r>
+          </a:p>
+          <a:p>
+            <a:r>
+              <a:rPr lang="en-CA" sz="2000" dirty="0"/>
+              <a:t>		- Car stops at intersection, proceeds when allowed</a:t>
+            </a:r>
+          </a:p>
+          <a:p>
+            <a:endParaRPr lang="en-CA" sz="2000" b="1" dirty="0"/>
+          </a:p>
+          <a:p>
+            <a:r>
+              <a:rPr lang="en-CA" sz="2000" b="1" dirty="0"/>
+              <a:t>Intersection Monitoring and Safety</a:t>
+            </a:r>
+          </a:p>
+          <a:p>
+            <a:pPr marL="800100" lvl="1" indent="-342900">
+              <a:lnSpc>
+                <a:spcPct val="150000"/>
+              </a:lnSpc>
+              <a:buFont typeface="Arial" panose="020B0604020202020204" pitchFamily="34" charset="0"/>
+              <a:buChar char="•"/>
+            </a:pPr>
+            <a:r>
+              <a:rPr lang="en-CA" sz="2000" dirty="0"/>
+              <a:t>Camera tracks all movement in intersection</a:t>
+            </a:r>
+          </a:p>
+          <a:p>
+            <a:pPr marL="800100" lvl="1" indent="-342900">
+              <a:lnSpc>
+                <a:spcPct val="150000"/>
+              </a:lnSpc>
+              <a:buFont typeface="Arial" panose="020B0604020202020204" pitchFamily="34" charset="0"/>
+              <a:buChar char="•"/>
+            </a:pPr>
+            <a:r>
+              <a:rPr lang="en-CA" sz="2000" dirty="0"/>
+              <a:t>Redundancy in object detection</a:t>
+            </a:r>
+          </a:p>
+          <a:p>
+            <a:pPr marL="800100" lvl="1" indent="-342900">
+              <a:lnSpc>
+                <a:spcPct val="150000"/>
+              </a:lnSpc>
+              <a:buFont typeface="Arial" panose="020B0604020202020204" pitchFamily="34" charset="0"/>
+              <a:buChar char="•"/>
+            </a:pPr>
+            <a:r>
+              <a:rPr lang="en-CA" sz="2000" dirty="0"/>
+              <a:t>Cars stop and wait at intersection by default</a:t>
+            </a:r>
+          </a:p>
+        </p:txBody>
+      </p:sp>
+    </p:spTree>
+    <p:extLst>
+      <p:ext uri="{BB962C8B-B14F-4D97-AF65-F5344CB8AC3E}">
+        <p14:creationId xmlns:p14="http://schemas.microsoft.com/office/powerpoint/2010/main" val="905049994"/>
+      </p:ext>
+    </p:extLst>
+  </p:cSld>
+  <p:clrMapOvr>
+    <a:masterClrMapping/>
+  </p:clrMapOvr>
+</p:sld>
+</file>
+
+<file path=ppt/slides/slide21.xml><?xml version="1.0" encoding="utf-8"?>
+<p:sld xmlns:a="http://schemas.openxmlformats.org/drawingml/2006/main" xmlns:r="http://schemas.openxmlformats.org/officeDocument/2006/relationships" xmlns:p="http://schemas.openxmlformats.org/presentationml/2006/main">
+  <p:cSld>
+    <p:spTree>
+      <p:nvGrpSpPr>
+        <p:cNvPr id="1" name="Shape 169"/>
+        <p:cNvGrpSpPr/>
+        <p:nvPr/>
+      </p:nvGrpSpPr>
+      <p:grpSpPr>
+        <a:xfrm>
+          <a:off x="0" y="0"/>
+          <a:ext cx="0" cy="0"/>
+          <a:chOff x="0" y="0"/>
+          <a:chExt cx="0" cy="0"/>
+        </a:xfrm>
+      </p:grpSpPr>
+      <p:sp>
+        <p:nvSpPr>
+          <p:cNvPr id="170" name="Shape 170"/>
+          <p:cNvSpPr txBox="1">
+            <a:spLocks noGrp="1"/>
+          </p:cNvSpPr>
+          <p:nvPr>
+            <p:ph type="title"/>
+          </p:nvPr>
+        </p:nvSpPr>
+        <p:spPr>
+          <a:xfrm>
+            <a:off x="1251678" y="382385"/>
+            <a:ext cx="10178322" cy="1492132"/>
+          </a:xfrm>
+          <a:prstGeom prst="rect">
+            <a:avLst/>
+          </a:prstGeom>
+          <a:noFill/>
+          <a:ln>
+            <a:noFill/>
+          </a:ln>
+        </p:spPr>
+        <p:txBody>
+          <a:bodyPr lIns="91425" tIns="45700" rIns="91425" bIns="45700" anchor="ctr" anchorCtr="0">
+            <a:noAutofit/>
+          </a:bodyPr>
+          <a:lstStyle/>
+          <a:p>
+            <a:pPr marL="0" marR="0" lvl="0" indent="0" algn="l" rtl="0">
+              <a:lnSpc>
+                <a:spcPct val="90000"/>
+              </a:lnSpc>
+              <a:spcBef>
+                <a:spcPts val="0"/>
+              </a:spcBef>
+              <a:buClr>
+                <a:schemeClr val="dk2"/>
+              </a:buClr>
+              <a:buSzPct val="25000"/>
+              <a:buFont typeface="Impact"/>
+              <a:buNone/>
+            </a:pPr>
+            <a:r>
+              <a:rPr lang="en-CA" sz="5100" b="0" i="0" u="none" strike="noStrike" cap="none">
+                <a:solidFill>
+                  <a:schemeClr val="dk2"/>
+                </a:solidFill>
+                <a:latin typeface="Impact"/>
+                <a:ea typeface="Impact"/>
+                <a:cs typeface="Impact"/>
+                <a:sym typeface="Impact"/>
+              </a:rPr>
+              <a:t>COST</a:t>
+            </a:r>
+          </a:p>
+        </p:txBody>
+      </p:sp>
+      <p:graphicFrame>
+        <p:nvGraphicFramePr>
+          <p:cNvPr id="171" name="Shape 171"/>
+          <p:cNvGraphicFramePr/>
+          <p:nvPr/>
+        </p:nvGraphicFramePr>
+        <p:xfrm>
+          <a:off x="1187487" y="1574025"/>
+          <a:ext cx="9308575" cy="4713655"/>
+        </p:xfrm>
+        <a:graphic>
+          <a:graphicData uri="http://schemas.openxmlformats.org/drawingml/2006/table">
+            <a:tbl>
+              <a:tblPr>
+                <a:noFill/>
+              </a:tblPr>
+              <a:tblGrid>
+                <a:gridCol w="2576675">
+                  <a:extLst>
+                    <a:ext uri="{9D8B030D-6E8A-4147-A177-3AD203B41FA5}">
+                      <a16:colId xmlns:a16="http://schemas.microsoft.com/office/drawing/2014/main" val="20000"/>
+                    </a:ext>
+                  </a:extLst>
+                </a:gridCol>
+                <a:gridCol w="2576675">
+                  <a:extLst>
+                    <a:ext uri="{9D8B030D-6E8A-4147-A177-3AD203B41FA5}">
+                      <a16:colId xmlns:a16="http://schemas.microsoft.com/office/drawing/2014/main" val="20001"/>
+                    </a:ext>
+                  </a:extLst>
+                </a:gridCol>
+                <a:gridCol w="2576675">
+                  <a:extLst>
+                    <a:ext uri="{9D8B030D-6E8A-4147-A177-3AD203B41FA5}">
+                      <a16:colId xmlns:a16="http://schemas.microsoft.com/office/drawing/2014/main" val="20002"/>
+                    </a:ext>
+                  </a:extLst>
+                </a:gridCol>
+                <a:gridCol w="1578550">
+                  <a:extLst>
+                    <a:ext uri="{9D8B030D-6E8A-4147-A177-3AD203B41FA5}">
+                      <a16:colId xmlns:a16="http://schemas.microsoft.com/office/drawing/2014/main" val="20003"/>
+                    </a:ext>
+                  </a:extLst>
+                </a:gridCol>
+              </a:tblGrid>
+              <a:tr h="425175">
+                <a:tc>
+                  <a:txBody>
+                    <a:bodyPr/>
+                    <a:lstStyle/>
+                    <a:p>
+                      <a:pPr lvl="0">
+                        <a:spcBef>
+                          <a:spcPts val="0"/>
+                        </a:spcBef>
+                        <a:buNone/>
+                      </a:pPr>
+                      <a:r>
+                        <a:rPr lang="en-CA" b="1" dirty="0"/>
+                        <a:t>PART </a:t>
+                      </a:r>
+                    </a:p>
+                  </a:txBody>
+                  <a:tcPr marL="91425" marR="91425" marT="91425" marB="91425"/>
+                </a:tc>
+                <a:tc>
+                  <a:txBody>
+                    <a:bodyPr/>
+                    <a:lstStyle/>
+                    <a:p>
+                      <a:pPr lvl="0">
+                        <a:spcBef>
+                          <a:spcPts val="0"/>
+                        </a:spcBef>
+                        <a:buNone/>
+                      </a:pPr>
+                      <a:r>
+                        <a:rPr lang="en-CA" b="1"/>
+                        <a:t>QUANTITY </a:t>
+                      </a:r>
+                    </a:p>
+                  </a:txBody>
+                  <a:tcPr marL="91425" marR="91425" marT="91425" marB="91425"/>
+                </a:tc>
+                <a:tc>
+                  <a:txBody>
+                    <a:bodyPr/>
+                    <a:lstStyle/>
+                    <a:p>
+                      <a:pPr lvl="0">
+                        <a:spcBef>
+                          <a:spcPts val="0"/>
+                        </a:spcBef>
+                        <a:buNone/>
+                      </a:pPr>
+                      <a:r>
+                        <a:rPr lang="en-CA" b="1"/>
+                        <a:t>PRICE ($)</a:t>
+                      </a:r>
+                    </a:p>
+                  </a:txBody>
+                  <a:tcPr marL="91425" marR="91425" marT="91425" marB="91425"/>
+                </a:tc>
+                <a:tc>
+                  <a:txBody>
+                    <a:bodyPr/>
+                    <a:lstStyle/>
+                    <a:p>
+                      <a:pPr lvl="0">
+                        <a:spcBef>
+                          <a:spcPts val="0"/>
+                        </a:spcBef>
+                        <a:buNone/>
+                      </a:pPr>
+                      <a:r>
+                        <a:rPr lang="en-CA" b="1"/>
+                        <a:t>TOTAL ($)</a:t>
+                      </a:r>
+                    </a:p>
+                  </a:txBody>
+                  <a:tcPr marL="91425" marR="91425" marT="91425" marB="91425"/>
+                </a:tc>
+                <a:extLst>
+                  <a:ext uri="{0D108BD9-81ED-4DB2-BD59-A6C34878D82A}">
+                    <a16:rowId xmlns:a16="http://schemas.microsoft.com/office/drawing/2014/main" val="10000"/>
+                  </a:ext>
+                </a:extLst>
+              </a:tr>
+              <a:tr h="642875">
+                <a:tc>
+                  <a:txBody>
+                    <a:bodyPr/>
+                    <a:lstStyle/>
+                    <a:p>
+                      <a:pPr lvl="0">
+                        <a:spcBef>
+                          <a:spcPts val="0"/>
+                        </a:spcBef>
+                        <a:buNone/>
+                      </a:pPr>
+                      <a:r>
+                        <a:rPr lang="en-CA"/>
+                        <a:t>RC Car</a:t>
+                      </a:r>
+                    </a:p>
+                    <a:p>
+                      <a:pPr lvl="0">
+                        <a:spcBef>
+                          <a:spcPts val="0"/>
+                        </a:spcBef>
+                        <a:buNone/>
+                      </a:pPr>
+                      <a:r>
+                        <a:rPr lang="en-CA"/>
+                        <a:t>(w/ servo &amp; speed controller)</a:t>
+                      </a:r>
+                    </a:p>
+                  </a:txBody>
+                  <a:tcPr marL="91425" marR="91425" marT="91425" marB="91425"/>
+                </a:tc>
+                <a:tc>
+                  <a:txBody>
+                    <a:bodyPr/>
+                    <a:lstStyle/>
+                    <a:p>
+                      <a:pPr lvl="0">
+                        <a:spcBef>
+                          <a:spcPts val="0"/>
+                        </a:spcBef>
+                        <a:buNone/>
+                      </a:pPr>
+                      <a:r>
+                        <a:rPr lang="en-CA"/>
+                        <a:t>2</a:t>
+                      </a:r>
+                    </a:p>
+                  </a:txBody>
+                  <a:tcPr marL="91425" marR="91425" marT="91425" marB="91425"/>
+                </a:tc>
+                <a:tc>
+                  <a:txBody>
+                    <a:bodyPr/>
+                    <a:lstStyle/>
+                    <a:p>
+                      <a:pPr lvl="0">
+                        <a:spcBef>
+                          <a:spcPts val="0"/>
+                        </a:spcBef>
+                        <a:buNone/>
+                      </a:pPr>
+                      <a:r>
+                        <a:rPr lang="en-CA"/>
+                        <a:t>240</a:t>
+                      </a:r>
+                    </a:p>
+                  </a:txBody>
+                  <a:tcPr marL="91425" marR="91425" marT="91425" marB="91425"/>
+                </a:tc>
+                <a:tc>
+                  <a:txBody>
+                    <a:bodyPr/>
+                    <a:lstStyle/>
+                    <a:p>
+                      <a:pPr lvl="0" algn="ctr">
+                        <a:spcBef>
+                          <a:spcPts val="0"/>
+                        </a:spcBef>
+                        <a:buNone/>
+                      </a:pPr>
+                      <a:r>
+                        <a:rPr lang="en-CA"/>
+                        <a:t>480</a:t>
+                      </a:r>
+                    </a:p>
+                  </a:txBody>
+                  <a:tcPr marL="91425" marR="91425" marT="91425" marB="91425"/>
+                </a:tc>
+                <a:extLst>
+                  <a:ext uri="{0D108BD9-81ED-4DB2-BD59-A6C34878D82A}">
+                    <a16:rowId xmlns:a16="http://schemas.microsoft.com/office/drawing/2014/main" val="10001"/>
+                  </a:ext>
+                </a:extLst>
+              </a:tr>
+              <a:tr h="642900">
+                <a:tc>
+                  <a:txBody>
+                    <a:bodyPr/>
+                    <a:lstStyle/>
+                    <a:p>
+                      <a:pPr lvl="0">
+                        <a:spcBef>
+                          <a:spcPts val="0"/>
+                        </a:spcBef>
+                        <a:buClr>
+                          <a:schemeClr val="dk1"/>
+                        </a:buClr>
+                        <a:buSzPct val="78571"/>
+                        <a:buFont typeface="Arial"/>
+                        <a:buNone/>
+                      </a:pPr>
+                      <a:r>
+                        <a:rPr lang="en-CA">
+                          <a:solidFill>
+                            <a:schemeClr val="dk1"/>
+                          </a:solidFill>
+                        </a:rPr>
+                        <a:t>3300 mAh 7.2 V battery</a:t>
+                      </a:r>
+                    </a:p>
+                  </a:txBody>
+                  <a:tcPr marL="91425" marR="91425" marT="91425" marB="91425"/>
+                </a:tc>
+                <a:tc>
+                  <a:txBody>
+                    <a:bodyPr/>
+                    <a:lstStyle/>
+                    <a:p>
+                      <a:pPr lvl="0">
+                        <a:spcBef>
+                          <a:spcPts val="0"/>
+                        </a:spcBef>
+                        <a:buNone/>
+                      </a:pPr>
+                      <a:r>
+                        <a:rPr lang="en-CA"/>
+                        <a:t>2</a:t>
+                      </a:r>
+                    </a:p>
+                  </a:txBody>
+                  <a:tcPr marL="91425" marR="91425" marT="91425" marB="91425"/>
+                </a:tc>
+                <a:tc>
+                  <a:txBody>
+                    <a:bodyPr/>
+                    <a:lstStyle/>
+                    <a:p>
+                      <a:pPr lvl="0">
+                        <a:spcBef>
+                          <a:spcPts val="0"/>
+                        </a:spcBef>
+                        <a:buNone/>
+                      </a:pPr>
+                      <a:r>
+                        <a:rPr lang="en-CA"/>
+                        <a:t>30</a:t>
+                      </a:r>
+                    </a:p>
+                  </a:txBody>
+                  <a:tcPr marL="91425" marR="91425" marT="91425" marB="91425"/>
+                </a:tc>
+                <a:tc>
+                  <a:txBody>
+                    <a:bodyPr/>
+                    <a:lstStyle/>
+                    <a:p>
+                      <a:pPr lvl="0" algn="ctr">
+                        <a:spcBef>
+                          <a:spcPts val="0"/>
+                        </a:spcBef>
+                        <a:buNone/>
+                      </a:pPr>
+                      <a:r>
+                        <a:rPr lang="en-CA"/>
+                        <a:t>60</a:t>
+                      </a:r>
+                    </a:p>
+                  </a:txBody>
+                  <a:tcPr marL="91425" marR="91425" marT="91425" marB="91425"/>
+                </a:tc>
+                <a:extLst>
+                  <a:ext uri="{0D108BD9-81ED-4DB2-BD59-A6C34878D82A}">
+                    <a16:rowId xmlns:a16="http://schemas.microsoft.com/office/drawing/2014/main" val="10002"/>
+                  </a:ext>
+                </a:extLst>
+              </a:tr>
+              <a:tr h="626175">
+                <a:tc>
+                  <a:txBody>
+                    <a:bodyPr/>
+                    <a:lstStyle/>
+                    <a:p>
+                      <a:pPr lvl="0">
+                        <a:spcBef>
+                          <a:spcPts val="0"/>
+                        </a:spcBef>
+                        <a:buNone/>
+                      </a:pPr>
+                      <a:r>
+                        <a:rPr lang="en-CA"/>
+                        <a:t>Battery charger</a:t>
+                      </a:r>
+                    </a:p>
+                  </a:txBody>
+                  <a:tcPr marL="91425" marR="91425" marT="91425" marB="91425"/>
+                </a:tc>
+                <a:tc>
+                  <a:txBody>
+                    <a:bodyPr/>
+                    <a:lstStyle/>
+                    <a:p>
+                      <a:pPr lvl="0">
+                        <a:spcBef>
+                          <a:spcPts val="0"/>
+                        </a:spcBef>
+                        <a:buNone/>
+                      </a:pPr>
+                      <a:r>
+                        <a:rPr lang="en-CA"/>
+                        <a:t>1</a:t>
+                      </a:r>
+                    </a:p>
+                  </a:txBody>
+                  <a:tcPr marL="91425" marR="91425" marT="91425" marB="91425"/>
+                </a:tc>
+                <a:tc>
+                  <a:txBody>
+                    <a:bodyPr/>
+                    <a:lstStyle/>
+                    <a:p>
+                      <a:pPr lvl="0">
+                        <a:spcBef>
+                          <a:spcPts val="0"/>
+                        </a:spcBef>
+                        <a:buNone/>
+                      </a:pPr>
+                      <a:r>
+                        <a:rPr lang="en-CA"/>
+                        <a:t>30</a:t>
+                      </a:r>
+                    </a:p>
+                  </a:txBody>
+                  <a:tcPr marL="91425" marR="91425" marT="91425" marB="91425"/>
+                </a:tc>
+                <a:tc>
+                  <a:txBody>
+                    <a:bodyPr/>
+                    <a:lstStyle/>
+                    <a:p>
+                      <a:pPr lvl="0" algn="ctr">
+                        <a:spcBef>
+                          <a:spcPts val="0"/>
+                        </a:spcBef>
+                        <a:buNone/>
+                      </a:pPr>
+                      <a:r>
+                        <a:rPr lang="en-CA"/>
+                        <a:t>30</a:t>
+                      </a:r>
+                    </a:p>
+                  </a:txBody>
+                  <a:tcPr marL="91425" marR="91425" marT="91425" marB="91425"/>
+                </a:tc>
+                <a:extLst>
+                  <a:ext uri="{0D108BD9-81ED-4DB2-BD59-A6C34878D82A}">
+                    <a16:rowId xmlns:a16="http://schemas.microsoft.com/office/drawing/2014/main" val="10003"/>
+                  </a:ext>
+                </a:extLst>
+              </a:tr>
+              <a:tr h="659650">
+                <a:tc>
+                  <a:txBody>
+                    <a:bodyPr/>
+                    <a:lstStyle/>
+                    <a:p>
+                      <a:pPr lvl="0">
+                        <a:spcBef>
+                          <a:spcPts val="0"/>
+                        </a:spcBef>
+                        <a:buNone/>
+                      </a:pPr>
+                      <a:r>
+                        <a:rPr lang="en-CA"/>
+                        <a:t>Raspberry Pi 3 Model B</a:t>
+                      </a:r>
+                    </a:p>
+                  </a:txBody>
+                  <a:tcPr marL="91425" marR="91425" marT="91425" marB="91425"/>
+                </a:tc>
+                <a:tc>
+                  <a:txBody>
+                    <a:bodyPr/>
+                    <a:lstStyle/>
+                    <a:p>
+                      <a:pPr lvl="0">
+                        <a:spcBef>
+                          <a:spcPts val="0"/>
+                        </a:spcBef>
+                        <a:buNone/>
+                      </a:pPr>
+                      <a:r>
+                        <a:rPr lang="en-CA"/>
+                        <a:t>2</a:t>
+                      </a:r>
+                    </a:p>
+                  </a:txBody>
+                  <a:tcPr marL="91425" marR="91425" marT="91425" marB="91425"/>
+                </a:tc>
+                <a:tc>
+                  <a:txBody>
+                    <a:bodyPr/>
+                    <a:lstStyle/>
+                    <a:p>
+                      <a:pPr lvl="0">
+                        <a:spcBef>
+                          <a:spcPts val="0"/>
+                        </a:spcBef>
+                        <a:buNone/>
+                      </a:pPr>
+                      <a:r>
+                        <a:rPr lang="en-CA"/>
+                        <a:t>60</a:t>
+                      </a:r>
+                    </a:p>
+                  </a:txBody>
+                  <a:tcPr marL="91425" marR="91425" marT="91425" marB="91425"/>
+                </a:tc>
+                <a:tc>
+                  <a:txBody>
+                    <a:bodyPr/>
+                    <a:lstStyle/>
+                    <a:p>
+                      <a:pPr lvl="0" algn="ctr">
+                        <a:spcBef>
+                          <a:spcPts val="0"/>
+                        </a:spcBef>
+                        <a:buNone/>
+                      </a:pPr>
+                      <a:r>
+                        <a:rPr lang="en-CA"/>
+                        <a:t>120</a:t>
+                      </a:r>
+                    </a:p>
+                  </a:txBody>
+                  <a:tcPr marL="91425" marR="91425" marT="91425" marB="91425"/>
+                </a:tc>
+                <a:extLst>
+                  <a:ext uri="{0D108BD9-81ED-4DB2-BD59-A6C34878D82A}">
+                    <a16:rowId xmlns:a16="http://schemas.microsoft.com/office/drawing/2014/main" val="10004"/>
+                  </a:ext>
+                </a:extLst>
+              </a:tr>
+              <a:tr h="687100">
+                <a:tc>
+                  <a:txBody>
+                    <a:bodyPr/>
+                    <a:lstStyle/>
+                    <a:p>
+                      <a:pPr lvl="0">
+                        <a:spcBef>
+                          <a:spcPts val="0"/>
+                        </a:spcBef>
+                        <a:buNone/>
+                      </a:pPr>
+                      <a:r>
+                        <a:rPr lang="en-CA" dirty="0"/>
+                        <a:t>Voltage regulator</a:t>
+                      </a:r>
+                    </a:p>
+                  </a:txBody>
+                  <a:tcPr marL="91425" marR="91425" marT="91425" marB="91425"/>
+                </a:tc>
+                <a:tc>
+                  <a:txBody>
+                    <a:bodyPr/>
+                    <a:lstStyle/>
+                    <a:p>
+                      <a:pPr lvl="0">
+                        <a:spcBef>
+                          <a:spcPts val="0"/>
+                        </a:spcBef>
+                        <a:buNone/>
+                      </a:pPr>
+                      <a:r>
+                        <a:rPr lang="en-CA"/>
+                        <a:t>3</a:t>
+                      </a:r>
+                    </a:p>
+                  </a:txBody>
+                  <a:tcPr marL="91425" marR="91425" marT="91425" marB="91425"/>
+                </a:tc>
+                <a:tc>
+                  <a:txBody>
+                    <a:bodyPr/>
+                    <a:lstStyle/>
+                    <a:p>
+                      <a:pPr lvl="0">
+                        <a:spcBef>
+                          <a:spcPts val="0"/>
+                        </a:spcBef>
+                        <a:buNone/>
+                      </a:pPr>
+                      <a:r>
+                        <a:rPr lang="en-CA"/>
+                        <a:t>1.50</a:t>
+                      </a:r>
+                    </a:p>
+                  </a:txBody>
+                  <a:tcPr marL="91425" marR="91425" marT="91425" marB="91425"/>
+                </a:tc>
+                <a:tc>
+                  <a:txBody>
+                    <a:bodyPr/>
+                    <a:lstStyle/>
+                    <a:p>
+                      <a:pPr lvl="0" algn="ctr" rtl="0">
+                        <a:spcBef>
+                          <a:spcPts val="0"/>
+                        </a:spcBef>
+                        <a:buNone/>
+                      </a:pPr>
+                      <a:r>
+                        <a:rPr lang="en-CA"/>
+                        <a:t>4.5</a:t>
+                      </a:r>
+                    </a:p>
+                  </a:txBody>
+                  <a:tcPr marL="91425" marR="91425" marT="91425" marB="91425"/>
+                </a:tc>
+                <a:extLst>
+                  <a:ext uri="{0D108BD9-81ED-4DB2-BD59-A6C34878D82A}">
+                    <a16:rowId xmlns:a16="http://schemas.microsoft.com/office/drawing/2014/main" val="10005"/>
+                  </a:ext>
+                </a:extLst>
+              </a:tr>
+              <a:tr h="634850">
+                <a:tc>
+                  <a:txBody>
+                    <a:bodyPr/>
+                    <a:lstStyle/>
+                    <a:p>
+                      <a:pPr lvl="0">
+                        <a:spcBef>
+                          <a:spcPts val="0"/>
+                        </a:spcBef>
+                        <a:buNone/>
+                      </a:pPr>
+                      <a:r>
+                        <a:rPr lang="en-CA"/>
+                        <a:t>Hall  Effect sensor</a:t>
+                      </a:r>
+                    </a:p>
+                  </a:txBody>
+                  <a:tcPr marL="91425" marR="91425" marT="91425" marB="91425"/>
+                </a:tc>
+                <a:tc>
+                  <a:txBody>
+                    <a:bodyPr/>
+                    <a:lstStyle/>
+                    <a:p>
+                      <a:pPr lvl="0">
+                        <a:spcBef>
+                          <a:spcPts val="0"/>
+                        </a:spcBef>
+                        <a:buNone/>
+                      </a:pPr>
+                      <a:r>
+                        <a:rPr lang="en-CA"/>
+                        <a:t>3</a:t>
+                      </a:r>
+                    </a:p>
+                  </a:txBody>
+                  <a:tcPr marL="91425" marR="91425" marT="91425" marB="91425"/>
+                </a:tc>
+                <a:tc>
+                  <a:txBody>
+                    <a:bodyPr/>
+                    <a:lstStyle/>
+                    <a:p>
+                      <a:pPr lvl="0" rtl="0">
+                        <a:spcBef>
+                          <a:spcPts val="0"/>
+                        </a:spcBef>
+                        <a:buNone/>
+                      </a:pPr>
+                      <a:r>
+                        <a:rPr lang="en-CA"/>
+                        <a:t>1.70</a:t>
+                      </a:r>
+                    </a:p>
+                  </a:txBody>
+                  <a:tcPr marL="91425" marR="91425" marT="91425" marB="91425"/>
+                </a:tc>
+                <a:tc>
+                  <a:txBody>
+                    <a:bodyPr/>
+                    <a:lstStyle/>
+                    <a:p>
+                      <a:pPr lvl="0" algn="ctr" rtl="0">
+                        <a:spcBef>
+                          <a:spcPts val="0"/>
+                        </a:spcBef>
+                        <a:buNone/>
+                      </a:pPr>
+                      <a:r>
+                        <a:rPr lang="en-CA" dirty="0"/>
+                        <a:t>5.1</a:t>
+                      </a:r>
+                    </a:p>
+                  </a:txBody>
+                  <a:tcPr marL="91425" marR="91425" marT="91425" marB="91425"/>
+                </a:tc>
+                <a:extLst>
+                  <a:ext uri="{0D108BD9-81ED-4DB2-BD59-A6C34878D82A}">
+                    <a16:rowId xmlns:a16="http://schemas.microsoft.com/office/drawing/2014/main" val="10006"/>
+                  </a:ext>
+                </a:extLst>
+              </a:tr>
+            </a:tbl>
+          </a:graphicData>
+        </a:graphic>
+      </p:graphicFrame>
+      <p:sp>
+        <p:nvSpPr>
+          <p:cNvPr id="172" name="Shape 172"/>
+          <p:cNvSpPr txBox="1"/>
+          <p:nvPr/>
+        </p:nvSpPr>
+        <p:spPr>
+          <a:xfrm>
+            <a:off x="9122490" y="6287680"/>
+            <a:ext cx="2575800" cy="375600"/>
+          </a:xfrm>
+          <a:prstGeom prst="rect">
+            <a:avLst/>
+          </a:prstGeom>
+          <a:noFill/>
+          <a:ln>
+            <a:noFill/>
+          </a:ln>
+        </p:spPr>
+        <p:txBody>
+          <a:bodyPr lIns="91425" tIns="91425" rIns="91425" bIns="91425" anchor="t" anchorCtr="0">
+            <a:noAutofit/>
+          </a:bodyPr>
+          <a:lstStyle/>
+          <a:p>
+            <a:pPr lvl="0">
+              <a:spcBef>
+                <a:spcPts val="0"/>
+              </a:spcBef>
+              <a:buNone/>
+            </a:pPr>
+            <a:r>
+              <a:rPr lang="en-CA" b="1" dirty="0"/>
+              <a:t>Total:  700</a:t>
+            </a:r>
+          </a:p>
+        </p:txBody>
+      </p:sp>
+    </p:spTree>
+    <p:extLst>
+      <p:ext uri="{BB962C8B-B14F-4D97-AF65-F5344CB8AC3E}">
+        <p14:creationId xmlns:p14="http://schemas.microsoft.com/office/powerpoint/2010/main" val="2416161344"/>
+      </p:ext>
+    </p:extLst>
+  </p:cSld>
+  <p:clrMapOvr>
+    <a:masterClrMapping/>
+  </p:clrMapOvr>
+</p:sld>
+</file>
+
+<file path=ppt/slides/slide22.xml><?xml version="1.0" encoding="utf-8"?>
+<p:sld xmlns:a="http://schemas.openxmlformats.org/drawingml/2006/main" xmlns:r="http://schemas.openxmlformats.org/officeDocument/2006/relationships" xmlns:p="http://schemas.openxmlformats.org/presentationml/2006/main">
+  <p:cSld>
+    <p:spTree>
+      <p:nvGrpSpPr>
+        <p:cNvPr id="1" name="Shape 176"/>
+        <p:cNvGrpSpPr/>
+        <p:nvPr/>
+      </p:nvGrpSpPr>
+      <p:grpSpPr>
+        <a:xfrm>
+          <a:off x="0" y="0"/>
+          <a:ext cx="0" cy="0"/>
+          <a:chOff x="0" y="0"/>
+          <a:chExt cx="0" cy="0"/>
+        </a:xfrm>
+      </p:grpSpPr>
+      <p:sp>
+        <p:nvSpPr>
+          <p:cNvPr id="177" name="Shape 177"/>
+          <p:cNvSpPr txBox="1">
+            <a:spLocks noGrp="1"/>
+          </p:cNvSpPr>
+          <p:nvPr>
+            <p:ph type="title"/>
+          </p:nvPr>
+        </p:nvSpPr>
+        <p:spPr>
+          <a:xfrm>
+            <a:off x="1251678" y="382385"/>
+            <a:ext cx="10178322" cy="1492132"/>
+          </a:xfrm>
+          <a:prstGeom prst="rect">
+            <a:avLst/>
+          </a:prstGeom>
+          <a:noFill/>
+          <a:ln>
+            <a:noFill/>
+          </a:ln>
+        </p:spPr>
+        <p:txBody>
+          <a:bodyPr lIns="91425" tIns="45700" rIns="91425" bIns="45700" anchor="ctr" anchorCtr="0">
+            <a:noAutofit/>
+          </a:bodyPr>
+          <a:lstStyle/>
+          <a:p>
+            <a:pPr marL="0" marR="0" lvl="0" indent="0" algn="l" rtl="0">
+              <a:lnSpc>
+                <a:spcPct val="90000"/>
+              </a:lnSpc>
+              <a:spcBef>
+                <a:spcPts val="0"/>
+              </a:spcBef>
+              <a:buClr>
+                <a:schemeClr val="dk2"/>
+              </a:buClr>
+              <a:buSzPct val="25000"/>
+              <a:buFont typeface="Impact"/>
+              <a:buNone/>
+            </a:pPr>
+            <a:r>
+              <a:rPr lang="en-CA" sz="5100" b="0" i="0" u="none" strike="noStrike" cap="none">
+                <a:solidFill>
+                  <a:schemeClr val="dk2"/>
+                </a:solidFill>
+                <a:latin typeface="Impact"/>
+                <a:ea typeface="Impact"/>
+                <a:cs typeface="Impact"/>
+                <a:sym typeface="Impact"/>
+              </a:rPr>
+              <a:t>TECHNICAL DETAILS </a:t>
+            </a:r>
+          </a:p>
+        </p:txBody>
+      </p:sp>
+      <p:sp>
+        <p:nvSpPr>
+          <p:cNvPr id="178" name="Shape 178"/>
+          <p:cNvSpPr txBox="1">
+            <a:spLocks noGrp="1"/>
+          </p:cNvSpPr>
+          <p:nvPr>
+            <p:ph type="body" idx="1"/>
+          </p:nvPr>
+        </p:nvSpPr>
+        <p:spPr>
+          <a:xfrm>
+            <a:off x="1251675" y="1672924"/>
+            <a:ext cx="10178400" cy="4827000"/>
+          </a:xfrm>
+          <a:prstGeom prst="rect">
+            <a:avLst/>
+          </a:prstGeom>
+          <a:noFill/>
+          <a:ln>
+            <a:noFill/>
+          </a:ln>
+        </p:spPr>
+        <p:txBody>
+          <a:bodyPr lIns="91425" tIns="45700" rIns="91425" bIns="45700" anchor="t" anchorCtr="0">
+            <a:noAutofit/>
+          </a:bodyPr>
+          <a:lstStyle/>
+          <a:p>
+            <a:pPr marL="0" lvl="0" indent="-69850" rtl="0">
+              <a:lnSpc>
+                <a:spcPct val="100000"/>
+              </a:lnSpc>
+              <a:spcBef>
+                <a:spcPts val="0"/>
+              </a:spcBef>
+              <a:buClr>
+                <a:schemeClr val="dk1"/>
+              </a:buClr>
+              <a:buSzPct val="47826"/>
+              <a:buFont typeface="Arial"/>
+              <a:buNone/>
+            </a:pPr>
+            <a:r>
+              <a:rPr lang="en-CA" sz="2300" b="1" dirty="0">
+                <a:solidFill>
+                  <a:schemeClr val="dk1"/>
+                </a:solidFill>
+              </a:rPr>
+              <a:t>Hardware</a:t>
+            </a:r>
+            <a:r>
+              <a:rPr lang="en-CA" sz="2300" dirty="0">
+                <a:solidFill>
+                  <a:schemeClr val="dk1"/>
+                </a:solidFill>
+              </a:rPr>
+              <a:t>  </a:t>
+            </a:r>
+          </a:p>
+          <a:p>
+            <a:pPr marL="457200" lvl="0" indent="-374650" rtl="0">
+              <a:lnSpc>
+                <a:spcPct val="100000"/>
+              </a:lnSpc>
+              <a:spcBef>
+                <a:spcPts val="0"/>
+              </a:spcBef>
+              <a:buClr>
+                <a:schemeClr val="dk1"/>
+              </a:buClr>
+              <a:buSzPct val="100000"/>
+              <a:buFont typeface="Cabin"/>
+            </a:pPr>
+            <a:r>
+              <a:rPr lang="en-CA" sz="2300" dirty="0">
+                <a:solidFill>
+                  <a:schemeClr val="dk1"/>
+                </a:solidFill>
+              </a:rPr>
+              <a:t>Intersection Controller: </a:t>
+            </a:r>
+          </a:p>
+          <a:p>
+            <a:pPr marL="914400" lvl="1" indent="-374650" rtl="0">
+              <a:lnSpc>
+                <a:spcPct val="100000"/>
+              </a:lnSpc>
+              <a:spcBef>
+                <a:spcPts val="0"/>
+              </a:spcBef>
+              <a:buClr>
+                <a:schemeClr val="dk1"/>
+              </a:buClr>
+              <a:buSzPct val="100000"/>
+              <a:buFont typeface="Cabin"/>
+            </a:pPr>
+            <a:r>
+              <a:rPr lang="en-CA" sz="2300" dirty="0">
+                <a:solidFill>
+                  <a:schemeClr val="dk1"/>
+                </a:solidFill>
+              </a:rPr>
+              <a:t>Computer with bird-eye view camera</a:t>
+            </a:r>
+            <a:br>
+              <a:rPr lang="en-CA" sz="2300" dirty="0">
+                <a:solidFill>
+                  <a:schemeClr val="dk1"/>
+                </a:solidFill>
+              </a:rPr>
+            </a:br>
+            <a:endParaRPr lang="en-CA" sz="2300" dirty="0">
+              <a:solidFill>
+                <a:schemeClr val="dk1"/>
+              </a:solidFill>
+            </a:endParaRPr>
+          </a:p>
+          <a:p>
+            <a:pPr marL="457200" lvl="0" indent="-374650" rtl="0">
+              <a:lnSpc>
+                <a:spcPct val="100000"/>
+              </a:lnSpc>
+              <a:spcBef>
+                <a:spcPts val="0"/>
+              </a:spcBef>
+              <a:buClr>
+                <a:schemeClr val="dk1"/>
+              </a:buClr>
+              <a:buSzPct val="100000"/>
+            </a:pPr>
+            <a:r>
+              <a:rPr lang="en-CA" sz="2300" dirty="0">
+                <a:solidFill>
+                  <a:schemeClr val="dk1"/>
+                </a:solidFill>
+              </a:rPr>
+              <a:t>Vehicle Controller: </a:t>
+            </a:r>
+          </a:p>
+          <a:p>
+            <a:pPr marL="914400" lvl="1" indent="-374650" rtl="0">
+              <a:lnSpc>
+                <a:spcPct val="100000"/>
+              </a:lnSpc>
+              <a:spcBef>
+                <a:spcPts val="0"/>
+              </a:spcBef>
+              <a:buClr>
+                <a:schemeClr val="dk1"/>
+              </a:buClr>
+              <a:buSzPct val="100000"/>
+              <a:buFont typeface="Arial"/>
+            </a:pPr>
+            <a:r>
+              <a:rPr lang="en-CA" sz="2300" dirty="0">
+                <a:solidFill>
+                  <a:schemeClr val="dk1"/>
+                </a:solidFill>
+              </a:rPr>
+              <a:t>Raspberry Pi 3</a:t>
+            </a:r>
+          </a:p>
+          <a:p>
+            <a:pPr marL="914400" lvl="1" indent="-374650" rtl="0">
+              <a:lnSpc>
+                <a:spcPct val="100000"/>
+              </a:lnSpc>
+              <a:spcBef>
+                <a:spcPts val="0"/>
+              </a:spcBef>
+              <a:buClr>
+                <a:schemeClr val="dk1"/>
+              </a:buClr>
+              <a:buSzPct val="100000"/>
+              <a:buFont typeface="Arial"/>
+            </a:pPr>
+            <a:r>
+              <a:rPr lang="en-CA" sz="2300" dirty="0">
+                <a:solidFill>
+                  <a:schemeClr val="dk1"/>
+                </a:solidFill>
+              </a:rPr>
+              <a:t>Camera</a:t>
+            </a:r>
+          </a:p>
+          <a:p>
+            <a:pPr marL="914400" lvl="1" indent="-374650" rtl="0">
+              <a:lnSpc>
+                <a:spcPct val="100000"/>
+              </a:lnSpc>
+              <a:spcBef>
+                <a:spcPts val="0"/>
+              </a:spcBef>
+              <a:buClr>
+                <a:schemeClr val="dk1"/>
+              </a:buClr>
+              <a:buSzPct val="100000"/>
+              <a:buFont typeface="Arial"/>
+            </a:pPr>
+            <a:r>
+              <a:rPr lang="en-CA" sz="2300" dirty="0">
+                <a:solidFill>
+                  <a:schemeClr val="dk1"/>
+                </a:solidFill>
+              </a:rPr>
+              <a:t>Hall Effect Sensor</a:t>
+            </a:r>
+          </a:p>
+          <a:p>
+            <a:pPr marL="0" lvl="0" indent="0" rtl="0">
+              <a:lnSpc>
+                <a:spcPct val="100000"/>
+              </a:lnSpc>
+              <a:spcBef>
+                <a:spcPts val="0"/>
+              </a:spcBef>
+              <a:buNone/>
+            </a:pPr>
+            <a:endParaRPr sz="2300" b="1" dirty="0">
+              <a:solidFill>
+                <a:schemeClr val="dk1"/>
+              </a:solidFill>
+            </a:endParaRPr>
+          </a:p>
+          <a:p>
+            <a:pPr marL="0" lvl="0" indent="0" rtl="0">
+              <a:lnSpc>
+                <a:spcPct val="100000"/>
+              </a:lnSpc>
+              <a:spcBef>
+                <a:spcPts val="0"/>
+              </a:spcBef>
+              <a:buNone/>
+            </a:pPr>
+            <a:r>
+              <a:rPr lang="en-CA" sz="2300" b="1" dirty="0">
+                <a:solidFill>
+                  <a:schemeClr val="dk1"/>
+                </a:solidFill>
+              </a:rPr>
+              <a:t>Software</a:t>
+            </a:r>
+          </a:p>
+          <a:p>
+            <a:pPr marL="457200" marR="0" lvl="0" indent="-374650" algn="l" rtl="0">
+              <a:lnSpc>
+                <a:spcPct val="100000"/>
+              </a:lnSpc>
+              <a:spcBef>
+                <a:spcPts val="0"/>
+              </a:spcBef>
+              <a:spcAft>
+                <a:spcPts val="0"/>
+              </a:spcAft>
+              <a:buClr>
+                <a:schemeClr val="dk1"/>
+              </a:buClr>
+              <a:buSzPct val="100000"/>
+              <a:buFont typeface="Cabin"/>
+            </a:pPr>
+            <a:r>
+              <a:rPr lang="en-CA" sz="2300" dirty="0" err="1">
+                <a:solidFill>
+                  <a:schemeClr val="dk1"/>
+                </a:solidFill>
+              </a:rPr>
+              <a:t>OpenCV</a:t>
+            </a:r>
+            <a:r>
+              <a:rPr lang="en-CA" sz="2300" dirty="0">
+                <a:solidFill>
+                  <a:schemeClr val="dk1"/>
+                </a:solidFill>
+              </a:rPr>
+              <a:t> (Image Processing)</a:t>
+            </a:r>
+          </a:p>
+          <a:p>
+            <a:pPr marL="457200" marR="0" lvl="0" indent="-374650" algn="l" rtl="0">
+              <a:lnSpc>
+                <a:spcPct val="100000"/>
+              </a:lnSpc>
+              <a:spcBef>
+                <a:spcPts val="0"/>
+              </a:spcBef>
+              <a:spcAft>
+                <a:spcPts val="0"/>
+              </a:spcAft>
+              <a:buClr>
+                <a:schemeClr val="dk1"/>
+              </a:buClr>
+              <a:buSzPct val="100000"/>
+              <a:buFont typeface="Cabin"/>
+            </a:pPr>
+            <a:r>
+              <a:rPr lang="en-CA" sz="2300" dirty="0" err="1">
+                <a:solidFill>
+                  <a:schemeClr val="dk1"/>
+                </a:solidFill>
+              </a:rPr>
+              <a:t>BlueZ</a:t>
+            </a:r>
+            <a:r>
+              <a:rPr lang="en-CA" sz="2300" dirty="0">
+                <a:solidFill>
+                  <a:schemeClr val="dk1"/>
+                </a:solidFill>
+              </a:rPr>
+              <a:t> (Bluetooth)</a:t>
+            </a:r>
+          </a:p>
+        </p:txBody>
+      </p:sp>
+    </p:spTree>
+    <p:extLst>
+      <p:ext uri="{BB962C8B-B14F-4D97-AF65-F5344CB8AC3E}">
+        <p14:creationId xmlns:p14="http://schemas.microsoft.com/office/powerpoint/2010/main" val="3807527910"/>
+      </p:ext>
+    </p:extLst>
+  </p:cSld>
+  <p:clrMapOvr>
+    <a:masterClrMapping/>
+  </p:clrMapOvr>
+</p:sld>
+</file>
+
+<file path=ppt/slides/slide23.xml><?xml version="1.0" encoding="utf-8"?>
+<p:sld xmlns:a="http://schemas.openxmlformats.org/drawingml/2006/main" xmlns:r="http://schemas.openxmlformats.org/officeDocument/2006/relationships" xmlns:p="http://schemas.openxmlformats.org/presentationml/2006/main">
+  <p:cSld>
+    <p:spTree>
+      <p:nvGrpSpPr>
+        <p:cNvPr id="1" name=""/>
+        <p:cNvGrpSpPr/>
+        <p:nvPr/>
+      </p:nvGrpSpPr>
+      <p:grpSpPr>
+        <a:xfrm>
+          <a:off x="0" y="0"/>
+          <a:ext cx="0" cy="0"/>
+          <a:chOff x="0" y="0"/>
+          <a:chExt cx="0" cy="0"/>
+        </a:xfrm>
+      </p:grpSpPr>
+      <p:sp>
+        <p:nvSpPr>
+          <p:cNvPr id="10" name="Rectangle 6"/>
+          <p:cNvSpPr>
+            <a:spLocks noGrp="1" noRot="1" noChangeAspect="1" noMove="1" noResize="1" noEditPoints="1" noAdjustHandles="1" noChangeArrowheads="1" noChangeShapeType="1" noTextEdit="1"/>
+          </p:cNvSpPr>
+          <p:nvPr>
+            <p:extLst>
+              <p:ext uri="{386F3935-93C4-4BCD-93E2-E3B085C9AB24}">
+                <p16:designElem xmlns:p16="http://schemas.microsoft.com/office/powerpoint/2015/main" val="1"/>
+              </p:ext>
+            </p:extLst>
+          </p:nvPr>
+        </p:nvSpPr>
+        <p:spPr bwMode="ltGray">
+          <a:xfrm>
+            <a:off x="0" y="0"/>
+            <a:ext cx="12191999" cy="6858000"/>
+          </a:xfrm>
+          <a:prstGeom prst="rect">
+            <a:avLst/>
+          </a:prstGeom>
+          <a:solidFill>
+            <a:schemeClr val="accent1"/>
+          </a:solidFill>
+          <a:ln>
+            <a:noFill/>
+          </a:ln>
+        </p:spPr>
+        <p:style>
+          <a:lnRef idx="2">
+            <a:schemeClr val="accent1">
+              <a:shade val="50000"/>
+            </a:schemeClr>
+          </a:lnRef>
+          <a:fillRef idx="1">
+            <a:schemeClr val="accent1"/>
+          </a:fillRef>
+          <a:effectRef idx="0">
+            <a:schemeClr val="accent1"/>
+          </a:effectRef>
+          <a:fontRef idx="minor">
+            <a:schemeClr val="lt1"/>
+          </a:fontRef>
+        </p:style>
+        <p:txBody>
+          <a:bodyPr rtlCol="0" anchor="ctr"/>
+          <a:lstStyle/>
+          <a:p>
+            <a:pPr algn="ctr"/>
+            <a:endParaRPr lang="en-US" dirty="0"/>
+          </a:p>
+        </p:txBody>
+      </p:sp>
+      <p:sp>
+        <p:nvSpPr>
+          <p:cNvPr id="11" name="Rectangle 7"/>
+          <p:cNvSpPr>
+            <a:spLocks noGrp="1" noRot="1" noChangeAspect="1" noMove="1" noResize="1" noEditPoints="1" noAdjustHandles="1" noChangeArrowheads="1" noChangeShapeType="1" noTextEdit="1"/>
+          </p:cNvSpPr>
+          <p:nvPr>
+            <p:extLst>
+              <p:ext uri="{386F3935-93C4-4BCD-93E2-E3B085C9AB24}">
+                <p16:designElem xmlns:p16="http://schemas.microsoft.com/office/powerpoint/2015/main" val="1"/>
+              </p:ext>
+            </p:extLst>
+          </p:nvPr>
+        </p:nvSpPr>
+        <p:spPr bwMode="auto">
+          <a:xfrm>
+            <a:off x="283465" y="2828492"/>
+            <a:ext cx="11908534" cy="79375"/>
+          </a:xfrm>
+          <a:prstGeom prst="rect">
+            <a:avLst/>
+          </a:prstGeom>
+          <a:solidFill>
+            <a:schemeClr val="bg2"/>
+          </a:solidFill>
+          <a:ln w="0">
+            <a:noFill/>
+            <a:prstDash val="solid"/>
+            <a:round/>
+            <a:headEnd/>
+            <a:tailEnd/>
+          </a:ln>
+        </p:spPr>
+        <p:txBody>
+          <a:bodyPr rtlCol="0" anchor="ctr"/>
+          <a:lstStyle/>
+          <a:p>
+            <a:pPr algn="ctr"/>
+            <a:endParaRPr lang="en-US" dirty="0"/>
+          </a:p>
+        </p:txBody>
+      </p:sp>
+      <p:pic>
+        <p:nvPicPr>
+          <p:cNvPr id="4" name="Picture 3"/>
+          <p:cNvPicPr>
+            <a:picLocks noChangeAspect="1"/>
+          </p:cNvPicPr>
+          <p:nvPr/>
+        </p:nvPicPr>
+        <p:blipFill rotWithShape="1">
+          <a:blip r:embed="rId3">
+            <a:extLst>
+              <a:ext uri="{BEBA8EAE-BF5A-486C-A8C5-ECC9F3942E4B}">
+                <a14:imgProps xmlns:a14="http://schemas.microsoft.com/office/drawing/2010/main">
+                  <a14:imgLayer r:embed="rId4">
+                    <a14:imgEffect>
+                      <a14:backgroundRemoval t="0" b="100000" l="0" r="100000">
+                        <a14:foregroundMark x1="34364" y1="48221" x2="34000" y2="54545"/>
+                        <a14:foregroundMark x1="6000" y1="43083" x2="3273" y2="49802"/>
+                        <a14:foregroundMark x1="10000" y1="66798" x2="17091" y2="74308"/>
+                        <a14:foregroundMark x1="45455" y1="68775" x2="46727" y2="86561"/>
+                        <a14:foregroundMark x1="50909" y1="68379" x2="48909" y2="90119"/>
+                        <a14:foregroundMark x1="43818" y1="69565" x2="43455" y2="90514"/>
+                        <a14:foregroundMark x1="92000" y1="59684" x2="94182" y2="88538"/>
+                        <a14:foregroundMark x1="38727" y1="1976" x2="79636" y2="1976"/>
+                        <a14:foregroundMark x1="37818" y1="49012" x2="37818" y2="49012"/>
+                        <a14:backgroundMark x1="364" y1="73913" x2="364" y2="73913"/>
+                        <a14:backgroundMark x1="364" y1="77075" x2="364" y2="77075"/>
+                        <a14:backgroundMark x1="43455" y1="99605" x2="43455" y2="99605"/>
+                      </a14:backgroundRemoval>
+                    </a14:imgEffect>
+                  </a14:imgLayer>
+                </a14:imgProps>
+              </a:ext>
+              <a:ext uri="{28A0092B-C50C-407E-A947-70E740481C1C}">
+                <a14:useLocalDpi xmlns:a14="http://schemas.microsoft.com/office/drawing/2010/main" val="0"/>
+              </a:ext>
+            </a:extLst>
+          </a:blip>
+          <a:srcRect t="30026" b="19540"/>
+          <a:stretch/>
+        </p:blipFill>
+        <p:spPr>
+          <a:xfrm>
+            <a:off x="0" y="0"/>
+            <a:ext cx="12192000" cy="2828482"/>
+          </a:xfrm>
+          <a:prstGeom prst="rect">
+            <a:avLst/>
+          </a:prstGeom>
+        </p:spPr>
+      </p:pic>
+      <p:sp>
+        <p:nvSpPr>
+          <p:cNvPr id="9" name="Freeform 6" title="Left scallop edge"/>
+          <p:cNvSpPr>
+            <a:spLocks noGrp="1" noRot="1" noChangeAspect="1" noMove="1" noResize="1" noEditPoints="1" noAdjustHandles="1" noChangeArrowheads="1" noChangeShapeType="1" noTextEdit="1"/>
+          </p:cNvSpPr>
+          <p:nvPr>
+            <p:extLst>
+              <p:ext uri="{386F3935-93C4-4BCD-93E2-E3B085C9AB24}">
+                <p16:designElem xmlns:p16="http://schemas.microsoft.com/office/powerpoint/2015/main" val="1"/>
+              </p:ext>
+            </p:extLst>
+          </p:nvPr>
+        </p:nvSpPr>
+        <p:spPr bwMode="auto">
+          <a:xfrm>
+            <a:off x="0" y="0"/>
+            <a:ext cx="885825" cy="6858000"/>
+          </a:xfrm>
+          <a:custGeom>
+            <a:avLst/>
+            <a:gdLst/>
+            <a:ahLst/>
+            <a:cxnLst/>
+            <a:rect l="0" t="0" r="r" b="b"/>
+            <a:pathLst>
+              <a:path w="558" h="4320">
+                <a:moveTo>
+                  <a:pt x="0" y="0"/>
+                </a:moveTo>
+                <a:lnTo>
+                  <a:pt x="447" y="0"/>
+                </a:lnTo>
+                <a:lnTo>
+                  <a:pt x="448" y="43"/>
+                </a:lnTo>
+                <a:lnTo>
+                  <a:pt x="453" y="81"/>
+                </a:lnTo>
+                <a:lnTo>
+                  <a:pt x="460" y="114"/>
+                </a:lnTo>
+                <a:lnTo>
+                  <a:pt x="469" y="143"/>
+                </a:lnTo>
+                <a:lnTo>
+                  <a:pt x="479" y="169"/>
+                </a:lnTo>
+                <a:lnTo>
+                  <a:pt x="491" y="192"/>
+                </a:lnTo>
+                <a:lnTo>
+                  <a:pt x="503" y="216"/>
+                </a:lnTo>
+                <a:lnTo>
+                  <a:pt x="515" y="240"/>
+                </a:lnTo>
+                <a:lnTo>
+                  <a:pt x="525" y="263"/>
+                </a:lnTo>
+                <a:lnTo>
+                  <a:pt x="535" y="289"/>
+                </a:lnTo>
+                <a:lnTo>
+                  <a:pt x="545" y="318"/>
+                </a:lnTo>
+                <a:lnTo>
+                  <a:pt x="552" y="351"/>
+                </a:lnTo>
+                <a:lnTo>
+                  <a:pt x="556" y="389"/>
+                </a:lnTo>
+                <a:lnTo>
+                  <a:pt x="558" y="432"/>
+                </a:lnTo>
+                <a:lnTo>
+                  <a:pt x="556" y="475"/>
+                </a:lnTo>
+                <a:lnTo>
+                  <a:pt x="552" y="513"/>
+                </a:lnTo>
+                <a:lnTo>
+                  <a:pt x="545" y="546"/>
+                </a:lnTo>
+                <a:lnTo>
+                  <a:pt x="535" y="575"/>
+                </a:lnTo>
+                <a:lnTo>
+                  <a:pt x="525" y="601"/>
+                </a:lnTo>
+                <a:lnTo>
+                  <a:pt x="515" y="624"/>
+                </a:lnTo>
+                <a:lnTo>
+                  <a:pt x="503" y="648"/>
+                </a:lnTo>
+                <a:lnTo>
+                  <a:pt x="491" y="672"/>
+                </a:lnTo>
+                <a:lnTo>
+                  <a:pt x="479" y="695"/>
+                </a:lnTo>
+                <a:lnTo>
+                  <a:pt x="469" y="721"/>
+                </a:lnTo>
+                <a:lnTo>
+                  <a:pt x="460" y="750"/>
+                </a:lnTo>
+                <a:lnTo>
+                  <a:pt x="453" y="783"/>
+                </a:lnTo>
+                <a:lnTo>
+                  <a:pt x="448" y="821"/>
+                </a:lnTo>
+                <a:lnTo>
+                  <a:pt x="447" y="864"/>
+                </a:lnTo>
+                <a:lnTo>
+                  <a:pt x="448" y="907"/>
+                </a:lnTo>
+                <a:lnTo>
+                  <a:pt x="453" y="945"/>
+                </a:lnTo>
+                <a:lnTo>
+                  <a:pt x="460" y="978"/>
+                </a:lnTo>
+                <a:lnTo>
+                  <a:pt x="469" y="1007"/>
+                </a:lnTo>
+                <a:lnTo>
+                  <a:pt x="479" y="1033"/>
+                </a:lnTo>
+                <a:lnTo>
+                  <a:pt x="491" y="1056"/>
+                </a:lnTo>
+                <a:lnTo>
+                  <a:pt x="503" y="1080"/>
+                </a:lnTo>
+                <a:lnTo>
+                  <a:pt x="515" y="1104"/>
+                </a:lnTo>
+                <a:lnTo>
+                  <a:pt x="525" y="1127"/>
+                </a:lnTo>
+                <a:lnTo>
+                  <a:pt x="535" y="1153"/>
+                </a:lnTo>
+                <a:lnTo>
+                  <a:pt x="545" y="1182"/>
+                </a:lnTo>
+                <a:lnTo>
+                  <a:pt x="552" y="1215"/>
+                </a:lnTo>
+                <a:lnTo>
+                  <a:pt x="556" y="1253"/>
+                </a:lnTo>
+                <a:lnTo>
+                  <a:pt x="558" y="1296"/>
+                </a:lnTo>
+                <a:lnTo>
+                  <a:pt x="556" y="1339"/>
+                </a:lnTo>
+                <a:lnTo>
+                  <a:pt x="552" y="1377"/>
+                </a:lnTo>
+                <a:lnTo>
+                  <a:pt x="545" y="1410"/>
+                </a:lnTo>
+                <a:lnTo>
+                  <a:pt x="535" y="1439"/>
+                </a:lnTo>
+                <a:lnTo>
+                  <a:pt x="525" y="1465"/>
+                </a:lnTo>
+                <a:lnTo>
+                  <a:pt x="515" y="1488"/>
+                </a:lnTo>
+                <a:lnTo>
+                  <a:pt x="503" y="1512"/>
+                </a:lnTo>
+                <a:lnTo>
+                  <a:pt x="491" y="1536"/>
+                </a:lnTo>
+                <a:lnTo>
+                  <a:pt x="479" y="1559"/>
+                </a:lnTo>
+                <a:lnTo>
+                  <a:pt x="469" y="1585"/>
+                </a:lnTo>
+                <a:lnTo>
+                  <a:pt x="460" y="1614"/>
+                </a:lnTo>
+                <a:lnTo>
+                  <a:pt x="453" y="1647"/>
+                </a:lnTo>
+                <a:lnTo>
+                  <a:pt x="448" y="1685"/>
+                </a:lnTo>
+                <a:lnTo>
+                  <a:pt x="447" y="1728"/>
+                </a:lnTo>
+                <a:lnTo>
+                  <a:pt x="448" y="1771"/>
+                </a:lnTo>
+                <a:lnTo>
+                  <a:pt x="453" y="1809"/>
+                </a:lnTo>
+                <a:lnTo>
+                  <a:pt x="460" y="1842"/>
+                </a:lnTo>
+                <a:lnTo>
+                  <a:pt x="469" y="1871"/>
+                </a:lnTo>
+                <a:lnTo>
+                  <a:pt x="479" y="1897"/>
+                </a:lnTo>
+                <a:lnTo>
+                  <a:pt x="491" y="1920"/>
+                </a:lnTo>
+                <a:lnTo>
+                  <a:pt x="503" y="1944"/>
+                </a:lnTo>
+                <a:lnTo>
+                  <a:pt x="515" y="1968"/>
+                </a:lnTo>
+                <a:lnTo>
+                  <a:pt x="525" y="1991"/>
+                </a:lnTo>
+                <a:lnTo>
+                  <a:pt x="535" y="2017"/>
+                </a:lnTo>
+                <a:lnTo>
+                  <a:pt x="545" y="2046"/>
+                </a:lnTo>
+                <a:lnTo>
+                  <a:pt x="552" y="2079"/>
+                </a:lnTo>
+                <a:lnTo>
+                  <a:pt x="556" y="2117"/>
+                </a:lnTo>
+                <a:lnTo>
+                  <a:pt x="558" y="2159"/>
+                </a:lnTo>
+                <a:lnTo>
+                  <a:pt x="556" y="2203"/>
+                </a:lnTo>
+                <a:lnTo>
+                  <a:pt x="552" y="2241"/>
+                </a:lnTo>
+                <a:lnTo>
+                  <a:pt x="545" y="2274"/>
+                </a:lnTo>
+                <a:lnTo>
+                  <a:pt x="535" y="2303"/>
+                </a:lnTo>
+                <a:lnTo>
+                  <a:pt x="525" y="2329"/>
+                </a:lnTo>
+                <a:lnTo>
+                  <a:pt x="515" y="2352"/>
+                </a:lnTo>
+                <a:lnTo>
+                  <a:pt x="503" y="2376"/>
+                </a:lnTo>
+                <a:lnTo>
+                  <a:pt x="491" y="2400"/>
+                </a:lnTo>
+                <a:lnTo>
+                  <a:pt x="479" y="2423"/>
+                </a:lnTo>
+                <a:lnTo>
+                  <a:pt x="469" y="2449"/>
+                </a:lnTo>
+                <a:lnTo>
+                  <a:pt x="460" y="2478"/>
+                </a:lnTo>
+                <a:lnTo>
+                  <a:pt x="453" y="2511"/>
+                </a:lnTo>
+                <a:lnTo>
+                  <a:pt x="448" y="2549"/>
+                </a:lnTo>
+                <a:lnTo>
+                  <a:pt x="447" y="2592"/>
+                </a:lnTo>
+                <a:lnTo>
+                  <a:pt x="448" y="2635"/>
+                </a:lnTo>
+                <a:lnTo>
+                  <a:pt x="453" y="2673"/>
+                </a:lnTo>
+                <a:lnTo>
+                  <a:pt x="460" y="2706"/>
+                </a:lnTo>
+                <a:lnTo>
+                  <a:pt x="469" y="2735"/>
+                </a:lnTo>
+                <a:lnTo>
+                  <a:pt x="479" y="2761"/>
+                </a:lnTo>
+                <a:lnTo>
+                  <a:pt x="491" y="2784"/>
+                </a:lnTo>
+                <a:lnTo>
+                  <a:pt x="515" y="2832"/>
+                </a:lnTo>
+                <a:lnTo>
+                  <a:pt x="525" y="2855"/>
+                </a:lnTo>
+                <a:lnTo>
+                  <a:pt x="535" y="2881"/>
+                </a:lnTo>
+                <a:lnTo>
+                  <a:pt x="545" y="2910"/>
+                </a:lnTo>
+                <a:lnTo>
+                  <a:pt x="552" y="2943"/>
+                </a:lnTo>
+                <a:lnTo>
+                  <a:pt x="556" y="2981"/>
+                </a:lnTo>
+                <a:lnTo>
+                  <a:pt x="558" y="3024"/>
+                </a:lnTo>
+                <a:lnTo>
+                  <a:pt x="556" y="3067"/>
+                </a:lnTo>
+                <a:lnTo>
+                  <a:pt x="552" y="3105"/>
+                </a:lnTo>
+                <a:lnTo>
+                  <a:pt x="545" y="3138"/>
+                </a:lnTo>
+                <a:lnTo>
+                  <a:pt x="535" y="3167"/>
+                </a:lnTo>
+                <a:lnTo>
+                  <a:pt x="525" y="3193"/>
+                </a:lnTo>
+                <a:lnTo>
+                  <a:pt x="515" y="3216"/>
+                </a:lnTo>
+                <a:lnTo>
+                  <a:pt x="503" y="3240"/>
+                </a:lnTo>
+                <a:lnTo>
+                  <a:pt x="491" y="3264"/>
+                </a:lnTo>
+                <a:lnTo>
+                  <a:pt x="479" y="3287"/>
+                </a:lnTo>
+                <a:lnTo>
+                  <a:pt x="469" y="3313"/>
+                </a:lnTo>
+                <a:lnTo>
+                  <a:pt x="460" y="3342"/>
+                </a:lnTo>
+                <a:lnTo>
+                  <a:pt x="453" y="3375"/>
+                </a:lnTo>
+                <a:lnTo>
+                  <a:pt x="448" y="3413"/>
+                </a:lnTo>
+                <a:lnTo>
+                  <a:pt x="447" y="3456"/>
+                </a:lnTo>
+                <a:lnTo>
+                  <a:pt x="448" y="3499"/>
+                </a:lnTo>
+                <a:lnTo>
+                  <a:pt x="453" y="3537"/>
+                </a:lnTo>
+                <a:lnTo>
+                  <a:pt x="460" y="3570"/>
+                </a:lnTo>
+                <a:lnTo>
+                  <a:pt x="469" y="3599"/>
+                </a:lnTo>
+                <a:lnTo>
+                  <a:pt x="479" y="3625"/>
+                </a:lnTo>
+                <a:lnTo>
+                  <a:pt x="491" y="3648"/>
+                </a:lnTo>
+                <a:lnTo>
+                  <a:pt x="503" y="3672"/>
+                </a:lnTo>
+                <a:lnTo>
+                  <a:pt x="515" y="3696"/>
+                </a:lnTo>
+                <a:lnTo>
+                  <a:pt x="525" y="3719"/>
+                </a:lnTo>
+                <a:lnTo>
+                  <a:pt x="535" y="3745"/>
+                </a:lnTo>
+                <a:lnTo>
+                  <a:pt x="545" y="3774"/>
+                </a:lnTo>
+                <a:lnTo>
+                  <a:pt x="552" y="3807"/>
+                </a:lnTo>
+                <a:lnTo>
+                  <a:pt x="556" y="3845"/>
+                </a:lnTo>
+                <a:lnTo>
+                  <a:pt x="558" y="3888"/>
+                </a:lnTo>
+                <a:lnTo>
+                  <a:pt x="556" y="3931"/>
+                </a:lnTo>
+                <a:lnTo>
+                  <a:pt x="552" y="3969"/>
+                </a:lnTo>
+                <a:lnTo>
+                  <a:pt x="545" y="4002"/>
+                </a:lnTo>
+                <a:lnTo>
+                  <a:pt x="535" y="4031"/>
+                </a:lnTo>
+                <a:lnTo>
+                  <a:pt x="525" y="4057"/>
+                </a:lnTo>
+                <a:lnTo>
+                  <a:pt x="515" y="4080"/>
+                </a:lnTo>
+                <a:lnTo>
+                  <a:pt x="503" y="4104"/>
+                </a:lnTo>
+                <a:lnTo>
+                  <a:pt x="491" y="4128"/>
+                </a:lnTo>
+                <a:lnTo>
+                  <a:pt x="479" y="4151"/>
+                </a:lnTo>
+                <a:lnTo>
+                  <a:pt x="469" y="4177"/>
+                </a:lnTo>
+                <a:lnTo>
+                  <a:pt x="460" y="4206"/>
+                </a:lnTo>
+                <a:lnTo>
+                  <a:pt x="453" y="4239"/>
+                </a:lnTo>
+                <a:lnTo>
+                  <a:pt x="448" y="4277"/>
+                </a:lnTo>
+                <a:lnTo>
+                  <a:pt x="447" y="4320"/>
+                </a:lnTo>
+                <a:lnTo>
+                  <a:pt x="0" y="4320"/>
+                </a:lnTo>
+                <a:lnTo>
+                  <a:pt x="0" y="0"/>
+                </a:lnTo>
+                <a:close/>
+              </a:path>
+            </a:pathLst>
+          </a:custGeom>
+          <a:solidFill>
+            <a:schemeClr val="tx2"/>
+          </a:solidFill>
+          <a:ln w="0">
+            <a:noFill/>
+            <a:prstDash val="solid"/>
+            <a:round/>
+            <a:headEnd/>
+            <a:tailEnd/>
+          </a:ln>
+        </p:spPr>
+      </p:sp>
+      <p:sp>
+        <p:nvSpPr>
+          <p:cNvPr id="2" name="Title 1"/>
+          <p:cNvSpPr>
+            <a:spLocks noGrp="1"/>
+          </p:cNvSpPr>
+          <p:nvPr>
+            <p:ph type="ctrTitle"/>
+          </p:nvPr>
+        </p:nvSpPr>
+        <p:spPr>
+          <a:xfrm>
+            <a:off x="1379703" y="3592164"/>
+            <a:ext cx="10318418" cy="2581538"/>
+          </a:xfrm>
+        </p:spPr>
+        <p:txBody>
+          <a:bodyPr vert="horz" lIns="91440" tIns="45720" rIns="91440" bIns="45720" rtlCol="0">
+            <a:normAutofit/>
+          </a:bodyPr>
+          <a:lstStyle/>
+          <a:p>
+            <a:r>
+              <a:rPr lang="en-US" sz="8800" dirty="0"/>
+              <a:t>Questions</a:t>
+            </a:r>
+          </a:p>
+        </p:txBody>
+      </p:sp>
+      <p:sp>
+        <p:nvSpPr>
+          <p:cNvPr id="18" name="TextBox 17"/>
+          <p:cNvSpPr txBox="1"/>
+          <p:nvPr/>
+        </p:nvSpPr>
+        <p:spPr>
+          <a:xfrm>
+            <a:off x="1300295" y="2097962"/>
+            <a:ext cx="799058" cy="369332"/>
+          </a:xfrm>
+          <a:prstGeom prst="rect">
+            <a:avLst/>
+          </a:prstGeom>
+          <a:noFill/>
+        </p:spPr>
+        <p:txBody>
+          <a:bodyPr wrap="square" rtlCol="0">
+            <a:spAutoFit/>
+          </a:bodyPr>
+          <a:lstStyle/>
+          <a:p>
+            <a:r>
+              <a:rPr lang="en-CA" dirty="0">
+                <a:effectLst>
+                  <a:outerShdw blurRad="38100" dist="38100" dir="2700000" algn="tl">
+                    <a:srgbClr val="000000">
+                      <a:alpha val="43137"/>
+                    </a:srgbClr>
+                  </a:outerShdw>
+                </a:effectLst>
+              </a:rPr>
+              <a:t>VIC -1</a:t>
+            </a:r>
+            <a:endParaRPr lang="en-US" dirty="0">
+              <a:effectLst>
+                <a:outerShdw blurRad="38100" dist="38100" dir="2700000" algn="tl">
+                  <a:srgbClr val="000000">
+                    <a:alpha val="43137"/>
+                  </a:srgbClr>
+                </a:outerShdw>
+              </a:effectLst>
+            </a:endParaRPr>
+          </a:p>
+        </p:txBody>
+      </p:sp>
+      <p:sp>
+        <p:nvSpPr>
+          <p:cNvPr id="12" name="Subtitle 4"/>
+          <p:cNvSpPr txBox="1">
+            <a:spLocks/>
+          </p:cNvSpPr>
+          <p:nvPr/>
+        </p:nvSpPr>
+        <p:spPr>
+          <a:xfrm rot="21337305">
+            <a:off x="6744779" y="1006002"/>
+            <a:ext cx="4181503" cy="775591"/>
+          </a:xfrm>
+          <a:prstGeom prst="rect">
+            <a:avLst/>
+          </a:prstGeom>
+          <a:scene3d>
+            <a:camera prst="perspectiveRight"/>
+            <a:lightRig rig="threePt" dir="t"/>
+          </a:scene3d>
+        </p:spPr>
+        <p:txBody>
+          <a:bodyPr vert="horz" lIns="91440" tIns="45720" rIns="91440" bIns="45720" rtlCol="0" anchor="ctr">
+            <a:noAutofit/>
+          </a:bodyPr>
+          <a:lstStyle>
+            <a:lvl1pPr marL="0" indent="0" algn="ctr" defTabSz="914400" rtl="0" eaLnBrk="1" latinLnBrk="0" hangingPunct="1">
+              <a:lnSpc>
+                <a:spcPct val="100000"/>
+              </a:lnSpc>
+              <a:spcBef>
+                <a:spcPts val="700"/>
+              </a:spcBef>
+              <a:buClr>
+                <a:schemeClr val="tx2"/>
+              </a:buClr>
+              <a:buFont typeface="Arial" panose="020B0604020202020204" pitchFamily="34" charset="0"/>
+              <a:buNone/>
+              <a:defRPr sz="2000" b="1" i="0" kern="1200" cap="all" spc="400" baseline="0">
+                <a:solidFill>
+                  <a:schemeClr val="tx2"/>
+                </a:solidFill>
+                <a:latin typeface="+mn-lt"/>
+                <a:ea typeface="+mn-ea"/>
+                <a:cs typeface="+mn-cs"/>
+              </a:defRPr>
+            </a:lvl1pPr>
+            <a:lvl2pPr marL="457200" indent="0" algn="ctr" defTabSz="914400" rtl="0" eaLnBrk="1" latinLnBrk="0" hangingPunct="1">
+              <a:lnSpc>
+                <a:spcPct val="110000"/>
+              </a:lnSpc>
+              <a:spcBef>
+                <a:spcPts val="700"/>
+              </a:spcBef>
+              <a:buClr>
+                <a:schemeClr val="tx2"/>
+              </a:buClr>
+              <a:buFont typeface="Gill Sans MT" panose="020B0502020104020203" pitchFamily="34" charset="0"/>
+              <a:buNone/>
+              <a:defRPr sz="2000" kern="1200">
+                <a:solidFill>
+                  <a:schemeClr val="tx1">
+                    <a:lumMod val="65000"/>
+                    <a:lumOff val="35000"/>
+                  </a:schemeClr>
+                </a:solidFill>
+                <a:latin typeface="+mn-lt"/>
+                <a:ea typeface="+mn-ea"/>
+                <a:cs typeface="+mn-cs"/>
+              </a:defRPr>
+            </a:lvl2pPr>
+            <a:lvl3pPr marL="914400" indent="0" algn="ctr" defTabSz="914400" rtl="0" eaLnBrk="1" latinLnBrk="0" hangingPunct="1">
+              <a:lnSpc>
+                <a:spcPct val="110000"/>
+              </a:lnSpc>
+              <a:spcBef>
+                <a:spcPts val="700"/>
+              </a:spcBef>
+              <a:buClr>
+                <a:schemeClr val="tx2"/>
+              </a:buClr>
+              <a:buFont typeface="Arial" panose="020B0604020202020204" pitchFamily="34" charset="0"/>
+              <a:buNone/>
+              <a:defRPr sz="1800" kern="1200">
+                <a:solidFill>
+                  <a:schemeClr val="tx1">
+                    <a:lumMod val="65000"/>
+                    <a:lumOff val="35000"/>
+                  </a:schemeClr>
+                </a:solidFill>
+                <a:latin typeface="+mn-lt"/>
+                <a:ea typeface="+mn-ea"/>
+                <a:cs typeface="+mn-cs"/>
+              </a:defRPr>
+            </a:lvl3pPr>
+            <a:lvl4pPr marL="1371600" indent="0" algn="ctr" defTabSz="914400" rtl="0" eaLnBrk="1" latinLnBrk="0" hangingPunct="1">
+              <a:lnSpc>
+                <a:spcPct val="110000"/>
+              </a:lnSpc>
+              <a:spcBef>
+                <a:spcPts val="700"/>
+              </a:spcBef>
+              <a:buClr>
+                <a:schemeClr val="tx2"/>
+              </a:buClr>
+              <a:buFont typeface="Gill Sans MT" panose="020B0502020104020203" pitchFamily="34" charset="0"/>
+              <a:buNone/>
+              <a:defRPr sz="1600" kern="1200">
+                <a:solidFill>
+                  <a:schemeClr val="tx1">
+                    <a:lumMod val="65000"/>
+                    <a:lumOff val="35000"/>
+                  </a:schemeClr>
+                </a:solidFill>
+                <a:latin typeface="+mn-lt"/>
+                <a:ea typeface="+mn-ea"/>
+                <a:cs typeface="+mn-cs"/>
+              </a:defRPr>
+            </a:lvl4pPr>
+            <a:lvl5pPr marL="1828800" indent="0" algn="ctr" defTabSz="914400" rtl="0" eaLnBrk="1" latinLnBrk="0" hangingPunct="1">
+              <a:lnSpc>
+                <a:spcPct val="110000"/>
+              </a:lnSpc>
+              <a:spcBef>
+                <a:spcPts val="700"/>
+              </a:spcBef>
+              <a:buClr>
+                <a:schemeClr val="tx2"/>
+              </a:buClr>
+              <a:buFont typeface="Arial" panose="020B0604020202020204" pitchFamily="34" charset="0"/>
+              <a:buNone/>
+              <a:defRPr sz="1600" kern="1200">
+                <a:solidFill>
+                  <a:schemeClr val="tx1">
+                    <a:lumMod val="65000"/>
+                    <a:lumOff val="35000"/>
+                  </a:schemeClr>
+                </a:solidFill>
+                <a:latin typeface="+mn-lt"/>
+                <a:ea typeface="+mn-ea"/>
+                <a:cs typeface="+mn-cs"/>
+              </a:defRPr>
+            </a:lvl5pPr>
+            <a:lvl6pPr marL="2286000" indent="0" algn="ctr" defTabSz="914400" rtl="0" eaLnBrk="1" latinLnBrk="0" hangingPunct="1">
+              <a:lnSpc>
+                <a:spcPct val="110000"/>
+              </a:lnSpc>
+              <a:spcBef>
+                <a:spcPts val="700"/>
+              </a:spcBef>
+              <a:buClr>
+                <a:schemeClr val="tx2"/>
+              </a:buClr>
+              <a:buFont typeface="Gill Sans MT" panose="020B0502020104020203" pitchFamily="34" charset="0"/>
+              <a:buNone/>
+              <a:defRPr sz="1600" kern="1200">
+                <a:solidFill>
+                  <a:schemeClr val="tx1">
+                    <a:lumMod val="65000"/>
+                    <a:lumOff val="35000"/>
+                  </a:schemeClr>
+                </a:solidFill>
+                <a:latin typeface="+mn-lt"/>
+                <a:ea typeface="+mn-ea"/>
+                <a:cs typeface="+mn-cs"/>
+              </a:defRPr>
+            </a:lvl6pPr>
+            <a:lvl7pPr marL="2743200" indent="0" algn="ctr" defTabSz="914400" rtl="0" eaLnBrk="1" latinLnBrk="0" hangingPunct="1">
+              <a:lnSpc>
+                <a:spcPct val="110000"/>
+              </a:lnSpc>
+              <a:spcBef>
+                <a:spcPts val="700"/>
+              </a:spcBef>
+              <a:buClr>
+                <a:schemeClr val="tx2"/>
+              </a:buClr>
+              <a:buFont typeface="Arial" panose="020B0604020202020204" pitchFamily="34" charset="0"/>
+              <a:buNone/>
+              <a:defRPr sz="1600" kern="1200">
+                <a:solidFill>
+                  <a:schemeClr val="tx1">
+                    <a:lumMod val="65000"/>
+                    <a:lumOff val="35000"/>
+                  </a:schemeClr>
+                </a:solidFill>
+                <a:latin typeface="+mn-lt"/>
+                <a:ea typeface="+mn-ea"/>
+                <a:cs typeface="+mn-cs"/>
+              </a:defRPr>
+            </a:lvl7pPr>
+            <a:lvl8pPr marL="3200400" indent="0" algn="ctr" defTabSz="914400" rtl="0" eaLnBrk="1" latinLnBrk="0" hangingPunct="1">
+              <a:lnSpc>
+                <a:spcPct val="110000"/>
+              </a:lnSpc>
+              <a:spcBef>
+                <a:spcPts val="700"/>
+              </a:spcBef>
+              <a:buClr>
+                <a:schemeClr val="tx2"/>
+              </a:buClr>
+              <a:buFont typeface="Gill Sans MT" panose="020B0502020104020203" pitchFamily="34" charset="0"/>
+              <a:buNone/>
+              <a:defRPr sz="1600" kern="1200" baseline="0">
+                <a:solidFill>
+                  <a:schemeClr val="tx1">
+                    <a:lumMod val="65000"/>
+                    <a:lumOff val="35000"/>
+                  </a:schemeClr>
+                </a:solidFill>
+                <a:latin typeface="+mn-lt"/>
+                <a:ea typeface="+mn-ea"/>
+                <a:cs typeface="+mn-cs"/>
+              </a:defRPr>
+            </a:lvl8pPr>
+            <a:lvl9pPr marL="3657600" indent="0" algn="ctr" defTabSz="914400" rtl="0" eaLnBrk="1" latinLnBrk="0" hangingPunct="1">
+              <a:lnSpc>
+                <a:spcPct val="110000"/>
+              </a:lnSpc>
+              <a:spcBef>
+                <a:spcPts val="700"/>
+              </a:spcBef>
+              <a:buClr>
+                <a:schemeClr val="tx2"/>
+              </a:buClr>
+              <a:buFont typeface="Arial" panose="020B0604020202020204" pitchFamily="34" charset="0"/>
+              <a:buNone/>
+              <a:defRPr sz="1600" kern="1200" baseline="0">
+                <a:solidFill>
+                  <a:schemeClr val="tx1">
+                    <a:lumMod val="65000"/>
+                    <a:lumOff val="35000"/>
+                  </a:schemeClr>
+                </a:solidFill>
+                <a:latin typeface="+mn-lt"/>
+                <a:ea typeface="+mn-ea"/>
+                <a:cs typeface="+mn-cs"/>
+              </a:defRPr>
+            </a:lvl9pPr>
+          </a:lstStyle>
+          <a:p>
+            <a:r>
+              <a:rPr lang="en-CA" sz="6000" dirty="0">
+                <a:solidFill>
+                  <a:schemeClr val="bg2"/>
+                </a:solidFill>
+              </a:rPr>
+              <a:t>Group 6</a:t>
+            </a:r>
+            <a:endParaRPr lang="en-US" sz="6000" dirty="0">
+              <a:solidFill>
+                <a:schemeClr val="bg2"/>
+              </a:solidFill>
+            </a:endParaRPr>
+          </a:p>
+        </p:txBody>
+      </p:sp>
+    </p:spTree>
+    <p:extLst>
+      <p:ext uri="{BB962C8B-B14F-4D97-AF65-F5344CB8AC3E}">
+        <p14:creationId xmlns:p14="http://schemas.microsoft.com/office/powerpoint/2010/main" val="388629465"/>
+      </p:ext>
+    </p:extLst>
+  </p:cSld>
+  <p:clrMapOvr>
+    <a:masterClrMapping/>
+  </p:clrMapOvr>
+</p:sld>
+</file>
+
+<file path=ppt/slides/slide3.xml><?xml version="1.0" encoding="utf-8"?>
+<p:sld xmlns:a="http://schemas.openxmlformats.org/drawingml/2006/main" xmlns:r="http://schemas.openxmlformats.org/officeDocument/2006/relationships" xmlns:p="http://schemas.openxmlformats.org/presentationml/2006/main">
+  <p:cSld>
+    <p:spTree>
+      <p:nvGrpSpPr>
+        <p:cNvPr id="1" name=""/>
+        <p:cNvGrpSpPr/>
+        <p:nvPr/>
+      </p:nvGrpSpPr>
+      <p:grpSpPr>
+        <a:xfrm>
+          <a:off x="0" y="0"/>
+          <a:ext cx="0" cy="0"/>
+          <a:chOff x="0" y="0"/>
+          <a:chExt cx="0" cy="0"/>
+        </a:xfrm>
+      </p:grpSpPr>
+      <p:sp>
+        <p:nvSpPr>
+          <p:cNvPr id="2" name="Title 1"/>
+          <p:cNvSpPr>
+            <a:spLocks noGrp="1"/>
+          </p:cNvSpPr>
+          <p:nvPr>
+            <p:ph type="title"/>
+          </p:nvPr>
+        </p:nvSpPr>
+        <p:spPr/>
+        <p:txBody>
+          <a:bodyPr/>
+          <a:lstStyle/>
+          <a:p>
+            <a:r>
+              <a:rPr lang="en-CA" dirty="0"/>
+              <a:t>The Problem</a:t>
+            </a:r>
+            <a:endParaRPr lang="en-US" dirty="0"/>
+          </a:p>
+        </p:txBody>
+      </p:sp>
+      <p:sp>
+        <p:nvSpPr>
+          <p:cNvPr id="3" name="Content Placeholder 2"/>
+          <p:cNvSpPr>
+            <a:spLocks noGrp="1"/>
+          </p:cNvSpPr>
+          <p:nvPr>
+            <p:ph idx="1"/>
+          </p:nvPr>
+        </p:nvSpPr>
+        <p:spPr/>
+        <p:txBody>
+          <a:bodyPr/>
+          <a:lstStyle/>
+          <a:p>
+            <a:r>
+              <a:rPr lang="en-CA" dirty="0"/>
+              <a:t>Requirements were solving </a:t>
+            </a:r>
+          </a:p>
+          <a:p>
+            <a:endParaRPr lang="en-US" dirty="0"/>
+          </a:p>
+        </p:txBody>
+      </p:sp>
+    </p:spTree>
+    <p:extLst>
+      <p:ext uri="{BB962C8B-B14F-4D97-AF65-F5344CB8AC3E}">
+        <p14:creationId xmlns:p14="http://schemas.microsoft.com/office/powerpoint/2010/main" val="4222374327"/>
+      </p:ext>
+    </p:extLst>
+  </p:cSld>
+  <p:clrMapOvr>
+    <a:masterClrMapping/>
+  </p:clrMapOvr>
+</p:sld>
+</file>
+
+<file path=ppt/slides/slide4.xml><?xml version="1.0" encoding="utf-8"?>
+<p:sld xmlns:a="http://schemas.openxmlformats.org/drawingml/2006/main" xmlns:r="http://schemas.openxmlformats.org/officeDocument/2006/relationships" xmlns:p="http://schemas.openxmlformats.org/presentationml/2006/main">
+  <p:cSld>
+    <p:spTree>
+      <p:nvGrpSpPr>
+        <p:cNvPr id="1" name=""/>
+        <p:cNvGrpSpPr/>
+        <p:nvPr/>
+      </p:nvGrpSpPr>
+      <p:grpSpPr>
+        <a:xfrm>
+          <a:off x="0" y="0"/>
+          <a:ext cx="0" cy="0"/>
+          <a:chOff x="0" y="0"/>
+          <a:chExt cx="0" cy="0"/>
+        </a:xfrm>
+      </p:grpSpPr>
+      <p:sp>
+        <p:nvSpPr>
+          <p:cNvPr id="2" name="Title 1"/>
+          <p:cNvSpPr>
+            <a:spLocks noGrp="1"/>
+          </p:cNvSpPr>
+          <p:nvPr>
+            <p:ph type="title"/>
+          </p:nvPr>
+        </p:nvSpPr>
+        <p:spPr/>
+        <p:txBody>
+          <a:bodyPr/>
+          <a:lstStyle/>
+          <a:p>
+            <a:r>
+              <a:rPr lang="en-CA" dirty="0"/>
+              <a:t>Animation</a:t>
+            </a:r>
+            <a:endParaRPr lang="en-US" dirty="0"/>
+          </a:p>
+        </p:txBody>
+      </p:sp>
+      <p:sp>
+        <p:nvSpPr>
+          <p:cNvPr id="3" name="Content Placeholder 2"/>
+          <p:cNvSpPr>
+            <a:spLocks noGrp="1"/>
+          </p:cNvSpPr>
+          <p:nvPr>
+            <p:ph idx="1"/>
+          </p:nvPr>
+        </p:nvSpPr>
+        <p:spPr/>
+        <p:txBody>
+          <a:bodyPr/>
+          <a:lstStyle/>
+          <a:p>
+            <a:endParaRPr lang="en-US" dirty="0"/>
+          </a:p>
+        </p:txBody>
+      </p:sp>
+    </p:spTree>
+    <p:extLst>
+      <p:ext uri="{BB962C8B-B14F-4D97-AF65-F5344CB8AC3E}">
+        <p14:creationId xmlns:p14="http://schemas.microsoft.com/office/powerpoint/2010/main" val="3165357449"/>
+      </p:ext>
+    </p:extLst>
+  </p:cSld>
+  <p:clrMapOvr>
+    <a:masterClrMapping/>
+  </p:clrMapOvr>
+</p:sld>
+</file>
+
+<file path=ppt/slides/slide5.xml><?xml version="1.0" encoding="utf-8"?>
+<p:sld xmlns:a="http://schemas.openxmlformats.org/drawingml/2006/main" xmlns:r="http://schemas.openxmlformats.org/officeDocument/2006/relationships" xmlns:p="http://schemas.openxmlformats.org/presentationml/2006/main">
+  <p:cSld>
+    <p:spTree>
+      <p:nvGrpSpPr>
+        <p:cNvPr id="1" name=""/>
+        <p:cNvGrpSpPr/>
+        <p:nvPr/>
+      </p:nvGrpSpPr>
+      <p:grpSpPr>
+        <a:xfrm>
+          <a:off x="0" y="0"/>
+          <a:ext cx="0" cy="0"/>
+          <a:chOff x="0" y="0"/>
+          <a:chExt cx="0" cy="0"/>
+        </a:xfrm>
+      </p:grpSpPr>
+      <p:sp>
+        <p:nvSpPr>
+          <p:cNvPr id="2" name="Title 1"/>
+          <p:cNvSpPr>
+            <a:spLocks noGrp="1"/>
+          </p:cNvSpPr>
+          <p:nvPr>
+            <p:ph type="title"/>
+          </p:nvPr>
+        </p:nvSpPr>
+        <p:spPr/>
+        <p:txBody>
+          <a:bodyPr/>
+          <a:lstStyle/>
+          <a:p>
+            <a:r>
+              <a:rPr lang="en-CA" dirty="0"/>
+              <a:t>The System - IC and VC </a:t>
+            </a:r>
+            <a:endParaRPr lang="en-US" dirty="0"/>
+          </a:p>
+        </p:txBody>
+      </p:sp>
+      <p:sp>
+        <p:nvSpPr>
+          <p:cNvPr id="3" name="Content Placeholder 2"/>
+          <p:cNvSpPr>
+            <a:spLocks noGrp="1"/>
+          </p:cNvSpPr>
+          <p:nvPr>
+            <p:ph idx="1"/>
+          </p:nvPr>
+        </p:nvSpPr>
+        <p:spPr/>
+        <p:txBody>
+          <a:bodyPr/>
+          <a:lstStyle/>
+          <a:p>
+            <a:r>
+              <a:rPr lang="en-CA" dirty="0"/>
+              <a:t>Pictures of each </a:t>
+            </a:r>
+          </a:p>
+          <a:p>
+            <a:r>
+              <a:rPr lang="en-CA" dirty="0"/>
+              <a:t>Description of the components and how they interact</a:t>
+            </a:r>
+          </a:p>
+          <a:p>
+            <a:r>
+              <a:rPr lang="en-CA" dirty="0"/>
+              <a:t>Draw </a:t>
+            </a:r>
+            <a:r>
+              <a:rPr lang="en-CA" dirty="0" err="1"/>
+              <a:t>io</a:t>
+            </a:r>
+            <a:r>
+              <a:rPr lang="en-CA" dirty="0"/>
+              <a:t> picture</a:t>
+            </a:r>
+          </a:p>
+          <a:p>
+            <a:endParaRPr lang="en-US" dirty="0"/>
+          </a:p>
+        </p:txBody>
+      </p:sp>
+    </p:spTree>
+    <p:extLst>
+      <p:ext uri="{BB962C8B-B14F-4D97-AF65-F5344CB8AC3E}">
+        <p14:creationId xmlns:p14="http://schemas.microsoft.com/office/powerpoint/2010/main" val="1626411998"/>
+      </p:ext>
+    </p:extLst>
+  </p:cSld>
+  <p:clrMapOvr>
+    <a:masterClrMapping/>
+  </p:clrMapOvr>
+</p:sld>
+</file>
+
+<file path=ppt/slides/slide6.xml><?xml version="1.0" encoding="utf-8"?>
+<p:sld xmlns:a="http://schemas.openxmlformats.org/drawingml/2006/main" xmlns:r="http://schemas.openxmlformats.org/officeDocument/2006/relationships" xmlns:p="http://schemas.openxmlformats.org/presentationml/2006/main">
+  <p:cSld>
+    <p:spTree>
+      <p:nvGrpSpPr>
+        <p:cNvPr id="1" name=""/>
+        <p:cNvGrpSpPr/>
+        <p:nvPr/>
+      </p:nvGrpSpPr>
+      <p:grpSpPr>
+        <a:xfrm>
+          <a:off x="0" y="0"/>
+          <a:ext cx="0" cy="0"/>
+          <a:chOff x="0" y="0"/>
+          <a:chExt cx="0" cy="0"/>
+        </a:xfrm>
+      </p:grpSpPr>
+      <p:sp>
+        <p:nvSpPr>
+          <p:cNvPr id="2" name="Title 1"/>
+          <p:cNvSpPr>
+            <a:spLocks noGrp="1"/>
+          </p:cNvSpPr>
+          <p:nvPr>
+            <p:ph type="title"/>
+          </p:nvPr>
+        </p:nvSpPr>
+        <p:spPr/>
+        <p:txBody>
+          <a:bodyPr/>
+          <a:lstStyle/>
+          <a:p>
+            <a:r>
+              <a:rPr lang="en-CA" dirty="0"/>
+              <a:t>Vehicle Controller</a:t>
+            </a:r>
+            <a:endParaRPr lang="en-US" dirty="0"/>
+          </a:p>
+        </p:txBody>
+      </p:sp>
+      <p:sp>
+        <p:nvSpPr>
+          <p:cNvPr id="3" name="Content Placeholder 2"/>
+          <p:cNvSpPr>
+            <a:spLocks noGrp="1"/>
+          </p:cNvSpPr>
+          <p:nvPr>
+            <p:ph idx="1"/>
+          </p:nvPr>
+        </p:nvSpPr>
+        <p:spPr/>
+        <p:txBody>
+          <a:bodyPr/>
+          <a:lstStyle/>
+          <a:p>
+            <a:r>
+              <a:rPr lang="en-CA" dirty="0"/>
+              <a:t>How its working</a:t>
+            </a:r>
+          </a:p>
+          <a:p>
+            <a:r>
+              <a:rPr lang="en-CA" dirty="0"/>
+              <a:t>Parts used </a:t>
+            </a:r>
+          </a:p>
+          <a:p>
+            <a:r>
+              <a:rPr lang="en-CA" dirty="0"/>
+              <a:t>OpenCV algorithm</a:t>
+            </a:r>
+          </a:p>
+          <a:p>
+            <a:r>
+              <a:rPr lang="en-CA" dirty="0"/>
+              <a:t>Communication </a:t>
+            </a:r>
+          </a:p>
+          <a:p>
+            <a:r>
+              <a:rPr lang="en-CA" dirty="0"/>
+              <a:t>Data Passing</a:t>
+            </a:r>
+          </a:p>
+          <a:p>
+            <a:pPr marL="0" indent="0">
+              <a:buNone/>
+            </a:pPr>
+            <a:endParaRPr lang="en-US" b="1" dirty="0"/>
+          </a:p>
+        </p:txBody>
+      </p:sp>
+    </p:spTree>
+    <p:extLst>
+      <p:ext uri="{BB962C8B-B14F-4D97-AF65-F5344CB8AC3E}">
+        <p14:creationId xmlns:p14="http://schemas.microsoft.com/office/powerpoint/2010/main" val="3940846537"/>
+      </p:ext>
+    </p:extLst>
+  </p:cSld>
+  <p:clrMapOvr>
+    <a:masterClrMapping/>
+  </p:clrMapOvr>
+</p:sld>
+</file>
+
+<file path=ppt/slides/slide7.xml><?xml version="1.0" encoding="utf-8"?>
+<p:sld xmlns:a="http://schemas.openxmlformats.org/drawingml/2006/main" xmlns:r="http://schemas.openxmlformats.org/officeDocument/2006/relationships" xmlns:p="http://schemas.openxmlformats.org/presentationml/2006/main">
+  <p:cSld>
+    <p:spTree>
+      <p:nvGrpSpPr>
+        <p:cNvPr id="1" name=""/>
+        <p:cNvGrpSpPr/>
+        <p:nvPr/>
+      </p:nvGrpSpPr>
+      <p:grpSpPr>
+        <a:xfrm>
+          <a:off x="0" y="0"/>
+          <a:ext cx="0" cy="0"/>
+          <a:chOff x="0" y="0"/>
+          <a:chExt cx="0" cy="0"/>
+        </a:xfrm>
+      </p:grpSpPr>
+      <p:sp>
+        <p:nvSpPr>
+          <p:cNvPr id="2" name="Title 1"/>
+          <p:cNvSpPr>
+            <a:spLocks noGrp="1"/>
+          </p:cNvSpPr>
+          <p:nvPr>
+            <p:ph type="title"/>
+          </p:nvPr>
+        </p:nvSpPr>
+        <p:spPr/>
+        <p:txBody>
+          <a:bodyPr/>
+          <a:lstStyle/>
+          <a:p>
+            <a:r>
+              <a:rPr lang="en-CA" dirty="0"/>
+              <a:t>Video of car driving</a:t>
+            </a:r>
+            <a:endParaRPr lang="en-US" dirty="0"/>
+          </a:p>
+        </p:txBody>
+      </p:sp>
+      <p:sp>
+        <p:nvSpPr>
+          <p:cNvPr id="3" name="Content Placeholder 2"/>
+          <p:cNvSpPr>
+            <a:spLocks noGrp="1"/>
+          </p:cNvSpPr>
+          <p:nvPr>
+            <p:ph idx="1"/>
+          </p:nvPr>
+        </p:nvSpPr>
+        <p:spPr/>
+        <p:txBody>
+          <a:bodyPr/>
+          <a:lstStyle/>
+          <a:p>
+            <a:endParaRPr lang="en-US"/>
+          </a:p>
+        </p:txBody>
+      </p:sp>
+    </p:spTree>
+    <p:extLst>
+      <p:ext uri="{BB962C8B-B14F-4D97-AF65-F5344CB8AC3E}">
+        <p14:creationId xmlns:p14="http://schemas.microsoft.com/office/powerpoint/2010/main" val="1157409652"/>
+      </p:ext>
+    </p:extLst>
+  </p:cSld>
+  <p:clrMapOvr>
+    <a:masterClrMapping/>
+  </p:clrMapOvr>
+</p:sld>
+</file>
+
+<file path=ppt/slides/slide8.xml><?xml version="1.0" encoding="utf-8"?>
+<p:sld xmlns:a="http://schemas.openxmlformats.org/drawingml/2006/main" xmlns:r="http://schemas.openxmlformats.org/officeDocument/2006/relationships" xmlns:p="http://schemas.openxmlformats.org/presentationml/2006/main">
+  <p:cSld>
+    <p:spTree>
+      <p:nvGrpSpPr>
+        <p:cNvPr id="1" name=""/>
+        <p:cNvGrpSpPr/>
+        <p:nvPr/>
+      </p:nvGrpSpPr>
+      <p:grpSpPr>
+        <a:xfrm>
+          <a:off x="0" y="0"/>
+          <a:ext cx="0" cy="0"/>
+          <a:chOff x="0" y="0"/>
+          <a:chExt cx="0" cy="0"/>
+        </a:xfrm>
+      </p:grpSpPr>
+      <p:sp>
+        <p:nvSpPr>
+          <p:cNvPr id="2" name="Title 1"/>
+          <p:cNvSpPr>
+            <a:spLocks noGrp="1"/>
+          </p:cNvSpPr>
+          <p:nvPr>
+            <p:ph type="title"/>
+          </p:nvPr>
+        </p:nvSpPr>
+        <p:spPr/>
+        <p:txBody>
+          <a:bodyPr/>
+          <a:lstStyle/>
+          <a:p>
+            <a:r>
+              <a:rPr lang="en-CA" dirty="0"/>
+              <a:t>Intersection </a:t>
+            </a:r>
+            <a:r>
+              <a:rPr lang="en-CA" dirty="0" err="1"/>
+              <a:t>COntroller</a:t>
+            </a:r>
+            <a:endParaRPr lang="en-US" dirty="0"/>
+          </a:p>
+        </p:txBody>
+      </p:sp>
+      <p:sp>
+        <p:nvSpPr>
+          <p:cNvPr id="3" name="Content Placeholder 2"/>
+          <p:cNvSpPr>
+            <a:spLocks noGrp="1"/>
+          </p:cNvSpPr>
+          <p:nvPr>
+            <p:ph idx="1"/>
+          </p:nvPr>
+        </p:nvSpPr>
+        <p:spPr/>
+        <p:txBody>
+          <a:bodyPr/>
+          <a:lstStyle/>
+          <a:p>
+            <a:r>
+              <a:rPr lang="en-CA" dirty="0"/>
+              <a:t>Why an IC?</a:t>
+            </a:r>
+          </a:p>
+          <a:p>
+            <a:pPr lvl="1"/>
+            <a:r>
+              <a:rPr lang="en-CA" dirty="0"/>
+              <a:t>Efficient traffic flow </a:t>
+            </a:r>
+          </a:p>
+          <a:p>
+            <a:pPr lvl="1"/>
+            <a:r>
+              <a:rPr lang="en-CA" dirty="0"/>
+              <a:t>Redundancy/redundant systems </a:t>
+            </a:r>
+          </a:p>
+          <a:p>
+            <a:r>
+              <a:rPr lang="en-CA" dirty="0"/>
+              <a:t>How its working</a:t>
+            </a:r>
+          </a:p>
+          <a:p>
+            <a:r>
+              <a:rPr lang="en-CA" dirty="0"/>
+              <a:t>Parts used</a:t>
+            </a:r>
+          </a:p>
+          <a:p>
+            <a:r>
+              <a:rPr lang="en-CA" dirty="0"/>
+              <a:t>Communication</a:t>
+            </a:r>
+          </a:p>
+          <a:p>
+            <a:r>
+              <a:rPr lang="en-CA" dirty="0"/>
+              <a:t>Camera</a:t>
+            </a:r>
+          </a:p>
+          <a:p>
+            <a:endParaRPr lang="en-CA" dirty="0"/>
+          </a:p>
+          <a:p>
+            <a:endParaRPr lang="en-US" dirty="0"/>
+          </a:p>
+        </p:txBody>
+      </p:sp>
+    </p:spTree>
+    <p:extLst>
+      <p:ext uri="{BB962C8B-B14F-4D97-AF65-F5344CB8AC3E}">
+        <p14:creationId xmlns:p14="http://schemas.microsoft.com/office/powerpoint/2010/main" val="3290232183"/>
+      </p:ext>
+    </p:extLst>
+  </p:cSld>
+  <p:clrMapOvr>
+    <a:masterClrMapping/>
+  </p:clrMapOvr>
+</p:sld>
+</file>
+
+<file path=ppt/slides/slide9.xml><?xml version="1.0" encoding="utf-8"?>
+<p:sld xmlns:a="http://schemas.openxmlformats.org/drawingml/2006/main" xmlns:r="http://schemas.openxmlformats.org/officeDocument/2006/relationships" xmlns:p="http://schemas.openxmlformats.org/presentationml/2006/main">
+  <p:cSld>
+    <p:spTree>
+      <p:nvGrpSpPr>
+        <p:cNvPr id="1" name=""/>
+        <p:cNvGrpSpPr/>
+        <p:nvPr/>
+      </p:nvGrpSpPr>
+      <p:grpSpPr>
+        <a:xfrm>
+          <a:off x="0" y="0"/>
+          <a:ext cx="0" cy="0"/>
+          <a:chOff x="0" y="0"/>
+          <a:chExt cx="0" cy="0"/>
+        </a:xfrm>
+      </p:grpSpPr>
+      <p:sp>
+        <p:nvSpPr>
+          <p:cNvPr id="2" name="Title 1"/>
+          <p:cNvSpPr>
+            <a:spLocks noGrp="1"/>
+          </p:cNvSpPr>
+          <p:nvPr>
+            <p:ph type="title"/>
+          </p:nvPr>
+        </p:nvSpPr>
+        <p:spPr/>
+        <p:txBody>
+          <a:bodyPr/>
+          <a:lstStyle/>
+          <a:p>
+            <a:r>
+              <a:rPr lang="en-CA" dirty="0"/>
+              <a:t>Video of IC picking up car going by </a:t>
+            </a:r>
+            <a:endParaRPr lang="en-US" dirty="0"/>
+          </a:p>
+        </p:txBody>
+      </p:sp>
+      <p:sp>
+        <p:nvSpPr>
+          <p:cNvPr id="3" name="Content Placeholder 2"/>
+          <p:cNvSpPr>
+            <a:spLocks noGrp="1"/>
+          </p:cNvSpPr>
+          <p:nvPr>
+            <p:ph idx="1"/>
+          </p:nvPr>
+        </p:nvSpPr>
+        <p:spPr/>
+        <p:txBody>
+          <a:bodyPr/>
+          <a:lstStyle/>
+          <a:p>
+            <a:pPr marL="0" indent="0">
+              <a:buNone/>
+            </a:pPr>
+            <a:endParaRPr lang="en-CA" dirty="0"/>
+          </a:p>
+          <a:p>
+            <a:endParaRPr lang="en-US" dirty="0"/>
+          </a:p>
+        </p:txBody>
+      </p:sp>
+    </p:spTree>
+    <p:extLst>
+      <p:ext uri="{BB962C8B-B14F-4D97-AF65-F5344CB8AC3E}">
+        <p14:creationId xmlns:p14="http://schemas.microsoft.com/office/powerpoint/2010/main" val="455302734"/>
+      </p:ext>
+    </p:extLst>
+  </p:cSld>
+  <p:clrMapOvr>
+    <a:masterClrMapping/>
+  </p:clrMapOvr>
 </p:sld>
 </file>
 

--- a/Presentation/Vehicle Intersection Control Presentation.pptx
+++ b/Presentation/Vehicle Intersection Control Presentation.pptx
@@ -16951,6 +16951,14 @@
 <file path=ppt/slides/slide5.xml><?xml version="1.0" encoding="utf-8"?>
 <p:sld xmlns:a="http://schemas.openxmlformats.org/drawingml/2006/main" xmlns:r="http://schemas.openxmlformats.org/officeDocument/2006/relationships" xmlns:p="http://schemas.openxmlformats.org/presentationml/2006/main">
   <p:cSld>
+    <p:bg>
+      <p:bgPr>
+        <a:solidFill>
+          <a:srgbClr val="F3F3F2"/>
+        </a:solidFill>
+        <a:effectLst/>
+      </p:bgPr>
+    </p:bg>
     <p:spTree>
       <p:nvGrpSpPr>
         <p:cNvPr id="1" name=""/>
@@ -16965,6 +16973,1415 @@
           <a:chExt cx="0" cy="0"/>
         </a:xfrm>
       </p:grpSpPr>
+      <p:sp useBgFill="1">
+        <p:nvSpPr>
+          <p:cNvPr id="8" name="Rectangle 7"/>
+          <p:cNvSpPr>
+            <a:spLocks noGrp="1" noRot="1" noChangeAspect="1" noMove="1" noResize="1" noEditPoints="1" noAdjustHandles="1" noChangeArrowheads="1" noChangeShapeType="1" noTextEdit="1"/>
+          </p:cNvSpPr>
+          <p:nvPr>
+            <p:extLst>
+              <p:ext uri="{386F3935-93C4-4BCD-93E2-E3B085C9AB24}">
+                <p16:designElem xmlns:p16="http://schemas.microsoft.com/office/powerpoint/2015/main" val="1"/>
+              </p:ext>
+            </p:extLst>
+          </p:nvPr>
+        </p:nvSpPr>
+        <p:spPr bwMode="white">
+          <a:xfrm>
+            <a:off x="0" y="0"/>
+            <a:ext cx="12192000" cy="6858000"/>
+          </a:xfrm>
+          <a:prstGeom prst="rect">
+            <a:avLst/>
+          </a:prstGeom>
+          <a:ln>
+            <a:noFill/>
+          </a:ln>
+        </p:spPr>
+        <p:style>
+          <a:lnRef idx="2">
+            <a:schemeClr val="accent1">
+              <a:shade val="50000"/>
+            </a:schemeClr>
+          </a:lnRef>
+          <a:fillRef idx="1">
+            <a:schemeClr val="accent1"/>
+          </a:fillRef>
+          <a:effectRef idx="0">
+            <a:schemeClr val="accent1"/>
+          </a:effectRef>
+          <a:fontRef idx="minor">
+            <a:schemeClr val="lt1"/>
+          </a:fontRef>
+        </p:style>
+        <p:txBody>
+          <a:bodyPr rot="0" spcFirstLastPara="0" vert="horz" wrap="square" lIns="91440" tIns="45720" rIns="91440" bIns="45720" numCol="1" spcCol="0" rtlCol="0" fromWordArt="0" anchor="ctr" anchorCtr="0" forceAA="0" compatLnSpc="1">
+            <a:prstTxWarp prst="textNoShape">
+              <a:avLst/>
+            </a:prstTxWarp>
+            <a:noAutofit/>
+          </a:bodyPr>
+          <a:lstStyle>
+            <a:defPPr>
+              <a:defRPr lang="en-US"/>
+            </a:defPPr>
+            <a:lvl1pPr marL="0" algn="l" defTabSz="914400" rtl="0" eaLnBrk="1" latinLnBrk="0" hangingPunct="1">
+              <a:defRPr sz="1800" kern="1200">
+                <a:solidFill>
+                  <a:schemeClr val="lt1"/>
+                </a:solidFill>
+                <a:latin typeface="+mn-lt"/>
+                <a:ea typeface="+mn-ea"/>
+                <a:cs typeface="+mn-cs"/>
+              </a:defRPr>
+            </a:lvl1pPr>
+            <a:lvl2pPr marL="457200" algn="l" defTabSz="914400" rtl="0" eaLnBrk="1" latinLnBrk="0" hangingPunct="1">
+              <a:defRPr sz="1800" kern="1200">
+                <a:solidFill>
+                  <a:schemeClr val="lt1"/>
+                </a:solidFill>
+                <a:latin typeface="+mn-lt"/>
+                <a:ea typeface="+mn-ea"/>
+                <a:cs typeface="+mn-cs"/>
+              </a:defRPr>
+            </a:lvl2pPr>
+            <a:lvl3pPr marL="914400" algn="l" defTabSz="914400" rtl="0" eaLnBrk="1" latinLnBrk="0" hangingPunct="1">
+              <a:defRPr sz="1800" kern="1200">
+                <a:solidFill>
+                  <a:schemeClr val="lt1"/>
+                </a:solidFill>
+                <a:latin typeface="+mn-lt"/>
+                <a:ea typeface="+mn-ea"/>
+                <a:cs typeface="+mn-cs"/>
+              </a:defRPr>
+            </a:lvl3pPr>
+            <a:lvl4pPr marL="1371600" algn="l" defTabSz="914400" rtl="0" eaLnBrk="1" latinLnBrk="0" hangingPunct="1">
+              <a:defRPr sz="1800" kern="1200">
+                <a:solidFill>
+                  <a:schemeClr val="lt1"/>
+                </a:solidFill>
+                <a:latin typeface="+mn-lt"/>
+                <a:ea typeface="+mn-ea"/>
+                <a:cs typeface="+mn-cs"/>
+              </a:defRPr>
+            </a:lvl4pPr>
+            <a:lvl5pPr marL="1828800" algn="l" defTabSz="914400" rtl="0" eaLnBrk="1" latinLnBrk="0" hangingPunct="1">
+              <a:defRPr sz="1800" kern="1200">
+                <a:solidFill>
+                  <a:schemeClr val="lt1"/>
+                </a:solidFill>
+                <a:latin typeface="+mn-lt"/>
+                <a:ea typeface="+mn-ea"/>
+                <a:cs typeface="+mn-cs"/>
+              </a:defRPr>
+            </a:lvl5pPr>
+            <a:lvl6pPr marL="2286000" algn="l" defTabSz="914400" rtl="0" eaLnBrk="1" latinLnBrk="0" hangingPunct="1">
+              <a:defRPr sz="1800" kern="1200">
+                <a:solidFill>
+                  <a:schemeClr val="lt1"/>
+                </a:solidFill>
+                <a:latin typeface="+mn-lt"/>
+                <a:ea typeface="+mn-ea"/>
+                <a:cs typeface="+mn-cs"/>
+              </a:defRPr>
+            </a:lvl6pPr>
+            <a:lvl7pPr marL="2743200" algn="l" defTabSz="914400" rtl="0" eaLnBrk="1" latinLnBrk="0" hangingPunct="1">
+              <a:defRPr sz="1800" kern="1200">
+                <a:solidFill>
+                  <a:schemeClr val="lt1"/>
+                </a:solidFill>
+                <a:latin typeface="+mn-lt"/>
+                <a:ea typeface="+mn-ea"/>
+                <a:cs typeface="+mn-cs"/>
+              </a:defRPr>
+            </a:lvl7pPr>
+            <a:lvl8pPr marL="3200400" algn="l" defTabSz="914400" rtl="0" eaLnBrk="1" latinLnBrk="0" hangingPunct="1">
+              <a:defRPr sz="1800" kern="1200">
+                <a:solidFill>
+                  <a:schemeClr val="lt1"/>
+                </a:solidFill>
+                <a:latin typeface="+mn-lt"/>
+                <a:ea typeface="+mn-ea"/>
+                <a:cs typeface="+mn-cs"/>
+              </a:defRPr>
+            </a:lvl8pPr>
+            <a:lvl9pPr marL="3657600" algn="l" defTabSz="914400" rtl="0" eaLnBrk="1" latinLnBrk="0" hangingPunct="1">
+              <a:defRPr sz="1800" kern="1200">
+                <a:solidFill>
+                  <a:schemeClr val="lt1"/>
+                </a:solidFill>
+                <a:latin typeface="+mn-lt"/>
+                <a:ea typeface="+mn-ea"/>
+                <a:cs typeface="+mn-cs"/>
+              </a:defRPr>
+            </a:lvl9pPr>
+          </a:lstStyle>
+          <a:p>
+            <a:pPr algn="ctr"/>
+            <a:endParaRPr lang="en-US"/>
+          </a:p>
+        </p:txBody>
+      </p:sp>
+      <p:sp>
+        <p:nvSpPr>
+          <p:cNvPr id="10" name="Freeform 10" title="right scallop background shape"/>
+          <p:cNvSpPr>
+            <a:spLocks noGrp="1" noRot="1" noChangeAspect="1" noMove="1" noResize="1" noEditPoints="1" noAdjustHandles="1" noChangeArrowheads="1" noChangeShapeType="1" noTextEdit="1"/>
+          </p:cNvSpPr>
+          <p:nvPr>
+            <p:extLst>
+              <p:ext uri="{386F3935-93C4-4BCD-93E2-E3B085C9AB24}">
+                <p16:designElem xmlns:p16="http://schemas.microsoft.com/office/powerpoint/2015/main" val="1"/>
+              </p:ext>
+            </p:extLst>
+          </p:nvPr>
+        </p:nvSpPr>
+        <p:spPr bwMode="ltGray">
+          <a:xfrm>
+            <a:off x="0" y="0"/>
+            <a:ext cx="7569200" cy="6858000"/>
+          </a:xfrm>
+          <a:custGeom>
+            <a:avLst/>
+            <a:gdLst>
+              <a:gd name="connsiteX0" fmla="*/ 0 w 7569200"/>
+              <a:gd name="connsiteY0" fmla="*/ 0 h 6858000"/>
+              <a:gd name="connsiteX1" fmla="*/ 7389812 w 7569200"/>
+              <a:gd name="connsiteY1" fmla="*/ 0 h 6858000"/>
+              <a:gd name="connsiteX2" fmla="*/ 7394575 w 7569200"/>
+              <a:gd name="connsiteY2" fmla="*/ 66675 h 6858000"/>
+              <a:gd name="connsiteX3" fmla="*/ 7402512 w 7569200"/>
+              <a:gd name="connsiteY3" fmla="*/ 122237 h 6858000"/>
+              <a:gd name="connsiteX4" fmla="*/ 7412037 w 7569200"/>
+              <a:gd name="connsiteY4" fmla="*/ 174625 h 6858000"/>
+              <a:gd name="connsiteX5" fmla="*/ 7427912 w 7569200"/>
+              <a:gd name="connsiteY5" fmla="*/ 217487 h 6858000"/>
+              <a:gd name="connsiteX6" fmla="*/ 7443787 w 7569200"/>
+              <a:gd name="connsiteY6" fmla="*/ 260350 h 6858000"/>
+              <a:gd name="connsiteX7" fmla="*/ 7462837 w 7569200"/>
+              <a:gd name="connsiteY7" fmla="*/ 296862 h 6858000"/>
+              <a:gd name="connsiteX8" fmla="*/ 7481887 w 7569200"/>
+              <a:gd name="connsiteY8" fmla="*/ 334962 h 6858000"/>
+              <a:gd name="connsiteX9" fmla="*/ 7499350 w 7569200"/>
+              <a:gd name="connsiteY9" fmla="*/ 369887 h 6858000"/>
+              <a:gd name="connsiteX10" fmla="*/ 7516812 w 7569200"/>
+              <a:gd name="connsiteY10" fmla="*/ 409575 h 6858000"/>
+              <a:gd name="connsiteX11" fmla="*/ 7532687 w 7569200"/>
+              <a:gd name="connsiteY11" fmla="*/ 450850 h 6858000"/>
+              <a:gd name="connsiteX12" fmla="*/ 7546975 w 7569200"/>
+              <a:gd name="connsiteY12" fmla="*/ 496887 h 6858000"/>
+              <a:gd name="connsiteX13" fmla="*/ 7558087 w 7569200"/>
+              <a:gd name="connsiteY13" fmla="*/ 546100 h 6858000"/>
+              <a:gd name="connsiteX14" fmla="*/ 7566025 w 7569200"/>
+              <a:gd name="connsiteY14" fmla="*/ 606425 h 6858000"/>
+              <a:gd name="connsiteX15" fmla="*/ 7569200 w 7569200"/>
+              <a:gd name="connsiteY15" fmla="*/ 673100 h 6858000"/>
+              <a:gd name="connsiteX16" fmla="*/ 7566025 w 7569200"/>
+              <a:gd name="connsiteY16" fmla="*/ 744537 h 6858000"/>
+              <a:gd name="connsiteX17" fmla="*/ 7558087 w 7569200"/>
+              <a:gd name="connsiteY17" fmla="*/ 801687 h 6858000"/>
+              <a:gd name="connsiteX18" fmla="*/ 7546975 w 7569200"/>
+              <a:gd name="connsiteY18" fmla="*/ 854075 h 6858000"/>
+              <a:gd name="connsiteX19" fmla="*/ 7532687 w 7569200"/>
+              <a:gd name="connsiteY19" fmla="*/ 901700 h 6858000"/>
+              <a:gd name="connsiteX20" fmla="*/ 7516812 w 7569200"/>
+              <a:gd name="connsiteY20" fmla="*/ 942975 h 6858000"/>
+              <a:gd name="connsiteX21" fmla="*/ 7497762 w 7569200"/>
+              <a:gd name="connsiteY21" fmla="*/ 981075 h 6858000"/>
+              <a:gd name="connsiteX22" fmla="*/ 7478712 w 7569200"/>
+              <a:gd name="connsiteY22" fmla="*/ 1017587 h 6858000"/>
+              <a:gd name="connsiteX23" fmla="*/ 7459662 w 7569200"/>
+              <a:gd name="connsiteY23" fmla="*/ 1055687 h 6858000"/>
+              <a:gd name="connsiteX24" fmla="*/ 7442200 w 7569200"/>
+              <a:gd name="connsiteY24" fmla="*/ 1095375 h 6858000"/>
+              <a:gd name="connsiteX25" fmla="*/ 7424737 w 7569200"/>
+              <a:gd name="connsiteY25" fmla="*/ 1136650 h 6858000"/>
+              <a:gd name="connsiteX26" fmla="*/ 7410450 w 7569200"/>
+              <a:gd name="connsiteY26" fmla="*/ 1182687 h 6858000"/>
+              <a:gd name="connsiteX27" fmla="*/ 7400925 w 7569200"/>
+              <a:gd name="connsiteY27" fmla="*/ 1235075 h 6858000"/>
+              <a:gd name="connsiteX28" fmla="*/ 7391400 w 7569200"/>
+              <a:gd name="connsiteY28" fmla="*/ 1295400 h 6858000"/>
+              <a:gd name="connsiteX29" fmla="*/ 7389812 w 7569200"/>
+              <a:gd name="connsiteY29" fmla="*/ 1363662 h 6858000"/>
+              <a:gd name="connsiteX30" fmla="*/ 7391400 w 7569200"/>
+              <a:gd name="connsiteY30" fmla="*/ 1431925 h 6858000"/>
+              <a:gd name="connsiteX31" fmla="*/ 7400925 w 7569200"/>
+              <a:gd name="connsiteY31" fmla="*/ 1492250 h 6858000"/>
+              <a:gd name="connsiteX32" fmla="*/ 7410450 w 7569200"/>
+              <a:gd name="connsiteY32" fmla="*/ 1544637 h 6858000"/>
+              <a:gd name="connsiteX33" fmla="*/ 7424737 w 7569200"/>
+              <a:gd name="connsiteY33" fmla="*/ 1589087 h 6858000"/>
+              <a:gd name="connsiteX34" fmla="*/ 7442200 w 7569200"/>
+              <a:gd name="connsiteY34" fmla="*/ 1631950 h 6858000"/>
+              <a:gd name="connsiteX35" fmla="*/ 7459662 w 7569200"/>
+              <a:gd name="connsiteY35" fmla="*/ 1671637 h 6858000"/>
+              <a:gd name="connsiteX36" fmla="*/ 7478712 w 7569200"/>
+              <a:gd name="connsiteY36" fmla="*/ 1708150 h 6858000"/>
+              <a:gd name="connsiteX37" fmla="*/ 7497762 w 7569200"/>
+              <a:gd name="connsiteY37" fmla="*/ 1743075 h 6858000"/>
+              <a:gd name="connsiteX38" fmla="*/ 7516812 w 7569200"/>
+              <a:gd name="connsiteY38" fmla="*/ 1782762 h 6858000"/>
+              <a:gd name="connsiteX39" fmla="*/ 7532687 w 7569200"/>
+              <a:gd name="connsiteY39" fmla="*/ 1824037 h 6858000"/>
+              <a:gd name="connsiteX40" fmla="*/ 7546975 w 7569200"/>
+              <a:gd name="connsiteY40" fmla="*/ 1870075 h 6858000"/>
+              <a:gd name="connsiteX41" fmla="*/ 7558087 w 7569200"/>
+              <a:gd name="connsiteY41" fmla="*/ 1922462 h 6858000"/>
+              <a:gd name="connsiteX42" fmla="*/ 7566025 w 7569200"/>
+              <a:gd name="connsiteY42" fmla="*/ 1982787 h 6858000"/>
+              <a:gd name="connsiteX43" fmla="*/ 7569200 w 7569200"/>
+              <a:gd name="connsiteY43" fmla="*/ 2051050 h 6858000"/>
+              <a:gd name="connsiteX44" fmla="*/ 7566025 w 7569200"/>
+              <a:gd name="connsiteY44" fmla="*/ 2119312 h 6858000"/>
+              <a:gd name="connsiteX45" fmla="*/ 7558087 w 7569200"/>
+              <a:gd name="connsiteY45" fmla="*/ 2179637 h 6858000"/>
+              <a:gd name="connsiteX46" fmla="*/ 7546975 w 7569200"/>
+              <a:gd name="connsiteY46" fmla="*/ 2232025 h 6858000"/>
+              <a:gd name="connsiteX47" fmla="*/ 7532687 w 7569200"/>
+              <a:gd name="connsiteY47" fmla="*/ 2278062 h 6858000"/>
+              <a:gd name="connsiteX48" fmla="*/ 7516812 w 7569200"/>
+              <a:gd name="connsiteY48" fmla="*/ 2319337 h 6858000"/>
+              <a:gd name="connsiteX49" fmla="*/ 7497762 w 7569200"/>
+              <a:gd name="connsiteY49" fmla="*/ 2359025 h 6858000"/>
+              <a:gd name="connsiteX50" fmla="*/ 7478712 w 7569200"/>
+              <a:gd name="connsiteY50" fmla="*/ 2395537 h 6858000"/>
+              <a:gd name="connsiteX51" fmla="*/ 7459662 w 7569200"/>
+              <a:gd name="connsiteY51" fmla="*/ 2433637 h 6858000"/>
+              <a:gd name="connsiteX52" fmla="*/ 7442200 w 7569200"/>
+              <a:gd name="connsiteY52" fmla="*/ 2471737 h 6858000"/>
+              <a:gd name="connsiteX53" fmla="*/ 7424737 w 7569200"/>
+              <a:gd name="connsiteY53" fmla="*/ 2513012 h 6858000"/>
+              <a:gd name="connsiteX54" fmla="*/ 7410450 w 7569200"/>
+              <a:gd name="connsiteY54" fmla="*/ 2560637 h 6858000"/>
+              <a:gd name="connsiteX55" fmla="*/ 7400925 w 7569200"/>
+              <a:gd name="connsiteY55" fmla="*/ 2613025 h 6858000"/>
+              <a:gd name="connsiteX56" fmla="*/ 7391400 w 7569200"/>
+              <a:gd name="connsiteY56" fmla="*/ 2671762 h 6858000"/>
+              <a:gd name="connsiteX57" fmla="*/ 7389812 w 7569200"/>
+              <a:gd name="connsiteY57" fmla="*/ 2741612 h 6858000"/>
+              <a:gd name="connsiteX58" fmla="*/ 7391400 w 7569200"/>
+              <a:gd name="connsiteY58" fmla="*/ 2809875 h 6858000"/>
+              <a:gd name="connsiteX59" fmla="*/ 7400925 w 7569200"/>
+              <a:gd name="connsiteY59" fmla="*/ 2868612 h 6858000"/>
+              <a:gd name="connsiteX60" fmla="*/ 7410450 w 7569200"/>
+              <a:gd name="connsiteY60" fmla="*/ 2922587 h 6858000"/>
+              <a:gd name="connsiteX61" fmla="*/ 7424737 w 7569200"/>
+              <a:gd name="connsiteY61" fmla="*/ 2967037 h 6858000"/>
+              <a:gd name="connsiteX62" fmla="*/ 7442200 w 7569200"/>
+              <a:gd name="connsiteY62" fmla="*/ 3009900 h 6858000"/>
+              <a:gd name="connsiteX63" fmla="*/ 7459662 w 7569200"/>
+              <a:gd name="connsiteY63" fmla="*/ 3046412 h 6858000"/>
+              <a:gd name="connsiteX64" fmla="*/ 7478712 w 7569200"/>
+              <a:gd name="connsiteY64" fmla="*/ 3084512 h 6858000"/>
+              <a:gd name="connsiteX65" fmla="*/ 7497762 w 7569200"/>
+              <a:gd name="connsiteY65" fmla="*/ 3121025 h 6858000"/>
+              <a:gd name="connsiteX66" fmla="*/ 7516812 w 7569200"/>
+              <a:gd name="connsiteY66" fmla="*/ 3160712 h 6858000"/>
+              <a:gd name="connsiteX67" fmla="*/ 7532687 w 7569200"/>
+              <a:gd name="connsiteY67" fmla="*/ 3201987 h 6858000"/>
+              <a:gd name="connsiteX68" fmla="*/ 7546975 w 7569200"/>
+              <a:gd name="connsiteY68" fmla="*/ 3248025 h 6858000"/>
+              <a:gd name="connsiteX69" fmla="*/ 7558087 w 7569200"/>
+              <a:gd name="connsiteY69" fmla="*/ 3300412 h 6858000"/>
+              <a:gd name="connsiteX70" fmla="*/ 7566025 w 7569200"/>
+              <a:gd name="connsiteY70" fmla="*/ 3360737 h 6858000"/>
+              <a:gd name="connsiteX71" fmla="*/ 7569200 w 7569200"/>
+              <a:gd name="connsiteY71" fmla="*/ 3427412 h 6858000"/>
+              <a:gd name="connsiteX72" fmla="*/ 7566025 w 7569200"/>
+              <a:gd name="connsiteY72" fmla="*/ 3497262 h 6858000"/>
+              <a:gd name="connsiteX73" fmla="*/ 7558087 w 7569200"/>
+              <a:gd name="connsiteY73" fmla="*/ 3557587 h 6858000"/>
+              <a:gd name="connsiteX74" fmla="*/ 7546975 w 7569200"/>
+              <a:gd name="connsiteY74" fmla="*/ 3609975 h 6858000"/>
+              <a:gd name="connsiteX75" fmla="*/ 7532687 w 7569200"/>
+              <a:gd name="connsiteY75" fmla="*/ 3656012 h 6858000"/>
+              <a:gd name="connsiteX76" fmla="*/ 7516812 w 7569200"/>
+              <a:gd name="connsiteY76" fmla="*/ 3697287 h 6858000"/>
+              <a:gd name="connsiteX77" fmla="*/ 7497762 w 7569200"/>
+              <a:gd name="connsiteY77" fmla="*/ 3736975 h 6858000"/>
+              <a:gd name="connsiteX78" fmla="*/ 7459662 w 7569200"/>
+              <a:gd name="connsiteY78" fmla="*/ 3811587 h 6858000"/>
+              <a:gd name="connsiteX79" fmla="*/ 7442200 w 7569200"/>
+              <a:gd name="connsiteY79" fmla="*/ 3848100 h 6858000"/>
+              <a:gd name="connsiteX80" fmla="*/ 7424737 w 7569200"/>
+              <a:gd name="connsiteY80" fmla="*/ 3890962 h 6858000"/>
+              <a:gd name="connsiteX81" fmla="*/ 7410450 w 7569200"/>
+              <a:gd name="connsiteY81" fmla="*/ 3935412 h 6858000"/>
+              <a:gd name="connsiteX82" fmla="*/ 7400925 w 7569200"/>
+              <a:gd name="connsiteY82" fmla="*/ 3987800 h 6858000"/>
+              <a:gd name="connsiteX83" fmla="*/ 7391400 w 7569200"/>
+              <a:gd name="connsiteY83" fmla="*/ 4048125 h 6858000"/>
+              <a:gd name="connsiteX84" fmla="*/ 7389812 w 7569200"/>
+              <a:gd name="connsiteY84" fmla="*/ 4116387 h 6858000"/>
+              <a:gd name="connsiteX85" fmla="*/ 7391400 w 7569200"/>
+              <a:gd name="connsiteY85" fmla="*/ 4186237 h 6858000"/>
+              <a:gd name="connsiteX86" fmla="*/ 7400925 w 7569200"/>
+              <a:gd name="connsiteY86" fmla="*/ 4244975 h 6858000"/>
+              <a:gd name="connsiteX87" fmla="*/ 7410450 w 7569200"/>
+              <a:gd name="connsiteY87" fmla="*/ 4297362 h 6858000"/>
+              <a:gd name="connsiteX88" fmla="*/ 7424737 w 7569200"/>
+              <a:gd name="connsiteY88" fmla="*/ 4343400 h 6858000"/>
+              <a:gd name="connsiteX89" fmla="*/ 7442200 w 7569200"/>
+              <a:gd name="connsiteY89" fmla="*/ 4386262 h 6858000"/>
+              <a:gd name="connsiteX90" fmla="*/ 7459662 w 7569200"/>
+              <a:gd name="connsiteY90" fmla="*/ 4424362 h 6858000"/>
+              <a:gd name="connsiteX91" fmla="*/ 7497762 w 7569200"/>
+              <a:gd name="connsiteY91" fmla="*/ 4498975 h 6858000"/>
+              <a:gd name="connsiteX92" fmla="*/ 7516812 w 7569200"/>
+              <a:gd name="connsiteY92" fmla="*/ 4537075 h 6858000"/>
+              <a:gd name="connsiteX93" fmla="*/ 7532687 w 7569200"/>
+              <a:gd name="connsiteY93" fmla="*/ 4579937 h 6858000"/>
+              <a:gd name="connsiteX94" fmla="*/ 7546975 w 7569200"/>
+              <a:gd name="connsiteY94" fmla="*/ 4625975 h 6858000"/>
+              <a:gd name="connsiteX95" fmla="*/ 7558087 w 7569200"/>
+              <a:gd name="connsiteY95" fmla="*/ 4678362 h 6858000"/>
+              <a:gd name="connsiteX96" fmla="*/ 7566025 w 7569200"/>
+              <a:gd name="connsiteY96" fmla="*/ 4738687 h 6858000"/>
+              <a:gd name="connsiteX97" fmla="*/ 7569200 w 7569200"/>
+              <a:gd name="connsiteY97" fmla="*/ 4806950 h 6858000"/>
+              <a:gd name="connsiteX98" fmla="*/ 7566025 w 7569200"/>
+              <a:gd name="connsiteY98" fmla="*/ 4875212 h 6858000"/>
+              <a:gd name="connsiteX99" fmla="*/ 7558087 w 7569200"/>
+              <a:gd name="connsiteY99" fmla="*/ 4935537 h 6858000"/>
+              <a:gd name="connsiteX100" fmla="*/ 7546975 w 7569200"/>
+              <a:gd name="connsiteY100" fmla="*/ 4987925 h 6858000"/>
+              <a:gd name="connsiteX101" fmla="*/ 7532687 w 7569200"/>
+              <a:gd name="connsiteY101" fmla="*/ 5033962 h 6858000"/>
+              <a:gd name="connsiteX102" fmla="*/ 7516812 w 7569200"/>
+              <a:gd name="connsiteY102" fmla="*/ 5075237 h 6858000"/>
+              <a:gd name="connsiteX103" fmla="*/ 7497762 w 7569200"/>
+              <a:gd name="connsiteY103" fmla="*/ 5114925 h 6858000"/>
+              <a:gd name="connsiteX104" fmla="*/ 7478712 w 7569200"/>
+              <a:gd name="connsiteY104" fmla="*/ 5149850 h 6858000"/>
+              <a:gd name="connsiteX105" fmla="*/ 7459662 w 7569200"/>
+              <a:gd name="connsiteY105" fmla="*/ 5186362 h 6858000"/>
+              <a:gd name="connsiteX106" fmla="*/ 7442200 w 7569200"/>
+              <a:gd name="connsiteY106" fmla="*/ 5226050 h 6858000"/>
+              <a:gd name="connsiteX107" fmla="*/ 7424737 w 7569200"/>
+              <a:gd name="connsiteY107" fmla="*/ 5268912 h 6858000"/>
+              <a:gd name="connsiteX108" fmla="*/ 7410450 w 7569200"/>
+              <a:gd name="connsiteY108" fmla="*/ 5313362 h 6858000"/>
+              <a:gd name="connsiteX109" fmla="*/ 7400925 w 7569200"/>
+              <a:gd name="connsiteY109" fmla="*/ 5365750 h 6858000"/>
+              <a:gd name="connsiteX110" fmla="*/ 7391400 w 7569200"/>
+              <a:gd name="connsiteY110" fmla="*/ 5426075 h 6858000"/>
+              <a:gd name="connsiteX111" fmla="*/ 7389812 w 7569200"/>
+              <a:gd name="connsiteY111" fmla="*/ 5494337 h 6858000"/>
+              <a:gd name="connsiteX112" fmla="*/ 7391400 w 7569200"/>
+              <a:gd name="connsiteY112" fmla="*/ 5562600 h 6858000"/>
+              <a:gd name="connsiteX113" fmla="*/ 7400925 w 7569200"/>
+              <a:gd name="connsiteY113" fmla="*/ 5622925 h 6858000"/>
+              <a:gd name="connsiteX114" fmla="*/ 7410450 w 7569200"/>
+              <a:gd name="connsiteY114" fmla="*/ 5675312 h 6858000"/>
+              <a:gd name="connsiteX115" fmla="*/ 7424737 w 7569200"/>
+              <a:gd name="connsiteY115" fmla="*/ 5721350 h 6858000"/>
+              <a:gd name="connsiteX116" fmla="*/ 7442200 w 7569200"/>
+              <a:gd name="connsiteY116" fmla="*/ 5762625 h 6858000"/>
+              <a:gd name="connsiteX117" fmla="*/ 7459662 w 7569200"/>
+              <a:gd name="connsiteY117" fmla="*/ 5802312 h 6858000"/>
+              <a:gd name="connsiteX118" fmla="*/ 7478712 w 7569200"/>
+              <a:gd name="connsiteY118" fmla="*/ 5840412 h 6858000"/>
+              <a:gd name="connsiteX119" fmla="*/ 7497762 w 7569200"/>
+              <a:gd name="connsiteY119" fmla="*/ 5876925 h 6858000"/>
+              <a:gd name="connsiteX120" fmla="*/ 7516812 w 7569200"/>
+              <a:gd name="connsiteY120" fmla="*/ 5915025 h 6858000"/>
+              <a:gd name="connsiteX121" fmla="*/ 7532687 w 7569200"/>
+              <a:gd name="connsiteY121" fmla="*/ 5956300 h 6858000"/>
+              <a:gd name="connsiteX122" fmla="*/ 7546975 w 7569200"/>
+              <a:gd name="connsiteY122" fmla="*/ 6003925 h 6858000"/>
+              <a:gd name="connsiteX123" fmla="*/ 7558087 w 7569200"/>
+              <a:gd name="connsiteY123" fmla="*/ 6056312 h 6858000"/>
+              <a:gd name="connsiteX124" fmla="*/ 7566025 w 7569200"/>
+              <a:gd name="connsiteY124" fmla="*/ 6113462 h 6858000"/>
+              <a:gd name="connsiteX125" fmla="*/ 7569200 w 7569200"/>
+              <a:gd name="connsiteY125" fmla="*/ 6183312 h 6858000"/>
+              <a:gd name="connsiteX126" fmla="*/ 7566025 w 7569200"/>
+              <a:gd name="connsiteY126" fmla="*/ 6251575 h 6858000"/>
+              <a:gd name="connsiteX127" fmla="*/ 7558087 w 7569200"/>
+              <a:gd name="connsiteY127" fmla="*/ 6311900 h 6858000"/>
+              <a:gd name="connsiteX128" fmla="*/ 7546975 w 7569200"/>
+              <a:gd name="connsiteY128" fmla="*/ 6361112 h 6858000"/>
+              <a:gd name="connsiteX129" fmla="*/ 7532687 w 7569200"/>
+              <a:gd name="connsiteY129" fmla="*/ 6407150 h 6858000"/>
+              <a:gd name="connsiteX130" fmla="*/ 7516812 w 7569200"/>
+              <a:gd name="connsiteY130" fmla="*/ 6448425 h 6858000"/>
+              <a:gd name="connsiteX131" fmla="*/ 7499350 w 7569200"/>
+              <a:gd name="connsiteY131" fmla="*/ 6488112 h 6858000"/>
+              <a:gd name="connsiteX132" fmla="*/ 7481887 w 7569200"/>
+              <a:gd name="connsiteY132" fmla="*/ 6523037 h 6858000"/>
+              <a:gd name="connsiteX133" fmla="*/ 7462837 w 7569200"/>
+              <a:gd name="connsiteY133" fmla="*/ 6561137 h 6858000"/>
+              <a:gd name="connsiteX134" fmla="*/ 7443787 w 7569200"/>
+              <a:gd name="connsiteY134" fmla="*/ 6597650 h 6858000"/>
+              <a:gd name="connsiteX135" fmla="*/ 7427912 w 7569200"/>
+              <a:gd name="connsiteY135" fmla="*/ 6640512 h 6858000"/>
+              <a:gd name="connsiteX136" fmla="*/ 7412037 w 7569200"/>
+              <a:gd name="connsiteY136" fmla="*/ 6683375 h 6858000"/>
+              <a:gd name="connsiteX137" fmla="*/ 7402512 w 7569200"/>
+              <a:gd name="connsiteY137" fmla="*/ 6735762 h 6858000"/>
+              <a:gd name="connsiteX138" fmla="*/ 7394575 w 7569200"/>
+              <a:gd name="connsiteY138" fmla="*/ 6791325 h 6858000"/>
+              <a:gd name="connsiteX139" fmla="*/ 7389812 w 7569200"/>
+              <a:gd name="connsiteY139" fmla="*/ 6858000 h 6858000"/>
+              <a:gd name="connsiteX140" fmla="*/ 0 w 7569200"/>
+              <a:gd name="connsiteY140" fmla="*/ 6858000 h 6858000"/>
+              <a:gd name="connsiteX141" fmla="*/ 0 w 7569200"/>
+              <a:gd name="connsiteY141" fmla="*/ 0 h 6858000"/>
+            </a:gdLst>
+            <a:ahLst/>
+            <a:cxnLst>
+              <a:cxn ang="0">
+                <a:pos x="connsiteX0" y="connsiteY0"/>
+              </a:cxn>
+              <a:cxn ang="0">
+                <a:pos x="connsiteX1" y="connsiteY1"/>
+              </a:cxn>
+              <a:cxn ang="0">
+                <a:pos x="connsiteX2" y="connsiteY2"/>
+              </a:cxn>
+              <a:cxn ang="0">
+                <a:pos x="connsiteX3" y="connsiteY3"/>
+              </a:cxn>
+              <a:cxn ang="0">
+                <a:pos x="connsiteX4" y="connsiteY4"/>
+              </a:cxn>
+              <a:cxn ang="0">
+                <a:pos x="connsiteX5" y="connsiteY5"/>
+              </a:cxn>
+              <a:cxn ang="0">
+                <a:pos x="connsiteX6" y="connsiteY6"/>
+              </a:cxn>
+              <a:cxn ang="0">
+                <a:pos x="connsiteX7" y="connsiteY7"/>
+              </a:cxn>
+              <a:cxn ang="0">
+                <a:pos x="connsiteX8" y="connsiteY8"/>
+              </a:cxn>
+              <a:cxn ang="0">
+                <a:pos x="connsiteX9" y="connsiteY9"/>
+              </a:cxn>
+              <a:cxn ang="0">
+                <a:pos x="connsiteX10" y="connsiteY10"/>
+              </a:cxn>
+              <a:cxn ang="0">
+                <a:pos x="connsiteX11" y="connsiteY11"/>
+              </a:cxn>
+              <a:cxn ang="0">
+                <a:pos x="connsiteX12" y="connsiteY12"/>
+              </a:cxn>
+              <a:cxn ang="0">
+                <a:pos x="connsiteX13" y="connsiteY13"/>
+              </a:cxn>
+              <a:cxn ang="0">
+                <a:pos x="connsiteX14" y="connsiteY14"/>
+              </a:cxn>
+              <a:cxn ang="0">
+                <a:pos x="connsiteX15" y="connsiteY15"/>
+              </a:cxn>
+              <a:cxn ang="0">
+                <a:pos x="connsiteX16" y="connsiteY16"/>
+              </a:cxn>
+              <a:cxn ang="0">
+                <a:pos x="connsiteX17" y="connsiteY17"/>
+              </a:cxn>
+              <a:cxn ang="0">
+                <a:pos x="connsiteX18" y="connsiteY18"/>
+              </a:cxn>
+              <a:cxn ang="0">
+                <a:pos x="connsiteX19" y="connsiteY19"/>
+              </a:cxn>
+              <a:cxn ang="0">
+                <a:pos x="connsiteX20" y="connsiteY20"/>
+              </a:cxn>
+              <a:cxn ang="0">
+                <a:pos x="connsiteX21" y="connsiteY21"/>
+              </a:cxn>
+              <a:cxn ang="0">
+                <a:pos x="connsiteX22" y="connsiteY22"/>
+              </a:cxn>
+              <a:cxn ang="0">
+                <a:pos x="connsiteX23" y="connsiteY23"/>
+              </a:cxn>
+              <a:cxn ang="0">
+                <a:pos x="connsiteX24" y="connsiteY24"/>
+              </a:cxn>
+              <a:cxn ang="0">
+                <a:pos x="connsiteX25" y="connsiteY25"/>
+              </a:cxn>
+              <a:cxn ang="0">
+                <a:pos x="connsiteX26" y="connsiteY26"/>
+              </a:cxn>
+              <a:cxn ang="0">
+                <a:pos x="connsiteX27" y="connsiteY27"/>
+              </a:cxn>
+              <a:cxn ang="0">
+                <a:pos x="connsiteX28" y="connsiteY28"/>
+              </a:cxn>
+              <a:cxn ang="0">
+                <a:pos x="connsiteX29" y="connsiteY29"/>
+              </a:cxn>
+              <a:cxn ang="0">
+                <a:pos x="connsiteX30" y="connsiteY30"/>
+              </a:cxn>
+              <a:cxn ang="0">
+                <a:pos x="connsiteX31" y="connsiteY31"/>
+              </a:cxn>
+              <a:cxn ang="0">
+                <a:pos x="connsiteX32" y="connsiteY32"/>
+              </a:cxn>
+              <a:cxn ang="0">
+                <a:pos x="connsiteX33" y="connsiteY33"/>
+              </a:cxn>
+              <a:cxn ang="0">
+                <a:pos x="connsiteX34" y="connsiteY34"/>
+              </a:cxn>
+              <a:cxn ang="0">
+                <a:pos x="connsiteX35" y="connsiteY35"/>
+              </a:cxn>
+              <a:cxn ang="0">
+                <a:pos x="connsiteX36" y="connsiteY36"/>
+              </a:cxn>
+              <a:cxn ang="0">
+                <a:pos x="connsiteX37" y="connsiteY37"/>
+              </a:cxn>
+              <a:cxn ang="0">
+                <a:pos x="connsiteX38" y="connsiteY38"/>
+              </a:cxn>
+              <a:cxn ang="0">
+                <a:pos x="connsiteX39" y="connsiteY39"/>
+              </a:cxn>
+              <a:cxn ang="0">
+                <a:pos x="connsiteX40" y="connsiteY40"/>
+              </a:cxn>
+              <a:cxn ang="0">
+                <a:pos x="connsiteX41" y="connsiteY41"/>
+              </a:cxn>
+              <a:cxn ang="0">
+                <a:pos x="connsiteX42" y="connsiteY42"/>
+              </a:cxn>
+              <a:cxn ang="0">
+                <a:pos x="connsiteX43" y="connsiteY43"/>
+              </a:cxn>
+              <a:cxn ang="0">
+                <a:pos x="connsiteX44" y="connsiteY44"/>
+              </a:cxn>
+              <a:cxn ang="0">
+                <a:pos x="connsiteX45" y="connsiteY45"/>
+              </a:cxn>
+              <a:cxn ang="0">
+                <a:pos x="connsiteX46" y="connsiteY46"/>
+              </a:cxn>
+              <a:cxn ang="0">
+                <a:pos x="connsiteX47" y="connsiteY47"/>
+              </a:cxn>
+              <a:cxn ang="0">
+                <a:pos x="connsiteX48" y="connsiteY48"/>
+              </a:cxn>
+              <a:cxn ang="0">
+                <a:pos x="connsiteX49" y="connsiteY49"/>
+              </a:cxn>
+              <a:cxn ang="0">
+                <a:pos x="connsiteX50" y="connsiteY50"/>
+              </a:cxn>
+              <a:cxn ang="0">
+                <a:pos x="connsiteX51" y="connsiteY51"/>
+              </a:cxn>
+              <a:cxn ang="0">
+                <a:pos x="connsiteX52" y="connsiteY52"/>
+              </a:cxn>
+              <a:cxn ang="0">
+                <a:pos x="connsiteX53" y="connsiteY53"/>
+              </a:cxn>
+              <a:cxn ang="0">
+                <a:pos x="connsiteX54" y="connsiteY54"/>
+              </a:cxn>
+              <a:cxn ang="0">
+                <a:pos x="connsiteX55" y="connsiteY55"/>
+              </a:cxn>
+              <a:cxn ang="0">
+                <a:pos x="connsiteX56" y="connsiteY56"/>
+              </a:cxn>
+              <a:cxn ang="0">
+                <a:pos x="connsiteX57" y="connsiteY57"/>
+              </a:cxn>
+              <a:cxn ang="0">
+                <a:pos x="connsiteX58" y="connsiteY58"/>
+              </a:cxn>
+              <a:cxn ang="0">
+                <a:pos x="connsiteX59" y="connsiteY59"/>
+              </a:cxn>
+              <a:cxn ang="0">
+                <a:pos x="connsiteX60" y="connsiteY60"/>
+              </a:cxn>
+              <a:cxn ang="0">
+                <a:pos x="connsiteX61" y="connsiteY61"/>
+              </a:cxn>
+              <a:cxn ang="0">
+                <a:pos x="connsiteX62" y="connsiteY62"/>
+              </a:cxn>
+              <a:cxn ang="0">
+                <a:pos x="connsiteX63" y="connsiteY63"/>
+              </a:cxn>
+              <a:cxn ang="0">
+                <a:pos x="connsiteX64" y="connsiteY64"/>
+              </a:cxn>
+              <a:cxn ang="0">
+                <a:pos x="connsiteX65" y="connsiteY65"/>
+              </a:cxn>
+              <a:cxn ang="0">
+                <a:pos x="connsiteX66" y="connsiteY66"/>
+              </a:cxn>
+              <a:cxn ang="0">
+                <a:pos x="connsiteX67" y="connsiteY67"/>
+              </a:cxn>
+              <a:cxn ang="0">
+                <a:pos x="connsiteX68" y="connsiteY68"/>
+              </a:cxn>
+              <a:cxn ang="0">
+                <a:pos x="connsiteX69" y="connsiteY69"/>
+              </a:cxn>
+              <a:cxn ang="0">
+                <a:pos x="connsiteX70" y="connsiteY70"/>
+              </a:cxn>
+              <a:cxn ang="0">
+                <a:pos x="connsiteX71" y="connsiteY71"/>
+              </a:cxn>
+              <a:cxn ang="0">
+                <a:pos x="connsiteX72" y="connsiteY72"/>
+              </a:cxn>
+              <a:cxn ang="0">
+                <a:pos x="connsiteX73" y="connsiteY73"/>
+              </a:cxn>
+              <a:cxn ang="0">
+                <a:pos x="connsiteX74" y="connsiteY74"/>
+              </a:cxn>
+              <a:cxn ang="0">
+                <a:pos x="connsiteX75" y="connsiteY75"/>
+              </a:cxn>
+              <a:cxn ang="0">
+                <a:pos x="connsiteX76" y="connsiteY76"/>
+              </a:cxn>
+              <a:cxn ang="0">
+                <a:pos x="connsiteX77" y="connsiteY77"/>
+              </a:cxn>
+              <a:cxn ang="0">
+                <a:pos x="connsiteX78" y="connsiteY78"/>
+              </a:cxn>
+              <a:cxn ang="0">
+                <a:pos x="connsiteX79" y="connsiteY79"/>
+              </a:cxn>
+              <a:cxn ang="0">
+                <a:pos x="connsiteX80" y="connsiteY80"/>
+              </a:cxn>
+              <a:cxn ang="0">
+                <a:pos x="connsiteX81" y="connsiteY81"/>
+              </a:cxn>
+              <a:cxn ang="0">
+                <a:pos x="connsiteX82" y="connsiteY82"/>
+              </a:cxn>
+              <a:cxn ang="0">
+                <a:pos x="connsiteX83" y="connsiteY83"/>
+              </a:cxn>
+              <a:cxn ang="0">
+                <a:pos x="connsiteX84" y="connsiteY84"/>
+              </a:cxn>
+              <a:cxn ang="0">
+                <a:pos x="connsiteX85" y="connsiteY85"/>
+              </a:cxn>
+              <a:cxn ang="0">
+                <a:pos x="connsiteX86" y="connsiteY86"/>
+              </a:cxn>
+              <a:cxn ang="0">
+                <a:pos x="connsiteX87" y="connsiteY87"/>
+              </a:cxn>
+              <a:cxn ang="0">
+                <a:pos x="connsiteX88" y="connsiteY88"/>
+              </a:cxn>
+              <a:cxn ang="0">
+                <a:pos x="connsiteX89" y="connsiteY89"/>
+              </a:cxn>
+              <a:cxn ang="0">
+                <a:pos x="connsiteX90" y="connsiteY90"/>
+              </a:cxn>
+              <a:cxn ang="0">
+                <a:pos x="connsiteX91" y="connsiteY91"/>
+              </a:cxn>
+              <a:cxn ang="0">
+                <a:pos x="connsiteX92" y="connsiteY92"/>
+              </a:cxn>
+              <a:cxn ang="0">
+                <a:pos x="connsiteX93" y="connsiteY93"/>
+              </a:cxn>
+              <a:cxn ang="0">
+                <a:pos x="connsiteX94" y="connsiteY94"/>
+              </a:cxn>
+              <a:cxn ang="0">
+                <a:pos x="connsiteX95" y="connsiteY95"/>
+              </a:cxn>
+              <a:cxn ang="0">
+                <a:pos x="connsiteX96" y="connsiteY96"/>
+              </a:cxn>
+              <a:cxn ang="0">
+                <a:pos x="connsiteX97" y="connsiteY97"/>
+              </a:cxn>
+              <a:cxn ang="0">
+                <a:pos x="connsiteX98" y="connsiteY98"/>
+              </a:cxn>
+              <a:cxn ang="0">
+                <a:pos x="connsiteX99" y="connsiteY99"/>
+              </a:cxn>
+              <a:cxn ang="0">
+                <a:pos x="connsiteX100" y="connsiteY100"/>
+              </a:cxn>
+              <a:cxn ang="0">
+                <a:pos x="connsiteX101" y="connsiteY101"/>
+              </a:cxn>
+              <a:cxn ang="0">
+                <a:pos x="connsiteX102" y="connsiteY102"/>
+              </a:cxn>
+              <a:cxn ang="0">
+                <a:pos x="connsiteX103" y="connsiteY103"/>
+              </a:cxn>
+              <a:cxn ang="0">
+                <a:pos x="connsiteX104" y="connsiteY104"/>
+              </a:cxn>
+              <a:cxn ang="0">
+                <a:pos x="connsiteX105" y="connsiteY105"/>
+              </a:cxn>
+              <a:cxn ang="0">
+                <a:pos x="connsiteX106" y="connsiteY106"/>
+              </a:cxn>
+              <a:cxn ang="0">
+                <a:pos x="connsiteX107" y="connsiteY107"/>
+              </a:cxn>
+              <a:cxn ang="0">
+                <a:pos x="connsiteX108" y="connsiteY108"/>
+              </a:cxn>
+              <a:cxn ang="0">
+                <a:pos x="connsiteX109" y="connsiteY109"/>
+              </a:cxn>
+              <a:cxn ang="0">
+                <a:pos x="connsiteX110" y="connsiteY110"/>
+              </a:cxn>
+              <a:cxn ang="0">
+                <a:pos x="connsiteX111" y="connsiteY111"/>
+              </a:cxn>
+              <a:cxn ang="0">
+                <a:pos x="connsiteX112" y="connsiteY112"/>
+              </a:cxn>
+              <a:cxn ang="0">
+                <a:pos x="connsiteX113" y="connsiteY113"/>
+              </a:cxn>
+              <a:cxn ang="0">
+                <a:pos x="connsiteX114" y="connsiteY114"/>
+              </a:cxn>
+              <a:cxn ang="0">
+                <a:pos x="connsiteX115" y="connsiteY115"/>
+              </a:cxn>
+              <a:cxn ang="0">
+                <a:pos x="connsiteX116" y="connsiteY116"/>
+              </a:cxn>
+              <a:cxn ang="0">
+                <a:pos x="connsiteX117" y="connsiteY117"/>
+              </a:cxn>
+              <a:cxn ang="0">
+                <a:pos x="connsiteX118" y="connsiteY118"/>
+              </a:cxn>
+              <a:cxn ang="0">
+                <a:pos x="connsiteX119" y="connsiteY119"/>
+              </a:cxn>
+              <a:cxn ang="0">
+                <a:pos x="connsiteX120" y="connsiteY120"/>
+              </a:cxn>
+              <a:cxn ang="0">
+                <a:pos x="connsiteX121" y="connsiteY121"/>
+              </a:cxn>
+              <a:cxn ang="0">
+                <a:pos x="connsiteX122" y="connsiteY122"/>
+              </a:cxn>
+              <a:cxn ang="0">
+                <a:pos x="connsiteX123" y="connsiteY123"/>
+              </a:cxn>
+              <a:cxn ang="0">
+                <a:pos x="connsiteX124" y="connsiteY124"/>
+              </a:cxn>
+              <a:cxn ang="0">
+                <a:pos x="connsiteX125" y="connsiteY125"/>
+              </a:cxn>
+              <a:cxn ang="0">
+                <a:pos x="connsiteX126" y="connsiteY126"/>
+              </a:cxn>
+              <a:cxn ang="0">
+                <a:pos x="connsiteX127" y="connsiteY127"/>
+              </a:cxn>
+              <a:cxn ang="0">
+                <a:pos x="connsiteX128" y="connsiteY128"/>
+              </a:cxn>
+              <a:cxn ang="0">
+                <a:pos x="connsiteX129" y="connsiteY129"/>
+              </a:cxn>
+              <a:cxn ang="0">
+                <a:pos x="connsiteX130" y="connsiteY130"/>
+              </a:cxn>
+              <a:cxn ang="0">
+                <a:pos x="connsiteX131" y="connsiteY131"/>
+              </a:cxn>
+              <a:cxn ang="0">
+                <a:pos x="connsiteX132" y="connsiteY132"/>
+              </a:cxn>
+              <a:cxn ang="0">
+                <a:pos x="connsiteX133" y="connsiteY133"/>
+              </a:cxn>
+              <a:cxn ang="0">
+                <a:pos x="connsiteX134" y="connsiteY134"/>
+              </a:cxn>
+              <a:cxn ang="0">
+                <a:pos x="connsiteX135" y="connsiteY135"/>
+              </a:cxn>
+              <a:cxn ang="0">
+                <a:pos x="connsiteX136" y="connsiteY136"/>
+              </a:cxn>
+              <a:cxn ang="0">
+                <a:pos x="connsiteX137" y="connsiteY137"/>
+              </a:cxn>
+              <a:cxn ang="0">
+                <a:pos x="connsiteX138" y="connsiteY138"/>
+              </a:cxn>
+              <a:cxn ang="0">
+                <a:pos x="connsiteX139" y="connsiteY139"/>
+              </a:cxn>
+              <a:cxn ang="0">
+                <a:pos x="connsiteX140" y="connsiteY140"/>
+              </a:cxn>
+              <a:cxn ang="0">
+                <a:pos x="connsiteX141" y="connsiteY141"/>
+              </a:cxn>
+            </a:cxnLst>
+            <a:rect l="l" t="t" r="r" b="b"/>
+            <a:pathLst>
+              <a:path w="7569200" h="6858000">
+                <a:moveTo>
+                  <a:pt x="0" y="0"/>
+                </a:moveTo>
+                <a:lnTo>
+                  <a:pt x="7389812" y="0"/>
+                </a:lnTo>
+                <a:lnTo>
+                  <a:pt x="7394575" y="66675"/>
+                </a:lnTo>
+                <a:lnTo>
+                  <a:pt x="7402512" y="122237"/>
+                </a:lnTo>
+                <a:lnTo>
+                  <a:pt x="7412037" y="174625"/>
+                </a:lnTo>
+                <a:lnTo>
+                  <a:pt x="7427912" y="217487"/>
+                </a:lnTo>
+                <a:lnTo>
+                  <a:pt x="7443787" y="260350"/>
+                </a:lnTo>
+                <a:lnTo>
+                  <a:pt x="7462837" y="296862"/>
+                </a:lnTo>
+                <a:lnTo>
+                  <a:pt x="7481887" y="334962"/>
+                </a:lnTo>
+                <a:lnTo>
+                  <a:pt x="7499350" y="369887"/>
+                </a:lnTo>
+                <a:lnTo>
+                  <a:pt x="7516812" y="409575"/>
+                </a:lnTo>
+                <a:lnTo>
+                  <a:pt x="7532687" y="450850"/>
+                </a:lnTo>
+                <a:lnTo>
+                  <a:pt x="7546975" y="496887"/>
+                </a:lnTo>
+                <a:lnTo>
+                  <a:pt x="7558087" y="546100"/>
+                </a:lnTo>
+                <a:lnTo>
+                  <a:pt x="7566025" y="606425"/>
+                </a:lnTo>
+                <a:lnTo>
+                  <a:pt x="7569200" y="673100"/>
+                </a:lnTo>
+                <a:lnTo>
+                  <a:pt x="7566025" y="744537"/>
+                </a:lnTo>
+                <a:lnTo>
+                  <a:pt x="7558087" y="801687"/>
+                </a:lnTo>
+                <a:lnTo>
+                  <a:pt x="7546975" y="854075"/>
+                </a:lnTo>
+                <a:lnTo>
+                  <a:pt x="7532687" y="901700"/>
+                </a:lnTo>
+                <a:lnTo>
+                  <a:pt x="7516812" y="942975"/>
+                </a:lnTo>
+                <a:lnTo>
+                  <a:pt x="7497762" y="981075"/>
+                </a:lnTo>
+                <a:lnTo>
+                  <a:pt x="7478712" y="1017587"/>
+                </a:lnTo>
+                <a:lnTo>
+                  <a:pt x="7459662" y="1055687"/>
+                </a:lnTo>
+                <a:lnTo>
+                  <a:pt x="7442200" y="1095375"/>
+                </a:lnTo>
+                <a:lnTo>
+                  <a:pt x="7424737" y="1136650"/>
+                </a:lnTo>
+                <a:lnTo>
+                  <a:pt x="7410450" y="1182687"/>
+                </a:lnTo>
+                <a:lnTo>
+                  <a:pt x="7400925" y="1235075"/>
+                </a:lnTo>
+                <a:lnTo>
+                  <a:pt x="7391400" y="1295400"/>
+                </a:lnTo>
+                <a:lnTo>
+                  <a:pt x="7389812" y="1363662"/>
+                </a:lnTo>
+                <a:lnTo>
+                  <a:pt x="7391400" y="1431925"/>
+                </a:lnTo>
+                <a:lnTo>
+                  <a:pt x="7400925" y="1492250"/>
+                </a:lnTo>
+                <a:lnTo>
+                  <a:pt x="7410450" y="1544637"/>
+                </a:lnTo>
+                <a:lnTo>
+                  <a:pt x="7424737" y="1589087"/>
+                </a:lnTo>
+                <a:lnTo>
+                  <a:pt x="7442200" y="1631950"/>
+                </a:lnTo>
+                <a:lnTo>
+                  <a:pt x="7459662" y="1671637"/>
+                </a:lnTo>
+                <a:lnTo>
+                  <a:pt x="7478712" y="1708150"/>
+                </a:lnTo>
+                <a:lnTo>
+                  <a:pt x="7497762" y="1743075"/>
+                </a:lnTo>
+                <a:lnTo>
+                  <a:pt x="7516812" y="1782762"/>
+                </a:lnTo>
+                <a:lnTo>
+                  <a:pt x="7532687" y="1824037"/>
+                </a:lnTo>
+                <a:lnTo>
+                  <a:pt x="7546975" y="1870075"/>
+                </a:lnTo>
+                <a:lnTo>
+                  <a:pt x="7558087" y="1922462"/>
+                </a:lnTo>
+                <a:lnTo>
+                  <a:pt x="7566025" y="1982787"/>
+                </a:lnTo>
+                <a:lnTo>
+                  <a:pt x="7569200" y="2051050"/>
+                </a:lnTo>
+                <a:lnTo>
+                  <a:pt x="7566025" y="2119312"/>
+                </a:lnTo>
+                <a:lnTo>
+                  <a:pt x="7558087" y="2179637"/>
+                </a:lnTo>
+                <a:lnTo>
+                  <a:pt x="7546975" y="2232025"/>
+                </a:lnTo>
+                <a:lnTo>
+                  <a:pt x="7532687" y="2278062"/>
+                </a:lnTo>
+                <a:lnTo>
+                  <a:pt x="7516812" y="2319337"/>
+                </a:lnTo>
+                <a:lnTo>
+                  <a:pt x="7497762" y="2359025"/>
+                </a:lnTo>
+                <a:lnTo>
+                  <a:pt x="7478712" y="2395537"/>
+                </a:lnTo>
+                <a:lnTo>
+                  <a:pt x="7459662" y="2433637"/>
+                </a:lnTo>
+                <a:lnTo>
+                  <a:pt x="7442200" y="2471737"/>
+                </a:lnTo>
+                <a:lnTo>
+                  <a:pt x="7424737" y="2513012"/>
+                </a:lnTo>
+                <a:lnTo>
+                  <a:pt x="7410450" y="2560637"/>
+                </a:lnTo>
+                <a:lnTo>
+                  <a:pt x="7400925" y="2613025"/>
+                </a:lnTo>
+                <a:lnTo>
+                  <a:pt x="7391400" y="2671762"/>
+                </a:lnTo>
+                <a:lnTo>
+                  <a:pt x="7389812" y="2741612"/>
+                </a:lnTo>
+                <a:lnTo>
+                  <a:pt x="7391400" y="2809875"/>
+                </a:lnTo>
+                <a:lnTo>
+                  <a:pt x="7400925" y="2868612"/>
+                </a:lnTo>
+                <a:lnTo>
+                  <a:pt x="7410450" y="2922587"/>
+                </a:lnTo>
+                <a:lnTo>
+                  <a:pt x="7424737" y="2967037"/>
+                </a:lnTo>
+                <a:lnTo>
+                  <a:pt x="7442200" y="3009900"/>
+                </a:lnTo>
+                <a:lnTo>
+                  <a:pt x="7459662" y="3046412"/>
+                </a:lnTo>
+                <a:lnTo>
+                  <a:pt x="7478712" y="3084512"/>
+                </a:lnTo>
+                <a:lnTo>
+                  <a:pt x="7497762" y="3121025"/>
+                </a:lnTo>
+                <a:lnTo>
+                  <a:pt x="7516812" y="3160712"/>
+                </a:lnTo>
+                <a:lnTo>
+                  <a:pt x="7532687" y="3201987"/>
+                </a:lnTo>
+                <a:lnTo>
+                  <a:pt x="7546975" y="3248025"/>
+                </a:lnTo>
+                <a:lnTo>
+                  <a:pt x="7558087" y="3300412"/>
+                </a:lnTo>
+                <a:lnTo>
+                  <a:pt x="7566025" y="3360737"/>
+                </a:lnTo>
+                <a:lnTo>
+                  <a:pt x="7569200" y="3427412"/>
+                </a:lnTo>
+                <a:lnTo>
+                  <a:pt x="7566025" y="3497262"/>
+                </a:lnTo>
+                <a:lnTo>
+                  <a:pt x="7558087" y="3557587"/>
+                </a:lnTo>
+                <a:lnTo>
+                  <a:pt x="7546975" y="3609975"/>
+                </a:lnTo>
+                <a:lnTo>
+                  <a:pt x="7532687" y="3656012"/>
+                </a:lnTo>
+                <a:lnTo>
+                  <a:pt x="7516812" y="3697287"/>
+                </a:lnTo>
+                <a:lnTo>
+                  <a:pt x="7497762" y="3736975"/>
+                </a:lnTo>
+                <a:lnTo>
+                  <a:pt x="7459662" y="3811587"/>
+                </a:lnTo>
+                <a:lnTo>
+                  <a:pt x="7442200" y="3848100"/>
+                </a:lnTo>
+                <a:lnTo>
+                  <a:pt x="7424737" y="3890962"/>
+                </a:lnTo>
+                <a:lnTo>
+                  <a:pt x="7410450" y="3935412"/>
+                </a:lnTo>
+                <a:lnTo>
+                  <a:pt x="7400925" y="3987800"/>
+                </a:lnTo>
+                <a:lnTo>
+                  <a:pt x="7391400" y="4048125"/>
+                </a:lnTo>
+                <a:lnTo>
+                  <a:pt x="7389812" y="4116387"/>
+                </a:lnTo>
+                <a:lnTo>
+                  <a:pt x="7391400" y="4186237"/>
+                </a:lnTo>
+                <a:lnTo>
+                  <a:pt x="7400925" y="4244975"/>
+                </a:lnTo>
+                <a:lnTo>
+                  <a:pt x="7410450" y="4297362"/>
+                </a:lnTo>
+                <a:lnTo>
+                  <a:pt x="7424737" y="4343400"/>
+                </a:lnTo>
+                <a:lnTo>
+                  <a:pt x="7442200" y="4386262"/>
+                </a:lnTo>
+                <a:lnTo>
+                  <a:pt x="7459662" y="4424362"/>
+                </a:lnTo>
+                <a:lnTo>
+                  <a:pt x="7497762" y="4498975"/>
+                </a:lnTo>
+                <a:lnTo>
+                  <a:pt x="7516812" y="4537075"/>
+                </a:lnTo>
+                <a:lnTo>
+                  <a:pt x="7532687" y="4579937"/>
+                </a:lnTo>
+                <a:lnTo>
+                  <a:pt x="7546975" y="4625975"/>
+                </a:lnTo>
+                <a:lnTo>
+                  <a:pt x="7558087" y="4678362"/>
+                </a:lnTo>
+                <a:lnTo>
+                  <a:pt x="7566025" y="4738687"/>
+                </a:lnTo>
+                <a:lnTo>
+                  <a:pt x="7569200" y="4806950"/>
+                </a:lnTo>
+                <a:lnTo>
+                  <a:pt x="7566025" y="4875212"/>
+                </a:lnTo>
+                <a:lnTo>
+                  <a:pt x="7558087" y="4935537"/>
+                </a:lnTo>
+                <a:lnTo>
+                  <a:pt x="7546975" y="4987925"/>
+                </a:lnTo>
+                <a:lnTo>
+                  <a:pt x="7532687" y="5033962"/>
+                </a:lnTo>
+                <a:lnTo>
+                  <a:pt x="7516812" y="5075237"/>
+                </a:lnTo>
+                <a:lnTo>
+                  <a:pt x="7497762" y="5114925"/>
+                </a:lnTo>
+                <a:lnTo>
+                  <a:pt x="7478712" y="5149850"/>
+                </a:lnTo>
+                <a:lnTo>
+                  <a:pt x="7459662" y="5186362"/>
+                </a:lnTo>
+                <a:lnTo>
+                  <a:pt x="7442200" y="5226050"/>
+                </a:lnTo>
+                <a:lnTo>
+                  <a:pt x="7424737" y="5268912"/>
+                </a:lnTo>
+                <a:lnTo>
+                  <a:pt x="7410450" y="5313362"/>
+                </a:lnTo>
+                <a:lnTo>
+                  <a:pt x="7400925" y="5365750"/>
+                </a:lnTo>
+                <a:lnTo>
+                  <a:pt x="7391400" y="5426075"/>
+                </a:lnTo>
+                <a:lnTo>
+                  <a:pt x="7389812" y="5494337"/>
+                </a:lnTo>
+                <a:lnTo>
+                  <a:pt x="7391400" y="5562600"/>
+                </a:lnTo>
+                <a:lnTo>
+                  <a:pt x="7400925" y="5622925"/>
+                </a:lnTo>
+                <a:lnTo>
+                  <a:pt x="7410450" y="5675312"/>
+                </a:lnTo>
+                <a:lnTo>
+                  <a:pt x="7424737" y="5721350"/>
+                </a:lnTo>
+                <a:lnTo>
+                  <a:pt x="7442200" y="5762625"/>
+                </a:lnTo>
+                <a:lnTo>
+                  <a:pt x="7459662" y="5802312"/>
+                </a:lnTo>
+                <a:lnTo>
+                  <a:pt x="7478712" y="5840412"/>
+                </a:lnTo>
+                <a:lnTo>
+                  <a:pt x="7497762" y="5876925"/>
+                </a:lnTo>
+                <a:lnTo>
+                  <a:pt x="7516812" y="5915025"/>
+                </a:lnTo>
+                <a:lnTo>
+                  <a:pt x="7532687" y="5956300"/>
+                </a:lnTo>
+                <a:lnTo>
+                  <a:pt x="7546975" y="6003925"/>
+                </a:lnTo>
+                <a:lnTo>
+                  <a:pt x="7558087" y="6056312"/>
+                </a:lnTo>
+                <a:lnTo>
+                  <a:pt x="7566025" y="6113462"/>
+                </a:lnTo>
+                <a:lnTo>
+                  <a:pt x="7569200" y="6183312"/>
+                </a:lnTo>
+                <a:lnTo>
+                  <a:pt x="7566025" y="6251575"/>
+                </a:lnTo>
+                <a:lnTo>
+                  <a:pt x="7558087" y="6311900"/>
+                </a:lnTo>
+                <a:lnTo>
+                  <a:pt x="7546975" y="6361112"/>
+                </a:lnTo>
+                <a:lnTo>
+                  <a:pt x="7532687" y="6407150"/>
+                </a:lnTo>
+                <a:lnTo>
+                  <a:pt x="7516812" y="6448425"/>
+                </a:lnTo>
+                <a:lnTo>
+                  <a:pt x="7499350" y="6488112"/>
+                </a:lnTo>
+                <a:lnTo>
+                  <a:pt x="7481887" y="6523037"/>
+                </a:lnTo>
+                <a:lnTo>
+                  <a:pt x="7462837" y="6561137"/>
+                </a:lnTo>
+                <a:lnTo>
+                  <a:pt x="7443787" y="6597650"/>
+                </a:lnTo>
+                <a:lnTo>
+                  <a:pt x="7427912" y="6640512"/>
+                </a:lnTo>
+                <a:lnTo>
+                  <a:pt x="7412037" y="6683375"/>
+                </a:lnTo>
+                <a:lnTo>
+                  <a:pt x="7402512" y="6735762"/>
+                </a:lnTo>
+                <a:lnTo>
+                  <a:pt x="7394575" y="6791325"/>
+                </a:lnTo>
+                <a:lnTo>
+                  <a:pt x="7389812" y="6858000"/>
+                </a:lnTo>
+                <a:lnTo>
+                  <a:pt x="0" y="6858000"/>
+                </a:lnTo>
+                <a:lnTo>
+                  <a:pt x="0" y="0"/>
+                </a:lnTo>
+                <a:close/>
+              </a:path>
+            </a:pathLst>
+          </a:custGeom>
+          <a:solidFill>
+            <a:schemeClr val="bg2">
+              <a:lumMod val="90000"/>
+            </a:schemeClr>
+          </a:solidFill>
+          <a:ln w="0">
+            <a:noFill/>
+            <a:prstDash val="solid"/>
+            <a:round/>
+            <a:headEnd/>
+            <a:tailEnd/>
+          </a:ln>
+        </p:spPr>
+      </p:sp>
+      <p:sp>
+        <p:nvSpPr>
+          <p:cNvPr id="12" name="Rectangle 11" title="left edge border"/>
+          <p:cNvSpPr>
+            <a:spLocks noGrp="1" noRot="1" noChangeAspect="1" noMove="1" noResize="1" noEditPoints="1" noAdjustHandles="1" noChangeArrowheads="1" noChangeShapeType="1" noTextEdit="1"/>
+          </p:cNvSpPr>
+          <p:nvPr>
+            <p:extLst>
+              <p:ext uri="{386F3935-93C4-4BCD-93E2-E3B085C9AB24}">
+                <p16:designElem xmlns:p16="http://schemas.microsoft.com/office/powerpoint/2015/main" val="1"/>
+              </p:ext>
+            </p:extLst>
+          </p:nvPr>
+        </p:nvSpPr>
+        <p:spPr>
+          <a:xfrm>
+            <a:off x="0" y="0"/>
+            <a:ext cx="283464" cy="6858000"/>
+          </a:xfrm>
+          <a:prstGeom prst="rect">
+            <a:avLst/>
+          </a:prstGeom>
+          <a:solidFill>
+            <a:schemeClr val="accent1"/>
+          </a:solidFill>
+          <a:ln>
+            <a:noFill/>
+          </a:ln>
+        </p:spPr>
+        <p:style>
+          <a:lnRef idx="2">
+            <a:schemeClr val="accent1">
+              <a:shade val="50000"/>
+            </a:schemeClr>
+          </a:lnRef>
+          <a:fillRef idx="1">
+            <a:schemeClr val="accent1"/>
+          </a:fillRef>
+          <a:effectRef idx="0">
+            <a:schemeClr val="accent1"/>
+          </a:effectRef>
+          <a:fontRef idx="minor">
+            <a:schemeClr val="lt1"/>
+          </a:fontRef>
+        </p:style>
+      </p:sp>
+      <p:pic>
+        <p:nvPicPr>
+          <p:cNvPr id="4" name="Picture 3"/>
+          <p:cNvPicPr>
+            <a:picLocks noChangeAspect="1"/>
+          </p:cNvPicPr>
+          <p:nvPr/>
+        </p:nvPicPr>
+        <p:blipFill>
+          <a:blip r:embed="rId2">
+            <a:extLst>
+              <a:ext uri="{28A0092B-C50C-407E-A947-70E740481C1C}">
+                <a14:useLocalDpi xmlns:a14="http://schemas.microsoft.com/office/drawing/2010/main" val="0"/>
+              </a:ext>
+            </a:extLst>
+          </a:blip>
+          <a:stretch>
+            <a:fillRect/>
+          </a:stretch>
+        </p:blipFill>
+        <p:spPr>
+          <a:xfrm>
+            <a:off x="8050787" y="2232588"/>
+            <a:ext cx="3652360" cy="2175665"/>
+          </a:xfrm>
+          <a:prstGeom prst="rect">
+            <a:avLst/>
+          </a:prstGeom>
+        </p:spPr>
+      </p:pic>
       <p:sp>
         <p:nvSpPr>
           <p:cNvPr id="2" name="Title 1"/>
@@ -16975,9 +18392,16 @@
             <p:ph type="title"/>
           </p:nvPr>
         </p:nvSpPr>
-        <p:spPr/>
+        <p:spPr>
+          <a:xfrm>
+            <a:off x="754144" y="484631"/>
+            <a:ext cx="6340519" cy="1638469"/>
+          </a:xfrm>
+        </p:spPr>
         <p:txBody>
-          <a:bodyPr/>
+          <a:bodyPr>
+            <a:normAutofit/>
+          </a:bodyPr>
           <a:lstStyle/>
           <a:p>
             <a:r>
@@ -16998,38 +18422,53 @@
             <p:ph idx="1"/>
           </p:nvPr>
         </p:nvSpPr>
-        <p:spPr/>
+        <p:spPr>
+          <a:xfrm>
+            <a:off x="765051" y="2443140"/>
+            <a:ext cx="6306309" cy="3930227"/>
+          </a:xfrm>
+        </p:spPr>
         <p:txBody>
-          <a:bodyPr/>
+          <a:bodyPr>
+            <a:normAutofit/>
+          </a:bodyPr>
           <a:lstStyle/>
           <a:p>
             <a:r>
-              <a:rPr lang="en-CA" dirty="0"/>
+              <a:rPr lang="en-CA">
+                <a:solidFill>
+                  <a:schemeClr val="tx1"/>
+                </a:solidFill>
+              </a:rPr>
               <a:t>Pictures of each </a:t>
             </a:r>
           </a:p>
           <a:p>
             <a:r>
-              <a:rPr lang="en-CA" dirty="0"/>
+              <a:rPr lang="en-CA">
+                <a:solidFill>
+                  <a:schemeClr val="tx1"/>
+                </a:solidFill>
+              </a:rPr>
               <a:t>Description of the components and how they interact</a:t>
             </a:r>
           </a:p>
           <a:p>
             <a:r>
-              <a:rPr lang="en-CA" dirty="0"/>
-              <a:t>Draw </a:t>
-            </a:r>
-            <a:r>
-              <a:rPr lang="en-CA" dirty="0" err="1"/>
-              <a:t>io</a:t>
-            </a:r>
-            <a:r>
-              <a:rPr lang="en-CA" dirty="0"/>
-              <a:t> picture</a:t>
-            </a:r>
-          </a:p>
-          <a:p>
-            <a:endParaRPr lang="en-US" dirty="0"/>
+              <a:rPr lang="en-CA">
+                <a:solidFill>
+                  <a:schemeClr val="tx1"/>
+                </a:solidFill>
+              </a:rPr>
+              <a:t>Draw io picture</a:t>
+            </a:r>
+          </a:p>
+          <a:p>
+            <a:endParaRPr lang="en-US">
+              <a:solidFill>
+                <a:schemeClr val="tx1"/>
+              </a:solidFill>
+            </a:endParaRPr>
           </a:p>
         </p:txBody>
       </p:sp>

--- a/Presentation/Vehicle Intersection Control Presentation.pptx
+++ b/Presentation/Vehicle Intersection Control Presentation.pptx
@@ -5,7 +5,7 @@
     <p:sldMasterId id="2147483759" r:id="rId1"/>
   </p:sldMasterIdLst>
   <p:notesMasterIdLst>
-    <p:notesMasterId r:id="rId25"/>
+    <p:notesMasterId r:id="rId26"/>
   </p:notesMasterIdLst>
   <p:sldIdLst>
     <p:sldId id="279" r:id="rId2"/>
@@ -14,23 +14,24 @@
     <p:sldId id="298" r:id="rId5"/>
     <p:sldId id="297" r:id="rId6"/>
     <p:sldId id="299" r:id="rId7"/>
-    <p:sldId id="302" r:id="rId8"/>
-    <p:sldId id="301" r:id="rId9"/>
-    <p:sldId id="303" r:id="rId10"/>
-    <p:sldId id="304" r:id="rId11"/>
-    <p:sldId id="305" r:id="rId12"/>
-    <p:sldId id="284" r:id="rId13"/>
-    <p:sldId id="285" r:id="rId14"/>
-    <p:sldId id="286" r:id="rId15"/>
-    <p:sldId id="292" r:id="rId16"/>
-    <p:sldId id="287" r:id="rId17"/>
-    <p:sldId id="294" r:id="rId18"/>
-    <p:sldId id="293" r:id="rId19"/>
-    <p:sldId id="295" r:id="rId20"/>
-    <p:sldId id="289" r:id="rId21"/>
-    <p:sldId id="290" r:id="rId22"/>
-    <p:sldId id="291" r:id="rId23"/>
-    <p:sldId id="282" r:id="rId24"/>
+    <p:sldId id="306" r:id="rId8"/>
+    <p:sldId id="302" r:id="rId9"/>
+    <p:sldId id="301" r:id="rId10"/>
+    <p:sldId id="303" r:id="rId11"/>
+    <p:sldId id="304" r:id="rId12"/>
+    <p:sldId id="305" r:id="rId13"/>
+    <p:sldId id="284" r:id="rId14"/>
+    <p:sldId id="285" r:id="rId15"/>
+    <p:sldId id="286" r:id="rId16"/>
+    <p:sldId id="292" r:id="rId17"/>
+    <p:sldId id="287" r:id="rId18"/>
+    <p:sldId id="294" r:id="rId19"/>
+    <p:sldId id="293" r:id="rId20"/>
+    <p:sldId id="295" r:id="rId21"/>
+    <p:sldId id="289" r:id="rId22"/>
+    <p:sldId id="290" r:id="rId23"/>
+    <p:sldId id="291" r:id="rId24"/>
+    <p:sldId id="282" r:id="rId25"/>
   </p:sldIdLst>
   <p:sldSz cx="12192000" cy="6858000"/>
   <p:notesSz cx="6858000" cy="9144000"/>
@@ -219,7 +220,7 @@
           <a:p>
             <a:fld id="{35B82655-F55E-45D4-839B-7F4274A77E35}" type="datetimeFigureOut">
               <a:rPr lang="en-US" smtClean="0"/>
-              <a:t>3/29/2017</a:t>
+              <a:t>3/30/2017</a:t>
             </a:fld>
             <a:endParaRPr lang="en-US"/>
           </a:p>
@@ -815,7 +816,7 @@
           <a:p>
             <a:fld id="{9FDAE4FC-73CE-4995-A7FF-7ADA8F1DA8FB}" type="slidenum">
               <a:rPr lang="en-US" smtClean="0"/>
-              <a:t>23</a:t>
+              <a:t>24</a:t>
             </a:fld>
             <a:endParaRPr lang="en-US"/>
           </a:p>
@@ -1398,7 +1399,7 @@
           <a:p>
             <a:fld id="{9FDAE4FC-73CE-4995-A7FF-7ADA8F1DA8FB}" type="slidenum">
               <a:rPr lang="en-US" smtClean="0"/>
-              <a:t>15</a:t>
+              <a:t>16</a:t>
             </a:fld>
             <a:endParaRPr lang="en-US"/>
           </a:p>
@@ -1608,7 +1609,7 @@
           <a:p>
             <a:fld id="{9FDAE4FC-73CE-4995-A7FF-7ADA8F1DA8FB}" type="slidenum">
               <a:rPr lang="en-US" smtClean="0"/>
-              <a:t>18</a:t>
+              <a:t>19</a:t>
             </a:fld>
             <a:endParaRPr lang="en-US"/>
           </a:p>
@@ -3262,7 +3263,7 @@
           <a:p>
             <a:fld id="{2FFE84A0-83F7-4E0A-A0CE-A961D6AAB2B6}" type="datetimeFigureOut">
               <a:rPr lang="en-US" smtClean="0"/>
-              <a:t>3/29/2017</a:t>
+              <a:t>3/30/2017</a:t>
             </a:fld>
             <a:endParaRPr lang="en-US" dirty="0"/>
           </a:p>
@@ -3500,7 +3501,7 @@
           <a:p>
             <a:fld id="{2FFE84A0-83F7-4E0A-A0CE-A961D6AAB2B6}" type="datetimeFigureOut">
               <a:rPr lang="en-US" smtClean="0"/>
-              <a:t>3/29/2017</a:t>
+              <a:t>3/30/2017</a:t>
             </a:fld>
             <a:endParaRPr lang="en-US" dirty="0"/>
           </a:p>
@@ -3680,7 +3681,7 @@
           <a:p>
             <a:fld id="{2FFE84A0-83F7-4E0A-A0CE-A961D6AAB2B6}" type="datetimeFigureOut">
               <a:rPr lang="en-US" smtClean="0"/>
-              <a:t>3/29/2017</a:t>
+              <a:t>3/30/2017</a:t>
             </a:fld>
             <a:endParaRPr lang="en-US" dirty="0"/>
           </a:p>
@@ -3850,7 +3851,7 @@
           <a:p>
             <a:fld id="{2FFE84A0-83F7-4E0A-A0CE-A961D6AAB2B6}" type="datetimeFigureOut">
               <a:rPr lang="en-US" smtClean="0"/>
-              <a:t>3/29/2017</a:t>
+              <a:t>3/30/2017</a:t>
             </a:fld>
             <a:endParaRPr lang="en-US" dirty="0"/>
           </a:p>
@@ -4126,7 +4127,7 @@
           <a:p>
             <a:fld id="{2FFE84A0-83F7-4E0A-A0CE-A961D6AAB2B6}" type="datetimeFigureOut">
               <a:rPr lang="en-US" smtClean="0"/>
-              <a:t>3/29/2017</a:t>
+              <a:t>3/30/2017</a:t>
             </a:fld>
             <a:endParaRPr lang="en-US" dirty="0"/>
           </a:p>
@@ -5327,7 +5328,7 @@
           <a:p>
             <a:fld id="{2FFE84A0-83F7-4E0A-A0CE-A961D6AAB2B6}" type="datetimeFigureOut">
               <a:rPr lang="en-US" smtClean="0"/>
-              <a:t>3/29/2017</a:t>
+              <a:t>3/30/2017</a:t>
             </a:fld>
             <a:endParaRPr lang="en-US" dirty="0"/>
           </a:p>
@@ -5717,7 +5718,7 @@
           <a:p>
             <a:fld id="{2FFE84A0-83F7-4E0A-A0CE-A961D6AAB2B6}" type="datetimeFigureOut">
               <a:rPr lang="en-US" smtClean="0"/>
-              <a:t>3/29/2017</a:t>
+              <a:t>3/30/2017</a:t>
             </a:fld>
             <a:endParaRPr lang="en-US" dirty="0"/>
           </a:p>
@@ -5840,7 +5841,7 @@
           <a:p>
             <a:fld id="{2FFE84A0-83F7-4E0A-A0CE-A961D6AAB2B6}" type="datetimeFigureOut">
               <a:rPr lang="en-US" smtClean="0"/>
-              <a:t>3/29/2017</a:t>
+              <a:t>3/30/2017</a:t>
             </a:fld>
             <a:endParaRPr lang="en-US" dirty="0"/>
           </a:p>
@@ -5935,7 +5936,7 @@
           <a:p>
             <a:fld id="{2FFE84A0-83F7-4E0A-A0CE-A961D6AAB2B6}" type="datetimeFigureOut">
               <a:rPr lang="en-US" smtClean="0"/>
-              <a:t>3/29/2017</a:t>
+              <a:t>3/30/2017</a:t>
             </a:fld>
             <a:endParaRPr lang="en-US" dirty="0"/>
           </a:p>
@@ -6698,7 +6699,7 @@
           <a:p>
             <a:fld id="{2FFE84A0-83F7-4E0A-A0CE-A961D6AAB2B6}" type="datetimeFigureOut">
               <a:rPr lang="en-US" smtClean="0"/>
-              <a:t>3/29/2017</a:t>
+              <a:t>3/30/2017</a:t>
             </a:fld>
             <a:endParaRPr lang="en-US" dirty="0"/>
           </a:p>
@@ -7537,7 +7538,7 @@
           <a:p>
             <a:fld id="{2FFE84A0-83F7-4E0A-A0CE-A961D6AAB2B6}" type="datetimeFigureOut">
               <a:rPr lang="en-US" smtClean="0"/>
-              <a:t>3/29/2017</a:t>
+              <a:t>3/30/2017</a:t>
             </a:fld>
             <a:endParaRPr lang="en-US" dirty="0"/>
           </a:p>
@@ -7764,7 +7765,7 @@
           <a:p>
             <a:fld id="{2FFE84A0-83F7-4E0A-A0CE-A961D6AAB2B6}" type="datetimeFigureOut">
               <a:rPr lang="en-US" smtClean="0"/>
-              <a:t>3/29/2017</a:t>
+              <a:t>3/30/2017</a:t>
             </a:fld>
             <a:endParaRPr lang="en-US" dirty="0"/>
           </a:p>
@@ -8772,7 +8773,7 @@
           <p:nvPr>
             <p:extLst>
               <p:ext uri="{386F3935-93C4-4BCD-93E2-E3B085C9AB24}">
-                <p16:designElem xmlns:p16="http://schemas.microsoft.com/office/powerpoint/2015/main" val="1"/>
+                <p16:designElem xmlns:p16="http://schemas.microsoft.com/office/powerpoint/2015/main" xmlns="" val="1"/>
               </p:ext>
             </p:extLst>
           </p:nvPr>
@@ -8922,7 +8923,7 @@
           <p:nvPr>
             <p:extLst>
               <p:ext uri="{386F3935-93C4-4BCD-93E2-E3B085C9AB24}">
-                <p16:designElem xmlns:p16="http://schemas.microsoft.com/office/powerpoint/2015/main" val="1"/>
+                <p16:designElem xmlns:p16="http://schemas.microsoft.com/office/powerpoint/2015/main" xmlns="" val="1"/>
               </p:ext>
             </p:extLst>
           </p:nvPr>
@@ -9394,7 +9395,7 @@
           <p:nvPr>
             <p:extLst>
               <p:ext uri="{386F3935-93C4-4BCD-93E2-E3B085C9AB24}">
-                <p16:designElem xmlns:p16="http://schemas.microsoft.com/office/powerpoint/2015/main" val="1"/>
+                <p16:designElem xmlns:p16="http://schemas.microsoft.com/office/powerpoint/2015/main" xmlns="" val="1"/>
               </p:ext>
             </p:extLst>
           </p:nvPr>
@@ -10529,7 +10530,7 @@
           <a:p>
             <a:r>
               <a:rPr lang="en-CA" dirty="0"/>
-              <a:t>Hazard mitigation</a:t>
+              <a:t>Video of IC picking up car going by </a:t>
             </a:r>
             <a:endParaRPr lang="en-US" dirty="0"/>
           </a:p>
@@ -10550,40 +10551,20 @@
           <a:bodyPr/>
           <a:lstStyle/>
           <a:p>
-            <a:r>
-              <a:rPr lang="en-CA" dirty="0"/>
-              <a:t>IC fails – power generator like in real life</a:t>
-            </a:r>
-          </a:p>
-          <a:p>
-            <a:r>
-              <a:rPr lang="en-CA" dirty="0"/>
-              <a:t>If </a:t>
-            </a:r>
-            <a:r>
-              <a:rPr lang="en-CA" dirty="0" err="1"/>
-              <a:t>ic</a:t>
-            </a:r>
-            <a:r>
-              <a:rPr lang="en-CA" dirty="0"/>
-              <a:t> crashes and has power, cars will stop at the intersection</a:t>
-            </a:r>
-          </a:p>
-          <a:p>
-            <a:r>
-              <a:rPr lang="en-CA" dirty="0"/>
-              <a:t>Bluetooth failure, message resent from vehicle </a:t>
-            </a:r>
-          </a:p>
-          <a:p>
+            <a:pPr marL="0" indent="0">
+              <a:buNone/>
+            </a:pPr>
             <a:endParaRPr lang="en-CA" dirty="0"/>
+          </a:p>
+          <a:p>
+            <a:endParaRPr lang="en-US" dirty="0"/>
           </a:p>
         </p:txBody>
       </p:sp>
     </p:spTree>
     <p:extLst>
       <p:ext uri="{BB962C8B-B14F-4D97-AF65-F5344CB8AC3E}">
-        <p14:creationId xmlns:p14="http://schemas.microsoft.com/office/powerpoint/2010/main" val="3982056765"/>
+        <p14:creationId xmlns:p14="http://schemas.microsoft.com/office/powerpoint/2010/main" val="455302734"/>
       </p:ext>
     </p:extLst>
   </p:cSld>
@@ -10627,7 +10608,7 @@
           <a:p>
             <a:r>
               <a:rPr lang="en-CA" dirty="0"/>
-              <a:t>Features Still to be implemented</a:t>
+              <a:t>Hazard mitigation</a:t>
             </a:r>
             <a:endParaRPr lang="en-US" dirty="0"/>
           </a:p>
@@ -10650,6 +10631,104 @@
           <a:p>
             <a:r>
               <a:rPr lang="en-CA" dirty="0"/>
+              <a:t>IC fails – power generator like in real life</a:t>
+            </a:r>
+          </a:p>
+          <a:p>
+            <a:r>
+              <a:rPr lang="en-CA" dirty="0"/>
+              <a:t>If </a:t>
+            </a:r>
+            <a:r>
+              <a:rPr lang="en-CA" dirty="0" err="1"/>
+              <a:t>ic</a:t>
+            </a:r>
+            <a:r>
+              <a:rPr lang="en-CA" dirty="0"/>
+              <a:t> crashes and has power, cars will stop at the intersection</a:t>
+            </a:r>
+          </a:p>
+          <a:p>
+            <a:r>
+              <a:rPr lang="en-CA" dirty="0"/>
+              <a:t>Bluetooth failure, message resent from vehicle </a:t>
+            </a:r>
+          </a:p>
+          <a:p>
+            <a:endParaRPr lang="en-CA" dirty="0"/>
+          </a:p>
+        </p:txBody>
+      </p:sp>
+    </p:spTree>
+    <p:extLst>
+      <p:ext uri="{BB962C8B-B14F-4D97-AF65-F5344CB8AC3E}">
+        <p14:creationId xmlns:p14="http://schemas.microsoft.com/office/powerpoint/2010/main" val="3982056765"/>
+      </p:ext>
+    </p:extLst>
+  </p:cSld>
+  <p:clrMapOvr>
+    <a:masterClrMapping/>
+  </p:clrMapOvr>
+</p:sld>
+</file>
+
+<file path=ppt/slides/slide12.xml><?xml version="1.0" encoding="utf-8"?>
+<p:sld xmlns:a="http://schemas.openxmlformats.org/drawingml/2006/main" xmlns:r="http://schemas.openxmlformats.org/officeDocument/2006/relationships" xmlns:p="http://schemas.openxmlformats.org/presentationml/2006/main">
+  <p:cSld>
+    <p:spTree>
+      <p:nvGrpSpPr>
+        <p:cNvPr id="1" name=""/>
+        <p:cNvGrpSpPr/>
+        <p:nvPr/>
+      </p:nvGrpSpPr>
+      <p:grpSpPr>
+        <a:xfrm>
+          <a:off x="0" y="0"/>
+          <a:ext cx="0" cy="0"/>
+          <a:chOff x="0" y="0"/>
+          <a:chExt cx="0" cy="0"/>
+        </a:xfrm>
+      </p:grpSpPr>
+      <p:sp>
+        <p:nvSpPr>
+          <p:cNvPr id="2" name="Title 1"/>
+          <p:cNvSpPr>
+            <a:spLocks noGrp="1"/>
+          </p:cNvSpPr>
+          <p:nvPr>
+            <p:ph type="title"/>
+          </p:nvPr>
+        </p:nvSpPr>
+        <p:spPr/>
+        <p:txBody>
+          <a:bodyPr/>
+          <a:lstStyle/>
+          <a:p>
+            <a:r>
+              <a:rPr lang="en-CA" dirty="0"/>
+              <a:t>Features Still to be implemented</a:t>
+            </a:r>
+            <a:endParaRPr lang="en-US" dirty="0"/>
+          </a:p>
+        </p:txBody>
+      </p:sp>
+      <p:sp>
+        <p:nvSpPr>
+          <p:cNvPr id="3" name="Content Placeholder 2"/>
+          <p:cNvSpPr>
+            <a:spLocks noGrp="1"/>
+          </p:cNvSpPr>
+          <p:nvPr>
+            <p:ph idx="1"/>
+          </p:nvPr>
+        </p:nvSpPr>
+        <p:spPr/>
+        <p:txBody>
+          <a:bodyPr/>
+          <a:lstStyle/>
+          <a:p>
+            <a:r>
+              <a:rPr lang="en-CA" dirty="0"/>
               <a:t>Bluetooth to other communication</a:t>
             </a:r>
           </a:p>
@@ -10683,7 +10762,7 @@
 </p:sld>
 </file>
 
-<file path=ppt/slides/slide12.xml><?xml version="1.0" encoding="utf-8"?>
+<file path=ppt/slides/slide13.xml><?xml version="1.0" encoding="utf-8"?>
 <p:sld xmlns:a="http://schemas.openxmlformats.org/drawingml/2006/main" xmlns:r="http://schemas.openxmlformats.org/officeDocument/2006/relationships" xmlns:p="http://schemas.openxmlformats.org/presentationml/2006/main">
   <p:cSld>
     <p:spTree>
@@ -10888,7 +10967,7 @@
 </p:sld>
 </file>
 
-<file path=ppt/slides/slide13.xml><?xml version="1.0" encoding="utf-8"?>
+<file path=ppt/slides/slide14.xml><?xml version="1.0" encoding="utf-8"?>
 <p:sld xmlns:a="http://schemas.openxmlformats.org/drawingml/2006/main" xmlns:r="http://schemas.openxmlformats.org/officeDocument/2006/relationships" xmlns:p="http://schemas.openxmlformats.org/presentationml/2006/main">
   <p:cSld>
     <p:spTree>
@@ -11203,7 +11282,7 @@
 </p:sld>
 </file>
 
-<file path=ppt/slides/slide14.xml><?xml version="1.0" encoding="utf-8"?>
+<file path=ppt/slides/slide15.xml><?xml version="1.0" encoding="utf-8"?>
 <p:sld xmlns:a="http://schemas.openxmlformats.org/drawingml/2006/main" xmlns:r="http://schemas.openxmlformats.org/officeDocument/2006/relationships" xmlns:p="http://schemas.openxmlformats.org/presentationml/2006/main">
   <p:cSld>
     <p:spTree>
@@ -11445,7 +11524,7 @@
 </p:sld>
 </file>
 
-<file path=ppt/slides/slide15.xml><?xml version="1.0" encoding="utf-8"?>
+<file path=ppt/slides/slide16.xml><?xml version="1.0" encoding="utf-8"?>
 <p:sld xmlns:a="http://schemas.openxmlformats.org/drawingml/2006/main" xmlns:r="http://schemas.openxmlformats.org/officeDocument/2006/relationships" xmlns:p="http://schemas.openxmlformats.org/presentationml/2006/main" showMasterSp="0">
   <p:cSld>
     <p:bg>
@@ -13693,7 +13772,7 @@
 </p:sld>
 </file>
 
-<file path=ppt/slides/slide16.xml><?xml version="1.0" encoding="utf-8"?>
+<file path=ppt/slides/slide17.xml><?xml version="1.0" encoding="utf-8"?>
 <p:sld xmlns:a="http://schemas.openxmlformats.org/drawingml/2006/main" xmlns:r="http://schemas.openxmlformats.org/officeDocument/2006/relationships" xmlns:p="http://schemas.openxmlformats.org/presentationml/2006/main">
   <p:cSld>
     <p:spTree>
@@ -13970,7 +14049,7 @@
 </p:sld>
 </file>
 
-<file path=ppt/slides/slide17.xml><?xml version="1.0" encoding="utf-8"?>
+<file path=ppt/slides/slide18.xml><?xml version="1.0" encoding="utf-8"?>
 <p:sld xmlns:a="http://schemas.openxmlformats.org/drawingml/2006/main" xmlns:r="http://schemas.openxmlformats.org/officeDocument/2006/relationships" xmlns:p="http://schemas.openxmlformats.org/presentationml/2006/main">
   <p:cSld>
     <p:spTree>
@@ -14058,7 +14137,7 @@
 </p:sld>
 </file>
 
-<file path=ppt/slides/slide18.xml><?xml version="1.0" encoding="utf-8"?>
+<file path=ppt/slides/slide19.xml><?xml version="1.0" encoding="utf-8"?>
 <p:sld xmlns:a="http://schemas.openxmlformats.org/drawingml/2006/main" xmlns:r="http://schemas.openxmlformats.org/officeDocument/2006/relationships" xmlns:p="http://schemas.openxmlformats.org/presentationml/2006/main">
   <p:cSld>
     <p:spTree>
@@ -14144,7 +14223,88 @@
 </p:sld>
 </file>
 
-<file path=ppt/slides/slide19.xml><?xml version="1.0" encoding="utf-8"?>
+<file path=ppt/slides/slide2.xml><?xml version="1.0" encoding="utf-8"?>
+<p:sld xmlns:a="http://schemas.openxmlformats.org/drawingml/2006/main" xmlns:r="http://schemas.openxmlformats.org/officeDocument/2006/relationships" xmlns:p="http://schemas.openxmlformats.org/presentationml/2006/main">
+  <p:cSld>
+    <p:spTree>
+      <p:nvGrpSpPr>
+        <p:cNvPr id="1" name=""/>
+        <p:cNvGrpSpPr/>
+        <p:nvPr/>
+      </p:nvGrpSpPr>
+      <p:grpSpPr>
+        <a:xfrm>
+          <a:off x="0" y="0"/>
+          <a:ext cx="0" cy="0"/>
+          <a:chOff x="0" y="0"/>
+          <a:chExt cx="0" cy="0"/>
+        </a:xfrm>
+      </p:grpSpPr>
+      <p:sp>
+        <p:nvSpPr>
+          <p:cNvPr id="2" name="Title 1"/>
+          <p:cNvSpPr>
+            <a:spLocks noGrp="1"/>
+          </p:cNvSpPr>
+          <p:nvPr>
+            <p:ph type="title"/>
+          </p:nvPr>
+        </p:nvSpPr>
+        <p:spPr/>
+        <p:txBody>
+          <a:bodyPr/>
+          <a:lstStyle/>
+          <a:p>
+            <a:r>
+              <a:rPr lang="en-CA" dirty="0"/>
+              <a:t>Members</a:t>
+            </a:r>
+            <a:endParaRPr lang="en-US" dirty="0"/>
+          </a:p>
+        </p:txBody>
+      </p:sp>
+      <p:sp>
+        <p:nvSpPr>
+          <p:cNvPr id="3" name="Content Placeholder 2"/>
+          <p:cNvSpPr>
+            <a:spLocks noGrp="1"/>
+          </p:cNvSpPr>
+          <p:nvPr>
+            <p:ph idx="1"/>
+          </p:nvPr>
+        </p:nvSpPr>
+        <p:spPr/>
+        <p:txBody>
+          <a:bodyPr/>
+          <a:lstStyle/>
+          <a:p>
+            <a:r>
+              <a:rPr lang="en-CA" dirty="0"/>
+              <a:t>Add pictures of ourselves and the programs were in </a:t>
+            </a:r>
+          </a:p>
+          <a:p>
+            <a:endParaRPr lang="en-CA" dirty="0"/>
+          </a:p>
+          <a:p>
+            <a:endParaRPr lang="en-US" dirty="0"/>
+          </a:p>
+        </p:txBody>
+      </p:sp>
+    </p:spTree>
+    <p:extLst>
+      <p:ext uri="{BB962C8B-B14F-4D97-AF65-F5344CB8AC3E}">
+        <p14:creationId xmlns:p14="http://schemas.microsoft.com/office/powerpoint/2010/main" val="1790137314"/>
+      </p:ext>
+    </p:extLst>
+  </p:cSld>
+  <p:clrMapOvr>
+    <a:masterClrMapping/>
+  </p:clrMapOvr>
+</p:sld>
+</file>
+
+<file path=ppt/slides/slide20.xml><?xml version="1.0" encoding="utf-8"?>
 <p:sld xmlns:a="http://schemas.openxmlformats.org/drawingml/2006/main" xmlns:r="http://schemas.openxmlformats.org/officeDocument/2006/relationships" xmlns:p="http://schemas.openxmlformats.org/presentationml/2006/main">
   <p:cSld>
     <p:spTree>
@@ -14285,88 +14445,7 @@
 </p:sld>
 </file>
 
-<file path=ppt/slides/slide2.xml><?xml version="1.0" encoding="utf-8"?>
-<p:sld xmlns:a="http://schemas.openxmlformats.org/drawingml/2006/main" xmlns:r="http://schemas.openxmlformats.org/officeDocument/2006/relationships" xmlns:p="http://schemas.openxmlformats.org/presentationml/2006/main">
-  <p:cSld>
-    <p:spTree>
-      <p:nvGrpSpPr>
-        <p:cNvPr id="1" name=""/>
-        <p:cNvGrpSpPr/>
-        <p:nvPr/>
-      </p:nvGrpSpPr>
-      <p:grpSpPr>
-        <a:xfrm>
-          <a:off x="0" y="0"/>
-          <a:ext cx="0" cy="0"/>
-          <a:chOff x="0" y="0"/>
-          <a:chExt cx="0" cy="0"/>
-        </a:xfrm>
-      </p:grpSpPr>
-      <p:sp>
-        <p:nvSpPr>
-          <p:cNvPr id="2" name="Title 1"/>
-          <p:cNvSpPr>
-            <a:spLocks noGrp="1"/>
-          </p:cNvSpPr>
-          <p:nvPr>
-            <p:ph type="title"/>
-          </p:nvPr>
-        </p:nvSpPr>
-        <p:spPr/>
-        <p:txBody>
-          <a:bodyPr/>
-          <a:lstStyle/>
-          <a:p>
-            <a:r>
-              <a:rPr lang="en-CA" dirty="0"/>
-              <a:t>Members</a:t>
-            </a:r>
-            <a:endParaRPr lang="en-US" dirty="0"/>
-          </a:p>
-        </p:txBody>
-      </p:sp>
-      <p:sp>
-        <p:nvSpPr>
-          <p:cNvPr id="3" name="Content Placeholder 2"/>
-          <p:cNvSpPr>
-            <a:spLocks noGrp="1"/>
-          </p:cNvSpPr>
-          <p:nvPr>
-            <p:ph idx="1"/>
-          </p:nvPr>
-        </p:nvSpPr>
-        <p:spPr/>
-        <p:txBody>
-          <a:bodyPr/>
-          <a:lstStyle/>
-          <a:p>
-            <a:r>
-              <a:rPr lang="en-CA" dirty="0"/>
-              <a:t>Add pictures of ourselves and the programs were in </a:t>
-            </a:r>
-          </a:p>
-          <a:p>
-            <a:endParaRPr lang="en-CA" dirty="0"/>
-          </a:p>
-          <a:p>
-            <a:endParaRPr lang="en-US" dirty="0"/>
-          </a:p>
-        </p:txBody>
-      </p:sp>
-    </p:spTree>
-    <p:extLst>
-      <p:ext uri="{BB962C8B-B14F-4D97-AF65-F5344CB8AC3E}">
-        <p14:creationId xmlns:p14="http://schemas.microsoft.com/office/powerpoint/2010/main" val="1790137314"/>
-      </p:ext>
-    </p:extLst>
-  </p:cSld>
-  <p:clrMapOvr>
-    <a:masterClrMapping/>
-  </p:clrMapOvr>
-</p:sld>
-</file>
-
-<file path=ppt/slides/slide20.xml><?xml version="1.0" encoding="utf-8"?>
+<file path=ppt/slides/slide21.xml><?xml version="1.0" encoding="utf-8"?>
 <p:sld xmlns:a="http://schemas.openxmlformats.org/drawingml/2006/main" xmlns:r="http://schemas.openxmlformats.org/officeDocument/2006/relationships" xmlns:p="http://schemas.openxmlformats.org/presentationml/2006/main">
   <p:cSld>
     <p:spTree>
@@ -14637,7 +14716,7 @@
 </p:sld>
 </file>
 
-<file path=ppt/slides/slide21.xml><?xml version="1.0" encoding="utf-8"?>
+<file path=ppt/slides/slide22.xml><?xml version="1.0" encoding="utf-8"?>
 <p:sld xmlns:a="http://schemas.openxmlformats.org/drawingml/2006/main" xmlns:r="http://schemas.openxmlformats.org/officeDocument/2006/relationships" xmlns:p="http://schemas.openxmlformats.org/presentationml/2006/main">
   <p:cSld>
     <p:spTree>
@@ -14732,28 +14811,28 @@
                 <a:gridCol w="2576675">
                   <a:extLst>
                     <a:ext uri="{9D8B030D-6E8A-4147-A177-3AD203B41FA5}">
-                      <a16:colId xmlns:a16="http://schemas.microsoft.com/office/drawing/2014/main" val="20000"/>
+                      <a16:colId xmlns:a16="http://schemas.microsoft.com/office/drawing/2014/main" xmlns="" val="20000"/>
                     </a:ext>
                   </a:extLst>
                 </a:gridCol>
                 <a:gridCol w="2576675">
                   <a:extLst>
                     <a:ext uri="{9D8B030D-6E8A-4147-A177-3AD203B41FA5}">
-                      <a16:colId xmlns:a16="http://schemas.microsoft.com/office/drawing/2014/main" val="20001"/>
+                      <a16:colId xmlns:a16="http://schemas.microsoft.com/office/drawing/2014/main" xmlns="" val="20001"/>
                     </a:ext>
                   </a:extLst>
                 </a:gridCol>
                 <a:gridCol w="2576675">
                   <a:extLst>
                     <a:ext uri="{9D8B030D-6E8A-4147-A177-3AD203B41FA5}">
-                      <a16:colId xmlns:a16="http://schemas.microsoft.com/office/drawing/2014/main" val="20002"/>
+                      <a16:colId xmlns:a16="http://schemas.microsoft.com/office/drawing/2014/main" xmlns="" val="20002"/>
                     </a:ext>
                   </a:extLst>
                 </a:gridCol>
                 <a:gridCol w="1578550">
                   <a:extLst>
                     <a:ext uri="{9D8B030D-6E8A-4147-A177-3AD203B41FA5}">
-                      <a16:colId xmlns:a16="http://schemas.microsoft.com/office/drawing/2014/main" val="20003"/>
+                      <a16:colId xmlns:a16="http://schemas.microsoft.com/office/drawing/2014/main" xmlns="" val="20003"/>
                     </a:ext>
                   </a:extLst>
                 </a:gridCol>
@@ -14837,7 +14916,7 @@
                 </a:tc>
                 <a:extLst>
                   <a:ext uri="{0D108BD9-81ED-4DB2-BD59-A6C34878D82A}">
-                    <a16:rowId xmlns:a16="http://schemas.microsoft.com/office/drawing/2014/main" val="10000"/>
+                    <a16:rowId xmlns:a16="http://schemas.microsoft.com/office/drawing/2014/main" xmlns="" val="10000"/>
                   </a:ext>
                 </a:extLst>
               </a:tr>
@@ -14932,7 +15011,7 @@
                 </a:tc>
                 <a:extLst>
                   <a:ext uri="{0D108BD9-81ED-4DB2-BD59-A6C34878D82A}">
-                    <a16:rowId xmlns:a16="http://schemas.microsoft.com/office/drawing/2014/main" val="10001"/>
+                    <a16:rowId xmlns:a16="http://schemas.microsoft.com/office/drawing/2014/main" xmlns="" val="10001"/>
                   </a:ext>
                 </a:extLst>
               </a:tr>
@@ -15024,7 +15103,7 @@
                 </a:tc>
                 <a:extLst>
                   <a:ext uri="{0D108BD9-81ED-4DB2-BD59-A6C34878D82A}">
-                    <a16:rowId xmlns:a16="http://schemas.microsoft.com/office/drawing/2014/main" val="10002"/>
+                    <a16:rowId xmlns:a16="http://schemas.microsoft.com/office/drawing/2014/main" xmlns="" val="10002"/>
                   </a:ext>
                 </a:extLst>
               </a:tr>
@@ -15107,7 +15186,7 @@
                 </a:tc>
                 <a:extLst>
                   <a:ext uri="{0D108BD9-81ED-4DB2-BD59-A6C34878D82A}">
-                    <a16:rowId xmlns:a16="http://schemas.microsoft.com/office/drawing/2014/main" val="10003"/>
+                    <a16:rowId xmlns:a16="http://schemas.microsoft.com/office/drawing/2014/main" xmlns="" val="10003"/>
                   </a:ext>
                 </a:extLst>
               </a:tr>
@@ -15190,7 +15269,7 @@
                 </a:tc>
                 <a:extLst>
                   <a:ext uri="{0D108BD9-81ED-4DB2-BD59-A6C34878D82A}">
-                    <a16:rowId xmlns:a16="http://schemas.microsoft.com/office/drawing/2014/main" val="10004"/>
+                    <a16:rowId xmlns:a16="http://schemas.microsoft.com/office/drawing/2014/main" xmlns="" val="10004"/>
                   </a:ext>
                 </a:extLst>
               </a:tr>
@@ -15273,7 +15352,7 @@
                 </a:tc>
                 <a:extLst>
                   <a:ext uri="{0D108BD9-81ED-4DB2-BD59-A6C34878D82A}">
-                    <a16:rowId xmlns:a16="http://schemas.microsoft.com/office/drawing/2014/main" val="10005"/>
+                    <a16:rowId xmlns:a16="http://schemas.microsoft.com/office/drawing/2014/main" xmlns="" val="10005"/>
                   </a:ext>
                 </a:extLst>
               </a:tr>
@@ -15356,7 +15435,7 @@
                 </a:tc>
                 <a:extLst>
                   <a:ext uri="{0D108BD9-81ED-4DB2-BD59-A6C34878D82A}">
-                    <a16:rowId xmlns:a16="http://schemas.microsoft.com/office/drawing/2014/main" val="10006"/>
+                    <a16:rowId xmlns:a16="http://schemas.microsoft.com/office/drawing/2014/main" xmlns="" val="10006"/>
                   </a:ext>
                 </a:extLst>
               </a:tr>
@@ -15415,7 +15494,7 @@
 </p:sld>
 </file>
 
-<file path=ppt/slides/slide22.xml><?xml version="1.0" encoding="utf-8"?>
+<file path=ppt/slides/slide23.xml><?xml version="1.0" encoding="utf-8"?>
 <p:sld xmlns:a="http://schemas.openxmlformats.org/drawingml/2006/main" xmlns:r="http://schemas.openxmlformats.org/officeDocument/2006/relationships" xmlns:p="http://schemas.openxmlformats.org/presentationml/2006/main">
   <p:cSld>
     <p:spTree>
@@ -15817,7 +15896,7 @@
 </p:sld>
 </file>
 
-<file path=ppt/slides/slide23.xml><?xml version="1.0" encoding="utf-8"?>
+<file path=ppt/slides/slide24.xml><?xml version="1.0" encoding="utf-8"?>
 <p:sld xmlns:a="http://schemas.openxmlformats.org/drawingml/2006/main" xmlns:r="http://schemas.openxmlformats.org/officeDocument/2006/relationships" xmlns:p="http://schemas.openxmlformats.org/presentationml/2006/main">
   <p:cSld>
     <p:spTree>
@@ -15843,7 +15922,7 @@
           <p:nvPr>
             <p:extLst>
               <p:ext uri="{386F3935-93C4-4BCD-93E2-E3B085C9AB24}">
-                <p16:designElem xmlns:p16="http://schemas.microsoft.com/office/powerpoint/2015/main" val="1"/>
+                <p16:designElem xmlns:p16="http://schemas.microsoft.com/office/powerpoint/2015/main" xmlns="" val="1"/>
               </p:ext>
             </p:extLst>
           </p:nvPr>
@@ -15897,7 +15976,7 @@
           <p:nvPr>
             <p:extLst>
               <p:ext uri="{386F3935-93C4-4BCD-93E2-E3B085C9AB24}">
-                <p16:designElem xmlns:p16="http://schemas.microsoft.com/office/powerpoint/2015/main" val="1"/>
+                <p16:designElem xmlns:p16="http://schemas.microsoft.com/office/powerpoint/2015/main" xmlns="" val="1"/>
               </p:ext>
             </p:extLst>
           </p:nvPr>
@@ -15990,7 +16069,7 @@
           <p:nvPr>
             <p:extLst>
               <p:ext uri="{386F3935-93C4-4BCD-93E2-E3B085C9AB24}">
-                <p16:designElem xmlns:p16="http://schemas.microsoft.com/office/powerpoint/2015/main" val="1"/>
+                <p16:designElem xmlns:p16="http://schemas.microsoft.com/office/powerpoint/2015/main" xmlns="" val="1"/>
               </p:ext>
             </p:extLst>
           </p:nvPr>
@@ -16982,7 +17061,7 @@
           <p:nvPr>
             <p:extLst>
               <p:ext uri="{386F3935-93C4-4BCD-93E2-E3B085C9AB24}">
-                <p16:designElem xmlns:p16="http://schemas.microsoft.com/office/powerpoint/2015/main" val="1"/>
+                <p16:designElem xmlns:p16="http://schemas.microsoft.com/office/powerpoint/2015/main" xmlns="" val="1"/>
               </p:ext>
             </p:extLst>
           </p:nvPr>
@@ -17132,7 +17211,7 @@
           <p:nvPr>
             <p:extLst>
               <p:ext uri="{386F3935-93C4-4BCD-93E2-E3B085C9AB24}">
-                <p16:designElem xmlns:p16="http://schemas.microsoft.com/office/powerpoint/2015/main" val="1"/>
+                <p16:designElem xmlns:p16="http://schemas.microsoft.com/office/powerpoint/2015/main" xmlns="" val="1"/>
               </p:ext>
             </p:extLst>
           </p:nvPr>
@@ -18315,7 +18394,7 @@
           <p:nvPr>
             <p:extLst>
               <p:ext uri="{386F3935-93C4-4BCD-93E2-E3B085C9AB24}">
-                <p16:designElem xmlns:p16="http://schemas.microsoft.com/office/powerpoint/2015/main" val="1"/>
+                <p16:designElem xmlns:p16="http://schemas.microsoft.com/office/powerpoint/2015/main" xmlns="" val="1"/>
               </p:ext>
             </p:extLst>
           </p:nvPr>
@@ -18435,40 +18514,13 @@
           <a:lstStyle/>
           <a:p>
             <a:r>
-              <a:rPr lang="en-CA">
-                <a:solidFill>
-                  <a:schemeClr val="tx1"/>
-                </a:solidFill>
-              </a:rPr>
-              <a:t>Pictures of each </a:t>
-            </a:r>
-          </a:p>
-          <a:p>
-            <a:r>
-              <a:rPr lang="en-CA">
+              <a:rPr lang="en-CA" dirty="0" smtClean="0">
                 <a:solidFill>
                   <a:schemeClr val="tx1"/>
                 </a:solidFill>
               </a:rPr>
               <a:t>Description of the components and how they interact</a:t>
             </a:r>
-          </a:p>
-          <a:p>
-            <a:r>
-              <a:rPr lang="en-CA">
-                <a:solidFill>
-                  <a:schemeClr val="tx1"/>
-                </a:solidFill>
-              </a:rPr>
-              <a:t>Draw io picture</a:t>
-            </a:r>
-          </a:p>
-          <a:p>
-            <a:endParaRPr lang="en-US">
-              <a:solidFill>
-                <a:schemeClr val="tx1"/>
-              </a:solidFill>
-            </a:endParaRPr>
           </a:p>
         </p:txBody>
       </p:sp>
@@ -18512,7 +18564,12 @@
             <p:ph type="title"/>
           </p:nvPr>
         </p:nvSpPr>
-        <p:spPr/>
+        <p:spPr>
+          <a:xfrm>
+            <a:off x="1465038" y="301105"/>
+            <a:ext cx="10178322" cy="1492132"/>
+          </a:xfrm>
+        </p:spPr>
         <p:txBody>
           <a:bodyPr/>
           <a:lstStyle/>
@@ -18549,24 +18606,6 @@
             <a:r>
               <a:rPr lang="en-CA" dirty="0"/>
               <a:t>Parts used </a:t>
-            </a:r>
-          </a:p>
-          <a:p>
-            <a:r>
-              <a:rPr lang="en-CA" dirty="0"/>
-              <a:t>OpenCV algorithm</a:t>
-            </a:r>
-          </a:p>
-          <a:p>
-            <a:r>
-              <a:rPr lang="en-CA" dirty="0"/>
-              <a:t>Communication </a:t>
-            </a:r>
-          </a:p>
-          <a:p>
-            <a:r>
-              <a:rPr lang="en-CA" dirty="0"/>
-              <a:t>Data Passing</a:t>
             </a:r>
           </a:p>
           <a:p>
@@ -18624,9 +18663,17 @@
           <a:p>
             <a:r>
               <a:rPr lang="en-CA" dirty="0"/>
-              <a:t>Video of car driving</a:t>
-            </a:r>
-            <a:endParaRPr lang="en-US" dirty="0"/>
+              <a:t>Vehicle </a:t>
+            </a:r>
+            <a:r>
+              <a:rPr lang="en-CA" dirty="0" smtClean="0"/>
+              <a:t>Controller </a:t>
+            </a:r>
+            <a:r>
+              <a:rPr lang="en-CA" sz="1600" dirty="0" smtClean="0"/>
+              <a:t>(continued)</a:t>
+            </a:r>
+            <a:endParaRPr lang="en-CA" dirty="0"/>
           </a:p>
         </p:txBody>
       </p:sp>
@@ -18645,14 +18692,34 @@
           <a:bodyPr/>
           <a:lstStyle/>
           <a:p>
-            <a:endParaRPr lang="en-US"/>
+            <a:r>
+              <a:rPr lang="en-CA" dirty="0" smtClean="0"/>
+              <a:t>Lane Following Algorithm</a:t>
+            </a:r>
+          </a:p>
+          <a:p>
+            <a:r>
+              <a:rPr lang="en-CA" dirty="0" smtClean="0"/>
+              <a:t>Communication</a:t>
+            </a:r>
+          </a:p>
+          <a:p>
+            <a:r>
+              <a:rPr lang="en-CA" dirty="0" smtClean="0"/>
+              <a:t>Data </a:t>
+            </a:r>
+            <a:r>
+              <a:rPr lang="en-CA" dirty="0"/>
+              <a:t>Passing</a:t>
+            </a:r>
+            <a:endParaRPr lang="en-CA" dirty="0"/>
           </a:p>
         </p:txBody>
       </p:sp>
     </p:spTree>
     <p:extLst>
       <p:ext uri="{BB962C8B-B14F-4D97-AF65-F5344CB8AC3E}">
-        <p14:creationId xmlns:p14="http://schemas.microsoft.com/office/powerpoint/2010/main" val="1157409652"/>
+        <p14:creationId xmlns:p14="http://schemas.microsoft.com/office/powerpoint/2010/main" val="1196771545"/>
       </p:ext>
     </p:extLst>
   </p:cSld>
@@ -18696,11 +18763,7 @@
           <a:p>
             <a:r>
               <a:rPr lang="en-CA" dirty="0"/>
-              <a:t>Intersection </a:t>
-            </a:r>
-            <a:r>
-              <a:rPr lang="en-CA" dirty="0" err="1"/>
-              <a:t>COntroller</a:t>
+              <a:t>Video of car driving</a:t>
             </a:r>
             <a:endParaRPr lang="en-US" dirty="0"/>
           </a:p>
@@ -18721,61 +18784,14 @@
           <a:bodyPr/>
           <a:lstStyle/>
           <a:p>
-            <a:r>
-              <a:rPr lang="en-CA" dirty="0"/>
-              <a:t>Why an IC?</a:t>
-            </a:r>
-          </a:p>
-          <a:p>
-            <a:pPr lvl="1"/>
-            <a:r>
-              <a:rPr lang="en-CA" dirty="0"/>
-              <a:t>Efficient traffic flow </a:t>
-            </a:r>
-          </a:p>
-          <a:p>
-            <a:pPr lvl="1"/>
-            <a:r>
-              <a:rPr lang="en-CA" dirty="0"/>
-              <a:t>Redundancy/redundant systems </a:t>
-            </a:r>
-          </a:p>
-          <a:p>
-            <a:r>
-              <a:rPr lang="en-CA" dirty="0"/>
-              <a:t>How its working</a:t>
-            </a:r>
-          </a:p>
-          <a:p>
-            <a:r>
-              <a:rPr lang="en-CA" dirty="0"/>
-              <a:t>Parts used</a:t>
-            </a:r>
-          </a:p>
-          <a:p>
-            <a:r>
-              <a:rPr lang="en-CA" dirty="0"/>
-              <a:t>Communication</a:t>
-            </a:r>
-          </a:p>
-          <a:p>
-            <a:r>
-              <a:rPr lang="en-CA" dirty="0"/>
-              <a:t>Camera</a:t>
-            </a:r>
-          </a:p>
-          <a:p>
-            <a:endParaRPr lang="en-CA" dirty="0"/>
-          </a:p>
-          <a:p>
-            <a:endParaRPr lang="en-US" dirty="0"/>
+            <a:endParaRPr lang="en-US"/>
           </a:p>
         </p:txBody>
       </p:sp>
     </p:spTree>
     <p:extLst>
       <p:ext uri="{BB962C8B-B14F-4D97-AF65-F5344CB8AC3E}">
-        <p14:creationId xmlns:p14="http://schemas.microsoft.com/office/powerpoint/2010/main" val="3290232183"/>
+        <p14:creationId xmlns:p14="http://schemas.microsoft.com/office/powerpoint/2010/main" val="1157409652"/>
       </p:ext>
     </p:extLst>
   </p:cSld>
@@ -18819,7 +18835,11 @@
           <a:p>
             <a:r>
               <a:rPr lang="en-CA" dirty="0"/>
-              <a:t>Video of IC picking up car going by </a:t>
+              <a:t>Intersection </a:t>
+            </a:r>
+            <a:r>
+              <a:rPr lang="en-CA" dirty="0" err="1"/>
+              <a:t>COntroller</a:t>
             </a:r>
             <a:endParaRPr lang="en-US" dirty="0"/>
           </a:p>
@@ -18840,9 +18860,50 @@
           <a:bodyPr/>
           <a:lstStyle/>
           <a:p>
-            <a:pPr marL="0" indent="0">
-              <a:buNone/>
-            </a:pPr>
+            <a:r>
+              <a:rPr lang="en-CA" dirty="0"/>
+              <a:t>Why an IC?</a:t>
+            </a:r>
+          </a:p>
+          <a:p>
+            <a:pPr lvl="1"/>
+            <a:r>
+              <a:rPr lang="en-CA" dirty="0"/>
+              <a:t>Efficient traffic flow </a:t>
+            </a:r>
+          </a:p>
+          <a:p>
+            <a:pPr lvl="1"/>
+            <a:r>
+              <a:rPr lang="en-CA" dirty="0"/>
+              <a:t>Redundancy/redundant systems </a:t>
+            </a:r>
+          </a:p>
+          <a:p>
+            <a:r>
+              <a:rPr lang="en-CA" dirty="0"/>
+              <a:t>How its working</a:t>
+            </a:r>
+          </a:p>
+          <a:p>
+            <a:r>
+              <a:rPr lang="en-CA" dirty="0"/>
+              <a:t>Parts used</a:t>
+            </a:r>
+          </a:p>
+          <a:p>
+            <a:r>
+              <a:rPr lang="en-CA" dirty="0"/>
+              <a:t>Communication</a:t>
+            </a:r>
+          </a:p>
+          <a:p>
+            <a:r>
+              <a:rPr lang="en-CA" dirty="0"/>
+              <a:t>Camera</a:t>
+            </a:r>
+          </a:p>
+          <a:p>
             <a:endParaRPr lang="en-CA" dirty="0"/>
           </a:p>
           <a:p>
@@ -18853,7 +18914,7 @@
     </p:spTree>
     <p:extLst>
       <p:ext uri="{BB962C8B-B14F-4D97-AF65-F5344CB8AC3E}">
-        <p14:creationId xmlns:p14="http://schemas.microsoft.com/office/powerpoint/2010/main" val="455302734"/>
+        <p14:creationId xmlns:p14="http://schemas.microsoft.com/office/powerpoint/2010/main" val="3290232183"/>
       </p:ext>
     </p:extLst>
   </p:cSld>

--- a/Presentation/Vehicle Intersection Control Presentation.pptx
+++ b/Presentation/Vehicle Intersection Control Presentation.pptx
@@ -220,7 +220,7 @@
           <a:p>
             <a:fld id="{35B82655-F55E-45D4-839B-7F4274A77E35}" type="datetimeFigureOut">
               <a:rPr lang="en-US" smtClean="0"/>
-              <a:t>3/30/2017</a:t>
+              <a:t>4/3/2017</a:t>
             </a:fld>
             <a:endParaRPr lang="en-US"/>
           </a:p>
@@ -3263,7 +3263,7 @@
           <a:p>
             <a:fld id="{2FFE84A0-83F7-4E0A-A0CE-A961D6AAB2B6}" type="datetimeFigureOut">
               <a:rPr lang="en-US" smtClean="0"/>
-              <a:t>3/30/2017</a:t>
+              <a:t>4/3/2017</a:t>
             </a:fld>
             <a:endParaRPr lang="en-US" dirty="0"/>
           </a:p>
@@ -3501,7 +3501,7 @@
           <a:p>
             <a:fld id="{2FFE84A0-83F7-4E0A-A0CE-A961D6AAB2B6}" type="datetimeFigureOut">
               <a:rPr lang="en-US" smtClean="0"/>
-              <a:t>3/30/2017</a:t>
+              <a:t>4/3/2017</a:t>
             </a:fld>
             <a:endParaRPr lang="en-US" dirty="0"/>
           </a:p>
@@ -3681,7 +3681,7 @@
           <a:p>
             <a:fld id="{2FFE84A0-83F7-4E0A-A0CE-A961D6AAB2B6}" type="datetimeFigureOut">
               <a:rPr lang="en-US" smtClean="0"/>
-              <a:t>3/30/2017</a:t>
+              <a:t>4/3/2017</a:t>
             </a:fld>
             <a:endParaRPr lang="en-US" dirty="0"/>
           </a:p>
@@ -3851,7 +3851,7 @@
           <a:p>
             <a:fld id="{2FFE84A0-83F7-4E0A-A0CE-A961D6AAB2B6}" type="datetimeFigureOut">
               <a:rPr lang="en-US" smtClean="0"/>
-              <a:t>3/30/2017</a:t>
+              <a:t>4/3/2017</a:t>
             </a:fld>
             <a:endParaRPr lang="en-US" dirty="0"/>
           </a:p>
@@ -4127,7 +4127,7 @@
           <a:p>
             <a:fld id="{2FFE84A0-83F7-4E0A-A0CE-A961D6AAB2B6}" type="datetimeFigureOut">
               <a:rPr lang="en-US" smtClean="0"/>
-              <a:t>3/30/2017</a:t>
+              <a:t>4/3/2017</a:t>
             </a:fld>
             <a:endParaRPr lang="en-US" dirty="0"/>
           </a:p>
@@ -5328,7 +5328,7 @@
           <a:p>
             <a:fld id="{2FFE84A0-83F7-4E0A-A0CE-A961D6AAB2B6}" type="datetimeFigureOut">
               <a:rPr lang="en-US" smtClean="0"/>
-              <a:t>3/30/2017</a:t>
+              <a:t>4/3/2017</a:t>
             </a:fld>
             <a:endParaRPr lang="en-US" dirty="0"/>
           </a:p>
@@ -5718,7 +5718,7 @@
           <a:p>
             <a:fld id="{2FFE84A0-83F7-4E0A-A0CE-A961D6AAB2B6}" type="datetimeFigureOut">
               <a:rPr lang="en-US" smtClean="0"/>
-              <a:t>3/30/2017</a:t>
+              <a:t>4/3/2017</a:t>
             </a:fld>
             <a:endParaRPr lang="en-US" dirty="0"/>
           </a:p>
@@ -5841,7 +5841,7 @@
           <a:p>
             <a:fld id="{2FFE84A0-83F7-4E0A-A0CE-A961D6AAB2B6}" type="datetimeFigureOut">
               <a:rPr lang="en-US" smtClean="0"/>
-              <a:t>3/30/2017</a:t>
+              <a:t>4/3/2017</a:t>
             </a:fld>
             <a:endParaRPr lang="en-US" dirty="0"/>
           </a:p>
@@ -5936,7 +5936,7 @@
           <a:p>
             <a:fld id="{2FFE84A0-83F7-4E0A-A0CE-A961D6AAB2B6}" type="datetimeFigureOut">
               <a:rPr lang="en-US" smtClean="0"/>
-              <a:t>3/30/2017</a:t>
+              <a:t>4/3/2017</a:t>
             </a:fld>
             <a:endParaRPr lang="en-US" dirty="0"/>
           </a:p>
@@ -6699,7 +6699,7 @@
           <a:p>
             <a:fld id="{2FFE84A0-83F7-4E0A-A0CE-A961D6AAB2B6}" type="datetimeFigureOut">
               <a:rPr lang="en-US" smtClean="0"/>
-              <a:t>3/30/2017</a:t>
+              <a:t>4/3/2017</a:t>
             </a:fld>
             <a:endParaRPr lang="en-US" dirty="0"/>
           </a:p>
@@ -7538,7 +7538,7 @@
           <a:p>
             <a:fld id="{2FFE84A0-83F7-4E0A-A0CE-A961D6AAB2B6}" type="datetimeFigureOut">
               <a:rPr lang="en-US" smtClean="0"/>
-              <a:t>3/30/2017</a:t>
+              <a:t>4/3/2017</a:t>
             </a:fld>
             <a:endParaRPr lang="en-US" dirty="0"/>
           </a:p>
@@ -7765,7 +7765,7 @@
           <a:p>
             <a:fld id="{2FFE84A0-83F7-4E0A-A0CE-A961D6AAB2B6}" type="datetimeFigureOut">
               <a:rPr lang="en-US" smtClean="0"/>
-              <a:t>3/30/2017</a:t>
+              <a:t>4/3/2017</a:t>
             </a:fld>
             <a:endParaRPr lang="en-US" dirty="0"/>
           </a:p>
@@ -8773,7 +8773,7 @@
           <p:nvPr>
             <p:extLst>
               <p:ext uri="{386F3935-93C4-4BCD-93E2-E3B085C9AB24}">
-                <p16:designElem xmlns:p16="http://schemas.microsoft.com/office/powerpoint/2015/main" xmlns="" val="1"/>
+                <p16:designElem xmlns:p16="http://schemas.microsoft.com/office/powerpoint/2015/main" val="1"/>
               </p:ext>
             </p:extLst>
           </p:nvPr>
@@ -8923,7 +8923,7 @@
           <p:nvPr>
             <p:extLst>
               <p:ext uri="{386F3935-93C4-4BCD-93E2-E3B085C9AB24}">
-                <p16:designElem xmlns:p16="http://schemas.microsoft.com/office/powerpoint/2015/main" xmlns="" val="1"/>
+                <p16:designElem xmlns:p16="http://schemas.microsoft.com/office/powerpoint/2015/main" val="1"/>
               </p:ext>
             </p:extLst>
           </p:nvPr>
@@ -9395,7 +9395,7 @@
           <p:nvPr>
             <p:extLst>
               <p:ext uri="{386F3935-93C4-4BCD-93E2-E3B085C9AB24}">
-                <p16:designElem xmlns:p16="http://schemas.microsoft.com/office/powerpoint/2015/main" xmlns="" val="1"/>
+                <p16:designElem xmlns:p16="http://schemas.microsoft.com/office/powerpoint/2015/main" val="1"/>
               </p:ext>
             </p:extLst>
           </p:nvPr>
@@ -13111,7 +13111,7 @@
                                   <p:childTnLst>
                                     <p:animMotion origin="layout" path="M -4.16667E-7 -4.07407E-6 L -0.00026 0.21412 " pathEditMode="relative" rAng="0" ptsTypes="AA">
                                       <p:cBhvr>
-                                        <p:cTn id="6" dur="5000" fill="hold"/>
+                                        <p:cTn id="6" dur="4500" fill="hold"/>
                                         <p:tgtEl>
                                           <p:spTgt spid="26"/>
                                         </p:tgtEl>
@@ -13128,12 +13128,12 @@
                               <p:par>
                                 <p:cTn id="7" presetID="50" presetClass="path" presetSubtype="0" accel="50000" decel="50000" fill="hold" grpId="0" nodeType="withEffect">
                                   <p:stCondLst>
-                                    <p:cond delay="750"/>
+                                    <p:cond delay="800"/>
                                   </p:stCondLst>
                                   <p:childTnLst>
-                                    <p:animMotion origin="layout" path="M 0.40156 0.17106 L 0.20078 0.17106 C 0.11081 0.17106 -0.00013 0.12384 -0.00013 0.08611 L -0.00013 0.00116 " pathEditMode="relative" rAng="10800000" ptsTypes="AAAA">
+                                    <p:animMotion origin="layout" path="M 0.4013 0.17106 L 0.20052 0.17106 C 0.11055 0.17106 -0.00039 0.12384 -0.00039 0.08611 L -0.00039 0.00115 " pathEditMode="relative" rAng="10800000" ptsTypes="AAAA">
                                       <p:cBhvr>
-                                        <p:cTn id="8" dur="4000" spd="-100000" fill="hold"/>
+                                        <p:cTn id="8" dur="3000" spd="-100000" fill="hold"/>
                                         <p:tgtEl>
                                           <p:spTgt spid="28"/>
                                         </p:tgtEl>
@@ -13155,7 +13155,7 @@
                                   <p:childTnLst>
                                     <p:animMotion origin="layout" path="M 3.125E-6 -1.85185E-6 L -0.30352 0.00371 " pathEditMode="relative" rAng="0" ptsTypes="AA">
                                       <p:cBhvr>
-                                        <p:cTn id="10" dur="4750" fill="hold"/>
+                                        <p:cTn id="10" dur="3750" fill="hold"/>
                                         <p:tgtEl>
                                           <p:spTgt spid="25"/>
                                         </p:tgtEl>
@@ -13177,7 +13177,7 @@
                                   <p:childTnLst>
                                     <p:animMotion origin="layout" path="M -4.79167E-6 -1.48148E-6 L -0.11315 -1.48148E-6 C -0.16367 -1.48148E-6 -0.2263 -0.06898 -0.2263 -0.125 L -0.2263 -0.25 " pathEditMode="relative" rAng="10800000" ptsTypes="AAAA">
                                       <p:cBhvr>
-                                        <p:cTn id="12" dur="4250" fill="hold"/>
+                                        <p:cTn id="12" dur="3250" fill="hold"/>
                                         <p:tgtEl>
                                           <p:spTgt spid="30"/>
                                         </p:tgtEl>
@@ -13199,7 +13199,7 @@
                                   <p:childTnLst>
                                     <p:animMotion origin="layout" path="M 2.70833E-6 -2.96296E-6 L 0.30377 -0.00463 " pathEditMode="relative" rAng="0" ptsTypes="AA">
                                       <p:cBhvr>
-                                        <p:cTn id="14" dur="5000" fill="hold"/>
+                                        <p:cTn id="14" dur="3500" fill="hold"/>
                                         <p:tgtEl>
                                           <p:spTgt spid="27"/>
                                         </p:tgtEl>
@@ -13221,7 +13221,7 @@
                                   <p:childTnLst>
                                     <p:animMotion origin="layout" path="M -0.00026 -0.00787 L 0.42656 -0.00787 C 0.61771 -0.00787 0.85351 -0.15416 0.85351 -0.27291 L 0.85351 -0.53773 " pathEditMode="relative" rAng="0" ptsTypes="AAAA">
                                       <p:cBhvr>
-                                        <p:cTn id="16" dur="4000" fill="hold"/>
+                                        <p:cTn id="16" dur="3000" fill="hold"/>
                                         <p:tgtEl>
                                           <p:spTgt spid="31"/>
                                         </p:tgtEl>
@@ -13241,7 +13241,7 @@
                         <p:par>
                           <p:cTn id="17" fill="hold">
                             <p:stCondLst>
-                              <p:cond delay="6000"/>
+                              <p:cond delay="4600"/>
                             </p:stCondLst>
                             <p:childTnLst>
                               <p:par>
@@ -13355,13 +13355,13 @@
                         <p:par>
                           <p:cTn id="27" fill="hold">
                             <p:stCondLst>
-                              <p:cond delay="6500"/>
+                              <p:cond delay="5100"/>
                             </p:stCondLst>
                             <p:childTnLst>
                               <p:par>
                                 <p:cTn id="28" presetID="10" presetClass="entr" presetSubtype="0" fill="hold" grpId="0" nodeType="afterEffect">
                                   <p:stCondLst>
-                                    <p:cond delay="1500"/>
+                                    <p:cond delay="500"/>
                                   </p:stCondLst>
                                   <p:childTnLst>
                                     <p:set>
@@ -13399,7 +13399,7 @@
                         <p:par>
                           <p:cTn id="31" fill="hold">
                             <p:stCondLst>
-                              <p:cond delay="8500"/>
+                              <p:cond delay="6100"/>
                             </p:stCondLst>
                             <p:childTnLst>
                               <p:par>
@@ -13410,7 +13410,7 @@
                                   <p:childTnLst>
                                     <p:animMotion origin="layout" path="M -3.125E-6 -3.7037E-6 L -0.40195 0.04075 " pathEditMode="relative" rAng="0" ptsTypes="AA">
                                       <p:cBhvr>
-                                        <p:cTn id="33" dur="2000" fill="hold"/>
+                                        <p:cTn id="33" dur="1000" fill="hold"/>
                                         <p:tgtEl>
                                           <p:spTgt spid="32"/>
                                         </p:tgtEl>
@@ -13427,7 +13427,7 @@
                               <p:par>
                                 <p:cTn id="34" presetID="10" presetClass="exit" presetSubtype="0" fill="hold" grpId="1" nodeType="withEffect">
                                   <p:stCondLst>
-                                    <p:cond delay="2000"/>
+                                    <p:cond delay="1000"/>
                                   </p:stCondLst>
                                   <p:childTnLst>
                                     <p:animEffect transition="out" filter="fade">
@@ -13465,18 +13465,18 @@
                         <p:par>
                           <p:cTn id="37" fill="hold">
                             <p:stCondLst>
-                              <p:cond delay="11000"/>
+                              <p:cond delay="7600"/>
                             </p:stCondLst>
                             <p:childTnLst>
                               <p:par>
                                 <p:cTn id="38" presetID="42" presetClass="path" presetSubtype="0" accel="50000" decel="50000" fill="hold" grpId="1" nodeType="afterEffect">
                                   <p:stCondLst>
-                                    <p:cond delay="600"/>
+                                    <p:cond delay="550"/>
                                   </p:stCondLst>
                                   <p:childTnLst>
                                     <p:animMotion origin="layout" path="M -0.00026 0.21412 L 0.00078 1.15116 " pathEditMode="relative" rAng="0" ptsTypes="AA">
                                       <p:cBhvr>
-                                        <p:cTn id="39" dur="5250" fill="hold"/>
+                                        <p:cTn id="39" dur="3000" fill="hold"/>
                                         <p:tgtEl>
                                           <p:spTgt spid="26"/>
                                         </p:tgtEl>
@@ -13493,7 +13493,7 @@
                               <p:par>
                                 <p:cTn id="40" presetID="10" presetClass="entr" presetSubtype="0" fill="hold" grpId="0" nodeType="withEffect">
                                   <p:stCondLst>
-                                    <p:cond delay="900"/>
+                                    <p:cond delay="500"/>
                                   </p:stCondLst>
                                   <p:childTnLst>
                                     <p:set>
@@ -13528,7 +13528,7 @@
                               <p:par>
                                 <p:cTn id="43" presetID="22" presetClass="entr" presetSubtype="4" fill="hold" grpId="0" nodeType="withEffect">
                                   <p:stCondLst>
-                                    <p:cond delay="1000"/>
+                                    <p:cond delay="500"/>
                                   </p:stCondLst>
                                   <p:childTnLst>
                                     <p:set>
@@ -13568,7 +13568,7 @@
                                   <p:childTnLst>
                                     <p:animMotion origin="layout" path="M -3.125E-6 7.40741E-7 L -0.54987 0.53032 " pathEditMode="relative" rAng="0" ptsTypes="AA">
                                       <p:cBhvr>
-                                        <p:cTn id="47" dur="2000" fill="hold"/>
+                                        <p:cTn id="47" dur="1000" fill="hold"/>
                                         <p:tgtEl>
                                           <p:spTgt spid="35"/>
                                         </p:tgtEl>
@@ -13590,7 +13590,7 @@
                                   <p:childTnLst>
                                     <p:animMotion origin="layout" path="M -3.125E-6 1.48148E-6 L -0.07617 0.24954 " pathEditMode="relative" rAng="0" ptsTypes="AA">
                                       <p:cBhvr>
-                                        <p:cTn id="49" dur="2000" fill="hold"/>
+                                        <p:cTn id="49" dur="1000" fill="hold"/>
                                         <p:tgtEl>
                                           <p:spTgt spid="34"/>
                                         </p:tgtEl>
@@ -13607,7 +13607,7 @@
                               <p:par>
                                 <p:cTn id="50" presetID="10" presetClass="exit" presetSubtype="0" fill="hold" grpId="1" nodeType="withEffect">
                                   <p:stCondLst>
-                                    <p:cond delay="3700"/>
+                                    <p:cond delay="2700"/>
                                   </p:stCondLst>
                                   <p:childTnLst>
                                     <p:animEffect transition="out" filter="fade">
@@ -13642,7 +13642,7 @@
                               <p:par>
                                 <p:cTn id="53" presetID="10" presetClass="exit" presetSubtype="0" fill="hold" grpId="1" nodeType="withEffect">
                                   <p:stCondLst>
-                                    <p:cond delay="3800"/>
+                                    <p:cond delay="2800"/>
                                   </p:stCondLst>
                                   <p:childTnLst>
                                     <p:animEffect transition="out" filter="fade">
@@ -13677,12 +13677,12 @@
                               <p:par>
                                 <p:cTn id="56" presetID="42" presetClass="path" presetSubtype="0" accel="50000" decel="50000" fill="hold" grpId="1" nodeType="withEffect">
                                   <p:stCondLst>
-                                    <p:cond delay="4400"/>
+                                    <p:cond delay="3400"/>
                                   </p:stCondLst>
                                   <p:childTnLst>
                                     <p:animMotion origin="layout" path="M -0.30352 0.00371 L -1.06888 0.02107 " pathEditMode="relative" rAng="0" ptsTypes="AA">
                                       <p:cBhvr>
-                                        <p:cTn id="57" dur="5000" fill="hold"/>
+                                        <p:cTn id="57" dur="2750" fill="hold"/>
                                         <p:tgtEl>
                                           <p:spTgt spid="25"/>
                                         </p:tgtEl>
@@ -13699,12 +13699,12 @@
                               <p:par>
                                 <p:cTn id="58" presetID="42" presetClass="path" presetSubtype="0" accel="50000" decel="50000" fill="hold" grpId="1" nodeType="withEffect">
                                   <p:stCondLst>
-                                    <p:cond delay="4600"/>
+                                    <p:cond delay="3600"/>
                                   </p:stCondLst>
                                   <p:childTnLst>
                                     <p:animMotion origin="layout" path="M 0.30377 -0.00463 L 1.07669 -0.01736 " pathEditMode="relative" rAng="0" ptsTypes="AA">
                                       <p:cBhvr>
-                                        <p:cTn id="59" dur="5250" fill="hold"/>
+                                        <p:cTn id="59" dur="2750" fill="hold"/>
                                         <p:tgtEl>
                                           <p:spTgt spid="27"/>
                                         </p:tgtEl>
@@ -14811,28 +14811,28 @@
                 <a:gridCol w="2576675">
                   <a:extLst>
                     <a:ext uri="{9D8B030D-6E8A-4147-A177-3AD203B41FA5}">
-                      <a16:colId xmlns:a16="http://schemas.microsoft.com/office/drawing/2014/main" xmlns="" val="20000"/>
+                      <a16:colId xmlns:a16="http://schemas.microsoft.com/office/drawing/2014/main" val="20000"/>
                     </a:ext>
                   </a:extLst>
                 </a:gridCol>
                 <a:gridCol w="2576675">
                   <a:extLst>
                     <a:ext uri="{9D8B030D-6E8A-4147-A177-3AD203B41FA5}">
-                      <a16:colId xmlns:a16="http://schemas.microsoft.com/office/drawing/2014/main" xmlns="" val="20001"/>
+                      <a16:colId xmlns:a16="http://schemas.microsoft.com/office/drawing/2014/main" val="20001"/>
                     </a:ext>
                   </a:extLst>
                 </a:gridCol>
                 <a:gridCol w="2576675">
                   <a:extLst>
                     <a:ext uri="{9D8B030D-6E8A-4147-A177-3AD203B41FA5}">
-                      <a16:colId xmlns:a16="http://schemas.microsoft.com/office/drawing/2014/main" xmlns="" val="20002"/>
+                      <a16:colId xmlns:a16="http://schemas.microsoft.com/office/drawing/2014/main" val="20002"/>
                     </a:ext>
                   </a:extLst>
                 </a:gridCol>
                 <a:gridCol w="1578550">
                   <a:extLst>
                     <a:ext uri="{9D8B030D-6E8A-4147-A177-3AD203B41FA5}">
-                      <a16:colId xmlns:a16="http://schemas.microsoft.com/office/drawing/2014/main" xmlns="" val="20003"/>
+                      <a16:colId xmlns:a16="http://schemas.microsoft.com/office/drawing/2014/main" val="20003"/>
                     </a:ext>
                   </a:extLst>
                 </a:gridCol>
@@ -14916,7 +14916,7 @@
                 </a:tc>
                 <a:extLst>
                   <a:ext uri="{0D108BD9-81ED-4DB2-BD59-A6C34878D82A}">
-                    <a16:rowId xmlns:a16="http://schemas.microsoft.com/office/drawing/2014/main" xmlns="" val="10000"/>
+                    <a16:rowId xmlns:a16="http://schemas.microsoft.com/office/drawing/2014/main" val="10000"/>
                   </a:ext>
                 </a:extLst>
               </a:tr>
@@ -15011,7 +15011,7 @@
                 </a:tc>
                 <a:extLst>
                   <a:ext uri="{0D108BD9-81ED-4DB2-BD59-A6C34878D82A}">
-                    <a16:rowId xmlns:a16="http://schemas.microsoft.com/office/drawing/2014/main" xmlns="" val="10001"/>
+                    <a16:rowId xmlns:a16="http://schemas.microsoft.com/office/drawing/2014/main" val="10001"/>
                   </a:ext>
                 </a:extLst>
               </a:tr>
@@ -15103,7 +15103,7 @@
                 </a:tc>
                 <a:extLst>
                   <a:ext uri="{0D108BD9-81ED-4DB2-BD59-A6C34878D82A}">
-                    <a16:rowId xmlns:a16="http://schemas.microsoft.com/office/drawing/2014/main" xmlns="" val="10002"/>
+                    <a16:rowId xmlns:a16="http://schemas.microsoft.com/office/drawing/2014/main" val="10002"/>
                   </a:ext>
                 </a:extLst>
               </a:tr>
@@ -15186,7 +15186,7 @@
                 </a:tc>
                 <a:extLst>
                   <a:ext uri="{0D108BD9-81ED-4DB2-BD59-A6C34878D82A}">
-                    <a16:rowId xmlns:a16="http://schemas.microsoft.com/office/drawing/2014/main" xmlns="" val="10003"/>
+                    <a16:rowId xmlns:a16="http://schemas.microsoft.com/office/drawing/2014/main" val="10003"/>
                   </a:ext>
                 </a:extLst>
               </a:tr>
@@ -15269,7 +15269,7 @@
                 </a:tc>
                 <a:extLst>
                   <a:ext uri="{0D108BD9-81ED-4DB2-BD59-A6C34878D82A}">
-                    <a16:rowId xmlns:a16="http://schemas.microsoft.com/office/drawing/2014/main" xmlns="" val="10004"/>
+                    <a16:rowId xmlns:a16="http://schemas.microsoft.com/office/drawing/2014/main" val="10004"/>
                   </a:ext>
                 </a:extLst>
               </a:tr>
@@ -15352,7 +15352,7 @@
                 </a:tc>
                 <a:extLst>
                   <a:ext uri="{0D108BD9-81ED-4DB2-BD59-A6C34878D82A}">
-                    <a16:rowId xmlns:a16="http://schemas.microsoft.com/office/drawing/2014/main" xmlns="" val="10005"/>
+                    <a16:rowId xmlns:a16="http://schemas.microsoft.com/office/drawing/2014/main" val="10005"/>
                   </a:ext>
                 </a:extLst>
               </a:tr>
@@ -15435,7 +15435,7 @@
                 </a:tc>
                 <a:extLst>
                   <a:ext uri="{0D108BD9-81ED-4DB2-BD59-A6C34878D82A}">
-                    <a16:rowId xmlns:a16="http://schemas.microsoft.com/office/drawing/2014/main" xmlns="" val="10006"/>
+                    <a16:rowId xmlns:a16="http://schemas.microsoft.com/office/drawing/2014/main" val="10006"/>
                   </a:ext>
                 </a:extLst>
               </a:tr>
@@ -15922,7 +15922,7 @@
           <p:nvPr>
             <p:extLst>
               <p:ext uri="{386F3935-93C4-4BCD-93E2-E3B085C9AB24}">
-                <p16:designElem xmlns:p16="http://schemas.microsoft.com/office/powerpoint/2015/main" xmlns="" val="1"/>
+                <p16:designElem xmlns:p16="http://schemas.microsoft.com/office/powerpoint/2015/main" val="1"/>
               </p:ext>
             </p:extLst>
           </p:nvPr>
@@ -15976,7 +15976,7 @@
           <p:nvPr>
             <p:extLst>
               <p:ext uri="{386F3935-93C4-4BCD-93E2-E3B085C9AB24}">
-                <p16:designElem xmlns:p16="http://schemas.microsoft.com/office/powerpoint/2015/main" xmlns="" val="1"/>
+                <p16:designElem xmlns:p16="http://schemas.microsoft.com/office/powerpoint/2015/main" val="1"/>
               </p:ext>
             </p:extLst>
           </p:nvPr>
@@ -16069,7 +16069,7 @@
           <p:nvPr>
             <p:extLst>
               <p:ext uri="{386F3935-93C4-4BCD-93E2-E3B085C9AB24}">
-                <p16:designElem xmlns:p16="http://schemas.microsoft.com/office/powerpoint/2015/main" xmlns="" val="1"/>
+                <p16:designElem xmlns:p16="http://schemas.microsoft.com/office/powerpoint/2015/main" val="1"/>
               </p:ext>
             </p:extLst>
           </p:nvPr>
@@ -17052,1385 +17052,6 @@
           <a:chExt cx="0" cy="0"/>
         </a:xfrm>
       </p:grpSpPr>
-      <p:sp useBgFill="1">
-        <p:nvSpPr>
-          <p:cNvPr id="8" name="Rectangle 7"/>
-          <p:cNvSpPr>
-            <a:spLocks noGrp="1" noRot="1" noChangeAspect="1" noMove="1" noResize="1" noEditPoints="1" noAdjustHandles="1" noChangeArrowheads="1" noChangeShapeType="1" noTextEdit="1"/>
-          </p:cNvSpPr>
-          <p:nvPr>
-            <p:extLst>
-              <p:ext uri="{386F3935-93C4-4BCD-93E2-E3B085C9AB24}">
-                <p16:designElem xmlns:p16="http://schemas.microsoft.com/office/powerpoint/2015/main" xmlns="" val="1"/>
-              </p:ext>
-            </p:extLst>
-          </p:nvPr>
-        </p:nvSpPr>
-        <p:spPr bwMode="white">
-          <a:xfrm>
-            <a:off x="0" y="0"/>
-            <a:ext cx="12192000" cy="6858000"/>
-          </a:xfrm>
-          <a:prstGeom prst="rect">
-            <a:avLst/>
-          </a:prstGeom>
-          <a:ln>
-            <a:noFill/>
-          </a:ln>
-        </p:spPr>
-        <p:style>
-          <a:lnRef idx="2">
-            <a:schemeClr val="accent1">
-              <a:shade val="50000"/>
-            </a:schemeClr>
-          </a:lnRef>
-          <a:fillRef idx="1">
-            <a:schemeClr val="accent1"/>
-          </a:fillRef>
-          <a:effectRef idx="0">
-            <a:schemeClr val="accent1"/>
-          </a:effectRef>
-          <a:fontRef idx="minor">
-            <a:schemeClr val="lt1"/>
-          </a:fontRef>
-        </p:style>
-        <p:txBody>
-          <a:bodyPr rot="0" spcFirstLastPara="0" vert="horz" wrap="square" lIns="91440" tIns="45720" rIns="91440" bIns="45720" numCol="1" spcCol="0" rtlCol="0" fromWordArt="0" anchor="ctr" anchorCtr="0" forceAA="0" compatLnSpc="1">
-            <a:prstTxWarp prst="textNoShape">
-              <a:avLst/>
-            </a:prstTxWarp>
-            <a:noAutofit/>
-          </a:bodyPr>
-          <a:lstStyle>
-            <a:defPPr>
-              <a:defRPr lang="en-US"/>
-            </a:defPPr>
-            <a:lvl1pPr marL="0" algn="l" defTabSz="914400" rtl="0" eaLnBrk="1" latinLnBrk="0" hangingPunct="1">
-              <a:defRPr sz="1800" kern="1200">
-                <a:solidFill>
-                  <a:schemeClr val="lt1"/>
-                </a:solidFill>
-                <a:latin typeface="+mn-lt"/>
-                <a:ea typeface="+mn-ea"/>
-                <a:cs typeface="+mn-cs"/>
-              </a:defRPr>
-            </a:lvl1pPr>
-            <a:lvl2pPr marL="457200" algn="l" defTabSz="914400" rtl="0" eaLnBrk="1" latinLnBrk="0" hangingPunct="1">
-              <a:defRPr sz="1800" kern="1200">
-                <a:solidFill>
-                  <a:schemeClr val="lt1"/>
-                </a:solidFill>
-                <a:latin typeface="+mn-lt"/>
-                <a:ea typeface="+mn-ea"/>
-                <a:cs typeface="+mn-cs"/>
-              </a:defRPr>
-            </a:lvl2pPr>
-            <a:lvl3pPr marL="914400" algn="l" defTabSz="914400" rtl="0" eaLnBrk="1" latinLnBrk="0" hangingPunct="1">
-              <a:defRPr sz="1800" kern="1200">
-                <a:solidFill>
-                  <a:schemeClr val="lt1"/>
-                </a:solidFill>
-                <a:latin typeface="+mn-lt"/>
-                <a:ea typeface="+mn-ea"/>
-                <a:cs typeface="+mn-cs"/>
-              </a:defRPr>
-            </a:lvl3pPr>
-            <a:lvl4pPr marL="1371600" algn="l" defTabSz="914400" rtl="0" eaLnBrk="1" latinLnBrk="0" hangingPunct="1">
-              <a:defRPr sz="1800" kern="1200">
-                <a:solidFill>
-                  <a:schemeClr val="lt1"/>
-                </a:solidFill>
-                <a:latin typeface="+mn-lt"/>
-                <a:ea typeface="+mn-ea"/>
-                <a:cs typeface="+mn-cs"/>
-              </a:defRPr>
-            </a:lvl4pPr>
-            <a:lvl5pPr marL="1828800" algn="l" defTabSz="914400" rtl="0" eaLnBrk="1" latinLnBrk="0" hangingPunct="1">
-              <a:defRPr sz="1800" kern="1200">
-                <a:solidFill>
-                  <a:schemeClr val="lt1"/>
-                </a:solidFill>
-                <a:latin typeface="+mn-lt"/>
-                <a:ea typeface="+mn-ea"/>
-                <a:cs typeface="+mn-cs"/>
-              </a:defRPr>
-            </a:lvl5pPr>
-            <a:lvl6pPr marL="2286000" algn="l" defTabSz="914400" rtl="0" eaLnBrk="1" latinLnBrk="0" hangingPunct="1">
-              <a:defRPr sz="1800" kern="1200">
-                <a:solidFill>
-                  <a:schemeClr val="lt1"/>
-                </a:solidFill>
-                <a:latin typeface="+mn-lt"/>
-                <a:ea typeface="+mn-ea"/>
-                <a:cs typeface="+mn-cs"/>
-              </a:defRPr>
-            </a:lvl6pPr>
-            <a:lvl7pPr marL="2743200" algn="l" defTabSz="914400" rtl="0" eaLnBrk="1" latinLnBrk="0" hangingPunct="1">
-              <a:defRPr sz="1800" kern="1200">
-                <a:solidFill>
-                  <a:schemeClr val="lt1"/>
-                </a:solidFill>
-                <a:latin typeface="+mn-lt"/>
-                <a:ea typeface="+mn-ea"/>
-                <a:cs typeface="+mn-cs"/>
-              </a:defRPr>
-            </a:lvl7pPr>
-            <a:lvl8pPr marL="3200400" algn="l" defTabSz="914400" rtl="0" eaLnBrk="1" latinLnBrk="0" hangingPunct="1">
-              <a:defRPr sz="1800" kern="1200">
-                <a:solidFill>
-                  <a:schemeClr val="lt1"/>
-                </a:solidFill>
-                <a:latin typeface="+mn-lt"/>
-                <a:ea typeface="+mn-ea"/>
-                <a:cs typeface="+mn-cs"/>
-              </a:defRPr>
-            </a:lvl8pPr>
-            <a:lvl9pPr marL="3657600" algn="l" defTabSz="914400" rtl="0" eaLnBrk="1" latinLnBrk="0" hangingPunct="1">
-              <a:defRPr sz="1800" kern="1200">
-                <a:solidFill>
-                  <a:schemeClr val="lt1"/>
-                </a:solidFill>
-                <a:latin typeface="+mn-lt"/>
-                <a:ea typeface="+mn-ea"/>
-                <a:cs typeface="+mn-cs"/>
-              </a:defRPr>
-            </a:lvl9pPr>
-          </a:lstStyle>
-          <a:p>
-            <a:pPr algn="ctr"/>
-            <a:endParaRPr lang="en-US"/>
-          </a:p>
-        </p:txBody>
-      </p:sp>
-      <p:sp>
-        <p:nvSpPr>
-          <p:cNvPr id="10" name="Freeform 10" title="right scallop background shape"/>
-          <p:cNvSpPr>
-            <a:spLocks noGrp="1" noRot="1" noChangeAspect="1" noMove="1" noResize="1" noEditPoints="1" noAdjustHandles="1" noChangeArrowheads="1" noChangeShapeType="1" noTextEdit="1"/>
-          </p:cNvSpPr>
-          <p:nvPr>
-            <p:extLst>
-              <p:ext uri="{386F3935-93C4-4BCD-93E2-E3B085C9AB24}">
-                <p16:designElem xmlns:p16="http://schemas.microsoft.com/office/powerpoint/2015/main" xmlns="" val="1"/>
-              </p:ext>
-            </p:extLst>
-          </p:nvPr>
-        </p:nvSpPr>
-        <p:spPr bwMode="ltGray">
-          <a:xfrm>
-            <a:off x="0" y="0"/>
-            <a:ext cx="7569200" cy="6858000"/>
-          </a:xfrm>
-          <a:custGeom>
-            <a:avLst/>
-            <a:gdLst>
-              <a:gd name="connsiteX0" fmla="*/ 0 w 7569200"/>
-              <a:gd name="connsiteY0" fmla="*/ 0 h 6858000"/>
-              <a:gd name="connsiteX1" fmla="*/ 7389812 w 7569200"/>
-              <a:gd name="connsiteY1" fmla="*/ 0 h 6858000"/>
-              <a:gd name="connsiteX2" fmla="*/ 7394575 w 7569200"/>
-              <a:gd name="connsiteY2" fmla="*/ 66675 h 6858000"/>
-              <a:gd name="connsiteX3" fmla="*/ 7402512 w 7569200"/>
-              <a:gd name="connsiteY3" fmla="*/ 122237 h 6858000"/>
-              <a:gd name="connsiteX4" fmla="*/ 7412037 w 7569200"/>
-              <a:gd name="connsiteY4" fmla="*/ 174625 h 6858000"/>
-              <a:gd name="connsiteX5" fmla="*/ 7427912 w 7569200"/>
-              <a:gd name="connsiteY5" fmla="*/ 217487 h 6858000"/>
-              <a:gd name="connsiteX6" fmla="*/ 7443787 w 7569200"/>
-              <a:gd name="connsiteY6" fmla="*/ 260350 h 6858000"/>
-              <a:gd name="connsiteX7" fmla="*/ 7462837 w 7569200"/>
-              <a:gd name="connsiteY7" fmla="*/ 296862 h 6858000"/>
-              <a:gd name="connsiteX8" fmla="*/ 7481887 w 7569200"/>
-              <a:gd name="connsiteY8" fmla="*/ 334962 h 6858000"/>
-              <a:gd name="connsiteX9" fmla="*/ 7499350 w 7569200"/>
-              <a:gd name="connsiteY9" fmla="*/ 369887 h 6858000"/>
-              <a:gd name="connsiteX10" fmla="*/ 7516812 w 7569200"/>
-              <a:gd name="connsiteY10" fmla="*/ 409575 h 6858000"/>
-              <a:gd name="connsiteX11" fmla="*/ 7532687 w 7569200"/>
-              <a:gd name="connsiteY11" fmla="*/ 450850 h 6858000"/>
-              <a:gd name="connsiteX12" fmla="*/ 7546975 w 7569200"/>
-              <a:gd name="connsiteY12" fmla="*/ 496887 h 6858000"/>
-              <a:gd name="connsiteX13" fmla="*/ 7558087 w 7569200"/>
-              <a:gd name="connsiteY13" fmla="*/ 546100 h 6858000"/>
-              <a:gd name="connsiteX14" fmla="*/ 7566025 w 7569200"/>
-              <a:gd name="connsiteY14" fmla="*/ 606425 h 6858000"/>
-              <a:gd name="connsiteX15" fmla="*/ 7569200 w 7569200"/>
-              <a:gd name="connsiteY15" fmla="*/ 673100 h 6858000"/>
-              <a:gd name="connsiteX16" fmla="*/ 7566025 w 7569200"/>
-              <a:gd name="connsiteY16" fmla="*/ 744537 h 6858000"/>
-              <a:gd name="connsiteX17" fmla="*/ 7558087 w 7569200"/>
-              <a:gd name="connsiteY17" fmla="*/ 801687 h 6858000"/>
-              <a:gd name="connsiteX18" fmla="*/ 7546975 w 7569200"/>
-              <a:gd name="connsiteY18" fmla="*/ 854075 h 6858000"/>
-              <a:gd name="connsiteX19" fmla="*/ 7532687 w 7569200"/>
-              <a:gd name="connsiteY19" fmla="*/ 901700 h 6858000"/>
-              <a:gd name="connsiteX20" fmla="*/ 7516812 w 7569200"/>
-              <a:gd name="connsiteY20" fmla="*/ 942975 h 6858000"/>
-              <a:gd name="connsiteX21" fmla="*/ 7497762 w 7569200"/>
-              <a:gd name="connsiteY21" fmla="*/ 981075 h 6858000"/>
-              <a:gd name="connsiteX22" fmla="*/ 7478712 w 7569200"/>
-              <a:gd name="connsiteY22" fmla="*/ 1017587 h 6858000"/>
-              <a:gd name="connsiteX23" fmla="*/ 7459662 w 7569200"/>
-              <a:gd name="connsiteY23" fmla="*/ 1055687 h 6858000"/>
-              <a:gd name="connsiteX24" fmla="*/ 7442200 w 7569200"/>
-              <a:gd name="connsiteY24" fmla="*/ 1095375 h 6858000"/>
-              <a:gd name="connsiteX25" fmla="*/ 7424737 w 7569200"/>
-              <a:gd name="connsiteY25" fmla="*/ 1136650 h 6858000"/>
-              <a:gd name="connsiteX26" fmla="*/ 7410450 w 7569200"/>
-              <a:gd name="connsiteY26" fmla="*/ 1182687 h 6858000"/>
-              <a:gd name="connsiteX27" fmla="*/ 7400925 w 7569200"/>
-              <a:gd name="connsiteY27" fmla="*/ 1235075 h 6858000"/>
-              <a:gd name="connsiteX28" fmla="*/ 7391400 w 7569200"/>
-              <a:gd name="connsiteY28" fmla="*/ 1295400 h 6858000"/>
-              <a:gd name="connsiteX29" fmla="*/ 7389812 w 7569200"/>
-              <a:gd name="connsiteY29" fmla="*/ 1363662 h 6858000"/>
-              <a:gd name="connsiteX30" fmla="*/ 7391400 w 7569200"/>
-              <a:gd name="connsiteY30" fmla="*/ 1431925 h 6858000"/>
-              <a:gd name="connsiteX31" fmla="*/ 7400925 w 7569200"/>
-              <a:gd name="connsiteY31" fmla="*/ 1492250 h 6858000"/>
-              <a:gd name="connsiteX32" fmla="*/ 7410450 w 7569200"/>
-              <a:gd name="connsiteY32" fmla="*/ 1544637 h 6858000"/>
-              <a:gd name="connsiteX33" fmla="*/ 7424737 w 7569200"/>
-              <a:gd name="connsiteY33" fmla="*/ 1589087 h 6858000"/>
-              <a:gd name="connsiteX34" fmla="*/ 7442200 w 7569200"/>
-              <a:gd name="connsiteY34" fmla="*/ 1631950 h 6858000"/>
-              <a:gd name="connsiteX35" fmla="*/ 7459662 w 7569200"/>
-              <a:gd name="connsiteY35" fmla="*/ 1671637 h 6858000"/>
-              <a:gd name="connsiteX36" fmla="*/ 7478712 w 7569200"/>
-              <a:gd name="connsiteY36" fmla="*/ 1708150 h 6858000"/>
-              <a:gd name="connsiteX37" fmla="*/ 7497762 w 7569200"/>
-              <a:gd name="connsiteY37" fmla="*/ 1743075 h 6858000"/>
-              <a:gd name="connsiteX38" fmla="*/ 7516812 w 7569200"/>
-              <a:gd name="connsiteY38" fmla="*/ 1782762 h 6858000"/>
-              <a:gd name="connsiteX39" fmla="*/ 7532687 w 7569200"/>
-              <a:gd name="connsiteY39" fmla="*/ 1824037 h 6858000"/>
-              <a:gd name="connsiteX40" fmla="*/ 7546975 w 7569200"/>
-              <a:gd name="connsiteY40" fmla="*/ 1870075 h 6858000"/>
-              <a:gd name="connsiteX41" fmla="*/ 7558087 w 7569200"/>
-              <a:gd name="connsiteY41" fmla="*/ 1922462 h 6858000"/>
-              <a:gd name="connsiteX42" fmla="*/ 7566025 w 7569200"/>
-              <a:gd name="connsiteY42" fmla="*/ 1982787 h 6858000"/>
-              <a:gd name="connsiteX43" fmla="*/ 7569200 w 7569200"/>
-              <a:gd name="connsiteY43" fmla="*/ 2051050 h 6858000"/>
-              <a:gd name="connsiteX44" fmla="*/ 7566025 w 7569200"/>
-              <a:gd name="connsiteY44" fmla="*/ 2119312 h 6858000"/>
-              <a:gd name="connsiteX45" fmla="*/ 7558087 w 7569200"/>
-              <a:gd name="connsiteY45" fmla="*/ 2179637 h 6858000"/>
-              <a:gd name="connsiteX46" fmla="*/ 7546975 w 7569200"/>
-              <a:gd name="connsiteY46" fmla="*/ 2232025 h 6858000"/>
-              <a:gd name="connsiteX47" fmla="*/ 7532687 w 7569200"/>
-              <a:gd name="connsiteY47" fmla="*/ 2278062 h 6858000"/>
-              <a:gd name="connsiteX48" fmla="*/ 7516812 w 7569200"/>
-              <a:gd name="connsiteY48" fmla="*/ 2319337 h 6858000"/>
-              <a:gd name="connsiteX49" fmla="*/ 7497762 w 7569200"/>
-              <a:gd name="connsiteY49" fmla="*/ 2359025 h 6858000"/>
-              <a:gd name="connsiteX50" fmla="*/ 7478712 w 7569200"/>
-              <a:gd name="connsiteY50" fmla="*/ 2395537 h 6858000"/>
-              <a:gd name="connsiteX51" fmla="*/ 7459662 w 7569200"/>
-              <a:gd name="connsiteY51" fmla="*/ 2433637 h 6858000"/>
-              <a:gd name="connsiteX52" fmla="*/ 7442200 w 7569200"/>
-              <a:gd name="connsiteY52" fmla="*/ 2471737 h 6858000"/>
-              <a:gd name="connsiteX53" fmla="*/ 7424737 w 7569200"/>
-              <a:gd name="connsiteY53" fmla="*/ 2513012 h 6858000"/>
-              <a:gd name="connsiteX54" fmla="*/ 7410450 w 7569200"/>
-              <a:gd name="connsiteY54" fmla="*/ 2560637 h 6858000"/>
-              <a:gd name="connsiteX55" fmla="*/ 7400925 w 7569200"/>
-              <a:gd name="connsiteY55" fmla="*/ 2613025 h 6858000"/>
-              <a:gd name="connsiteX56" fmla="*/ 7391400 w 7569200"/>
-              <a:gd name="connsiteY56" fmla="*/ 2671762 h 6858000"/>
-              <a:gd name="connsiteX57" fmla="*/ 7389812 w 7569200"/>
-              <a:gd name="connsiteY57" fmla="*/ 2741612 h 6858000"/>
-              <a:gd name="connsiteX58" fmla="*/ 7391400 w 7569200"/>
-              <a:gd name="connsiteY58" fmla="*/ 2809875 h 6858000"/>
-              <a:gd name="connsiteX59" fmla="*/ 7400925 w 7569200"/>
-              <a:gd name="connsiteY59" fmla="*/ 2868612 h 6858000"/>
-              <a:gd name="connsiteX60" fmla="*/ 7410450 w 7569200"/>
-              <a:gd name="connsiteY60" fmla="*/ 2922587 h 6858000"/>
-              <a:gd name="connsiteX61" fmla="*/ 7424737 w 7569200"/>
-              <a:gd name="connsiteY61" fmla="*/ 2967037 h 6858000"/>
-              <a:gd name="connsiteX62" fmla="*/ 7442200 w 7569200"/>
-              <a:gd name="connsiteY62" fmla="*/ 3009900 h 6858000"/>
-              <a:gd name="connsiteX63" fmla="*/ 7459662 w 7569200"/>
-              <a:gd name="connsiteY63" fmla="*/ 3046412 h 6858000"/>
-              <a:gd name="connsiteX64" fmla="*/ 7478712 w 7569200"/>
-              <a:gd name="connsiteY64" fmla="*/ 3084512 h 6858000"/>
-              <a:gd name="connsiteX65" fmla="*/ 7497762 w 7569200"/>
-              <a:gd name="connsiteY65" fmla="*/ 3121025 h 6858000"/>
-              <a:gd name="connsiteX66" fmla="*/ 7516812 w 7569200"/>
-              <a:gd name="connsiteY66" fmla="*/ 3160712 h 6858000"/>
-              <a:gd name="connsiteX67" fmla="*/ 7532687 w 7569200"/>
-              <a:gd name="connsiteY67" fmla="*/ 3201987 h 6858000"/>
-              <a:gd name="connsiteX68" fmla="*/ 7546975 w 7569200"/>
-              <a:gd name="connsiteY68" fmla="*/ 3248025 h 6858000"/>
-              <a:gd name="connsiteX69" fmla="*/ 7558087 w 7569200"/>
-              <a:gd name="connsiteY69" fmla="*/ 3300412 h 6858000"/>
-              <a:gd name="connsiteX70" fmla="*/ 7566025 w 7569200"/>
-              <a:gd name="connsiteY70" fmla="*/ 3360737 h 6858000"/>
-              <a:gd name="connsiteX71" fmla="*/ 7569200 w 7569200"/>
-              <a:gd name="connsiteY71" fmla="*/ 3427412 h 6858000"/>
-              <a:gd name="connsiteX72" fmla="*/ 7566025 w 7569200"/>
-              <a:gd name="connsiteY72" fmla="*/ 3497262 h 6858000"/>
-              <a:gd name="connsiteX73" fmla="*/ 7558087 w 7569200"/>
-              <a:gd name="connsiteY73" fmla="*/ 3557587 h 6858000"/>
-              <a:gd name="connsiteX74" fmla="*/ 7546975 w 7569200"/>
-              <a:gd name="connsiteY74" fmla="*/ 3609975 h 6858000"/>
-              <a:gd name="connsiteX75" fmla="*/ 7532687 w 7569200"/>
-              <a:gd name="connsiteY75" fmla="*/ 3656012 h 6858000"/>
-              <a:gd name="connsiteX76" fmla="*/ 7516812 w 7569200"/>
-              <a:gd name="connsiteY76" fmla="*/ 3697287 h 6858000"/>
-              <a:gd name="connsiteX77" fmla="*/ 7497762 w 7569200"/>
-              <a:gd name="connsiteY77" fmla="*/ 3736975 h 6858000"/>
-              <a:gd name="connsiteX78" fmla="*/ 7459662 w 7569200"/>
-              <a:gd name="connsiteY78" fmla="*/ 3811587 h 6858000"/>
-              <a:gd name="connsiteX79" fmla="*/ 7442200 w 7569200"/>
-              <a:gd name="connsiteY79" fmla="*/ 3848100 h 6858000"/>
-              <a:gd name="connsiteX80" fmla="*/ 7424737 w 7569200"/>
-              <a:gd name="connsiteY80" fmla="*/ 3890962 h 6858000"/>
-              <a:gd name="connsiteX81" fmla="*/ 7410450 w 7569200"/>
-              <a:gd name="connsiteY81" fmla="*/ 3935412 h 6858000"/>
-              <a:gd name="connsiteX82" fmla="*/ 7400925 w 7569200"/>
-              <a:gd name="connsiteY82" fmla="*/ 3987800 h 6858000"/>
-              <a:gd name="connsiteX83" fmla="*/ 7391400 w 7569200"/>
-              <a:gd name="connsiteY83" fmla="*/ 4048125 h 6858000"/>
-              <a:gd name="connsiteX84" fmla="*/ 7389812 w 7569200"/>
-              <a:gd name="connsiteY84" fmla="*/ 4116387 h 6858000"/>
-              <a:gd name="connsiteX85" fmla="*/ 7391400 w 7569200"/>
-              <a:gd name="connsiteY85" fmla="*/ 4186237 h 6858000"/>
-              <a:gd name="connsiteX86" fmla="*/ 7400925 w 7569200"/>
-              <a:gd name="connsiteY86" fmla="*/ 4244975 h 6858000"/>
-              <a:gd name="connsiteX87" fmla="*/ 7410450 w 7569200"/>
-              <a:gd name="connsiteY87" fmla="*/ 4297362 h 6858000"/>
-              <a:gd name="connsiteX88" fmla="*/ 7424737 w 7569200"/>
-              <a:gd name="connsiteY88" fmla="*/ 4343400 h 6858000"/>
-              <a:gd name="connsiteX89" fmla="*/ 7442200 w 7569200"/>
-              <a:gd name="connsiteY89" fmla="*/ 4386262 h 6858000"/>
-              <a:gd name="connsiteX90" fmla="*/ 7459662 w 7569200"/>
-              <a:gd name="connsiteY90" fmla="*/ 4424362 h 6858000"/>
-              <a:gd name="connsiteX91" fmla="*/ 7497762 w 7569200"/>
-              <a:gd name="connsiteY91" fmla="*/ 4498975 h 6858000"/>
-              <a:gd name="connsiteX92" fmla="*/ 7516812 w 7569200"/>
-              <a:gd name="connsiteY92" fmla="*/ 4537075 h 6858000"/>
-              <a:gd name="connsiteX93" fmla="*/ 7532687 w 7569200"/>
-              <a:gd name="connsiteY93" fmla="*/ 4579937 h 6858000"/>
-              <a:gd name="connsiteX94" fmla="*/ 7546975 w 7569200"/>
-              <a:gd name="connsiteY94" fmla="*/ 4625975 h 6858000"/>
-              <a:gd name="connsiteX95" fmla="*/ 7558087 w 7569200"/>
-              <a:gd name="connsiteY95" fmla="*/ 4678362 h 6858000"/>
-              <a:gd name="connsiteX96" fmla="*/ 7566025 w 7569200"/>
-              <a:gd name="connsiteY96" fmla="*/ 4738687 h 6858000"/>
-              <a:gd name="connsiteX97" fmla="*/ 7569200 w 7569200"/>
-              <a:gd name="connsiteY97" fmla="*/ 4806950 h 6858000"/>
-              <a:gd name="connsiteX98" fmla="*/ 7566025 w 7569200"/>
-              <a:gd name="connsiteY98" fmla="*/ 4875212 h 6858000"/>
-              <a:gd name="connsiteX99" fmla="*/ 7558087 w 7569200"/>
-              <a:gd name="connsiteY99" fmla="*/ 4935537 h 6858000"/>
-              <a:gd name="connsiteX100" fmla="*/ 7546975 w 7569200"/>
-              <a:gd name="connsiteY100" fmla="*/ 4987925 h 6858000"/>
-              <a:gd name="connsiteX101" fmla="*/ 7532687 w 7569200"/>
-              <a:gd name="connsiteY101" fmla="*/ 5033962 h 6858000"/>
-              <a:gd name="connsiteX102" fmla="*/ 7516812 w 7569200"/>
-              <a:gd name="connsiteY102" fmla="*/ 5075237 h 6858000"/>
-              <a:gd name="connsiteX103" fmla="*/ 7497762 w 7569200"/>
-              <a:gd name="connsiteY103" fmla="*/ 5114925 h 6858000"/>
-              <a:gd name="connsiteX104" fmla="*/ 7478712 w 7569200"/>
-              <a:gd name="connsiteY104" fmla="*/ 5149850 h 6858000"/>
-              <a:gd name="connsiteX105" fmla="*/ 7459662 w 7569200"/>
-              <a:gd name="connsiteY105" fmla="*/ 5186362 h 6858000"/>
-              <a:gd name="connsiteX106" fmla="*/ 7442200 w 7569200"/>
-              <a:gd name="connsiteY106" fmla="*/ 5226050 h 6858000"/>
-              <a:gd name="connsiteX107" fmla="*/ 7424737 w 7569200"/>
-              <a:gd name="connsiteY107" fmla="*/ 5268912 h 6858000"/>
-              <a:gd name="connsiteX108" fmla="*/ 7410450 w 7569200"/>
-              <a:gd name="connsiteY108" fmla="*/ 5313362 h 6858000"/>
-              <a:gd name="connsiteX109" fmla="*/ 7400925 w 7569200"/>
-              <a:gd name="connsiteY109" fmla="*/ 5365750 h 6858000"/>
-              <a:gd name="connsiteX110" fmla="*/ 7391400 w 7569200"/>
-              <a:gd name="connsiteY110" fmla="*/ 5426075 h 6858000"/>
-              <a:gd name="connsiteX111" fmla="*/ 7389812 w 7569200"/>
-              <a:gd name="connsiteY111" fmla="*/ 5494337 h 6858000"/>
-              <a:gd name="connsiteX112" fmla="*/ 7391400 w 7569200"/>
-              <a:gd name="connsiteY112" fmla="*/ 5562600 h 6858000"/>
-              <a:gd name="connsiteX113" fmla="*/ 7400925 w 7569200"/>
-              <a:gd name="connsiteY113" fmla="*/ 5622925 h 6858000"/>
-              <a:gd name="connsiteX114" fmla="*/ 7410450 w 7569200"/>
-              <a:gd name="connsiteY114" fmla="*/ 5675312 h 6858000"/>
-              <a:gd name="connsiteX115" fmla="*/ 7424737 w 7569200"/>
-              <a:gd name="connsiteY115" fmla="*/ 5721350 h 6858000"/>
-              <a:gd name="connsiteX116" fmla="*/ 7442200 w 7569200"/>
-              <a:gd name="connsiteY116" fmla="*/ 5762625 h 6858000"/>
-              <a:gd name="connsiteX117" fmla="*/ 7459662 w 7569200"/>
-              <a:gd name="connsiteY117" fmla="*/ 5802312 h 6858000"/>
-              <a:gd name="connsiteX118" fmla="*/ 7478712 w 7569200"/>
-              <a:gd name="connsiteY118" fmla="*/ 5840412 h 6858000"/>
-              <a:gd name="connsiteX119" fmla="*/ 7497762 w 7569200"/>
-              <a:gd name="connsiteY119" fmla="*/ 5876925 h 6858000"/>
-              <a:gd name="connsiteX120" fmla="*/ 7516812 w 7569200"/>
-              <a:gd name="connsiteY120" fmla="*/ 5915025 h 6858000"/>
-              <a:gd name="connsiteX121" fmla="*/ 7532687 w 7569200"/>
-              <a:gd name="connsiteY121" fmla="*/ 5956300 h 6858000"/>
-              <a:gd name="connsiteX122" fmla="*/ 7546975 w 7569200"/>
-              <a:gd name="connsiteY122" fmla="*/ 6003925 h 6858000"/>
-              <a:gd name="connsiteX123" fmla="*/ 7558087 w 7569200"/>
-              <a:gd name="connsiteY123" fmla="*/ 6056312 h 6858000"/>
-              <a:gd name="connsiteX124" fmla="*/ 7566025 w 7569200"/>
-              <a:gd name="connsiteY124" fmla="*/ 6113462 h 6858000"/>
-              <a:gd name="connsiteX125" fmla="*/ 7569200 w 7569200"/>
-              <a:gd name="connsiteY125" fmla="*/ 6183312 h 6858000"/>
-              <a:gd name="connsiteX126" fmla="*/ 7566025 w 7569200"/>
-              <a:gd name="connsiteY126" fmla="*/ 6251575 h 6858000"/>
-              <a:gd name="connsiteX127" fmla="*/ 7558087 w 7569200"/>
-              <a:gd name="connsiteY127" fmla="*/ 6311900 h 6858000"/>
-              <a:gd name="connsiteX128" fmla="*/ 7546975 w 7569200"/>
-              <a:gd name="connsiteY128" fmla="*/ 6361112 h 6858000"/>
-              <a:gd name="connsiteX129" fmla="*/ 7532687 w 7569200"/>
-              <a:gd name="connsiteY129" fmla="*/ 6407150 h 6858000"/>
-              <a:gd name="connsiteX130" fmla="*/ 7516812 w 7569200"/>
-              <a:gd name="connsiteY130" fmla="*/ 6448425 h 6858000"/>
-              <a:gd name="connsiteX131" fmla="*/ 7499350 w 7569200"/>
-              <a:gd name="connsiteY131" fmla="*/ 6488112 h 6858000"/>
-              <a:gd name="connsiteX132" fmla="*/ 7481887 w 7569200"/>
-              <a:gd name="connsiteY132" fmla="*/ 6523037 h 6858000"/>
-              <a:gd name="connsiteX133" fmla="*/ 7462837 w 7569200"/>
-              <a:gd name="connsiteY133" fmla="*/ 6561137 h 6858000"/>
-              <a:gd name="connsiteX134" fmla="*/ 7443787 w 7569200"/>
-              <a:gd name="connsiteY134" fmla="*/ 6597650 h 6858000"/>
-              <a:gd name="connsiteX135" fmla="*/ 7427912 w 7569200"/>
-              <a:gd name="connsiteY135" fmla="*/ 6640512 h 6858000"/>
-              <a:gd name="connsiteX136" fmla="*/ 7412037 w 7569200"/>
-              <a:gd name="connsiteY136" fmla="*/ 6683375 h 6858000"/>
-              <a:gd name="connsiteX137" fmla="*/ 7402512 w 7569200"/>
-              <a:gd name="connsiteY137" fmla="*/ 6735762 h 6858000"/>
-              <a:gd name="connsiteX138" fmla="*/ 7394575 w 7569200"/>
-              <a:gd name="connsiteY138" fmla="*/ 6791325 h 6858000"/>
-              <a:gd name="connsiteX139" fmla="*/ 7389812 w 7569200"/>
-              <a:gd name="connsiteY139" fmla="*/ 6858000 h 6858000"/>
-              <a:gd name="connsiteX140" fmla="*/ 0 w 7569200"/>
-              <a:gd name="connsiteY140" fmla="*/ 6858000 h 6858000"/>
-              <a:gd name="connsiteX141" fmla="*/ 0 w 7569200"/>
-              <a:gd name="connsiteY141" fmla="*/ 0 h 6858000"/>
-            </a:gdLst>
-            <a:ahLst/>
-            <a:cxnLst>
-              <a:cxn ang="0">
-                <a:pos x="connsiteX0" y="connsiteY0"/>
-              </a:cxn>
-              <a:cxn ang="0">
-                <a:pos x="connsiteX1" y="connsiteY1"/>
-              </a:cxn>
-              <a:cxn ang="0">
-                <a:pos x="connsiteX2" y="connsiteY2"/>
-              </a:cxn>
-              <a:cxn ang="0">
-                <a:pos x="connsiteX3" y="connsiteY3"/>
-              </a:cxn>
-              <a:cxn ang="0">
-                <a:pos x="connsiteX4" y="connsiteY4"/>
-              </a:cxn>
-              <a:cxn ang="0">
-                <a:pos x="connsiteX5" y="connsiteY5"/>
-              </a:cxn>
-              <a:cxn ang="0">
-                <a:pos x="connsiteX6" y="connsiteY6"/>
-              </a:cxn>
-              <a:cxn ang="0">
-                <a:pos x="connsiteX7" y="connsiteY7"/>
-              </a:cxn>
-              <a:cxn ang="0">
-                <a:pos x="connsiteX8" y="connsiteY8"/>
-              </a:cxn>
-              <a:cxn ang="0">
-                <a:pos x="connsiteX9" y="connsiteY9"/>
-              </a:cxn>
-              <a:cxn ang="0">
-                <a:pos x="connsiteX10" y="connsiteY10"/>
-              </a:cxn>
-              <a:cxn ang="0">
-                <a:pos x="connsiteX11" y="connsiteY11"/>
-              </a:cxn>
-              <a:cxn ang="0">
-                <a:pos x="connsiteX12" y="connsiteY12"/>
-              </a:cxn>
-              <a:cxn ang="0">
-                <a:pos x="connsiteX13" y="connsiteY13"/>
-              </a:cxn>
-              <a:cxn ang="0">
-                <a:pos x="connsiteX14" y="connsiteY14"/>
-              </a:cxn>
-              <a:cxn ang="0">
-                <a:pos x="connsiteX15" y="connsiteY15"/>
-              </a:cxn>
-              <a:cxn ang="0">
-                <a:pos x="connsiteX16" y="connsiteY16"/>
-              </a:cxn>
-              <a:cxn ang="0">
-                <a:pos x="connsiteX17" y="connsiteY17"/>
-              </a:cxn>
-              <a:cxn ang="0">
-                <a:pos x="connsiteX18" y="connsiteY18"/>
-              </a:cxn>
-              <a:cxn ang="0">
-                <a:pos x="connsiteX19" y="connsiteY19"/>
-              </a:cxn>
-              <a:cxn ang="0">
-                <a:pos x="connsiteX20" y="connsiteY20"/>
-              </a:cxn>
-              <a:cxn ang="0">
-                <a:pos x="connsiteX21" y="connsiteY21"/>
-              </a:cxn>
-              <a:cxn ang="0">
-                <a:pos x="connsiteX22" y="connsiteY22"/>
-              </a:cxn>
-              <a:cxn ang="0">
-                <a:pos x="connsiteX23" y="connsiteY23"/>
-              </a:cxn>
-              <a:cxn ang="0">
-                <a:pos x="connsiteX24" y="connsiteY24"/>
-              </a:cxn>
-              <a:cxn ang="0">
-                <a:pos x="connsiteX25" y="connsiteY25"/>
-              </a:cxn>
-              <a:cxn ang="0">
-                <a:pos x="connsiteX26" y="connsiteY26"/>
-              </a:cxn>
-              <a:cxn ang="0">
-                <a:pos x="connsiteX27" y="connsiteY27"/>
-              </a:cxn>
-              <a:cxn ang="0">
-                <a:pos x="connsiteX28" y="connsiteY28"/>
-              </a:cxn>
-              <a:cxn ang="0">
-                <a:pos x="connsiteX29" y="connsiteY29"/>
-              </a:cxn>
-              <a:cxn ang="0">
-                <a:pos x="connsiteX30" y="connsiteY30"/>
-              </a:cxn>
-              <a:cxn ang="0">
-                <a:pos x="connsiteX31" y="connsiteY31"/>
-              </a:cxn>
-              <a:cxn ang="0">
-                <a:pos x="connsiteX32" y="connsiteY32"/>
-              </a:cxn>
-              <a:cxn ang="0">
-                <a:pos x="connsiteX33" y="connsiteY33"/>
-              </a:cxn>
-              <a:cxn ang="0">
-                <a:pos x="connsiteX34" y="connsiteY34"/>
-              </a:cxn>
-              <a:cxn ang="0">
-                <a:pos x="connsiteX35" y="connsiteY35"/>
-              </a:cxn>
-              <a:cxn ang="0">
-                <a:pos x="connsiteX36" y="connsiteY36"/>
-              </a:cxn>
-              <a:cxn ang="0">
-                <a:pos x="connsiteX37" y="connsiteY37"/>
-              </a:cxn>
-              <a:cxn ang="0">
-                <a:pos x="connsiteX38" y="connsiteY38"/>
-              </a:cxn>
-              <a:cxn ang="0">
-                <a:pos x="connsiteX39" y="connsiteY39"/>
-              </a:cxn>
-              <a:cxn ang="0">
-                <a:pos x="connsiteX40" y="connsiteY40"/>
-              </a:cxn>
-              <a:cxn ang="0">
-                <a:pos x="connsiteX41" y="connsiteY41"/>
-              </a:cxn>
-              <a:cxn ang="0">
-                <a:pos x="connsiteX42" y="connsiteY42"/>
-              </a:cxn>
-              <a:cxn ang="0">
-                <a:pos x="connsiteX43" y="connsiteY43"/>
-              </a:cxn>
-              <a:cxn ang="0">
-                <a:pos x="connsiteX44" y="connsiteY44"/>
-              </a:cxn>
-              <a:cxn ang="0">
-                <a:pos x="connsiteX45" y="connsiteY45"/>
-              </a:cxn>
-              <a:cxn ang="0">
-                <a:pos x="connsiteX46" y="connsiteY46"/>
-              </a:cxn>
-              <a:cxn ang="0">
-                <a:pos x="connsiteX47" y="connsiteY47"/>
-              </a:cxn>
-              <a:cxn ang="0">
-                <a:pos x="connsiteX48" y="connsiteY48"/>
-              </a:cxn>
-              <a:cxn ang="0">
-                <a:pos x="connsiteX49" y="connsiteY49"/>
-              </a:cxn>
-              <a:cxn ang="0">
-                <a:pos x="connsiteX50" y="connsiteY50"/>
-              </a:cxn>
-              <a:cxn ang="0">
-                <a:pos x="connsiteX51" y="connsiteY51"/>
-              </a:cxn>
-              <a:cxn ang="0">
-                <a:pos x="connsiteX52" y="connsiteY52"/>
-              </a:cxn>
-              <a:cxn ang="0">
-                <a:pos x="connsiteX53" y="connsiteY53"/>
-              </a:cxn>
-              <a:cxn ang="0">
-                <a:pos x="connsiteX54" y="connsiteY54"/>
-              </a:cxn>
-              <a:cxn ang="0">
-                <a:pos x="connsiteX55" y="connsiteY55"/>
-              </a:cxn>
-              <a:cxn ang="0">
-                <a:pos x="connsiteX56" y="connsiteY56"/>
-              </a:cxn>
-              <a:cxn ang="0">
-                <a:pos x="connsiteX57" y="connsiteY57"/>
-              </a:cxn>
-              <a:cxn ang="0">
-                <a:pos x="connsiteX58" y="connsiteY58"/>
-              </a:cxn>
-              <a:cxn ang="0">
-                <a:pos x="connsiteX59" y="connsiteY59"/>
-              </a:cxn>
-              <a:cxn ang="0">
-                <a:pos x="connsiteX60" y="connsiteY60"/>
-              </a:cxn>
-              <a:cxn ang="0">
-                <a:pos x="connsiteX61" y="connsiteY61"/>
-              </a:cxn>
-              <a:cxn ang="0">
-                <a:pos x="connsiteX62" y="connsiteY62"/>
-              </a:cxn>
-              <a:cxn ang="0">
-                <a:pos x="connsiteX63" y="connsiteY63"/>
-              </a:cxn>
-              <a:cxn ang="0">
-                <a:pos x="connsiteX64" y="connsiteY64"/>
-              </a:cxn>
-              <a:cxn ang="0">
-                <a:pos x="connsiteX65" y="connsiteY65"/>
-              </a:cxn>
-              <a:cxn ang="0">
-                <a:pos x="connsiteX66" y="connsiteY66"/>
-              </a:cxn>
-              <a:cxn ang="0">
-                <a:pos x="connsiteX67" y="connsiteY67"/>
-              </a:cxn>
-              <a:cxn ang="0">
-                <a:pos x="connsiteX68" y="connsiteY68"/>
-              </a:cxn>
-              <a:cxn ang="0">
-                <a:pos x="connsiteX69" y="connsiteY69"/>
-              </a:cxn>
-              <a:cxn ang="0">
-                <a:pos x="connsiteX70" y="connsiteY70"/>
-              </a:cxn>
-              <a:cxn ang="0">
-                <a:pos x="connsiteX71" y="connsiteY71"/>
-              </a:cxn>
-              <a:cxn ang="0">
-                <a:pos x="connsiteX72" y="connsiteY72"/>
-              </a:cxn>
-              <a:cxn ang="0">
-                <a:pos x="connsiteX73" y="connsiteY73"/>
-              </a:cxn>
-              <a:cxn ang="0">
-                <a:pos x="connsiteX74" y="connsiteY74"/>
-              </a:cxn>
-              <a:cxn ang="0">
-                <a:pos x="connsiteX75" y="connsiteY75"/>
-              </a:cxn>
-              <a:cxn ang="0">
-                <a:pos x="connsiteX76" y="connsiteY76"/>
-              </a:cxn>
-              <a:cxn ang="0">
-                <a:pos x="connsiteX77" y="connsiteY77"/>
-              </a:cxn>
-              <a:cxn ang="0">
-                <a:pos x="connsiteX78" y="connsiteY78"/>
-              </a:cxn>
-              <a:cxn ang="0">
-                <a:pos x="connsiteX79" y="connsiteY79"/>
-              </a:cxn>
-              <a:cxn ang="0">
-                <a:pos x="connsiteX80" y="connsiteY80"/>
-              </a:cxn>
-              <a:cxn ang="0">
-                <a:pos x="connsiteX81" y="connsiteY81"/>
-              </a:cxn>
-              <a:cxn ang="0">
-                <a:pos x="connsiteX82" y="connsiteY82"/>
-              </a:cxn>
-              <a:cxn ang="0">
-                <a:pos x="connsiteX83" y="connsiteY83"/>
-              </a:cxn>
-              <a:cxn ang="0">
-                <a:pos x="connsiteX84" y="connsiteY84"/>
-              </a:cxn>
-              <a:cxn ang="0">
-                <a:pos x="connsiteX85" y="connsiteY85"/>
-              </a:cxn>
-              <a:cxn ang="0">
-                <a:pos x="connsiteX86" y="connsiteY86"/>
-              </a:cxn>
-              <a:cxn ang="0">
-                <a:pos x="connsiteX87" y="connsiteY87"/>
-              </a:cxn>
-              <a:cxn ang="0">
-                <a:pos x="connsiteX88" y="connsiteY88"/>
-              </a:cxn>
-              <a:cxn ang="0">
-                <a:pos x="connsiteX89" y="connsiteY89"/>
-              </a:cxn>
-              <a:cxn ang="0">
-                <a:pos x="connsiteX90" y="connsiteY90"/>
-              </a:cxn>
-              <a:cxn ang="0">
-                <a:pos x="connsiteX91" y="connsiteY91"/>
-              </a:cxn>
-              <a:cxn ang="0">
-                <a:pos x="connsiteX92" y="connsiteY92"/>
-              </a:cxn>
-              <a:cxn ang="0">
-                <a:pos x="connsiteX93" y="connsiteY93"/>
-              </a:cxn>
-              <a:cxn ang="0">
-                <a:pos x="connsiteX94" y="connsiteY94"/>
-              </a:cxn>
-              <a:cxn ang="0">
-                <a:pos x="connsiteX95" y="connsiteY95"/>
-              </a:cxn>
-              <a:cxn ang="0">
-                <a:pos x="connsiteX96" y="connsiteY96"/>
-              </a:cxn>
-              <a:cxn ang="0">
-                <a:pos x="connsiteX97" y="connsiteY97"/>
-              </a:cxn>
-              <a:cxn ang="0">
-                <a:pos x="connsiteX98" y="connsiteY98"/>
-              </a:cxn>
-              <a:cxn ang="0">
-                <a:pos x="connsiteX99" y="connsiteY99"/>
-              </a:cxn>
-              <a:cxn ang="0">
-                <a:pos x="connsiteX100" y="connsiteY100"/>
-              </a:cxn>
-              <a:cxn ang="0">
-                <a:pos x="connsiteX101" y="connsiteY101"/>
-              </a:cxn>
-              <a:cxn ang="0">
-                <a:pos x="connsiteX102" y="connsiteY102"/>
-              </a:cxn>
-              <a:cxn ang="0">
-                <a:pos x="connsiteX103" y="connsiteY103"/>
-              </a:cxn>
-              <a:cxn ang="0">
-                <a:pos x="connsiteX104" y="connsiteY104"/>
-              </a:cxn>
-              <a:cxn ang="0">
-                <a:pos x="connsiteX105" y="connsiteY105"/>
-              </a:cxn>
-              <a:cxn ang="0">
-                <a:pos x="connsiteX106" y="connsiteY106"/>
-              </a:cxn>
-              <a:cxn ang="0">
-                <a:pos x="connsiteX107" y="connsiteY107"/>
-              </a:cxn>
-              <a:cxn ang="0">
-                <a:pos x="connsiteX108" y="connsiteY108"/>
-              </a:cxn>
-              <a:cxn ang="0">
-                <a:pos x="connsiteX109" y="connsiteY109"/>
-              </a:cxn>
-              <a:cxn ang="0">
-                <a:pos x="connsiteX110" y="connsiteY110"/>
-              </a:cxn>
-              <a:cxn ang="0">
-                <a:pos x="connsiteX111" y="connsiteY111"/>
-              </a:cxn>
-              <a:cxn ang="0">
-                <a:pos x="connsiteX112" y="connsiteY112"/>
-              </a:cxn>
-              <a:cxn ang="0">
-                <a:pos x="connsiteX113" y="connsiteY113"/>
-              </a:cxn>
-              <a:cxn ang="0">
-                <a:pos x="connsiteX114" y="connsiteY114"/>
-              </a:cxn>
-              <a:cxn ang="0">
-                <a:pos x="connsiteX115" y="connsiteY115"/>
-              </a:cxn>
-              <a:cxn ang="0">
-                <a:pos x="connsiteX116" y="connsiteY116"/>
-              </a:cxn>
-              <a:cxn ang="0">
-                <a:pos x="connsiteX117" y="connsiteY117"/>
-              </a:cxn>
-              <a:cxn ang="0">
-                <a:pos x="connsiteX118" y="connsiteY118"/>
-              </a:cxn>
-              <a:cxn ang="0">
-                <a:pos x="connsiteX119" y="connsiteY119"/>
-              </a:cxn>
-              <a:cxn ang="0">
-                <a:pos x="connsiteX120" y="connsiteY120"/>
-              </a:cxn>
-              <a:cxn ang="0">
-                <a:pos x="connsiteX121" y="connsiteY121"/>
-              </a:cxn>
-              <a:cxn ang="0">
-                <a:pos x="connsiteX122" y="connsiteY122"/>
-              </a:cxn>
-              <a:cxn ang="0">
-                <a:pos x="connsiteX123" y="connsiteY123"/>
-              </a:cxn>
-              <a:cxn ang="0">
-                <a:pos x="connsiteX124" y="connsiteY124"/>
-              </a:cxn>
-              <a:cxn ang="0">
-                <a:pos x="connsiteX125" y="connsiteY125"/>
-              </a:cxn>
-              <a:cxn ang="0">
-                <a:pos x="connsiteX126" y="connsiteY126"/>
-              </a:cxn>
-              <a:cxn ang="0">
-                <a:pos x="connsiteX127" y="connsiteY127"/>
-              </a:cxn>
-              <a:cxn ang="0">
-                <a:pos x="connsiteX128" y="connsiteY128"/>
-              </a:cxn>
-              <a:cxn ang="0">
-                <a:pos x="connsiteX129" y="connsiteY129"/>
-              </a:cxn>
-              <a:cxn ang="0">
-                <a:pos x="connsiteX130" y="connsiteY130"/>
-              </a:cxn>
-              <a:cxn ang="0">
-                <a:pos x="connsiteX131" y="connsiteY131"/>
-              </a:cxn>
-              <a:cxn ang="0">
-                <a:pos x="connsiteX132" y="connsiteY132"/>
-              </a:cxn>
-              <a:cxn ang="0">
-                <a:pos x="connsiteX133" y="connsiteY133"/>
-              </a:cxn>
-              <a:cxn ang="0">
-                <a:pos x="connsiteX134" y="connsiteY134"/>
-              </a:cxn>
-              <a:cxn ang="0">
-                <a:pos x="connsiteX135" y="connsiteY135"/>
-              </a:cxn>
-              <a:cxn ang="0">
-                <a:pos x="connsiteX136" y="connsiteY136"/>
-              </a:cxn>
-              <a:cxn ang="0">
-                <a:pos x="connsiteX137" y="connsiteY137"/>
-              </a:cxn>
-              <a:cxn ang="0">
-                <a:pos x="connsiteX138" y="connsiteY138"/>
-              </a:cxn>
-              <a:cxn ang="0">
-                <a:pos x="connsiteX139" y="connsiteY139"/>
-              </a:cxn>
-              <a:cxn ang="0">
-                <a:pos x="connsiteX140" y="connsiteY140"/>
-              </a:cxn>
-              <a:cxn ang="0">
-                <a:pos x="connsiteX141" y="connsiteY141"/>
-              </a:cxn>
-            </a:cxnLst>
-            <a:rect l="l" t="t" r="r" b="b"/>
-            <a:pathLst>
-              <a:path w="7569200" h="6858000">
-                <a:moveTo>
-                  <a:pt x="0" y="0"/>
-                </a:moveTo>
-                <a:lnTo>
-                  <a:pt x="7389812" y="0"/>
-                </a:lnTo>
-                <a:lnTo>
-                  <a:pt x="7394575" y="66675"/>
-                </a:lnTo>
-                <a:lnTo>
-                  <a:pt x="7402512" y="122237"/>
-                </a:lnTo>
-                <a:lnTo>
-                  <a:pt x="7412037" y="174625"/>
-                </a:lnTo>
-                <a:lnTo>
-                  <a:pt x="7427912" y="217487"/>
-                </a:lnTo>
-                <a:lnTo>
-                  <a:pt x="7443787" y="260350"/>
-                </a:lnTo>
-                <a:lnTo>
-                  <a:pt x="7462837" y="296862"/>
-                </a:lnTo>
-                <a:lnTo>
-                  <a:pt x="7481887" y="334962"/>
-                </a:lnTo>
-                <a:lnTo>
-                  <a:pt x="7499350" y="369887"/>
-                </a:lnTo>
-                <a:lnTo>
-                  <a:pt x="7516812" y="409575"/>
-                </a:lnTo>
-                <a:lnTo>
-                  <a:pt x="7532687" y="450850"/>
-                </a:lnTo>
-                <a:lnTo>
-                  <a:pt x="7546975" y="496887"/>
-                </a:lnTo>
-                <a:lnTo>
-                  <a:pt x="7558087" y="546100"/>
-                </a:lnTo>
-                <a:lnTo>
-                  <a:pt x="7566025" y="606425"/>
-                </a:lnTo>
-                <a:lnTo>
-                  <a:pt x="7569200" y="673100"/>
-                </a:lnTo>
-                <a:lnTo>
-                  <a:pt x="7566025" y="744537"/>
-                </a:lnTo>
-                <a:lnTo>
-                  <a:pt x="7558087" y="801687"/>
-                </a:lnTo>
-                <a:lnTo>
-                  <a:pt x="7546975" y="854075"/>
-                </a:lnTo>
-                <a:lnTo>
-                  <a:pt x="7532687" y="901700"/>
-                </a:lnTo>
-                <a:lnTo>
-                  <a:pt x="7516812" y="942975"/>
-                </a:lnTo>
-                <a:lnTo>
-                  <a:pt x="7497762" y="981075"/>
-                </a:lnTo>
-                <a:lnTo>
-                  <a:pt x="7478712" y="1017587"/>
-                </a:lnTo>
-                <a:lnTo>
-                  <a:pt x="7459662" y="1055687"/>
-                </a:lnTo>
-                <a:lnTo>
-                  <a:pt x="7442200" y="1095375"/>
-                </a:lnTo>
-                <a:lnTo>
-                  <a:pt x="7424737" y="1136650"/>
-                </a:lnTo>
-                <a:lnTo>
-                  <a:pt x="7410450" y="1182687"/>
-                </a:lnTo>
-                <a:lnTo>
-                  <a:pt x="7400925" y="1235075"/>
-                </a:lnTo>
-                <a:lnTo>
-                  <a:pt x="7391400" y="1295400"/>
-                </a:lnTo>
-                <a:lnTo>
-                  <a:pt x="7389812" y="1363662"/>
-                </a:lnTo>
-                <a:lnTo>
-                  <a:pt x="7391400" y="1431925"/>
-                </a:lnTo>
-                <a:lnTo>
-                  <a:pt x="7400925" y="1492250"/>
-                </a:lnTo>
-                <a:lnTo>
-                  <a:pt x="7410450" y="1544637"/>
-                </a:lnTo>
-                <a:lnTo>
-                  <a:pt x="7424737" y="1589087"/>
-                </a:lnTo>
-                <a:lnTo>
-                  <a:pt x="7442200" y="1631950"/>
-                </a:lnTo>
-                <a:lnTo>
-                  <a:pt x="7459662" y="1671637"/>
-                </a:lnTo>
-                <a:lnTo>
-                  <a:pt x="7478712" y="1708150"/>
-                </a:lnTo>
-                <a:lnTo>
-                  <a:pt x="7497762" y="1743075"/>
-                </a:lnTo>
-                <a:lnTo>
-                  <a:pt x="7516812" y="1782762"/>
-                </a:lnTo>
-                <a:lnTo>
-                  <a:pt x="7532687" y="1824037"/>
-                </a:lnTo>
-                <a:lnTo>
-                  <a:pt x="7546975" y="1870075"/>
-                </a:lnTo>
-                <a:lnTo>
-                  <a:pt x="7558087" y="1922462"/>
-                </a:lnTo>
-                <a:lnTo>
-                  <a:pt x="7566025" y="1982787"/>
-                </a:lnTo>
-                <a:lnTo>
-                  <a:pt x="7569200" y="2051050"/>
-                </a:lnTo>
-                <a:lnTo>
-                  <a:pt x="7566025" y="2119312"/>
-                </a:lnTo>
-                <a:lnTo>
-                  <a:pt x="7558087" y="2179637"/>
-                </a:lnTo>
-                <a:lnTo>
-                  <a:pt x="7546975" y="2232025"/>
-                </a:lnTo>
-                <a:lnTo>
-                  <a:pt x="7532687" y="2278062"/>
-                </a:lnTo>
-                <a:lnTo>
-                  <a:pt x="7516812" y="2319337"/>
-                </a:lnTo>
-                <a:lnTo>
-                  <a:pt x="7497762" y="2359025"/>
-                </a:lnTo>
-                <a:lnTo>
-                  <a:pt x="7478712" y="2395537"/>
-                </a:lnTo>
-                <a:lnTo>
-                  <a:pt x="7459662" y="2433637"/>
-                </a:lnTo>
-                <a:lnTo>
-                  <a:pt x="7442200" y="2471737"/>
-                </a:lnTo>
-                <a:lnTo>
-                  <a:pt x="7424737" y="2513012"/>
-                </a:lnTo>
-                <a:lnTo>
-                  <a:pt x="7410450" y="2560637"/>
-                </a:lnTo>
-                <a:lnTo>
-                  <a:pt x="7400925" y="2613025"/>
-                </a:lnTo>
-                <a:lnTo>
-                  <a:pt x="7391400" y="2671762"/>
-                </a:lnTo>
-                <a:lnTo>
-                  <a:pt x="7389812" y="2741612"/>
-                </a:lnTo>
-                <a:lnTo>
-                  <a:pt x="7391400" y="2809875"/>
-                </a:lnTo>
-                <a:lnTo>
-                  <a:pt x="7400925" y="2868612"/>
-                </a:lnTo>
-                <a:lnTo>
-                  <a:pt x="7410450" y="2922587"/>
-                </a:lnTo>
-                <a:lnTo>
-                  <a:pt x="7424737" y="2967037"/>
-                </a:lnTo>
-                <a:lnTo>
-                  <a:pt x="7442200" y="3009900"/>
-                </a:lnTo>
-                <a:lnTo>
-                  <a:pt x="7459662" y="3046412"/>
-                </a:lnTo>
-                <a:lnTo>
-                  <a:pt x="7478712" y="3084512"/>
-                </a:lnTo>
-                <a:lnTo>
-                  <a:pt x="7497762" y="3121025"/>
-                </a:lnTo>
-                <a:lnTo>
-                  <a:pt x="7516812" y="3160712"/>
-                </a:lnTo>
-                <a:lnTo>
-                  <a:pt x="7532687" y="3201987"/>
-                </a:lnTo>
-                <a:lnTo>
-                  <a:pt x="7546975" y="3248025"/>
-                </a:lnTo>
-                <a:lnTo>
-                  <a:pt x="7558087" y="3300412"/>
-                </a:lnTo>
-                <a:lnTo>
-                  <a:pt x="7566025" y="3360737"/>
-                </a:lnTo>
-                <a:lnTo>
-                  <a:pt x="7569200" y="3427412"/>
-                </a:lnTo>
-                <a:lnTo>
-                  <a:pt x="7566025" y="3497262"/>
-                </a:lnTo>
-                <a:lnTo>
-                  <a:pt x="7558087" y="3557587"/>
-                </a:lnTo>
-                <a:lnTo>
-                  <a:pt x="7546975" y="3609975"/>
-                </a:lnTo>
-                <a:lnTo>
-                  <a:pt x="7532687" y="3656012"/>
-                </a:lnTo>
-                <a:lnTo>
-                  <a:pt x="7516812" y="3697287"/>
-                </a:lnTo>
-                <a:lnTo>
-                  <a:pt x="7497762" y="3736975"/>
-                </a:lnTo>
-                <a:lnTo>
-                  <a:pt x="7459662" y="3811587"/>
-                </a:lnTo>
-                <a:lnTo>
-                  <a:pt x="7442200" y="3848100"/>
-                </a:lnTo>
-                <a:lnTo>
-                  <a:pt x="7424737" y="3890962"/>
-                </a:lnTo>
-                <a:lnTo>
-                  <a:pt x="7410450" y="3935412"/>
-                </a:lnTo>
-                <a:lnTo>
-                  <a:pt x="7400925" y="3987800"/>
-                </a:lnTo>
-                <a:lnTo>
-                  <a:pt x="7391400" y="4048125"/>
-                </a:lnTo>
-                <a:lnTo>
-                  <a:pt x="7389812" y="4116387"/>
-                </a:lnTo>
-                <a:lnTo>
-                  <a:pt x="7391400" y="4186237"/>
-                </a:lnTo>
-                <a:lnTo>
-                  <a:pt x="7400925" y="4244975"/>
-                </a:lnTo>
-                <a:lnTo>
-                  <a:pt x="7410450" y="4297362"/>
-                </a:lnTo>
-                <a:lnTo>
-                  <a:pt x="7424737" y="4343400"/>
-                </a:lnTo>
-                <a:lnTo>
-                  <a:pt x="7442200" y="4386262"/>
-                </a:lnTo>
-                <a:lnTo>
-                  <a:pt x="7459662" y="4424362"/>
-                </a:lnTo>
-                <a:lnTo>
-                  <a:pt x="7497762" y="4498975"/>
-                </a:lnTo>
-                <a:lnTo>
-                  <a:pt x="7516812" y="4537075"/>
-                </a:lnTo>
-                <a:lnTo>
-                  <a:pt x="7532687" y="4579937"/>
-                </a:lnTo>
-                <a:lnTo>
-                  <a:pt x="7546975" y="4625975"/>
-                </a:lnTo>
-                <a:lnTo>
-                  <a:pt x="7558087" y="4678362"/>
-                </a:lnTo>
-                <a:lnTo>
-                  <a:pt x="7566025" y="4738687"/>
-                </a:lnTo>
-                <a:lnTo>
-                  <a:pt x="7569200" y="4806950"/>
-                </a:lnTo>
-                <a:lnTo>
-                  <a:pt x="7566025" y="4875212"/>
-                </a:lnTo>
-                <a:lnTo>
-                  <a:pt x="7558087" y="4935537"/>
-                </a:lnTo>
-                <a:lnTo>
-                  <a:pt x="7546975" y="4987925"/>
-                </a:lnTo>
-                <a:lnTo>
-                  <a:pt x="7532687" y="5033962"/>
-                </a:lnTo>
-                <a:lnTo>
-                  <a:pt x="7516812" y="5075237"/>
-                </a:lnTo>
-                <a:lnTo>
-                  <a:pt x="7497762" y="5114925"/>
-                </a:lnTo>
-                <a:lnTo>
-                  <a:pt x="7478712" y="5149850"/>
-                </a:lnTo>
-                <a:lnTo>
-                  <a:pt x="7459662" y="5186362"/>
-                </a:lnTo>
-                <a:lnTo>
-                  <a:pt x="7442200" y="5226050"/>
-                </a:lnTo>
-                <a:lnTo>
-                  <a:pt x="7424737" y="5268912"/>
-                </a:lnTo>
-                <a:lnTo>
-                  <a:pt x="7410450" y="5313362"/>
-                </a:lnTo>
-                <a:lnTo>
-                  <a:pt x="7400925" y="5365750"/>
-                </a:lnTo>
-                <a:lnTo>
-                  <a:pt x="7391400" y="5426075"/>
-                </a:lnTo>
-                <a:lnTo>
-                  <a:pt x="7389812" y="5494337"/>
-                </a:lnTo>
-                <a:lnTo>
-                  <a:pt x="7391400" y="5562600"/>
-                </a:lnTo>
-                <a:lnTo>
-                  <a:pt x="7400925" y="5622925"/>
-                </a:lnTo>
-                <a:lnTo>
-                  <a:pt x="7410450" y="5675312"/>
-                </a:lnTo>
-                <a:lnTo>
-                  <a:pt x="7424737" y="5721350"/>
-                </a:lnTo>
-                <a:lnTo>
-                  <a:pt x="7442200" y="5762625"/>
-                </a:lnTo>
-                <a:lnTo>
-                  <a:pt x="7459662" y="5802312"/>
-                </a:lnTo>
-                <a:lnTo>
-                  <a:pt x="7478712" y="5840412"/>
-                </a:lnTo>
-                <a:lnTo>
-                  <a:pt x="7497762" y="5876925"/>
-                </a:lnTo>
-                <a:lnTo>
-                  <a:pt x="7516812" y="5915025"/>
-                </a:lnTo>
-                <a:lnTo>
-                  <a:pt x="7532687" y="5956300"/>
-                </a:lnTo>
-                <a:lnTo>
-                  <a:pt x="7546975" y="6003925"/>
-                </a:lnTo>
-                <a:lnTo>
-                  <a:pt x="7558087" y="6056312"/>
-                </a:lnTo>
-                <a:lnTo>
-                  <a:pt x="7566025" y="6113462"/>
-                </a:lnTo>
-                <a:lnTo>
-                  <a:pt x="7569200" y="6183312"/>
-                </a:lnTo>
-                <a:lnTo>
-                  <a:pt x="7566025" y="6251575"/>
-                </a:lnTo>
-                <a:lnTo>
-                  <a:pt x="7558087" y="6311900"/>
-                </a:lnTo>
-                <a:lnTo>
-                  <a:pt x="7546975" y="6361112"/>
-                </a:lnTo>
-                <a:lnTo>
-                  <a:pt x="7532687" y="6407150"/>
-                </a:lnTo>
-                <a:lnTo>
-                  <a:pt x="7516812" y="6448425"/>
-                </a:lnTo>
-                <a:lnTo>
-                  <a:pt x="7499350" y="6488112"/>
-                </a:lnTo>
-                <a:lnTo>
-                  <a:pt x="7481887" y="6523037"/>
-                </a:lnTo>
-                <a:lnTo>
-                  <a:pt x="7462837" y="6561137"/>
-                </a:lnTo>
-                <a:lnTo>
-                  <a:pt x="7443787" y="6597650"/>
-                </a:lnTo>
-                <a:lnTo>
-                  <a:pt x="7427912" y="6640512"/>
-                </a:lnTo>
-                <a:lnTo>
-                  <a:pt x="7412037" y="6683375"/>
-                </a:lnTo>
-                <a:lnTo>
-                  <a:pt x="7402512" y="6735762"/>
-                </a:lnTo>
-                <a:lnTo>
-                  <a:pt x="7394575" y="6791325"/>
-                </a:lnTo>
-                <a:lnTo>
-                  <a:pt x="7389812" y="6858000"/>
-                </a:lnTo>
-                <a:lnTo>
-                  <a:pt x="0" y="6858000"/>
-                </a:lnTo>
-                <a:lnTo>
-                  <a:pt x="0" y="0"/>
-                </a:lnTo>
-                <a:close/>
-              </a:path>
-            </a:pathLst>
-          </a:custGeom>
-          <a:solidFill>
-            <a:schemeClr val="bg2">
-              <a:lumMod val="90000"/>
-            </a:schemeClr>
-          </a:solidFill>
-          <a:ln w="0">
-            <a:noFill/>
-            <a:prstDash val="solid"/>
-            <a:round/>
-            <a:headEnd/>
-            <a:tailEnd/>
-          </a:ln>
-        </p:spPr>
-      </p:sp>
-      <p:sp>
-        <p:nvSpPr>
-          <p:cNvPr id="12" name="Rectangle 11" title="left edge border"/>
-          <p:cNvSpPr>
-            <a:spLocks noGrp="1" noRot="1" noChangeAspect="1" noMove="1" noResize="1" noEditPoints="1" noAdjustHandles="1" noChangeArrowheads="1" noChangeShapeType="1" noTextEdit="1"/>
-          </p:cNvSpPr>
-          <p:nvPr>
-            <p:extLst>
-              <p:ext uri="{386F3935-93C4-4BCD-93E2-E3B085C9AB24}">
-                <p16:designElem xmlns:p16="http://schemas.microsoft.com/office/powerpoint/2015/main" xmlns="" val="1"/>
-              </p:ext>
-            </p:extLst>
-          </p:nvPr>
-        </p:nvSpPr>
-        <p:spPr>
-          <a:xfrm>
-            <a:off x="0" y="0"/>
-            <a:ext cx="283464" cy="6858000"/>
-          </a:xfrm>
-          <a:prstGeom prst="rect">
-            <a:avLst/>
-          </a:prstGeom>
-          <a:solidFill>
-            <a:schemeClr val="accent1"/>
-          </a:solidFill>
-          <a:ln>
-            <a:noFill/>
-          </a:ln>
-        </p:spPr>
-        <p:style>
-          <a:lnRef idx="2">
-            <a:schemeClr val="accent1">
-              <a:shade val="50000"/>
-            </a:schemeClr>
-          </a:lnRef>
-          <a:fillRef idx="1">
-            <a:schemeClr val="accent1"/>
-          </a:fillRef>
-          <a:effectRef idx="0">
-            <a:schemeClr val="accent1"/>
-          </a:effectRef>
-          <a:fontRef idx="minor">
-            <a:schemeClr val="lt1"/>
-          </a:fontRef>
-        </p:style>
-      </p:sp>
       <p:pic>
         <p:nvPicPr>
           <p:cNvPr id="4" name="Picture 3"/>
@@ -18453,8 +17074,8 @@
         </p:blipFill>
         <p:spPr>
           <a:xfrm>
-            <a:off x="8050787" y="2232588"/>
-            <a:ext cx="3652360" cy="2175665"/>
+            <a:off x="5959730" y="1469428"/>
+            <a:ext cx="5511853" cy="3279552"/>
           </a:xfrm>
           <a:prstGeom prst="rect">
             <a:avLst/>
@@ -18473,8 +17094,8 @@
         </p:nvSpPr>
         <p:spPr>
           <a:xfrm>
-            <a:off x="754144" y="484631"/>
-            <a:ext cx="6340519" cy="1638469"/>
+            <a:off x="1251677" y="645105"/>
+            <a:ext cx="4357499" cy="1320855"/>
           </a:xfrm>
         </p:spPr>
         <p:txBody>
@@ -18484,10 +17105,10 @@
           <a:lstStyle/>
           <a:p>
             <a:r>
-              <a:rPr lang="en-CA" dirty="0"/>
+              <a:rPr lang="en-CA" sz="4400"/>
               <a:t>The System - IC and VC </a:t>
             </a:r>
-            <a:endParaRPr lang="en-US" dirty="0"/>
+            <a:endParaRPr lang="en-US" sz="4400"/>
           </a:p>
         </p:txBody>
       </p:sp>
@@ -18503,8 +17124,8 @@
         </p:nvSpPr>
         <p:spPr>
           <a:xfrm>
-            <a:off x="765051" y="2443140"/>
-            <a:ext cx="6306309" cy="3930227"/>
+            <a:off x="1251678" y="2286001"/>
+            <a:ext cx="4363595" cy="3593591"/>
           </a:xfrm>
         </p:spPr>
         <p:txBody>
@@ -18514,7 +17135,7 @@
           <a:lstStyle/>
           <a:p>
             <a:r>
-              <a:rPr lang="en-CA" dirty="0" smtClean="0">
+              <a:rPr lang="en-CA" dirty="0">
                 <a:solidFill>
                   <a:schemeClr val="tx1"/>
                 </a:solidFill>
@@ -18663,14 +17284,10 @@
           <a:p>
             <a:r>
               <a:rPr lang="en-CA" dirty="0"/>
-              <a:t>Vehicle </a:t>
-            </a:r>
-            <a:r>
-              <a:rPr lang="en-CA" dirty="0" smtClean="0"/>
-              <a:t>Controller </a:t>
-            </a:r>
-            <a:r>
-              <a:rPr lang="en-CA" sz="1600" dirty="0" smtClean="0"/>
+              <a:t>Vehicle Controller </a:t>
+            </a:r>
+            <a:r>
+              <a:rPr lang="en-CA" sz="1600" dirty="0"/>
               <a:t>(continued)</a:t>
             </a:r>
             <a:endParaRPr lang="en-CA" dirty="0"/>
@@ -18693,26 +17310,21 @@
           <a:lstStyle/>
           <a:p>
             <a:r>
-              <a:rPr lang="en-CA" dirty="0" smtClean="0"/>
+              <a:rPr lang="en-CA" dirty="0"/>
               <a:t>Lane Following Algorithm</a:t>
             </a:r>
           </a:p>
           <a:p>
             <a:r>
-              <a:rPr lang="en-CA" dirty="0" smtClean="0"/>
+              <a:rPr lang="en-CA" dirty="0"/>
               <a:t>Communication</a:t>
             </a:r>
           </a:p>
           <a:p>
             <a:r>
-              <a:rPr lang="en-CA" dirty="0" smtClean="0"/>
-              <a:t>Data </a:t>
-            </a:r>
-            <a:r>
               <a:rPr lang="en-CA" dirty="0"/>
-              <a:t>Passing</a:t>
-            </a:r>
-            <a:endParaRPr lang="en-CA" dirty="0"/>
+              <a:t>Data Passing</a:t>
+            </a:r>
           </a:p>
         </p:txBody>
       </p:sp>
@@ -18835,11 +17447,7 @@
           <a:p>
             <a:r>
               <a:rPr lang="en-CA" dirty="0"/>
-              <a:t>Intersection </a:t>
-            </a:r>
-            <a:r>
-              <a:rPr lang="en-CA" dirty="0" err="1"/>
-              <a:t>COntroller</a:t>
+              <a:t>Intersection Controller</a:t>
             </a:r>
             <a:endParaRPr lang="en-US" dirty="0"/>
           </a:p>

--- a/Presentation/Vehicle Intersection Control Presentation.pptx
+++ b/Presentation/Vehicle Intersection Control Presentation.pptx
@@ -488,6 +488,299 @@
 </file>
 
 <file path=ppt/notesSlides/notesSlide1.xml><?xml version="1.0" encoding="utf-8"?>
+<p:notes xmlns:a="http://schemas.openxmlformats.org/drawingml/2006/main" xmlns:r="http://schemas.openxmlformats.org/officeDocument/2006/relationships" xmlns:p="http://schemas.openxmlformats.org/presentationml/2006/main">
+  <p:cSld>
+    <p:spTree>
+      <p:nvGrpSpPr>
+        <p:cNvPr id="1" name=""/>
+        <p:cNvGrpSpPr/>
+        <p:nvPr/>
+      </p:nvGrpSpPr>
+      <p:grpSpPr>
+        <a:xfrm>
+          <a:off x="0" y="0"/>
+          <a:ext cx="0" cy="0"/>
+          <a:chOff x="0" y="0"/>
+          <a:chExt cx="0" cy="0"/>
+        </a:xfrm>
+      </p:grpSpPr>
+      <p:sp>
+        <p:nvSpPr>
+          <p:cNvPr id="2" name="Slide Image Placeholder 1"/>
+          <p:cNvSpPr>
+            <a:spLocks noGrp="1" noRot="1" noChangeAspect="1"/>
+          </p:cNvSpPr>
+          <p:nvPr>
+            <p:ph type="sldImg"/>
+          </p:nvPr>
+        </p:nvSpPr>
+        <p:spPr/>
+      </p:sp>
+      <p:sp>
+        <p:nvSpPr>
+          <p:cNvPr id="3" name="Notes Placeholder 2"/>
+          <p:cNvSpPr>
+            <a:spLocks noGrp="1"/>
+          </p:cNvSpPr>
+          <p:nvPr>
+            <p:ph type="body" idx="1"/>
+          </p:nvPr>
+        </p:nvSpPr>
+        <p:spPr/>
+        <p:txBody>
+          <a:bodyPr/>
+          <a:lstStyle/>
+          <a:p>
+            <a:r>
+              <a:rPr lang="en-CA" dirty="0" smtClean="0"/>
+              <a:t>How its working</a:t>
+            </a:r>
+          </a:p>
+          <a:p>
+            <a:r>
+              <a:rPr lang="en-CA" dirty="0" smtClean="0"/>
+              <a:t>Parts used </a:t>
+            </a:r>
+          </a:p>
+          <a:p>
+            <a:endParaRPr lang="en-CA" dirty="0"/>
+          </a:p>
+        </p:txBody>
+      </p:sp>
+      <p:sp>
+        <p:nvSpPr>
+          <p:cNvPr id="4" name="Slide Number Placeholder 3"/>
+          <p:cNvSpPr>
+            <a:spLocks noGrp="1"/>
+          </p:cNvSpPr>
+          <p:nvPr>
+            <p:ph type="sldNum" sz="quarter" idx="10"/>
+          </p:nvPr>
+        </p:nvSpPr>
+        <p:spPr/>
+        <p:txBody>
+          <a:bodyPr/>
+          <a:lstStyle/>
+          <a:p>
+            <a:fld id="{9FDAE4FC-73CE-4995-A7FF-7ADA8F1DA8FB}" type="slidenum">
+              <a:rPr lang="en-US" smtClean="0"/>
+              <a:t>6</a:t>
+            </a:fld>
+            <a:endParaRPr lang="en-US"/>
+          </a:p>
+        </p:txBody>
+      </p:sp>
+    </p:spTree>
+    <p:extLst>
+      <p:ext uri="{BB962C8B-B14F-4D97-AF65-F5344CB8AC3E}">
+        <p14:creationId xmlns:p14="http://schemas.microsoft.com/office/powerpoint/2010/main" val="894387723"/>
+      </p:ext>
+    </p:extLst>
+  </p:cSld>
+  <p:clrMapOvr>
+    <a:masterClrMapping/>
+  </p:clrMapOvr>
+</p:notes>
+</file>
+
+<file path=ppt/notesSlides/notesSlide10.xml><?xml version="1.0" encoding="utf-8"?>
+<p:notes xmlns:a="http://schemas.openxmlformats.org/drawingml/2006/main" xmlns:r="http://schemas.openxmlformats.org/officeDocument/2006/relationships" xmlns:p="http://schemas.openxmlformats.org/presentationml/2006/main" showMasterSp="0" showMasterPhAnim="0">
+  <p:cSld>
+    <p:spTree>
+      <p:nvGrpSpPr>
+        <p:cNvPr id="1" name="Shape 173"/>
+        <p:cNvGrpSpPr/>
+        <p:nvPr/>
+      </p:nvGrpSpPr>
+      <p:grpSpPr>
+        <a:xfrm>
+          <a:off x="0" y="0"/>
+          <a:ext cx="0" cy="0"/>
+          <a:chOff x="0" y="0"/>
+          <a:chExt cx="0" cy="0"/>
+        </a:xfrm>
+      </p:grpSpPr>
+      <p:sp>
+        <p:nvSpPr>
+          <p:cNvPr id="174" name="Shape 174"/>
+          <p:cNvSpPr txBox="1">
+            <a:spLocks noGrp="1"/>
+          </p:cNvSpPr>
+          <p:nvPr>
+            <p:ph type="body" idx="1"/>
+          </p:nvPr>
+        </p:nvSpPr>
+        <p:spPr>
+          <a:xfrm>
+            <a:off x="685800" y="4343400"/>
+            <a:ext cx="5486399" cy="4114800"/>
+          </a:xfrm>
+          <a:prstGeom prst="rect">
+            <a:avLst/>
+          </a:prstGeom>
+          <a:noFill/>
+          <a:ln>
+            <a:noFill/>
+          </a:ln>
+        </p:spPr>
+        <p:txBody>
+          <a:bodyPr lIns="91425" tIns="91425" rIns="91425" bIns="91425" anchor="ctr" anchorCtr="0">
+            <a:noAutofit/>
+          </a:bodyPr>
+          <a:lstStyle/>
+          <a:p>
+            <a:pPr lvl="0">
+              <a:spcBef>
+                <a:spcPts val="0"/>
+              </a:spcBef>
+              <a:buNone/>
+            </a:pPr>
+            <a:r>
+              <a:rPr lang="en-CA" dirty="0"/>
+              <a:t>READER: Justin</a:t>
+            </a:r>
+          </a:p>
+        </p:txBody>
+      </p:sp>
+      <p:sp>
+        <p:nvSpPr>
+          <p:cNvPr id="175" name="Shape 175"/>
+          <p:cNvSpPr>
+            <a:spLocks noGrp="1" noRot="1" noChangeAspect="1"/>
+          </p:cNvSpPr>
+          <p:nvPr>
+            <p:ph type="sldImg" idx="2"/>
+          </p:nvPr>
+        </p:nvSpPr>
+        <p:spPr>
+          <a:xfrm>
+            <a:off x="381000" y="685800"/>
+            <a:ext cx="6096000" cy="3429000"/>
+          </a:xfrm>
+          <a:custGeom>
+            <a:avLst/>
+            <a:gdLst/>
+            <a:ahLst/>
+            <a:cxnLst/>
+            <a:rect l="0" t="0" r="0" b="0"/>
+            <a:pathLst>
+              <a:path w="120000" h="120000" extrusionOk="0">
+                <a:moveTo>
+                  <a:pt x="0" y="0"/>
+                </a:moveTo>
+                <a:lnTo>
+                  <a:pt x="120000" y="0"/>
+                </a:lnTo>
+                <a:lnTo>
+                  <a:pt x="120000" y="120000"/>
+                </a:lnTo>
+                <a:lnTo>
+                  <a:pt x="0" y="120000"/>
+                </a:lnTo>
+                <a:close/>
+              </a:path>
+            </a:pathLst>
+          </a:custGeom>
+        </p:spPr>
+      </p:sp>
+    </p:spTree>
+    <p:extLst>
+      <p:ext uri="{BB962C8B-B14F-4D97-AF65-F5344CB8AC3E}">
+        <p14:creationId xmlns:p14="http://schemas.microsoft.com/office/powerpoint/2010/main" val="776072940"/>
+      </p:ext>
+    </p:extLst>
+  </p:cSld>
+  <p:clrMapOvr>
+    <a:masterClrMapping/>
+  </p:clrMapOvr>
+</p:notes>
+</file>
+
+<file path=ppt/notesSlides/notesSlide11.xml><?xml version="1.0" encoding="utf-8"?>
+<p:notes xmlns:a="http://schemas.openxmlformats.org/drawingml/2006/main" xmlns:r="http://schemas.openxmlformats.org/officeDocument/2006/relationships" xmlns:p="http://schemas.openxmlformats.org/presentationml/2006/main">
+  <p:cSld>
+    <p:spTree>
+      <p:nvGrpSpPr>
+        <p:cNvPr id="1" name=""/>
+        <p:cNvGrpSpPr/>
+        <p:nvPr/>
+      </p:nvGrpSpPr>
+      <p:grpSpPr>
+        <a:xfrm>
+          <a:off x="0" y="0"/>
+          <a:ext cx="0" cy="0"/>
+          <a:chOff x="0" y="0"/>
+          <a:chExt cx="0" cy="0"/>
+        </a:xfrm>
+      </p:grpSpPr>
+      <p:sp>
+        <p:nvSpPr>
+          <p:cNvPr id="2" name="Slide Image Placeholder 1"/>
+          <p:cNvSpPr>
+            <a:spLocks noGrp="1" noRot="1" noChangeAspect="1"/>
+          </p:cNvSpPr>
+          <p:nvPr>
+            <p:ph type="sldImg"/>
+          </p:nvPr>
+        </p:nvSpPr>
+        <p:spPr/>
+      </p:sp>
+      <p:sp>
+        <p:nvSpPr>
+          <p:cNvPr id="3" name="Notes Placeholder 2"/>
+          <p:cNvSpPr>
+            <a:spLocks noGrp="1"/>
+          </p:cNvSpPr>
+          <p:nvPr>
+            <p:ph type="body" idx="1"/>
+          </p:nvPr>
+        </p:nvSpPr>
+        <p:spPr/>
+        <p:txBody>
+          <a:bodyPr/>
+          <a:lstStyle/>
+          <a:p>
+            <a:endParaRPr lang="en-CA"/>
+          </a:p>
+        </p:txBody>
+      </p:sp>
+      <p:sp>
+        <p:nvSpPr>
+          <p:cNvPr id="4" name="Slide Number Placeholder 3"/>
+          <p:cNvSpPr>
+            <a:spLocks noGrp="1"/>
+          </p:cNvSpPr>
+          <p:nvPr>
+            <p:ph type="sldNum" sz="quarter" idx="10"/>
+          </p:nvPr>
+        </p:nvSpPr>
+        <p:spPr/>
+        <p:txBody>
+          <a:bodyPr/>
+          <a:lstStyle/>
+          <a:p>
+            <a:fld id="{9FDAE4FC-73CE-4995-A7FF-7ADA8F1DA8FB}" type="slidenum">
+              <a:rPr lang="en-US" smtClean="0"/>
+              <a:t>24</a:t>
+            </a:fld>
+            <a:endParaRPr lang="en-US"/>
+          </a:p>
+        </p:txBody>
+      </p:sp>
+    </p:spTree>
+    <p:extLst>
+      <p:ext uri="{BB962C8B-B14F-4D97-AF65-F5344CB8AC3E}">
+        <p14:creationId xmlns:p14="http://schemas.microsoft.com/office/powerpoint/2010/main" val="1558782985"/>
+      </p:ext>
+    </p:extLst>
+  </p:cSld>
+  <p:clrMapOvr>
+    <a:masterClrMapping/>
+  </p:clrMapOvr>
+</p:notes>
+</file>
+
+<file path=ppt/notesSlides/notesSlide2.xml><?xml version="1.0" encoding="utf-8"?>
 <p:notes xmlns:a="http://schemas.openxmlformats.org/drawingml/2006/main" xmlns:r="http://schemas.openxmlformats.org/officeDocument/2006/relationships" xmlns:p="http://schemas.openxmlformats.org/presentationml/2006/main" showMasterSp="0" showMasterPhAnim="0">
   <p:cSld>
     <p:spTree>
@@ -751,91 +1044,7 @@
 </p:notes>
 </file>
 
-<file path=ppt/notesSlides/notesSlide10.xml><?xml version="1.0" encoding="utf-8"?>
-<p:notes xmlns:a="http://schemas.openxmlformats.org/drawingml/2006/main" xmlns:r="http://schemas.openxmlformats.org/officeDocument/2006/relationships" xmlns:p="http://schemas.openxmlformats.org/presentationml/2006/main">
-  <p:cSld>
-    <p:spTree>
-      <p:nvGrpSpPr>
-        <p:cNvPr id="1" name=""/>
-        <p:cNvGrpSpPr/>
-        <p:nvPr/>
-      </p:nvGrpSpPr>
-      <p:grpSpPr>
-        <a:xfrm>
-          <a:off x="0" y="0"/>
-          <a:ext cx="0" cy="0"/>
-          <a:chOff x="0" y="0"/>
-          <a:chExt cx="0" cy="0"/>
-        </a:xfrm>
-      </p:grpSpPr>
-      <p:sp>
-        <p:nvSpPr>
-          <p:cNvPr id="2" name="Slide Image Placeholder 1"/>
-          <p:cNvSpPr>
-            <a:spLocks noGrp="1" noRot="1" noChangeAspect="1"/>
-          </p:cNvSpPr>
-          <p:nvPr>
-            <p:ph type="sldImg"/>
-          </p:nvPr>
-        </p:nvSpPr>
-        <p:spPr/>
-      </p:sp>
-      <p:sp>
-        <p:nvSpPr>
-          <p:cNvPr id="3" name="Notes Placeholder 2"/>
-          <p:cNvSpPr>
-            <a:spLocks noGrp="1"/>
-          </p:cNvSpPr>
-          <p:nvPr>
-            <p:ph type="body" idx="1"/>
-          </p:nvPr>
-        </p:nvSpPr>
-        <p:spPr/>
-        <p:txBody>
-          <a:bodyPr/>
-          <a:lstStyle/>
-          <a:p>
-            <a:endParaRPr lang="en-CA"/>
-          </a:p>
-        </p:txBody>
-      </p:sp>
-      <p:sp>
-        <p:nvSpPr>
-          <p:cNvPr id="4" name="Slide Number Placeholder 3"/>
-          <p:cNvSpPr>
-            <a:spLocks noGrp="1"/>
-          </p:cNvSpPr>
-          <p:nvPr>
-            <p:ph type="sldNum" sz="quarter" idx="10"/>
-          </p:nvPr>
-        </p:nvSpPr>
-        <p:spPr/>
-        <p:txBody>
-          <a:bodyPr/>
-          <a:lstStyle/>
-          <a:p>
-            <a:fld id="{9FDAE4FC-73CE-4995-A7FF-7ADA8F1DA8FB}" type="slidenum">
-              <a:rPr lang="en-US" smtClean="0"/>
-              <a:t>24</a:t>
-            </a:fld>
-            <a:endParaRPr lang="en-US"/>
-          </a:p>
-        </p:txBody>
-      </p:sp>
-    </p:spTree>
-    <p:extLst>
-      <p:ext uri="{BB962C8B-B14F-4D97-AF65-F5344CB8AC3E}">
-        <p14:creationId xmlns:p14="http://schemas.microsoft.com/office/powerpoint/2010/main" val="1558782985"/>
-      </p:ext>
-    </p:extLst>
-  </p:cSld>
-  <p:clrMapOvr>
-    <a:masterClrMapping/>
-  </p:clrMapOvr>
-</p:notes>
-</file>
-
-<file path=ppt/notesSlides/notesSlide2.xml><?xml version="1.0" encoding="utf-8"?>
+<file path=ppt/notesSlides/notesSlide3.xml><?xml version="1.0" encoding="utf-8"?>
 <p:notes xmlns:a="http://schemas.openxmlformats.org/drawingml/2006/main" xmlns:r="http://schemas.openxmlformats.org/officeDocument/2006/relationships" xmlns:p="http://schemas.openxmlformats.org/presentationml/2006/main" showMasterSp="0" showMasterPhAnim="0">
   <p:cSld>
     <p:spTree>
@@ -991,7 +1200,7 @@
 </p:notes>
 </file>
 
-<file path=ppt/notesSlides/notesSlide3.xml><?xml version="1.0" encoding="utf-8"?>
+<file path=ppt/notesSlides/notesSlide4.xml><?xml version="1.0" encoding="utf-8"?>
 <p:notes xmlns:a="http://schemas.openxmlformats.org/drawingml/2006/main" xmlns:r="http://schemas.openxmlformats.org/officeDocument/2006/relationships" xmlns:p="http://schemas.openxmlformats.org/presentationml/2006/main" showMasterSp="0" showMasterPhAnim="0">
   <p:cSld>
     <p:spTree>
@@ -1331,7 +1540,7 @@
 </p:notes>
 </file>
 
-<file path=ppt/notesSlides/notesSlide4.xml><?xml version="1.0" encoding="utf-8"?>
+<file path=ppt/notesSlides/notesSlide5.xml><?xml version="1.0" encoding="utf-8"?>
 <p:notes xmlns:a="http://schemas.openxmlformats.org/drawingml/2006/main" xmlns:r="http://schemas.openxmlformats.org/officeDocument/2006/relationships" xmlns:p="http://schemas.openxmlformats.org/presentationml/2006/main">
   <p:cSld>
     <p:spTree>
@@ -1418,7 +1627,7 @@
 </p:notes>
 </file>
 
-<file path=ppt/notesSlides/notesSlide5.xml><?xml version="1.0" encoding="utf-8"?>
+<file path=ppt/notesSlides/notesSlide6.xml><?xml version="1.0" encoding="utf-8"?>
 <p:notes xmlns:a="http://schemas.openxmlformats.org/drawingml/2006/main" xmlns:r="http://schemas.openxmlformats.org/officeDocument/2006/relationships" xmlns:p="http://schemas.openxmlformats.org/presentationml/2006/main" showMasterSp="0" showMasterPhAnim="0">
   <p:cSld>
     <p:spTree>
@@ -1536,7 +1745,7 @@
 </p:notes>
 </file>
 
-<file path=ppt/notesSlides/notesSlide6.xml><?xml version="1.0" encoding="utf-8"?>
+<file path=ppt/notesSlides/notesSlide7.xml><?xml version="1.0" encoding="utf-8"?>
 <p:notes xmlns:a="http://schemas.openxmlformats.org/drawingml/2006/main" xmlns:r="http://schemas.openxmlformats.org/officeDocument/2006/relationships" xmlns:p="http://schemas.openxmlformats.org/presentationml/2006/main">
   <p:cSld>
     <p:spTree>
@@ -1628,7 +1837,7 @@
 </p:notes>
 </file>
 
-<file path=ppt/notesSlides/notesSlide7.xml><?xml version="1.0" encoding="utf-8"?>
+<file path=ppt/notesSlides/notesSlide8.xml><?xml version="1.0" encoding="utf-8"?>
 <p:notes xmlns:a="http://schemas.openxmlformats.org/drawingml/2006/main" xmlns:r="http://schemas.openxmlformats.org/officeDocument/2006/relationships" xmlns:p="http://schemas.openxmlformats.org/presentationml/2006/main" showMasterSp="0" showMasterPhAnim="0">
   <p:cSld>
     <p:spTree>
@@ -1825,7 +2034,7 @@
 </p:notes>
 </file>
 
-<file path=ppt/notesSlides/notesSlide8.xml><?xml version="1.0" encoding="utf-8"?>
+<file path=ppt/notesSlides/notesSlide9.xml><?xml version="1.0" encoding="utf-8"?>
 <p:notes xmlns:a="http://schemas.openxmlformats.org/drawingml/2006/main" xmlns:r="http://schemas.openxmlformats.org/officeDocument/2006/relationships" xmlns:p="http://schemas.openxmlformats.org/presentationml/2006/main" showMasterSp="0" showMasterPhAnim="0">
   <p:cSld>
     <p:spTree>
@@ -1930,119 +2139,6 @@
     <p:extLst>
       <p:ext uri="{BB962C8B-B14F-4D97-AF65-F5344CB8AC3E}">
         <p14:creationId xmlns:p14="http://schemas.microsoft.com/office/powerpoint/2010/main" val="4095220068"/>
-      </p:ext>
-    </p:extLst>
-  </p:cSld>
-  <p:clrMapOvr>
-    <a:masterClrMapping/>
-  </p:clrMapOvr>
-</p:notes>
-</file>
-
-<file path=ppt/notesSlides/notesSlide9.xml><?xml version="1.0" encoding="utf-8"?>
-<p:notes xmlns:a="http://schemas.openxmlformats.org/drawingml/2006/main" xmlns:r="http://schemas.openxmlformats.org/officeDocument/2006/relationships" xmlns:p="http://schemas.openxmlformats.org/presentationml/2006/main" showMasterSp="0" showMasterPhAnim="0">
-  <p:cSld>
-    <p:spTree>
-      <p:nvGrpSpPr>
-        <p:cNvPr id="1" name="Shape 173"/>
-        <p:cNvGrpSpPr/>
-        <p:nvPr/>
-      </p:nvGrpSpPr>
-      <p:grpSpPr>
-        <a:xfrm>
-          <a:off x="0" y="0"/>
-          <a:ext cx="0" cy="0"/>
-          <a:chOff x="0" y="0"/>
-          <a:chExt cx="0" cy="0"/>
-        </a:xfrm>
-      </p:grpSpPr>
-      <p:sp>
-        <p:nvSpPr>
-          <p:cNvPr id="174" name="Shape 174"/>
-          <p:cNvSpPr txBox="1">
-            <a:spLocks noGrp="1"/>
-          </p:cNvSpPr>
-          <p:nvPr>
-            <p:ph type="body" idx="1"/>
-          </p:nvPr>
-        </p:nvSpPr>
-        <p:spPr>
-          <a:xfrm>
-            <a:off x="685800" y="4343400"/>
-            <a:ext cx="5486399" cy="4114800"/>
-          </a:xfrm>
-          <a:prstGeom prst="rect">
-            <a:avLst/>
-          </a:prstGeom>
-          <a:noFill/>
-          <a:ln>
-            <a:noFill/>
-          </a:ln>
-        </p:spPr>
-        <p:txBody>
-          <a:bodyPr lIns="91425" tIns="91425" rIns="91425" bIns="91425" anchor="ctr" anchorCtr="0">
-            <a:noAutofit/>
-          </a:bodyPr>
-          <a:lstStyle/>
-          <a:p>
-            <a:pPr lvl="0">
-              <a:spcBef>
-                <a:spcPts val="0"/>
-              </a:spcBef>
-              <a:buNone/>
-            </a:pPr>
-            <a:r>
-              <a:rPr lang="en-CA" dirty="0"/>
-              <a:t>READER: Justin</a:t>
-            </a:r>
-          </a:p>
-        </p:txBody>
-      </p:sp>
-      <p:sp>
-        <p:nvSpPr>
-          <p:cNvPr id="175" name="Shape 175"/>
-          <p:cNvSpPr>
-            <a:spLocks noGrp="1" noRot="1" noChangeAspect="1"/>
-          </p:cNvSpPr>
-          <p:nvPr>
-            <p:ph type="sldImg" idx="2"/>
-          </p:nvPr>
-        </p:nvSpPr>
-        <p:spPr>
-          <a:xfrm>
-            <a:off x="381000" y="685800"/>
-            <a:ext cx="6096000" cy="3429000"/>
-          </a:xfrm>
-          <a:custGeom>
-            <a:avLst/>
-            <a:gdLst/>
-            <a:ahLst/>
-            <a:cxnLst/>
-            <a:rect l="0" t="0" r="0" b="0"/>
-            <a:pathLst>
-              <a:path w="120000" h="120000" extrusionOk="0">
-                <a:moveTo>
-                  <a:pt x="0" y="0"/>
-                </a:moveTo>
-                <a:lnTo>
-                  <a:pt x="120000" y="0"/>
-                </a:lnTo>
-                <a:lnTo>
-                  <a:pt x="120000" y="120000"/>
-                </a:lnTo>
-                <a:lnTo>
-                  <a:pt x="0" y="120000"/>
-                </a:lnTo>
-                <a:close/>
-              </a:path>
-            </a:pathLst>
-          </a:custGeom>
-        </p:spPr>
-      </p:sp>
-    </p:spTree>
-    <p:extLst>
-      <p:ext uri="{BB962C8B-B14F-4D97-AF65-F5344CB8AC3E}">
-        <p14:creationId xmlns:p14="http://schemas.microsoft.com/office/powerpoint/2010/main" val="776072940"/>
       </p:ext>
     </p:extLst>
   </p:cSld>
@@ -8773,7 +8869,7 @@
           <p:nvPr>
             <p:extLst>
               <p:ext uri="{386F3935-93C4-4BCD-93E2-E3B085C9AB24}">
-                <p16:designElem xmlns:p16="http://schemas.microsoft.com/office/powerpoint/2015/main" val="1"/>
+                <p16:designElem xmlns:p16="http://schemas.microsoft.com/office/powerpoint/2015/main" xmlns="" val="1"/>
               </p:ext>
             </p:extLst>
           </p:nvPr>
@@ -8923,7 +9019,7 @@
           <p:nvPr>
             <p:extLst>
               <p:ext uri="{386F3935-93C4-4BCD-93E2-E3B085C9AB24}">
-                <p16:designElem xmlns:p16="http://schemas.microsoft.com/office/powerpoint/2015/main" val="1"/>
+                <p16:designElem xmlns:p16="http://schemas.microsoft.com/office/powerpoint/2015/main" xmlns="" val="1"/>
               </p:ext>
             </p:extLst>
           </p:nvPr>
@@ -9395,7 +9491,7 @@
           <p:nvPr>
             <p:extLst>
               <p:ext uri="{386F3935-93C4-4BCD-93E2-E3B085C9AB24}">
-                <p16:designElem xmlns:p16="http://schemas.microsoft.com/office/powerpoint/2015/main" val="1"/>
+                <p16:designElem xmlns:p16="http://schemas.microsoft.com/office/powerpoint/2015/main" xmlns="" val="1"/>
               </p:ext>
             </p:extLst>
           </p:nvPr>
@@ -14811,28 +14907,28 @@
                 <a:gridCol w="2576675">
                   <a:extLst>
                     <a:ext uri="{9D8B030D-6E8A-4147-A177-3AD203B41FA5}">
-                      <a16:colId xmlns:a16="http://schemas.microsoft.com/office/drawing/2014/main" val="20000"/>
+                      <a16:colId xmlns:a16="http://schemas.microsoft.com/office/drawing/2014/main" xmlns="" val="20000"/>
                     </a:ext>
                   </a:extLst>
                 </a:gridCol>
                 <a:gridCol w="2576675">
                   <a:extLst>
                     <a:ext uri="{9D8B030D-6E8A-4147-A177-3AD203B41FA5}">
-                      <a16:colId xmlns:a16="http://schemas.microsoft.com/office/drawing/2014/main" val="20001"/>
+                      <a16:colId xmlns:a16="http://schemas.microsoft.com/office/drawing/2014/main" xmlns="" val="20001"/>
                     </a:ext>
                   </a:extLst>
                 </a:gridCol>
                 <a:gridCol w="2576675">
                   <a:extLst>
                     <a:ext uri="{9D8B030D-6E8A-4147-A177-3AD203B41FA5}">
-                      <a16:colId xmlns:a16="http://schemas.microsoft.com/office/drawing/2014/main" val="20002"/>
+                      <a16:colId xmlns:a16="http://schemas.microsoft.com/office/drawing/2014/main" xmlns="" val="20002"/>
                     </a:ext>
                   </a:extLst>
                 </a:gridCol>
                 <a:gridCol w="1578550">
                   <a:extLst>
                     <a:ext uri="{9D8B030D-6E8A-4147-A177-3AD203B41FA5}">
-                      <a16:colId xmlns:a16="http://schemas.microsoft.com/office/drawing/2014/main" val="20003"/>
+                      <a16:colId xmlns:a16="http://schemas.microsoft.com/office/drawing/2014/main" xmlns="" val="20003"/>
                     </a:ext>
                   </a:extLst>
                 </a:gridCol>
@@ -14916,7 +15012,7 @@
                 </a:tc>
                 <a:extLst>
                   <a:ext uri="{0D108BD9-81ED-4DB2-BD59-A6C34878D82A}">
-                    <a16:rowId xmlns:a16="http://schemas.microsoft.com/office/drawing/2014/main" val="10000"/>
+                    <a16:rowId xmlns:a16="http://schemas.microsoft.com/office/drawing/2014/main" xmlns="" val="10000"/>
                   </a:ext>
                 </a:extLst>
               </a:tr>
@@ -15011,7 +15107,7 @@
                 </a:tc>
                 <a:extLst>
                   <a:ext uri="{0D108BD9-81ED-4DB2-BD59-A6C34878D82A}">
-                    <a16:rowId xmlns:a16="http://schemas.microsoft.com/office/drawing/2014/main" val="10001"/>
+                    <a16:rowId xmlns:a16="http://schemas.microsoft.com/office/drawing/2014/main" xmlns="" val="10001"/>
                   </a:ext>
                 </a:extLst>
               </a:tr>
@@ -15103,7 +15199,7 @@
                 </a:tc>
                 <a:extLst>
                   <a:ext uri="{0D108BD9-81ED-4DB2-BD59-A6C34878D82A}">
-                    <a16:rowId xmlns:a16="http://schemas.microsoft.com/office/drawing/2014/main" val="10002"/>
+                    <a16:rowId xmlns:a16="http://schemas.microsoft.com/office/drawing/2014/main" xmlns="" val="10002"/>
                   </a:ext>
                 </a:extLst>
               </a:tr>
@@ -15186,7 +15282,7 @@
                 </a:tc>
                 <a:extLst>
                   <a:ext uri="{0D108BD9-81ED-4DB2-BD59-A6C34878D82A}">
-                    <a16:rowId xmlns:a16="http://schemas.microsoft.com/office/drawing/2014/main" val="10003"/>
+                    <a16:rowId xmlns:a16="http://schemas.microsoft.com/office/drawing/2014/main" xmlns="" val="10003"/>
                   </a:ext>
                 </a:extLst>
               </a:tr>
@@ -15269,7 +15365,7 @@
                 </a:tc>
                 <a:extLst>
                   <a:ext uri="{0D108BD9-81ED-4DB2-BD59-A6C34878D82A}">
-                    <a16:rowId xmlns:a16="http://schemas.microsoft.com/office/drawing/2014/main" val="10004"/>
+                    <a16:rowId xmlns:a16="http://schemas.microsoft.com/office/drawing/2014/main" xmlns="" val="10004"/>
                   </a:ext>
                 </a:extLst>
               </a:tr>
@@ -15352,7 +15448,7 @@
                 </a:tc>
                 <a:extLst>
                   <a:ext uri="{0D108BD9-81ED-4DB2-BD59-A6C34878D82A}">
-                    <a16:rowId xmlns:a16="http://schemas.microsoft.com/office/drawing/2014/main" val="10005"/>
+                    <a16:rowId xmlns:a16="http://schemas.microsoft.com/office/drawing/2014/main" xmlns="" val="10005"/>
                   </a:ext>
                 </a:extLst>
               </a:tr>
@@ -15435,7 +15531,7 @@
                 </a:tc>
                 <a:extLst>
                   <a:ext uri="{0D108BD9-81ED-4DB2-BD59-A6C34878D82A}">
-                    <a16:rowId xmlns:a16="http://schemas.microsoft.com/office/drawing/2014/main" val="10006"/>
+                    <a16:rowId xmlns:a16="http://schemas.microsoft.com/office/drawing/2014/main" xmlns="" val="10006"/>
                   </a:ext>
                 </a:extLst>
               </a:tr>
@@ -15922,7 +16018,7 @@
           <p:nvPr>
             <p:extLst>
               <p:ext uri="{386F3935-93C4-4BCD-93E2-E3B085C9AB24}">
-                <p16:designElem xmlns:p16="http://schemas.microsoft.com/office/powerpoint/2015/main" val="1"/>
+                <p16:designElem xmlns:p16="http://schemas.microsoft.com/office/powerpoint/2015/main" xmlns="" val="1"/>
               </p:ext>
             </p:extLst>
           </p:nvPr>
@@ -15976,7 +16072,7 @@
           <p:nvPr>
             <p:extLst>
               <p:ext uri="{386F3935-93C4-4BCD-93E2-E3B085C9AB24}">
-                <p16:designElem xmlns:p16="http://schemas.microsoft.com/office/powerpoint/2015/main" val="1"/>
+                <p16:designElem xmlns:p16="http://schemas.microsoft.com/office/powerpoint/2015/main" xmlns="" val="1"/>
               </p:ext>
             </p:extLst>
           </p:nvPr>
@@ -16069,7 +16165,7 @@
           <p:nvPr>
             <p:extLst>
               <p:ext uri="{386F3935-93C4-4BCD-93E2-E3B085C9AB24}">
-                <p16:designElem xmlns:p16="http://schemas.microsoft.com/office/powerpoint/2015/main" val="1"/>
+                <p16:designElem xmlns:p16="http://schemas.microsoft.com/office/powerpoint/2015/main" xmlns="" val="1"/>
               </p:ext>
             </p:extLst>
           </p:nvPr>
@@ -17213,27 +17309,74 @@
             <p:ph idx="1"/>
           </p:nvPr>
         </p:nvSpPr>
-        <p:spPr/>
+        <p:spPr>
+          <a:xfrm>
+            <a:off x="1271998" y="1259841"/>
+            <a:ext cx="10178322" cy="2296159"/>
+          </a:xfrm>
+        </p:spPr>
         <p:txBody>
-          <a:bodyPr/>
+          <a:bodyPr>
+            <a:normAutofit/>
+          </a:bodyPr>
           <a:lstStyle/>
-          <a:p>
-            <a:r>
-              <a:rPr lang="en-CA" dirty="0"/>
-              <a:t>How its working</a:t>
-            </a:r>
-          </a:p>
-          <a:p>
-            <a:r>
-              <a:rPr lang="en-CA" dirty="0"/>
-              <a:t>Parts used </a:t>
-            </a:r>
-          </a:p>
           <a:p>
             <a:pPr marL="0" indent="0">
               <a:buNone/>
             </a:pPr>
-            <a:endParaRPr lang="en-US" b="1" dirty="0"/>
+            <a:r>
+              <a:rPr lang="en-US" b="1" dirty="0" smtClean="0"/>
+              <a:t>Four Main Components</a:t>
+            </a:r>
+          </a:p>
+          <a:p>
+            <a:pPr>
+              <a:buFontTx/>
+              <a:buChar char="-"/>
+            </a:pPr>
+            <a:r>
+              <a:rPr lang="en-US" sz="1800" b="1" dirty="0" smtClean="0"/>
+              <a:t>Image processing </a:t>
+            </a:r>
+          </a:p>
+          <a:p>
+            <a:pPr>
+              <a:buFontTx/>
+              <a:buChar char="-"/>
+            </a:pPr>
+            <a:r>
+              <a:rPr lang="en-US" sz="1800" b="1" dirty="0"/>
+              <a:t>Vehicle </a:t>
+            </a:r>
+            <a:r>
+              <a:rPr lang="en-US" sz="1800" b="1" dirty="0" smtClean="0"/>
+              <a:t>Navigation</a:t>
+            </a:r>
+            <a:endParaRPr lang="en-US" sz="1800" b="1" dirty="0" smtClean="0"/>
+          </a:p>
+          <a:p>
+            <a:pPr>
+              <a:buFontTx/>
+              <a:buChar char="-"/>
+            </a:pPr>
+            <a:r>
+              <a:rPr lang="en-US" sz="1800" b="1" dirty="0" smtClean="0"/>
+              <a:t>Communication </a:t>
+            </a:r>
+          </a:p>
+          <a:p>
+            <a:pPr>
+              <a:buFontTx/>
+              <a:buChar char="-"/>
+            </a:pPr>
+            <a:r>
+              <a:rPr lang="en-US" sz="1800" b="1" dirty="0" smtClean="0"/>
+              <a:t>Hardware </a:t>
+            </a:r>
+            <a:r>
+              <a:rPr lang="en-US" sz="1800" b="1" dirty="0" smtClean="0"/>
+              <a:t>Interfacing (servo, speed, ultrasonic sensor)</a:t>
+            </a:r>
           </a:p>
         </p:txBody>
       </p:sp>
